--- a/Presentazione_Prima consegna/presentazione PrimaConsegna.pptx
+++ b/Presentazione_Prima consegna/presentazione PrimaConsegna.pptx
@@ -5,15 +5,30 @@
     <p:sldMasterId id="2147483710" r:id="rId1"/>
   </p:sldMasterIdLst>
   <p:notesMasterIdLst>
-    <p:notesMasterId r:id="rId8"/>
+    <p:notesMasterId r:id="rId23"/>
   </p:notesMasterIdLst>
   <p:sldIdLst>
     <p:sldId id="257" r:id="rId2"/>
-    <p:sldId id="258" r:id="rId3"/>
-    <p:sldId id="259" r:id="rId4"/>
-    <p:sldId id="260" r:id="rId5"/>
-    <p:sldId id="261" r:id="rId6"/>
-    <p:sldId id="262" r:id="rId7"/>
+    <p:sldId id="263" r:id="rId3"/>
+    <p:sldId id="264" r:id="rId4"/>
+    <p:sldId id="262" r:id="rId5"/>
+    <p:sldId id="265" r:id="rId6"/>
+    <p:sldId id="266" r:id="rId7"/>
+    <p:sldId id="267" r:id="rId8"/>
+    <p:sldId id="277" r:id="rId9"/>
+    <p:sldId id="268" r:id="rId10"/>
+    <p:sldId id="269" r:id="rId11"/>
+    <p:sldId id="270" r:id="rId12"/>
+    <p:sldId id="271" r:id="rId13"/>
+    <p:sldId id="272" r:id="rId14"/>
+    <p:sldId id="273" r:id="rId15"/>
+    <p:sldId id="274" r:id="rId16"/>
+    <p:sldId id="275" r:id="rId17"/>
+    <p:sldId id="276" r:id="rId18"/>
+    <p:sldId id="258" r:id="rId19"/>
+    <p:sldId id="259" r:id="rId20"/>
+    <p:sldId id="260" r:id="rId21"/>
+    <p:sldId id="261" r:id="rId22"/>
   </p:sldIdLst>
   <p:sldSz cx="12192000" cy="6858000"/>
   <p:notesSz cx="6858000" cy="9144000"/>
@@ -112,6 +127,11 @@
       </a:defRPr>
     </a:lvl9pPr>
   </p:defaultTextStyle>
+  <p:extLst>
+    <p:ext uri="{EFAFB233-063F-42B5-8137-9DF3F51BA10A}">
+      <p15:sldGuideLst xmlns:p15="http://schemas.microsoft.com/office/powerpoint/2012/main"/>
+    </p:ext>
+  </p:extLst>
 </p:presentation>
 </file>
 
@@ -197,7 +217,7 @@
           <a:p>
             <a:fld id="{94AE6AE3-6C4F-4985-8BF4-D339751B5499}" type="datetimeFigureOut">
               <a:rPr lang="it-IT" smtClean="0"/>
-              <a:t>09/12/2021</a:t>
+              <a:t>12/12/2021</a:t>
             </a:fld>
             <a:endParaRPr lang="it-IT"/>
           </a:p>
@@ -529,7 +549,7 @@
           <a:p>
             <a:fld id="{52EFEA67-AF46-4217-ABD9-0D7F7D1C2909}" type="slidenum">
               <a:rPr lang="it-IT" smtClean="0"/>
-              <a:t>5</a:t>
+              <a:t>21</a:t>
             </a:fld>
             <a:endParaRPr lang="it-IT"/>
           </a:p>
@@ -1759,7 +1779,7 @@
           <a:p>
             <a:fld id="{246CB39B-5F4C-4A7E-9BE3-AAFD45576D16}" type="datetime2">
               <a:rPr lang="en-US" smtClean="0"/>
-              <a:t>Thursday, December 9, 2021</a:t>
+              <a:t>Sunday, December 12, 2021</a:t>
             </a:fld>
             <a:endParaRPr lang="en-US" dirty="0"/>
           </a:p>
@@ -2003,7 +2023,7 @@
           <a:p>
             <a:fld id="{246CB39B-5F4C-4A7E-9BE3-AAFD45576D16}" type="datetime2">
               <a:rPr lang="en-US" smtClean="0"/>
-              <a:t>Thursday, December 9, 2021</a:t>
+              <a:t>Sunday, December 12, 2021</a:t>
             </a:fld>
             <a:endParaRPr lang="en-US" dirty="0"/>
           </a:p>
@@ -2189,7 +2209,7 @@
           <a:p>
             <a:fld id="{246CB39B-5F4C-4A7E-9BE3-AAFD45576D16}" type="datetime2">
               <a:rPr lang="en-US" smtClean="0"/>
-              <a:t>Thursday, December 9, 2021</a:t>
+              <a:t>Sunday, December 12, 2021</a:t>
             </a:fld>
             <a:endParaRPr lang="en-US" dirty="0"/>
           </a:p>
@@ -2365,7 +2385,7 @@
           <a:p>
             <a:fld id="{246CB39B-5F4C-4A7E-9BE3-AAFD45576D16}" type="datetime2">
               <a:rPr lang="en-US" smtClean="0"/>
-              <a:t>Thursday, December 9, 2021</a:t>
+              <a:t>Sunday, December 12, 2021</a:t>
             </a:fld>
             <a:endParaRPr lang="en-US" dirty="0"/>
           </a:p>
@@ -2647,7 +2667,7 @@
           <a:p>
             <a:fld id="{246CB39B-5F4C-4A7E-9BE3-AAFD45576D16}" type="datetime2">
               <a:rPr lang="en-US" smtClean="0"/>
-              <a:t>Thursday, December 9, 2021</a:t>
+              <a:t>Sunday, December 12, 2021</a:t>
             </a:fld>
             <a:endParaRPr lang="en-US" dirty="0"/>
           </a:p>
@@ -3854,7 +3874,7 @@
           <a:p>
             <a:fld id="{246CB39B-5F4C-4A7E-9BE3-AAFD45576D16}" type="datetime2">
               <a:rPr lang="en-US" smtClean="0"/>
-              <a:t>Thursday, December 9, 2021</a:t>
+              <a:t>Sunday, December 12, 2021</a:t>
             </a:fld>
             <a:endParaRPr lang="en-US" dirty="0"/>
           </a:p>
@@ -4250,7 +4270,7 @@
           <a:p>
             <a:fld id="{246CB39B-5F4C-4A7E-9BE3-AAFD45576D16}" type="datetime2">
               <a:rPr lang="en-US" smtClean="0"/>
-              <a:t>Thursday, December 9, 2021</a:t>
+              <a:t>Sunday, December 12, 2021</a:t>
             </a:fld>
             <a:endParaRPr lang="en-US" dirty="0"/>
           </a:p>
@@ -4379,7 +4399,7 @@
           <a:p>
             <a:fld id="{246CB39B-5F4C-4A7E-9BE3-AAFD45576D16}" type="datetime2">
               <a:rPr lang="en-US" smtClean="0"/>
-              <a:t>Thursday, December 9, 2021</a:t>
+              <a:t>Sunday, December 12, 2021</a:t>
             </a:fld>
             <a:endParaRPr lang="en-US" dirty="0"/>
           </a:p>
@@ -4480,7 +4500,7 @@
           <a:p>
             <a:fld id="{246CB39B-5F4C-4A7E-9BE3-AAFD45576D16}" type="datetime2">
               <a:rPr lang="en-US" smtClean="0"/>
-              <a:t>Thursday, December 9, 2021</a:t>
+              <a:t>Sunday, December 12, 2021</a:t>
             </a:fld>
             <a:endParaRPr lang="en-US" dirty="0"/>
           </a:p>
@@ -5249,7 +5269,7 @@
           <a:p>
             <a:fld id="{246CB39B-5F4C-4A7E-9BE3-AAFD45576D16}" type="datetime2">
               <a:rPr lang="en-US" smtClean="0"/>
-              <a:t>Thursday, December 9, 2021</a:t>
+              <a:t>Sunday, December 12, 2021</a:t>
             </a:fld>
             <a:endParaRPr lang="en-US" dirty="0"/>
           </a:p>
@@ -6095,7 +6115,7 @@
           <a:p>
             <a:fld id="{246CB39B-5F4C-4A7E-9BE3-AAFD45576D16}" type="datetime2">
               <a:rPr lang="en-US" smtClean="0"/>
-              <a:t>Thursday, December 9, 2021</a:t>
+              <a:t>Sunday, December 12, 2021</a:t>
             </a:fld>
             <a:endParaRPr lang="en-US" dirty="0"/>
           </a:p>
@@ -6328,7 +6348,7 @@
           <a:p>
             <a:fld id="{246CB39B-5F4C-4A7E-9BE3-AAFD45576D16}" type="datetime2">
               <a:rPr lang="en-US" smtClean="0"/>
-              <a:t>Thursday, December 9, 2021</a:t>
+              <a:t>Sunday, December 12, 2021</a:t>
             </a:fld>
             <a:endParaRPr lang="en-US" dirty="0"/>
           </a:p>
@@ -8878,7 +8898,1642 @@
 </p:sld>
 </file>
 
-<file path=ppt/slides/slide2.xml><?xml version="1.0" encoding="utf-8"?>
+<file path=ppt/slides/slide10.xml><?xml version="1.0" encoding="utf-8"?>
+<p:sld xmlns:a="http://schemas.openxmlformats.org/drawingml/2006/main" xmlns:r="http://schemas.openxmlformats.org/officeDocument/2006/relationships" xmlns:p="http://schemas.openxmlformats.org/presentationml/2006/main">
+  <p:cSld>
+    <p:spTree>
+      <p:nvGrpSpPr>
+        <p:cNvPr id="1" name=""/>
+        <p:cNvGrpSpPr/>
+        <p:nvPr/>
+      </p:nvGrpSpPr>
+      <p:grpSpPr>
+        <a:xfrm>
+          <a:off x="0" y="0"/>
+          <a:ext cx="0" cy="0"/>
+          <a:chOff x="0" y="0"/>
+          <a:chExt cx="0" cy="0"/>
+        </a:xfrm>
+      </p:grpSpPr>
+      <p:sp>
+        <p:nvSpPr>
+          <p:cNvPr id="2" name="Titolo 1">
+            <a:extLst>
+              <a:ext uri="{FF2B5EF4-FFF2-40B4-BE49-F238E27FC236}">
+                <a16:creationId xmlns:a16="http://schemas.microsoft.com/office/drawing/2014/main" id="{B091881F-E104-4A2A-A90F-E9C96E8E73B4}"/>
+              </a:ext>
+            </a:extLst>
+          </p:cNvPr>
+          <p:cNvSpPr>
+            <a:spLocks noGrp="1"/>
+          </p:cNvSpPr>
+          <p:nvPr>
+            <p:ph type="title"/>
+          </p:nvPr>
+        </p:nvSpPr>
+        <p:spPr>
+          <a:xfrm rot="16200000">
+            <a:off x="-2890757" y="2890759"/>
+            <a:ext cx="6533338" cy="751823"/>
+          </a:xfrm>
+        </p:spPr>
+        <p:txBody>
+          <a:bodyPr>
+            <a:normAutofit fontScale="90000"/>
+          </a:bodyPr>
+          <a:lstStyle/>
+          <a:p>
+            <a:pPr algn="r"/>
+            <a:r>
+              <a:rPr lang="it-IT" dirty="0" err="1">
+                <a:solidFill>
+                  <a:srgbClr val="F8B323"/>
+                </a:solidFill>
+              </a:rPr>
+              <a:t>Sequence</a:t>
+            </a:r>
+            <a:r>
+              <a:rPr lang="it-IT" dirty="0">
+                <a:solidFill>
+                  <a:srgbClr val="F8B323"/>
+                </a:solidFill>
+              </a:rPr>
+              <a:t> </a:t>
+            </a:r>
+            <a:r>
+              <a:rPr lang="it-IT" dirty="0" err="1">
+                <a:solidFill>
+                  <a:srgbClr val="F8B323"/>
+                </a:solidFill>
+              </a:rPr>
+              <a:t>diagram</a:t>
+            </a:r>
+            <a:endParaRPr lang="it-IT" dirty="0">
+              <a:solidFill>
+                <a:srgbClr val="F8B323"/>
+              </a:solidFill>
+            </a:endParaRPr>
+          </a:p>
+        </p:txBody>
+      </p:sp>
+      <p:pic>
+        <p:nvPicPr>
+          <p:cNvPr id="7" name="image14.png">
+            <a:extLst>
+              <a:ext uri="{FF2B5EF4-FFF2-40B4-BE49-F238E27FC236}">
+                <a16:creationId xmlns:a16="http://schemas.microsoft.com/office/drawing/2014/main" id="{704498A1-FB6E-4B3B-A9CD-3C9B6B58BC43}"/>
+              </a:ext>
+            </a:extLst>
+          </p:cNvPr>
+          <p:cNvPicPr/>
+          <p:nvPr/>
+        </p:nvPicPr>
+        <p:blipFill>
+          <a:blip r:embed="rId2"/>
+          <a:srcRect/>
+          <a:stretch>
+            <a:fillRect/>
+          </a:stretch>
+        </p:blipFill>
+        <p:spPr>
+          <a:xfrm>
+            <a:off x="996462" y="575568"/>
+            <a:ext cx="10395536" cy="5706863"/>
+          </a:xfrm>
+          <a:prstGeom prst="rect">
+            <a:avLst/>
+          </a:prstGeom>
+          <a:ln/>
+        </p:spPr>
+      </p:pic>
+    </p:spTree>
+    <p:extLst>
+      <p:ext uri="{BB962C8B-B14F-4D97-AF65-F5344CB8AC3E}">
+        <p14:creationId xmlns:p14="http://schemas.microsoft.com/office/powerpoint/2010/main" val="3285800659"/>
+      </p:ext>
+    </p:extLst>
+  </p:cSld>
+  <p:clrMapOvr>
+    <a:masterClrMapping/>
+  </p:clrMapOvr>
+</p:sld>
+</file>
+
+<file path=ppt/slides/slide11.xml><?xml version="1.0" encoding="utf-8"?>
+<p:sld xmlns:a="http://schemas.openxmlformats.org/drawingml/2006/main" xmlns:r="http://schemas.openxmlformats.org/officeDocument/2006/relationships" xmlns:p="http://schemas.openxmlformats.org/presentationml/2006/main">
+  <p:cSld>
+    <p:spTree>
+      <p:nvGrpSpPr>
+        <p:cNvPr id="1" name=""/>
+        <p:cNvGrpSpPr/>
+        <p:nvPr/>
+      </p:nvGrpSpPr>
+      <p:grpSpPr>
+        <a:xfrm>
+          <a:off x="0" y="0"/>
+          <a:ext cx="0" cy="0"/>
+          <a:chOff x="0" y="0"/>
+          <a:chExt cx="0" cy="0"/>
+        </a:xfrm>
+      </p:grpSpPr>
+      <p:sp>
+        <p:nvSpPr>
+          <p:cNvPr id="2" name="Titolo 1">
+            <a:extLst>
+              <a:ext uri="{FF2B5EF4-FFF2-40B4-BE49-F238E27FC236}">
+                <a16:creationId xmlns:a16="http://schemas.microsoft.com/office/drawing/2014/main" id="{B091881F-E104-4A2A-A90F-E9C96E8E73B4}"/>
+              </a:ext>
+            </a:extLst>
+          </p:cNvPr>
+          <p:cNvSpPr>
+            <a:spLocks noGrp="1"/>
+          </p:cNvSpPr>
+          <p:nvPr>
+            <p:ph type="title"/>
+          </p:nvPr>
+        </p:nvSpPr>
+        <p:spPr>
+          <a:xfrm rot="16200000">
+            <a:off x="-1325725" y="1219566"/>
+            <a:ext cx="3403280" cy="751823"/>
+          </a:xfrm>
+        </p:spPr>
+        <p:txBody>
+          <a:bodyPr>
+            <a:normAutofit fontScale="90000"/>
+          </a:bodyPr>
+          <a:lstStyle/>
+          <a:p>
+            <a:r>
+              <a:rPr lang="it-IT" dirty="0" err="1">
+                <a:solidFill>
+                  <a:srgbClr val="F8B323"/>
+                </a:solidFill>
+              </a:rPr>
+              <a:t>Statechart</a:t>
+            </a:r>
+            <a:endParaRPr lang="it-IT" dirty="0">
+              <a:solidFill>
+                <a:srgbClr val="F8B323"/>
+              </a:solidFill>
+            </a:endParaRPr>
+          </a:p>
+        </p:txBody>
+      </p:sp>
+      <p:pic>
+        <p:nvPicPr>
+          <p:cNvPr id="4" name="image10.png">
+            <a:extLst>
+              <a:ext uri="{FF2B5EF4-FFF2-40B4-BE49-F238E27FC236}">
+                <a16:creationId xmlns:a16="http://schemas.microsoft.com/office/drawing/2014/main" id="{DDE801A2-2456-4E8D-ACCA-E0A9550221E9}"/>
+              </a:ext>
+            </a:extLst>
+          </p:cNvPr>
+          <p:cNvPicPr/>
+          <p:nvPr/>
+        </p:nvPicPr>
+        <p:blipFill>
+          <a:blip r:embed="rId2"/>
+          <a:srcRect/>
+          <a:stretch>
+            <a:fillRect/>
+          </a:stretch>
+        </p:blipFill>
+        <p:spPr>
+          <a:xfrm>
+            <a:off x="3042139" y="371298"/>
+            <a:ext cx="5985462" cy="6221760"/>
+          </a:xfrm>
+          <a:prstGeom prst="rect">
+            <a:avLst/>
+          </a:prstGeom>
+          <a:ln/>
+        </p:spPr>
+      </p:pic>
+      <p:sp>
+        <p:nvSpPr>
+          <p:cNvPr id="7" name="Segnaposto contenuto 2">
+            <a:extLst>
+              <a:ext uri="{FF2B5EF4-FFF2-40B4-BE49-F238E27FC236}">
+                <a16:creationId xmlns:a16="http://schemas.microsoft.com/office/drawing/2014/main" id="{BA883A44-0EC7-48B0-8DB0-798A0A4C9474}"/>
+              </a:ext>
+            </a:extLst>
+          </p:cNvPr>
+          <p:cNvSpPr>
+            <a:spLocks noGrp="1"/>
+          </p:cNvSpPr>
+          <p:nvPr>
+            <p:ph idx="1"/>
+          </p:nvPr>
+        </p:nvSpPr>
+        <p:spPr>
+          <a:xfrm>
+            <a:off x="4777393" y="10814"/>
+            <a:ext cx="2775199" cy="720968"/>
+          </a:xfrm>
+        </p:spPr>
+        <p:txBody>
+          <a:bodyPr/>
+          <a:lstStyle/>
+          <a:p>
+            <a:pPr marL="0" indent="0">
+              <a:buNone/>
+            </a:pPr>
+            <a:r>
+              <a:rPr lang="it-IT" dirty="0" err="1"/>
+              <a:t>Statechart</a:t>
+            </a:r>
+            <a:r>
+              <a:rPr lang="it-IT" dirty="0"/>
+              <a:t>: Prodotto</a:t>
+            </a:r>
+          </a:p>
+        </p:txBody>
+      </p:sp>
+    </p:spTree>
+    <p:extLst>
+      <p:ext uri="{BB962C8B-B14F-4D97-AF65-F5344CB8AC3E}">
+        <p14:creationId xmlns:p14="http://schemas.microsoft.com/office/powerpoint/2010/main" val="1771275991"/>
+      </p:ext>
+    </p:extLst>
+  </p:cSld>
+  <p:clrMapOvr>
+    <a:masterClrMapping/>
+  </p:clrMapOvr>
+</p:sld>
+</file>
+
+<file path=ppt/slides/slide12.xml><?xml version="1.0" encoding="utf-8"?>
+<p:sld xmlns:a="http://schemas.openxmlformats.org/drawingml/2006/main" xmlns:r="http://schemas.openxmlformats.org/officeDocument/2006/relationships" xmlns:p="http://schemas.openxmlformats.org/presentationml/2006/main">
+  <p:cSld>
+    <p:spTree>
+      <p:nvGrpSpPr>
+        <p:cNvPr id="1" name=""/>
+        <p:cNvGrpSpPr/>
+        <p:nvPr/>
+      </p:nvGrpSpPr>
+      <p:grpSpPr>
+        <a:xfrm>
+          <a:off x="0" y="0"/>
+          <a:ext cx="0" cy="0"/>
+          <a:chOff x="0" y="0"/>
+          <a:chExt cx="0" cy="0"/>
+        </a:xfrm>
+      </p:grpSpPr>
+      <p:sp>
+        <p:nvSpPr>
+          <p:cNvPr id="2" name="Titolo 1">
+            <a:extLst>
+              <a:ext uri="{FF2B5EF4-FFF2-40B4-BE49-F238E27FC236}">
+                <a16:creationId xmlns:a16="http://schemas.microsoft.com/office/drawing/2014/main" id="{B091881F-E104-4A2A-A90F-E9C96E8E73B4}"/>
+              </a:ext>
+            </a:extLst>
+          </p:cNvPr>
+          <p:cNvSpPr>
+            <a:spLocks noGrp="1"/>
+          </p:cNvSpPr>
+          <p:nvPr>
+            <p:ph type="title"/>
+          </p:nvPr>
+        </p:nvSpPr>
+        <p:spPr>
+          <a:xfrm rot="16200000">
+            <a:off x="-1352101" y="1245943"/>
+            <a:ext cx="3456034" cy="751823"/>
+          </a:xfrm>
+        </p:spPr>
+        <p:txBody>
+          <a:bodyPr>
+            <a:normAutofit fontScale="90000"/>
+          </a:bodyPr>
+          <a:lstStyle/>
+          <a:p>
+            <a:r>
+              <a:rPr lang="it-IT" dirty="0">
+                <a:solidFill>
+                  <a:srgbClr val="F8B323"/>
+                </a:solidFill>
+              </a:rPr>
+              <a:t>Design goal</a:t>
+            </a:r>
+          </a:p>
+        </p:txBody>
+      </p:sp>
+      <p:graphicFrame>
+        <p:nvGraphicFramePr>
+          <p:cNvPr id="4" name="Tabella 4">
+            <a:extLst>
+              <a:ext uri="{FF2B5EF4-FFF2-40B4-BE49-F238E27FC236}">
+                <a16:creationId xmlns:a16="http://schemas.microsoft.com/office/drawing/2014/main" id="{A36F592A-8CEB-4120-A378-DDE43308102E}"/>
+              </a:ext>
+            </a:extLst>
+          </p:cNvPr>
+          <p:cNvGraphicFramePr>
+            <a:graphicFrameLocks noGrp="1"/>
+          </p:cNvGraphicFramePr>
+          <p:nvPr>
+            <p:extLst>
+              <p:ext uri="{D42A27DB-BD31-4B8C-83A1-F6EECF244321}">
+                <p14:modId xmlns:p14="http://schemas.microsoft.com/office/powerpoint/2010/main" val="2476777713"/>
+              </p:ext>
+            </p:extLst>
+          </p:nvPr>
+        </p:nvGraphicFramePr>
+        <p:xfrm>
+          <a:off x="3231147" y="80056"/>
+          <a:ext cx="6237705" cy="6697888"/>
+        </p:xfrm>
+        <a:graphic>
+          <a:graphicData uri="http://schemas.openxmlformats.org/drawingml/2006/table">
+            <a:tbl>
+              <a:tblPr firstRow="1" bandRow="1">
+                <a:tableStyleId>{5C22544A-7EE6-4342-B048-85BDC9FD1C3A}</a:tableStyleId>
+              </a:tblPr>
+              <a:tblGrid>
+                <a:gridCol w="1884649">
+                  <a:extLst>
+                    <a:ext uri="{9D8B030D-6E8A-4147-A177-3AD203B41FA5}">
+                      <a16:colId xmlns:a16="http://schemas.microsoft.com/office/drawing/2014/main" val="2778121603"/>
+                    </a:ext>
+                  </a:extLst>
+                </a:gridCol>
+                <a:gridCol w="4353056">
+                  <a:extLst>
+                    <a:ext uri="{9D8B030D-6E8A-4147-A177-3AD203B41FA5}">
+                      <a16:colId xmlns:a16="http://schemas.microsoft.com/office/drawing/2014/main" val="2964520572"/>
+                    </a:ext>
+                  </a:extLst>
+                </a:gridCol>
+              </a:tblGrid>
+              <a:tr h="246808">
+                <a:tc gridSpan="2">
+                  <a:txBody>
+                    <a:bodyPr/>
+                    <a:lstStyle/>
+                    <a:p>
+                      <a:r>
+                        <a:rPr lang="it-IT" sz="1200" dirty="0">
+                          <a:solidFill>
+                            <a:schemeClr val="bg1"/>
+                          </a:solidFill>
+                        </a:rPr>
+                        <a:t>Performance</a:t>
+                      </a:r>
+                    </a:p>
+                  </a:txBody>
+                  <a:tcPr marL="58639" marR="58639" marT="29320" marB="29320"/>
+                </a:tc>
+                <a:tc hMerge="1">
+                  <a:txBody>
+                    <a:bodyPr/>
+                    <a:lstStyle/>
+                    <a:p>
+                      <a:endParaRPr lang="it-IT"/>
+                    </a:p>
+                  </a:txBody>
+                  <a:tcPr/>
+                </a:tc>
+                <a:extLst>
+                  <a:ext uri="{0D108BD9-81ED-4DB2-BD59-A6C34878D82A}">
+                    <a16:rowId xmlns:a16="http://schemas.microsoft.com/office/drawing/2014/main" val="4123784146"/>
+                  </a:ext>
+                </a:extLst>
+              </a:tr>
+              <a:tr h="586392">
+                <a:tc>
+                  <a:txBody>
+                    <a:bodyPr/>
+                    <a:lstStyle/>
+                    <a:p>
+                      <a:pPr algn="l"/>
+                      <a:r>
+                        <a:rPr lang="it-IT" sz="1200" dirty="0"/>
+                        <a:t>Tempo di risposta</a:t>
+                      </a:r>
+                    </a:p>
+                  </a:txBody>
+                  <a:tcPr marL="58639" marR="58639" marT="29320" marB="29320" anchor="ctr"/>
+                </a:tc>
+                <a:tc>
+                  <a:txBody>
+                    <a:bodyPr/>
+                    <a:lstStyle/>
+                    <a:p>
+                      <a:pPr algn="l"/>
+                      <a:r>
+                        <a:rPr lang="it-IT" sz="1200" dirty="0"/>
+                        <a:t>Per il requisito non funzionale (RNF-P1) il sistema deve consentire una navigazione rapida agni utenti, per cui i tempi di risposta dovranno essere minimi.</a:t>
+                      </a:r>
+                    </a:p>
+                  </a:txBody>
+                  <a:tcPr marL="58639" marR="58639" marT="29320" marB="29320"/>
+                </a:tc>
+                <a:extLst>
+                  <a:ext uri="{0D108BD9-81ED-4DB2-BD59-A6C34878D82A}">
+                    <a16:rowId xmlns:a16="http://schemas.microsoft.com/office/drawing/2014/main" val="2814230783"/>
+                  </a:ext>
+                </a:extLst>
+              </a:tr>
+              <a:tr h="410475">
+                <a:tc>
+                  <a:txBody>
+                    <a:bodyPr/>
+                    <a:lstStyle/>
+                    <a:p>
+                      <a:r>
+                        <a:rPr lang="it-IT" sz="1200" dirty="0"/>
+                        <a:t>Throughput</a:t>
+                      </a:r>
+                    </a:p>
+                  </a:txBody>
+                  <a:tcPr marL="58639" marR="58639" marT="29320" marB="29320" anchor="ctr"/>
+                </a:tc>
+                <a:tc>
+                  <a:txBody>
+                    <a:bodyPr/>
+                    <a:lstStyle/>
+                    <a:p>
+                      <a:r>
+                        <a:rPr lang="it-IT" sz="1200" dirty="0"/>
+                        <a:t>Essendo la piattaforma basata su un e-commerce sarà necessario che più utenti possano connettersi contemporaneamente al sistema.</a:t>
+                      </a:r>
+                    </a:p>
+                  </a:txBody>
+                  <a:tcPr marL="58639" marR="58639" marT="29320" marB="29320"/>
+                </a:tc>
+                <a:extLst>
+                  <a:ext uri="{0D108BD9-81ED-4DB2-BD59-A6C34878D82A}">
+                    <a16:rowId xmlns:a16="http://schemas.microsoft.com/office/drawing/2014/main" val="1135556011"/>
+                  </a:ext>
+                </a:extLst>
+              </a:tr>
+              <a:tr h="246808">
+                <a:tc gridSpan="2">
+                  <a:txBody>
+                    <a:bodyPr/>
+                    <a:lstStyle/>
+                    <a:p>
+                      <a:r>
+                        <a:rPr lang="it-IT" sz="1200" b="1" kern="1200" dirty="0">
+                          <a:solidFill>
+                            <a:schemeClr val="lt1"/>
+                          </a:solidFill>
+                          <a:latin typeface="+mn-lt"/>
+                          <a:ea typeface="+mn-ea"/>
+                          <a:cs typeface="+mn-cs"/>
+                        </a:rPr>
+                        <a:t>Affidabilità</a:t>
+                      </a:r>
+                    </a:p>
+                  </a:txBody>
+                  <a:tcPr marL="58639" marR="58639" marT="29320" marB="29320">
+                    <a:solidFill>
+                      <a:srgbClr val="F8B323"/>
+                    </a:solidFill>
+                  </a:tcPr>
+                </a:tc>
+                <a:tc hMerge="1">
+                  <a:txBody>
+                    <a:bodyPr/>
+                    <a:lstStyle/>
+                    <a:p>
+                      <a:endParaRPr lang="it-IT"/>
+                    </a:p>
+                  </a:txBody>
+                  <a:tcPr/>
+                </a:tc>
+                <a:extLst>
+                  <a:ext uri="{0D108BD9-81ED-4DB2-BD59-A6C34878D82A}">
+                    <a16:rowId xmlns:a16="http://schemas.microsoft.com/office/drawing/2014/main" val="3266360589"/>
+                  </a:ext>
+                </a:extLst>
+              </a:tr>
+              <a:tr h="586392">
+                <a:tc>
+                  <a:txBody>
+                    <a:bodyPr/>
+                    <a:lstStyle/>
+                    <a:p>
+                      <a:r>
+                        <a:rPr lang="it-IT" sz="1200" i="0" kern="1200" dirty="0">
+                          <a:solidFill>
+                            <a:schemeClr val="dk1"/>
+                          </a:solidFill>
+                          <a:effectLst/>
+                          <a:latin typeface="+mn-lt"/>
+                          <a:ea typeface="+mn-ea"/>
+                          <a:cs typeface="+mn-cs"/>
+                        </a:rPr>
+                        <a:t>Robusto</a:t>
+                      </a:r>
+                      <a:endParaRPr lang="it-IT" sz="1200" i="0" dirty="0">
+                        <a:latin typeface="+mn-lt"/>
+                      </a:endParaRPr>
+                    </a:p>
+                  </a:txBody>
+                  <a:tcPr marL="58639" marR="58639" marT="29320" marB="29320" anchor="ctr"/>
+                </a:tc>
+                <a:tc>
+                  <a:txBody>
+                    <a:bodyPr/>
+                    <a:lstStyle/>
+                    <a:p>
+                      <a:r>
+                        <a:rPr lang="it-IT" sz="1200" i="0" dirty="0">
+                          <a:latin typeface="+mn-lt"/>
+                        </a:rPr>
+                        <a:t>Per facilitare gli acquisti sarà necessario guidare l’utente durante la fase di acquisto al fine di minimizzare eventuali errori involontari e stimolando l’utente a continuare ad acquistare sulla piattaforma.</a:t>
+                      </a:r>
+                    </a:p>
+                  </a:txBody>
+                  <a:tcPr marL="58639" marR="58639" marT="29320" marB="29320"/>
+                </a:tc>
+                <a:extLst>
+                  <a:ext uri="{0D108BD9-81ED-4DB2-BD59-A6C34878D82A}">
+                    <a16:rowId xmlns:a16="http://schemas.microsoft.com/office/drawing/2014/main" val="4192420811"/>
+                  </a:ext>
+                </a:extLst>
+              </a:tr>
+              <a:tr h="410475">
+                <a:tc>
+                  <a:txBody>
+                    <a:bodyPr/>
+                    <a:lstStyle/>
+                    <a:p>
+                      <a:r>
+                        <a:rPr lang="it-IT" sz="1200" i="0" kern="1200" dirty="0">
+                          <a:solidFill>
+                            <a:schemeClr val="dk1"/>
+                          </a:solidFill>
+                          <a:effectLst/>
+                          <a:latin typeface="+mn-lt"/>
+                          <a:ea typeface="+mn-ea"/>
+                          <a:cs typeface="+mn-cs"/>
+                        </a:rPr>
+                        <a:t>Disponibile</a:t>
+                      </a:r>
+                      <a:endParaRPr lang="it-IT" sz="1200" i="0" dirty="0">
+                        <a:latin typeface="+mn-lt"/>
+                      </a:endParaRPr>
+                    </a:p>
+                  </a:txBody>
+                  <a:tcPr marL="58639" marR="58639" marT="29320" marB="29320" anchor="ctr"/>
+                </a:tc>
+                <a:tc>
+                  <a:txBody>
+                    <a:bodyPr/>
+                    <a:lstStyle/>
+                    <a:p>
+                      <a:r>
+                        <a:rPr lang="it-IT" sz="1200" i="0" dirty="0">
+                          <a:latin typeface="+mn-lt"/>
+                        </a:rPr>
+                        <a:t>Essendo il sito installato su un server esterno sarà possibile mantenerlo operativo 24h su 24, ad eccezione per la manutenzione.</a:t>
+                      </a:r>
+                    </a:p>
+                  </a:txBody>
+                  <a:tcPr marL="58639" marR="58639" marT="29320" marB="29320"/>
+                </a:tc>
+                <a:extLst>
+                  <a:ext uri="{0D108BD9-81ED-4DB2-BD59-A6C34878D82A}">
+                    <a16:rowId xmlns:a16="http://schemas.microsoft.com/office/drawing/2014/main" val="3518037723"/>
+                  </a:ext>
+                </a:extLst>
+              </a:tr>
+              <a:tr h="410475">
+                <a:tc>
+                  <a:txBody>
+                    <a:bodyPr/>
+                    <a:lstStyle/>
+                    <a:p>
+                      <a:r>
+                        <a:rPr lang="it-IT" sz="1200" i="0" kern="1200" dirty="0">
+                          <a:solidFill>
+                            <a:schemeClr val="dk1"/>
+                          </a:solidFill>
+                          <a:effectLst/>
+                          <a:latin typeface="+mn-lt"/>
+                          <a:ea typeface="+mn-ea"/>
+                          <a:cs typeface="+mn-cs"/>
+                        </a:rPr>
+                        <a:t>Tolleranza ai guasti</a:t>
+                      </a:r>
+                      <a:endParaRPr lang="it-IT" sz="1200" i="0" dirty="0">
+                        <a:latin typeface="+mn-lt"/>
+                      </a:endParaRPr>
+                    </a:p>
+                  </a:txBody>
+                  <a:tcPr marL="58639" marR="58639" marT="29320" marB="29320" anchor="ctr"/>
+                </a:tc>
+                <a:tc>
+                  <a:txBody>
+                    <a:bodyPr/>
+                    <a:lstStyle/>
+                    <a:p>
+                      <a:r>
+                        <a:rPr lang="it-IT" sz="1200" i="0" dirty="0">
+                          <a:latin typeface="+mn-lt"/>
+                        </a:rPr>
+                        <a:t>Al fine di evitare un crash del sistema sarà necessario avere una cerca qualità nella tolleranza ai guasti.</a:t>
+                      </a:r>
+                    </a:p>
+                  </a:txBody>
+                  <a:tcPr marL="58639" marR="58639" marT="29320" marB="29320"/>
+                </a:tc>
+                <a:extLst>
+                  <a:ext uri="{0D108BD9-81ED-4DB2-BD59-A6C34878D82A}">
+                    <a16:rowId xmlns:a16="http://schemas.microsoft.com/office/drawing/2014/main" val="250494413"/>
+                  </a:ext>
+                </a:extLst>
+              </a:tr>
+              <a:tr h="410475">
+                <a:tc>
+                  <a:txBody>
+                    <a:bodyPr/>
+                    <a:lstStyle/>
+                    <a:p>
+                      <a:r>
+                        <a:rPr lang="it-IT" sz="1200" i="0" kern="1200" dirty="0">
+                          <a:solidFill>
+                            <a:schemeClr val="dk1"/>
+                          </a:solidFill>
+                          <a:effectLst/>
+                          <a:latin typeface="+mn-lt"/>
+                          <a:ea typeface="+mn-ea"/>
+                          <a:cs typeface="+mn-cs"/>
+                        </a:rPr>
+                        <a:t>Sicurezza</a:t>
+                      </a:r>
+                      <a:endParaRPr lang="it-IT" sz="1200" i="0" dirty="0">
+                        <a:latin typeface="+mn-lt"/>
+                      </a:endParaRPr>
+                    </a:p>
+                  </a:txBody>
+                  <a:tcPr marL="58639" marR="58639" marT="29320" marB="29320" anchor="ctr"/>
+                </a:tc>
+                <a:tc>
+                  <a:txBody>
+                    <a:bodyPr/>
+                    <a:lstStyle/>
+                    <a:p>
+                      <a:r>
+                        <a:rPr lang="it-IT" sz="1200" i="0" dirty="0">
+                          <a:latin typeface="+mn-lt"/>
+                        </a:rPr>
+                        <a:t>Al fine di evitare fuoriuscita di dati sensibili dei utenti registrati, sarà necessario utilizzare un sistema di login.</a:t>
+                      </a:r>
+                    </a:p>
+                  </a:txBody>
+                  <a:tcPr marL="58639" marR="58639" marT="29320" marB="29320"/>
+                </a:tc>
+                <a:extLst>
+                  <a:ext uri="{0D108BD9-81ED-4DB2-BD59-A6C34878D82A}">
+                    <a16:rowId xmlns:a16="http://schemas.microsoft.com/office/drawing/2014/main" val="230225625"/>
+                  </a:ext>
+                </a:extLst>
+              </a:tr>
+              <a:tr h="246808">
+                <a:tc gridSpan="2">
+                  <a:txBody>
+                    <a:bodyPr/>
+                    <a:lstStyle/>
+                    <a:p>
+                      <a:r>
+                        <a:rPr lang="it-IT" sz="1200" i="0" dirty="0">
+                          <a:solidFill>
+                            <a:schemeClr val="bg1"/>
+                          </a:solidFill>
+                          <a:latin typeface="+mn-lt"/>
+                        </a:rPr>
+                        <a:t>Costi</a:t>
+                      </a:r>
+                    </a:p>
+                  </a:txBody>
+                  <a:tcPr marL="58639" marR="58639" marT="29320" marB="29320">
+                    <a:solidFill>
+                      <a:srgbClr val="F8B323"/>
+                    </a:solidFill>
+                  </a:tcPr>
+                </a:tc>
+                <a:tc hMerge="1">
+                  <a:txBody>
+                    <a:bodyPr/>
+                    <a:lstStyle/>
+                    <a:p>
+                      <a:endParaRPr lang="it-IT"/>
+                    </a:p>
+                  </a:txBody>
+                  <a:tcPr/>
+                </a:tc>
+                <a:extLst>
+                  <a:ext uri="{0D108BD9-81ED-4DB2-BD59-A6C34878D82A}">
+                    <a16:rowId xmlns:a16="http://schemas.microsoft.com/office/drawing/2014/main" val="2273683557"/>
+                  </a:ext>
+                </a:extLst>
+              </a:tr>
+              <a:tr h="410475">
+                <a:tc>
+                  <a:txBody>
+                    <a:bodyPr/>
+                    <a:lstStyle/>
+                    <a:p>
+                      <a:r>
+                        <a:rPr lang="it-IT" sz="1200" i="0" kern="1200" dirty="0">
+                          <a:solidFill>
+                            <a:schemeClr val="dk1"/>
+                          </a:solidFill>
+                          <a:effectLst/>
+                          <a:latin typeface="+mn-lt"/>
+                          <a:ea typeface="+mn-ea"/>
+                          <a:cs typeface="+mn-cs"/>
+                        </a:rPr>
+                        <a:t>Sviluppo</a:t>
+                      </a:r>
+                      <a:endParaRPr lang="it-IT" sz="1200" i="0" dirty="0">
+                        <a:latin typeface="+mn-lt"/>
+                      </a:endParaRPr>
+                    </a:p>
+                  </a:txBody>
+                  <a:tcPr marL="58639" marR="58639" marT="29320" marB="29320" anchor="ctr"/>
+                </a:tc>
+                <a:tc>
+                  <a:txBody>
+                    <a:bodyPr/>
+                    <a:lstStyle/>
+                    <a:p>
+                      <a:r>
+                        <a:rPr lang="it-IT" sz="1200" i="0" dirty="0">
+                          <a:latin typeface="+mn-lt"/>
+                        </a:rPr>
+                        <a:t>Si è ritenuto opportuno sviluppare il sistema sulla base di un costo complessivo di 200 ore.</a:t>
+                      </a:r>
+                    </a:p>
+                  </a:txBody>
+                  <a:tcPr marL="58639" marR="58639" marT="29320" marB="29320"/>
+                </a:tc>
+                <a:extLst>
+                  <a:ext uri="{0D108BD9-81ED-4DB2-BD59-A6C34878D82A}">
+                    <a16:rowId xmlns:a16="http://schemas.microsoft.com/office/drawing/2014/main" val="3450989563"/>
+                  </a:ext>
+                </a:extLst>
+              </a:tr>
+              <a:tr h="246808">
+                <a:tc gridSpan="2">
+                  <a:txBody>
+                    <a:bodyPr/>
+                    <a:lstStyle/>
+                    <a:p>
+                      <a:r>
+                        <a:rPr lang="it-IT" sz="1200" i="0" dirty="0">
+                          <a:solidFill>
+                            <a:schemeClr val="bg1"/>
+                          </a:solidFill>
+                          <a:latin typeface="+mn-lt"/>
+                        </a:rPr>
+                        <a:t>Manutenzione</a:t>
+                      </a:r>
+                    </a:p>
+                  </a:txBody>
+                  <a:tcPr marL="58639" marR="58639" marT="29320" marB="29320">
+                    <a:solidFill>
+                      <a:srgbClr val="F8B323"/>
+                    </a:solidFill>
+                  </a:tcPr>
+                </a:tc>
+                <a:tc hMerge="1">
+                  <a:txBody>
+                    <a:bodyPr/>
+                    <a:lstStyle/>
+                    <a:p>
+                      <a:endParaRPr lang="it-IT"/>
+                    </a:p>
+                  </a:txBody>
+                  <a:tcPr/>
+                </a:tc>
+                <a:extLst>
+                  <a:ext uri="{0D108BD9-81ED-4DB2-BD59-A6C34878D82A}">
+                    <a16:rowId xmlns:a16="http://schemas.microsoft.com/office/drawing/2014/main" val="3045831426"/>
+                  </a:ext>
+                </a:extLst>
+              </a:tr>
+              <a:tr h="410475">
+                <a:tc>
+                  <a:txBody>
+                    <a:bodyPr/>
+                    <a:lstStyle/>
+                    <a:p>
+                      <a:r>
+                        <a:rPr lang="it-IT" sz="1200" i="0" kern="1200" dirty="0">
+                          <a:solidFill>
+                            <a:schemeClr val="dk1"/>
+                          </a:solidFill>
+                          <a:effectLst/>
+                          <a:latin typeface="+mn-lt"/>
+                          <a:ea typeface="+mn-ea"/>
+                          <a:cs typeface="+mn-cs"/>
+                        </a:rPr>
+                        <a:t>Portabile</a:t>
+                      </a:r>
+                      <a:endParaRPr lang="it-IT" sz="1200" i="0" dirty="0">
+                        <a:latin typeface="+mn-lt"/>
+                      </a:endParaRPr>
+                    </a:p>
+                  </a:txBody>
+                  <a:tcPr marL="58639" marR="58639" marT="29320" marB="29320" anchor="ctr"/>
+                </a:tc>
+                <a:tc>
+                  <a:txBody>
+                    <a:bodyPr/>
+                    <a:lstStyle/>
+                    <a:p>
+                      <a:r>
+                        <a:rPr lang="it-IT" sz="1200" i="0" dirty="0">
+                          <a:latin typeface="+mn-lt"/>
+                        </a:rPr>
+                        <a:t>Il sistema sarà facilmente reperibile su più browser possibili al fine di ampliare l’utenza.</a:t>
+                      </a:r>
+                    </a:p>
+                  </a:txBody>
+                  <a:tcPr marL="58639" marR="58639" marT="29320" marB="29320"/>
+                </a:tc>
+                <a:extLst>
+                  <a:ext uri="{0D108BD9-81ED-4DB2-BD59-A6C34878D82A}">
+                    <a16:rowId xmlns:a16="http://schemas.microsoft.com/office/drawing/2014/main" val="4197104734"/>
+                  </a:ext>
+                </a:extLst>
+              </a:tr>
+              <a:tr h="410475">
+                <a:tc>
+                  <a:txBody>
+                    <a:bodyPr/>
+                    <a:lstStyle/>
+                    <a:p>
+                      <a:r>
+                        <a:rPr lang="it-IT" sz="1200" i="0" kern="1200" dirty="0">
+                          <a:solidFill>
+                            <a:schemeClr val="dk1"/>
+                          </a:solidFill>
+                          <a:effectLst/>
+                          <a:latin typeface="+mn-lt"/>
+                          <a:ea typeface="+mn-ea"/>
+                          <a:cs typeface="+mn-cs"/>
+                        </a:rPr>
+                        <a:t>Leggibilità del codice</a:t>
+                      </a:r>
+                      <a:endParaRPr lang="it-IT" sz="1200" i="0" dirty="0">
+                        <a:latin typeface="+mn-lt"/>
+                      </a:endParaRPr>
+                    </a:p>
+                  </a:txBody>
+                  <a:tcPr marL="58639" marR="58639" marT="29320" marB="29320" anchor="ctr"/>
+                </a:tc>
+                <a:tc>
+                  <a:txBody>
+                    <a:bodyPr/>
+                    <a:lstStyle/>
+                    <a:p>
+                      <a:r>
+                        <a:rPr lang="it-IT" sz="1200" i="0" dirty="0">
+                          <a:latin typeface="+mn-lt"/>
+                        </a:rPr>
+                        <a:t>Il sistema adotterà uno standard per la scrittura del codice in modo da facilitare eventuali modifiche future.</a:t>
+                      </a:r>
+                    </a:p>
+                  </a:txBody>
+                  <a:tcPr marL="58639" marR="58639" marT="29320" marB="29320"/>
+                </a:tc>
+                <a:extLst>
+                  <a:ext uri="{0D108BD9-81ED-4DB2-BD59-A6C34878D82A}">
+                    <a16:rowId xmlns:a16="http://schemas.microsoft.com/office/drawing/2014/main" val="3668900437"/>
+                  </a:ext>
+                </a:extLst>
+              </a:tr>
+              <a:tr h="246808">
+                <a:tc>
+                  <a:txBody>
+                    <a:bodyPr/>
+                    <a:lstStyle/>
+                    <a:p>
+                      <a:r>
+                        <a:rPr lang="it-IT" sz="1200" i="0" kern="1200" dirty="0">
+                          <a:solidFill>
+                            <a:schemeClr val="dk1"/>
+                          </a:solidFill>
+                          <a:effectLst/>
+                          <a:latin typeface="+mn-lt"/>
+                          <a:ea typeface="+mn-ea"/>
+                          <a:cs typeface="+mn-cs"/>
+                        </a:rPr>
+                        <a:t>Tracciabilità dei requisiti</a:t>
+                      </a:r>
+                      <a:endParaRPr lang="it-IT" sz="1200" i="0" dirty="0">
+                        <a:latin typeface="+mn-lt"/>
+                      </a:endParaRPr>
+                    </a:p>
+                  </a:txBody>
+                  <a:tcPr marL="58639" marR="58639" marT="29320" marB="29320" anchor="ctr"/>
+                </a:tc>
+                <a:tc>
+                  <a:txBody>
+                    <a:bodyPr/>
+                    <a:lstStyle/>
+                    <a:p>
+                      <a:r>
+                        <a:rPr lang="it-IT" sz="1200" kern="1200" dirty="0">
+                          <a:solidFill>
+                            <a:schemeClr val="dk1"/>
+                          </a:solidFill>
+                          <a:effectLst/>
+                          <a:latin typeface="+mn-lt"/>
+                          <a:ea typeface="+mn-ea"/>
+                          <a:cs typeface="+mn-cs"/>
+                        </a:rPr>
+                        <a:t>I requisiti saranno tracciabili tramite una matrice di tracciabilità.</a:t>
+                      </a:r>
+                      <a:endParaRPr lang="it-IT" sz="1200" i="0" dirty="0">
+                        <a:latin typeface="+mn-lt"/>
+                      </a:endParaRPr>
+                    </a:p>
+                  </a:txBody>
+                  <a:tcPr marL="58639" marR="58639" marT="29320" marB="29320"/>
+                </a:tc>
+                <a:extLst>
+                  <a:ext uri="{0D108BD9-81ED-4DB2-BD59-A6C34878D82A}">
+                    <a16:rowId xmlns:a16="http://schemas.microsoft.com/office/drawing/2014/main" val="2150063128"/>
+                  </a:ext>
+                </a:extLst>
+              </a:tr>
+              <a:tr h="246808">
+                <a:tc gridSpan="2">
+                  <a:txBody>
+                    <a:bodyPr/>
+                    <a:lstStyle/>
+                    <a:p>
+                      <a:r>
+                        <a:rPr lang="it-IT" sz="1200" i="0" dirty="0">
+                          <a:solidFill>
+                            <a:schemeClr val="bg1"/>
+                          </a:solidFill>
+                          <a:latin typeface="+mn-lt"/>
+                        </a:rPr>
+                        <a:t>Usabilità</a:t>
+                      </a:r>
+                    </a:p>
+                  </a:txBody>
+                  <a:tcPr marL="58639" marR="58639" marT="29320" marB="29320">
+                    <a:solidFill>
+                      <a:srgbClr val="F8B323"/>
+                    </a:solidFill>
+                  </a:tcPr>
+                </a:tc>
+                <a:tc hMerge="1">
+                  <a:txBody>
+                    <a:bodyPr/>
+                    <a:lstStyle/>
+                    <a:p>
+                      <a:endParaRPr lang="it-IT" i="0" dirty="0">
+                        <a:solidFill>
+                          <a:schemeClr val="bg1"/>
+                        </a:solidFill>
+                        <a:latin typeface="+mn-lt"/>
+                      </a:endParaRPr>
+                    </a:p>
+                  </a:txBody>
+                  <a:tcPr>
+                    <a:solidFill>
+                      <a:srgbClr val="F8B323"/>
+                    </a:solidFill>
+                  </a:tcPr>
+                </a:tc>
+                <a:extLst>
+                  <a:ext uri="{0D108BD9-81ED-4DB2-BD59-A6C34878D82A}">
+                    <a16:rowId xmlns:a16="http://schemas.microsoft.com/office/drawing/2014/main" val="507175006"/>
+                  </a:ext>
+                </a:extLst>
+              </a:tr>
+              <a:tr h="410475">
+                <a:tc>
+                  <a:txBody>
+                    <a:bodyPr/>
+                    <a:lstStyle/>
+                    <a:p>
+                      <a:r>
+                        <a:rPr lang="it-IT" sz="1200" i="0" kern="1200" dirty="0">
+                          <a:solidFill>
+                            <a:schemeClr val="dk1"/>
+                          </a:solidFill>
+                          <a:effectLst/>
+                          <a:latin typeface="+mn-lt"/>
+                          <a:ea typeface="+mn-ea"/>
+                          <a:cs typeface="+mn-cs"/>
+                        </a:rPr>
+                        <a:t>Utile</a:t>
+                      </a:r>
+                      <a:endParaRPr lang="it-IT" sz="1200" i="0" dirty="0">
+                        <a:latin typeface="+mn-lt"/>
+                      </a:endParaRPr>
+                    </a:p>
+                  </a:txBody>
+                  <a:tcPr marL="58639" marR="58639" marT="29320" marB="29320" anchor="ctr"/>
+                </a:tc>
+                <a:tc>
+                  <a:txBody>
+                    <a:bodyPr/>
+                    <a:lstStyle/>
+                    <a:p>
+                      <a:r>
+                        <a:rPr lang="it-IT" sz="1200" i="0" dirty="0">
+                          <a:latin typeface="+mn-lt"/>
+                        </a:rPr>
+                        <a:t>Al fine di facilitare l’acquisto dei libri si è ritenuto opportuno digitalizzare il catalogo della libreria indipendente Dodo.</a:t>
+                      </a:r>
+                    </a:p>
+                  </a:txBody>
+                  <a:tcPr marL="58639" marR="58639" marT="29320" marB="29320"/>
+                </a:tc>
+                <a:extLst>
+                  <a:ext uri="{0D108BD9-81ED-4DB2-BD59-A6C34878D82A}">
+                    <a16:rowId xmlns:a16="http://schemas.microsoft.com/office/drawing/2014/main" val="2128239098"/>
+                  </a:ext>
+                </a:extLst>
+              </a:tr>
+              <a:tr h="586392">
+                <a:tc>
+                  <a:txBody>
+                    <a:bodyPr/>
+                    <a:lstStyle/>
+                    <a:p>
+                      <a:r>
+                        <a:rPr lang="it-IT" sz="1200" i="0" kern="1200" dirty="0">
+                          <a:solidFill>
+                            <a:schemeClr val="dk1"/>
+                          </a:solidFill>
+                          <a:effectLst/>
+                          <a:latin typeface="+mn-lt"/>
+                          <a:ea typeface="+mn-ea"/>
+                          <a:cs typeface="+mn-cs"/>
+                        </a:rPr>
+                        <a:t>Usabile</a:t>
+                      </a:r>
+                      <a:endParaRPr lang="it-IT" sz="1200" i="0" dirty="0">
+                        <a:latin typeface="+mn-lt"/>
+                      </a:endParaRPr>
+                    </a:p>
+                  </a:txBody>
+                  <a:tcPr marL="58639" marR="58639" marT="29320" marB="29320" anchor="ctr"/>
+                </a:tc>
+                <a:tc>
+                  <a:txBody>
+                    <a:bodyPr/>
+                    <a:lstStyle/>
+                    <a:p>
+                      <a:r>
+                        <a:rPr lang="it-IT" sz="1200" i="0" dirty="0">
+                          <a:latin typeface="+mn-lt"/>
+                        </a:rPr>
+                        <a:t>In base ai requisiti non funzionali (RNF-U1,RNF-U2, RNF-IN1) il sistema avrà un interfaccia ed un interazione facile da utilizzare per effettuare operazioni in modo semplice ed immediato.</a:t>
+                      </a:r>
+                    </a:p>
+                  </a:txBody>
+                  <a:tcPr marL="58639" marR="58639" marT="29320" marB="29320"/>
+                </a:tc>
+                <a:extLst>
+                  <a:ext uri="{0D108BD9-81ED-4DB2-BD59-A6C34878D82A}">
+                    <a16:rowId xmlns:a16="http://schemas.microsoft.com/office/drawing/2014/main" val="2975772692"/>
+                  </a:ext>
+                </a:extLst>
+              </a:tr>
+            </a:tbl>
+          </a:graphicData>
+        </a:graphic>
+      </p:graphicFrame>
+    </p:spTree>
+    <p:extLst>
+      <p:ext uri="{BB962C8B-B14F-4D97-AF65-F5344CB8AC3E}">
+        <p14:creationId xmlns:p14="http://schemas.microsoft.com/office/powerpoint/2010/main" val="184946498"/>
+      </p:ext>
+    </p:extLst>
+  </p:cSld>
+  <p:clrMapOvr>
+    <a:masterClrMapping/>
+  </p:clrMapOvr>
+</p:sld>
+</file>
+
+<file path=ppt/slides/slide13.xml><?xml version="1.0" encoding="utf-8"?>
+<p:sld xmlns:a="http://schemas.openxmlformats.org/drawingml/2006/main" xmlns:r="http://schemas.openxmlformats.org/officeDocument/2006/relationships" xmlns:p="http://schemas.openxmlformats.org/presentationml/2006/main">
+  <p:cSld>
+    <p:spTree>
+      <p:nvGrpSpPr>
+        <p:cNvPr id="1" name=""/>
+        <p:cNvGrpSpPr/>
+        <p:nvPr/>
+      </p:nvGrpSpPr>
+      <p:grpSpPr>
+        <a:xfrm>
+          <a:off x="0" y="0"/>
+          <a:ext cx="0" cy="0"/>
+          <a:chOff x="0" y="0"/>
+          <a:chExt cx="0" cy="0"/>
+        </a:xfrm>
+      </p:grpSpPr>
+      <p:sp>
+        <p:nvSpPr>
+          <p:cNvPr id="2" name="Titolo 1">
+            <a:extLst>
+              <a:ext uri="{FF2B5EF4-FFF2-40B4-BE49-F238E27FC236}">
+                <a16:creationId xmlns:a16="http://schemas.microsoft.com/office/drawing/2014/main" id="{B091881F-E104-4A2A-A90F-E9C96E8E73B4}"/>
+              </a:ext>
+            </a:extLst>
+          </p:cNvPr>
+          <p:cNvSpPr>
+            <a:spLocks noGrp="1"/>
+          </p:cNvSpPr>
+          <p:nvPr>
+            <p:ph type="title"/>
+          </p:nvPr>
+        </p:nvSpPr>
+        <p:spPr>
+          <a:xfrm rot="16200000">
+            <a:off x="-1633454" y="1527297"/>
+            <a:ext cx="4018742" cy="751823"/>
+          </a:xfrm>
+        </p:spPr>
+        <p:txBody>
+          <a:bodyPr>
+            <a:normAutofit fontScale="90000"/>
+          </a:bodyPr>
+          <a:lstStyle/>
+          <a:p>
+            <a:r>
+              <a:rPr lang="it-IT" dirty="0">
+                <a:solidFill>
+                  <a:srgbClr val="F8B323"/>
+                </a:solidFill>
+              </a:rPr>
+              <a:t>Architettura</a:t>
+            </a:r>
+          </a:p>
+        </p:txBody>
+      </p:sp>
+      <p:sp>
+        <p:nvSpPr>
+          <p:cNvPr id="3" name="Segnaposto contenuto 2">
+            <a:extLst>
+              <a:ext uri="{FF2B5EF4-FFF2-40B4-BE49-F238E27FC236}">
+                <a16:creationId xmlns:a16="http://schemas.microsoft.com/office/drawing/2014/main" id="{0D1F4823-2969-402A-86AF-FE8D80B3F521}"/>
+              </a:ext>
+            </a:extLst>
+          </p:cNvPr>
+          <p:cNvSpPr>
+            <a:spLocks noGrp="1"/>
+          </p:cNvSpPr>
+          <p:nvPr>
+            <p:ph idx="1"/>
+          </p:nvPr>
+        </p:nvSpPr>
+        <p:spPr/>
+        <p:txBody>
+          <a:bodyPr/>
+          <a:lstStyle/>
+          <a:p>
+            <a:r>
+              <a:rPr lang="it-IT" dirty="0"/>
+              <a:t>Evidenziare come le architettura soddisfi i design goals</a:t>
+            </a:r>
+          </a:p>
+        </p:txBody>
+      </p:sp>
+    </p:spTree>
+    <p:extLst>
+      <p:ext uri="{BB962C8B-B14F-4D97-AF65-F5344CB8AC3E}">
+        <p14:creationId xmlns:p14="http://schemas.microsoft.com/office/powerpoint/2010/main" val="2388531818"/>
+      </p:ext>
+    </p:extLst>
+  </p:cSld>
+  <p:clrMapOvr>
+    <a:masterClrMapping/>
+  </p:clrMapOvr>
+</p:sld>
+</file>
+
+<file path=ppt/slides/slide14.xml><?xml version="1.0" encoding="utf-8"?>
+<p:sld xmlns:a="http://schemas.openxmlformats.org/drawingml/2006/main" xmlns:r="http://schemas.openxmlformats.org/officeDocument/2006/relationships" xmlns:p="http://schemas.openxmlformats.org/presentationml/2006/main">
+  <p:cSld>
+    <p:spTree>
+      <p:nvGrpSpPr>
+        <p:cNvPr id="1" name=""/>
+        <p:cNvGrpSpPr/>
+        <p:nvPr/>
+      </p:nvGrpSpPr>
+      <p:grpSpPr>
+        <a:xfrm>
+          <a:off x="0" y="0"/>
+          <a:ext cx="0" cy="0"/>
+          <a:chOff x="0" y="0"/>
+          <a:chExt cx="0" cy="0"/>
+        </a:xfrm>
+      </p:grpSpPr>
+      <p:sp>
+        <p:nvSpPr>
+          <p:cNvPr id="2" name="Titolo 1">
+            <a:extLst>
+              <a:ext uri="{FF2B5EF4-FFF2-40B4-BE49-F238E27FC236}">
+                <a16:creationId xmlns:a16="http://schemas.microsoft.com/office/drawing/2014/main" id="{B091881F-E104-4A2A-A90F-E9C96E8E73B4}"/>
+              </a:ext>
+            </a:extLst>
+          </p:cNvPr>
+          <p:cNvSpPr>
+            <a:spLocks noGrp="1"/>
+          </p:cNvSpPr>
+          <p:nvPr>
+            <p:ph type="title"/>
+          </p:nvPr>
+        </p:nvSpPr>
+        <p:spPr>
+          <a:xfrm rot="16200000">
+            <a:off x="-1936788" y="1830631"/>
+            <a:ext cx="4625411" cy="751823"/>
+          </a:xfrm>
+        </p:spPr>
+        <p:txBody>
+          <a:bodyPr>
+            <a:normAutofit fontScale="90000"/>
+          </a:bodyPr>
+          <a:lstStyle/>
+          <a:p>
+            <a:r>
+              <a:rPr lang="it-IT" dirty="0">
+                <a:solidFill>
+                  <a:srgbClr val="F8B323"/>
+                </a:solidFill>
+              </a:rPr>
+              <a:t>Scelte di design</a:t>
+            </a:r>
+          </a:p>
+        </p:txBody>
+      </p:sp>
+      <p:sp>
+        <p:nvSpPr>
+          <p:cNvPr id="3" name="Segnaposto contenuto 2">
+            <a:extLst>
+              <a:ext uri="{FF2B5EF4-FFF2-40B4-BE49-F238E27FC236}">
+                <a16:creationId xmlns:a16="http://schemas.microsoft.com/office/drawing/2014/main" id="{0D1F4823-2969-402A-86AF-FE8D80B3F521}"/>
+              </a:ext>
+            </a:extLst>
+          </p:cNvPr>
+          <p:cNvSpPr>
+            <a:spLocks noGrp="1"/>
+          </p:cNvSpPr>
+          <p:nvPr>
+            <p:ph idx="1"/>
+          </p:nvPr>
+        </p:nvSpPr>
+        <p:spPr/>
+        <p:txBody>
+          <a:bodyPr/>
+          <a:lstStyle/>
+          <a:p>
+            <a:r>
+              <a:rPr lang="it-IT" dirty="0"/>
+              <a:t>Altre scelte di design </a:t>
+            </a:r>
+            <a:r>
+              <a:rPr lang="it-IT" dirty="0" err="1"/>
+              <a:t>segnificative</a:t>
+            </a:r>
+            <a:endParaRPr lang="it-IT" dirty="0"/>
+          </a:p>
+        </p:txBody>
+      </p:sp>
+    </p:spTree>
+    <p:extLst>
+      <p:ext uri="{BB962C8B-B14F-4D97-AF65-F5344CB8AC3E}">
+        <p14:creationId xmlns:p14="http://schemas.microsoft.com/office/powerpoint/2010/main" val="4258776583"/>
+      </p:ext>
+    </p:extLst>
+  </p:cSld>
+  <p:clrMapOvr>
+    <a:masterClrMapping/>
+  </p:clrMapOvr>
+</p:sld>
+</file>
+
+<file path=ppt/slides/slide15.xml><?xml version="1.0" encoding="utf-8"?>
+<p:sld xmlns:a="http://schemas.openxmlformats.org/drawingml/2006/main" xmlns:r="http://schemas.openxmlformats.org/officeDocument/2006/relationships" xmlns:p="http://schemas.openxmlformats.org/presentationml/2006/main">
+  <p:cSld>
+    <p:spTree>
+      <p:nvGrpSpPr>
+        <p:cNvPr id="1" name=""/>
+        <p:cNvGrpSpPr/>
+        <p:nvPr/>
+      </p:nvGrpSpPr>
+      <p:grpSpPr>
+        <a:xfrm>
+          <a:off x="0" y="0"/>
+          <a:ext cx="0" cy="0"/>
+          <a:chOff x="0" y="0"/>
+          <a:chExt cx="0" cy="0"/>
+        </a:xfrm>
+      </p:grpSpPr>
+      <p:sp>
+        <p:nvSpPr>
+          <p:cNvPr id="2" name="Titolo 1">
+            <a:extLst>
+              <a:ext uri="{FF2B5EF4-FFF2-40B4-BE49-F238E27FC236}">
+                <a16:creationId xmlns:a16="http://schemas.microsoft.com/office/drawing/2014/main" id="{B091881F-E104-4A2A-A90F-E9C96E8E73B4}"/>
+              </a:ext>
+            </a:extLst>
+          </p:cNvPr>
+          <p:cNvSpPr>
+            <a:spLocks noGrp="1"/>
+          </p:cNvSpPr>
+          <p:nvPr>
+            <p:ph type="title"/>
+          </p:nvPr>
+        </p:nvSpPr>
+        <p:spPr>
+          <a:xfrm rot="16200000">
+            <a:off x="-1088329" y="982172"/>
+            <a:ext cx="2928494" cy="751823"/>
+          </a:xfrm>
+        </p:spPr>
+        <p:txBody>
+          <a:bodyPr>
+            <a:normAutofit fontScale="90000"/>
+          </a:bodyPr>
+          <a:lstStyle/>
+          <a:p>
+            <a:r>
+              <a:rPr lang="it-IT" dirty="0">
+                <a:solidFill>
+                  <a:srgbClr val="F8B323"/>
+                </a:solidFill>
+              </a:rPr>
+              <a:t>Test case</a:t>
+            </a:r>
+          </a:p>
+        </p:txBody>
+      </p:sp>
+      <p:sp>
+        <p:nvSpPr>
+          <p:cNvPr id="3" name="Segnaposto contenuto 2">
+            <a:extLst>
+              <a:ext uri="{FF2B5EF4-FFF2-40B4-BE49-F238E27FC236}">
+                <a16:creationId xmlns:a16="http://schemas.microsoft.com/office/drawing/2014/main" id="{0D1F4823-2969-402A-86AF-FE8D80B3F521}"/>
+              </a:ext>
+            </a:extLst>
+          </p:cNvPr>
+          <p:cNvSpPr>
+            <a:spLocks noGrp="1"/>
+          </p:cNvSpPr>
+          <p:nvPr>
+            <p:ph idx="1"/>
+          </p:nvPr>
+        </p:nvSpPr>
+        <p:spPr/>
+        <p:txBody>
+          <a:bodyPr/>
+          <a:lstStyle/>
+          <a:p>
+            <a:r>
+              <a:rPr lang="it-IT" dirty="0"/>
+              <a:t>Test case associati allo use case</a:t>
+            </a:r>
+          </a:p>
+        </p:txBody>
+      </p:sp>
+    </p:spTree>
+    <p:extLst>
+      <p:ext uri="{BB962C8B-B14F-4D97-AF65-F5344CB8AC3E}">
+        <p14:creationId xmlns:p14="http://schemas.microsoft.com/office/powerpoint/2010/main" val="2730955762"/>
+      </p:ext>
+    </p:extLst>
+  </p:cSld>
+  <p:clrMapOvr>
+    <a:masterClrMapping/>
+  </p:clrMapOvr>
+</p:sld>
+</file>
+
+<file path=ppt/slides/slide16.xml><?xml version="1.0" encoding="utf-8"?>
+<p:sld xmlns:a="http://schemas.openxmlformats.org/drawingml/2006/main" xmlns:r="http://schemas.openxmlformats.org/officeDocument/2006/relationships" xmlns:p="http://schemas.openxmlformats.org/presentationml/2006/main">
+  <p:cSld>
+    <p:spTree>
+      <p:nvGrpSpPr>
+        <p:cNvPr id="1" name=""/>
+        <p:cNvGrpSpPr/>
+        <p:nvPr/>
+      </p:nvGrpSpPr>
+      <p:grpSpPr>
+        <a:xfrm>
+          <a:off x="0" y="0"/>
+          <a:ext cx="0" cy="0"/>
+          <a:chOff x="0" y="0"/>
+          <a:chExt cx="0" cy="0"/>
+        </a:xfrm>
+      </p:grpSpPr>
+      <p:sp>
+        <p:nvSpPr>
+          <p:cNvPr id="2" name="Titolo 1">
+            <a:extLst>
+              <a:ext uri="{FF2B5EF4-FFF2-40B4-BE49-F238E27FC236}">
+                <a16:creationId xmlns:a16="http://schemas.microsoft.com/office/drawing/2014/main" id="{B091881F-E104-4A2A-A90F-E9C96E8E73B4}"/>
+              </a:ext>
+            </a:extLst>
+          </p:cNvPr>
+          <p:cNvSpPr>
+            <a:spLocks noGrp="1"/>
+          </p:cNvSpPr>
+          <p:nvPr>
+            <p:ph type="title"/>
+          </p:nvPr>
+        </p:nvSpPr>
+        <p:spPr>
+          <a:xfrm rot="16200000">
+            <a:off x="-3106164" y="3000007"/>
+            <a:ext cx="6964165" cy="751823"/>
+          </a:xfrm>
+        </p:spPr>
+        <p:txBody>
+          <a:bodyPr>
+            <a:normAutofit fontScale="90000"/>
+          </a:bodyPr>
+          <a:lstStyle/>
+          <a:p>
+            <a:r>
+              <a:rPr lang="it-IT" dirty="0">
+                <a:solidFill>
+                  <a:srgbClr val="F8B323"/>
+                </a:solidFill>
+              </a:rPr>
+              <a:t>Matrice di tracciabilità</a:t>
+            </a:r>
+          </a:p>
+        </p:txBody>
+      </p:sp>
+      <p:sp>
+        <p:nvSpPr>
+          <p:cNvPr id="3" name="Segnaposto contenuto 2">
+            <a:extLst>
+              <a:ext uri="{FF2B5EF4-FFF2-40B4-BE49-F238E27FC236}">
+                <a16:creationId xmlns:a16="http://schemas.microsoft.com/office/drawing/2014/main" id="{0D1F4823-2969-402A-86AF-FE8D80B3F521}"/>
+              </a:ext>
+            </a:extLst>
+          </p:cNvPr>
+          <p:cNvSpPr>
+            <a:spLocks noGrp="1"/>
+          </p:cNvSpPr>
+          <p:nvPr>
+            <p:ph idx="1"/>
+          </p:nvPr>
+        </p:nvSpPr>
+        <p:spPr/>
+        <p:txBody>
+          <a:bodyPr/>
+          <a:lstStyle/>
+          <a:p>
+            <a:endParaRPr lang="it-IT" dirty="0"/>
+          </a:p>
+        </p:txBody>
+      </p:sp>
+    </p:spTree>
+    <p:extLst>
+      <p:ext uri="{BB962C8B-B14F-4D97-AF65-F5344CB8AC3E}">
+        <p14:creationId xmlns:p14="http://schemas.microsoft.com/office/powerpoint/2010/main" val="2029125885"/>
+      </p:ext>
+    </p:extLst>
+  </p:cSld>
+  <p:clrMapOvr>
+    <a:masterClrMapping/>
+  </p:clrMapOvr>
+</p:sld>
+</file>
+
+<file path=ppt/slides/slide17.xml><?xml version="1.0" encoding="utf-8"?>
+<p:sld xmlns:a="http://schemas.openxmlformats.org/drawingml/2006/main" xmlns:r="http://schemas.openxmlformats.org/officeDocument/2006/relationships" xmlns:p="http://schemas.openxmlformats.org/presentationml/2006/main">
+  <p:cSld>
+    <p:spTree>
+      <p:nvGrpSpPr>
+        <p:cNvPr id="1" name=""/>
+        <p:cNvGrpSpPr/>
+        <p:nvPr/>
+      </p:nvGrpSpPr>
+      <p:grpSpPr>
+        <a:xfrm>
+          <a:off x="0" y="0"/>
+          <a:ext cx="0" cy="0"/>
+          <a:chOff x="0" y="0"/>
+          <a:chExt cx="0" cy="0"/>
+        </a:xfrm>
+      </p:grpSpPr>
+      <p:sp>
+        <p:nvSpPr>
+          <p:cNvPr id="2" name="Titolo 1">
+            <a:extLst>
+              <a:ext uri="{FF2B5EF4-FFF2-40B4-BE49-F238E27FC236}">
+                <a16:creationId xmlns:a16="http://schemas.microsoft.com/office/drawing/2014/main" id="{B091881F-E104-4A2A-A90F-E9C96E8E73B4}"/>
+              </a:ext>
+            </a:extLst>
+          </p:cNvPr>
+          <p:cNvSpPr>
+            <a:spLocks noGrp="1"/>
+          </p:cNvSpPr>
+          <p:nvPr>
+            <p:ph type="title"/>
+          </p:nvPr>
+        </p:nvSpPr>
+        <p:spPr>
+          <a:xfrm rot="16200000">
+            <a:off x="-3053082" y="3053088"/>
+            <a:ext cx="6858001" cy="751823"/>
+          </a:xfrm>
+        </p:spPr>
+        <p:txBody>
+          <a:bodyPr>
+            <a:normAutofit fontScale="90000"/>
+          </a:bodyPr>
+          <a:lstStyle/>
+          <a:p>
+            <a:pPr algn="r"/>
+            <a:r>
+              <a:rPr lang="it-IT" dirty="0" err="1">
+                <a:solidFill>
+                  <a:srgbClr val="F8B323"/>
+                </a:solidFill>
+              </a:rPr>
+              <a:t>retrospective</a:t>
+            </a:r>
+            <a:endParaRPr lang="it-IT" dirty="0">
+              <a:solidFill>
+                <a:srgbClr val="F8B323"/>
+              </a:solidFill>
+            </a:endParaRPr>
+          </a:p>
+        </p:txBody>
+      </p:sp>
+      <p:sp>
+        <p:nvSpPr>
+          <p:cNvPr id="3" name="Segnaposto contenuto 2">
+            <a:extLst>
+              <a:ext uri="{FF2B5EF4-FFF2-40B4-BE49-F238E27FC236}">
+                <a16:creationId xmlns:a16="http://schemas.microsoft.com/office/drawing/2014/main" id="{0D1F4823-2969-402A-86AF-FE8D80B3F521}"/>
+              </a:ext>
+            </a:extLst>
+          </p:cNvPr>
+          <p:cNvSpPr>
+            <a:spLocks noGrp="1"/>
+          </p:cNvSpPr>
+          <p:nvPr>
+            <p:ph idx="1"/>
+          </p:nvPr>
+        </p:nvSpPr>
+        <p:spPr/>
+        <p:txBody>
+          <a:bodyPr/>
+          <a:lstStyle/>
+          <a:p>
+            <a:r>
+              <a:rPr lang="it-IT" dirty="0" err="1"/>
+              <a:t>Retrospective</a:t>
+            </a:r>
+            <a:r>
+              <a:rPr lang="it-IT" dirty="0"/>
+              <a:t> (sulla base della vostra analisi dei punti di forza e dei aspetti da migliorare, fornire una </a:t>
+            </a:r>
+            <a:r>
+              <a:rPr lang="it-IT" dirty="0" err="1"/>
+              <a:t>retrospective</a:t>
+            </a:r>
+            <a:r>
+              <a:rPr lang="it-IT" dirty="0"/>
+              <a:t> stile </a:t>
+            </a:r>
+            <a:r>
+              <a:rPr lang="it-IT" dirty="0" err="1"/>
+              <a:t>scrum</a:t>
+            </a:r>
+            <a:r>
+              <a:rPr lang="it-IT" dirty="0"/>
+              <a:t>)</a:t>
+            </a:r>
+          </a:p>
+        </p:txBody>
+      </p:sp>
+    </p:spTree>
+    <p:extLst>
+      <p:ext uri="{BB962C8B-B14F-4D97-AF65-F5344CB8AC3E}">
+        <p14:creationId xmlns:p14="http://schemas.microsoft.com/office/powerpoint/2010/main" val="2188916216"/>
+      </p:ext>
+    </p:extLst>
+  </p:cSld>
+  <p:clrMapOvr>
+    <a:masterClrMapping/>
+  </p:clrMapOvr>
+</p:sld>
+</file>
+
+<file path=ppt/slides/slide18.xml><?xml version="1.0" encoding="utf-8"?>
 <p:sld xmlns:a="http://schemas.openxmlformats.org/drawingml/2006/main" xmlns:r="http://schemas.openxmlformats.org/officeDocument/2006/relationships" xmlns:p="http://schemas.openxmlformats.org/presentationml/2006/main">
   <p:cSld>
     <p:spTree>
@@ -9090,7 +10745,7 @@
 </p:sld>
 </file>
 
-<file path=ppt/slides/slide3.xml><?xml version="1.0" encoding="utf-8"?>
+<file path=ppt/slides/slide19.xml><?xml version="1.0" encoding="utf-8"?>
 <p:sld xmlns:a="http://schemas.openxmlformats.org/drawingml/2006/main" xmlns:r="http://schemas.openxmlformats.org/officeDocument/2006/relationships" xmlns:p="http://schemas.openxmlformats.org/presentationml/2006/main">
   <p:cSld>
     <p:spTree>
@@ -9348,7 +11003,225 @@
 </p:sld>
 </file>
 
-<file path=ppt/slides/slide4.xml><?xml version="1.0" encoding="utf-8"?>
+<file path=ppt/slides/slide2.xml><?xml version="1.0" encoding="utf-8"?>
+<p:sld xmlns:a="http://schemas.openxmlformats.org/drawingml/2006/main" xmlns:r="http://schemas.openxmlformats.org/officeDocument/2006/relationships" xmlns:p="http://schemas.openxmlformats.org/presentationml/2006/main">
+  <p:cSld>
+    <p:spTree>
+      <p:nvGrpSpPr>
+        <p:cNvPr id="1" name=""/>
+        <p:cNvGrpSpPr/>
+        <p:nvPr/>
+      </p:nvGrpSpPr>
+      <p:grpSpPr>
+        <a:xfrm>
+          <a:off x="0" y="0"/>
+          <a:ext cx="0" cy="0"/>
+          <a:chOff x="0" y="0"/>
+          <a:chExt cx="0" cy="0"/>
+        </a:xfrm>
+      </p:grpSpPr>
+      <p:sp>
+        <p:nvSpPr>
+          <p:cNvPr id="2" name="Titolo 1">
+            <a:extLst>
+              <a:ext uri="{FF2B5EF4-FFF2-40B4-BE49-F238E27FC236}">
+                <a16:creationId xmlns:a16="http://schemas.microsoft.com/office/drawing/2014/main" id="{B091881F-E104-4A2A-A90F-E9C96E8E73B4}"/>
+              </a:ext>
+            </a:extLst>
+          </p:cNvPr>
+          <p:cNvSpPr>
+            <a:spLocks noGrp="1"/>
+          </p:cNvSpPr>
+          <p:nvPr>
+            <p:ph type="title"/>
+          </p:nvPr>
+        </p:nvSpPr>
+        <p:spPr>
+          <a:xfrm rot="16200000">
+            <a:off x="-506130" y="197747"/>
+            <a:ext cx="1764084" cy="751823"/>
+          </a:xfrm>
+        </p:spPr>
+        <p:txBody>
+          <a:bodyPr>
+            <a:normAutofit fontScale="90000"/>
+          </a:bodyPr>
+          <a:lstStyle/>
+          <a:p>
+            <a:r>
+              <a:rPr lang="it-IT" dirty="0">
+                <a:solidFill>
+                  <a:srgbClr val="F8B323"/>
+                </a:solidFill>
+              </a:rPr>
+              <a:t>Team</a:t>
+            </a:r>
+          </a:p>
+        </p:txBody>
+      </p:sp>
+      <p:pic>
+        <p:nvPicPr>
+          <p:cNvPr id="5" name="Immagine 4">
+            <a:extLst>
+              <a:ext uri="{FF2B5EF4-FFF2-40B4-BE49-F238E27FC236}">
+                <a16:creationId xmlns:a16="http://schemas.microsoft.com/office/drawing/2014/main" id="{95D1CE17-6933-436C-90FD-FA90536CF3DD}"/>
+              </a:ext>
+            </a:extLst>
+          </p:cNvPr>
+          <p:cNvPicPr>
+            <a:picLocks noChangeAspect="1"/>
+          </p:cNvPicPr>
+          <p:nvPr/>
+        </p:nvPicPr>
+        <p:blipFill rotWithShape="1">
+          <a:blip r:embed="rId2">
+            <a:extLst>
+              <a:ext uri="{28A0092B-C50C-407E-A947-70E740481C1C}">
+                <a14:useLocalDpi xmlns:a14="http://schemas.microsoft.com/office/drawing/2010/main" val="0"/>
+              </a:ext>
+            </a:extLst>
+          </a:blip>
+          <a:srcRect l="26374" r="21226" b="14525"/>
+          <a:stretch/>
+        </p:blipFill>
+        <p:spPr>
+          <a:xfrm rot="16200000">
+            <a:off x="1895143" y="1962322"/>
+            <a:ext cx="2650308" cy="2041510"/>
+          </a:xfrm>
+          <a:prstGeom prst="rect">
+            <a:avLst/>
+          </a:prstGeom>
+        </p:spPr>
+      </p:pic>
+      <p:sp>
+        <p:nvSpPr>
+          <p:cNvPr id="6" name="CasellaDiTesto 5">
+            <a:extLst>
+              <a:ext uri="{FF2B5EF4-FFF2-40B4-BE49-F238E27FC236}">
+                <a16:creationId xmlns:a16="http://schemas.microsoft.com/office/drawing/2014/main" id="{91976363-663B-4BB9-9EFA-B8098E3A2718}"/>
+              </a:ext>
+            </a:extLst>
+          </p:cNvPr>
+          <p:cNvSpPr txBox="1"/>
+          <p:nvPr/>
+        </p:nvSpPr>
+        <p:spPr>
+          <a:xfrm>
+            <a:off x="1831843" y="4415568"/>
+            <a:ext cx="2776905" cy="707886"/>
+          </a:xfrm>
+          <a:prstGeom prst="rect">
+            <a:avLst/>
+          </a:prstGeom>
+          <a:noFill/>
+        </p:spPr>
+        <p:txBody>
+          <a:bodyPr wrap="square" rtlCol="0">
+            <a:spAutoFit/>
+          </a:bodyPr>
+          <a:lstStyle/>
+          <a:p>
+            <a:pPr algn="ctr"/>
+            <a:r>
+              <a:rPr lang="it-IT" sz="2000" dirty="0">
+                <a:solidFill>
+                  <a:schemeClr val="tx1">
+                    <a:lumMod val="65000"/>
+                    <a:lumOff val="35000"/>
+                  </a:schemeClr>
+                </a:solidFill>
+              </a:rPr>
+              <a:t>Farina Simone</a:t>
+            </a:r>
+          </a:p>
+          <a:p>
+            <a:pPr algn="ctr"/>
+            <a:r>
+              <a:rPr lang="it-IT" sz="2000" dirty="0">
+                <a:solidFill>
+                  <a:schemeClr val="tx1">
+                    <a:lumMod val="65000"/>
+                    <a:lumOff val="35000"/>
+                  </a:schemeClr>
+                </a:solidFill>
+              </a:rPr>
+              <a:t>Matricola: 0512106049</a:t>
+            </a:r>
+          </a:p>
+        </p:txBody>
+      </p:sp>
+      <p:sp>
+        <p:nvSpPr>
+          <p:cNvPr id="7" name="CasellaDiTesto 6">
+            <a:extLst>
+              <a:ext uri="{FF2B5EF4-FFF2-40B4-BE49-F238E27FC236}">
+                <a16:creationId xmlns:a16="http://schemas.microsoft.com/office/drawing/2014/main" id="{40CE78B6-2968-4BC4-A9A5-86BB21041EF9}"/>
+              </a:ext>
+            </a:extLst>
+          </p:cNvPr>
+          <p:cNvSpPr txBox="1"/>
+          <p:nvPr/>
+        </p:nvSpPr>
+        <p:spPr>
+          <a:xfrm>
+            <a:off x="7004651" y="4415568"/>
+            <a:ext cx="2776905" cy="707886"/>
+          </a:xfrm>
+          <a:prstGeom prst="rect">
+            <a:avLst/>
+          </a:prstGeom>
+          <a:noFill/>
+        </p:spPr>
+        <p:txBody>
+          <a:bodyPr wrap="square" rtlCol="0">
+            <a:spAutoFit/>
+          </a:bodyPr>
+          <a:lstStyle/>
+          <a:p>
+            <a:pPr algn="ctr"/>
+            <a:r>
+              <a:rPr lang="it-IT" sz="2000" dirty="0">
+                <a:solidFill>
+                  <a:schemeClr val="tx1">
+                    <a:lumMod val="65000"/>
+                    <a:lumOff val="35000"/>
+                  </a:schemeClr>
+                </a:solidFill>
+              </a:rPr>
+              <a:t>Cuomo Alfonso</a:t>
+            </a:r>
+          </a:p>
+          <a:p>
+            <a:pPr algn="ctr"/>
+            <a:r>
+              <a:rPr lang="it-IT" sz="2000" dirty="0">
+                <a:solidFill>
+                  <a:schemeClr val="tx1">
+                    <a:lumMod val="65000"/>
+                    <a:lumOff val="35000"/>
+                  </a:schemeClr>
+                </a:solidFill>
+              </a:rPr>
+              <a:t>Matricola: 0512105143</a:t>
+            </a:r>
+          </a:p>
+        </p:txBody>
+      </p:sp>
+    </p:spTree>
+    <p:extLst>
+      <p:ext uri="{BB962C8B-B14F-4D97-AF65-F5344CB8AC3E}">
+        <p14:creationId xmlns:p14="http://schemas.microsoft.com/office/powerpoint/2010/main" val="2358209768"/>
+      </p:ext>
+    </p:extLst>
+  </p:cSld>
+  <p:clrMapOvr>
+    <a:masterClrMapping/>
+  </p:clrMapOvr>
+</p:sld>
+</file>
+
+<file path=ppt/slides/slide20.xml><?xml version="1.0" encoding="utf-8"?>
 <p:sld xmlns:a="http://schemas.openxmlformats.org/drawingml/2006/main" xmlns:r="http://schemas.openxmlformats.org/officeDocument/2006/relationships" xmlns:p="http://schemas.openxmlformats.org/presentationml/2006/main">
   <p:cSld>
     <p:spTree>
@@ -9826,7 +11699,7 @@
 </p:sld>
 </file>
 
-<file path=ppt/slides/slide5.xml><?xml version="1.0" encoding="utf-8"?>
+<file path=ppt/slides/slide21.xml><?xml version="1.0" encoding="utf-8"?>
 <p:sld xmlns:a="http://schemas.openxmlformats.org/drawingml/2006/main" xmlns:r="http://schemas.openxmlformats.org/officeDocument/2006/relationships" xmlns:p="http://schemas.openxmlformats.org/presentationml/2006/main">
   <p:cSld>
     <p:spTree>
@@ -10018,7 +11891,121 @@
 </p:sld>
 </file>
 
-<file path=ppt/slides/slide6.xml><?xml version="1.0" encoding="utf-8"?>
+<file path=ppt/slides/slide3.xml><?xml version="1.0" encoding="utf-8"?>
+<p:sld xmlns:a="http://schemas.openxmlformats.org/drawingml/2006/main" xmlns:r="http://schemas.openxmlformats.org/officeDocument/2006/relationships" xmlns:p="http://schemas.openxmlformats.org/presentationml/2006/main">
+  <p:cSld>
+    <p:spTree>
+      <p:nvGrpSpPr>
+        <p:cNvPr id="1" name=""/>
+        <p:cNvGrpSpPr/>
+        <p:nvPr/>
+      </p:nvGrpSpPr>
+      <p:grpSpPr>
+        <a:xfrm>
+          <a:off x="0" y="0"/>
+          <a:ext cx="0" cy="0"/>
+          <a:chOff x="0" y="0"/>
+          <a:chExt cx="0" cy="0"/>
+        </a:xfrm>
+      </p:grpSpPr>
+      <p:sp>
+        <p:nvSpPr>
+          <p:cNvPr id="2" name="Titolo 1">
+            <a:extLst>
+              <a:ext uri="{FF2B5EF4-FFF2-40B4-BE49-F238E27FC236}">
+                <a16:creationId xmlns:a16="http://schemas.microsoft.com/office/drawing/2014/main" id="{B091881F-E104-4A2A-A90F-E9C96E8E73B4}"/>
+              </a:ext>
+            </a:extLst>
+          </p:cNvPr>
+          <p:cNvSpPr>
+            <a:spLocks noGrp="1"/>
+          </p:cNvSpPr>
+          <p:nvPr>
+            <p:ph type="title"/>
+          </p:nvPr>
+        </p:nvSpPr>
+        <p:spPr>
+          <a:xfrm rot="16200000">
+            <a:off x="-1563118" y="1456960"/>
+            <a:ext cx="3878061" cy="751823"/>
+          </a:xfrm>
+        </p:spPr>
+        <p:txBody>
+          <a:bodyPr>
+            <a:normAutofit fontScale="90000"/>
+          </a:bodyPr>
+          <a:lstStyle/>
+          <a:p>
+            <a:r>
+              <a:rPr lang="it-IT" dirty="0">
+                <a:solidFill>
+                  <a:srgbClr val="F8B323"/>
+                </a:solidFill>
+              </a:rPr>
+              <a:t>introduzione</a:t>
+            </a:r>
+          </a:p>
+        </p:txBody>
+      </p:sp>
+      <p:sp>
+        <p:nvSpPr>
+          <p:cNvPr id="3" name="Segnaposto contenuto 2">
+            <a:extLst>
+              <a:ext uri="{FF2B5EF4-FFF2-40B4-BE49-F238E27FC236}">
+                <a16:creationId xmlns:a16="http://schemas.microsoft.com/office/drawing/2014/main" id="{0D1F4823-2969-402A-86AF-FE8D80B3F521}"/>
+              </a:ext>
+            </a:extLst>
+          </p:cNvPr>
+          <p:cNvSpPr>
+            <a:spLocks noGrp="1"/>
+          </p:cNvSpPr>
+          <p:nvPr>
+            <p:ph idx="1"/>
+          </p:nvPr>
+        </p:nvSpPr>
+        <p:spPr>
+          <a:xfrm>
+            <a:off x="1269262" y="2611317"/>
+            <a:ext cx="10178322" cy="3593591"/>
+          </a:xfrm>
+        </p:spPr>
+        <p:txBody>
+          <a:bodyPr/>
+          <a:lstStyle/>
+          <a:p>
+            <a:pPr marL="0" indent="0">
+              <a:buNone/>
+            </a:pPr>
+            <a:r>
+              <a:rPr lang="it-IT" dirty="0"/>
+              <a:t>Dodo.net è una piattaforma web in cui viene digitalizzato l’inventario della libraria Dodo per fornirli ai suoi clienti. </a:t>
+            </a:r>
+          </a:p>
+          <a:p>
+            <a:pPr marL="0" indent="0">
+              <a:buNone/>
+            </a:pPr>
+            <a:r>
+              <a:rPr lang="it-IT" dirty="0"/>
+              <a:t>Dodo.net nasce quindi con lo scopo di poter offrire ausilio a coloro che sono coinvolti nell’acquisto di libri.</a:t>
+            </a:r>
+          </a:p>
+        </p:txBody>
+      </p:sp>
+    </p:spTree>
+    <p:extLst>
+      <p:ext uri="{BB962C8B-B14F-4D97-AF65-F5344CB8AC3E}">
+        <p14:creationId xmlns:p14="http://schemas.microsoft.com/office/powerpoint/2010/main" val="3456291858"/>
+      </p:ext>
+    </p:extLst>
+  </p:cSld>
+  <p:clrMapOvr>
+    <a:masterClrMapping/>
+  </p:clrMapOvr>
+</p:sld>
+</file>
+
+<file path=ppt/slides/slide4.xml><?xml version="1.0" encoding="utf-8"?>
 <p:sld xmlns:a="http://schemas.openxmlformats.org/drawingml/2006/main" xmlns:r="http://schemas.openxmlformats.org/officeDocument/2006/relationships" xmlns:p="http://schemas.openxmlformats.org/presentationml/2006/main">
   <p:cSld>
     <p:spTree>
@@ -10092,8 +12079,8 @@
         </p:nvSpPr>
         <p:spPr>
           <a:xfrm>
-            <a:off x="1251678" y="219457"/>
-            <a:ext cx="10178322" cy="1804415"/>
+            <a:off x="1405914" y="339476"/>
+            <a:ext cx="4388958" cy="441555"/>
           </a:xfrm>
         </p:spPr>
         <p:txBody>
@@ -10105,17 +12092,337 @@
             </a:pPr>
             <a:r>
               <a:rPr lang="it-IT" dirty="0"/>
-              <a:t>Ecco alcuni requisiti da noi </a:t>
+              <a:t>Ecco un estratto dei requisiti funzionali</a:t>
             </a:r>
+          </a:p>
+        </p:txBody>
+      </p:sp>
+      <p:pic>
+        <p:nvPicPr>
+          <p:cNvPr id="5" name="Immagine 4" descr="Immagine che contiene tavolo&#10;&#10;Descrizione generata automaticamente">
+            <a:extLst>
+              <a:ext uri="{FF2B5EF4-FFF2-40B4-BE49-F238E27FC236}">
+                <a16:creationId xmlns:a16="http://schemas.microsoft.com/office/drawing/2014/main" id="{68169DA7-D90D-4AA1-9C7A-394C617265AE}"/>
+              </a:ext>
+            </a:extLst>
+          </p:cNvPr>
+          <p:cNvPicPr>
+            <a:picLocks noChangeAspect="1"/>
+          </p:cNvPicPr>
+          <p:nvPr/>
+        </p:nvPicPr>
+        <p:blipFill>
+          <a:blip r:embed="rId2">
+            <a:extLst>
+              <a:ext uri="{28A0092B-C50C-407E-A947-70E740481C1C}">
+                <a14:useLocalDpi xmlns:a14="http://schemas.microsoft.com/office/drawing/2010/main" val="0"/>
+              </a:ext>
+            </a:extLst>
+          </a:blip>
+          <a:stretch>
+            <a:fillRect/>
+          </a:stretch>
+        </p:blipFill>
+        <p:spPr>
+          <a:xfrm>
+            <a:off x="1019806" y="803945"/>
+            <a:ext cx="5671163" cy="3382466"/>
+          </a:xfrm>
+          <a:prstGeom prst="rect">
+            <a:avLst/>
+          </a:prstGeom>
+        </p:spPr>
+      </p:pic>
+      <p:pic>
+        <p:nvPicPr>
+          <p:cNvPr id="7" name="Immagine 6" descr="Immagine che contiene tavolo&#10;&#10;Descrizione generata automaticamente">
+            <a:extLst>
+              <a:ext uri="{FF2B5EF4-FFF2-40B4-BE49-F238E27FC236}">
+                <a16:creationId xmlns:a16="http://schemas.microsoft.com/office/drawing/2014/main" id="{98E5D5BD-40FE-4BCE-B54F-054F0CA1C53E}"/>
+              </a:ext>
+            </a:extLst>
+          </p:cNvPr>
+          <p:cNvPicPr>
+            <a:picLocks noChangeAspect="1"/>
+          </p:cNvPicPr>
+          <p:nvPr/>
+        </p:nvPicPr>
+        <p:blipFill>
+          <a:blip r:embed="rId3">
+            <a:extLst>
+              <a:ext uri="{28A0092B-C50C-407E-A947-70E740481C1C}">
+                <a14:useLocalDpi xmlns:a14="http://schemas.microsoft.com/office/drawing/2010/main" val="0"/>
+              </a:ext>
+            </a:extLst>
+          </a:blip>
+          <a:stretch>
+            <a:fillRect/>
+          </a:stretch>
+        </p:blipFill>
+        <p:spPr>
+          <a:xfrm>
+            <a:off x="2809875" y="4581143"/>
+            <a:ext cx="8620125" cy="2057400"/>
+          </a:xfrm>
+          <a:prstGeom prst="rect">
+            <a:avLst/>
+          </a:prstGeom>
+        </p:spPr>
+      </p:pic>
+      <p:sp>
+        <p:nvSpPr>
+          <p:cNvPr id="8" name="Segnaposto contenuto 2">
+            <a:extLst>
+              <a:ext uri="{FF2B5EF4-FFF2-40B4-BE49-F238E27FC236}">
+                <a16:creationId xmlns:a16="http://schemas.microsoft.com/office/drawing/2014/main" id="{44699ED5-C5CC-459C-A6FB-109BB43093AD}"/>
+              </a:ext>
+            </a:extLst>
+          </p:cNvPr>
+          <p:cNvSpPr txBox="1">
+            <a:spLocks/>
+          </p:cNvSpPr>
+          <p:nvPr/>
+        </p:nvSpPr>
+        <p:spPr>
+          <a:xfrm>
+            <a:off x="6323683" y="4139588"/>
+            <a:ext cx="5106318" cy="441555"/>
+          </a:xfrm>
+          <a:prstGeom prst="rect">
+            <a:avLst/>
+          </a:prstGeom>
+        </p:spPr>
+        <p:txBody>
+          <a:bodyPr vert="horz" lIns="91440" tIns="45720" rIns="91440" bIns="45720" rtlCol="0">
+            <a:normAutofit/>
+          </a:bodyPr>
+          <a:lstStyle>
+            <a:lvl1pPr marL="228600" indent="-228600" algn="l" defTabSz="914400" rtl="0" eaLnBrk="1" latinLnBrk="0" hangingPunct="1">
+              <a:lnSpc>
+                <a:spcPct val="110000"/>
+              </a:lnSpc>
+              <a:spcBef>
+                <a:spcPts val="700"/>
+              </a:spcBef>
+              <a:buClr>
+                <a:schemeClr val="tx2"/>
+              </a:buClr>
+              <a:buFont typeface="Arial" panose="020B0604020202020204" pitchFamily="34" charset="0"/>
+              <a:buChar char="•"/>
+              <a:defRPr sz="2000" kern="1200">
+                <a:solidFill>
+                  <a:schemeClr val="tx1">
+                    <a:lumMod val="65000"/>
+                    <a:lumOff val="35000"/>
+                  </a:schemeClr>
+                </a:solidFill>
+                <a:latin typeface="+mn-lt"/>
+                <a:ea typeface="+mn-ea"/>
+                <a:cs typeface="+mn-cs"/>
+              </a:defRPr>
+            </a:lvl1pPr>
+            <a:lvl2pPr marL="685800" indent="-228600" algn="l" defTabSz="914400" rtl="0" eaLnBrk="1" latinLnBrk="0" hangingPunct="1">
+              <a:lnSpc>
+                <a:spcPct val="110000"/>
+              </a:lnSpc>
+              <a:spcBef>
+                <a:spcPts val="700"/>
+              </a:spcBef>
+              <a:buClr>
+                <a:schemeClr val="tx2"/>
+              </a:buClr>
+              <a:buFont typeface="Gill Sans MT" panose="020B0502020104020203" pitchFamily="34" charset="0"/>
+              <a:buChar char="–"/>
+              <a:defRPr sz="1800" kern="1200">
+                <a:solidFill>
+                  <a:schemeClr val="tx1">
+                    <a:lumMod val="65000"/>
+                    <a:lumOff val="35000"/>
+                  </a:schemeClr>
+                </a:solidFill>
+                <a:latin typeface="+mn-lt"/>
+                <a:ea typeface="+mn-ea"/>
+                <a:cs typeface="+mn-cs"/>
+              </a:defRPr>
+            </a:lvl2pPr>
+            <a:lvl3pPr marL="1143000" indent="-228600" algn="l" defTabSz="914400" rtl="0" eaLnBrk="1" latinLnBrk="0" hangingPunct="1">
+              <a:lnSpc>
+                <a:spcPct val="110000"/>
+              </a:lnSpc>
+              <a:spcBef>
+                <a:spcPts val="700"/>
+              </a:spcBef>
+              <a:buClr>
+                <a:schemeClr val="tx2"/>
+              </a:buClr>
+              <a:buFont typeface="Arial" panose="020B0604020202020204" pitchFamily="34" charset="0"/>
+              <a:buChar char="•"/>
+              <a:defRPr sz="1600" kern="1200">
+                <a:solidFill>
+                  <a:schemeClr val="tx1">
+                    <a:lumMod val="65000"/>
+                    <a:lumOff val="35000"/>
+                  </a:schemeClr>
+                </a:solidFill>
+                <a:latin typeface="+mn-lt"/>
+                <a:ea typeface="+mn-ea"/>
+                <a:cs typeface="+mn-cs"/>
+              </a:defRPr>
+            </a:lvl3pPr>
+            <a:lvl4pPr marL="1600200" indent="-228600" algn="l" defTabSz="914400" rtl="0" eaLnBrk="1" latinLnBrk="0" hangingPunct="1">
+              <a:lnSpc>
+                <a:spcPct val="110000"/>
+              </a:lnSpc>
+              <a:spcBef>
+                <a:spcPts val="700"/>
+              </a:spcBef>
+              <a:buClr>
+                <a:schemeClr val="tx2"/>
+              </a:buClr>
+              <a:buFont typeface="Gill Sans MT" panose="020B0502020104020203" pitchFamily="34" charset="0"/>
+              <a:buChar char="–"/>
+              <a:defRPr sz="1400" kern="1200">
+                <a:solidFill>
+                  <a:schemeClr val="tx1">
+                    <a:lumMod val="65000"/>
+                    <a:lumOff val="35000"/>
+                  </a:schemeClr>
+                </a:solidFill>
+                <a:latin typeface="+mn-lt"/>
+                <a:ea typeface="+mn-ea"/>
+                <a:cs typeface="+mn-cs"/>
+              </a:defRPr>
+            </a:lvl4pPr>
+            <a:lvl5pPr marL="2057400" indent="-228600" algn="l" defTabSz="914400" rtl="0" eaLnBrk="1" latinLnBrk="0" hangingPunct="1">
+              <a:lnSpc>
+                <a:spcPct val="110000"/>
+              </a:lnSpc>
+              <a:spcBef>
+                <a:spcPts val="700"/>
+              </a:spcBef>
+              <a:buClr>
+                <a:schemeClr val="tx2"/>
+              </a:buClr>
+              <a:buFont typeface="Arial" panose="020B0604020202020204" pitchFamily="34" charset="0"/>
+              <a:buChar char="•"/>
+              <a:defRPr sz="1400" kern="1200">
+                <a:solidFill>
+                  <a:schemeClr val="tx1">
+                    <a:lumMod val="65000"/>
+                    <a:lumOff val="35000"/>
+                  </a:schemeClr>
+                </a:solidFill>
+                <a:latin typeface="+mn-lt"/>
+                <a:ea typeface="+mn-ea"/>
+                <a:cs typeface="+mn-cs"/>
+              </a:defRPr>
+            </a:lvl5pPr>
+            <a:lvl6pPr marL="2514600" indent="-228600" algn="l" defTabSz="914400" rtl="0" eaLnBrk="1" latinLnBrk="0" hangingPunct="1">
+              <a:lnSpc>
+                <a:spcPct val="110000"/>
+              </a:lnSpc>
+              <a:spcBef>
+                <a:spcPts val="700"/>
+              </a:spcBef>
+              <a:buClr>
+                <a:schemeClr val="tx2"/>
+              </a:buClr>
+              <a:buFont typeface="Gill Sans MT" panose="020B0502020104020203" pitchFamily="34" charset="0"/>
+              <a:buChar char="–"/>
+              <a:defRPr sz="1400" kern="1200">
+                <a:solidFill>
+                  <a:schemeClr val="tx1">
+                    <a:lumMod val="65000"/>
+                    <a:lumOff val="35000"/>
+                  </a:schemeClr>
+                </a:solidFill>
+                <a:latin typeface="+mn-lt"/>
+                <a:ea typeface="+mn-ea"/>
+                <a:cs typeface="+mn-cs"/>
+              </a:defRPr>
+            </a:lvl6pPr>
+            <a:lvl7pPr marL="2971800" indent="-228600" algn="l" defTabSz="914400" rtl="0" eaLnBrk="1" latinLnBrk="0" hangingPunct="1">
+              <a:lnSpc>
+                <a:spcPct val="110000"/>
+              </a:lnSpc>
+              <a:spcBef>
+                <a:spcPts val="700"/>
+              </a:spcBef>
+              <a:buClr>
+                <a:schemeClr val="tx2"/>
+              </a:buClr>
+              <a:buFont typeface="Arial" panose="020B0604020202020204" pitchFamily="34" charset="0"/>
+              <a:buChar char="•"/>
+              <a:defRPr sz="1400" kern="1200">
+                <a:solidFill>
+                  <a:schemeClr val="tx1">
+                    <a:lumMod val="65000"/>
+                    <a:lumOff val="35000"/>
+                  </a:schemeClr>
+                </a:solidFill>
+                <a:latin typeface="+mn-lt"/>
+                <a:ea typeface="+mn-ea"/>
+                <a:cs typeface="+mn-cs"/>
+              </a:defRPr>
+            </a:lvl7pPr>
+            <a:lvl8pPr marL="3429000" indent="-228600" algn="l" defTabSz="914400" rtl="0" eaLnBrk="1" latinLnBrk="0" hangingPunct="1">
+              <a:lnSpc>
+                <a:spcPct val="110000"/>
+              </a:lnSpc>
+              <a:spcBef>
+                <a:spcPts val="700"/>
+              </a:spcBef>
+              <a:buClr>
+                <a:schemeClr val="tx2"/>
+              </a:buClr>
+              <a:buFont typeface="Gill Sans MT" panose="020B0502020104020203" pitchFamily="34" charset="0"/>
+              <a:buChar char="–"/>
+              <a:defRPr sz="1400" kern="1200" baseline="0">
+                <a:solidFill>
+                  <a:schemeClr val="tx1">
+                    <a:lumMod val="65000"/>
+                    <a:lumOff val="35000"/>
+                  </a:schemeClr>
+                </a:solidFill>
+                <a:latin typeface="+mn-lt"/>
+                <a:ea typeface="+mn-ea"/>
+                <a:cs typeface="+mn-cs"/>
+              </a:defRPr>
+            </a:lvl8pPr>
+            <a:lvl9pPr marL="3886200" indent="-228600" algn="l" defTabSz="914400" rtl="0" eaLnBrk="1" latinLnBrk="0" hangingPunct="1">
+              <a:lnSpc>
+                <a:spcPct val="110000"/>
+              </a:lnSpc>
+              <a:spcBef>
+                <a:spcPts val="700"/>
+              </a:spcBef>
+              <a:buClr>
+                <a:schemeClr val="tx2"/>
+              </a:buClr>
+              <a:buFont typeface="Arial" panose="020B0604020202020204" pitchFamily="34" charset="0"/>
+              <a:buChar char="•"/>
+              <a:defRPr sz="1400" kern="1200" baseline="0">
+                <a:solidFill>
+                  <a:schemeClr val="tx1">
+                    <a:lumMod val="65000"/>
+                    <a:lumOff val="35000"/>
+                  </a:schemeClr>
+                </a:solidFill>
+                <a:latin typeface="+mn-lt"/>
+                <a:ea typeface="+mn-ea"/>
+                <a:cs typeface="+mn-cs"/>
+              </a:defRPr>
+            </a:lvl9pPr>
+          </a:lstStyle>
+          <a:p>
+            <a:pPr marL="0" indent="0">
+              <a:buFont typeface="Arial" panose="020B0604020202020204" pitchFamily="34" charset="0"/>
+              <a:buNone/>
+            </a:pPr>
             <a:r>
-              <a:rPr lang="it-IT" dirty="0" err="1"/>
-              <a:t>itrovati</a:t>
+              <a:rPr lang="it-IT" dirty="0"/>
+              <a:t>Ecco un estratto dei requisiti non funzionali</a:t>
             </a:r>
-            <a:r>
-              <a:rPr lang="it-IT"/>
-              <a:t> </a:t>
-            </a:r>
-            <a:endParaRPr lang="it-IT" dirty="0"/>
           </a:p>
         </p:txBody>
       </p:sp>
@@ -10123,6 +12430,2530 @@
     <p:extLst>
       <p:ext uri="{BB962C8B-B14F-4D97-AF65-F5344CB8AC3E}">
         <p14:creationId xmlns:p14="http://schemas.microsoft.com/office/powerpoint/2010/main" val="787625787"/>
+      </p:ext>
+    </p:extLst>
+  </p:cSld>
+  <p:clrMapOvr>
+    <a:masterClrMapping/>
+  </p:clrMapOvr>
+</p:sld>
+</file>
+
+<file path=ppt/slides/slide5.xml><?xml version="1.0" encoding="utf-8"?>
+<p:sld xmlns:a="http://schemas.openxmlformats.org/drawingml/2006/main" xmlns:r="http://schemas.openxmlformats.org/officeDocument/2006/relationships" xmlns:p="http://schemas.openxmlformats.org/presentationml/2006/main">
+  <p:cSld>
+    <p:spTree>
+      <p:nvGrpSpPr>
+        <p:cNvPr id="1" name=""/>
+        <p:cNvGrpSpPr/>
+        <p:nvPr/>
+      </p:nvGrpSpPr>
+      <p:grpSpPr>
+        <a:xfrm>
+          <a:off x="0" y="0"/>
+          <a:ext cx="0" cy="0"/>
+          <a:chOff x="0" y="0"/>
+          <a:chExt cx="0" cy="0"/>
+        </a:xfrm>
+      </p:grpSpPr>
+      <p:sp>
+        <p:nvSpPr>
+          <p:cNvPr id="2" name="Titolo 1">
+            <a:extLst>
+              <a:ext uri="{FF2B5EF4-FFF2-40B4-BE49-F238E27FC236}">
+                <a16:creationId xmlns:a16="http://schemas.microsoft.com/office/drawing/2014/main" id="{B091881F-E104-4A2A-A90F-E9C96E8E73B4}"/>
+              </a:ext>
+            </a:extLst>
+          </p:cNvPr>
+          <p:cNvSpPr>
+            <a:spLocks noGrp="1"/>
+          </p:cNvSpPr>
+          <p:nvPr>
+            <p:ph type="title"/>
+          </p:nvPr>
+        </p:nvSpPr>
+        <p:spPr>
+          <a:xfrm rot="16200000">
+            <a:off x="-2134617" y="2028458"/>
+            <a:ext cx="5021059" cy="751823"/>
+          </a:xfrm>
+        </p:spPr>
+        <p:txBody>
+          <a:bodyPr>
+            <a:normAutofit fontScale="90000"/>
+          </a:bodyPr>
+          <a:lstStyle/>
+          <a:p>
+            <a:r>
+              <a:rPr lang="it-IT" dirty="0">
+                <a:solidFill>
+                  <a:srgbClr val="F8B323"/>
+                </a:solidFill>
+              </a:rPr>
+              <a:t>Activity </a:t>
+            </a:r>
+            <a:r>
+              <a:rPr lang="it-IT" dirty="0" err="1">
+                <a:solidFill>
+                  <a:srgbClr val="F8B323"/>
+                </a:solidFill>
+              </a:rPr>
+              <a:t>diagram</a:t>
+            </a:r>
+            <a:endParaRPr lang="it-IT" dirty="0">
+              <a:solidFill>
+                <a:srgbClr val="F8B323"/>
+              </a:solidFill>
+            </a:endParaRPr>
+          </a:p>
+        </p:txBody>
+      </p:sp>
+      <p:pic>
+        <p:nvPicPr>
+          <p:cNvPr id="4" name="image33.jpg">
+            <a:extLst>
+              <a:ext uri="{FF2B5EF4-FFF2-40B4-BE49-F238E27FC236}">
+                <a16:creationId xmlns:a16="http://schemas.microsoft.com/office/drawing/2014/main" id="{72971214-EF60-4F8C-9920-3BFE5D1F1152}"/>
+              </a:ext>
+            </a:extLst>
+          </p:cNvPr>
+          <p:cNvPicPr/>
+          <p:nvPr/>
+        </p:nvPicPr>
+        <p:blipFill>
+          <a:blip r:embed="rId2"/>
+          <a:srcRect/>
+          <a:stretch>
+            <a:fillRect/>
+          </a:stretch>
+        </p:blipFill>
+        <p:spPr>
+          <a:xfrm>
+            <a:off x="3492392" y="60896"/>
+            <a:ext cx="5644085" cy="6796454"/>
+          </a:xfrm>
+          <a:prstGeom prst="rect">
+            <a:avLst/>
+          </a:prstGeom>
+          <a:ln/>
+        </p:spPr>
+      </p:pic>
+      <p:sp>
+        <p:nvSpPr>
+          <p:cNvPr id="7" name="Segnaposto contenuto 2">
+            <a:extLst>
+              <a:ext uri="{FF2B5EF4-FFF2-40B4-BE49-F238E27FC236}">
+                <a16:creationId xmlns:a16="http://schemas.microsoft.com/office/drawing/2014/main" id="{43D8302A-2AC6-4BB4-A736-2AABE9134A45}"/>
+              </a:ext>
+            </a:extLst>
+          </p:cNvPr>
+          <p:cNvSpPr>
+            <a:spLocks noGrp="1"/>
+          </p:cNvSpPr>
+          <p:nvPr>
+            <p:ph idx="1"/>
+          </p:nvPr>
+        </p:nvSpPr>
+        <p:spPr>
+          <a:xfrm>
+            <a:off x="961531" y="60896"/>
+            <a:ext cx="2530861" cy="3593591"/>
+          </a:xfrm>
+        </p:spPr>
+        <p:txBody>
+          <a:bodyPr/>
+          <a:lstStyle/>
+          <a:p>
+            <a:pPr marL="0" indent="0">
+              <a:buNone/>
+            </a:pPr>
+            <a:r>
+              <a:rPr lang="it-IT" dirty="0"/>
+              <a:t>Abbiamo ritenuto opportuno sviluppare un activity </a:t>
+            </a:r>
+            <a:r>
+              <a:rPr lang="it-IT" dirty="0" err="1"/>
+              <a:t>diagram</a:t>
+            </a:r>
+            <a:r>
+              <a:rPr lang="it-IT" dirty="0"/>
+              <a:t> relativo all’operazione più importante del sistema, ovvero l’acquisto</a:t>
+            </a:r>
+          </a:p>
+        </p:txBody>
+      </p:sp>
+    </p:spTree>
+    <p:extLst>
+      <p:ext uri="{BB962C8B-B14F-4D97-AF65-F5344CB8AC3E}">
+        <p14:creationId xmlns:p14="http://schemas.microsoft.com/office/powerpoint/2010/main" val="2236897962"/>
+      </p:ext>
+    </p:extLst>
+  </p:cSld>
+  <p:clrMapOvr>
+    <a:masterClrMapping/>
+  </p:clrMapOvr>
+</p:sld>
+</file>
+
+<file path=ppt/slides/slide6.xml><?xml version="1.0" encoding="utf-8"?>
+<p:sld xmlns:a="http://schemas.openxmlformats.org/drawingml/2006/main" xmlns:r="http://schemas.openxmlformats.org/officeDocument/2006/relationships" xmlns:p="http://schemas.openxmlformats.org/presentationml/2006/main">
+  <p:cSld>
+    <p:spTree>
+      <p:nvGrpSpPr>
+        <p:cNvPr id="1" name=""/>
+        <p:cNvGrpSpPr/>
+        <p:nvPr/>
+      </p:nvGrpSpPr>
+      <p:grpSpPr>
+        <a:xfrm>
+          <a:off x="0" y="0"/>
+          <a:ext cx="0" cy="0"/>
+          <a:chOff x="0" y="0"/>
+          <a:chExt cx="0" cy="0"/>
+        </a:xfrm>
+      </p:grpSpPr>
+      <p:sp>
+        <p:nvSpPr>
+          <p:cNvPr id="2" name="Titolo 1">
+            <a:extLst>
+              <a:ext uri="{FF2B5EF4-FFF2-40B4-BE49-F238E27FC236}">
+                <a16:creationId xmlns:a16="http://schemas.microsoft.com/office/drawing/2014/main" id="{B091881F-E104-4A2A-A90F-E9C96E8E73B4}"/>
+              </a:ext>
+            </a:extLst>
+          </p:cNvPr>
+          <p:cNvSpPr>
+            <a:spLocks noGrp="1"/>
+          </p:cNvSpPr>
+          <p:nvPr>
+            <p:ph type="title"/>
+          </p:nvPr>
+        </p:nvSpPr>
+        <p:spPr>
+          <a:xfrm rot="16200000">
+            <a:off x="-1831283" y="1725122"/>
+            <a:ext cx="4414392" cy="751823"/>
+          </a:xfrm>
+        </p:spPr>
+        <p:txBody>
+          <a:bodyPr>
+            <a:normAutofit fontScale="90000"/>
+          </a:bodyPr>
+          <a:lstStyle/>
+          <a:p>
+            <a:r>
+              <a:rPr lang="it-IT" dirty="0">
+                <a:solidFill>
+                  <a:srgbClr val="F8B323"/>
+                </a:solidFill>
+              </a:rPr>
+              <a:t>Use case model</a:t>
+            </a:r>
+          </a:p>
+        </p:txBody>
+      </p:sp>
+      <p:sp>
+        <p:nvSpPr>
+          <p:cNvPr id="3" name="Segnaposto contenuto 2">
+            <a:extLst>
+              <a:ext uri="{FF2B5EF4-FFF2-40B4-BE49-F238E27FC236}">
+                <a16:creationId xmlns:a16="http://schemas.microsoft.com/office/drawing/2014/main" id="{0D1F4823-2969-402A-86AF-FE8D80B3F521}"/>
+              </a:ext>
+            </a:extLst>
+          </p:cNvPr>
+          <p:cNvSpPr>
+            <a:spLocks noGrp="1"/>
+          </p:cNvSpPr>
+          <p:nvPr>
+            <p:ph idx="1"/>
+          </p:nvPr>
+        </p:nvSpPr>
+        <p:spPr/>
+        <p:txBody>
+          <a:bodyPr/>
+          <a:lstStyle/>
+          <a:p>
+            <a:r>
+              <a:rPr lang="it-IT" dirty="0"/>
+              <a:t>Use case model a diversi livelli di astrazione</a:t>
+            </a:r>
+          </a:p>
+        </p:txBody>
+      </p:sp>
+    </p:spTree>
+    <p:extLst>
+      <p:ext uri="{BB962C8B-B14F-4D97-AF65-F5344CB8AC3E}">
+        <p14:creationId xmlns:p14="http://schemas.microsoft.com/office/powerpoint/2010/main" val="117027741"/>
+      </p:ext>
+    </p:extLst>
+  </p:cSld>
+  <p:clrMapOvr>
+    <a:masterClrMapping/>
+  </p:clrMapOvr>
+</p:sld>
+</file>
+
+<file path=ppt/slides/slide7.xml><?xml version="1.0" encoding="utf-8"?>
+<p:sld xmlns:a="http://schemas.openxmlformats.org/drawingml/2006/main" xmlns:r="http://schemas.openxmlformats.org/officeDocument/2006/relationships" xmlns:p="http://schemas.openxmlformats.org/presentationml/2006/main">
+  <p:cSld>
+    <p:spTree>
+      <p:nvGrpSpPr>
+        <p:cNvPr id="1" name=""/>
+        <p:cNvGrpSpPr/>
+        <p:nvPr/>
+      </p:nvGrpSpPr>
+      <p:grpSpPr>
+        <a:xfrm>
+          <a:off x="0" y="0"/>
+          <a:ext cx="0" cy="0"/>
+          <a:chOff x="0" y="0"/>
+          <a:chExt cx="0" cy="0"/>
+        </a:xfrm>
+      </p:grpSpPr>
+      <p:sp>
+        <p:nvSpPr>
+          <p:cNvPr id="2" name="Titolo 1">
+            <a:extLst>
+              <a:ext uri="{FF2B5EF4-FFF2-40B4-BE49-F238E27FC236}">
+                <a16:creationId xmlns:a16="http://schemas.microsoft.com/office/drawing/2014/main" id="{B091881F-E104-4A2A-A90F-E9C96E8E73B4}"/>
+              </a:ext>
+            </a:extLst>
+          </p:cNvPr>
+          <p:cNvSpPr>
+            <a:spLocks noGrp="1"/>
+          </p:cNvSpPr>
+          <p:nvPr>
+            <p:ph type="title"/>
+          </p:nvPr>
+        </p:nvSpPr>
+        <p:spPr>
+          <a:xfrm rot="16200000">
+            <a:off x="-3009126" y="3009125"/>
+            <a:ext cx="6770076" cy="751823"/>
+          </a:xfrm>
+        </p:spPr>
+        <p:txBody>
+          <a:bodyPr>
+            <a:normAutofit fontScale="90000"/>
+          </a:bodyPr>
+          <a:lstStyle/>
+          <a:p>
+            <a:pPr algn="r"/>
+            <a:r>
+              <a:rPr lang="it-IT" dirty="0">
+                <a:solidFill>
+                  <a:srgbClr val="F8B323"/>
+                </a:solidFill>
+              </a:rPr>
+              <a:t>use case pt1</a:t>
+            </a:r>
+          </a:p>
+        </p:txBody>
+      </p:sp>
+      <p:pic>
+        <p:nvPicPr>
+          <p:cNvPr id="5" name="Immagine 4" descr="Immagine che contiene tavolo&#10;&#10;Descrizione generata automaticamente">
+            <a:extLst>
+              <a:ext uri="{FF2B5EF4-FFF2-40B4-BE49-F238E27FC236}">
+                <a16:creationId xmlns:a16="http://schemas.microsoft.com/office/drawing/2014/main" id="{11A01F2B-2A05-4D59-9201-13140C3E8AED}"/>
+              </a:ext>
+            </a:extLst>
+          </p:cNvPr>
+          <p:cNvPicPr>
+            <a:picLocks noChangeAspect="1"/>
+          </p:cNvPicPr>
+          <p:nvPr/>
+        </p:nvPicPr>
+        <p:blipFill>
+          <a:blip r:embed="rId2">
+            <a:extLst>
+              <a:ext uri="{28A0092B-C50C-407E-A947-70E740481C1C}">
+                <a14:useLocalDpi xmlns:a14="http://schemas.microsoft.com/office/drawing/2010/main" val="0"/>
+              </a:ext>
+            </a:extLst>
+          </a:blip>
+          <a:stretch>
+            <a:fillRect/>
+          </a:stretch>
+        </p:blipFill>
+        <p:spPr>
+          <a:xfrm>
+            <a:off x="2254015" y="131194"/>
+            <a:ext cx="7683969" cy="6638881"/>
+          </a:xfrm>
+          <a:prstGeom prst="rect">
+            <a:avLst/>
+          </a:prstGeom>
+        </p:spPr>
+      </p:pic>
+    </p:spTree>
+    <p:extLst>
+      <p:ext uri="{BB962C8B-B14F-4D97-AF65-F5344CB8AC3E}">
+        <p14:creationId xmlns:p14="http://schemas.microsoft.com/office/powerpoint/2010/main" val="1118310397"/>
+      </p:ext>
+    </p:extLst>
+  </p:cSld>
+  <p:clrMapOvr>
+    <a:masterClrMapping/>
+  </p:clrMapOvr>
+</p:sld>
+</file>
+
+<file path=ppt/slides/slide8.xml><?xml version="1.0" encoding="utf-8"?>
+<p:sld xmlns:a="http://schemas.openxmlformats.org/drawingml/2006/main" xmlns:r="http://schemas.openxmlformats.org/officeDocument/2006/relationships" xmlns:p="http://schemas.openxmlformats.org/presentationml/2006/main">
+  <p:cSld>
+    <p:spTree>
+      <p:nvGrpSpPr>
+        <p:cNvPr id="1" name=""/>
+        <p:cNvGrpSpPr/>
+        <p:nvPr/>
+      </p:nvGrpSpPr>
+      <p:grpSpPr>
+        <a:xfrm>
+          <a:off x="0" y="0"/>
+          <a:ext cx="0" cy="0"/>
+          <a:chOff x="0" y="0"/>
+          <a:chExt cx="0" cy="0"/>
+        </a:xfrm>
+      </p:grpSpPr>
+      <p:sp>
+        <p:nvSpPr>
+          <p:cNvPr id="2" name="Titolo 1">
+            <a:extLst>
+              <a:ext uri="{FF2B5EF4-FFF2-40B4-BE49-F238E27FC236}">
+                <a16:creationId xmlns:a16="http://schemas.microsoft.com/office/drawing/2014/main" id="{B091881F-E104-4A2A-A90F-E9C96E8E73B4}"/>
+              </a:ext>
+            </a:extLst>
+          </p:cNvPr>
+          <p:cNvSpPr>
+            <a:spLocks noGrp="1"/>
+          </p:cNvSpPr>
+          <p:nvPr>
+            <p:ph type="title"/>
+          </p:nvPr>
+        </p:nvSpPr>
+        <p:spPr>
+          <a:xfrm rot="16200000">
+            <a:off x="-3009126" y="3009125"/>
+            <a:ext cx="6770076" cy="751823"/>
+          </a:xfrm>
+        </p:spPr>
+        <p:txBody>
+          <a:bodyPr>
+            <a:normAutofit fontScale="90000"/>
+          </a:bodyPr>
+          <a:lstStyle/>
+          <a:p>
+            <a:pPr algn="r"/>
+            <a:r>
+              <a:rPr lang="it-IT" dirty="0">
+                <a:solidFill>
+                  <a:srgbClr val="F8B323"/>
+                </a:solidFill>
+              </a:rPr>
+              <a:t>use case pt2</a:t>
+            </a:r>
+          </a:p>
+        </p:txBody>
+      </p:sp>
+      <p:pic>
+        <p:nvPicPr>
+          <p:cNvPr id="7" name="Immagine 6" descr="Immagine che contiene tavolo&#10;&#10;Descrizione generata automaticamente">
+            <a:extLst>
+              <a:ext uri="{FF2B5EF4-FFF2-40B4-BE49-F238E27FC236}">
+                <a16:creationId xmlns:a16="http://schemas.microsoft.com/office/drawing/2014/main" id="{128A15AE-B5DA-4944-B501-9C8D6743BA90}"/>
+              </a:ext>
+            </a:extLst>
+          </p:cNvPr>
+          <p:cNvPicPr>
+            <a:picLocks noChangeAspect="1"/>
+          </p:cNvPicPr>
+          <p:nvPr/>
+        </p:nvPicPr>
+        <p:blipFill>
+          <a:blip r:embed="rId2">
+            <a:extLst>
+              <a:ext uri="{28A0092B-C50C-407E-A947-70E740481C1C}">
+                <a14:useLocalDpi xmlns:a14="http://schemas.microsoft.com/office/drawing/2010/main" val="0"/>
+              </a:ext>
+            </a:extLst>
+          </a:blip>
+          <a:stretch>
+            <a:fillRect/>
+          </a:stretch>
+        </p:blipFill>
+        <p:spPr>
+          <a:xfrm>
+            <a:off x="2462178" y="72762"/>
+            <a:ext cx="7267644" cy="6697313"/>
+          </a:xfrm>
+          <a:prstGeom prst="rect">
+            <a:avLst/>
+          </a:prstGeom>
+        </p:spPr>
+      </p:pic>
+    </p:spTree>
+    <p:extLst>
+      <p:ext uri="{BB962C8B-B14F-4D97-AF65-F5344CB8AC3E}">
+        <p14:creationId xmlns:p14="http://schemas.microsoft.com/office/powerpoint/2010/main" val="2647889036"/>
+      </p:ext>
+    </p:extLst>
+  </p:cSld>
+  <p:clrMapOvr>
+    <a:masterClrMapping/>
+  </p:clrMapOvr>
+</p:sld>
+</file>
+
+<file path=ppt/slides/slide9.xml><?xml version="1.0" encoding="utf-8"?>
+<p:sld xmlns:a="http://schemas.openxmlformats.org/drawingml/2006/main" xmlns:r="http://schemas.openxmlformats.org/officeDocument/2006/relationships" xmlns:p="http://schemas.openxmlformats.org/presentationml/2006/main">
+  <p:cSld>
+    <p:spTree>
+      <p:nvGrpSpPr>
+        <p:cNvPr id="1" name=""/>
+        <p:cNvGrpSpPr/>
+        <p:nvPr/>
+      </p:nvGrpSpPr>
+      <p:grpSpPr>
+        <a:xfrm>
+          <a:off x="0" y="0"/>
+          <a:ext cx="0" cy="0"/>
+          <a:chOff x="0" y="0"/>
+          <a:chExt cx="0" cy="0"/>
+        </a:xfrm>
+      </p:grpSpPr>
+      <p:sp>
+        <p:nvSpPr>
+          <p:cNvPr id="2" name="Titolo 1">
+            <a:extLst>
+              <a:ext uri="{FF2B5EF4-FFF2-40B4-BE49-F238E27FC236}">
+                <a16:creationId xmlns:a16="http://schemas.microsoft.com/office/drawing/2014/main" id="{B091881F-E104-4A2A-A90F-E9C96E8E73B4}"/>
+              </a:ext>
+            </a:extLst>
+          </p:cNvPr>
+          <p:cNvSpPr>
+            <a:spLocks noGrp="1"/>
+          </p:cNvSpPr>
+          <p:nvPr>
+            <p:ph type="title"/>
+          </p:nvPr>
+        </p:nvSpPr>
+        <p:spPr>
+          <a:xfrm rot="16200000">
+            <a:off x="-2520098" y="2530276"/>
+            <a:ext cx="5812372" cy="751823"/>
+          </a:xfrm>
+        </p:spPr>
+        <p:txBody>
+          <a:bodyPr>
+            <a:normAutofit fontScale="90000"/>
+          </a:bodyPr>
+          <a:lstStyle/>
+          <a:p>
+            <a:pPr algn="r"/>
+            <a:r>
+              <a:rPr lang="it-IT" dirty="0">
+                <a:solidFill>
+                  <a:srgbClr val="F8B323"/>
+                </a:solidFill>
+              </a:rPr>
+              <a:t>Modello ad oggetti</a:t>
+            </a:r>
+          </a:p>
+        </p:txBody>
+      </p:sp>
+      <p:graphicFrame>
+        <p:nvGraphicFramePr>
+          <p:cNvPr id="6" name="Tabella 5">
+            <a:extLst>
+              <a:ext uri="{FF2B5EF4-FFF2-40B4-BE49-F238E27FC236}">
+                <a16:creationId xmlns:a16="http://schemas.microsoft.com/office/drawing/2014/main" id="{3A821D78-CE08-4B14-9585-4DCF93A62E0D}"/>
+              </a:ext>
+            </a:extLst>
+          </p:cNvPr>
+          <p:cNvGraphicFramePr>
+            <a:graphicFrameLocks noGrp="1"/>
+          </p:cNvGraphicFramePr>
+          <p:nvPr>
+            <p:extLst>
+              <p:ext uri="{D42A27DB-BD31-4B8C-83A1-F6EECF244321}">
+                <p14:modId xmlns:p14="http://schemas.microsoft.com/office/powerpoint/2010/main" val="1108482462"/>
+              </p:ext>
+            </p:extLst>
+          </p:nvPr>
+        </p:nvGraphicFramePr>
+        <p:xfrm>
+          <a:off x="1375014" y="321249"/>
+          <a:ext cx="10112350" cy="5842159"/>
+        </p:xfrm>
+        <a:graphic>
+          <a:graphicData uri="http://schemas.openxmlformats.org/drawingml/2006/table">
+            <a:tbl>
+              <a:tblPr bandRow="1"/>
+              <a:tblGrid>
+                <a:gridCol w="2986705">
+                  <a:extLst>
+                    <a:ext uri="{9D8B030D-6E8A-4147-A177-3AD203B41FA5}">
+                      <a16:colId xmlns:a16="http://schemas.microsoft.com/office/drawing/2014/main" val="4142319615"/>
+                    </a:ext>
+                  </a:extLst>
+                </a:gridCol>
+                <a:gridCol w="1349325">
+                  <a:extLst>
+                    <a:ext uri="{9D8B030D-6E8A-4147-A177-3AD203B41FA5}">
+                      <a16:colId xmlns:a16="http://schemas.microsoft.com/office/drawing/2014/main" val="2493896501"/>
+                    </a:ext>
+                  </a:extLst>
+                </a:gridCol>
+                <a:gridCol w="5776320">
+                  <a:extLst>
+                    <a:ext uri="{9D8B030D-6E8A-4147-A177-3AD203B41FA5}">
+                      <a16:colId xmlns:a16="http://schemas.microsoft.com/office/drawing/2014/main" val="7314326"/>
+                    </a:ext>
+                  </a:extLst>
+                </a:gridCol>
+              </a:tblGrid>
+              <a:tr h="545791">
+                <a:tc>
+                  <a:txBody>
+                    <a:bodyPr/>
+                    <a:lstStyle/>
+                    <a:p>
+                      <a:pPr marL="0" marR="0">
+                        <a:spcBef>
+                          <a:spcPts val="0"/>
+                        </a:spcBef>
+                        <a:spcAft>
+                          <a:spcPts val="0"/>
+                        </a:spcAft>
+                      </a:pPr>
+                      <a:r>
+                        <a:rPr lang="it-IT" sz="2000" b="1">
+                          <a:solidFill>
+                            <a:srgbClr val="FFFFFF"/>
+                          </a:solidFill>
+                          <a:effectLst/>
+                          <a:latin typeface="Century Gothic" panose="020B0502020202020204" pitchFamily="34" charset="0"/>
+                          <a:ea typeface="Century Gothic" panose="020B0502020202020204" pitchFamily="34" charset="0"/>
+                          <a:cs typeface="Century Gothic" panose="020B0502020202020204" pitchFamily="34" charset="0"/>
+                        </a:rPr>
+                        <a:t>Nome Oggetto</a:t>
+                      </a:r>
+                      <a:endParaRPr lang="it-IT" sz="2000">
+                        <a:effectLst/>
+                        <a:latin typeface="Times New Roman" panose="02020603050405020304" pitchFamily="18" charset="0"/>
+                        <a:ea typeface="Times New Roman" panose="02020603050405020304" pitchFamily="18" charset="0"/>
+                      </a:endParaRPr>
+                    </a:p>
+                  </a:txBody>
+                  <a:tcPr marL="101072" marR="101072" marT="101072" marB="101072">
+                    <a:lnL w="12700" cap="flat" cmpd="sng" algn="ctr">
+                      <a:solidFill>
+                        <a:srgbClr val="000000"/>
+                      </a:solidFill>
+                      <a:prstDash val="solid"/>
+                      <a:round/>
+                      <a:headEnd type="none" w="med" len="med"/>
+                      <a:tailEnd type="none" w="med" len="med"/>
+                    </a:lnL>
+                    <a:lnR w="12700" cap="flat" cmpd="sng" algn="ctr">
+                      <a:solidFill>
+                        <a:srgbClr val="000000"/>
+                      </a:solidFill>
+                      <a:prstDash val="solid"/>
+                      <a:round/>
+                      <a:headEnd type="none" w="med" len="med"/>
+                      <a:tailEnd type="none" w="med" len="med"/>
+                    </a:lnR>
+                    <a:lnT w="12700" cap="flat" cmpd="sng" algn="ctr">
+                      <a:solidFill>
+                        <a:srgbClr val="000000"/>
+                      </a:solidFill>
+                      <a:prstDash val="solid"/>
+                      <a:round/>
+                      <a:headEnd type="none" w="med" len="med"/>
+                      <a:tailEnd type="none" w="med" len="med"/>
+                    </a:lnT>
+                    <a:lnB w="12700" cap="flat" cmpd="sng" algn="ctr">
+                      <a:solidFill>
+                        <a:srgbClr val="000000"/>
+                      </a:solidFill>
+                      <a:prstDash val="solid"/>
+                      <a:round/>
+                      <a:headEnd type="none" w="med" len="med"/>
+                      <a:tailEnd type="none" w="med" len="med"/>
+                    </a:lnB>
+                    <a:solidFill>
+                      <a:srgbClr val="0070C0"/>
+                    </a:solidFill>
+                  </a:tcPr>
+                </a:tc>
+                <a:tc>
+                  <a:txBody>
+                    <a:bodyPr/>
+                    <a:lstStyle/>
+                    <a:p>
+                      <a:pPr marL="0" marR="0">
+                        <a:spcBef>
+                          <a:spcPts val="0"/>
+                        </a:spcBef>
+                        <a:spcAft>
+                          <a:spcPts val="0"/>
+                        </a:spcAft>
+                      </a:pPr>
+                      <a:r>
+                        <a:rPr lang="it-IT" sz="2000" b="1">
+                          <a:solidFill>
+                            <a:srgbClr val="FFFFFF"/>
+                          </a:solidFill>
+                          <a:effectLst/>
+                          <a:latin typeface="Century Gothic" panose="020B0502020202020204" pitchFamily="34" charset="0"/>
+                          <a:ea typeface="Century Gothic" panose="020B0502020202020204" pitchFamily="34" charset="0"/>
+                          <a:cs typeface="Century Gothic" panose="020B0502020202020204" pitchFamily="34" charset="0"/>
+                        </a:rPr>
+                        <a:t>Tipologia</a:t>
+                      </a:r>
+                      <a:endParaRPr lang="it-IT" sz="2000">
+                        <a:effectLst/>
+                        <a:latin typeface="Times New Roman" panose="02020603050405020304" pitchFamily="18" charset="0"/>
+                        <a:ea typeface="Times New Roman" panose="02020603050405020304" pitchFamily="18" charset="0"/>
+                      </a:endParaRPr>
+                    </a:p>
+                  </a:txBody>
+                  <a:tcPr marL="101072" marR="101072" marT="101072" marB="101072">
+                    <a:lnL w="12700" cap="flat" cmpd="sng" algn="ctr">
+                      <a:solidFill>
+                        <a:srgbClr val="000000"/>
+                      </a:solidFill>
+                      <a:prstDash val="solid"/>
+                      <a:round/>
+                      <a:headEnd type="none" w="med" len="med"/>
+                      <a:tailEnd type="none" w="med" len="med"/>
+                    </a:lnL>
+                    <a:lnR w="12700" cap="flat" cmpd="sng" algn="ctr">
+                      <a:solidFill>
+                        <a:srgbClr val="000000"/>
+                      </a:solidFill>
+                      <a:prstDash val="solid"/>
+                      <a:round/>
+                      <a:headEnd type="none" w="med" len="med"/>
+                      <a:tailEnd type="none" w="med" len="med"/>
+                    </a:lnR>
+                    <a:lnT w="12700" cap="flat" cmpd="sng" algn="ctr">
+                      <a:solidFill>
+                        <a:srgbClr val="000000"/>
+                      </a:solidFill>
+                      <a:prstDash val="solid"/>
+                      <a:round/>
+                      <a:headEnd type="none" w="med" len="med"/>
+                      <a:tailEnd type="none" w="med" len="med"/>
+                    </a:lnT>
+                    <a:lnB w="12700" cap="flat" cmpd="sng" algn="ctr">
+                      <a:solidFill>
+                        <a:srgbClr val="000000"/>
+                      </a:solidFill>
+                      <a:prstDash val="solid"/>
+                      <a:round/>
+                      <a:headEnd type="none" w="med" len="med"/>
+                      <a:tailEnd type="none" w="med" len="med"/>
+                    </a:lnB>
+                    <a:solidFill>
+                      <a:srgbClr val="0070C0"/>
+                    </a:solidFill>
+                  </a:tcPr>
+                </a:tc>
+                <a:tc>
+                  <a:txBody>
+                    <a:bodyPr/>
+                    <a:lstStyle/>
+                    <a:p>
+                      <a:pPr marL="0" marR="0">
+                        <a:spcBef>
+                          <a:spcPts val="0"/>
+                        </a:spcBef>
+                        <a:spcAft>
+                          <a:spcPts val="0"/>
+                        </a:spcAft>
+                      </a:pPr>
+                      <a:r>
+                        <a:rPr lang="it-IT" sz="2000" b="1">
+                          <a:solidFill>
+                            <a:srgbClr val="FFFFFF"/>
+                          </a:solidFill>
+                          <a:effectLst/>
+                          <a:latin typeface="Century Gothic" panose="020B0502020202020204" pitchFamily="34" charset="0"/>
+                          <a:ea typeface="Century Gothic" panose="020B0502020202020204" pitchFamily="34" charset="0"/>
+                          <a:cs typeface="Century Gothic" panose="020B0502020202020204" pitchFamily="34" charset="0"/>
+                        </a:rPr>
+                        <a:t>Descrizione</a:t>
+                      </a:r>
+                      <a:endParaRPr lang="it-IT" sz="2000">
+                        <a:effectLst/>
+                        <a:latin typeface="Times New Roman" panose="02020603050405020304" pitchFamily="18" charset="0"/>
+                        <a:ea typeface="Times New Roman" panose="02020603050405020304" pitchFamily="18" charset="0"/>
+                      </a:endParaRPr>
+                    </a:p>
+                  </a:txBody>
+                  <a:tcPr marL="101072" marR="101072" marT="101072" marB="101072">
+                    <a:lnL w="12700" cap="flat" cmpd="sng" algn="ctr">
+                      <a:solidFill>
+                        <a:srgbClr val="000000"/>
+                      </a:solidFill>
+                      <a:prstDash val="solid"/>
+                      <a:round/>
+                      <a:headEnd type="none" w="med" len="med"/>
+                      <a:tailEnd type="none" w="med" len="med"/>
+                    </a:lnL>
+                    <a:lnR w="12700" cap="flat" cmpd="sng" algn="ctr">
+                      <a:solidFill>
+                        <a:srgbClr val="000000"/>
+                      </a:solidFill>
+                      <a:prstDash val="solid"/>
+                      <a:round/>
+                      <a:headEnd type="none" w="med" len="med"/>
+                      <a:tailEnd type="none" w="med" len="med"/>
+                    </a:lnR>
+                    <a:lnT w="12700" cap="flat" cmpd="sng" algn="ctr">
+                      <a:solidFill>
+                        <a:srgbClr val="000000"/>
+                      </a:solidFill>
+                      <a:prstDash val="solid"/>
+                      <a:round/>
+                      <a:headEnd type="none" w="med" len="med"/>
+                      <a:tailEnd type="none" w="med" len="med"/>
+                    </a:lnT>
+                    <a:lnB w="12700" cap="flat" cmpd="sng" algn="ctr">
+                      <a:solidFill>
+                        <a:srgbClr val="000000"/>
+                      </a:solidFill>
+                      <a:prstDash val="solid"/>
+                      <a:round/>
+                      <a:headEnd type="none" w="med" len="med"/>
+                      <a:tailEnd type="none" w="med" len="med"/>
+                    </a:lnB>
+                    <a:solidFill>
+                      <a:srgbClr val="0070C0"/>
+                    </a:solidFill>
+                  </a:tcPr>
+                </a:tc>
+                <a:extLst>
+                  <a:ext uri="{0D108BD9-81ED-4DB2-BD59-A6C34878D82A}">
+                    <a16:rowId xmlns:a16="http://schemas.microsoft.com/office/drawing/2014/main" val="2488159036"/>
+                  </a:ext>
+                </a:extLst>
+              </a:tr>
+              <a:tr h="500309">
+                <a:tc>
+                  <a:txBody>
+                    <a:bodyPr/>
+                    <a:lstStyle/>
+                    <a:p>
+                      <a:pPr marL="0" marR="0">
+                        <a:spcBef>
+                          <a:spcPts val="0"/>
+                        </a:spcBef>
+                        <a:spcAft>
+                          <a:spcPts val="0"/>
+                        </a:spcAft>
+                      </a:pPr>
+                      <a:r>
+                        <a:rPr lang="it-IT" sz="1500">
+                          <a:effectLst/>
+                          <a:latin typeface="Century Gothic" panose="020B0502020202020204" pitchFamily="34" charset="0"/>
+                          <a:ea typeface="Century Gothic" panose="020B0502020202020204" pitchFamily="34" charset="0"/>
+                          <a:cs typeface="Century Gothic" panose="020B0502020202020204" pitchFamily="34" charset="0"/>
+                        </a:rPr>
+                        <a:t>ShopPage</a:t>
+                      </a:r>
+                      <a:endParaRPr lang="it-IT" sz="2000">
+                        <a:effectLst/>
+                        <a:latin typeface="Times New Roman" panose="02020603050405020304" pitchFamily="18" charset="0"/>
+                        <a:ea typeface="Times New Roman" panose="02020603050405020304" pitchFamily="18" charset="0"/>
+                      </a:endParaRPr>
+                    </a:p>
+                  </a:txBody>
+                  <a:tcPr marL="101072" marR="101072" marT="101072" marB="101072">
+                    <a:lnL w="12700" cap="flat" cmpd="sng" algn="ctr">
+                      <a:solidFill>
+                        <a:srgbClr val="000000"/>
+                      </a:solidFill>
+                      <a:prstDash val="solid"/>
+                      <a:round/>
+                      <a:headEnd type="none" w="med" len="med"/>
+                      <a:tailEnd type="none" w="med" len="med"/>
+                    </a:lnL>
+                    <a:lnR w="12700" cap="flat" cmpd="sng" algn="ctr">
+                      <a:solidFill>
+                        <a:srgbClr val="000000"/>
+                      </a:solidFill>
+                      <a:prstDash val="solid"/>
+                      <a:round/>
+                      <a:headEnd type="none" w="med" len="med"/>
+                      <a:tailEnd type="none" w="med" len="med"/>
+                    </a:lnR>
+                    <a:lnT w="12700" cap="flat" cmpd="sng" algn="ctr">
+                      <a:solidFill>
+                        <a:srgbClr val="000000"/>
+                      </a:solidFill>
+                      <a:prstDash val="solid"/>
+                      <a:round/>
+                      <a:headEnd type="none" w="med" len="med"/>
+                      <a:tailEnd type="none" w="med" len="med"/>
+                    </a:lnT>
+                    <a:lnB w="12700" cap="flat" cmpd="sng" algn="ctr">
+                      <a:solidFill>
+                        <a:srgbClr val="000000"/>
+                      </a:solidFill>
+                      <a:prstDash val="solid"/>
+                      <a:round/>
+                      <a:headEnd type="none" w="med" len="med"/>
+                      <a:tailEnd type="none" w="med" len="med"/>
+                    </a:lnB>
+                  </a:tcPr>
+                </a:tc>
+                <a:tc>
+                  <a:txBody>
+                    <a:bodyPr/>
+                    <a:lstStyle/>
+                    <a:p>
+                      <a:pPr marL="0" marR="0">
+                        <a:spcBef>
+                          <a:spcPts val="0"/>
+                        </a:spcBef>
+                        <a:spcAft>
+                          <a:spcPts val="0"/>
+                        </a:spcAft>
+                      </a:pPr>
+                      <a:r>
+                        <a:rPr lang="it-IT" sz="1500">
+                          <a:effectLst/>
+                          <a:latin typeface="Century Gothic" panose="020B0502020202020204" pitchFamily="34" charset="0"/>
+                          <a:ea typeface="Century Gothic" panose="020B0502020202020204" pitchFamily="34" charset="0"/>
+                          <a:cs typeface="Century Gothic" panose="020B0502020202020204" pitchFamily="34" charset="0"/>
+                        </a:rPr>
+                        <a:t>Boundary</a:t>
+                      </a:r>
+                      <a:endParaRPr lang="it-IT" sz="2000">
+                        <a:effectLst/>
+                        <a:latin typeface="Times New Roman" panose="02020603050405020304" pitchFamily="18" charset="0"/>
+                        <a:ea typeface="Times New Roman" panose="02020603050405020304" pitchFamily="18" charset="0"/>
+                      </a:endParaRPr>
+                    </a:p>
+                  </a:txBody>
+                  <a:tcPr marL="101072" marR="101072" marT="101072" marB="101072">
+                    <a:lnL w="12700" cap="flat" cmpd="sng" algn="ctr">
+                      <a:solidFill>
+                        <a:srgbClr val="000000"/>
+                      </a:solidFill>
+                      <a:prstDash val="solid"/>
+                      <a:round/>
+                      <a:headEnd type="none" w="med" len="med"/>
+                      <a:tailEnd type="none" w="med" len="med"/>
+                    </a:lnL>
+                    <a:lnR w="12700" cap="flat" cmpd="sng" algn="ctr">
+                      <a:solidFill>
+                        <a:srgbClr val="000000"/>
+                      </a:solidFill>
+                      <a:prstDash val="solid"/>
+                      <a:round/>
+                      <a:headEnd type="none" w="med" len="med"/>
+                      <a:tailEnd type="none" w="med" len="med"/>
+                    </a:lnR>
+                    <a:lnT w="12700" cap="flat" cmpd="sng" algn="ctr">
+                      <a:solidFill>
+                        <a:srgbClr val="000000"/>
+                      </a:solidFill>
+                      <a:prstDash val="solid"/>
+                      <a:round/>
+                      <a:headEnd type="none" w="med" len="med"/>
+                      <a:tailEnd type="none" w="med" len="med"/>
+                    </a:lnT>
+                    <a:lnB w="12700" cap="flat" cmpd="sng" algn="ctr">
+                      <a:solidFill>
+                        <a:srgbClr val="000000"/>
+                      </a:solidFill>
+                      <a:prstDash val="solid"/>
+                      <a:round/>
+                      <a:headEnd type="none" w="med" len="med"/>
+                      <a:tailEnd type="none" w="med" len="med"/>
+                    </a:lnB>
+                  </a:tcPr>
+                </a:tc>
+                <a:tc>
+                  <a:txBody>
+                    <a:bodyPr/>
+                    <a:lstStyle/>
+                    <a:p>
+                      <a:pPr marL="0" marR="0">
+                        <a:spcBef>
+                          <a:spcPts val="0"/>
+                        </a:spcBef>
+                        <a:spcAft>
+                          <a:spcPts val="0"/>
+                        </a:spcAft>
+                      </a:pPr>
+                      <a:r>
+                        <a:rPr lang="it-IT" sz="1500" dirty="0">
+                          <a:effectLst/>
+                          <a:latin typeface="Century Gothic" panose="020B0502020202020204" pitchFamily="34" charset="0"/>
+                          <a:ea typeface="Century Gothic" panose="020B0502020202020204" pitchFamily="34" charset="0"/>
+                          <a:cs typeface="Century Gothic" panose="020B0502020202020204" pitchFamily="34" charset="0"/>
+                        </a:rPr>
+                        <a:t>Permette di visualizzare la pagina dello shop</a:t>
+                      </a:r>
+                      <a:endParaRPr lang="it-IT" sz="2000" dirty="0">
+                        <a:effectLst/>
+                        <a:latin typeface="Times New Roman" panose="02020603050405020304" pitchFamily="18" charset="0"/>
+                        <a:ea typeface="Times New Roman" panose="02020603050405020304" pitchFamily="18" charset="0"/>
+                      </a:endParaRPr>
+                    </a:p>
+                  </a:txBody>
+                  <a:tcPr marL="101072" marR="101072" marT="101072" marB="101072">
+                    <a:lnL w="12700" cap="flat" cmpd="sng" algn="ctr">
+                      <a:solidFill>
+                        <a:srgbClr val="000000"/>
+                      </a:solidFill>
+                      <a:prstDash val="solid"/>
+                      <a:round/>
+                      <a:headEnd type="none" w="med" len="med"/>
+                      <a:tailEnd type="none" w="med" len="med"/>
+                    </a:lnL>
+                    <a:lnR w="12700" cap="flat" cmpd="sng" algn="ctr">
+                      <a:solidFill>
+                        <a:srgbClr val="000000"/>
+                      </a:solidFill>
+                      <a:prstDash val="solid"/>
+                      <a:round/>
+                      <a:headEnd type="none" w="med" len="med"/>
+                      <a:tailEnd type="none" w="med" len="med"/>
+                    </a:lnR>
+                    <a:lnT w="12700" cap="flat" cmpd="sng" algn="ctr">
+                      <a:solidFill>
+                        <a:srgbClr val="000000"/>
+                      </a:solidFill>
+                      <a:prstDash val="solid"/>
+                      <a:round/>
+                      <a:headEnd type="none" w="med" len="med"/>
+                      <a:tailEnd type="none" w="med" len="med"/>
+                    </a:lnT>
+                    <a:lnB w="12700" cap="flat" cmpd="sng" algn="ctr">
+                      <a:solidFill>
+                        <a:srgbClr val="000000"/>
+                      </a:solidFill>
+                      <a:prstDash val="solid"/>
+                      <a:round/>
+                      <a:headEnd type="none" w="med" len="med"/>
+                      <a:tailEnd type="none" w="med" len="med"/>
+                    </a:lnB>
+                  </a:tcPr>
+                </a:tc>
+                <a:extLst>
+                  <a:ext uri="{0D108BD9-81ED-4DB2-BD59-A6C34878D82A}">
+                    <a16:rowId xmlns:a16="http://schemas.microsoft.com/office/drawing/2014/main" val="1243893351"/>
+                  </a:ext>
+                </a:extLst>
+              </a:tr>
+              <a:tr h="444720">
+                <a:tc>
+                  <a:txBody>
+                    <a:bodyPr/>
+                    <a:lstStyle/>
+                    <a:p>
+                      <a:pPr marL="0" marR="0">
+                        <a:spcBef>
+                          <a:spcPts val="0"/>
+                        </a:spcBef>
+                        <a:spcAft>
+                          <a:spcPts val="0"/>
+                        </a:spcAft>
+                      </a:pPr>
+                      <a:r>
+                        <a:rPr lang="it-IT" sz="1500">
+                          <a:effectLst/>
+                          <a:latin typeface="Century Gothic" panose="020B0502020202020204" pitchFamily="34" charset="0"/>
+                          <a:ea typeface="Century Gothic" panose="020B0502020202020204" pitchFamily="34" charset="0"/>
+                          <a:cs typeface="Century Gothic" panose="020B0502020202020204" pitchFamily="34" charset="0"/>
+                        </a:rPr>
+                        <a:t>AddProductButton</a:t>
+                      </a:r>
+                      <a:endParaRPr lang="it-IT" sz="2000">
+                        <a:effectLst/>
+                        <a:latin typeface="Times New Roman" panose="02020603050405020304" pitchFamily="18" charset="0"/>
+                        <a:ea typeface="Times New Roman" panose="02020603050405020304" pitchFamily="18" charset="0"/>
+                      </a:endParaRPr>
+                    </a:p>
+                  </a:txBody>
+                  <a:tcPr marL="101072" marR="101072" marT="101072" marB="101072">
+                    <a:lnL w="12700" cap="flat" cmpd="sng" algn="ctr">
+                      <a:solidFill>
+                        <a:srgbClr val="000000"/>
+                      </a:solidFill>
+                      <a:prstDash val="solid"/>
+                      <a:round/>
+                      <a:headEnd type="none" w="med" len="med"/>
+                      <a:tailEnd type="none" w="med" len="med"/>
+                    </a:lnL>
+                    <a:lnR w="12700" cap="flat" cmpd="sng" algn="ctr">
+                      <a:solidFill>
+                        <a:srgbClr val="000000"/>
+                      </a:solidFill>
+                      <a:prstDash val="solid"/>
+                      <a:round/>
+                      <a:headEnd type="none" w="med" len="med"/>
+                      <a:tailEnd type="none" w="med" len="med"/>
+                    </a:lnR>
+                    <a:lnT w="12700" cap="flat" cmpd="sng" algn="ctr">
+                      <a:solidFill>
+                        <a:srgbClr val="000000"/>
+                      </a:solidFill>
+                      <a:prstDash val="solid"/>
+                      <a:round/>
+                      <a:headEnd type="none" w="med" len="med"/>
+                      <a:tailEnd type="none" w="med" len="med"/>
+                    </a:lnT>
+                    <a:lnB w="12700" cap="flat" cmpd="sng" algn="ctr">
+                      <a:solidFill>
+                        <a:srgbClr val="000000"/>
+                      </a:solidFill>
+                      <a:prstDash val="solid"/>
+                      <a:round/>
+                      <a:headEnd type="none" w="med" len="med"/>
+                      <a:tailEnd type="none" w="med" len="med"/>
+                    </a:lnB>
+                  </a:tcPr>
+                </a:tc>
+                <a:tc>
+                  <a:txBody>
+                    <a:bodyPr/>
+                    <a:lstStyle/>
+                    <a:p>
+                      <a:pPr marL="0" marR="0">
+                        <a:spcBef>
+                          <a:spcPts val="0"/>
+                        </a:spcBef>
+                        <a:spcAft>
+                          <a:spcPts val="0"/>
+                        </a:spcAft>
+                      </a:pPr>
+                      <a:r>
+                        <a:rPr lang="it-IT" sz="1500">
+                          <a:effectLst/>
+                          <a:latin typeface="Century Gothic" panose="020B0502020202020204" pitchFamily="34" charset="0"/>
+                          <a:ea typeface="Century Gothic" panose="020B0502020202020204" pitchFamily="34" charset="0"/>
+                          <a:cs typeface="Century Gothic" panose="020B0502020202020204" pitchFamily="34" charset="0"/>
+                        </a:rPr>
+                        <a:t>Boundary</a:t>
+                      </a:r>
+                      <a:endParaRPr lang="it-IT" sz="2000">
+                        <a:effectLst/>
+                        <a:latin typeface="Times New Roman" panose="02020603050405020304" pitchFamily="18" charset="0"/>
+                        <a:ea typeface="Times New Roman" panose="02020603050405020304" pitchFamily="18" charset="0"/>
+                      </a:endParaRPr>
+                    </a:p>
+                  </a:txBody>
+                  <a:tcPr marL="101072" marR="101072" marT="101072" marB="101072">
+                    <a:lnL w="12700" cap="flat" cmpd="sng" algn="ctr">
+                      <a:solidFill>
+                        <a:srgbClr val="000000"/>
+                      </a:solidFill>
+                      <a:prstDash val="solid"/>
+                      <a:round/>
+                      <a:headEnd type="none" w="med" len="med"/>
+                      <a:tailEnd type="none" w="med" len="med"/>
+                    </a:lnL>
+                    <a:lnR w="12700" cap="flat" cmpd="sng" algn="ctr">
+                      <a:solidFill>
+                        <a:srgbClr val="000000"/>
+                      </a:solidFill>
+                      <a:prstDash val="solid"/>
+                      <a:round/>
+                      <a:headEnd type="none" w="med" len="med"/>
+                      <a:tailEnd type="none" w="med" len="med"/>
+                    </a:lnR>
+                    <a:lnT w="12700" cap="flat" cmpd="sng" algn="ctr">
+                      <a:solidFill>
+                        <a:srgbClr val="000000"/>
+                      </a:solidFill>
+                      <a:prstDash val="solid"/>
+                      <a:round/>
+                      <a:headEnd type="none" w="med" len="med"/>
+                      <a:tailEnd type="none" w="med" len="med"/>
+                    </a:lnT>
+                    <a:lnB w="12700" cap="flat" cmpd="sng" algn="ctr">
+                      <a:solidFill>
+                        <a:srgbClr val="000000"/>
+                      </a:solidFill>
+                      <a:prstDash val="solid"/>
+                      <a:round/>
+                      <a:headEnd type="none" w="med" len="med"/>
+                      <a:tailEnd type="none" w="med" len="med"/>
+                    </a:lnB>
+                  </a:tcPr>
+                </a:tc>
+                <a:tc>
+                  <a:txBody>
+                    <a:bodyPr/>
+                    <a:lstStyle/>
+                    <a:p>
+                      <a:pPr marL="0" marR="0">
+                        <a:spcBef>
+                          <a:spcPts val="0"/>
+                        </a:spcBef>
+                        <a:spcAft>
+                          <a:spcPts val="0"/>
+                        </a:spcAft>
+                      </a:pPr>
+                      <a:r>
+                        <a:rPr lang="it-IT" sz="1500" dirty="0">
+                          <a:effectLst/>
+                          <a:latin typeface="Century Gothic" panose="020B0502020202020204" pitchFamily="34" charset="0"/>
+                          <a:ea typeface="Century Gothic" panose="020B0502020202020204" pitchFamily="34" charset="0"/>
+                          <a:cs typeface="Century Gothic" panose="020B0502020202020204" pitchFamily="34" charset="0"/>
+                        </a:rPr>
+                        <a:t>Mostra il </a:t>
+                      </a:r>
+                      <a:r>
+                        <a:rPr lang="it-IT" sz="1500" dirty="0" err="1">
+                          <a:effectLst/>
+                          <a:latin typeface="Century Gothic" panose="020B0502020202020204" pitchFamily="34" charset="0"/>
+                          <a:ea typeface="Century Gothic" panose="020B0502020202020204" pitchFamily="34" charset="0"/>
+                          <a:cs typeface="Century Gothic" panose="020B0502020202020204" pitchFamily="34" charset="0"/>
+                        </a:rPr>
+                        <a:t>form</a:t>
+                      </a:r>
+                      <a:r>
+                        <a:rPr lang="it-IT" sz="1500" dirty="0">
+                          <a:effectLst/>
+                          <a:latin typeface="Century Gothic" panose="020B0502020202020204" pitchFamily="34" charset="0"/>
+                          <a:ea typeface="Century Gothic" panose="020B0502020202020204" pitchFamily="34" charset="0"/>
+                          <a:cs typeface="Century Gothic" panose="020B0502020202020204" pitchFamily="34" charset="0"/>
+                        </a:rPr>
+                        <a:t> per aggiungere un nuovo prodotto</a:t>
+                      </a:r>
+                      <a:endParaRPr lang="it-IT" sz="2000" dirty="0">
+                        <a:effectLst/>
+                        <a:latin typeface="Times New Roman" panose="02020603050405020304" pitchFamily="18" charset="0"/>
+                        <a:ea typeface="Times New Roman" panose="02020603050405020304" pitchFamily="18" charset="0"/>
+                      </a:endParaRPr>
+                    </a:p>
+                  </a:txBody>
+                  <a:tcPr marL="101072" marR="101072" marT="101072" marB="101072">
+                    <a:lnL w="12700" cap="flat" cmpd="sng" algn="ctr">
+                      <a:solidFill>
+                        <a:srgbClr val="000000"/>
+                      </a:solidFill>
+                      <a:prstDash val="solid"/>
+                      <a:round/>
+                      <a:headEnd type="none" w="med" len="med"/>
+                      <a:tailEnd type="none" w="med" len="med"/>
+                    </a:lnL>
+                    <a:lnR w="12700" cap="flat" cmpd="sng" algn="ctr">
+                      <a:solidFill>
+                        <a:srgbClr val="000000"/>
+                      </a:solidFill>
+                      <a:prstDash val="solid"/>
+                      <a:round/>
+                      <a:headEnd type="none" w="med" len="med"/>
+                      <a:tailEnd type="none" w="med" len="med"/>
+                    </a:lnR>
+                    <a:lnT w="12700" cap="flat" cmpd="sng" algn="ctr">
+                      <a:solidFill>
+                        <a:srgbClr val="000000"/>
+                      </a:solidFill>
+                      <a:prstDash val="solid"/>
+                      <a:round/>
+                      <a:headEnd type="none" w="med" len="med"/>
+                      <a:tailEnd type="none" w="med" len="med"/>
+                    </a:lnT>
+                    <a:lnB w="12700" cap="flat" cmpd="sng" algn="ctr">
+                      <a:solidFill>
+                        <a:srgbClr val="000000"/>
+                      </a:solidFill>
+                      <a:prstDash val="solid"/>
+                      <a:round/>
+                      <a:headEnd type="none" w="med" len="med"/>
+                      <a:tailEnd type="none" w="med" len="med"/>
+                    </a:lnB>
+                  </a:tcPr>
+                </a:tc>
+                <a:extLst>
+                  <a:ext uri="{0D108BD9-81ED-4DB2-BD59-A6C34878D82A}">
+                    <a16:rowId xmlns:a16="http://schemas.microsoft.com/office/drawing/2014/main" val="2390316705"/>
+                  </a:ext>
+                </a:extLst>
+              </a:tr>
+              <a:tr h="687297">
+                <a:tc>
+                  <a:txBody>
+                    <a:bodyPr/>
+                    <a:lstStyle/>
+                    <a:p>
+                      <a:pPr marL="0" marR="0">
+                        <a:spcBef>
+                          <a:spcPts val="0"/>
+                        </a:spcBef>
+                        <a:spcAft>
+                          <a:spcPts val="0"/>
+                        </a:spcAft>
+                      </a:pPr>
+                      <a:r>
+                        <a:rPr lang="it-IT" sz="1500">
+                          <a:effectLst/>
+                          <a:latin typeface="Century Gothic" panose="020B0502020202020204" pitchFamily="34" charset="0"/>
+                          <a:ea typeface="Century Gothic" panose="020B0502020202020204" pitchFamily="34" charset="0"/>
+                          <a:cs typeface="Century Gothic" panose="020B0502020202020204" pitchFamily="34" charset="0"/>
+                        </a:rPr>
+                        <a:t>AddProductForm</a:t>
+                      </a:r>
+                      <a:endParaRPr lang="it-IT" sz="2000">
+                        <a:effectLst/>
+                        <a:latin typeface="Times New Roman" panose="02020603050405020304" pitchFamily="18" charset="0"/>
+                        <a:ea typeface="Times New Roman" panose="02020603050405020304" pitchFamily="18" charset="0"/>
+                      </a:endParaRPr>
+                    </a:p>
+                  </a:txBody>
+                  <a:tcPr marL="101072" marR="101072" marT="101072" marB="101072">
+                    <a:lnL w="12700" cap="flat" cmpd="sng" algn="ctr">
+                      <a:solidFill>
+                        <a:srgbClr val="000000"/>
+                      </a:solidFill>
+                      <a:prstDash val="solid"/>
+                      <a:round/>
+                      <a:headEnd type="none" w="med" len="med"/>
+                      <a:tailEnd type="none" w="med" len="med"/>
+                    </a:lnL>
+                    <a:lnR w="12700" cap="flat" cmpd="sng" algn="ctr">
+                      <a:solidFill>
+                        <a:srgbClr val="000000"/>
+                      </a:solidFill>
+                      <a:prstDash val="solid"/>
+                      <a:round/>
+                      <a:headEnd type="none" w="med" len="med"/>
+                      <a:tailEnd type="none" w="med" len="med"/>
+                    </a:lnR>
+                    <a:lnT w="12700" cap="flat" cmpd="sng" algn="ctr">
+                      <a:solidFill>
+                        <a:srgbClr val="000000"/>
+                      </a:solidFill>
+                      <a:prstDash val="solid"/>
+                      <a:round/>
+                      <a:headEnd type="none" w="med" len="med"/>
+                      <a:tailEnd type="none" w="med" len="med"/>
+                    </a:lnT>
+                    <a:lnB w="12700" cap="flat" cmpd="sng" algn="ctr">
+                      <a:solidFill>
+                        <a:srgbClr val="000000"/>
+                      </a:solidFill>
+                      <a:prstDash val="solid"/>
+                      <a:round/>
+                      <a:headEnd type="none" w="med" len="med"/>
+                      <a:tailEnd type="none" w="med" len="med"/>
+                    </a:lnB>
+                  </a:tcPr>
+                </a:tc>
+                <a:tc>
+                  <a:txBody>
+                    <a:bodyPr/>
+                    <a:lstStyle/>
+                    <a:p>
+                      <a:pPr marL="0" marR="0">
+                        <a:spcBef>
+                          <a:spcPts val="0"/>
+                        </a:spcBef>
+                        <a:spcAft>
+                          <a:spcPts val="0"/>
+                        </a:spcAft>
+                      </a:pPr>
+                      <a:r>
+                        <a:rPr lang="it-IT" sz="1500">
+                          <a:effectLst/>
+                          <a:latin typeface="Century Gothic" panose="020B0502020202020204" pitchFamily="34" charset="0"/>
+                          <a:ea typeface="Century Gothic" panose="020B0502020202020204" pitchFamily="34" charset="0"/>
+                          <a:cs typeface="Century Gothic" panose="020B0502020202020204" pitchFamily="34" charset="0"/>
+                        </a:rPr>
+                        <a:t>Boundary</a:t>
+                      </a:r>
+                      <a:endParaRPr lang="it-IT" sz="2000">
+                        <a:effectLst/>
+                        <a:latin typeface="Times New Roman" panose="02020603050405020304" pitchFamily="18" charset="0"/>
+                        <a:ea typeface="Times New Roman" panose="02020603050405020304" pitchFamily="18" charset="0"/>
+                      </a:endParaRPr>
+                    </a:p>
+                  </a:txBody>
+                  <a:tcPr marL="101072" marR="101072" marT="101072" marB="101072">
+                    <a:lnL w="12700" cap="flat" cmpd="sng" algn="ctr">
+                      <a:solidFill>
+                        <a:srgbClr val="000000"/>
+                      </a:solidFill>
+                      <a:prstDash val="solid"/>
+                      <a:round/>
+                      <a:headEnd type="none" w="med" len="med"/>
+                      <a:tailEnd type="none" w="med" len="med"/>
+                    </a:lnL>
+                    <a:lnR w="12700" cap="flat" cmpd="sng" algn="ctr">
+                      <a:solidFill>
+                        <a:srgbClr val="000000"/>
+                      </a:solidFill>
+                      <a:prstDash val="solid"/>
+                      <a:round/>
+                      <a:headEnd type="none" w="med" len="med"/>
+                      <a:tailEnd type="none" w="med" len="med"/>
+                    </a:lnR>
+                    <a:lnT w="12700" cap="flat" cmpd="sng" algn="ctr">
+                      <a:solidFill>
+                        <a:srgbClr val="000000"/>
+                      </a:solidFill>
+                      <a:prstDash val="solid"/>
+                      <a:round/>
+                      <a:headEnd type="none" w="med" len="med"/>
+                      <a:tailEnd type="none" w="med" len="med"/>
+                    </a:lnT>
+                    <a:lnB w="12700" cap="flat" cmpd="sng" algn="ctr">
+                      <a:solidFill>
+                        <a:srgbClr val="000000"/>
+                      </a:solidFill>
+                      <a:prstDash val="solid"/>
+                      <a:round/>
+                      <a:headEnd type="none" w="med" len="med"/>
+                      <a:tailEnd type="none" w="med" len="med"/>
+                    </a:lnB>
+                  </a:tcPr>
+                </a:tc>
+                <a:tc>
+                  <a:txBody>
+                    <a:bodyPr/>
+                    <a:lstStyle/>
+                    <a:p>
+                      <a:pPr marL="0" marR="0">
+                        <a:spcBef>
+                          <a:spcPts val="0"/>
+                        </a:spcBef>
+                        <a:spcAft>
+                          <a:spcPts val="0"/>
+                        </a:spcAft>
+                      </a:pPr>
+                      <a:r>
+                        <a:rPr lang="it-IT" sz="1500" dirty="0">
+                          <a:effectLst/>
+                          <a:latin typeface="Century Gothic" panose="020B0502020202020204" pitchFamily="34" charset="0"/>
+                          <a:ea typeface="Century Gothic" panose="020B0502020202020204" pitchFamily="34" charset="0"/>
+                          <a:cs typeface="Century Gothic" panose="020B0502020202020204" pitchFamily="34" charset="0"/>
+                        </a:rPr>
+                        <a:t>Consente all’admin di inserire le informazioni di un nuovo prodotto</a:t>
+                      </a:r>
+                      <a:endParaRPr lang="it-IT" sz="2000" dirty="0">
+                        <a:effectLst/>
+                        <a:latin typeface="Times New Roman" panose="02020603050405020304" pitchFamily="18" charset="0"/>
+                        <a:ea typeface="Times New Roman" panose="02020603050405020304" pitchFamily="18" charset="0"/>
+                      </a:endParaRPr>
+                    </a:p>
+                  </a:txBody>
+                  <a:tcPr marL="101072" marR="101072" marT="101072" marB="101072">
+                    <a:lnL w="12700" cap="flat" cmpd="sng" algn="ctr">
+                      <a:solidFill>
+                        <a:srgbClr val="000000"/>
+                      </a:solidFill>
+                      <a:prstDash val="solid"/>
+                      <a:round/>
+                      <a:headEnd type="none" w="med" len="med"/>
+                      <a:tailEnd type="none" w="med" len="med"/>
+                    </a:lnL>
+                    <a:lnR w="12700" cap="flat" cmpd="sng" algn="ctr">
+                      <a:solidFill>
+                        <a:srgbClr val="000000"/>
+                      </a:solidFill>
+                      <a:prstDash val="solid"/>
+                      <a:round/>
+                      <a:headEnd type="none" w="med" len="med"/>
+                      <a:tailEnd type="none" w="med" len="med"/>
+                    </a:lnR>
+                    <a:lnT w="12700" cap="flat" cmpd="sng" algn="ctr">
+                      <a:solidFill>
+                        <a:srgbClr val="000000"/>
+                      </a:solidFill>
+                      <a:prstDash val="solid"/>
+                      <a:round/>
+                      <a:headEnd type="none" w="med" len="med"/>
+                      <a:tailEnd type="none" w="med" len="med"/>
+                    </a:lnT>
+                    <a:lnB w="12700" cap="flat" cmpd="sng" algn="ctr">
+                      <a:solidFill>
+                        <a:srgbClr val="000000"/>
+                      </a:solidFill>
+                      <a:prstDash val="solid"/>
+                      <a:round/>
+                      <a:headEnd type="none" w="med" len="med"/>
+                      <a:tailEnd type="none" w="med" len="med"/>
+                    </a:lnB>
+                  </a:tcPr>
+                </a:tc>
+                <a:extLst>
+                  <a:ext uri="{0D108BD9-81ED-4DB2-BD59-A6C34878D82A}">
+                    <a16:rowId xmlns:a16="http://schemas.microsoft.com/office/drawing/2014/main" val="1896443570"/>
+                  </a:ext>
+                </a:extLst>
+              </a:tr>
+              <a:tr h="687297">
+                <a:tc>
+                  <a:txBody>
+                    <a:bodyPr/>
+                    <a:lstStyle/>
+                    <a:p>
+                      <a:pPr marL="0" marR="0">
+                        <a:spcBef>
+                          <a:spcPts val="0"/>
+                        </a:spcBef>
+                        <a:spcAft>
+                          <a:spcPts val="0"/>
+                        </a:spcAft>
+                      </a:pPr>
+                      <a:r>
+                        <a:rPr lang="it-IT" sz="1500">
+                          <a:effectLst/>
+                          <a:latin typeface="Century Gothic" panose="020B0502020202020204" pitchFamily="34" charset="0"/>
+                          <a:ea typeface="Century Gothic" panose="020B0502020202020204" pitchFamily="34" charset="0"/>
+                          <a:cs typeface="Century Gothic" panose="020B0502020202020204" pitchFamily="34" charset="0"/>
+                        </a:rPr>
+                        <a:t>SendAddProductButton</a:t>
+                      </a:r>
+                      <a:endParaRPr lang="it-IT" sz="2000">
+                        <a:effectLst/>
+                        <a:latin typeface="Times New Roman" panose="02020603050405020304" pitchFamily="18" charset="0"/>
+                        <a:ea typeface="Times New Roman" panose="02020603050405020304" pitchFamily="18" charset="0"/>
+                      </a:endParaRPr>
+                    </a:p>
+                  </a:txBody>
+                  <a:tcPr marL="101072" marR="101072" marT="101072" marB="101072">
+                    <a:lnL w="12700" cap="flat" cmpd="sng" algn="ctr">
+                      <a:solidFill>
+                        <a:srgbClr val="000000"/>
+                      </a:solidFill>
+                      <a:prstDash val="solid"/>
+                      <a:round/>
+                      <a:headEnd type="none" w="med" len="med"/>
+                      <a:tailEnd type="none" w="med" len="med"/>
+                    </a:lnL>
+                    <a:lnR w="12700" cap="flat" cmpd="sng" algn="ctr">
+                      <a:solidFill>
+                        <a:srgbClr val="000000"/>
+                      </a:solidFill>
+                      <a:prstDash val="solid"/>
+                      <a:round/>
+                      <a:headEnd type="none" w="med" len="med"/>
+                      <a:tailEnd type="none" w="med" len="med"/>
+                    </a:lnR>
+                    <a:lnT w="12700" cap="flat" cmpd="sng" algn="ctr">
+                      <a:solidFill>
+                        <a:srgbClr val="000000"/>
+                      </a:solidFill>
+                      <a:prstDash val="solid"/>
+                      <a:round/>
+                      <a:headEnd type="none" w="med" len="med"/>
+                      <a:tailEnd type="none" w="med" len="med"/>
+                    </a:lnT>
+                    <a:lnB w="12700" cap="flat" cmpd="sng" algn="ctr">
+                      <a:solidFill>
+                        <a:srgbClr val="000000"/>
+                      </a:solidFill>
+                      <a:prstDash val="solid"/>
+                      <a:round/>
+                      <a:headEnd type="none" w="med" len="med"/>
+                      <a:tailEnd type="none" w="med" len="med"/>
+                    </a:lnB>
+                  </a:tcPr>
+                </a:tc>
+                <a:tc>
+                  <a:txBody>
+                    <a:bodyPr/>
+                    <a:lstStyle/>
+                    <a:p>
+                      <a:pPr marL="0" marR="0">
+                        <a:spcBef>
+                          <a:spcPts val="0"/>
+                        </a:spcBef>
+                        <a:spcAft>
+                          <a:spcPts val="0"/>
+                        </a:spcAft>
+                      </a:pPr>
+                      <a:r>
+                        <a:rPr lang="it-IT" sz="1500">
+                          <a:effectLst/>
+                          <a:latin typeface="Century Gothic" panose="020B0502020202020204" pitchFamily="34" charset="0"/>
+                          <a:ea typeface="Century Gothic" panose="020B0502020202020204" pitchFamily="34" charset="0"/>
+                          <a:cs typeface="Century Gothic" panose="020B0502020202020204" pitchFamily="34" charset="0"/>
+                        </a:rPr>
+                        <a:t>Boundary</a:t>
+                      </a:r>
+                      <a:endParaRPr lang="it-IT" sz="2000">
+                        <a:effectLst/>
+                        <a:latin typeface="Times New Roman" panose="02020603050405020304" pitchFamily="18" charset="0"/>
+                        <a:ea typeface="Times New Roman" panose="02020603050405020304" pitchFamily="18" charset="0"/>
+                      </a:endParaRPr>
+                    </a:p>
+                  </a:txBody>
+                  <a:tcPr marL="101072" marR="101072" marT="101072" marB="101072">
+                    <a:lnL w="12700" cap="flat" cmpd="sng" algn="ctr">
+                      <a:solidFill>
+                        <a:srgbClr val="000000"/>
+                      </a:solidFill>
+                      <a:prstDash val="solid"/>
+                      <a:round/>
+                      <a:headEnd type="none" w="med" len="med"/>
+                      <a:tailEnd type="none" w="med" len="med"/>
+                    </a:lnL>
+                    <a:lnR w="12700" cap="flat" cmpd="sng" algn="ctr">
+                      <a:solidFill>
+                        <a:srgbClr val="000000"/>
+                      </a:solidFill>
+                      <a:prstDash val="solid"/>
+                      <a:round/>
+                      <a:headEnd type="none" w="med" len="med"/>
+                      <a:tailEnd type="none" w="med" len="med"/>
+                    </a:lnR>
+                    <a:lnT w="12700" cap="flat" cmpd="sng" algn="ctr">
+                      <a:solidFill>
+                        <a:srgbClr val="000000"/>
+                      </a:solidFill>
+                      <a:prstDash val="solid"/>
+                      <a:round/>
+                      <a:headEnd type="none" w="med" len="med"/>
+                      <a:tailEnd type="none" w="med" len="med"/>
+                    </a:lnT>
+                    <a:lnB w="12700" cap="flat" cmpd="sng" algn="ctr">
+                      <a:solidFill>
+                        <a:srgbClr val="000000"/>
+                      </a:solidFill>
+                      <a:prstDash val="solid"/>
+                      <a:round/>
+                      <a:headEnd type="none" w="med" len="med"/>
+                      <a:tailEnd type="none" w="med" len="med"/>
+                    </a:lnB>
+                  </a:tcPr>
+                </a:tc>
+                <a:tc>
+                  <a:txBody>
+                    <a:bodyPr/>
+                    <a:lstStyle/>
+                    <a:p>
+                      <a:pPr marL="0" marR="0">
+                        <a:spcBef>
+                          <a:spcPts val="0"/>
+                        </a:spcBef>
+                        <a:spcAft>
+                          <a:spcPts val="0"/>
+                        </a:spcAft>
+                      </a:pPr>
+                      <a:r>
+                        <a:rPr lang="it-IT" sz="1500">
+                          <a:effectLst/>
+                          <a:latin typeface="Century Gothic" panose="020B0502020202020204" pitchFamily="34" charset="0"/>
+                          <a:ea typeface="Century Gothic" panose="020B0502020202020204" pitchFamily="34" charset="0"/>
+                          <a:cs typeface="Century Gothic" panose="020B0502020202020204" pitchFamily="34" charset="0"/>
+                        </a:rPr>
+                        <a:t>Sottomette il form delle informazioni di un nuovo prodotto</a:t>
+                      </a:r>
+                      <a:endParaRPr lang="it-IT" sz="2000">
+                        <a:effectLst/>
+                        <a:latin typeface="Times New Roman" panose="02020603050405020304" pitchFamily="18" charset="0"/>
+                        <a:ea typeface="Times New Roman" panose="02020603050405020304" pitchFamily="18" charset="0"/>
+                      </a:endParaRPr>
+                    </a:p>
+                  </a:txBody>
+                  <a:tcPr marL="101072" marR="101072" marT="101072" marB="101072">
+                    <a:lnL w="12700" cap="flat" cmpd="sng" algn="ctr">
+                      <a:solidFill>
+                        <a:srgbClr val="000000"/>
+                      </a:solidFill>
+                      <a:prstDash val="solid"/>
+                      <a:round/>
+                      <a:headEnd type="none" w="med" len="med"/>
+                      <a:tailEnd type="none" w="med" len="med"/>
+                    </a:lnL>
+                    <a:lnR w="12700" cap="flat" cmpd="sng" algn="ctr">
+                      <a:solidFill>
+                        <a:srgbClr val="000000"/>
+                      </a:solidFill>
+                      <a:prstDash val="solid"/>
+                      <a:round/>
+                      <a:headEnd type="none" w="med" len="med"/>
+                      <a:tailEnd type="none" w="med" len="med"/>
+                    </a:lnR>
+                    <a:lnT w="12700" cap="flat" cmpd="sng" algn="ctr">
+                      <a:solidFill>
+                        <a:srgbClr val="000000"/>
+                      </a:solidFill>
+                      <a:prstDash val="solid"/>
+                      <a:round/>
+                      <a:headEnd type="none" w="med" len="med"/>
+                      <a:tailEnd type="none" w="med" len="med"/>
+                    </a:lnT>
+                    <a:lnB w="12700" cap="flat" cmpd="sng" algn="ctr">
+                      <a:solidFill>
+                        <a:srgbClr val="000000"/>
+                      </a:solidFill>
+                      <a:prstDash val="solid"/>
+                      <a:round/>
+                      <a:headEnd type="none" w="med" len="med"/>
+                      <a:tailEnd type="none" w="med" len="med"/>
+                    </a:lnB>
+                  </a:tcPr>
+                </a:tc>
+                <a:extLst>
+                  <a:ext uri="{0D108BD9-81ED-4DB2-BD59-A6C34878D82A}">
+                    <a16:rowId xmlns:a16="http://schemas.microsoft.com/office/drawing/2014/main" val="3072479067"/>
+                  </a:ext>
+                </a:extLst>
+              </a:tr>
+              <a:tr h="444720">
+                <a:tc>
+                  <a:txBody>
+                    <a:bodyPr/>
+                    <a:lstStyle/>
+                    <a:p>
+                      <a:pPr marL="0" marR="0">
+                        <a:spcBef>
+                          <a:spcPts val="0"/>
+                        </a:spcBef>
+                        <a:spcAft>
+                          <a:spcPts val="0"/>
+                        </a:spcAft>
+                      </a:pPr>
+                      <a:r>
+                        <a:rPr lang="it-IT" sz="1500">
+                          <a:effectLst/>
+                          <a:latin typeface="Century Gothic" panose="020B0502020202020204" pitchFamily="34" charset="0"/>
+                          <a:ea typeface="Century Gothic" panose="020B0502020202020204" pitchFamily="34" charset="0"/>
+                          <a:cs typeface="Century Gothic" panose="020B0502020202020204" pitchFamily="34" charset="0"/>
+                        </a:rPr>
+                        <a:t>AdministationControl</a:t>
+                      </a:r>
+                      <a:endParaRPr lang="it-IT" sz="2000">
+                        <a:effectLst/>
+                        <a:latin typeface="Times New Roman" panose="02020603050405020304" pitchFamily="18" charset="0"/>
+                        <a:ea typeface="Times New Roman" panose="02020603050405020304" pitchFamily="18" charset="0"/>
+                      </a:endParaRPr>
+                    </a:p>
+                  </a:txBody>
+                  <a:tcPr marL="101072" marR="101072" marT="101072" marB="101072">
+                    <a:lnL w="12700" cap="flat" cmpd="sng" algn="ctr">
+                      <a:solidFill>
+                        <a:srgbClr val="000000"/>
+                      </a:solidFill>
+                      <a:prstDash val="solid"/>
+                      <a:round/>
+                      <a:headEnd type="none" w="med" len="med"/>
+                      <a:tailEnd type="none" w="med" len="med"/>
+                    </a:lnL>
+                    <a:lnR w="12700" cap="flat" cmpd="sng" algn="ctr">
+                      <a:solidFill>
+                        <a:srgbClr val="000000"/>
+                      </a:solidFill>
+                      <a:prstDash val="solid"/>
+                      <a:round/>
+                      <a:headEnd type="none" w="med" len="med"/>
+                      <a:tailEnd type="none" w="med" len="med"/>
+                    </a:lnR>
+                    <a:lnT w="12700" cap="flat" cmpd="sng" algn="ctr">
+                      <a:solidFill>
+                        <a:srgbClr val="000000"/>
+                      </a:solidFill>
+                      <a:prstDash val="solid"/>
+                      <a:round/>
+                      <a:headEnd type="none" w="med" len="med"/>
+                      <a:tailEnd type="none" w="med" len="med"/>
+                    </a:lnT>
+                    <a:lnB w="12700" cap="flat" cmpd="sng" algn="ctr">
+                      <a:solidFill>
+                        <a:srgbClr val="000000"/>
+                      </a:solidFill>
+                      <a:prstDash val="solid"/>
+                      <a:round/>
+                      <a:headEnd type="none" w="med" len="med"/>
+                      <a:tailEnd type="none" w="med" len="med"/>
+                    </a:lnB>
+                  </a:tcPr>
+                </a:tc>
+                <a:tc>
+                  <a:txBody>
+                    <a:bodyPr/>
+                    <a:lstStyle/>
+                    <a:p>
+                      <a:pPr marL="0" marR="0">
+                        <a:spcBef>
+                          <a:spcPts val="0"/>
+                        </a:spcBef>
+                        <a:spcAft>
+                          <a:spcPts val="0"/>
+                        </a:spcAft>
+                      </a:pPr>
+                      <a:r>
+                        <a:rPr lang="it-IT" sz="1500">
+                          <a:effectLst/>
+                          <a:latin typeface="Century Gothic" panose="020B0502020202020204" pitchFamily="34" charset="0"/>
+                          <a:ea typeface="Century Gothic" panose="020B0502020202020204" pitchFamily="34" charset="0"/>
+                          <a:cs typeface="Century Gothic" panose="020B0502020202020204" pitchFamily="34" charset="0"/>
+                        </a:rPr>
+                        <a:t>Control</a:t>
+                      </a:r>
+                      <a:endParaRPr lang="it-IT" sz="2000">
+                        <a:effectLst/>
+                        <a:latin typeface="Times New Roman" panose="02020603050405020304" pitchFamily="18" charset="0"/>
+                        <a:ea typeface="Times New Roman" panose="02020603050405020304" pitchFamily="18" charset="0"/>
+                      </a:endParaRPr>
+                    </a:p>
+                  </a:txBody>
+                  <a:tcPr marL="101072" marR="101072" marT="101072" marB="101072">
+                    <a:lnL w="12700" cap="flat" cmpd="sng" algn="ctr">
+                      <a:solidFill>
+                        <a:srgbClr val="000000"/>
+                      </a:solidFill>
+                      <a:prstDash val="solid"/>
+                      <a:round/>
+                      <a:headEnd type="none" w="med" len="med"/>
+                      <a:tailEnd type="none" w="med" len="med"/>
+                    </a:lnL>
+                    <a:lnR w="12700" cap="flat" cmpd="sng" algn="ctr">
+                      <a:solidFill>
+                        <a:srgbClr val="000000"/>
+                      </a:solidFill>
+                      <a:prstDash val="solid"/>
+                      <a:round/>
+                      <a:headEnd type="none" w="med" len="med"/>
+                      <a:tailEnd type="none" w="med" len="med"/>
+                    </a:lnR>
+                    <a:lnT w="12700" cap="flat" cmpd="sng" algn="ctr">
+                      <a:solidFill>
+                        <a:srgbClr val="000000"/>
+                      </a:solidFill>
+                      <a:prstDash val="solid"/>
+                      <a:round/>
+                      <a:headEnd type="none" w="med" len="med"/>
+                      <a:tailEnd type="none" w="med" len="med"/>
+                    </a:lnT>
+                    <a:lnB w="12700" cap="flat" cmpd="sng" algn="ctr">
+                      <a:solidFill>
+                        <a:srgbClr val="000000"/>
+                      </a:solidFill>
+                      <a:prstDash val="solid"/>
+                      <a:round/>
+                      <a:headEnd type="none" w="med" len="med"/>
+                      <a:tailEnd type="none" w="med" len="med"/>
+                    </a:lnB>
+                  </a:tcPr>
+                </a:tc>
+                <a:tc>
+                  <a:txBody>
+                    <a:bodyPr/>
+                    <a:lstStyle/>
+                    <a:p>
+                      <a:pPr marL="0" marR="0">
+                        <a:spcBef>
+                          <a:spcPts val="0"/>
+                        </a:spcBef>
+                        <a:spcAft>
+                          <a:spcPts val="0"/>
+                        </a:spcAft>
+                      </a:pPr>
+                      <a:r>
+                        <a:rPr lang="it-IT" sz="1500" dirty="0">
+                          <a:effectLst/>
+                          <a:latin typeface="Century Gothic" panose="020B0502020202020204" pitchFamily="34" charset="0"/>
+                          <a:ea typeface="Century Gothic" panose="020B0502020202020204" pitchFamily="34" charset="0"/>
+                          <a:cs typeface="Century Gothic" panose="020B0502020202020204" pitchFamily="34" charset="0"/>
+                        </a:rPr>
+                        <a:t>Gestisce le attività permesse all’admin</a:t>
+                      </a:r>
+                      <a:endParaRPr lang="it-IT" sz="2000" dirty="0">
+                        <a:effectLst/>
+                        <a:latin typeface="Times New Roman" panose="02020603050405020304" pitchFamily="18" charset="0"/>
+                        <a:ea typeface="Times New Roman" panose="02020603050405020304" pitchFamily="18" charset="0"/>
+                      </a:endParaRPr>
+                    </a:p>
+                  </a:txBody>
+                  <a:tcPr marL="101072" marR="101072" marT="101072" marB="101072">
+                    <a:lnL w="12700" cap="flat" cmpd="sng" algn="ctr">
+                      <a:solidFill>
+                        <a:srgbClr val="000000"/>
+                      </a:solidFill>
+                      <a:prstDash val="solid"/>
+                      <a:round/>
+                      <a:headEnd type="none" w="med" len="med"/>
+                      <a:tailEnd type="none" w="med" len="med"/>
+                    </a:lnL>
+                    <a:lnR w="12700" cap="flat" cmpd="sng" algn="ctr">
+                      <a:solidFill>
+                        <a:srgbClr val="000000"/>
+                      </a:solidFill>
+                      <a:prstDash val="solid"/>
+                      <a:round/>
+                      <a:headEnd type="none" w="med" len="med"/>
+                      <a:tailEnd type="none" w="med" len="med"/>
+                    </a:lnR>
+                    <a:lnT w="12700" cap="flat" cmpd="sng" algn="ctr">
+                      <a:solidFill>
+                        <a:srgbClr val="000000"/>
+                      </a:solidFill>
+                      <a:prstDash val="solid"/>
+                      <a:round/>
+                      <a:headEnd type="none" w="med" len="med"/>
+                      <a:tailEnd type="none" w="med" len="med"/>
+                    </a:lnT>
+                    <a:lnB w="12700" cap="flat" cmpd="sng" algn="ctr">
+                      <a:solidFill>
+                        <a:srgbClr val="000000"/>
+                      </a:solidFill>
+                      <a:prstDash val="solid"/>
+                      <a:round/>
+                      <a:headEnd type="none" w="med" len="med"/>
+                      <a:tailEnd type="none" w="med" len="med"/>
+                    </a:lnB>
+                  </a:tcPr>
+                </a:tc>
+                <a:extLst>
+                  <a:ext uri="{0D108BD9-81ED-4DB2-BD59-A6C34878D82A}">
+                    <a16:rowId xmlns:a16="http://schemas.microsoft.com/office/drawing/2014/main" val="379445133"/>
+                  </a:ext>
+                </a:extLst>
+              </a:tr>
+              <a:tr h="687297">
+                <a:tc>
+                  <a:txBody>
+                    <a:bodyPr/>
+                    <a:lstStyle/>
+                    <a:p>
+                      <a:pPr marL="0" marR="0">
+                        <a:spcBef>
+                          <a:spcPts val="0"/>
+                        </a:spcBef>
+                        <a:spcAft>
+                          <a:spcPts val="0"/>
+                        </a:spcAft>
+                      </a:pPr>
+                      <a:r>
+                        <a:rPr lang="it-IT" sz="1500">
+                          <a:effectLst/>
+                          <a:latin typeface="Century Gothic" panose="020B0502020202020204" pitchFamily="34" charset="0"/>
+                          <a:ea typeface="Century Gothic" panose="020B0502020202020204" pitchFamily="34" charset="0"/>
+                          <a:cs typeface="Century Gothic" panose="020B0502020202020204" pitchFamily="34" charset="0"/>
+                        </a:rPr>
+                        <a:t>ProductControl</a:t>
+                      </a:r>
+                      <a:endParaRPr lang="it-IT" sz="2000">
+                        <a:effectLst/>
+                        <a:latin typeface="Times New Roman" panose="02020603050405020304" pitchFamily="18" charset="0"/>
+                        <a:ea typeface="Times New Roman" panose="02020603050405020304" pitchFamily="18" charset="0"/>
+                      </a:endParaRPr>
+                    </a:p>
+                  </a:txBody>
+                  <a:tcPr marL="101072" marR="101072" marT="101072" marB="101072">
+                    <a:lnL w="12700" cap="flat" cmpd="sng" algn="ctr">
+                      <a:solidFill>
+                        <a:srgbClr val="000000"/>
+                      </a:solidFill>
+                      <a:prstDash val="solid"/>
+                      <a:round/>
+                      <a:headEnd type="none" w="med" len="med"/>
+                      <a:tailEnd type="none" w="med" len="med"/>
+                    </a:lnL>
+                    <a:lnR w="12700" cap="flat" cmpd="sng" algn="ctr">
+                      <a:solidFill>
+                        <a:srgbClr val="000000"/>
+                      </a:solidFill>
+                      <a:prstDash val="solid"/>
+                      <a:round/>
+                      <a:headEnd type="none" w="med" len="med"/>
+                      <a:tailEnd type="none" w="med" len="med"/>
+                    </a:lnR>
+                    <a:lnT w="12700" cap="flat" cmpd="sng" algn="ctr">
+                      <a:solidFill>
+                        <a:srgbClr val="000000"/>
+                      </a:solidFill>
+                      <a:prstDash val="solid"/>
+                      <a:round/>
+                      <a:headEnd type="none" w="med" len="med"/>
+                      <a:tailEnd type="none" w="med" len="med"/>
+                    </a:lnT>
+                    <a:lnB w="12700" cap="flat" cmpd="sng" algn="ctr">
+                      <a:solidFill>
+                        <a:srgbClr val="000000"/>
+                      </a:solidFill>
+                      <a:prstDash val="solid"/>
+                      <a:round/>
+                      <a:headEnd type="none" w="med" len="med"/>
+                      <a:tailEnd type="none" w="med" len="med"/>
+                    </a:lnB>
+                  </a:tcPr>
+                </a:tc>
+                <a:tc>
+                  <a:txBody>
+                    <a:bodyPr/>
+                    <a:lstStyle/>
+                    <a:p>
+                      <a:pPr marL="0" marR="0">
+                        <a:spcBef>
+                          <a:spcPts val="0"/>
+                        </a:spcBef>
+                        <a:spcAft>
+                          <a:spcPts val="0"/>
+                        </a:spcAft>
+                      </a:pPr>
+                      <a:r>
+                        <a:rPr lang="it-IT" sz="1500">
+                          <a:effectLst/>
+                          <a:latin typeface="Century Gothic" panose="020B0502020202020204" pitchFamily="34" charset="0"/>
+                          <a:ea typeface="Century Gothic" panose="020B0502020202020204" pitchFamily="34" charset="0"/>
+                          <a:cs typeface="Century Gothic" panose="020B0502020202020204" pitchFamily="34" charset="0"/>
+                        </a:rPr>
+                        <a:t>Control</a:t>
+                      </a:r>
+                      <a:endParaRPr lang="it-IT" sz="2000">
+                        <a:effectLst/>
+                        <a:latin typeface="Times New Roman" panose="02020603050405020304" pitchFamily="18" charset="0"/>
+                        <a:ea typeface="Times New Roman" panose="02020603050405020304" pitchFamily="18" charset="0"/>
+                      </a:endParaRPr>
+                    </a:p>
+                  </a:txBody>
+                  <a:tcPr marL="101072" marR="101072" marT="101072" marB="101072">
+                    <a:lnL w="12700" cap="flat" cmpd="sng" algn="ctr">
+                      <a:solidFill>
+                        <a:srgbClr val="000000"/>
+                      </a:solidFill>
+                      <a:prstDash val="solid"/>
+                      <a:round/>
+                      <a:headEnd type="none" w="med" len="med"/>
+                      <a:tailEnd type="none" w="med" len="med"/>
+                    </a:lnL>
+                    <a:lnR w="12700" cap="flat" cmpd="sng" algn="ctr">
+                      <a:solidFill>
+                        <a:srgbClr val="000000"/>
+                      </a:solidFill>
+                      <a:prstDash val="solid"/>
+                      <a:round/>
+                      <a:headEnd type="none" w="med" len="med"/>
+                      <a:tailEnd type="none" w="med" len="med"/>
+                    </a:lnR>
+                    <a:lnT w="12700" cap="flat" cmpd="sng" algn="ctr">
+                      <a:solidFill>
+                        <a:srgbClr val="000000"/>
+                      </a:solidFill>
+                      <a:prstDash val="solid"/>
+                      <a:round/>
+                      <a:headEnd type="none" w="med" len="med"/>
+                      <a:tailEnd type="none" w="med" len="med"/>
+                    </a:lnT>
+                    <a:lnB w="12700" cap="flat" cmpd="sng" algn="ctr">
+                      <a:solidFill>
+                        <a:srgbClr val="000000"/>
+                      </a:solidFill>
+                      <a:prstDash val="solid"/>
+                      <a:round/>
+                      <a:headEnd type="none" w="med" len="med"/>
+                      <a:tailEnd type="none" w="med" len="med"/>
+                    </a:lnB>
+                  </a:tcPr>
+                </a:tc>
+                <a:tc>
+                  <a:txBody>
+                    <a:bodyPr/>
+                    <a:lstStyle/>
+                    <a:p>
+                      <a:pPr marL="0" marR="0">
+                        <a:spcBef>
+                          <a:spcPts val="0"/>
+                        </a:spcBef>
+                        <a:spcAft>
+                          <a:spcPts val="0"/>
+                        </a:spcAft>
+                      </a:pPr>
+                      <a:r>
+                        <a:rPr lang="it-IT" sz="1500" dirty="0">
+                          <a:effectLst/>
+                          <a:latin typeface="Century Gothic" panose="020B0502020202020204" pitchFamily="34" charset="0"/>
+                          <a:ea typeface="Century Gothic" panose="020B0502020202020204" pitchFamily="34" charset="0"/>
+                          <a:cs typeface="Century Gothic" panose="020B0502020202020204" pitchFamily="34" charset="0"/>
+                        </a:rPr>
+                        <a:t>Permette di recuperare le informazioni relative a uno o più prodotti dal database</a:t>
+                      </a:r>
+                      <a:endParaRPr lang="it-IT" sz="2000" dirty="0">
+                        <a:effectLst/>
+                        <a:latin typeface="Times New Roman" panose="02020603050405020304" pitchFamily="18" charset="0"/>
+                        <a:ea typeface="Times New Roman" panose="02020603050405020304" pitchFamily="18" charset="0"/>
+                      </a:endParaRPr>
+                    </a:p>
+                  </a:txBody>
+                  <a:tcPr marL="101072" marR="101072" marT="101072" marB="101072">
+                    <a:lnL w="12700" cap="flat" cmpd="sng" algn="ctr">
+                      <a:solidFill>
+                        <a:srgbClr val="000000"/>
+                      </a:solidFill>
+                      <a:prstDash val="solid"/>
+                      <a:round/>
+                      <a:headEnd type="none" w="med" len="med"/>
+                      <a:tailEnd type="none" w="med" len="med"/>
+                    </a:lnL>
+                    <a:lnR w="12700" cap="flat" cmpd="sng" algn="ctr">
+                      <a:solidFill>
+                        <a:srgbClr val="000000"/>
+                      </a:solidFill>
+                      <a:prstDash val="solid"/>
+                      <a:round/>
+                      <a:headEnd type="none" w="med" len="med"/>
+                      <a:tailEnd type="none" w="med" len="med"/>
+                    </a:lnR>
+                    <a:lnT w="12700" cap="flat" cmpd="sng" algn="ctr">
+                      <a:solidFill>
+                        <a:srgbClr val="000000"/>
+                      </a:solidFill>
+                      <a:prstDash val="solid"/>
+                      <a:round/>
+                      <a:headEnd type="none" w="med" len="med"/>
+                      <a:tailEnd type="none" w="med" len="med"/>
+                    </a:lnT>
+                    <a:lnB w="12700" cap="flat" cmpd="sng" algn="ctr">
+                      <a:solidFill>
+                        <a:srgbClr val="000000"/>
+                      </a:solidFill>
+                      <a:prstDash val="solid"/>
+                      <a:round/>
+                      <a:headEnd type="none" w="med" len="med"/>
+                      <a:tailEnd type="none" w="med" len="med"/>
+                    </a:lnB>
+                  </a:tcPr>
+                </a:tc>
+                <a:extLst>
+                  <a:ext uri="{0D108BD9-81ED-4DB2-BD59-A6C34878D82A}">
+                    <a16:rowId xmlns:a16="http://schemas.microsoft.com/office/drawing/2014/main" val="1294914589"/>
+                  </a:ext>
+                </a:extLst>
+              </a:tr>
+              <a:tr h="1172445">
+                <a:tc>
+                  <a:txBody>
+                    <a:bodyPr/>
+                    <a:lstStyle/>
+                    <a:p>
+                      <a:pPr marL="0" marR="0">
+                        <a:spcBef>
+                          <a:spcPts val="0"/>
+                        </a:spcBef>
+                        <a:spcAft>
+                          <a:spcPts val="0"/>
+                        </a:spcAft>
+                      </a:pPr>
+                      <a:r>
+                        <a:rPr lang="it-IT" sz="1500" dirty="0" err="1">
+                          <a:effectLst/>
+                          <a:latin typeface="Century Gothic" panose="020B0502020202020204" pitchFamily="34" charset="0"/>
+                          <a:ea typeface="Century Gothic" panose="020B0502020202020204" pitchFamily="34" charset="0"/>
+                          <a:cs typeface="Century Gothic" panose="020B0502020202020204" pitchFamily="34" charset="0"/>
+                        </a:rPr>
+                        <a:t>DataBase</a:t>
+                      </a:r>
+                      <a:endParaRPr lang="it-IT" sz="2000" dirty="0">
+                        <a:effectLst/>
+                        <a:latin typeface="Times New Roman" panose="02020603050405020304" pitchFamily="18" charset="0"/>
+                        <a:ea typeface="Times New Roman" panose="02020603050405020304" pitchFamily="18" charset="0"/>
+                      </a:endParaRPr>
+                    </a:p>
+                  </a:txBody>
+                  <a:tcPr marL="101072" marR="101072" marT="101072" marB="101072">
+                    <a:lnL w="12700" cap="flat" cmpd="sng" algn="ctr">
+                      <a:solidFill>
+                        <a:srgbClr val="000000"/>
+                      </a:solidFill>
+                      <a:prstDash val="solid"/>
+                      <a:round/>
+                      <a:headEnd type="none" w="med" len="med"/>
+                      <a:tailEnd type="none" w="med" len="med"/>
+                    </a:lnL>
+                    <a:lnR w="12700" cap="flat" cmpd="sng" algn="ctr">
+                      <a:solidFill>
+                        <a:srgbClr val="000000"/>
+                      </a:solidFill>
+                      <a:prstDash val="solid"/>
+                      <a:round/>
+                      <a:headEnd type="none" w="med" len="med"/>
+                      <a:tailEnd type="none" w="med" len="med"/>
+                    </a:lnR>
+                    <a:lnT w="12700" cap="flat" cmpd="sng" algn="ctr">
+                      <a:solidFill>
+                        <a:srgbClr val="000000"/>
+                      </a:solidFill>
+                      <a:prstDash val="solid"/>
+                      <a:round/>
+                      <a:headEnd type="none" w="med" len="med"/>
+                      <a:tailEnd type="none" w="med" len="med"/>
+                    </a:lnT>
+                    <a:lnB w="12700" cap="flat" cmpd="sng" algn="ctr">
+                      <a:solidFill>
+                        <a:srgbClr val="000000"/>
+                      </a:solidFill>
+                      <a:prstDash val="solid"/>
+                      <a:round/>
+                      <a:headEnd type="none" w="med" len="med"/>
+                      <a:tailEnd type="none" w="med" len="med"/>
+                    </a:lnB>
+                  </a:tcPr>
+                </a:tc>
+                <a:tc>
+                  <a:txBody>
+                    <a:bodyPr/>
+                    <a:lstStyle/>
+                    <a:p>
+                      <a:pPr marL="0" marR="0">
+                        <a:spcBef>
+                          <a:spcPts val="0"/>
+                        </a:spcBef>
+                        <a:spcAft>
+                          <a:spcPts val="0"/>
+                        </a:spcAft>
+                      </a:pPr>
+                      <a:r>
+                        <a:rPr lang="it-IT" sz="1500" dirty="0" err="1">
+                          <a:effectLst/>
+                          <a:latin typeface="Century Gothic" panose="020B0502020202020204" pitchFamily="34" charset="0"/>
+                          <a:ea typeface="Century Gothic" panose="020B0502020202020204" pitchFamily="34" charset="0"/>
+                          <a:cs typeface="Century Gothic" panose="020B0502020202020204" pitchFamily="34" charset="0"/>
+                        </a:rPr>
+                        <a:t>Entity</a:t>
+                      </a:r>
+                      <a:endParaRPr lang="it-IT" sz="2000" dirty="0">
+                        <a:effectLst/>
+                        <a:latin typeface="Times New Roman" panose="02020603050405020304" pitchFamily="18" charset="0"/>
+                        <a:ea typeface="Times New Roman" panose="02020603050405020304" pitchFamily="18" charset="0"/>
+                      </a:endParaRPr>
+                    </a:p>
+                  </a:txBody>
+                  <a:tcPr marL="101072" marR="101072" marT="101072" marB="101072">
+                    <a:lnL w="12700" cap="flat" cmpd="sng" algn="ctr">
+                      <a:solidFill>
+                        <a:srgbClr val="000000"/>
+                      </a:solidFill>
+                      <a:prstDash val="solid"/>
+                      <a:round/>
+                      <a:headEnd type="none" w="med" len="med"/>
+                      <a:tailEnd type="none" w="med" len="med"/>
+                    </a:lnL>
+                    <a:lnR w="12700" cap="flat" cmpd="sng" algn="ctr">
+                      <a:solidFill>
+                        <a:srgbClr val="000000"/>
+                      </a:solidFill>
+                      <a:prstDash val="solid"/>
+                      <a:round/>
+                      <a:headEnd type="none" w="med" len="med"/>
+                      <a:tailEnd type="none" w="med" len="med"/>
+                    </a:lnR>
+                    <a:lnT w="12700" cap="flat" cmpd="sng" algn="ctr">
+                      <a:solidFill>
+                        <a:srgbClr val="000000"/>
+                      </a:solidFill>
+                      <a:prstDash val="solid"/>
+                      <a:round/>
+                      <a:headEnd type="none" w="med" len="med"/>
+                      <a:tailEnd type="none" w="med" len="med"/>
+                    </a:lnT>
+                    <a:lnB w="12700" cap="flat" cmpd="sng" algn="ctr">
+                      <a:solidFill>
+                        <a:srgbClr val="000000"/>
+                      </a:solidFill>
+                      <a:prstDash val="solid"/>
+                      <a:round/>
+                      <a:headEnd type="none" w="med" len="med"/>
+                      <a:tailEnd type="none" w="med" len="med"/>
+                    </a:lnB>
+                  </a:tcPr>
+                </a:tc>
+                <a:tc>
+                  <a:txBody>
+                    <a:bodyPr/>
+                    <a:lstStyle/>
+                    <a:p>
+                      <a:pPr marL="0" marR="0">
+                        <a:spcBef>
+                          <a:spcPts val="0"/>
+                        </a:spcBef>
+                        <a:spcAft>
+                          <a:spcPts val="0"/>
+                        </a:spcAft>
+                      </a:pPr>
+                      <a:r>
+                        <a:rPr lang="it-IT" sz="1500" dirty="0">
+                          <a:effectLst/>
+                          <a:latin typeface="Century Gothic" panose="020B0502020202020204" pitchFamily="34" charset="0"/>
+                          <a:ea typeface="Century Gothic" panose="020B0502020202020204" pitchFamily="34" charset="0"/>
+                          <a:cs typeface="Century Gothic" panose="020B0502020202020204" pitchFamily="34" charset="0"/>
+                        </a:rPr>
+                        <a:t>Consente al sistema di salvare i dati della registrazione dell’utente. Permette di utilizzare le informazioni persistenti per visualizzare ed effettuare controlli sui dati immessi nel sistema.</a:t>
+                      </a:r>
+                      <a:endParaRPr lang="it-IT" sz="2000" dirty="0">
+                        <a:effectLst/>
+                        <a:latin typeface="Times New Roman" panose="02020603050405020304" pitchFamily="18" charset="0"/>
+                        <a:ea typeface="Times New Roman" panose="02020603050405020304" pitchFamily="18" charset="0"/>
+                      </a:endParaRPr>
+                    </a:p>
+                  </a:txBody>
+                  <a:tcPr marL="101072" marR="101072" marT="101072" marB="101072">
+                    <a:lnL w="12700" cap="flat" cmpd="sng" algn="ctr">
+                      <a:solidFill>
+                        <a:srgbClr val="000000"/>
+                      </a:solidFill>
+                      <a:prstDash val="solid"/>
+                      <a:round/>
+                      <a:headEnd type="none" w="med" len="med"/>
+                      <a:tailEnd type="none" w="med" len="med"/>
+                    </a:lnL>
+                    <a:lnR w="12700" cap="flat" cmpd="sng" algn="ctr">
+                      <a:solidFill>
+                        <a:srgbClr val="000000"/>
+                      </a:solidFill>
+                      <a:prstDash val="solid"/>
+                      <a:round/>
+                      <a:headEnd type="none" w="med" len="med"/>
+                      <a:tailEnd type="none" w="med" len="med"/>
+                    </a:lnR>
+                    <a:lnT w="12700" cap="flat" cmpd="sng" algn="ctr">
+                      <a:solidFill>
+                        <a:srgbClr val="000000"/>
+                      </a:solidFill>
+                      <a:prstDash val="solid"/>
+                      <a:round/>
+                      <a:headEnd type="none" w="med" len="med"/>
+                      <a:tailEnd type="none" w="med" len="med"/>
+                    </a:lnT>
+                    <a:lnB w="12700" cap="flat" cmpd="sng" algn="ctr">
+                      <a:solidFill>
+                        <a:srgbClr val="000000"/>
+                      </a:solidFill>
+                      <a:prstDash val="solid"/>
+                      <a:round/>
+                      <a:headEnd type="none" w="med" len="med"/>
+                      <a:tailEnd type="none" w="med" len="med"/>
+                    </a:lnB>
+                  </a:tcPr>
+                </a:tc>
+                <a:extLst>
+                  <a:ext uri="{0D108BD9-81ED-4DB2-BD59-A6C34878D82A}">
+                    <a16:rowId xmlns:a16="http://schemas.microsoft.com/office/drawing/2014/main" val="87944656"/>
+                  </a:ext>
+                </a:extLst>
+              </a:tr>
+              <a:tr h="672283">
+                <a:tc>
+                  <a:txBody>
+                    <a:bodyPr/>
+                    <a:lstStyle/>
+                    <a:p>
+                      <a:pPr marL="0" marR="0" algn="l" defTabSz="914400" rtl="0" eaLnBrk="1" latinLnBrk="0" hangingPunct="1">
+                        <a:spcBef>
+                          <a:spcPts val="0"/>
+                        </a:spcBef>
+                        <a:spcAft>
+                          <a:spcPts val="0"/>
+                        </a:spcAft>
+                      </a:pPr>
+                      <a:r>
+                        <a:rPr lang="it-IT" sz="1500" kern="1200" dirty="0">
+                          <a:solidFill>
+                            <a:schemeClr val="tx1"/>
+                          </a:solidFill>
+                          <a:effectLst/>
+                          <a:latin typeface="Century Gothic" panose="020B0502020202020204" pitchFamily="34" charset="0"/>
+                          <a:ea typeface="Times New Roman" panose="02020603050405020304" pitchFamily="18" charset="0"/>
+                        </a:rPr>
+                        <a:t>Product</a:t>
+                      </a:r>
+                    </a:p>
+                  </a:txBody>
+                  <a:tcPr marL="101072" marR="101072" marT="101072" marB="101072">
+                    <a:lnL w="12700" cap="flat" cmpd="sng" algn="ctr">
+                      <a:solidFill>
+                        <a:srgbClr val="000000"/>
+                      </a:solidFill>
+                      <a:prstDash val="solid"/>
+                      <a:round/>
+                      <a:headEnd type="none" w="med" len="med"/>
+                      <a:tailEnd type="none" w="med" len="med"/>
+                    </a:lnL>
+                    <a:lnR w="12700" cap="flat" cmpd="sng" algn="ctr">
+                      <a:solidFill>
+                        <a:srgbClr val="000000"/>
+                      </a:solidFill>
+                      <a:prstDash val="solid"/>
+                      <a:round/>
+                      <a:headEnd type="none" w="med" len="med"/>
+                      <a:tailEnd type="none" w="med" len="med"/>
+                    </a:lnR>
+                    <a:lnT w="12700" cap="flat" cmpd="sng" algn="ctr">
+                      <a:solidFill>
+                        <a:srgbClr val="000000"/>
+                      </a:solidFill>
+                      <a:prstDash val="solid"/>
+                      <a:round/>
+                      <a:headEnd type="none" w="med" len="med"/>
+                      <a:tailEnd type="none" w="med" len="med"/>
+                    </a:lnT>
+                    <a:lnB w="12700" cap="flat" cmpd="sng" algn="ctr">
+                      <a:solidFill>
+                        <a:srgbClr val="000000"/>
+                      </a:solidFill>
+                      <a:prstDash val="solid"/>
+                      <a:round/>
+                      <a:headEnd type="none" w="med" len="med"/>
+                      <a:tailEnd type="none" w="med" len="med"/>
+                    </a:lnB>
+                  </a:tcPr>
+                </a:tc>
+                <a:tc>
+                  <a:txBody>
+                    <a:bodyPr/>
+                    <a:lstStyle/>
+                    <a:p>
+                      <a:pPr marL="0" marR="0">
+                        <a:spcBef>
+                          <a:spcPts val="0"/>
+                        </a:spcBef>
+                        <a:spcAft>
+                          <a:spcPts val="0"/>
+                        </a:spcAft>
+                      </a:pPr>
+                      <a:r>
+                        <a:rPr lang="it-IT" sz="1500" kern="1200" dirty="0" err="1">
+                          <a:solidFill>
+                            <a:schemeClr val="tx1"/>
+                          </a:solidFill>
+                          <a:effectLst/>
+                          <a:latin typeface="Century Gothic" panose="020B0502020202020204" pitchFamily="34" charset="0"/>
+                          <a:ea typeface="Times New Roman" panose="02020603050405020304" pitchFamily="18" charset="0"/>
+                        </a:rPr>
+                        <a:t>Entity</a:t>
+                      </a:r>
+                      <a:endParaRPr lang="it-IT" sz="1500" kern="1200" dirty="0">
+                        <a:solidFill>
+                          <a:schemeClr val="tx1"/>
+                        </a:solidFill>
+                        <a:effectLst/>
+                        <a:latin typeface="Century Gothic" panose="020B0502020202020204" pitchFamily="34" charset="0"/>
+                        <a:ea typeface="Times New Roman" panose="02020603050405020304" pitchFamily="18" charset="0"/>
+                      </a:endParaRPr>
+                    </a:p>
+                  </a:txBody>
+                  <a:tcPr marL="101072" marR="101072" marT="101072" marB="101072">
+                    <a:lnL w="12700" cap="flat" cmpd="sng" algn="ctr">
+                      <a:solidFill>
+                        <a:srgbClr val="000000"/>
+                      </a:solidFill>
+                      <a:prstDash val="solid"/>
+                      <a:round/>
+                      <a:headEnd type="none" w="med" len="med"/>
+                      <a:tailEnd type="none" w="med" len="med"/>
+                    </a:lnL>
+                    <a:lnR w="12700" cap="flat" cmpd="sng" algn="ctr">
+                      <a:solidFill>
+                        <a:srgbClr val="000000"/>
+                      </a:solidFill>
+                      <a:prstDash val="solid"/>
+                      <a:round/>
+                      <a:headEnd type="none" w="med" len="med"/>
+                      <a:tailEnd type="none" w="med" len="med"/>
+                    </a:lnR>
+                    <a:lnT w="12700" cap="flat" cmpd="sng" algn="ctr">
+                      <a:solidFill>
+                        <a:srgbClr val="000000"/>
+                      </a:solidFill>
+                      <a:prstDash val="solid"/>
+                      <a:round/>
+                      <a:headEnd type="none" w="med" len="med"/>
+                      <a:tailEnd type="none" w="med" len="med"/>
+                    </a:lnT>
+                    <a:lnB w="12700" cap="flat" cmpd="sng" algn="ctr">
+                      <a:solidFill>
+                        <a:srgbClr val="000000"/>
+                      </a:solidFill>
+                      <a:prstDash val="solid"/>
+                      <a:round/>
+                      <a:headEnd type="none" w="med" len="med"/>
+                      <a:tailEnd type="none" w="med" len="med"/>
+                    </a:lnB>
+                  </a:tcPr>
+                </a:tc>
+                <a:tc>
+                  <a:txBody>
+                    <a:bodyPr/>
+                    <a:lstStyle/>
+                    <a:p>
+                      <a:pPr marL="0" marR="0">
+                        <a:spcBef>
+                          <a:spcPts val="0"/>
+                        </a:spcBef>
+                        <a:spcAft>
+                          <a:spcPts val="0"/>
+                        </a:spcAft>
+                      </a:pPr>
+                      <a:r>
+                        <a:rPr lang="it-IT" sz="1500" kern="1200" dirty="0">
+                          <a:solidFill>
+                            <a:schemeClr val="tx1"/>
+                          </a:solidFill>
+                          <a:effectLst/>
+                          <a:latin typeface="Century Gothic" panose="020B0502020202020204" pitchFamily="34" charset="0"/>
+                          <a:ea typeface="Times New Roman" panose="02020603050405020304" pitchFamily="18" charset="0"/>
+                        </a:rPr>
+                        <a:t>Consente di memorizzare informazioni relative ad un particolare libro</a:t>
+                      </a:r>
+                    </a:p>
+                  </a:txBody>
+                  <a:tcPr marL="101072" marR="101072" marT="101072" marB="101072">
+                    <a:lnL w="12700" cap="flat" cmpd="sng" algn="ctr">
+                      <a:solidFill>
+                        <a:srgbClr val="000000"/>
+                      </a:solidFill>
+                      <a:prstDash val="solid"/>
+                      <a:round/>
+                      <a:headEnd type="none" w="med" len="med"/>
+                      <a:tailEnd type="none" w="med" len="med"/>
+                    </a:lnL>
+                    <a:lnR w="12700" cap="flat" cmpd="sng" algn="ctr">
+                      <a:solidFill>
+                        <a:srgbClr val="000000"/>
+                      </a:solidFill>
+                      <a:prstDash val="solid"/>
+                      <a:round/>
+                      <a:headEnd type="none" w="med" len="med"/>
+                      <a:tailEnd type="none" w="med" len="med"/>
+                    </a:lnR>
+                    <a:lnT w="12700" cap="flat" cmpd="sng" algn="ctr">
+                      <a:solidFill>
+                        <a:srgbClr val="000000"/>
+                      </a:solidFill>
+                      <a:prstDash val="solid"/>
+                      <a:round/>
+                      <a:headEnd type="none" w="med" len="med"/>
+                      <a:tailEnd type="none" w="med" len="med"/>
+                    </a:lnT>
+                    <a:lnB w="12700" cap="flat" cmpd="sng" algn="ctr">
+                      <a:solidFill>
+                        <a:srgbClr val="000000"/>
+                      </a:solidFill>
+                      <a:prstDash val="solid"/>
+                      <a:round/>
+                      <a:headEnd type="none" w="med" len="med"/>
+                      <a:tailEnd type="none" w="med" len="med"/>
+                    </a:lnB>
+                  </a:tcPr>
+                </a:tc>
+                <a:extLst>
+                  <a:ext uri="{0D108BD9-81ED-4DB2-BD59-A6C34878D82A}">
+                    <a16:rowId xmlns:a16="http://schemas.microsoft.com/office/drawing/2014/main" val="3483193385"/>
+                  </a:ext>
+                </a:extLst>
+              </a:tr>
+            </a:tbl>
+          </a:graphicData>
+        </a:graphic>
+      </p:graphicFrame>
+    </p:spTree>
+    <p:extLst>
+      <p:ext uri="{BB962C8B-B14F-4D97-AF65-F5344CB8AC3E}">
+        <p14:creationId xmlns:p14="http://schemas.microsoft.com/office/powerpoint/2010/main" val="2800877631"/>
       </p:ext>
     </p:extLst>
   </p:cSld>

--- a/Presentazione_Prima consegna/presentazione PrimaConsegna.pptx
+++ b/Presentazione_Prima consegna/presentazione PrimaConsegna.pptx
@@ -5,7 +5,7 @@
     <p:sldMasterId id="2147483710" r:id="rId1"/>
   </p:sldMasterIdLst>
   <p:notesMasterIdLst>
-    <p:notesMasterId r:id="rId23"/>
+    <p:notesMasterId r:id="rId22"/>
   </p:notesMasterIdLst>
   <p:sldIdLst>
     <p:sldId id="257" r:id="rId2"/>
@@ -21,14 +21,13 @@
     <p:sldId id="270" r:id="rId12"/>
     <p:sldId id="271" r:id="rId13"/>
     <p:sldId id="272" r:id="rId14"/>
-    <p:sldId id="273" r:id="rId15"/>
-    <p:sldId id="274" r:id="rId16"/>
-    <p:sldId id="275" r:id="rId17"/>
-    <p:sldId id="276" r:id="rId18"/>
-    <p:sldId id="258" r:id="rId19"/>
-    <p:sldId id="259" r:id="rId20"/>
-    <p:sldId id="260" r:id="rId21"/>
-    <p:sldId id="261" r:id="rId22"/>
+    <p:sldId id="274" r:id="rId15"/>
+    <p:sldId id="278" r:id="rId16"/>
+    <p:sldId id="279" r:id="rId17"/>
+    <p:sldId id="275" r:id="rId18"/>
+    <p:sldId id="276" r:id="rId19"/>
+    <p:sldId id="258" r:id="rId20"/>
+    <p:sldId id="259" r:id="rId21"/>
   </p:sldIdLst>
   <p:sldSz cx="12192000" cy="6858000"/>
   <p:notesSz cx="6858000" cy="9144000"/>
@@ -217,7 +216,7 @@
           <a:p>
             <a:fld id="{94AE6AE3-6C4F-4985-8BF4-D339751B5499}" type="datetimeFigureOut">
               <a:rPr lang="it-IT" smtClean="0"/>
-              <a:t>12/12/2021</a:t>
+              <a:t>13/12/2021</a:t>
             </a:fld>
             <a:endParaRPr lang="it-IT"/>
           </a:p>
@@ -484,90 +483,6 @@
 </p:notesMaster>
 </file>
 
-<file path=ppt/notesSlides/notesSlide1.xml><?xml version="1.0" encoding="utf-8"?>
-<p:notes xmlns:a="http://schemas.openxmlformats.org/drawingml/2006/main" xmlns:r="http://schemas.openxmlformats.org/officeDocument/2006/relationships" xmlns:p="http://schemas.openxmlformats.org/presentationml/2006/main">
-  <p:cSld>
-    <p:spTree>
-      <p:nvGrpSpPr>
-        <p:cNvPr id="1" name=""/>
-        <p:cNvGrpSpPr/>
-        <p:nvPr/>
-      </p:nvGrpSpPr>
-      <p:grpSpPr>
-        <a:xfrm>
-          <a:off x="0" y="0"/>
-          <a:ext cx="0" cy="0"/>
-          <a:chOff x="0" y="0"/>
-          <a:chExt cx="0" cy="0"/>
-        </a:xfrm>
-      </p:grpSpPr>
-      <p:sp>
-        <p:nvSpPr>
-          <p:cNvPr id="2" name="Segnaposto immagine diapositiva 1"/>
-          <p:cNvSpPr>
-            <a:spLocks noGrp="1" noRot="1" noChangeAspect="1"/>
-          </p:cNvSpPr>
-          <p:nvPr>
-            <p:ph type="sldImg"/>
-          </p:nvPr>
-        </p:nvSpPr>
-        <p:spPr/>
-      </p:sp>
-      <p:sp>
-        <p:nvSpPr>
-          <p:cNvPr id="3" name="Segnaposto note 2"/>
-          <p:cNvSpPr>
-            <a:spLocks noGrp="1"/>
-          </p:cNvSpPr>
-          <p:nvPr>
-            <p:ph type="body" idx="1"/>
-          </p:nvPr>
-        </p:nvSpPr>
-        <p:spPr/>
-        <p:txBody>
-          <a:bodyPr/>
-          <a:lstStyle/>
-          <a:p>
-            <a:endParaRPr lang="it-IT" dirty="0"/>
-          </a:p>
-        </p:txBody>
-      </p:sp>
-      <p:sp>
-        <p:nvSpPr>
-          <p:cNvPr id="4" name="Segnaposto numero diapositiva 3"/>
-          <p:cNvSpPr>
-            <a:spLocks noGrp="1"/>
-          </p:cNvSpPr>
-          <p:nvPr>
-            <p:ph type="sldNum" sz="quarter" idx="5"/>
-          </p:nvPr>
-        </p:nvSpPr>
-        <p:spPr/>
-        <p:txBody>
-          <a:bodyPr/>
-          <a:lstStyle/>
-          <a:p>
-            <a:fld id="{52EFEA67-AF46-4217-ABD9-0D7F7D1C2909}" type="slidenum">
-              <a:rPr lang="it-IT" smtClean="0"/>
-              <a:t>21</a:t>
-            </a:fld>
-            <a:endParaRPr lang="it-IT"/>
-          </a:p>
-        </p:txBody>
-      </p:sp>
-    </p:spTree>
-    <p:extLst>
-      <p:ext uri="{BB962C8B-B14F-4D97-AF65-F5344CB8AC3E}">
-        <p14:creationId xmlns:p14="http://schemas.microsoft.com/office/powerpoint/2010/main" val="1834139091"/>
-      </p:ext>
-    </p:extLst>
-  </p:cSld>
-  <p:clrMapOvr>
-    <a:masterClrMapping/>
-  </p:clrMapOvr>
-</p:notes>
-</file>
-
 <file path=ppt/slideLayouts/slideLayout1.xml><?xml version="1.0" encoding="utf-8"?>
 <p:sldLayout xmlns:a="http://schemas.openxmlformats.org/drawingml/2006/main" xmlns:r="http://schemas.openxmlformats.org/officeDocument/2006/relationships" xmlns:p="http://schemas.openxmlformats.org/presentationml/2006/main" showMasterSp="0" type="title" preserve="1">
   <p:cSld name="Diapositiva titolo">
@@ -1779,7 +1694,7 @@
           <a:p>
             <a:fld id="{246CB39B-5F4C-4A7E-9BE3-AAFD45576D16}" type="datetime2">
               <a:rPr lang="en-US" smtClean="0"/>
-              <a:t>Sunday, December 12, 2021</a:t>
+              <a:t>Monday, December 13, 2021</a:t>
             </a:fld>
             <a:endParaRPr lang="en-US" dirty="0"/>
           </a:p>
@@ -2023,7 +1938,7 @@
           <a:p>
             <a:fld id="{246CB39B-5F4C-4A7E-9BE3-AAFD45576D16}" type="datetime2">
               <a:rPr lang="en-US" smtClean="0"/>
-              <a:t>Sunday, December 12, 2021</a:t>
+              <a:t>Monday, December 13, 2021</a:t>
             </a:fld>
             <a:endParaRPr lang="en-US" dirty="0"/>
           </a:p>
@@ -2209,7 +2124,7 @@
           <a:p>
             <a:fld id="{246CB39B-5F4C-4A7E-9BE3-AAFD45576D16}" type="datetime2">
               <a:rPr lang="en-US" smtClean="0"/>
-              <a:t>Sunday, December 12, 2021</a:t>
+              <a:t>Monday, December 13, 2021</a:t>
             </a:fld>
             <a:endParaRPr lang="en-US" dirty="0"/>
           </a:p>
@@ -2385,7 +2300,7 @@
           <a:p>
             <a:fld id="{246CB39B-5F4C-4A7E-9BE3-AAFD45576D16}" type="datetime2">
               <a:rPr lang="en-US" smtClean="0"/>
-              <a:t>Sunday, December 12, 2021</a:t>
+              <a:t>Monday, December 13, 2021</a:t>
             </a:fld>
             <a:endParaRPr lang="en-US" dirty="0"/>
           </a:p>
@@ -2667,7 +2582,7 @@
           <a:p>
             <a:fld id="{246CB39B-5F4C-4A7E-9BE3-AAFD45576D16}" type="datetime2">
               <a:rPr lang="en-US" smtClean="0"/>
-              <a:t>Sunday, December 12, 2021</a:t>
+              <a:t>Monday, December 13, 2021</a:t>
             </a:fld>
             <a:endParaRPr lang="en-US" dirty="0"/>
           </a:p>
@@ -3874,7 +3789,7 @@
           <a:p>
             <a:fld id="{246CB39B-5F4C-4A7E-9BE3-AAFD45576D16}" type="datetime2">
               <a:rPr lang="en-US" smtClean="0"/>
-              <a:t>Sunday, December 12, 2021</a:t>
+              <a:t>Monday, December 13, 2021</a:t>
             </a:fld>
             <a:endParaRPr lang="en-US" dirty="0"/>
           </a:p>
@@ -4270,7 +4185,7 @@
           <a:p>
             <a:fld id="{246CB39B-5F4C-4A7E-9BE3-AAFD45576D16}" type="datetime2">
               <a:rPr lang="en-US" smtClean="0"/>
-              <a:t>Sunday, December 12, 2021</a:t>
+              <a:t>Monday, December 13, 2021</a:t>
             </a:fld>
             <a:endParaRPr lang="en-US" dirty="0"/>
           </a:p>
@@ -4399,7 +4314,7 @@
           <a:p>
             <a:fld id="{246CB39B-5F4C-4A7E-9BE3-AAFD45576D16}" type="datetime2">
               <a:rPr lang="en-US" smtClean="0"/>
-              <a:t>Sunday, December 12, 2021</a:t>
+              <a:t>Monday, December 13, 2021</a:t>
             </a:fld>
             <a:endParaRPr lang="en-US" dirty="0"/>
           </a:p>
@@ -4500,7 +4415,7 @@
           <a:p>
             <a:fld id="{246CB39B-5F4C-4A7E-9BE3-AAFD45576D16}" type="datetime2">
               <a:rPr lang="en-US" smtClean="0"/>
-              <a:t>Sunday, December 12, 2021</a:t>
+              <a:t>Monday, December 13, 2021</a:t>
             </a:fld>
             <a:endParaRPr lang="en-US" dirty="0"/>
           </a:p>
@@ -5269,7 +5184,7 @@
           <a:p>
             <a:fld id="{246CB39B-5F4C-4A7E-9BE3-AAFD45576D16}" type="datetime2">
               <a:rPr lang="en-US" smtClean="0"/>
-              <a:t>Sunday, December 12, 2021</a:t>
+              <a:t>Monday, December 13, 2021</a:t>
             </a:fld>
             <a:endParaRPr lang="en-US" dirty="0"/>
           </a:p>
@@ -6115,7 +6030,7 @@
           <a:p>
             <a:fld id="{246CB39B-5F4C-4A7E-9BE3-AAFD45576D16}" type="datetime2">
               <a:rPr lang="en-US" smtClean="0"/>
-              <a:t>Sunday, December 12, 2021</a:t>
+              <a:t>Monday, December 13, 2021</a:t>
             </a:fld>
             <a:endParaRPr lang="en-US" dirty="0"/>
           </a:p>
@@ -6348,7 +6263,7 @@
           <a:p>
             <a:fld id="{246CB39B-5F4C-4A7E-9BE3-AAFD45576D16}" type="datetime2">
               <a:rPr lang="en-US" smtClean="0"/>
-              <a:t>Sunday, December 12, 2021</a:t>
+              <a:t>Monday, December 13, 2021</a:t>
             </a:fld>
             <a:endParaRPr lang="en-US" dirty="0"/>
           </a:p>
@@ -10092,14 +10007,297 @@
             <p:ph idx="1"/>
           </p:nvPr>
         </p:nvSpPr>
-        <p:spPr/>
+        <p:spPr>
+          <a:xfrm>
+            <a:off x="960120" y="173737"/>
+            <a:ext cx="10643616" cy="1883663"/>
+          </a:xfrm>
+        </p:spPr>
         <p:txBody>
-          <a:bodyPr/>
+          <a:bodyPr>
+            <a:normAutofit/>
+          </a:bodyPr>
           <a:lstStyle/>
           <a:p>
             <a:r>
               <a:rPr lang="it-IT" dirty="0"/>
-              <a:t>Evidenziare come le architettura soddisfi i design goals</a:t>
+              <a:t>Design Pattern MVC ( Model, Control, </a:t>
+            </a:r>
+            <a:r>
+              <a:rPr lang="it-IT" dirty="0" err="1"/>
+              <a:t>View</a:t>
+            </a:r>
+            <a:r>
+              <a:rPr lang="it-IT" dirty="0"/>
+              <a:t>) :</a:t>
+            </a:r>
+          </a:p>
+          <a:p>
+            <a:pPr marL="0" lvl="0" indent="0">
+              <a:buNone/>
+            </a:pPr>
+            <a:r>
+              <a:rPr lang="it-IT" dirty="0"/>
+              <a:t>    - </a:t>
+            </a:r>
+            <a:r>
+              <a:rPr lang="it-IT" sz="1800" i="1" u="none" strike="noStrike" dirty="0">
+                <a:effectLst/>
+                <a:latin typeface="Garamond" panose="02020404030301010803" pitchFamily="18" charset="0"/>
+                <a:ea typeface="Garamond" panose="02020404030301010803" pitchFamily="18" charset="0"/>
+                <a:cs typeface="Garamond" panose="02020404030301010803" pitchFamily="18" charset="0"/>
+              </a:rPr>
+              <a:t>Model</a:t>
+            </a:r>
+            <a:r>
+              <a:rPr lang="it-IT" sz="1800" u="none" strike="noStrike" dirty="0">
+                <a:effectLst/>
+                <a:latin typeface="Garamond" panose="02020404030301010803" pitchFamily="18" charset="0"/>
+                <a:ea typeface="Garamond" panose="02020404030301010803" pitchFamily="18" charset="0"/>
+                <a:cs typeface="Garamond" panose="02020404030301010803" pitchFamily="18" charset="0"/>
+              </a:rPr>
+              <a:t>: è il </a:t>
+            </a:r>
+            <a:r>
+              <a:rPr lang="it-IT" sz="1800" u="none" strike="noStrike" dirty="0" err="1">
+                <a:effectLst/>
+                <a:latin typeface="Garamond" panose="02020404030301010803" pitchFamily="18" charset="0"/>
+                <a:ea typeface="Garamond" panose="02020404030301010803" pitchFamily="18" charset="0"/>
+                <a:cs typeface="Garamond" panose="02020404030301010803" pitchFamily="18" charset="0"/>
+              </a:rPr>
+              <a:t>layer</a:t>
+            </a:r>
+            <a:r>
+              <a:rPr lang="it-IT" sz="1800" u="none" strike="noStrike" dirty="0">
+                <a:effectLst/>
+                <a:latin typeface="Garamond" panose="02020404030301010803" pitchFamily="18" charset="0"/>
+                <a:ea typeface="Garamond" panose="02020404030301010803" pitchFamily="18" charset="0"/>
+                <a:cs typeface="Garamond" panose="02020404030301010803" pitchFamily="18" charset="0"/>
+              </a:rPr>
+              <a:t> che si occupa di comunicare col database;</a:t>
+            </a:r>
+            <a:endParaRPr lang="it-IT" sz="1800" u="none" strike="noStrike" dirty="0">
+              <a:effectLst/>
+              <a:latin typeface="Times New Roman" panose="02020603050405020304" pitchFamily="18" charset="0"/>
+              <a:ea typeface="Times New Roman" panose="02020603050405020304" pitchFamily="18" charset="0"/>
+            </a:endParaRPr>
+          </a:p>
+          <a:p>
+            <a:pPr marL="0" lvl="0" indent="0">
+              <a:buNone/>
+            </a:pPr>
+            <a:r>
+              <a:rPr lang="it-IT" sz="1800" i="1" u="none" strike="noStrike" dirty="0">
+                <a:effectLst/>
+                <a:latin typeface="Garamond" panose="02020404030301010803" pitchFamily="18" charset="0"/>
+                <a:ea typeface="Garamond" panose="02020404030301010803" pitchFamily="18" charset="0"/>
+                <a:cs typeface="Garamond" panose="02020404030301010803" pitchFamily="18" charset="0"/>
+              </a:rPr>
+              <a:t>     </a:t>
+            </a:r>
+            <a:r>
+              <a:rPr lang="it-IT" sz="1800" dirty="0"/>
+              <a:t>-</a:t>
+            </a:r>
+            <a:r>
+              <a:rPr lang="it-IT" sz="1800" i="1" u="none" strike="noStrike" dirty="0">
+                <a:effectLst/>
+                <a:latin typeface="Garamond" panose="02020404030301010803" pitchFamily="18" charset="0"/>
+                <a:ea typeface="Garamond" panose="02020404030301010803" pitchFamily="18" charset="0"/>
+                <a:cs typeface="Garamond" panose="02020404030301010803" pitchFamily="18" charset="0"/>
+              </a:rPr>
+              <a:t> </a:t>
+            </a:r>
+            <a:r>
+              <a:rPr lang="it-IT" sz="1800" i="1" u="none" strike="noStrike" dirty="0" err="1">
+                <a:effectLst/>
+                <a:latin typeface="Garamond" panose="02020404030301010803" pitchFamily="18" charset="0"/>
+                <a:ea typeface="Garamond" panose="02020404030301010803" pitchFamily="18" charset="0"/>
+                <a:cs typeface="Garamond" panose="02020404030301010803" pitchFamily="18" charset="0"/>
+              </a:rPr>
+              <a:t>View</a:t>
+            </a:r>
+            <a:r>
+              <a:rPr lang="it-IT" sz="1800" u="none" strike="noStrike" dirty="0">
+                <a:effectLst/>
+                <a:latin typeface="Garamond" panose="02020404030301010803" pitchFamily="18" charset="0"/>
+                <a:ea typeface="Garamond" panose="02020404030301010803" pitchFamily="18" charset="0"/>
+                <a:cs typeface="Garamond" panose="02020404030301010803" pitchFamily="18" charset="0"/>
+              </a:rPr>
+              <a:t>: è il </a:t>
+            </a:r>
+            <a:r>
+              <a:rPr lang="it-IT" sz="1800" u="none" strike="noStrike" dirty="0" err="1">
+                <a:effectLst/>
+                <a:latin typeface="Garamond" panose="02020404030301010803" pitchFamily="18" charset="0"/>
+                <a:ea typeface="Garamond" panose="02020404030301010803" pitchFamily="18" charset="0"/>
+                <a:cs typeface="Garamond" panose="02020404030301010803" pitchFamily="18" charset="0"/>
+              </a:rPr>
+              <a:t>layer</a:t>
+            </a:r>
+            <a:r>
+              <a:rPr lang="it-IT" sz="1800" u="none" strike="noStrike" dirty="0">
+                <a:effectLst/>
+                <a:latin typeface="Garamond" panose="02020404030301010803" pitchFamily="18" charset="0"/>
+                <a:ea typeface="Garamond" panose="02020404030301010803" pitchFamily="18" charset="0"/>
+                <a:cs typeface="Garamond" panose="02020404030301010803" pitchFamily="18" charset="0"/>
+              </a:rPr>
+              <a:t> che si occupa di gestire la parte visiva del sistema che permette agli utenti di interagire con esso;</a:t>
+            </a:r>
+            <a:endParaRPr lang="it-IT" sz="1800" u="none" strike="noStrike" dirty="0">
+              <a:effectLst/>
+              <a:latin typeface="Times New Roman" panose="02020603050405020304" pitchFamily="18" charset="0"/>
+              <a:ea typeface="Times New Roman" panose="02020603050405020304" pitchFamily="18" charset="0"/>
+            </a:endParaRPr>
+          </a:p>
+          <a:p>
+            <a:pPr marL="0" lvl="0" indent="0">
+              <a:buNone/>
+            </a:pPr>
+            <a:r>
+              <a:rPr lang="it-IT" sz="1800" i="1" u="none" strike="noStrike" dirty="0">
+                <a:effectLst/>
+                <a:latin typeface="Garamond" panose="02020404030301010803" pitchFamily="18" charset="0"/>
+                <a:ea typeface="Garamond" panose="02020404030301010803" pitchFamily="18" charset="0"/>
+                <a:cs typeface="Garamond" panose="02020404030301010803" pitchFamily="18" charset="0"/>
+              </a:rPr>
+              <a:t>     </a:t>
+            </a:r>
+            <a:r>
+              <a:rPr lang="it-IT" sz="1800" dirty="0"/>
+              <a:t>- </a:t>
+            </a:r>
+            <a:r>
+              <a:rPr lang="it-IT" sz="1800" i="1" u="none" strike="noStrike" dirty="0">
+                <a:effectLst/>
+                <a:latin typeface="Garamond" panose="02020404030301010803" pitchFamily="18" charset="0"/>
+                <a:ea typeface="Garamond" panose="02020404030301010803" pitchFamily="18" charset="0"/>
+                <a:cs typeface="Garamond" panose="02020404030301010803" pitchFamily="18" charset="0"/>
+              </a:rPr>
+              <a:t>Controller</a:t>
+            </a:r>
+            <a:r>
+              <a:rPr lang="it-IT" sz="1800" u="none" strike="noStrike" dirty="0">
+                <a:effectLst/>
+                <a:latin typeface="Garamond" panose="02020404030301010803" pitchFamily="18" charset="0"/>
+                <a:ea typeface="Garamond" panose="02020404030301010803" pitchFamily="18" charset="0"/>
+                <a:cs typeface="Garamond" panose="02020404030301010803" pitchFamily="18" charset="0"/>
+              </a:rPr>
+              <a:t>: è il </a:t>
+            </a:r>
+            <a:r>
+              <a:rPr lang="it-IT" sz="1800" u="none" strike="noStrike" dirty="0" err="1">
+                <a:effectLst/>
+                <a:latin typeface="Garamond" panose="02020404030301010803" pitchFamily="18" charset="0"/>
+                <a:ea typeface="Garamond" panose="02020404030301010803" pitchFamily="18" charset="0"/>
+                <a:cs typeface="Garamond" panose="02020404030301010803" pitchFamily="18" charset="0"/>
+              </a:rPr>
+              <a:t>layer</a:t>
+            </a:r>
+            <a:r>
+              <a:rPr lang="it-IT" sz="1800" u="none" strike="noStrike" dirty="0">
+                <a:effectLst/>
+                <a:latin typeface="Garamond" panose="02020404030301010803" pitchFamily="18" charset="0"/>
+                <a:ea typeface="Garamond" panose="02020404030301010803" pitchFamily="18" charset="0"/>
+                <a:cs typeface="Garamond" panose="02020404030301010803" pitchFamily="18" charset="0"/>
+              </a:rPr>
+              <a:t> che gestisce la logica di business del sistema. </a:t>
+            </a:r>
+            <a:endParaRPr lang="it-IT" sz="1800" u="none" strike="noStrike" dirty="0">
+              <a:effectLst/>
+              <a:latin typeface="Times New Roman" panose="02020603050405020304" pitchFamily="18" charset="0"/>
+              <a:ea typeface="Times New Roman" panose="02020603050405020304" pitchFamily="18" charset="0"/>
+            </a:endParaRPr>
+          </a:p>
+          <a:p>
+            <a:pPr marL="0" indent="0">
+              <a:buNone/>
+            </a:pPr>
+            <a:endParaRPr lang="it-IT" dirty="0"/>
+          </a:p>
+        </p:txBody>
+      </p:sp>
+      <p:pic>
+        <p:nvPicPr>
+          <p:cNvPr id="5" name="Immagine 4">
+            <a:extLst>
+              <a:ext uri="{FF2B5EF4-FFF2-40B4-BE49-F238E27FC236}">
+                <a16:creationId xmlns:a16="http://schemas.microsoft.com/office/drawing/2014/main" id="{617E46A3-F3D9-4697-B67B-CD1284566BDF}"/>
+              </a:ext>
+            </a:extLst>
+          </p:cNvPr>
+          <p:cNvPicPr>
+            <a:picLocks noChangeAspect="1"/>
+          </p:cNvPicPr>
+          <p:nvPr/>
+        </p:nvPicPr>
+        <p:blipFill>
+          <a:blip r:embed="rId2">
+            <a:extLst>
+              <a:ext uri="{28A0092B-C50C-407E-A947-70E740481C1C}">
+                <a14:useLocalDpi xmlns:a14="http://schemas.microsoft.com/office/drawing/2010/main" val="0"/>
+              </a:ext>
+            </a:extLst>
+          </a:blip>
+          <a:stretch>
+            <a:fillRect/>
+          </a:stretch>
+        </p:blipFill>
+        <p:spPr>
+          <a:xfrm>
+            <a:off x="960120" y="1792224"/>
+            <a:ext cx="7168896" cy="4956048"/>
+          </a:xfrm>
+          <a:prstGeom prst="rect">
+            <a:avLst/>
+          </a:prstGeom>
+        </p:spPr>
+      </p:pic>
+      <p:sp>
+        <p:nvSpPr>
+          <p:cNvPr id="7" name="CasellaDiTesto 6">
+            <a:extLst>
+              <a:ext uri="{FF2B5EF4-FFF2-40B4-BE49-F238E27FC236}">
+                <a16:creationId xmlns:a16="http://schemas.microsoft.com/office/drawing/2014/main" id="{73FD5FCA-E123-4C30-A4D1-C838377DCEAC}"/>
+              </a:ext>
+            </a:extLst>
+          </p:cNvPr>
+          <p:cNvSpPr txBox="1"/>
+          <p:nvPr/>
+        </p:nvSpPr>
+        <p:spPr>
+          <a:xfrm>
+            <a:off x="8301243" y="1781127"/>
+            <a:ext cx="3302493" cy="923330"/>
+          </a:xfrm>
+          <a:prstGeom prst="rect">
+            <a:avLst/>
+          </a:prstGeom>
+          <a:noFill/>
+        </p:spPr>
+        <p:txBody>
+          <a:bodyPr wrap="square" rtlCol="0">
+            <a:spAutoFit/>
+          </a:bodyPr>
+          <a:lstStyle/>
+          <a:p>
+            <a:r>
+              <a:rPr lang="it-IT" dirty="0">
+                <a:latin typeface="Garamond" panose="02020404030301010803" pitchFamily="18" charset="0"/>
+              </a:rPr>
+              <a:t>Esso ci permette di dividere </a:t>
+            </a:r>
+            <a:r>
+              <a:rPr lang="it-IT" sz="1000" dirty="0">
+                <a:latin typeface="Garamond" panose="02020404030301010803" pitchFamily="18" charset="0"/>
+              </a:rPr>
+              <a:t>facilmente </a:t>
+            </a:r>
+            <a:r>
+              <a:rPr lang="it-IT" dirty="0">
+                <a:latin typeface="Garamond" panose="02020404030301010803" pitchFamily="18" charset="0"/>
+              </a:rPr>
+              <a:t>gli ambiti relativi alla grafica e sicurezza.</a:t>
             </a:r>
           </a:p>
         </p:txBody>
@@ -10152,8 +10350,8 @@
         </p:nvSpPr>
         <p:spPr>
           <a:xfrm rot="16200000">
-            <a:off x="-1936788" y="1830631"/>
-            <a:ext cx="4625411" cy="751823"/>
+            <a:off x="-1798927" y="1692771"/>
+            <a:ext cx="4349692" cy="751823"/>
           </a:xfrm>
         </p:spPr>
         <p:txBody>
@@ -10168,7 +10366,7 @@
                   <a:srgbClr val="F8B323"/>
                 </a:solidFill>
               </a:rPr>
-              <a:t>Scelte di design</a:t>
+              <a:t>Test case  pt.1</a:t>
             </a:r>
           </a:p>
         </p:txBody>
@@ -10189,27 +10387,1944 @@
             <p:ph idx="1"/>
           </p:nvPr>
         </p:nvSpPr>
-        <p:spPr/>
+        <p:spPr>
+          <a:xfrm>
+            <a:off x="1006839" y="208626"/>
+            <a:ext cx="10178322" cy="892205"/>
+          </a:xfrm>
+        </p:spPr>
         <p:txBody>
           <a:bodyPr/>
           <a:lstStyle/>
           <a:p>
             <a:r>
               <a:rPr lang="it-IT" dirty="0"/>
-              <a:t>Altre scelte di design </a:t>
+              <a:t>Test Case ( TC_16_16) : Inserimento Prodotto Nel Sistema</a:t>
             </a:r>
-            <a:r>
-              <a:rPr lang="it-IT" dirty="0" err="1"/>
-              <a:t>segnificative</a:t>
-            </a:r>
-            <a:endParaRPr lang="it-IT" dirty="0"/>
           </a:p>
         </p:txBody>
       </p:sp>
+      <p:graphicFrame>
+        <p:nvGraphicFramePr>
+          <p:cNvPr id="4" name="Tabella 3">
+            <a:extLst>
+              <a:ext uri="{FF2B5EF4-FFF2-40B4-BE49-F238E27FC236}">
+                <a16:creationId xmlns:a16="http://schemas.microsoft.com/office/drawing/2014/main" id="{39577F16-43B4-41BB-82BF-250B18DC9B63}"/>
+              </a:ext>
+            </a:extLst>
+          </p:cNvPr>
+          <p:cNvGraphicFramePr>
+            <a:graphicFrameLocks noGrp="1"/>
+          </p:cNvGraphicFramePr>
+          <p:nvPr>
+            <p:extLst>
+              <p:ext uri="{D42A27DB-BD31-4B8C-83A1-F6EECF244321}">
+                <p14:modId xmlns:p14="http://schemas.microsoft.com/office/powerpoint/2010/main" val="3229405809"/>
+              </p:ext>
+            </p:extLst>
+          </p:nvPr>
+        </p:nvGraphicFramePr>
+        <p:xfrm>
+          <a:off x="1165825" y="754600"/>
+          <a:ext cx="4209086" cy="3394726"/>
+        </p:xfrm>
+        <a:graphic>
+          <a:graphicData uri="http://schemas.openxmlformats.org/drawingml/2006/table">
+            <a:tbl>
+              <a:tblPr>
+                <a:tableStyleId>{5C22544A-7EE6-4342-B048-85BDC9FD1C3A}</a:tableStyleId>
+              </a:tblPr>
+              <a:tblGrid>
+                <a:gridCol w="2076942">
+                  <a:extLst>
+                    <a:ext uri="{9D8B030D-6E8A-4147-A177-3AD203B41FA5}">
+                      <a16:colId xmlns:a16="http://schemas.microsoft.com/office/drawing/2014/main" val="234931255"/>
+                    </a:ext>
+                  </a:extLst>
+                </a:gridCol>
+                <a:gridCol w="2132144">
+                  <a:extLst>
+                    <a:ext uri="{9D8B030D-6E8A-4147-A177-3AD203B41FA5}">
+                      <a16:colId xmlns:a16="http://schemas.microsoft.com/office/drawing/2014/main" val="2258523980"/>
+                    </a:ext>
+                  </a:extLst>
+                </a:gridCol>
+              </a:tblGrid>
+              <a:tr h="311283">
+                <a:tc gridSpan="2">
+                  <a:txBody>
+                    <a:bodyPr/>
+                    <a:lstStyle/>
+                    <a:p>
+                      <a:pPr>
+                        <a:lnSpc>
+                          <a:spcPct val="115000"/>
+                        </a:lnSpc>
+                      </a:pPr>
+                      <a:r>
+                        <a:rPr lang="it-IT" sz="900" dirty="0">
+                          <a:effectLst/>
+                        </a:rPr>
+                        <a:t>                                         Parametro: ISBN</a:t>
+                      </a:r>
+                      <a:endParaRPr lang="it-IT" sz="800" dirty="0">
+                        <a:effectLst/>
+                      </a:endParaRPr>
+                    </a:p>
+                    <a:p>
+                      <a:pPr>
+                        <a:lnSpc>
+                          <a:spcPct val="115000"/>
+                        </a:lnSpc>
+                      </a:pPr>
+                      <a:r>
+                        <a:rPr lang="it-IT" sz="900" dirty="0">
+                          <a:effectLst/>
+                        </a:rPr>
+                        <a:t>                                         Formato: [ 0-9 ] {13}</a:t>
+                      </a:r>
+                      <a:endParaRPr lang="it-IT" sz="800" dirty="0">
+                        <a:effectLst/>
+                        <a:latin typeface="Arial" panose="020B0604020202020204" pitchFamily="34" charset="0"/>
+                        <a:ea typeface="Arial" panose="020B0604020202020204" pitchFamily="34" charset="0"/>
+                      </a:endParaRPr>
+                    </a:p>
+                  </a:txBody>
+                  <a:tcPr marL="46001" marR="46001" marT="46001" marB="46001"/>
+                </a:tc>
+                <a:tc hMerge="1">
+                  <a:txBody>
+                    <a:bodyPr/>
+                    <a:lstStyle/>
+                    <a:p>
+                      <a:endParaRPr lang="it-IT"/>
+                    </a:p>
+                  </a:txBody>
+                  <a:tcPr/>
+                </a:tc>
+                <a:extLst>
+                  <a:ext uri="{0D108BD9-81ED-4DB2-BD59-A6C34878D82A}">
+                    <a16:rowId xmlns:a16="http://schemas.microsoft.com/office/drawing/2014/main" val="2106306300"/>
+                  </a:ext>
+                </a:extLst>
+              </a:tr>
+              <a:tr h="186987">
+                <a:tc>
+                  <a:txBody>
+                    <a:bodyPr/>
+                    <a:lstStyle/>
+                    <a:p>
+                      <a:pPr algn="ctr">
+                        <a:lnSpc>
+                          <a:spcPct val="115000"/>
+                        </a:lnSpc>
+                      </a:pPr>
+                      <a:r>
+                        <a:rPr lang="it-IT" sz="900" dirty="0">
+                          <a:effectLst/>
+                        </a:rPr>
+                        <a:t>categorie                                                     </a:t>
+                      </a:r>
+                      <a:endParaRPr lang="it-IT" sz="800" dirty="0">
+                        <a:effectLst/>
+                        <a:latin typeface="Arial" panose="020B0604020202020204" pitchFamily="34" charset="0"/>
+                        <a:ea typeface="Arial" panose="020B0604020202020204" pitchFamily="34" charset="0"/>
+                      </a:endParaRPr>
+                    </a:p>
+                  </a:txBody>
+                  <a:tcPr marL="46001" marR="46001" marT="46001" marB="46001"/>
+                </a:tc>
+                <a:tc>
+                  <a:txBody>
+                    <a:bodyPr/>
+                    <a:lstStyle/>
+                    <a:p>
+                      <a:pPr algn="ctr">
+                        <a:lnSpc>
+                          <a:spcPct val="115000"/>
+                        </a:lnSpc>
+                      </a:pPr>
+                      <a:r>
+                        <a:rPr lang="it-IT" sz="900">
+                          <a:effectLst/>
+                        </a:rPr>
+                        <a:t>scelte</a:t>
+                      </a:r>
+                      <a:endParaRPr lang="it-IT" sz="800">
+                        <a:effectLst/>
+                        <a:latin typeface="Arial" panose="020B0604020202020204" pitchFamily="34" charset="0"/>
+                        <a:ea typeface="Arial" panose="020B0604020202020204" pitchFamily="34" charset="0"/>
+                      </a:endParaRPr>
+                    </a:p>
+                  </a:txBody>
+                  <a:tcPr marL="46001" marR="46001" marT="46001" marB="46001"/>
+                </a:tc>
+                <a:extLst>
+                  <a:ext uri="{0D108BD9-81ED-4DB2-BD59-A6C34878D82A}">
+                    <a16:rowId xmlns:a16="http://schemas.microsoft.com/office/drawing/2014/main" val="2901793774"/>
+                  </a:ext>
+                </a:extLst>
+              </a:tr>
+              <a:tr h="808467">
+                <a:tc>
+                  <a:txBody>
+                    <a:bodyPr/>
+                    <a:lstStyle/>
+                    <a:p>
+                      <a:pPr algn="ctr">
+                        <a:lnSpc>
+                          <a:spcPct val="115000"/>
+                        </a:lnSpc>
+                      </a:pPr>
+                      <a:r>
+                        <a:rPr lang="it-IT" sz="900">
+                          <a:effectLst/>
+                        </a:rPr>
+                        <a:t>Lunghezza (is)                              </a:t>
+                      </a:r>
+                      <a:endParaRPr lang="it-IT" sz="800">
+                        <a:effectLst/>
+                        <a:latin typeface="Arial" panose="020B0604020202020204" pitchFamily="34" charset="0"/>
+                        <a:ea typeface="Arial" panose="020B0604020202020204" pitchFamily="34" charset="0"/>
+                      </a:endParaRPr>
+                    </a:p>
+                  </a:txBody>
+                  <a:tcPr marL="46001" marR="46001" marT="46001" marB="46001"/>
+                </a:tc>
+                <a:tc>
+                  <a:txBody>
+                    <a:bodyPr/>
+                    <a:lstStyle/>
+                    <a:p>
+                      <a:pPr>
+                        <a:lnSpc>
+                          <a:spcPct val="115000"/>
+                        </a:lnSpc>
+                      </a:pPr>
+                      <a:r>
+                        <a:rPr lang="it-IT" sz="900" dirty="0">
+                          <a:effectLst/>
+                        </a:rPr>
+                        <a:t>1: lunghezza == 0 [ errore ]</a:t>
+                      </a:r>
+                      <a:endParaRPr lang="it-IT" sz="800" dirty="0">
+                        <a:effectLst/>
+                      </a:endParaRPr>
+                    </a:p>
+                    <a:p>
+                      <a:pPr>
+                        <a:lnSpc>
+                          <a:spcPct val="115000"/>
+                        </a:lnSpc>
+                      </a:pPr>
+                      <a:r>
+                        <a:rPr lang="it-IT" sz="900" dirty="0">
+                          <a:effectLst/>
+                        </a:rPr>
+                        <a:t> </a:t>
+                      </a:r>
+                      <a:endParaRPr lang="it-IT" sz="800" dirty="0">
+                        <a:effectLst/>
+                      </a:endParaRPr>
+                    </a:p>
+                    <a:p>
+                      <a:pPr>
+                        <a:lnSpc>
+                          <a:spcPct val="115000"/>
+                        </a:lnSpc>
+                      </a:pPr>
+                      <a:r>
+                        <a:rPr lang="it-IT" sz="900" dirty="0">
+                          <a:effectLst/>
+                        </a:rPr>
+                        <a:t>2: lunghezza == 13                                                                 [</a:t>
+                      </a:r>
+                      <a:r>
+                        <a:rPr lang="it-IT" sz="900" dirty="0" err="1">
+                          <a:effectLst/>
+                        </a:rPr>
+                        <a:t>property</a:t>
+                      </a:r>
+                      <a:r>
+                        <a:rPr lang="it-IT" sz="900" dirty="0">
+                          <a:effectLst/>
+                        </a:rPr>
+                        <a:t>  </a:t>
+                      </a:r>
+                      <a:r>
+                        <a:rPr lang="it-IT" sz="900" dirty="0" err="1">
+                          <a:effectLst/>
+                        </a:rPr>
+                        <a:t>lunghezzaISok</a:t>
+                      </a:r>
+                      <a:r>
+                        <a:rPr lang="it-IT" sz="900" dirty="0">
+                          <a:effectLst/>
+                        </a:rPr>
+                        <a:t>]</a:t>
+                      </a:r>
+                      <a:endParaRPr lang="it-IT" sz="800" dirty="0">
+                        <a:effectLst/>
+                      </a:endParaRPr>
+                    </a:p>
+                    <a:p>
+                      <a:pPr>
+                        <a:lnSpc>
+                          <a:spcPct val="115000"/>
+                        </a:lnSpc>
+                      </a:pPr>
+                      <a:r>
+                        <a:rPr lang="it-IT" sz="900" dirty="0">
+                          <a:effectLst/>
+                        </a:rPr>
+                        <a:t> </a:t>
+                      </a:r>
+                      <a:endParaRPr lang="it-IT" sz="800" dirty="0">
+                        <a:effectLst/>
+                      </a:endParaRPr>
+                    </a:p>
+                    <a:p>
+                      <a:pPr>
+                        <a:lnSpc>
+                          <a:spcPct val="115000"/>
+                        </a:lnSpc>
+                      </a:pPr>
+                      <a:r>
+                        <a:rPr lang="it-IT" sz="900" dirty="0">
+                          <a:effectLst/>
+                        </a:rPr>
+                        <a:t> 3: lunghezza &gt; 13 [errore]</a:t>
+                      </a:r>
+                      <a:endParaRPr lang="it-IT" sz="800" dirty="0">
+                        <a:effectLst/>
+                        <a:latin typeface="Arial" panose="020B0604020202020204" pitchFamily="34" charset="0"/>
+                        <a:ea typeface="Arial" panose="020B0604020202020204" pitchFamily="34" charset="0"/>
+                      </a:endParaRPr>
+                    </a:p>
+                  </a:txBody>
+                  <a:tcPr marL="46001" marR="46001" marT="46001" marB="46001"/>
+                </a:tc>
+                <a:extLst>
+                  <a:ext uri="{0D108BD9-81ED-4DB2-BD59-A6C34878D82A}">
+                    <a16:rowId xmlns:a16="http://schemas.microsoft.com/office/drawing/2014/main" val="334956960"/>
+                  </a:ext>
+                </a:extLst>
+              </a:tr>
+              <a:tr h="782548">
+                <a:tc>
+                  <a:txBody>
+                    <a:bodyPr/>
+                    <a:lstStyle/>
+                    <a:p>
+                      <a:pPr algn="ctr">
+                        <a:lnSpc>
+                          <a:spcPct val="115000"/>
+                        </a:lnSpc>
+                      </a:pPr>
+                      <a:r>
+                        <a:rPr lang="it-IT" sz="900">
+                          <a:effectLst/>
+                        </a:rPr>
+                        <a:t>Formato (bn)                                                                                                                       </a:t>
+                      </a:r>
+                      <a:endParaRPr lang="it-IT" sz="800">
+                        <a:effectLst/>
+                        <a:latin typeface="Arial" panose="020B0604020202020204" pitchFamily="34" charset="0"/>
+                        <a:ea typeface="Arial" panose="020B0604020202020204" pitchFamily="34" charset="0"/>
+                      </a:endParaRPr>
+                    </a:p>
+                  </a:txBody>
+                  <a:tcPr marL="46001" marR="46001" marT="46001" marB="46001"/>
+                </a:tc>
+                <a:tc>
+                  <a:txBody>
+                    <a:bodyPr/>
+                    <a:lstStyle/>
+                    <a:p>
+                      <a:pPr>
+                        <a:lnSpc>
+                          <a:spcPct val="115000"/>
+                        </a:lnSpc>
+                      </a:pPr>
+                      <a:r>
+                        <a:rPr lang="it-IT" sz="900">
+                          <a:effectLst/>
+                        </a:rPr>
+                        <a:t> 1: rispetta il formato [ if lunghezzaISok]                                                               [property formatoBNok ]</a:t>
+                      </a:r>
+                      <a:endParaRPr lang="it-IT" sz="800">
+                        <a:effectLst/>
+                      </a:endParaRPr>
+                    </a:p>
+                    <a:p>
+                      <a:pPr>
+                        <a:lnSpc>
+                          <a:spcPct val="115000"/>
+                        </a:lnSpc>
+                      </a:pPr>
+                      <a:r>
+                        <a:rPr lang="it-IT" sz="900">
+                          <a:effectLst/>
+                        </a:rPr>
+                        <a:t>                                                             </a:t>
+                      </a:r>
+                      <a:endParaRPr lang="it-IT" sz="800">
+                        <a:effectLst/>
+                      </a:endParaRPr>
+                    </a:p>
+                    <a:p>
+                      <a:pPr>
+                        <a:lnSpc>
+                          <a:spcPct val="115000"/>
+                        </a:lnSpc>
+                      </a:pPr>
+                      <a:r>
+                        <a:rPr lang="it-IT" sz="900">
+                          <a:effectLst/>
+                        </a:rPr>
+                        <a:t>2: non rispetta il formato [ if                                                                               lunghezzaISok] [ errore ]  </a:t>
+                      </a:r>
+                      <a:endParaRPr lang="it-IT" sz="800">
+                        <a:effectLst/>
+                        <a:latin typeface="Arial" panose="020B0604020202020204" pitchFamily="34" charset="0"/>
+                        <a:ea typeface="Arial" panose="020B0604020202020204" pitchFamily="34" charset="0"/>
+                      </a:endParaRPr>
+                    </a:p>
+                  </a:txBody>
+                  <a:tcPr marL="46001" marR="46001" marT="46001" marB="46001"/>
+                </a:tc>
+                <a:extLst>
+                  <a:ext uri="{0D108BD9-81ED-4DB2-BD59-A6C34878D82A}">
+                    <a16:rowId xmlns:a16="http://schemas.microsoft.com/office/drawing/2014/main" val="1706146953"/>
+                  </a:ext>
+                </a:extLst>
+              </a:tr>
+              <a:tr h="782548">
+                <a:tc>
+                  <a:txBody>
+                    <a:bodyPr/>
+                    <a:lstStyle/>
+                    <a:p>
+                      <a:pPr algn="ctr">
+                        <a:lnSpc>
+                          <a:spcPct val="115000"/>
+                        </a:lnSpc>
+                      </a:pPr>
+                      <a:r>
+                        <a:rPr lang="it-IT" sz="900" dirty="0">
+                          <a:effectLst/>
+                        </a:rPr>
+                        <a:t>Esiste (IB)</a:t>
+                      </a:r>
+                      <a:endParaRPr lang="it-IT" sz="800" dirty="0">
+                        <a:effectLst/>
+                        <a:latin typeface="Arial" panose="020B0604020202020204" pitchFamily="34" charset="0"/>
+                        <a:ea typeface="Arial" panose="020B0604020202020204" pitchFamily="34" charset="0"/>
+                      </a:endParaRPr>
+                    </a:p>
+                  </a:txBody>
+                  <a:tcPr marL="46001" marR="46001" marT="46001" marB="46001"/>
+                </a:tc>
+                <a:tc>
+                  <a:txBody>
+                    <a:bodyPr/>
+                    <a:lstStyle/>
+                    <a:p>
+                      <a:pPr>
+                        <a:lnSpc>
+                          <a:spcPct val="115000"/>
+                        </a:lnSpc>
+                      </a:pPr>
+                      <a:r>
+                        <a:rPr lang="it-IT" sz="900" dirty="0">
+                          <a:effectLst/>
+                        </a:rPr>
+                        <a:t>1.esiste nel </a:t>
+                      </a:r>
+                      <a:r>
+                        <a:rPr lang="it-IT" sz="900" dirty="0" err="1">
+                          <a:effectLst/>
+                        </a:rPr>
+                        <a:t>db</a:t>
+                      </a:r>
+                      <a:r>
+                        <a:rPr lang="it-IT" sz="900" dirty="0">
+                          <a:effectLst/>
+                        </a:rPr>
+                        <a:t> [</a:t>
+                      </a:r>
+                      <a:r>
+                        <a:rPr lang="it-IT" sz="900" dirty="0" err="1">
+                          <a:effectLst/>
+                        </a:rPr>
+                        <a:t>if</a:t>
+                      </a:r>
+                      <a:r>
+                        <a:rPr lang="it-IT" sz="900" dirty="0">
+                          <a:effectLst/>
+                        </a:rPr>
+                        <a:t> </a:t>
+                      </a:r>
+                      <a:r>
+                        <a:rPr lang="it-IT" sz="900" dirty="0" err="1">
+                          <a:effectLst/>
+                        </a:rPr>
+                        <a:t>lunghezzaISok</a:t>
+                      </a:r>
+                      <a:r>
+                        <a:rPr lang="it-IT" sz="900" dirty="0">
+                          <a:effectLst/>
+                        </a:rPr>
+                        <a:t> and                                                         </a:t>
+                      </a:r>
+                      <a:r>
+                        <a:rPr lang="it-IT" sz="900" dirty="0" err="1">
+                          <a:effectLst/>
+                        </a:rPr>
+                        <a:t>formatoBNok</a:t>
+                      </a:r>
+                      <a:r>
+                        <a:rPr lang="it-IT" sz="900" dirty="0">
+                          <a:effectLst/>
+                        </a:rPr>
+                        <a:t>] [errore] </a:t>
+                      </a:r>
+                      <a:endParaRPr lang="it-IT" sz="800" dirty="0">
+                        <a:effectLst/>
+                      </a:endParaRPr>
+                    </a:p>
+                    <a:p>
+                      <a:pPr>
+                        <a:lnSpc>
+                          <a:spcPct val="115000"/>
+                        </a:lnSpc>
+                      </a:pPr>
+                      <a:r>
+                        <a:rPr lang="it-IT" sz="900" dirty="0">
+                          <a:effectLst/>
+                        </a:rPr>
+                        <a:t> </a:t>
+                      </a:r>
+                      <a:endParaRPr lang="it-IT" sz="800" dirty="0">
+                        <a:effectLst/>
+                      </a:endParaRPr>
+                    </a:p>
+                    <a:p>
+                      <a:pPr>
+                        <a:lnSpc>
+                          <a:spcPct val="115000"/>
+                        </a:lnSpc>
+                      </a:pPr>
+                      <a:r>
+                        <a:rPr lang="it-IT" sz="900" dirty="0">
+                          <a:effectLst/>
+                        </a:rPr>
+                        <a:t> 2.non esiste nel </a:t>
+                      </a:r>
+                      <a:r>
+                        <a:rPr lang="it-IT" sz="900" dirty="0" err="1">
+                          <a:effectLst/>
+                        </a:rPr>
+                        <a:t>db</a:t>
+                      </a:r>
+                      <a:r>
+                        <a:rPr lang="it-IT" sz="900" dirty="0">
+                          <a:effectLst/>
+                        </a:rPr>
+                        <a:t> [</a:t>
+                      </a:r>
+                      <a:r>
+                        <a:rPr lang="it-IT" sz="900" dirty="0" err="1">
+                          <a:effectLst/>
+                        </a:rPr>
+                        <a:t>if</a:t>
+                      </a:r>
+                      <a:r>
+                        <a:rPr lang="it-IT" sz="900" dirty="0">
+                          <a:effectLst/>
+                        </a:rPr>
+                        <a:t> </a:t>
+                      </a:r>
+                      <a:r>
+                        <a:rPr lang="it-IT" sz="900" dirty="0" err="1">
+                          <a:effectLst/>
+                        </a:rPr>
+                        <a:t>lunghezzaISok</a:t>
+                      </a:r>
+                      <a:r>
+                        <a:rPr lang="it-IT" sz="900" dirty="0">
+                          <a:effectLst/>
+                        </a:rPr>
+                        <a:t> and </a:t>
+                      </a:r>
+                      <a:r>
+                        <a:rPr lang="it-IT" sz="900" dirty="0" err="1">
+                          <a:effectLst/>
+                        </a:rPr>
+                        <a:t>formatoBNok</a:t>
+                      </a:r>
+                      <a:r>
+                        <a:rPr lang="it-IT" sz="900" dirty="0">
+                          <a:effectLst/>
+                        </a:rPr>
+                        <a:t>] [</a:t>
+                      </a:r>
+                      <a:r>
+                        <a:rPr lang="it-IT" sz="900" dirty="0" err="1">
+                          <a:effectLst/>
+                        </a:rPr>
+                        <a:t>property</a:t>
+                      </a:r>
+                      <a:r>
+                        <a:rPr lang="it-IT" sz="900" dirty="0">
+                          <a:effectLst/>
+                        </a:rPr>
+                        <a:t> </a:t>
+                      </a:r>
+                      <a:r>
+                        <a:rPr lang="it-IT" sz="900" dirty="0" err="1">
+                          <a:effectLst/>
+                        </a:rPr>
+                        <a:t>esisteIBok</a:t>
+                      </a:r>
+                      <a:r>
+                        <a:rPr lang="it-IT" sz="900" dirty="0">
+                          <a:effectLst/>
+                        </a:rPr>
+                        <a:t>]</a:t>
+                      </a:r>
+                      <a:endParaRPr lang="it-IT" sz="800" dirty="0">
+                        <a:effectLst/>
+                        <a:latin typeface="Arial" panose="020B0604020202020204" pitchFamily="34" charset="0"/>
+                        <a:ea typeface="Arial" panose="020B0604020202020204" pitchFamily="34" charset="0"/>
+                      </a:endParaRPr>
+                    </a:p>
+                  </a:txBody>
+                  <a:tcPr marL="46001" marR="46001" marT="46001" marB="46001"/>
+                </a:tc>
+                <a:extLst>
+                  <a:ext uri="{0D108BD9-81ED-4DB2-BD59-A6C34878D82A}">
+                    <a16:rowId xmlns:a16="http://schemas.microsoft.com/office/drawing/2014/main" val="1682164001"/>
+                  </a:ext>
+                </a:extLst>
+              </a:tr>
+            </a:tbl>
+          </a:graphicData>
+        </a:graphic>
+      </p:graphicFrame>
+      <p:graphicFrame>
+        <p:nvGraphicFramePr>
+          <p:cNvPr id="5" name="Tabella 4">
+            <a:extLst>
+              <a:ext uri="{FF2B5EF4-FFF2-40B4-BE49-F238E27FC236}">
+                <a16:creationId xmlns:a16="http://schemas.microsoft.com/office/drawing/2014/main" id="{C699CF57-A946-4F2C-9651-760EC774CA72}"/>
+              </a:ext>
+            </a:extLst>
+          </p:cNvPr>
+          <p:cNvGraphicFramePr>
+            <a:graphicFrameLocks noGrp="1"/>
+          </p:cNvGraphicFramePr>
+          <p:nvPr>
+            <p:extLst>
+              <p:ext uri="{D42A27DB-BD31-4B8C-83A1-F6EECF244321}">
+                <p14:modId xmlns:p14="http://schemas.microsoft.com/office/powerpoint/2010/main" val="543351525"/>
+              </p:ext>
+            </p:extLst>
+          </p:nvPr>
+        </p:nvGraphicFramePr>
+        <p:xfrm>
+          <a:off x="5533897" y="754600"/>
+          <a:ext cx="5810250" cy="2871832"/>
+        </p:xfrm>
+        <a:graphic>
+          <a:graphicData uri="http://schemas.openxmlformats.org/drawingml/2006/table">
+            <a:tbl>
+              <a:tblPr>
+                <a:tableStyleId>{5C22544A-7EE6-4342-B048-85BDC9FD1C3A}</a:tableStyleId>
+              </a:tblPr>
+              <a:tblGrid>
+                <a:gridCol w="2969838">
+                  <a:extLst>
+                    <a:ext uri="{9D8B030D-6E8A-4147-A177-3AD203B41FA5}">
+                      <a16:colId xmlns:a16="http://schemas.microsoft.com/office/drawing/2014/main" val="1580887199"/>
+                    </a:ext>
+                  </a:extLst>
+                </a:gridCol>
+                <a:gridCol w="2840412">
+                  <a:extLst>
+                    <a:ext uri="{9D8B030D-6E8A-4147-A177-3AD203B41FA5}">
+                      <a16:colId xmlns:a16="http://schemas.microsoft.com/office/drawing/2014/main" val="437266222"/>
+                    </a:ext>
+                  </a:extLst>
+                </a:gridCol>
+              </a:tblGrid>
+              <a:tr h="425938">
+                <a:tc gridSpan="2">
+                  <a:txBody>
+                    <a:bodyPr/>
+                    <a:lstStyle/>
+                    <a:p>
+                      <a:pPr>
+                        <a:lnSpc>
+                          <a:spcPct val="115000"/>
+                        </a:lnSpc>
+                      </a:pPr>
+                      <a:r>
+                        <a:rPr lang="it-IT" sz="1100" dirty="0">
+                          <a:effectLst/>
+                        </a:rPr>
+                        <a:t>                                         Parametro: Titolo</a:t>
+                      </a:r>
+                      <a:endParaRPr lang="it-IT" sz="1000" dirty="0">
+                        <a:effectLst/>
+                      </a:endParaRPr>
+                    </a:p>
+                    <a:p>
+                      <a:pPr>
+                        <a:lnSpc>
+                          <a:spcPct val="115000"/>
+                        </a:lnSpc>
+                      </a:pPr>
+                      <a:r>
+                        <a:rPr lang="it-IT" sz="1100" dirty="0">
+                          <a:effectLst/>
+                        </a:rPr>
+                        <a:t>                                         Formato: [ 0-9 A-Z </a:t>
+                      </a:r>
+                      <a:r>
+                        <a:rPr lang="it-IT" sz="1100" dirty="0" err="1">
+                          <a:effectLst/>
+                        </a:rPr>
+                        <a:t>a-z</a:t>
+                      </a:r>
+                      <a:r>
+                        <a:rPr lang="it-IT" sz="1100" dirty="0">
+                          <a:effectLst/>
+                        </a:rPr>
+                        <a:t> ]</a:t>
+                      </a:r>
+                      <a:endParaRPr lang="it-IT" sz="1000" dirty="0">
+                        <a:effectLst/>
+                        <a:latin typeface="Arial" panose="020B0604020202020204" pitchFamily="34" charset="0"/>
+                        <a:ea typeface="Arial" panose="020B0604020202020204" pitchFamily="34" charset="0"/>
+                      </a:endParaRPr>
+                    </a:p>
+                  </a:txBody>
+                  <a:tcPr marL="82513" marR="82513" marT="41256" marB="41256"/>
+                </a:tc>
+                <a:tc hMerge="1">
+                  <a:txBody>
+                    <a:bodyPr/>
+                    <a:lstStyle/>
+                    <a:p>
+                      <a:endParaRPr lang="it-IT"/>
+                    </a:p>
+                  </a:txBody>
+                  <a:tcPr/>
+                </a:tc>
+                <a:extLst>
+                  <a:ext uri="{0D108BD9-81ED-4DB2-BD59-A6C34878D82A}">
+                    <a16:rowId xmlns:a16="http://schemas.microsoft.com/office/drawing/2014/main" val="564407058"/>
+                  </a:ext>
+                </a:extLst>
+              </a:tr>
+              <a:tr h="289426">
+                <a:tc>
+                  <a:txBody>
+                    <a:bodyPr/>
+                    <a:lstStyle/>
+                    <a:p>
+                      <a:pPr algn="ctr">
+                        <a:lnSpc>
+                          <a:spcPct val="115000"/>
+                        </a:lnSpc>
+                      </a:pPr>
+                      <a:r>
+                        <a:rPr lang="it-IT" sz="1100">
+                          <a:effectLst/>
+                        </a:rPr>
+                        <a:t>categorie                                                     </a:t>
+                      </a:r>
+                      <a:endParaRPr lang="it-IT" sz="1000">
+                        <a:effectLst/>
+                        <a:latin typeface="Arial" panose="020B0604020202020204" pitchFamily="34" charset="0"/>
+                        <a:ea typeface="Arial" panose="020B0604020202020204" pitchFamily="34" charset="0"/>
+                      </a:endParaRPr>
+                    </a:p>
+                  </a:txBody>
+                  <a:tcPr marL="57301" marR="57301" marT="57301" marB="57301"/>
+                </a:tc>
+                <a:tc>
+                  <a:txBody>
+                    <a:bodyPr/>
+                    <a:lstStyle/>
+                    <a:p>
+                      <a:pPr algn="ctr">
+                        <a:lnSpc>
+                          <a:spcPct val="115000"/>
+                        </a:lnSpc>
+                      </a:pPr>
+                      <a:r>
+                        <a:rPr lang="it-IT" sz="1100">
+                          <a:effectLst/>
+                        </a:rPr>
+                        <a:t>scelte</a:t>
+                      </a:r>
+                      <a:endParaRPr lang="it-IT" sz="1000">
+                        <a:effectLst/>
+                        <a:latin typeface="Arial" panose="020B0604020202020204" pitchFamily="34" charset="0"/>
+                        <a:ea typeface="Arial" panose="020B0604020202020204" pitchFamily="34" charset="0"/>
+                      </a:endParaRPr>
+                    </a:p>
+                  </a:txBody>
+                  <a:tcPr marL="57301" marR="57301" marT="57301" marB="57301"/>
+                </a:tc>
+                <a:extLst>
+                  <a:ext uri="{0D108BD9-81ED-4DB2-BD59-A6C34878D82A}">
+                    <a16:rowId xmlns:a16="http://schemas.microsoft.com/office/drawing/2014/main" val="1868542221"/>
+                  </a:ext>
+                </a:extLst>
+              </a:tr>
+              <a:tr h="1048545">
+                <a:tc>
+                  <a:txBody>
+                    <a:bodyPr/>
+                    <a:lstStyle/>
+                    <a:p>
+                      <a:pPr algn="ctr">
+                        <a:lnSpc>
+                          <a:spcPct val="115000"/>
+                        </a:lnSpc>
+                      </a:pPr>
+                      <a:r>
+                        <a:rPr lang="it-IT" sz="1100">
+                          <a:effectLst/>
+                        </a:rPr>
+                        <a:t>Lunghezza (ti)                                                     </a:t>
+                      </a:r>
+                      <a:endParaRPr lang="it-IT" sz="1000">
+                        <a:effectLst/>
+                        <a:latin typeface="Arial" panose="020B0604020202020204" pitchFamily="34" charset="0"/>
+                        <a:ea typeface="Arial" panose="020B0604020202020204" pitchFamily="34" charset="0"/>
+                      </a:endParaRPr>
+                    </a:p>
+                  </a:txBody>
+                  <a:tcPr marL="57301" marR="57301" marT="57301" marB="57301"/>
+                </a:tc>
+                <a:tc>
+                  <a:txBody>
+                    <a:bodyPr/>
+                    <a:lstStyle/>
+                    <a:p>
+                      <a:pPr>
+                        <a:lnSpc>
+                          <a:spcPct val="115000"/>
+                        </a:lnSpc>
+                      </a:pPr>
+                      <a:r>
+                        <a:rPr lang="it-IT" sz="1100" dirty="0">
+                          <a:effectLst/>
+                        </a:rPr>
+                        <a:t>1: lunghezza == 0 [ errore]</a:t>
+                      </a:r>
+                      <a:endParaRPr lang="it-IT" sz="1000" dirty="0">
+                        <a:effectLst/>
+                      </a:endParaRPr>
+                    </a:p>
+                    <a:p>
+                      <a:pPr>
+                        <a:lnSpc>
+                          <a:spcPct val="115000"/>
+                        </a:lnSpc>
+                      </a:pPr>
+                      <a:r>
+                        <a:rPr lang="it-IT" sz="1100" dirty="0">
+                          <a:effectLst/>
+                        </a:rPr>
+                        <a:t> </a:t>
+                      </a:r>
+                      <a:endParaRPr lang="it-IT" sz="1000" dirty="0">
+                        <a:effectLst/>
+                      </a:endParaRPr>
+                    </a:p>
+                    <a:p>
+                      <a:pPr>
+                        <a:lnSpc>
+                          <a:spcPct val="115000"/>
+                        </a:lnSpc>
+                      </a:pPr>
+                      <a:r>
+                        <a:rPr lang="it-IT" sz="1100" dirty="0">
+                          <a:effectLst/>
+                        </a:rPr>
+                        <a:t>2: lunghezza &gt;= 1                                                                   [</a:t>
+                      </a:r>
+                      <a:r>
+                        <a:rPr lang="it-IT" sz="1100" dirty="0" err="1">
+                          <a:effectLst/>
+                        </a:rPr>
+                        <a:t>property</a:t>
+                      </a:r>
+                      <a:r>
+                        <a:rPr lang="it-IT" sz="1100" dirty="0">
+                          <a:effectLst/>
+                        </a:rPr>
+                        <a:t>  </a:t>
+                      </a:r>
+                      <a:r>
+                        <a:rPr lang="it-IT" sz="1100" dirty="0" err="1">
+                          <a:effectLst/>
+                        </a:rPr>
+                        <a:t>lunghezzaTIok</a:t>
+                      </a:r>
+                      <a:r>
+                        <a:rPr lang="it-IT" sz="1100" dirty="0">
+                          <a:effectLst/>
+                        </a:rPr>
+                        <a:t>]</a:t>
+                      </a:r>
+                      <a:endParaRPr lang="it-IT" sz="1000" dirty="0">
+                        <a:effectLst/>
+                      </a:endParaRPr>
+                    </a:p>
+                    <a:p>
+                      <a:pPr>
+                        <a:lnSpc>
+                          <a:spcPct val="115000"/>
+                        </a:lnSpc>
+                      </a:pPr>
+                      <a:r>
+                        <a:rPr lang="it-IT" sz="1100" dirty="0">
+                          <a:effectLst/>
+                        </a:rPr>
+                        <a:t> </a:t>
+                      </a:r>
+                      <a:endParaRPr lang="it-IT" sz="1000" dirty="0">
+                        <a:effectLst/>
+                        <a:latin typeface="Arial" panose="020B0604020202020204" pitchFamily="34" charset="0"/>
+                        <a:ea typeface="Arial" panose="020B0604020202020204" pitchFamily="34" charset="0"/>
+                      </a:endParaRPr>
+                    </a:p>
+                  </a:txBody>
+                  <a:tcPr marL="57301" marR="57301" marT="57301" marB="57301"/>
+                </a:tc>
+                <a:extLst>
+                  <a:ext uri="{0D108BD9-81ED-4DB2-BD59-A6C34878D82A}">
+                    <a16:rowId xmlns:a16="http://schemas.microsoft.com/office/drawing/2014/main" val="2993809815"/>
+                  </a:ext>
+                </a:extLst>
+              </a:tr>
+              <a:tr h="1048545">
+                <a:tc>
+                  <a:txBody>
+                    <a:bodyPr/>
+                    <a:lstStyle/>
+                    <a:p>
+                      <a:pPr algn="ctr">
+                        <a:lnSpc>
+                          <a:spcPct val="115000"/>
+                        </a:lnSpc>
+                      </a:pPr>
+                      <a:r>
+                        <a:rPr lang="it-IT" sz="1100">
+                          <a:effectLst/>
+                        </a:rPr>
+                        <a:t>Formato (to)</a:t>
+                      </a:r>
+                      <a:endParaRPr lang="it-IT" sz="1000">
+                        <a:effectLst/>
+                        <a:latin typeface="Arial" panose="020B0604020202020204" pitchFamily="34" charset="0"/>
+                        <a:ea typeface="Arial" panose="020B0604020202020204" pitchFamily="34" charset="0"/>
+                      </a:endParaRPr>
+                    </a:p>
+                  </a:txBody>
+                  <a:tcPr marL="57301" marR="57301" marT="57301" marB="57301"/>
+                </a:tc>
+                <a:tc>
+                  <a:txBody>
+                    <a:bodyPr/>
+                    <a:lstStyle/>
+                    <a:p>
+                      <a:pPr>
+                        <a:lnSpc>
+                          <a:spcPct val="115000"/>
+                        </a:lnSpc>
+                      </a:pPr>
+                      <a:r>
+                        <a:rPr lang="it-IT" sz="1100" dirty="0">
+                          <a:effectLst/>
+                        </a:rPr>
+                        <a:t> 1: rispetta il formato [ </a:t>
+                      </a:r>
+                      <a:r>
+                        <a:rPr lang="it-IT" sz="1100" dirty="0" err="1">
+                          <a:effectLst/>
+                        </a:rPr>
+                        <a:t>if</a:t>
+                      </a:r>
+                      <a:r>
+                        <a:rPr lang="it-IT" sz="1100" dirty="0">
+                          <a:effectLst/>
+                        </a:rPr>
+                        <a:t> </a:t>
+                      </a:r>
+                      <a:r>
+                        <a:rPr lang="it-IT" sz="1100" dirty="0" err="1">
+                          <a:effectLst/>
+                        </a:rPr>
+                        <a:t>lunghezzaTIok</a:t>
+                      </a:r>
+                      <a:r>
+                        <a:rPr lang="it-IT" sz="1100" dirty="0">
+                          <a:effectLst/>
+                        </a:rPr>
+                        <a:t>]                                                               [</a:t>
+                      </a:r>
+                      <a:r>
+                        <a:rPr lang="it-IT" sz="1100" dirty="0" err="1">
+                          <a:effectLst/>
+                        </a:rPr>
+                        <a:t>property</a:t>
+                      </a:r>
+                      <a:r>
+                        <a:rPr lang="it-IT" sz="1100" dirty="0">
+                          <a:effectLst/>
+                        </a:rPr>
+                        <a:t> </a:t>
+                      </a:r>
+                      <a:r>
+                        <a:rPr lang="it-IT" sz="1100" dirty="0" err="1">
+                          <a:effectLst/>
+                        </a:rPr>
+                        <a:t>formatoTOok</a:t>
+                      </a:r>
+                      <a:r>
+                        <a:rPr lang="it-IT" sz="1100" dirty="0">
+                          <a:effectLst/>
+                        </a:rPr>
+                        <a:t> ]</a:t>
+                      </a:r>
+                      <a:endParaRPr lang="it-IT" sz="1000" dirty="0">
+                        <a:effectLst/>
+                      </a:endParaRPr>
+                    </a:p>
+                    <a:p>
+                      <a:pPr>
+                        <a:lnSpc>
+                          <a:spcPct val="115000"/>
+                        </a:lnSpc>
+                      </a:pPr>
+                      <a:r>
+                        <a:rPr lang="it-IT" sz="1100" dirty="0">
+                          <a:effectLst/>
+                        </a:rPr>
+                        <a:t>                                                             </a:t>
+                      </a:r>
+                      <a:endParaRPr lang="it-IT" sz="1000" dirty="0">
+                        <a:effectLst/>
+                      </a:endParaRPr>
+                    </a:p>
+                    <a:p>
+                      <a:pPr>
+                        <a:lnSpc>
+                          <a:spcPct val="115000"/>
+                        </a:lnSpc>
+                      </a:pPr>
+                      <a:r>
+                        <a:rPr lang="it-IT" sz="1100" dirty="0">
+                          <a:effectLst/>
+                        </a:rPr>
+                        <a:t>2: non rispetta il formato [ </a:t>
+                      </a:r>
+                      <a:r>
+                        <a:rPr lang="it-IT" sz="1100" dirty="0" err="1">
+                          <a:effectLst/>
+                        </a:rPr>
+                        <a:t>if</a:t>
+                      </a:r>
+                      <a:r>
+                        <a:rPr lang="it-IT" sz="1100" dirty="0">
+                          <a:effectLst/>
+                        </a:rPr>
+                        <a:t>                                                                               </a:t>
+                      </a:r>
+                      <a:r>
+                        <a:rPr lang="it-IT" sz="1100" dirty="0" err="1">
+                          <a:effectLst/>
+                        </a:rPr>
+                        <a:t>lunghezzaTIok</a:t>
+                      </a:r>
+                      <a:r>
+                        <a:rPr lang="it-IT" sz="1100" dirty="0">
+                          <a:effectLst/>
+                        </a:rPr>
+                        <a:t>] [ errore ]  </a:t>
+                      </a:r>
+                      <a:endParaRPr lang="it-IT" sz="1000" dirty="0">
+                        <a:effectLst/>
+                        <a:latin typeface="Arial" panose="020B0604020202020204" pitchFamily="34" charset="0"/>
+                        <a:ea typeface="Arial" panose="020B0604020202020204" pitchFamily="34" charset="0"/>
+                      </a:endParaRPr>
+                    </a:p>
+                  </a:txBody>
+                  <a:tcPr marL="57301" marR="57301" marT="57301" marB="57301"/>
+                </a:tc>
+                <a:extLst>
+                  <a:ext uri="{0D108BD9-81ED-4DB2-BD59-A6C34878D82A}">
+                    <a16:rowId xmlns:a16="http://schemas.microsoft.com/office/drawing/2014/main" val="3371494339"/>
+                  </a:ext>
+                </a:extLst>
+              </a:tr>
+            </a:tbl>
+          </a:graphicData>
+        </a:graphic>
+      </p:graphicFrame>
+      <p:graphicFrame>
+        <p:nvGraphicFramePr>
+          <p:cNvPr id="6" name="Tabella 5">
+            <a:extLst>
+              <a:ext uri="{FF2B5EF4-FFF2-40B4-BE49-F238E27FC236}">
+                <a16:creationId xmlns:a16="http://schemas.microsoft.com/office/drawing/2014/main" id="{C8FCACC0-F0F5-4C3B-B2B7-3CD10FE817C4}"/>
+              </a:ext>
+            </a:extLst>
+          </p:cNvPr>
+          <p:cNvGraphicFramePr>
+            <a:graphicFrameLocks noGrp="1"/>
+          </p:cNvGraphicFramePr>
+          <p:nvPr>
+            <p:extLst>
+              <p:ext uri="{D42A27DB-BD31-4B8C-83A1-F6EECF244321}">
+                <p14:modId xmlns:p14="http://schemas.microsoft.com/office/powerpoint/2010/main" val="1293175772"/>
+              </p:ext>
+            </p:extLst>
+          </p:nvPr>
+        </p:nvGraphicFramePr>
+        <p:xfrm>
+          <a:off x="1165826" y="4341182"/>
+          <a:ext cx="4209085" cy="2400776"/>
+        </p:xfrm>
+        <a:graphic>
+          <a:graphicData uri="http://schemas.openxmlformats.org/drawingml/2006/table">
+            <a:tbl>
+              <a:tblPr>
+                <a:tableStyleId>{5C22544A-7EE6-4342-B048-85BDC9FD1C3A}</a:tableStyleId>
+              </a:tblPr>
+              <a:tblGrid>
+                <a:gridCol w="2076942">
+                  <a:extLst>
+                    <a:ext uri="{9D8B030D-6E8A-4147-A177-3AD203B41FA5}">
+                      <a16:colId xmlns:a16="http://schemas.microsoft.com/office/drawing/2014/main" val="1554976484"/>
+                    </a:ext>
+                  </a:extLst>
+                </a:gridCol>
+                <a:gridCol w="2132143">
+                  <a:extLst>
+                    <a:ext uri="{9D8B030D-6E8A-4147-A177-3AD203B41FA5}">
+                      <a16:colId xmlns:a16="http://schemas.microsoft.com/office/drawing/2014/main" val="881798473"/>
+                    </a:ext>
+                  </a:extLst>
+                </a:gridCol>
+              </a:tblGrid>
+              <a:tr h="405680">
+                <a:tc gridSpan="2">
+                  <a:txBody>
+                    <a:bodyPr/>
+                    <a:lstStyle/>
+                    <a:p>
+                      <a:pPr>
+                        <a:lnSpc>
+                          <a:spcPct val="115000"/>
+                        </a:lnSpc>
+                      </a:pPr>
+                      <a:r>
+                        <a:rPr lang="it-IT" sz="900" dirty="0">
+                          <a:effectLst/>
+                        </a:rPr>
+                        <a:t>                                         Parametro: Autore</a:t>
+                      </a:r>
+                      <a:endParaRPr lang="it-IT" sz="800" dirty="0">
+                        <a:effectLst/>
+                      </a:endParaRPr>
+                    </a:p>
+                    <a:p>
+                      <a:pPr>
+                        <a:lnSpc>
+                          <a:spcPct val="115000"/>
+                        </a:lnSpc>
+                      </a:pPr>
+                      <a:r>
+                        <a:rPr lang="it-IT" sz="900" dirty="0">
+                          <a:effectLst/>
+                        </a:rPr>
+                        <a:t>                                         Formato: [ A-Z </a:t>
+                      </a:r>
+                      <a:r>
+                        <a:rPr lang="it-IT" sz="900" dirty="0" err="1">
+                          <a:effectLst/>
+                        </a:rPr>
+                        <a:t>a-z</a:t>
+                      </a:r>
+                      <a:r>
+                        <a:rPr lang="it-IT" sz="900" dirty="0">
+                          <a:effectLst/>
+                        </a:rPr>
+                        <a:t> ]</a:t>
+                      </a:r>
+                      <a:endParaRPr lang="it-IT" sz="800" dirty="0">
+                        <a:effectLst/>
+                        <a:latin typeface="Arial" panose="020B0604020202020204" pitchFamily="34" charset="0"/>
+                        <a:ea typeface="Arial" panose="020B0604020202020204" pitchFamily="34" charset="0"/>
+                      </a:endParaRPr>
+                    </a:p>
+                  </a:txBody>
+                  <a:tcPr marL="66241" marR="66241" marT="33121" marB="33121"/>
+                </a:tc>
+                <a:tc hMerge="1">
+                  <a:txBody>
+                    <a:bodyPr/>
+                    <a:lstStyle/>
+                    <a:p>
+                      <a:endParaRPr lang="it-IT"/>
+                    </a:p>
+                  </a:txBody>
+                  <a:tcPr/>
+                </a:tc>
+                <a:extLst>
+                  <a:ext uri="{0D108BD9-81ED-4DB2-BD59-A6C34878D82A}">
+                    <a16:rowId xmlns:a16="http://schemas.microsoft.com/office/drawing/2014/main" val="1310699991"/>
+                  </a:ext>
+                </a:extLst>
+              </a:tr>
+              <a:tr h="260691">
+                <a:tc>
+                  <a:txBody>
+                    <a:bodyPr/>
+                    <a:lstStyle/>
+                    <a:p>
+                      <a:pPr algn="ctr">
+                        <a:lnSpc>
+                          <a:spcPct val="115000"/>
+                        </a:lnSpc>
+                      </a:pPr>
+                      <a:r>
+                        <a:rPr lang="it-IT" sz="900">
+                          <a:effectLst/>
+                        </a:rPr>
+                        <a:t>categorie                                                     </a:t>
+                      </a:r>
+                      <a:endParaRPr lang="it-IT" sz="800">
+                        <a:effectLst/>
+                        <a:latin typeface="Arial" panose="020B0604020202020204" pitchFamily="34" charset="0"/>
+                        <a:ea typeface="Arial" panose="020B0604020202020204" pitchFamily="34" charset="0"/>
+                      </a:endParaRPr>
+                    </a:p>
+                  </a:txBody>
+                  <a:tcPr marL="46001" marR="46001" marT="46001" marB="46001"/>
+                </a:tc>
+                <a:tc>
+                  <a:txBody>
+                    <a:bodyPr/>
+                    <a:lstStyle/>
+                    <a:p>
+                      <a:pPr algn="ctr">
+                        <a:lnSpc>
+                          <a:spcPct val="115000"/>
+                        </a:lnSpc>
+                      </a:pPr>
+                      <a:r>
+                        <a:rPr lang="it-IT" sz="900">
+                          <a:effectLst/>
+                        </a:rPr>
+                        <a:t>scelte</a:t>
+                      </a:r>
+                      <a:endParaRPr lang="it-IT" sz="800">
+                        <a:effectLst/>
+                        <a:latin typeface="Arial" panose="020B0604020202020204" pitchFamily="34" charset="0"/>
+                        <a:ea typeface="Arial" panose="020B0604020202020204" pitchFamily="34" charset="0"/>
+                      </a:endParaRPr>
+                    </a:p>
+                  </a:txBody>
+                  <a:tcPr marL="46001" marR="46001" marT="46001" marB="46001"/>
+                </a:tc>
+                <a:extLst>
+                  <a:ext uri="{0D108BD9-81ED-4DB2-BD59-A6C34878D82A}">
+                    <a16:rowId xmlns:a16="http://schemas.microsoft.com/office/drawing/2014/main" val="3415217713"/>
+                  </a:ext>
+                </a:extLst>
+              </a:tr>
+              <a:tr h="780558">
+                <a:tc>
+                  <a:txBody>
+                    <a:bodyPr/>
+                    <a:lstStyle/>
+                    <a:p>
+                      <a:pPr algn="ctr">
+                        <a:lnSpc>
+                          <a:spcPct val="115000"/>
+                        </a:lnSpc>
+                      </a:pPr>
+                      <a:r>
+                        <a:rPr lang="it-IT" sz="900">
+                          <a:effectLst/>
+                        </a:rPr>
+                        <a:t>Lunghezza (au) </a:t>
+                      </a:r>
+                      <a:endParaRPr lang="it-IT" sz="800">
+                        <a:effectLst/>
+                        <a:latin typeface="Arial" panose="020B0604020202020204" pitchFamily="34" charset="0"/>
+                        <a:ea typeface="Arial" panose="020B0604020202020204" pitchFamily="34" charset="0"/>
+                      </a:endParaRPr>
+                    </a:p>
+                  </a:txBody>
+                  <a:tcPr marL="46001" marR="46001" marT="46001" marB="46001"/>
+                </a:tc>
+                <a:tc>
+                  <a:txBody>
+                    <a:bodyPr/>
+                    <a:lstStyle/>
+                    <a:p>
+                      <a:pPr>
+                        <a:lnSpc>
+                          <a:spcPct val="115000"/>
+                        </a:lnSpc>
+                      </a:pPr>
+                      <a:r>
+                        <a:rPr lang="it-IT" sz="900">
+                          <a:effectLst/>
+                        </a:rPr>
+                        <a:t>1: lunghezza == 0 [ errore]</a:t>
+                      </a:r>
+                      <a:endParaRPr lang="it-IT" sz="800">
+                        <a:effectLst/>
+                      </a:endParaRPr>
+                    </a:p>
+                    <a:p>
+                      <a:pPr>
+                        <a:lnSpc>
+                          <a:spcPct val="115000"/>
+                        </a:lnSpc>
+                      </a:pPr>
+                      <a:r>
+                        <a:rPr lang="it-IT" sz="900">
+                          <a:effectLst/>
+                        </a:rPr>
+                        <a:t> </a:t>
+                      </a:r>
+                      <a:endParaRPr lang="it-IT" sz="800">
+                        <a:effectLst/>
+                      </a:endParaRPr>
+                    </a:p>
+                    <a:p>
+                      <a:pPr>
+                        <a:lnSpc>
+                          <a:spcPct val="115000"/>
+                        </a:lnSpc>
+                      </a:pPr>
+                      <a:r>
+                        <a:rPr lang="it-IT" sz="900">
+                          <a:effectLst/>
+                        </a:rPr>
+                        <a:t>2: lunghezza &gt;= 1                                                                   [property  lunghezzaAUok]</a:t>
+                      </a:r>
+                      <a:endParaRPr lang="it-IT" sz="800">
+                        <a:effectLst/>
+                        <a:latin typeface="Arial" panose="020B0604020202020204" pitchFamily="34" charset="0"/>
+                        <a:ea typeface="Arial" panose="020B0604020202020204" pitchFamily="34" charset="0"/>
+                      </a:endParaRPr>
+                    </a:p>
+                  </a:txBody>
+                  <a:tcPr marL="46001" marR="46001" marT="46001" marB="46001"/>
+                </a:tc>
+                <a:extLst>
+                  <a:ext uri="{0D108BD9-81ED-4DB2-BD59-A6C34878D82A}">
+                    <a16:rowId xmlns:a16="http://schemas.microsoft.com/office/drawing/2014/main" val="1522970184"/>
+                  </a:ext>
+                </a:extLst>
+              </a:tr>
+              <a:tr h="953847">
+                <a:tc>
+                  <a:txBody>
+                    <a:bodyPr/>
+                    <a:lstStyle/>
+                    <a:p>
+                      <a:pPr algn="ctr">
+                        <a:lnSpc>
+                          <a:spcPct val="115000"/>
+                        </a:lnSpc>
+                      </a:pPr>
+                      <a:r>
+                        <a:rPr lang="it-IT" sz="900">
+                          <a:effectLst/>
+                        </a:rPr>
+                        <a:t>Formato (re)                                                                                                                       </a:t>
+                      </a:r>
+                      <a:endParaRPr lang="it-IT" sz="800">
+                        <a:effectLst/>
+                        <a:latin typeface="Arial" panose="020B0604020202020204" pitchFamily="34" charset="0"/>
+                        <a:ea typeface="Arial" panose="020B0604020202020204" pitchFamily="34" charset="0"/>
+                      </a:endParaRPr>
+                    </a:p>
+                  </a:txBody>
+                  <a:tcPr marL="46001" marR="46001" marT="46001" marB="46001"/>
+                </a:tc>
+                <a:tc>
+                  <a:txBody>
+                    <a:bodyPr/>
+                    <a:lstStyle/>
+                    <a:p>
+                      <a:pPr>
+                        <a:lnSpc>
+                          <a:spcPct val="115000"/>
+                        </a:lnSpc>
+                      </a:pPr>
+                      <a:r>
+                        <a:rPr lang="it-IT" sz="900" dirty="0">
+                          <a:effectLst/>
+                        </a:rPr>
+                        <a:t> 1: rispetta il formato [ </a:t>
+                      </a:r>
+                      <a:r>
+                        <a:rPr lang="it-IT" sz="900" dirty="0" err="1">
+                          <a:effectLst/>
+                        </a:rPr>
+                        <a:t>if</a:t>
+                      </a:r>
+                      <a:r>
+                        <a:rPr lang="it-IT" sz="900" dirty="0">
+                          <a:effectLst/>
+                        </a:rPr>
+                        <a:t> </a:t>
+                      </a:r>
+                      <a:r>
+                        <a:rPr lang="it-IT" sz="900" dirty="0" err="1">
+                          <a:effectLst/>
+                        </a:rPr>
+                        <a:t>lunghezzaAUok</a:t>
+                      </a:r>
+                      <a:r>
+                        <a:rPr lang="it-IT" sz="900" dirty="0">
+                          <a:effectLst/>
+                        </a:rPr>
+                        <a:t>]                                                               [</a:t>
+                      </a:r>
+                      <a:r>
+                        <a:rPr lang="it-IT" sz="900" dirty="0" err="1">
+                          <a:effectLst/>
+                        </a:rPr>
+                        <a:t>property</a:t>
+                      </a:r>
+                      <a:r>
+                        <a:rPr lang="it-IT" sz="900" dirty="0">
+                          <a:effectLst/>
+                        </a:rPr>
+                        <a:t> </a:t>
+                      </a:r>
+                      <a:r>
+                        <a:rPr lang="it-IT" sz="900" dirty="0" err="1">
+                          <a:effectLst/>
+                        </a:rPr>
+                        <a:t>formatoREok</a:t>
+                      </a:r>
+                      <a:r>
+                        <a:rPr lang="it-IT" sz="900" dirty="0">
+                          <a:effectLst/>
+                        </a:rPr>
+                        <a:t> ]</a:t>
+                      </a:r>
+                      <a:endParaRPr lang="it-IT" sz="800" dirty="0">
+                        <a:effectLst/>
+                      </a:endParaRPr>
+                    </a:p>
+                    <a:p>
+                      <a:pPr>
+                        <a:lnSpc>
+                          <a:spcPct val="115000"/>
+                        </a:lnSpc>
+                      </a:pPr>
+                      <a:r>
+                        <a:rPr lang="it-IT" sz="900" dirty="0">
+                          <a:effectLst/>
+                        </a:rPr>
+                        <a:t>                                                             </a:t>
+                      </a:r>
+                      <a:endParaRPr lang="it-IT" sz="800" dirty="0">
+                        <a:effectLst/>
+                      </a:endParaRPr>
+                    </a:p>
+                    <a:p>
+                      <a:pPr>
+                        <a:lnSpc>
+                          <a:spcPct val="115000"/>
+                        </a:lnSpc>
+                      </a:pPr>
+                      <a:r>
+                        <a:rPr lang="it-IT" sz="900" dirty="0">
+                          <a:effectLst/>
+                        </a:rPr>
+                        <a:t>2: non rispetta il formato [ </a:t>
+                      </a:r>
+                      <a:r>
+                        <a:rPr lang="it-IT" sz="900" dirty="0" err="1">
+                          <a:effectLst/>
+                        </a:rPr>
+                        <a:t>if</a:t>
+                      </a:r>
+                      <a:r>
+                        <a:rPr lang="it-IT" sz="900" dirty="0">
+                          <a:effectLst/>
+                        </a:rPr>
+                        <a:t>                                                                               </a:t>
+                      </a:r>
+                      <a:r>
+                        <a:rPr lang="it-IT" sz="900" dirty="0" err="1">
+                          <a:effectLst/>
+                        </a:rPr>
+                        <a:t>lunghezzaAUok</a:t>
+                      </a:r>
+                      <a:r>
+                        <a:rPr lang="it-IT" sz="900" dirty="0">
+                          <a:effectLst/>
+                        </a:rPr>
+                        <a:t>] [ errore ]  </a:t>
+                      </a:r>
+                      <a:endParaRPr lang="it-IT" sz="800" dirty="0">
+                        <a:effectLst/>
+                        <a:latin typeface="Arial" panose="020B0604020202020204" pitchFamily="34" charset="0"/>
+                        <a:ea typeface="Arial" panose="020B0604020202020204" pitchFamily="34" charset="0"/>
+                      </a:endParaRPr>
+                    </a:p>
+                  </a:txBody>
+                  <a:tcPr marL="46001" marR="46001" marT="46001" marB="46001"/>
+                </a:tc>
+                <a:extLst>
+                  <a:ext uri="{0D108BD9-81ED-4DB2-BD59-A6C34878D82A}">
+                    <a16:rowId xmlns:a16="http://schemas.microsoft.com/office/drawing/2014/main" val="2898216379"/>
+                  </a:ext>
+                </a:extLst>
+              </a:tr>
+            </a:tbl>
+          </a:graphicData>
+        </a:graphic>
+      </p:graphicFrame>
+      <p:graphicFrame>
+        <p:nvGraphicFramePr>
+          <p:cNvPr id="7" name="Tabella 6">
+            <a:extLst>
+              <a:ext uri="{FF2B5EF4-FFF2-40B4-BE49-F238E27FC236}">
+                <a16:creationId xmlns:a16="http://schemas.microsoft.com/office/drawing/2014/main" id="{535A5977-FE06-4836-BF2F-3130537EB41B}"/>
+              </a:ext>
+            </a:extLst>
+          </p:cNvPr>
+          <p:cNvGraphicFramePr>
+            <a:graphicFrameLocks noGrp="1"/>
+          </p:cNvGraphicFramePr>
+          <p:nvPr>
+            <p:extLst>
+              <p:ext uri="{D42A27DB-BD31-4B8C-83A1-F6EECF244321}">
+                <p14:modId xmlns:p14="http://schemas.microsoft.com/office/powerpoint/2010/main" val="1607857063"/>
+              </p:ext>
+            </p:extLst>
+          </p:nvPr>
+        </p:nvGraphicFramePr>
+        <p:xfrm>
+          <a:off x="5533897" y="3776506"/>
+          <a:ext cx="5810250" cy="2965452"/>
+        </p:xfrm>
+        <a:graphic>
+          <a:graphicData uri="http://schemas.openxmlformats.org/drawingml/2006/table">
+            <a:tbl>
+              <a:tblPr>
+                <a:tableStyleId>{5C22544A-7EE6-4342-B048-85BDC9FD1C3A}</a:tableStyleId>
+              </a:tblPr>
+              <a:tblGrid>
+                <a:gridCol w="2867025">
+                  <a:extLst>
+                    <a:ext uri="{9D8B030D-6E8A-4147-A177-3AD203B41FA5}">
+                      <a16:colId xmlns:a16="http://schemas.microsoft.com/office/drawing/2014/main" val="2850961397"/>
+                    </a:ext>
+                  </a:extLst>
+                </a:gridCol>
+                <a:gridCol w="2943225">
+                  <a:extLst>
+                    <a:ext uri="{9D8B030D-6E8A-4147-A177-3AD203B41FA5}">
+                      <a16:colId xmlns:a16="http://schemas.microsoft.com/office/drawing/2014/main" val="2097266817"/>
+                    </a:ext>
+                  </a:extLst>
+                </a:gridCol>
+              </a:tblGrid>
+              <a:tr h="415290">
+                <a:tc gridSpan="2">
+                  <a:txBody>
+                    <a:bodyPr/>
+                    <a:lstStyle/>
+                    <a:p>
+                      <a:pPr>
+                        <a:lnSpc>
+                          <a:spcPct val="115000"/>
+                        </a:lnSpc>
+                      </a:pPr>
+                      <a:r>
+                        <a:rPr lang="it-IT" sz="1200">
+                          <a:effectLst/>
+                        </a:rPr>
+                        <a:t>                                         Parametro: Genere</a:t>
+                      </a:r>
+                      <a:endParaRPr lang="it-IT" sz="1100">
+                        <a:effectLst/>
+                      </a:endParaRPr>
+                    </a:p>
+                    <a:p>
+                      <a:pPr>
+                        <a:lnSpc>
+                          <a:spcPct val="115000"/>
+                        </a:lnSpc>
+                      </a:pPr>
+                      <a:r>
+                        <a:rPr lang="it-IT" sz="1200">
+                          <a:effectLst/>
+                        </a:rPr>
+                        <a:t>                                         Formato: [ A-Z a-z ]</a:t>
+                      </a:r>
+                      <a:endParaRPr lang="it-IT" sz="1100">
+                        <a:effectLst/>
+                        <a:latin typeface="Arial" panose="020B0604020202020204" pitchFamily="34" charset="0"/>
+                        <a:ea typeface="Arial" panose="020B0604020202020204" pitchFamily="34" charset="0"/>
+                      </a:endParaRPr>
+                    </a:p>
+                  </a:txBody>
+                  <a:tcPr marL="63500" marR="63500" marT="63500" marB="63500"/>
+                </a:tc>
+                <a:tc hMerge="1">
+                  <a:txBody>
+                    <a:bodyPr/>
+                    <a:lstStyle/>
+                    <a:p>
+                      <a:endParaRPr lang="it-IT"/>
+                    </a:p>
+                  </a:txBody>
+                  <a:tcPr/>
+                </a:tc>
+                <a:extLst>
+                  <a:ext uri="{0D108BD9-81ED-4DB2-BD59-A6C34878D82A}">
+                    <a16:rowId xmlns:a16="http://schemas.microsoft.com/office/drawing/2014/main" val="3366330046"/>
+                  </a:ext>
+                </a:extLst>
+              </a:tr>
+              <a:tr h="0">
+                <a:tc>
+                  <a:txBody>
+                    <a:bodyPr/>
+                    <a:lstStyle/>
+                    <a:p>
+                      <a:pPr algn="ctr">
+                        <a:lnSpc>
+                          <a:spcPct val="115000"/>
+                        </a:lnSpc>
+                      </a:pPr>
+                      <a:r>
+                        <a:rPr lang="it-IT" sz="1200">
+                          <a:effectLst/>
+                        </a:rPr>
+                        <a:t>categorie                                 </a:t>
+                      </a:r>
+                      <a:endParaRPr lang="it-IT" sz="1100">
+                        <a:effectLst/>
+                        <a:latin typeface="Arial" panose="020B0604020202020204" pitchFamily="34" charset="0"/>
+                        <a:ea typeface="Arial" panose="020B0604020202020204" pitchFamily="34" charset="0"/>
+                      </a:endParaRPr>
+                    </a:p>
+                  </a:txBody>
+                  <a:tcPr marL="63500" marR="63500" marT="63500" marB="63500"/>
+                </a:tc>
+                <a:tc>
+                  <a:txBody>
+                    <a:bodyPr/>
+                    <a:lstStyle/>
+                    <a:p>
+                      <a:pPr algn="ctr">
+                        <a:lnSpc>
+                          <a:spcPct val="115000"/>
+                        </a:lnSpc>
+                      </a:pPr>
+                      <a:r>
+                        <a:rPr lang="it-IT" sz="1200">
+                          <a:effectLst/>
+                        </a:rPr>
+                        <a:t>scelte</a:t>
+                      </a:r>
+                      <a:endParaRPr lang="it-IT" sz="1100">
+                        <a:effectLst/>
+                        <a:latin typeface="Arial" panose="020B0604020202020204" pitchFamily="34" charset="0"/>
+                        <a:ea typeface="Arial" panose="020B0604020202020204" pitchFamily="34" charset="0"/>
+                      </a:endParaRPr>
+                    </a:p>
+                  </a:txBody>
+                  <a:tcPr marL="63500" marR="63500" marT="63500" marB="63500"/>
+                </a:tc>
+                <a:extLst>
+                  <a:ext uri="{0D108BD9-81ED-4DB2-BD59-A6C34878D82A}">
+                    <a16:rowId xmlns:a16="http://schemas.microsoft.com/office/drawing/2014/main" val="3416367961"/>
+                  </a:ext>
+                </a:extLst>
+              </a:tr>
+              <a:tr h="594360">
+                <a:tc>
+                  <a:txBody>
+                    <a:bodyPr/>
+                    <a:lstStyle/>
+                    <a:p>
+                      <a:pPr algn="ctr">
+                        <a:lnSpc>
+                          <a:spcPct val="115000"/>
+                        </a:lnSpc>
+                      </a:pPr>
+                      <a:r>
+                        <a:rPr lang="it-IT" sz="1200">
+                          <a:effectLst/>
+                        </a:rPr>
+                        <a:t>Lunghezza (ge)                                                   </a:t>
+                      </a:r>
+                      <a:endParaRPr lang="it-IT" sz="1100">
+                        <a:effectLst/>
+                        <a:latin typeface="Arial" panose="020B0604020202020204" pitchFamily="34" charset="0"/>
+                        <a:ea typeface="Arial" panose="020B0604020202020204" pitchFamily="34" charset="0"/>
+                      </a:endParaRPr>
+                    </a:p>
+                  </a:txBody>
+                  <a:tcPr marL="63500" marR="63500" marT="63500" marB="63500"/>
+                </a:tc>
+                <a:tc>
+                  <a:txBody>
+                    <a:bodyPr/>
+                    <a:lstStyle/>
+                    <a:p>
+                      <a:pPr>
+                        <a:lnSpc>
+                          <a:spcPct val="115000"/>
+                        </a:lnSpc>
+                      </a:pPr>
+                      <a:r>
+                        <a:rPr lang="it-IT" sz="1200">
+                          <a:effectLst/>
+                        </a:rPr>
+                        <a:t>1: lunghezza == 0 [ errore]</a:t>
+                      </a:r>
+                      <a:endParaRPr lang="it-IT" sz="1100">
+                        <a:effectLst/>
+                      </a:endParaRPr>
+                    </a:p>
+                    <a:p>
+                      <a:pPr>
+                        <a:lnSpc>
+                          <a:spcPct val="115000"/>
+                        </a:lnSpc>
+                      </a:pPr>
+                      <a:r>
+                        <a:rPr lang="it-IT" sz="1200">
+                          <a:effectLst/>
+                        </a:rPr>
+                        <a:t> </a:t>
+                      </a:r>
+                      <a:endParaRPr lang="it-IT" sz="1100">
+                        <a:effectLst/>
+                      </a:endParaRPr>
+                    </a:p>
+                    <a:p>
+                      <a:pPr>
+                        <a:lnSpc>
+                          <a:spcPct val="115000"/>
+                        </a:lnSpc>
+                      </a:pPr>
+                      <a:r>
+                        <a:rPr lang="it-IT" sz="1200">
+                          <a:effectLst/>
+                        </a:rPr>
+                        <a:t>2: lunghezza &gt;= 1                                                                   [property  lunghezzaGEok]</a:t>
+                      </a:r>
+                      <a:endParaRPr lang="it-IT" sz="1100">
+                        <a:effectLst/>
+                        <a:latin typeface="Arial" panose="020B0604020202020204" pitchFamily="34" charset="0"/>
+                        <a:ea typeface="Arial" panose="020B0604020202020204" pitchFamily="34" charset="0"/>
+                      </a:endParaRPr>
+                    </a:p>
+                  </a:txBody>
+                  <a:tcPr marL="63500" marR="63500" marT="63500" marB="63500"/>
+                </a:tc>
+                <a:extLst>
+                  <a:ext uri="{0D108BD9-81ED-4DB2-BD59-A6C34878D82A}">
+                    <a16:rowId xmlns:a16="http://schemas.microsoft.com/office/drawing/2014/main" val="993653727"/>
+                  </a:ext>
+                </a:extLst>
+              </a:tr>
+              <a:tr h="1009650">
+                <a:tc>
+                  <a:txBody>
+                    <a:bodyPr/>
+                    <a:lstStyle/>
+                    <a:p>
+                      <a:pPr algn="ctr">
+                        <a:lnSpc>
+                          <a:spcPct val="115000"/>
+                        </a:lnSpc>
+                      </a:pPr>
+                      <a:r>
+                        <a:rPr lang="it-IT" sz="1200">
+                          <a:effectLst/>
+                        </a:rPr>
+                        <a:t>Formato (ne)                                                                                                                       </a:t>
+                      </a:r>
+                      <a:endParaRPr lang="it-IT" sz="1100">
+                        <a:effectLst/>
+                        <a:latin typeface="Arial" panose="020B0604020202020204" pitchFamily="34" charset="0"/>
+                        <a:ea typeface="Arial" panose="020B0604020202020204" pitchFamily="34" charset="0"/>
+                      </a:endParaRPr>
+                    </a:p>
+                  </a:txBody>
+                  <a:tcPr marL="63500" marR="63500" marT="63500" marB="63500"/>
+                </a:tc>
+                <a:tc>
+                  <a:txBody>
+                    <a:bodyPr/>
+                    <a:lstStyle/>
+                    <a:p>
+                      <a:pPr>
+                        <a:lnSpc>
+                          <a:spcPct val="115000"/>
+                        </a:lnSpc>
+                      </a:pPr>
+                      <a:r>
+                        <a:rPr lang="it-IT" sz="1200" dirty="0">
+                          <a:effectLst/>
+                        </a:rPr>
+                        <a:t> 1: rispetta il formato [ </a:t>
+                      </a:r>
+                      <a:r>
+                        <a:rPr lang="it-IT" sz="1200" dirty="0" err="1">
+                          <a:effectLst/>
+                        </a:rPr>
+                        <a:t>if</a:t>
+                      </a:r>
+                      <a:r>
+                        <a:rPr lang="it-IT" sz="1200" dirty="0">
+                          <a:effectLst/>
+                        </a:rPr>
+                        <a:t> </a:t>
+                      </a:r>
+                      <a:r>
+                        <a:rPr lang="it-IT" sz="1200" dirty="0" err="1">
+                          <a:effectLst/>
+                        </a:rPr>
+                        <a:t>lunghezzaGEok</a:t>
+                      </a:r>
+                      <a:r>
+                        <a:rPr lang="it-IT" sz="1200" dirty="0">
+                          <a:effectLst/>
+                        </a:rPr>
+                        <a:t>]                                                               [</a:t>
+                      </a:r>
+                      <a:r>
+                        <a:rPr lang="it-IT" sz="1200" dirty="0" err="1">
+                          <a:effectLst/>
+                        </a:rPr>
+                        <a:t>property</a:t>
+                      </a:r>
+                      <a:r>
+                        <a:rPr lang="it-IT" sz="1200" dirty="0">
+                          <a:effectLst/>
+                        </a:rPr>
+                        <a:t> </a:t>
+                      </a:r>
+                      <a:r>
+                        <a:rPr lang="it-IT" sz="1200" dirty="0" err="1">
+                          <a:effectLst/>
+                        </a:rPr>
+                        <a:t>formatoNEok</a:t>
+                      </a:r>
+                      <a:r>
+                        <a:rPr lang="it-IT" sz="1200" dirty="0">
+                          <a:effectLst/>
+                        </a:rPr>
+                        <a:t> ]</a:t>
+                      </a:r>
+                      <a:endParaRPr lang="it-IT" sz="1100" dirty="0">
+                        <a:effectLst/>
+                      </a:endParaRPr>
+                    </a:p>
+                    <a:p>
+                      <a:pPr>
+                        <a:lnSpc>
+                          <a:spcPct val="115000"/>
+                        </a:lnSpc>
+                      </a:pPr>
+                      <a:r>
+                        <a:rPr lang="it-IT" sz="1200" dirty="0">
+                          <a:effectLst/>
+                        </a:rPr>
+                        <a:t>                                                             </a:t>
+                      </a:r>
+                      <a:endParaRPr lang="it-IT" sz="1100" dirty="0">
+                        <a:effectLst/>
+                      </a:endParaRPr>
+                    </a:p>
+                    <a:p>
+                      <a:pPr>
+                        <a:lnSpc>
+                          <a:spcPct val="115000"/>
+                        </a:lnSpc>
+                      </a:pPr>
+                      <a:r>
+                        <a:rPr lang="it-IT" sz="1200" dirty="0">
+                          <a:effectLst/>
+                        </a:rPr>
+                        <a:t>2: non rispetta il formato [ </a:t>
+                      </a:r>
+                      <a:r>
+                        <a:rPr lang="it-IT" sz="1200" dirty="0" err="1">
+                          <a:effectLst/>
+                        </a:rPr>
+                        <a:t>if</a:t>
+                      </a:r>
+                      <a:r>
+                        <a:rPr lang="it-IT" sz="1200" dirty="0">
+                          <a:effectLst/>
+                        </a:rPr>
+                        <a:t>                                                                               </a:t>
+                      </a:r>
+                      <a:r>
+                        <a:rPr lang="it-IT" sz="1200" dirty="0" err="1">
+                          <a:effectLst/>
+                        </a:rPr>
+                        <a:t>lunghezzaGEok</a:t>
+                      </a:r>
+                      <a:r>
+                        <a:rPr lang="it-IT" sz="1200" dirty="0">
+                          <a:effectLst/>
+                        </a:rPr>
+                        <a:t>] [ errore ]  </a:t>
+                      </a:r>
+                      <a:endParaRPr lang="it-IT" sz="1100" dirty="0">
+                        <a:effectLst/>
+                        <a:latin typeface="Arial" panose="020B0604020202020204" pitchFamily="34" charset="0"/>
+                        <a:ea typeface="Arial" panose="020B0604020202020204" pitchFamily="34" charset="0"/>
+                      </a:endParaRPr>
+                    </a:p>
+                  </a:txBody>
+                  <a:tcPr marL="63500" marR="63500" marT="63500" marB="63500"/>
+                </a:tc>
+                <a:extLst>
+                  <a:ext uri="{0D108BD9-81ED-4DB2-BD59-A6C34878D82A}">
+                    <a16:rowId xmlns:a16="http://schemas.microsoft.com/office/drawing/2014/main" val="2145135749"/>
+                  </a:ext>
+                </a:extLst>
+              </a:tr>
+            </a:tbl>
+          </a:graphicData>
+        </a:graphic>
+      </p:graphicFrame>
     </p:spTree>
     <p:extLst>
       <p:ext uri="{BB962C8B-B14F-4D97-AF65-F5344CB8AC3E}">
-        <p14:creationId xmlns:p14="http://schemas.microsoft.com/office/powerpoint/2010/main" val="4258776583"/>
+        <p14:creationId xmlns:p14="http://schemas.microsoft.com/office/powerpoint/2010/main" val="2730955762"/>
       </p:ext>
     </p:extLst>
   </p:cSld>
@@ -10254,8 +12369,8 @@
         </p:nvSpPr>
         <p:spPr>
           <a:xfrm rot="16200000">
-            <a:off x="-1088329" y="982172"/>
-            <a:ext cx="2928494" cy="751823"/>
+            <a:off x="-1798927" y="1692771"/>
+            <a:ext cx="4349692" cy="751823"/>
           </a:xfrm>
         </p:spPr>
         <p:txBody>
@@ -10270,7 +12385,7 @@
                   <a:srgbClr val="F8B323"/>
                 </a:solidFill>
               </a:rPr>
-              <a:t>Test case</a:t>
+              <a:t>Test case  pt.2</a:t>
             </a:r>
           </a:p>
         </p:txBody>
@@ -10291,22 +12406,1187 @@
             <p:ph idx="1"/>
           </p:nvPr>
         </p:nvSpPr>
-        <p:spPr/>
+        <p:spPr>
+          <a:xfrm>
+            <a:off x="1006839" y="208626"/>
+            <a:ext cx="10178322" cy="892205"/>
+          </a:xfrm>
+        </p:spPr>
         <p:txBody>
           <a:bodyPr/>
           <a:lstStyle/>
           <a:p>
             <a:r>
               <a:rPr lang="it-IT" dirty="0"/>
-              <a:t>Test case associati allo use case</a:t>
+              <a:t>Test Case ( TC_16_16) : Inserimento Prodotto Nel Sistema</a:t>
             </a:r>
           </a:p>
         </p:txBody>
       </p:sp>
+      <p:graphicFrame>
+        <p:nvGraphicFramePr>
+          <p:cNvPr id="10" name="Tabella 9">
+            <a:extLst>
+              <a:ext uri="{FF2B5EF4-FFF2-40B4-BE49-F238E27FC236}">
+                <a16:creationId xmlns:a16="http://schemas.microsoft.com/office/drawing/2014/main" id="{F3080B49-0E47-4246-8FB6-62118FCD1742}"/>
+              </a:ext>
+            </a:extLst>
+          </p:cNvPr>
+          <p:cNvGraphicFramePr>
+            <a:graphicFrameLocks noGrp="1"/>
+          </p:cNvGraphicFramePr>
+          <p:nvPr>
+            <p:extLst>
+              <p:ext uri="{D42A27DB-BD31-4B8C-83A1-F6EECF244321}">
+                <p14:modId xmlns:p14="http://schemas.microsoft.com/office/powerpoint/2010/main" val="2530816558"/>
+              </p:ext>
+            </p:extLst>
+          </p:nvPr>
+        </p:nvGraphicFramePr>
+        <p:xfrm>
+          <a:off x="1136033" y="811054"/>
+          <a:ext cx="5810250" cy="2965452"/>
+        </p:xfrm>
+        <a:graphic>
+          <a:graphicData uri="http://schemas.openxmlformats.org/drawingml/2006/table">
+            <a:tbl>
+              <a:tblPr>
+                <a:tableStyleId>{5C22544A-7EE6-4342-B048-85BDC9FD1C3A}</a:tableStyleId>
+              </a:tblPr>
+              <a:tblGrid>
+                <a:gridCol w="2867025">
+                  <a:extLst>
+                    <a:ext uri="{9D8B030D-6E8A-4147-A177-3AD203B41FA5}">
+                      <a16:colId xmlns:a16="http://schemas.microsoft.com/office/drawing/2014/main" val="111474446"/>
+                    </a:ext>
+                  </a:extLst>
+                </a:gridCol>
+                <a:gridCol w="2943225">
+                  <a:extLst>
+                    <a:ext uri="{9D8B030D-6E8A-4147-A177-3AD203B41FA5}">
+                      <a16:colId xmlns:a16="http://schemas.microsoft.com/office/drawing/2014/main" val="649924254"/>
+                    </a:ext>
+                  </a:extLst>
+                </a:gridCol>
+              </a:tblGrid>
+              <a:tr h="356252">
+                <a:tc gridSpan="2">
+                  <a:txBody>
+                    <a:bodyPr/>
+                    <a:lstStyle/>
+                    <a:p>
+                      <a:pPr>
+                        <a:lnSpc>
+                          <a:spcPct val="115000"/>
+                        </a:lnSpc>
+                      </a:pPr>
+                      <a:r>
+                        <a:rPr lang="it-IT" sz="1200" dirty="0">
+                          <a:effectLst/>
+                        </a:rPr>
+                        <a:t>                                         Parametro: Descrizione</a:t>
+                      </a:r>
+                      <a:endParaRPr lang="it-IT" sz="1100" dirty="0">
+                        <a:effectLst/>
+                      </a:endParaRPr>
+                    </a:p>
+                    <a:p>
+                      <a:pPr>
+                        <a:lnSpc>
+                          <a:spcPct val="115000"/>
+                        </a:lnSpc>
+                      </a:pPr>
+                      <a:r>
+                        <a:rPr lang="it-IT" sz="1200" dirty="0">
+                          <a:effectLst/>
+                        </a:rPr>
+                        <a:t>                                         Formato: [ 0-9 A-Z </a:t>
+                      </a:r>
+                      <a:r>
+                        <a:rPr lang="it-IT" sz="1200" dirty="0" err="1">
+                          <a:effectLst/>
+                        </a:rPr>
+                        <a:t>a-z</a:t>
+                      </a:r>
+                      <a:r>
+                        <a:rPr lang="it-IT" sz="1200" dirty="0">
+                          <a:effectLst/>
+                        </a:rPr>
+                        <a:t> ]</a:t>
+                      </a:r>
+                      <a:endParaRPr lang="it-IT" sz="1100" dirty="0">
+                        <a:effectLst/>
+                        <a:latin typeface="Arial" panose="020B0604020202020204" pitchFamily="34" charset="0"/>
+                        <a:ea typeface="Arial" panose="020B0604020202020204" pitchFamily="34" charset="0"/>
+                      </a:endParaRPr>
+                    </a:p>
+                  </a:txBody>
+                  <a:tcPr marL="63500" marR="63500" marT="63500" marB="63500"/>
+                </a:tc>
+                <a:tc hMerge="1">
+                  <a:txBody>
+                    <a:bodyPr/>
+                    <a:lstStyle/>
+                    <a:p>
+                      <a:endParaRPr lang="it-IT"/>
+                    </a:p>
+                  </a:txBody>
+                  <a:tcPr/>
+                </a:tc>
+                <a:extLst>
+                  <a:ext uri="{0D108BD9-81ED-4DB2-BD59-A6C34878D82A}">
+                    <a16:rowId xmlns:a16="http://schemas.microsoft.com/office/drawing/2014/main" val="2291935342"/>
+                  </a:ext>
+                </a:extLst>
+              </a:tr>
+              <a:tr h="198120">
+                <a:tc>
+                  <a:txBody>
+                    <a:bodyPr/>
+                    <a:lstStyle/>
+                    <a:p>
+                      <a:pPr algn="ctr">
+                        <a:lnSpc>
+                          <a:spcPct val="115000"/>
+                        </a:lnSpc>
+                      </a:pPr>
+                      <a:r>
+                        <a:rPr lang="it-IT" sz="1200">
+                          <a:effectLst/>
+                        </a:rPr>
+                        <a:t>categorie                                                     </a:t>
+                      </a:r>
+                      <a:endParaRPr lang="it-IT" sz="1100">
+                        <a:effectLst/>
+                        <a:latin typeface="Arial" panose="020B0604020202020204" pitchFamily="34" charset="0"/>
+                        <a:ea typeface="Arial" panose="020B0604020202020204" pitchFamily="34" charset="0"/>
+                      </a:endParaRPr>
+                    </a:p>
+                  </a:txBody>
+                  <a:tcPr marL="63500" marR="63500" marT="63500" marB="63500"/>
+                </a:tc>
+                <a:tc>
+                  <a:txBody>
+                    <a:bodyPr/>
+                    <a:lstStyle/>
+                    <a:p>
+                      <a:pPr algn="ctr">
+                        <a:lnSpc>
+                          <a:spcPct val="115000"/>
+                        </a:lnSpc>
+                      </a:pPr>
+                      <a:r>
+                        <a:rPr lang="it-IT" sz="1200">
+                          <a:effectLst/>
+                        </a:rPr>
+                        <a:t>scelte</a:t>
+                      </a:r>
+                      <a:endParaRPr lang="it-IT" sz="1100">
+                        <a:effectLst/>
+                        <a:latin typeface="Arial" panose="020B0604020202020204" pitchFamily="34" charset="0"/>
+                        <a:ea typeface="Arial" panose="020B0604020202020204" pitchFamily="34" charset="0"/>
+                      </a:endParaRPr>
+                    </a:p>
+                  </a:txBody>
+                  <a:tcPr marL="63500" marR="63500" marT="63500" marB="63500"/>
+                </a:tc>
+                <a:extLst>
+                  <a:ext uri="{0D108BD9-81ED-4DB2-BD59-A6C34878D82A}">
+                    <a16:rowId xmlns:a16="http://schemas.microsoft.com/office/drawing/2014/main" val="443672337"/>
+                  </a:ext>
+                </a:extLst>
+              </a:tr>
+              <a:tr h="594360">
+                <a:tc>
+                  <a:txBody>
+                    <a:bodyPr/>
+                    <a:lstStyle/>
+                    <a:p>
+                      <a:pPr algn="ctr">
+                        <a:lnSpc>
+                          <a:spcPct val="115000"/>
+                        </a:lnSpc>
+                      </a:pPr>
+                      <a:r>
+                        <a:rPr lang="it-IT" sz="1200">
+                          <a:effectLst/>
+                        </a:rPr>
+                        <a:t>Lunghezza (de)                                                     </a:t>
+                      </a:r>
+                      <a:endParaRPr lang="it-IT" sz="1100">
+                        <a:effectLst/>
+                        <a:latin typeface="Arial" panose="020B0604020202020204" pitchFamily="34" charset="0"/>
+                        <a:ea typeface="Arial" panose="020B0604020202020204" pitchFamily="34" charset="0"/>
+                      </a:endParaRPr>
+                    </a:p>
+                  </a:txBody>
+                  <a:tcPr marL="63500" marR="63500" marT="63500" marB="63500"/>
+                </a:tc>
+                <a:tc>
+                  <a:txBody>
+                    <a:bodyPr/>
+                    <a:lstStyle/>
+                    <a:p>
+                      <a:pPr>
+                        <a:lnSpc>
+                          <a:spcPct val="115000"/>
+                        </a:lnSpc>
+                      </a:pPr>
+                      <a:r>
+                        <a:rPr lang="it-IT" sz="1200" dirty="0">
+                          <a:effectLst/>
+                        </a:rPr>
+                        <a:t>1: lunghezza == 0 [ errore]</a:t>
+                      </a:r>
+                      <a:endParaRPr lang="it-IT" sz="1100" dirty="0">
+                        <a:effectLst/>
+                      </a:endParaRPr>
+                    </a:p>
+                    <a:p>
+                      <a:pPr>
+                        <a:lnSpc>
+                          <a:spcPct val="115000"/>
+                        </a:lnSpc>
+                      </a:pPr>
+                      <a:r>
+                        <a:rPr lang="it-IT" sz="1200" dirty="0">
+                          <a:effectLst/>
+                        </a:rPr>
+                        <a:t> </a:t>
+                      </a:r>
+                      <a:endParaRPr lang="it-IT" sz="1100" dirty="0">
+                        <a:effectLst/>
+                      </a:endParaRPr>
+                    </a:p>
+                    <a:p>
+                      <a:pPr>
+                        <a:lnSpc>
+                          <a:spcPct val="115000"/>
+                        </a:lnSpc>
+                      </a:pPr>
+                      <a:r>
+                        <a:rPr lang="it-IT" sz="1200" dirty="0">
+                          <a:effectLst/>
+                        </a:rPr>
+                        <a:t>2: lunghezza &gt;= 1                                                                   [</a:t>
+                      </a:r>
+                      <a:r>
+                        <a:rPr lang="it-IT" sz="1200" dirty="0" err="1">
+                          <a:effectLst/>
+                        </a:rPr>
+                        <a:t>property</a:t>
+                      </a:r>
+                      <a:r>
+                        <a:rPr lang="it-IT" sz="1200" dirty="0">
+                          <a:effectLst/>
+                        </a:rPr>
+                        <a:t>  </a:t>
+                      </a:r>
+                      <a:r>
+                        <a:rPr lang="it-IT" sz="1200" dirty="0" err="1">
+                          <a:effectLst/>
+                        </a:rPr>
+                        <a:t>lunghezzaDEok</a:t>
+                      </a:r>
+                      <a:r>
+                        <a:rPr lang="it-IT" sz="1200" dirty="0">
+                          <a:effectLst/>
+                        </a:rPr>
+                        <a:t>]</a:t>
+                      </a:r>
+                      <a:endParaRPr lang="it-IT" sz="1100" dirty="0">
+                        <a:effectLst/>
+                        <a:latin typeface="Arial" panose="020B0604020202020204" pitchFamily="34" charset="0"/>
+                        <a:ea typeface="Arial" panose="020B0604020202020204" pitchFamily="34" charset="0"/>
+                      </a:endParaRPr>
+                    </a:p>
+                  </a:txBody>
+                  <a:tcPr marL="63500" marR="63500" marT="63500" marB="63500"/>
+                </a:tc>
+                <a:extLst>
+                  <a:ext uri="{0D108BD9-81ED-4DB2-BD59-A6C34878D82A}">
+                    <a16:rowId xmlns:a16="http://schemas.microsoft.com/office/drawing/2014/main" val="2906777226"/>
+                  </a:ext>
+                </a:extLst>
+              </a:tr>
+              <a:tr h="1009650">
+                <a:tc>
+                  <a:txBody>
+                    <a:bodyPr/>
+                    <a:lstStyle/>
+                    <a:p>
+                      <a:pPr algn="ctr">
+                        <a:lnSpc>
+                          <a:spcPct val="115000"/>
+                        </a:lnSpc>
+                      </a:pPr>
+                      <a:r>
+                        <a:rPr lang="it-IT" sz="1200">
+                          <a:effectLst/>
+                        </a:rPr>
+                        <a:t>Formato (sc)                                                                                                                       </a:t>
+                      </a:r>
+                      <a:endParaRPr lang="it-IT" sz="1100">
+                        <a:effectLst/>
+                        <a:latin typeface="Arial" panose="020B0604020202020204" pitchFamily="34" charset="0"/>
+                        <a:ea typeface="Arial" panose="020B0604020202020204" pitchFamily="34" charset="0"/>
+                      </a:endParaRPr>
+                    </a:p>
+                  </a:txBody>
+                  <a:tcPr marL="63500" marR="63500" marT="63500" marB="63500"/>
+                </a:tc>
+                <a:tc>
+                  <a:txBody>
+                    <a:bodyPr/>
+                    <a:lstStyle/>
+                    <a:p>
+                      <a:pPr>
+                        <a:lnSpc>
+                          <a:spcPct val="115000"/>
+                        </a:lnSpc>
+                      </a:pPr>
+                      <a:r>
+                        <a:rPr lang="it-IT" sz="1200" dirty="0">
+                          <a:effectLst/>
+                        </a:rPr>
+                        <a:t> 1: rispetta il formato [ </a:t>
+                      </a:r>
+                      <a:r>
+                        <a:rPr lang="it-IT" sz="1200" dirty="0" err="1">
+                          <a:effectLst/>
+                        </a:rPr>
+                        <a:t>if</a:t>
+                      </a:r>
+                      <a:r>
+                        <a:rPr lang="it-IT" sz="1200" dirty="0">
+                          <a:effectLst/>
+                        </a:rPr>
+                        <a:t> </a:t>
+                      </a:r>
+                      <a:r>
+                        <a:rPr lang="it-IT" sz="1200" dirty="0" err="1">
+                          <a:effectLst/>
+                        </a:rPr>
+                        <a:t>lunghezzaDEok</a:t>
+                      </a:r>
+                      <a:r>
+                        <a:rPr lang="it-IT" sz="1200" dirty="0">
+                          <a:effectLst/>
+                        </a:rPr>
+                        <a:t>]                                                               [</a:t>
+                      </a:r>
+                      <a:r>
+                        <a:rPr lang="it-IT" sz="1200" dirty="0" err="1">
+                          <a:effectLst/>
+                        </a:rPr>
+                        <a:t>property</a:t>
+                      </a:r>
+                      <a:r>
+                        <a:rPr lang="it-IT" sz="1200" dirty="0">
+                          <a:effectLst/>
+                        </a:rPr>
+                        <a:t> </a:t>
+                      </a:r>
+                      <a:r>
+                        <a:rPr lang="it-IT" sz="1200" dirty="0" err="1">
+                          <a:effectLst/>
+                        </a:rPr>
+                        <a:t>formatoSCok</a:t>
+                      </a:r>
+                      <a:r>
+                        <a:rPr lang="it-IT" sz="1200" dirty="0">
+                          <a:effectLst/>
+                        </a:rPr>
+                        <a:t> ]</a:t>
+                      </a:r>
+                      <a:endParaRPr lang="it-IT" sz="1100" dirty="0">
+                        <a:effectLst/>
+                      </a:endParaRPr>
+                    </a:p>
+                    <a:p>
+                      <a:pPr>
+                        <a:lnSpc>
+                          <a:spcPct val="115000"/>
+                        </a:lnSpc>
+                      </a:pPr>
+                      <a:r>
+                        <a:rPr lang="it-IT" sz="1200" dirty="0">
+                          <a:effectLst/>
+                        </a:rPr>
+                        <a:t>                                                             </a:t>
+                      </a:r>
+                      <a:endParaRPr lang="it-IT" sz="1100" dirty="0">
+                        <a:effectLst/>
+                      </a:endParaRPr>
+                    </a:p>
+                    <a:p>
+                      <a:pPr>
+                        <a:lnSpc>
+                          <a:spcPct val="115000"/>
+                        </a:lnSpc>
+                      </a:pPr>
+                      <a:r>
+                        <a:rPr lang="it-IT" sz="1200" dirty="0">
+                          <a:effectLst/>
+                        </a:rPr>
+                        <a:t>2: non rispetta il formato [ </a:t>
+                      </a:r>
+                      <a:r>
+                        <a:rPr lang="it-IT" sz="1200" dirty="0" err="1">
+                          <a:effectLst/>
+                        </a:rPr>
+                        <a:t>if</a:t>
+                      </a:r>
+                      <a:r>
+                        <a:rPr lang="it-IT" sz="1200" dirty="0">
+                          <a:effectLst/>
+                        </a:rPr>
+                        <a:t>                                                                             </a:t>
+                      </a:r>
+                      <a:r>
+                        <a:rPr lang="it-IT" sz="1200" dirty="0" err="1">
+                          <a:effectLst/>
+                        </a:rPr>
+                        <a:t>lunghezzaSCok</a:t>
+                      </a:r>
+                      <a:r>
+                        <a:rPr lang="it-IT" sz="1200" dirty="0">
+                          <a:effectLst/>
+                        </a:rPr>
+                        <a:t>] [ errore ]  </a:t>
+                      </a:r>
+                      <a:endParaRPr lang="it-IT" sz="1100" dirty="0">
+                        <a:effectLst/>
+                        <a:latin typeface="Arial" panose="020B0604020202020204" pitchFamily="34" charset="0"/>
+                        <a:ea typeface="Arial" panose="020B0604020202020204" pitchFamily="34" charset="0"/>
+                      </a:endParaRPr>
+                    </a:p>
+                  </a:txBody>
+                  <a:tcPr marL="63500" marR="63500" marT="63500" marB="63500"/>
+                </a:tc>
+                <a:extLst>
+                  <a:ext uri="{0D108BD9-81ED-4DB2-BD59-A6C34878D82A}">
+                    <a16:rowId xmlns:a16="http://schemas.microsoft.com/office/drawing/2014/main" val="2576414936"/>
+                  </a:ext>
+                </a:extLst>
+              </a:tr>
+            </a:tbl>
+          </a:graphicData>
+        </a:graphic>
+      </p:graphicFrame>
+      <p:graphicFrame>
+        <p:nvGraphicFramePr>
+          <p:cNvPr id="11" name="Tabella 10">
+            <a:extLst>
+              <a:ext uri="{FF2B5EF4-FFF2-40B4-BE49-F238E27FC236}">
+                <a16:creationId xmlns:a16="http://schemas.microsoft.com/office/drawing/2014/main" id="{5BC44D95-1FF6-4F7E-BBEA-7B0416BB7A66}"/>
+              </a:ext>
+            </a:extLst>
+          </p:cNvPr>
+          <p:cNvGraphicFramePr>
+            <a:graphicFrameLocks noGrp="1"/>
+          </p:cNvGraphicFramePr>
+          <p:nvPr>
+            <p:extLst>
+              <p:ext uri="{D42A27DB-BD31-4B8C-83A1-F6EECF244321}">
+                <p14:modId xmlns:p14="http://schemas.microsoft.com/office/powerpoint/2010/main" val="1273974278"/>
+              </p:ext>
+            </p:extLst>
+          </p:nvPr>
+        </p:nvGraphicFramePr>
+        <p:xfrm>
+          <a:off x="1136033" y="4033169"/>
+          <a:ext cx="5810250" cy="2013777"/>
+        </p:xfrm>
+        <a:graphic>
+          <a:graphicData uri="http://schemas.openxmlformats.org/drawingml/2006/table">
+            <a:tbl>
+              <a:tblPr>
+                <a:tableStyleId>{5C22544A-7EE6-4342-B048-85BDC9FD1C3A}</a:tableStyleId>
+              </a:tblPr>
+              <a:tblGrid>
+                <a:gridCol w="2867025">
+                  <a:extLst>
+                    <a:ext uri="{9D8B030D-6E8A-4147-A177-3AD203B41FA5}">
+                      <a16:colId xmlns:a16="http://schemas.microsoft.com/office/drawing/2014/main" val="730264116"/>
+                    </a:ext>
+                  </a:extLst>
+                </a:gridCol>
+                <a:gridCol w="2943225">
+                  <a:extLst>
+                    <a:ext uri="{9D8B030D-6E8A-4147-A177-3AD203B41FA5}">
+                      <a16:colId xmlns:a16="http://schemas.microsoft.com/office/drawing/2014/main" val="2337704898"/>
+                    </a:ext>
+                  </a:extLst>
+                </a:gridCol>
+              </a:tblGrid>
+              <a:tr h="340995">
+                <a:tc gridSpan="2">
+                  <a:txBody>
+                    <a:bodyPr/>
+                    <a:lstStyle/>
+                    <a:p>
+                      <a:pPr>
+                        <a:lnSpc>
+                          <a:spcPct val="115000"/>
+                        </a:lnSpc>
+                      </a:pPr>
+                      <a:r>
+                        <a:rPr lang="it-IT" sz="1200">
+                          <a:effectLst/>
+                        </a:rPr>
+                        <a:t>                                         Parametro: Copertina</a:t>
+                      </a:r>
+                      <a:endParaRPr lang="it-IT" sz="1100">
+                        <a:effectLst/>
+                      </a:endParaRPr>
+                    </a:p>
+                    <a:p>
+                      <a:pPr>
+                        <a:lnSpc>
+                          <a:spcPct val="115000"/>
+                        </a:lnSpc>
+                      </a:pPr>
+                      <a:r>
+                        <a:rPr lang="it-IT" sz="1200">
+                          <a:effectLst/>
+                        </a:rPr>
+                        <a:t>                                         Formato: [ .jpeg png ] {1}</a:t>
+                      </a:r>
+                      <a:endParaRPr lang="it-IT" sz="1100">
+                        <a:effectLst/>
+                        <a:latin typeface="Arial" panose="020B0604020202020204" pitchFamily="34" charset="0"/>
+                        <a:ea typeface="Arial" panose="020B0604020202020204" pitchFamily="34" charset="0"/>
+                      </a:endParaRPr>
+                    </a:p>
+                  </a:txBody>
+                  <a:tcPr marL="63500" marR="63500" marT="63500" marB="63500"/>
+                </a:tc>
+                <a:tc hMerge="1">
+                  <a:txBody>
+                    <a:bodyPr/>
+                    <a:lstStyle/>
+                    <a:p>
+                      <a:endParaRPr lang="it-IT"/>
+                    </a:p>
+                  </a:txBody>
+                  <a:tcPr/>
+                </a:tc>
+                <a:extLst>
+                  <a:ext uri="{0D108BD9-81ED-4DB2-BD59-A6C34878D82A}">
+                    <a16:rowId xmlns:a16="http://schemas.microsoft.com/office/drawing/2014/main" val="507429497"/>
+                  </a:ext>
+                </a:extLst>
+              </a:tr>
+              <a:tr h="169545">
+                <a:tc>
+                  <a:txBody>
+                    <a:bodyPr/>
+                    <a:lstStyle/>
+                    <a:p>
+                      <a:pPr algn="ctr">
+                        <a:lnSpc>
+                          <a:spcPct val="115000"/>
+                        </a:lnSpc>
+                      </a:pPr>
+                      <a:r>
+                        <a:rPr lang="it-IT" sz="1200">
+                          <a:effectLst/>
+                        </a:rPr>
+                        <a:t>categorie                                                     </a:t>
+                      </a:r>
+                      <a:endParaRPr lang="it-IT" sz="1100">
+                        <a:effectLst/>
+                        <a:latin typeface="Arial" panose="020B0604020202020204" pitchFamily="34" charset="0"/>
+                        <a:ea typeface="Arial" panose="020B0604020202020204" pitchFamily="34" charset="0"/>
+                      </a:endParaRPr>
+                    </a:p>
+                  </a:txBody>
+                  <a:tcPr marL="63500" marR="63500" marT="63500" marB="63500"/>
+                </a:tc>
+                <a:tc>
+                  <a:txBody>
+                    <a:bodyPr/>
+                    <a:lstStyle/>
+                    <a:p>
+                      <a:pPr algn="ctr">
+                        <a:lnSpc>
+                          <a:spcPct val="115000"/>
+                        </a:lnSpc>
+                      </a:pPr>
+                      <a:r>
+                        <a:rPr lang="it-IT" sz="1200">
+                          <a:effectLst/>
+                        </a:rPr>
+                        <a:t>scelte</a:t>
+                      </a:r>
+                      <a:endParaRPr lang="it-IT" sz="1100">
+                        <a:effectLst/>
+                        <a:latin typeface="Arial" panose="020B0604020202020204" pitchFamily="34" charset="0"/>
+                        <a:ea typeface="Arial" panose="020B0604020202020204" pitchFamily="34" charset="0"/>
+                      </a:endParaRPr>
+                    </a:p>
+                  </a:txBody>
+                  <a:tcPr marL="63500" marR="63500" marT="63500" marB="63500"/>
+                </a:tc>
+                <a:extLst>
+                  <a:ext uri="{0D108BD9-81ED-4DB2-BD59-A6C34878D82A}">
+                    <a16:rowId xmlns:a16="http://schemas.microsoft.com/office/drawing/2014/main" val="2415852868"/>
+                  </a:ext>
+                </a:extLst>
+              </a:tr>
+              <a:tr h="878205">
+                <a:tc>
+                  <a:txBody>
+                    <a:bodyPr/>
+                    <a:lstStyle/>
+                    <a:p>
+                      <a:pPr algn="ctr">
+                        <a:lnSpc>
+                          <a:spcPct val="115000"/>
+                        </a:lnSpc>
+                      </a:pPr>
+                      <a:r>
+                        <a:rPr lang="it-IT" sz="1200">
+                          <a:effectLst/>
+                        </a:rPr>
+                        <a:t>Formato (pe)                                                                                                                       </a:t>
+                      </a:r>
+                      <a:endParaRPr lang="it-IT" sz="1100">
+                        <a:effectLst/>
+                        <a:latin typeface="Arial" panose="020B0604020202020204" pitchFamily="34" charset="0"/>
+                        <a:ea typeface="Arial" panose="020B0604020202020204" pitchFamily="34" charset="0"/>
+                      </a:endParaRPr>
+                    </a:p>
+                  </a:txBody>
+                  <a:tcPr marL="63500" marR="63500" marT="63500" marB="63500"/>
+                </a:tc>
+                <a:tc>
+                  <a:txBody>
+                    <a:bodyPr/>
+                    <a:lstStyle/>
+                    <a:p>
+                      <a:pPr>
+                        <a:lnSpc>
+                          <a:spcPct val="115000"/>
+                        </a:lnSpc>
+                      </a:pPr>
+                      <a:r>
+                        <a:rPr lang="it-IT" sz="1200" dirty="0">
+                          <a:effectLst/>
+                        </a:rPr>
+                        <a:t> 1: rispetta il formato                                                             [</a:t>
+                      </a:r>
+                      <a:r>
+                        <a:rPr lang="it-IT" sz="1200" dirty="0" err="1">
+                          <a:effectLst/>
+                        </a:rPr>
+                        <a:t>property</a:t>
+                      </a:r>
+                      <a:r>
+                        <a:rPr lang="it-IT" sz="1200" dirty="0">
+                          <a:effectLst/>
+                        </a:rPr>
+                        <a:t> </a:t>
+                      </a:r>
+                      <a:r>
+                        <a:rPr lang="it-IT" sz="1200" dirty="0" err="1">
+                          <a:effectLst/>
+                        </a:rPr>
+                        <a:t>formatoPEok</a:t>
+                      </a:r>
+                      <a:r>
+                        <a:rPr lang="it-IT" sz="1200" dirty="0">
+                          <a:effectLst/>
+                        </a:rPr>
+                        <a:t> ]</a:t>
+                      </a:r>
+                      <a:endParaRPr lang="it-IT" sz="1100" dirty="0">
+                        <a:effectLst/>
+                      </a:endParaRPr>
+                    </a:p>
+                    <a:p>
+                      <a:pPr>
+                        <a:lnSpc>
+                          <a:spcPct val="115000"/>
+                        </a:lnSpc>
+                      </a:pPr>
+                      <a:r>
+                        <a:rPr lang="it-IT" sz="1200" dirty="0">
+                          <a:effectLst/>
+                        </a:rPr>
+                        <a:t>                                                             </a:t>
+                      </a:r>
+                      <a:endParaRPr lang="it-IT" sz="1100" dirty="0">
+                        <a:effectLst/>
+                      </a:endParaRPr>
+                    </a:p>
+                    <a:p>
+                      <a:pPr>
+                        <a:lnSpc>
+                          <a:spcPct val="115000"/>
+                        </a:lnSpc>
+                      </a:pPr>
+                      <a:r>
+                        <a:rPr lang="it-IT" sz="1200" dirty="0">
+                          <a:effectLst/>
+                        </a:rPr>
+                        <a:t>2: non rispetta il formato                                                                             [ errore ]  </a:t>
+                      </a:r>
+                      <a:endParaRPr lang="it-IT" sz="1100" dirty="0">
+                        <a:effectLst/>
+                        <a:latin typeface="Arial" panose="020B0604020202020204" pitchFamily="34" charset="0"/>
+                        <a:ea typeface="Arial" panose="020B0604020202020204" pitchFamily="34" charset="0"/>
+                      </a:endParaRPr>
+                    </a:p>
+                  </a:txBody>
+                  <a:tcPr marL="63500" marR="63500" marT="63500" marB="63500"/>
+                </a:tc>
+                <a:extLst>
+                  <a:ext uri="{0D108BD9-81ED-4DB2-BD59-A6C34878D82A}">
+                    <a16:rowId xmlns:a16="http://schemas.microsoft.com/office/drawing/2014/main" val="1500619329"/>
+                  </a:ext>
+                </a:extLst>
+              </a:tr>
+            </a:tbl>
+          </a:graphicData>
+        </a:graphic>
+      </p:graphicFrame>
+      <p:graphicFrame>
+        <p:nvGraphicFramePr>
+          <p:cNvPr id="12" name="Tabella 11">
+            <a:extLst>
+              <a:ext uri="{FF2B5EF4-FFF2-40B4-BE49-F238E27FC236}">
+                <a16:creationId xmlns:a16="http://schemas.microsoft.com/office/drawing/2014/main" id="{6B559C83-8BD7-4B85-99D3-720D5C22D319}"/>
+              </a:ext>
+            </a:extLst>
+          </p:cNvPr>
+          <p:cNvGraphicFramePr>
+            <a:graphicFrameLocks noGrp="1"/>
+          </p:cNvGraphicFramePr>
+          <p:nvPr>
+            <p:extLst>
+              <p:ext uri="{D42A27DB-BD31-4B8C-83A1-F6EECF244321}">
+                <p14:modId xmlns:p14="http://schemas.microsoft.com/office/powerpoint/2010/main" val="4281741309"/>
+              </p:ext>
+            </p:extLst>
+          </p:nvPr>
+        </p:nvGraphicFramePr>
+        <p:xfrm>
+          <a:off x="7146499" y="2083468"/>
+          <a:ext cx="4634170" cy="3386076"/>
+        </p:xfrm>
+        <a:graphic>
+          <a:graphicData uri="http://schemas.openxmlformats.org/drawingml/2006/table">
+            <a:tbl>
+              <a:tblPr>
+                <a:tableStyleId>{5C22544A-7EE6-4342-B048-85BDC9FD1C3A}</a:tableStyleId>
+              </a:tblPr>
+              <a:tblGrid>
+                <a:gridCol w="2286697">
+                  <a:extLst>
+                    <a:ext uri="{9D8B030D-6E8A-4147-A177-3AD203B41FA5}">
+                      <a16:colId xmlns:a16="http://schemas.microsoft.com/office/drawing/2014/main" val="3054410918"/>
+                    </a:ext>
+                  </a:extLst>
+                </a:gridCol>
+                <a:gridCol w="2347473">
+                  <a:extLst>
+                    <a:ext uri="{9D8B030D-6E8A-4147-A177-3AD203B41FA5}">
+                      <a16:colId xmlns:a16="http://schemas.microsoft.com/office/drawing/2014/main" val="3721459296"/>
+                    </a:ext>
+                  </a:extLst>
+                </a:gridCol>
+              </a:tblGrid>
+              <a:tr h="359239">
+                <a:tc gridSpan="2">
+                  <a:txBody>
+                    <a:bodyPr/>
+                    <a:lstStyle/>
+                    <a:p>
+                      <a:pPr>
+                        <a:lnSpc>
+                          <a:spcPct val="115000"/>
+                        </a:lnSpc>
+                      </a:pPr>
+                      <a:r>
+                        <a:rPr lang="it-IT" sz="1200">
+                          <a:effectLst/>
+                        </a:rPr>
+                        <a:t>                                         Parametro: Prezzo</a:t>
+                      </a:r>
+                      <a:endParaRPr lang="it-IT" sz="1100">
+                        <a:effectLst/>
+                      </a:endParaRPr>
+                    </a:p>
+                    <a:p>
+                      <a:pPr>
+                        <a:lnSpc>
+                          <a:spcPct val="115000"/>
+                        </a:lnSpc>
+                      </a:pPr>
+                      <a:r>
+                        <a:rPr lang="it-IT" sz="1200">
+                          <a:effectLst/>
+                        </a:rPr>
+                        <a:t>                                         Formato: [ 0-9 ]</a:t>
+                      </a:r>
+                      <a:endParaRPr lang="it-IT" sz="1100">
+                        <a:effectLst/>
+                        <a:latin typeface="Arial" panose="020B0604020202020204" pitchFamily="34" charset="0"/>
+                        <a:ea typeface="Arial" panose="020B0604020202020204" pitchFamily="34" charset="0"/>
+                      </a:endParaRPr>
+                    </a:p>
+                  </a:txBody>
+                  <a:tcPr marL="63500" marR="63500" marT="63500" marB="63500"/>
+                </a:tc>
+                <a:tc hMerge="1">
+                  <a:txBody>
+                    <a:bodyPr/>
+                    <a:lstStyle/>
+                    <a:p>
+                      <a:endParaRPr lang="it-IT"/>
+                    </a:p>
+                  </a:txBody>
+                  <a:tcPr/>
+                </a:tc>
+                <a:extLst>
+                  <a:ext uri="{0D108BD9-81ED-4DB2-BD59-A6C34878D82A}">
+                    <a16:rowId xmlns:a16="http://schemas.microsoft.com/office/drawing/2014/main" val="3697932050"/>
+                  </a:ext>
+                </a:extLst>
+              </a:tr>
+              <a:tr h="0">
+                <a:tc>
+                  <a:txBody>
+                    <a:bodyPr/>
+                    <a:lstStyle/>
+                    <a:p>
+                      <a:pPr algn="ctr">
+                        <a:lnSpc>
+                          <a:spcPct val="115000"/>
+                        </a:lnSpc>
+                      </a:pPr>
+                      <a:r>
+                        <a:rPr lang="it-IT" sz="1200">
+                          <a:effectLst/>
+                        </a:rPr>
+                        <a:t>categorie                                                     </a:t>
+                      </a:r>
+                      <a:endParaRPr lang="it-IT" sz="1100">
+                        <a:effectLst/>
+                        <a:latin typeface="Arial" panose="020B0604020202020204" pitchFamily="34" charset="0"/>
+                        <a:ea typeface="Arial" panose="020B0604020202020204" pitchFamily="34" charset="0"/>
+                      </a:endParaRPr>
+                    </a:p>
+                  </a:txBody>
+                  <a:tcPr marL="63500" marR="63500" marT="63500" marB="63500"/>
+                </a:tc>
+                <a:tc>
+                  <a:txBody>
+                    <a:bodyPr/>
+                    <a:lstStyle/>
+                    <a:p>
+                      <a:pPr algn="ctr">
+                        <a:lnSpc>
+                          <a:spcPct val="115000"/>
+                        </a:lnSpc>
+                      </a:pPr>
+                      <a:r>
+                        <a:rPr lang="it-IT" sz="1200">
+                          <a:effectLst/>
+                        </a:rPr>
+                        <a:t>scelte</a:t>
+                      </a:r>
+                      <a:endParaRPr lang="it-IT" sz="1100">
+                        <a:effectLst/>
+                        <a:latin typeface="Arial" panose="020B0604020202020204" pitchFamily="34" charset="0"/>
+                        <a:ea typeface="Arial" panose="020B0604020202020204" pitchFamily="34" charset="0"/>
+                      </a:endParaRPr>
+                    </a:p>
+                  </a:txBody>
+                  <a:tcPr marL="63500" marR="63500" marT="63500" marB="63500"/>
+                </a:tc>
+                <a:extLst>
+                  <a:ext uri="{0D108BD9-81ED-4DB2-BD59-A6C34878D82A}">
+                    <a16:rowId xmlns:a16="http://schemas.microsoft.com/office/drawing/2014/main" val="3546515767"/>
+                  </a:ext>
+                </a:extLst>
+              </a:tr>
+              <a:tr h="594360">
+                <a:tc>
+                  <a:txBody>
+                    <a:bodyPr/>
+                    <a:lstStyle/>
+                    <a:p>
+                      <a:pPr algn="ctr">
+                        <a:lnSpc>
+                          <a:spcPct val="115000"/>
+                        </a:lnSpc>
+                      </a:pPr>
+                      <a:r>
+                        <a:rPr lang="it-IT" sz="1200">
+                          <a:effectLst/>
+                        </a:rPr>
+                        <a:t>Lunghezza (pr)                                                     </a:t>
+                      </a:r>
+                      <a:endParaRPr lang="it-IT" sz="1100">
+                        <a:effectLst/>
+                        <a:latin typeface="Arial" panose="020B0604020202020204" pitchFamily="34" charset="0"/>
+                        <a:ea typeface="Arial" panose="020B0604020202020204" pitchFamily="34" charset="0"/>
+                      </a:endParaRPr>
+                    </a:p>
+                  </a:txBody>
+                  <a:tcPr marL="63500" marR="63500" marT="63500" marB="63500"/>
+                </a:tc>
+                <a:tc>
+                  <a:txBody>
+                    <a:bodyPr/>
+                    <a:lstStyle/>
+                    <a:p>
+                      <a:pPr>
+                        <a:lnSpc>
+                          <a:spcPct val="115000"/>
+                        </a:lnSpc>
+                      </a:pPr>
+                      <a:r>
+                        <a:rPr lang="it-IT" sz="1200">
+                          <a:effectLst/>
+                        </a:rPr>
+                        <a:t>1: lunghezza == 0 [ errore]</a:t>
+                      </a:r>
+                      <a:endParaRPr lang="it-IT" sz="1100">
+                        <a:effectLst/>
+                      </a:endParaRPr>
+                    </a:p>
+                    <a:p>
+                      <a:pPr>
+                        <a:lnSpc>
+                          <a:spcPct val="115000"/>
+                        </a:lnSpc>
+                      </a:pPr>
+                      <a:r>
+                        <a:rPr lang="it-IT" sz="1200">
+                          <a:effectLst/>
+                        </a:rPr>
+                        <a:t> </a:t>
+                      </a:r>
+                      <a:endParaRPr lang="it-IT" sz="1100">
+                        <a:effectLst/>
+                      </a:endParaRPr>
+                    </a:p>
+                    <a:p>
+                      <a:pPr>
+                        <a:lnSpc>
+                          <a:spcPct val="115000"/>
+                        </a:lnSpc>
+                      </a:pPr>
+                      <a:r>
+                        <a:rPr lang="it-IT" sz="1200">
+                          <a:effectLst/>
+                        </a:rPr>
+                        <a:t>2: lunghezza &gt;= 1                                                                   [property  lunghezzaPRok]</a:t>
+                      </a:r>
+                      <a:endParaRPr lang="it-IT" sz="1100">
+                        <a:effectLst/>
+                      </a:endParaRPr>
+                    </a:p>
+                    <a:p>
+                      <a:pPr>
+                        <a:lnSpc>
+                          <a:spcPct val="115000"/>
+                        </a:lnSpc>
+                      </a:pPr>
+                      <a:r>
+                        <a:rPr lang="it-IT" sz="1200">
+                          <a:effectLst/>
+                        </a:rPr>
+                        <a:t> </a:t>
+                      </a:r>
+                      <a:endParaRPr lang="it-IT" sz="1100">
+                        <a:effectLst/>
+                        <a:latin typeface="Arial" panose="020B0604020202020204" pitchFamily="34" charset="0"/>
+                        <a:ea typeface="Arial" panose="020B0604020202020204" pitchFamily="34" charset="0"/>
+                      </a:endParaRPr>
+                    </a:p>
+                  </a:txBody>
+                  <a:tcPr marL="63500" marR="63500" marT="63500" marB="63500"/>
+                </a:tc>
+                <a:extLst>
+                  <a:ext uri="{0D108BD9-81ED-4DB2-BD59-A6C34878D82A}">
+                    <a16:rowId xmlns:a16="http://schemas.microsoft.com/office/drawing/2014/main" val="972151389"/>
+                  </a:ext>
+                </a:extLst>
+              </a:tr>
+              <a:tr h="1009650">
+                <a:tc>
+                  <a:txBody>
+                    <a:bodyPr/>
+                    <a:lstStyle/>
+                    <a:p>
+                      <a:pPr algn="ctr">
+                        <a:lnSpc>
+                          <a:spcPct val="115000"/>
+                        </a:lnSpc>
+                      </a:pPr>
+                      <a:r>
+                        <a:rPr lang="it-IT" sz="1200">
+                          <a:effectLst/>
+                        </a:rPr>
+                        <a:t>Formato (zo)                                                                                                                       </a:t>
+                      </a:r>
+                      <a:endParaRPr lang="it-IT" sz="1100">
+                        <a:effectLst/>
+                        <a:latin typeface="Arial" panose="020B0604020202020204" pitchFamily="34" charset="0"/>
+                        <a:ea typeface="Arial" panose="020B0604020202020204" pitchFamily="34" charset="0"/>
+                      </a:endParaRPr>
+                    </a:p>
+                  </a:txBody>
+                  <a:tcPr marL="63500" marR="63500" marT="63500" marB="63500"/>
+                </a:tc>
+                <a:tc>
+                  <a:txBody>
+                    <a:bodyPr/>
+                    <a:lstStyle/>
+                    <a:p>
+                      <a:pPr>
+                        <a:lnSpc>
+                          <a:spcPct val="115000"/>
+                        </a:lnSpc>
+                      </a:pPr>
+                      <a:r>
+                        <a:rPr lang="it-IT" sz="1200" dirty="0">
+                          <a:effectLst/>
+                        </a:rPr>
+                        <a:t> 1: rispetta il formato [ </a:t>
+                      </a:r>
+                      <a:r>
+                        <a:rPr lang="it-IT" sz="1200" dirty="0" err="1">
+                          <a:effectLst/>
+                        </a:rPr>
+                        <a:t>if</a:t>
+                      </a:r>
+                      <a:r>
+                        <a:rPr lang="it-IT" sz="1200" dirty="0">
+                          <a:effectLst/>
+                        </a:rPr>
+                        <a:t> </a:t>
+                      </a:r>
+                      <a:r>
+                        <a:rPr lang="it-IT" sz="1200" dirty="0" err="1">
+                          <a:effectLst/>
+                        </a:rPr>
+                        <a:t>lunghezzaPRok</a:t>
+                      </a:r>
+                      <a:r>
+                        <a:rPr lang="it-IT" sz="1200" dirty="0">
+                          <a:effectLst/>
+                        </a:rPr>
+                        <a:t>]                                                               [</a:t>
+                      </a:r>
+                      <a:r>
+                        <a:rPr lang="it-IT" sz="1200" dirty="0" err="1">
+                          <a:effectLst/>
+                        </a:rPr>
+                        <a:t>property</a:t>
+                      </a:r>
+                      <a:r>
+                        <a:rPr lang="it-IT" sz="1200" dirty="0">
+                          <a:effectLst/>
+                        </a:rPr>
+                        <a:t> </a:t>
+                      </a:r>
+                      <a:r>
+                        <a:rPr lang="it-IT" sz="1200" dirty="0" err="1">
+                          <a:effectLst/>
+                        </a:rPr>
+                        <a:t>formatoZOok</a:t>
+                      </a:r>
+                      <a:r>
+                        <a:rPr lang="it-IT" sz="1200" dirty="0">
+                          <a:effectLst/>
+                        </a:rPr>
+                        <a:t> ]</a:t>
+                      </a:r>
+                      <a:endParaRPr lang="it-IT" sz="1100" dirty="0">
+                        <a:effectLst/>
+                      </a:endParaRPr>
+                    </a:p>
+                    <a:p>
+                      <a:pPr>
+                        <a:lnSpc>
+                          <a:spcPct val="115000"/>
+                        </a:lnSpc>
+                      </a:pPr>
+                      <a:r>
+                        <a:rPr lang="it-IT" sz="1200" dirty="0">
+                          <a:effectLst/>
+                        </a:rPr>
+                        <a:t>                                                             </a:t>
+                      </a:r>
+                      <a:endParaRPr lang="it-IT" sz="1100" dirty="0">
+                        <a:effectLst/>
+                      </a:endParaRPr>
+                    </a:p>
+                    <a:p>
+                      <a:pPr>
+                        <a:lnSpc>
+                          <a:spcPct val="115000"/>
+                        </a:lnSpc>
+                      </a:pPr>
+                      <a:r>
+                        <a:rPr lang="it-IT" sz="1200" dirty="0">
+                          <a:effectLst/>
+                        </a:rPr>
+                        <a:t>2: non rispetta il formato [ </a:t>
+                      </a:r>
+                      <a:r>
+                        <a:rPr lang="it-IT" sz="1200" dirty="0" err="1">
+                          <a:effectLst/>
+                        </a:rPr>
+                        <a:t>if</a:t>
+                      </a:r>
+                      <a:r>
+                        <a:rPr lang="it-IT" sz="1200" dirty="0">
+                          <a:effectLst/>
+                        </a:rPr>
+                        <a:t>                                                                               </a:t>
+                      </a:r>
+                      <a:r>
+                        <a:rPr lang="it-IT" sz="1200" dirty="0" err="1">
+                          <a:effectLst/>
+                        </a:rPr>
+                        <a:t>lunghezzaPRok</a:t>
+                      </a:r>
+                      <a:r>
+                        <a:rPr lang="it-IT" sz="1200" dirty="0">
+                          <a:effectLst/>
+                        </a:rPr>
+                        <a:t>] [ errore ]  </a:t>
+                      </a:r>
+                      <a:endParaRPr lang="it-IT" sz="1100" dirty="0">
+                        <a:effectLst/>
+                        <a:latin typeface="Arial" panose="020B0604020202020204" pitchFamily="34" charset="0"/>
+                        <a:ea typeface="Arial" panose="020B0604020202020204" pitchFamily="34" charset="0"/>
+                      </a:endParaRPr>
+                    </a:p>
+                  </a:txBody>
+                  <a:tcPr marL="63500" marR="63500" marT="63500" marB="63500"/>
+                </a:tc>
+                <a:extLst>
+                  <a:ext uri="{0D108BD9-81ED-4DB2-BD59-A6C34878D82A}">
+                    <a16:rowId xmlns:a16="http://schemas.microsoft.com/office/drawing/2014/main" val="333623614"/>
+                  </a:ext>
+                </a:extLst>
+              </a:tr>
+            </a:tbl>
+          </a:graphicData>
+        </a:graphic>
+      </p:graphicFrame>
     </p:spTree>
     <p:extLst>
       <p:ext uri="{BB962C8B-B14F-4D97-AF65-F5344CB8AC3E}">
-        <p14:creationId xmlns:p14="http://schemas.microsoft.com/office/powerpoint/2010/main" val="2730955762"/>
+        <p14:creationId xmlns:p14="http://schemas.microsoft.com/office/powerpoint/2010/main" val="1546700545"/>
       </p:ext>
     </p:extLst>
   </p:cSld>
@@ -10317,6 +13597,1559 @@
 </file>
 
 <file path=ppt/slides/slide16.xml><?xml version="1.0" encoding="utf-8"?>
+<p:sld xmlns:a="http://schemas.openxmlformats.org/drawingml/2006/main" xmlns:r="http://schemas.openxmlformats.org/officeDocument/2006/relationships" xmlns:p="http://schemas.openxmlformats.org/presentationml/2006/main">
+  <p:cSld>
+    <p:spTree>
+      <p:nvGrpSpPr>
+        <p:cNvPr id="1" name=""/>
+        <p:cNvGrpSpPr/>
+        <p:nvPr/>
+      </p:nvGrpSpPr>
+      <p:grpSpPr>
+        <a:xfrm>
+          <a:off x="0" y="0"/>
+          <a:ext cx="0" cy="0"/>
+          <a:chOff x="0" y="0"/>
+          <a:chExt cx="0" cy="0"/>
+        </a:xfrm>
+      </p:grpSpPr>
+      <p:sp>
+        <p:nvSpPr>
+          <p:cNvPr id="2" name="Titolo 1">
+            <a:extLst>
+              <a:ext uri="{FF2B5EF4-FFF2-40B4-BE49-F238E27FC236}">
+                <a16:creationId xmlns:a16="http://schemas.microsoft.com/office/drawing/2014/main" id="{B091881F-E104-4A2A-A90F-E9C96E8E73B4}"/>
+              </a:ext>
+            </a:extLst>
+          </p:cNvPr>
+          <p:cNvSpPr>
+            <a:spLocks noGrp="1"/>
+          </p:cNvSpPr>
+          <p:nvPr>
+            <p:ph type="title"/>
+          </p:nvPr>
+        </p:nvSpPr>
+        <p:spPr>
+          <a:xfrm rot="16200000">
+            <a:off x="-1798927" y="1692771"/>
+            <a:ext cx="4349692" cy="751823"/>
+          </a:xfrm>
+        </p:spPr>
+        <p:txBody>
+          <a:bodyPr>
+            <a:normAutofit fontScale="90000"/>
+          </a:bodyPr>
+          <a:lstStyle/>
+          <a:p>
+            <a:r>
+              <a:rPr lang="it-IT" dirty="0">
+                <a:solidFill>
+                  <a:srgbClr val="F8B323"/>
+                </a:solidFill>
+              </a:rPr>
+              <a:t>Test case  pt.3</a:t>
+            </a:r>
+          </a:p>
+        </p:txBody>
+      </p:sp>
+      <p:sp>
+        <p:nvSpPr>
+          <p:cNvPr id="3" name="Segnaposto contenuto 2">
+            <a:extLst>
+              <a:ext uri="{FF2B5EF4-FFF2-40B4-BE49-F238E27FC236}">
+                <a16:creationId xmlns:a16="http://schemas.microsoft.com/office/drawing/2014/main" id="{0D1F4823-2969-402A-86AF-FE8D80B3F521}"/>
+              </a:ext>
+            </a:extLst>
+          </p:cNvPr>
+          <p:cNvSpPr>
+            <a:spLocks noGrp="1"/>
+          </p:cNvSpPr>
+          <p:nvPr>
+            <p:ph idx="1"/>
+          </p:nvPr>
+        </p:nvSpPr>
+        <p:spPr>
+          <a:xfrm>
+            <a:off x="1006839" y="208626"/>
+            <a:ext cx="10178322" cy="892205"/>
+          </a:xfrm>
+        </p:spPr>
+        <p:txBody>
+          <a:bodyPr/>
+          <a:lstStyle/>
+          <a:p>
+            <a:r>
+              <a:rPr lang="it-IT" dirty="0"/>
+              <a:t>Test Case ( TC_16_16) : Inserimento Prodotto Nel Sistema</a:t>
+            </a:r>
+          </a:p>
+        </p:txBody>
+      </p:sp>
+      <p:graphicFrame>
+        <p:nvGraphicFramePr>
+          <p:cNvPr id="13" name="Tabella 12">
+            <a:extLst>
+              <a:ext uri="{FF2B5EF4-FFF2-40B4-BE49-F238E27FC236}">
+                <a16:creationId xmlns:a16="http://schemas.microsoft.com/office/drawing/2014/main" id="{F456CD25-FB93-4DFA-BF6B-57B8EBE9CB7F}"/>
+              </a:ext>
+            </a:extLst>
+          </p:cNvPr>
+          <p:cNvGraphicFramePr>
+            <a:graphicFrameLocks noGrp="1"/>
+          </p:cNvGraphicFramePr>
+          <p:nvPr>
+            <p:extLst>
+              <p:ext uri="{D42A27DB-BD31-4B8C-83A1-F6EECF244321}">
+                <p14:modId xmlns:p14="http://schemas.microsoft.com/office/powerpoint/2010/main" val="1797824032"/>
+              </p:ext>
+            </p:extLst>
+          </p:nvPr>
+        </p:nvGraphicFramePr>
+        <p:xfrm>
+          <a:off x="1666875" y="654728"/>
+          <a:ext cx="8296276" cy="6029329"/>
+        </p:xfrm>
+        <a:graphic>
+          <a:graphicData uri="http://schemas.openxmlformats.org/drawingml/2006/table">
+            <a:tbl>
+              <a:tblPr bandRow="1">
+                <a:tableStyleId>{5C22544A-7EE6-4342-B048-85BDC9FD1C3A}</a:tableStyleId>
+              </a:tblPr>
+              <a:tblGrid>
+                <a:gridCol w="1292765">
+                  <a:extLst>
+                    <a:ext uri="{9D8B030D-6E8A-4147-A177-3AD203B41FA5}">
+                      <a16:colId xmlns:a16="http://schemas.microsoft.com/office/drawing/2014/main" val="160827997"/>
+                    </a:ext>
+                  </a:extLst>
+                </a:gridCol>
+                <a:gridCol w="5635440">
+                  <a:extLst>
+                    <a:ext uri="{9D8B030D-6E8A-4147-A177-3AD203B41FA5}">
+                      <a16:colId xmlns:a16="http://schemas.microsoft.com/office/drawing/2014/main" val="2397001375"/>
+                    </a:ext>
+                  </a:extLst>
+                </a:gridCol>
+                <a:gridCol w="1368071">
+                  <a:extLst>
+                    <a:ext uri="{9D8B030D-6E8A-4147-A177-3AD203B41FA5}">
+                      <a16:colId xmlns:a16="http://schemas.microsoft.com/office/drawing/2014/main" val="2595656813"/>
+                    </a:ext>
+                  </a:extLst>
+                </a:gridCol>
+              </a:tblGrid>
+              <a:tr h="200625">
+                <a:tc>
+                  <a:txBody>
+                    <a:bodyPr/>
+                    <a:lstStyle/>
+                    <a:p>
+                      <a:pPr>
+                        <a:lnSpc>
+                          <a:spcPct val="115000"/>
+                        </a:lnSpc>
+                      </a:pPr>
+                      <a:r>
+                        <a:rPr lang="it-IT" sz="1200" dirty="0">
+                          <a:effectLst/>
+                        </a:rPr>
+                        <a:t> Codice</a:t>
+                      </a:r>
+                      <a:endParaRPr lang="it-IT" sz="1200" dirty="0">
+                        <a:effectLst/>
+                        <a:latin typeface="Arial" panose="020B0604020202020204" pitchFamily="34" charset="0"/>
+                        <a:ea typeface="Arial" panose="020B0604020202020204" pitchFamily="34" charset="0"/>
+                      </a:endParaRPr>
+                    </a:p>
+                  </a:txBody>
+                  <a:tcPr marL="53428" marR="53428" marT="0" marB="0" anchor="ctr"/>
+                </a:tc>
+                <a:tc>
+                  <a:txBody>
+                    <a:bodyPr/>
+                    <a:lstStyle/>
+                    <a:p>
+                      <a:pPr algn="ctr">
+                        <a:lnSpc>
+                          <a:spcPct val="115000"/>
+                        </a:lnSpc>
+                      </a:pPr>
+                      <a:r>
+                        <a:rPr lang="it-IT" sz="1200">
+                          <a:effectLst/>
+                        </a:rPr>
+                        <a:t>Combinazione</a:t>
+                      </a:r>
+                      <a:endParaRPr lang="it-IT" sz="1200">
+                        <a:effectLst/>
+                        <a:latin typeface="Arial" panose="020B0604020202020204" pitchFamily="34" charset="0"/>
+                        <a:ea typeface="Arial" panose="020B0604020202020204" pitchFamily="34" charset="0"/>
+                      </a:endParaRPr>
+                    </a:p>
+                  </a:txBody>
+                  <a:tcPr marL="53428" marR="53428" marT="0" marB="0" anchor="ctr"/>
+                </a:tc>
+                <a:tc>
+                  <a:txBody>
+                    <a:bodyPr/>
+                    <a:lstStyle/>
+                    <a:p>
+                      <a:pPr algn="ctr">
+                        <a:lnSpc>
+                          <a:spcPct val="115000"/>
+                        </a:lnSpc>
+                      </a:pPr>
+                      <a:r>
+                        <a:rPr lang="it-IT" sz="1200">
+                          <a:effectLst/>
+                        </a:rPr>
+                        <a:t>Esito</a:t>
+                      </a:r>
+                      <a:endParaRPr lang="it-IT" sz="1200">
+                        <a:effectLst/>
+                        <a:latin typeface="Arial" panose="020B0604020202020204" pitchFamily="34" charset="0"/>
+                        <a:ea typeface="Arial" panose="020B0604020202020204" pitchFamily="34" charset="0"/>
+                      </a:endParaRPr>
+                    </a:p>
+                  </a:txBody>
+                  <a:tcPr marL="53428" marR="53428" marT="0" marB="0" anchor="ctr"/>
+                </a:tc>
+                <a:extLst>
+                  <a:ext uri="{0D108BD9-81ED-4DB2-BD59-A6C34878D82A}">
+                    <a16:rowId xmlns:a16="http://schemas.microsoft.com/office/drawing/2014/main" val="426094469"/>
+                  </a:ext>
+                </a:extLst>
+              </a:tr>
+              <a:tr h="364294">
+                <a:tc>
+                  <a:txBody>
+                    <a:bodyPr/>
+                    <a:lstStyle/>
+                    <a:p>
+                      <a:pPr algn="ctr">
+                        <a:lnSpc>
+                          <a:spcPct val="115000"/>
+                        </a:lnSpc>
+                      </a:pPr>
+                      <a:r>
+                        <a:rPr lang="it-IT" sz="1200" dirty="0">
+                          <a:effectLst/>
+                        </a:rPr>
+                        <a:t>TC_16.16_01</a:t>
+                      </a:r>
+                      <a:endParaRPr lang="it-IT" sz="1200" dirty="0">
+                        <a:effectLst/>
+                        <a:latin typeface="Arial" panose="020B0604020202020204" pitchFamily="34" charset="0"/>
+                        <a:ea typeface="Arial" panose="020B0604020202020204" pitchFamily="34" charset="0"/>
+                      </a:endParaRPr>
+                    </a:p>
+                  </a:txBody>
+                  <a:tcPr marL="53428" marR="53428" marT="0" marB="0" anchor="ctr"/>
+                </a:tc>
+                <a:tc>
+                  <a:txBody>
+                    <a:bodyPr/>
+                    <a:lstStyle/>
+                    <a:p>
+                      <a:pPr algn="ctr">
+                        <a:lnSpc>
+                          <a:spcPct val="115000"/>
+                        </a:lnSpc>
+                      </a:pPr>
+                      <a:r>
+                        <a:rPr lang="it-IT" sz="1200">
+                          <a:effectLst/>
+                        </a:rPr>
+                        <a:t>is1</a:t>
+                      </a:r>
+                      <a:endParaRPr lang="it-IT" sz="1200">
+                        <a:effectLst/>
+                        <a:latin typeface="Arial" panose="020B0604020202020204" pitchFamily="34" charset="0"/>
+                        <a:ea typeface="Arial" panose="020B0604020202020204" pitchFamily="34" charset="0"/>
+                      </a:endParaRPr>
+                    </a:p>
+                  </a:txBody>
+                  <a:tcPr marL="53428" marR="53428" marT="0" marB="0" anchor="ctr"/>
+                </a:tc>
+                <a:tc>
+                  <a:txBody>
+                    <a:bodyPr/>
+                    <a:lstStyle/>
+                    <a:p>
+                      <a:pPr algn="ctr">
+                        <a:lnSpc>
+                          <a:spcPct val="115000"/>
+                        </a:lnSpc>
+                      </a:pPr>
+                      <a:r>
+                        <a:rPr lang="it-IT" sz="1200">
+                          <a:effectLst/>
+                        </a:rPr>
+                        <a:t>errore</a:t>
+                      </a:r>
+                      <a:endParaRPr lang="it-IT" sz="1200">
+                        <a:effectLst/>
+                        <a:latin typeface="Arial" panose="020B0604020202020204" pitchFamily="34" charset="0"/>
+                        <a:ea typeface="Arial" panose="020B0604020202020204" pitchFamily="34" charset="0"/>
+                      </a:endParaRPr>
+                    </a:p>
+                  </a:txBody>
+                  <a:tcPr marL="53428" marR="53428" marT="0" marB="0" anchor="ctr"/>
+                </a:tc>
+                <a:extLst>
+                  <a:ext uri="{0D108BD9-81ED-4DB2-BD59-A6C34878D82A}">
+                    <a16:rowId xmlns:a16="http://schemas.microsoft.com/office/drawing/2014/main" val="2768994507"/>
+                  </a:ext>
+                </a:extLst>
+              </a:tr>
+              <a:tr h="364294">
+                <a:tc>
+                  <a:txBody>
+                    <a:bodyPr/>
+                    <a:lstStyle/>
+                    <a:p>
+                      <a:pPr algn="ctr">
+                        <a:lnSpc>
+                          <a:spcPct val="115000"/>
+                        </a:lnSpc>
+                      </a:pPr>
+                      <a:r>
+                        <a:rPr lang="it-IT" sz="1200">
+                          <a:effectLst/>
+                        </a:rPr>
+                        <a:t>TC_16.16_02</a:t>
+                      </a:r>
+                      <a:endParaRPr lang="it-IT" sz="1200">
+                        <a:effectLst/>
+                        <a:latin typeface="Arial" panose="020B0604020202020204" pitchFamily="34" charset="0"/>
+                        <a:ea typeface="Arial" panose="020B0604020202020204" pitchFamily="34" charset="0"/>
+                      </a:endParaRPr>
+                    </a:p>
+                  </a:txBody>
+                  <a:tcPr marL="53428" marR="53428" marT="0" marB="0" anchor="ctr"/>
+                </a:tc>
+                <a:tc>
+                  <a:txBody>
+                    <a:bodyPr/>
+                    <a:lstStyle/>
+                    <a:p>
+                      <a:pPr algn="ctr">
+                        <a:lnSpc>
+                          <a:spcPct val="115000"/>
+                        </a:lnSpc>
+                      </a:pPr>
+                      <a:r>
+                        <a:rPr lang="it-IT" sz="1200" dirty="0">
+                          <a:effectLst/>
+                        </a:rPr>
+                        <a:t>is3</a:t>
+                      </a:r>
+                      <a:endParaRPr lang="it-IT" sz="1200" dirty="0">
+                        <a:effectLst/>
+                        <a:latin typeface="Arial" panose="020B0604020202020204" pitchFamily="34" charset="0"/>
+                        <a:ea typeface="Arial" panose="020B0604020202020204" pitchFamily="34" charset="0"/>
+                      </a:endParaRPr>
+                    </a:p>
+                  </a:txBody>
+                  <a:tcPr marL="53428" marR="53428" marT="0" marB="0" anchor="ctr"/>
+                </a:tc>
+                <a:tc>
+                  <a:txBody>
+                    <a:bodyPr/>
+                    <a:lstStyle/>
+                    <a:p>
+                      <a:pPr algn="ctr">
+                        <a:lnSpc>
+                          <a:spcPct val="115000"/>
+                        </a:lnSpc>
+                      </a:pPr>
+                      <a:r>
+                        <a:rPr lang="it-IT" sz="1200">
+                          <a:effectLst/>
+                        </a:rPr>
+                        <a:t>errore</a:t>
+                      </a:r>
+                      <a:endParaRPr lang="it-IT" sz="1200">
+                        <a:effectLst/>
+                        <a:latin typeface="Arial" panose="020B0604020202020204" pitchFamily="34" charset="0"/>
+                        <a:ea typeface="Arial" panose="020B0604020202020204" pitchFamily="34" charset="0"/>
+                      </a:endParaRPr>
+                    </a:p>
+                  </a:txBody>
+                  <a:tcPr marL="53428" marR="53428" marT="0" marB="0" anchor="ctr"/>
+                </a:tc>
+                <a:extLst>
+                  <a:ext uri="{0D108BD9-81ED-4DB2-BD59-A6C34878D82A}">
+                    <a16:rowId xmlns:a16="http://schemas.microsoft.com/office/drawing/2014/main" val="531531390"/>
+                  </a:ext>
+                </a:extLst>
+              </a:tr>
+              <a:tr h="364294">
+                <a:tc>
+                  <a:txBody>
+                    <a:bodyPr/>
+                    <a:lstStyle/>
+                    <a:p>
+                      <a:pPr algn="ctr">
+                        <a:lnSpc>
+                          <a:spcPct val="115000"/>
+                        </a:lnSpc>
+                      </a:pPr>
+                      <a:r>
+                        <a:rPr lang="it-IT" sz="1200">
+                          <a:effectLst/>
+                        </a:rPr>
+                        <a:t>TC_16.16_03</a:t>
+                      </a:r>
+                      <a:endParaRPr lang="it-IT" sz="1200">
+                        <a:effectLst/>
+                        <a:latin typeface="Arial" panose="020B0604020202020204" pitchFamily="34" charset="0"/>
+                        <a:ea typeface="Arial" panose="020B0604020202020204" pitchFamily="34" charset="0"/>
+                      </a:endParaRPr>
+                    </a:p>
+                  </a:txBody>
+                  <a:tcPr marL="53428" marR="53428" marT="0" marB="0" anchor="ctr"/>
+                </a:tc>
+                <a:tc>
+                  <a:txBody>
+                    <a:bodyPr/>
+                    <a:lstStyle/>
+                    <a:p>
+                      <a:pPr algn="ctr">
+                        <a:lnSpc>
+                          <a:spcPct val="115000"/>
+                        </a:lnSpc>
+                      </a:pPr>
+                      <a:r>
+                        <a:rPr lang="it-IT" sz="1200">
+                          <a:effectLst/>
+                        </a:rPr>
+                        <a:t>is2 bn2</a:t>
+                      </a:r>
+                      <a:endParaRPr lang="it-IT" sz="1200">
+                        <a:effectLst/>
+                        <a:latin typeface="Arial" panose="020B0604020202020204" pitchFamily="34" charset="0"/>
+                        <a:ea typeface="Arial" panose="020B0604020202020204" pitchFamily="34" charset="0"/>
+                      </a:endParaRPr>
+                    </a:p>
+                  </a:txBody>
+                  <a:tcPr marL="53428" marR="53428" marT="0" marB="0" anchor="ctr"/>
+                </a:tc>
+                <a:tc>
+                  <a:txBody>
+                    <a:bodyPr/>
+                    <a:lstStyle/>
+                    <a:p>
+                      <a:pPr algn="ctr">
+                        <a:lnSpc>
+                          <a:spcPct val="115000"/>
+                        </a:lnSpc>
+                      </a:pPr>
+                      <a:r>
+                        <a:rPr lang="it-IT" sz="1200">
+                          <a:effectLst/>
+                        </a:rPr>
+                        <a:t>errore</a:t>
+                      </a:r>
+                      <a:endParaRPr lang="it-IT" sz="1200">
+                        <a:effectLst/>
+                        <a:latin typeface="Arial" panose="020B0604020202020204" pitchFamily="34" charset="0"/>
+                        <a:ea typeface="Arial" panose="020B0604020202020204" pitchFamily="34" charset="0"/>
+                      </a:endParaRPr>
+                    </a:p>
+                  </a:txBody>
+                  <a:tcPr marL="53428" marR="53428" marT="0" marB="0" anchor="ctr"/>
+                </a:tc>
+                <a:extLst>
+                  <a:ext uri="{0D108BD9-81ED-4DB2-BD59-A6C34878D82A}">
+                    <a16:rowId xmlns:a16="http://schemas.microsoft.com/office/drawing/2014/main" val="3766157287"/>
+                  </a:ext>
+                </a:extLst>
+              </a:tr>
+              <a:tr h="364294">
+                <a:tc>
+                  <a:txBody>
+                    <a:bodyPr/>
+                    <a:lstStyle/>
+                    <a:p>
+                      <a:pPr algn="ctr">
+                        <a:lnSpc>
+                          <a:spcPct val="115000"/>
+                        </a:lnSpc>
+                      </a:pPr>
+                      <a:r>
+                        <a:rPr lang="it-IT" sz="1200">
+                          <a:effectLst/>
+                        </a:rPr>
+                        <a:t>TC_16.16_04</a:t>
+                      </a:r>
+                      <a:endParaRPr lang="it-IT" sz="1200">
+                        <a:effectLst/>
+                        <a:latin typeface="Arial" panose="020B0604020202020204" pitchFamily="34" charset="0"/>
+                        <a:ea typeface="Arial" panose="020B0604020202020204" pitchFamily="34" charset="0"/>
+                      </a:endParaRPr>
+                    </a:p>
+                  </a:txBody>
+                  <a:tcPr marL="53428" marR="53428" marT="0" marB="0" anchor="ctr"/>
+                </a:tc>
+                <a:tc>
+                  <a:txBody>
+                    <a:bodyPr/>
+                    <a:lstStyle/>
+                    <a:p>
+                      <a:pPr algn="ctr">
+                        <a:lnSpc>
+                          <a:spcPct val="115000"/>
+                        </a:lnSpc>
+                      </a:pPr>
+                      <a:r>
+                        <a:rPr lang="it-IT" sz="1200" dirty="0">
+                          <a:effectLst/>
+                        </a:rPr>
+                        <a:t>is2 bn1 ib1</a:t>
+                      </a:r>
+                      <a:endParaRPr lang="it-IT" sz="1200" dirty="0">
+                        <a:effectLst/>
+                        <a:latin typeface="Arial" panose="020B0604020202020204" pitchFamily="34" charset="0"/>
+                        <a:ea typeface="Arial" panose="020B0604020202020204" pitchFamily="34" charset="0"/>
+                      </a:endParaRPr>
+                    </a:p>
+                  </a:txBody>
+                  <a:tcPr marL="53428" marR="53428" marT="0" marB="0" anchor="ctr"/>
+                </a:tc>
+                <a:tc>
+                  <a:txBody>
+                    <a:bodyPr/>
+                    <a:lstStyle/>
+                    <a:p>
+                      <a:pPr algn="ctr">
+                        <a:lnSpc>
+                          <a:spcPct val="115000"/>
+                        </a:lnSpc>
+                      </a:pPr>
+                      <a:r>
+                        <a:rPr lang="it-IT" sz="1200">
+                          <a:effectLst/>
+                        </a:rPr>
+                        <a:t>errore</a:t>
+                      </a:r>
+                      <a:endParaRPr lang="it-IT" sz="1200">
+                        <a:effectLst/>
+                        <a:latin typeface="Arial" panose="020B0604020202020204" pitchFamily="34" charset="0"/>
+                        <a:ea typeface="Arial" panose="020B0604020202020204" pitchFamily="34" charset="0"/>
+                      </a:endParaRPr>
+                    </a:p>
+                  </a:txBody>
+                  <a:tcPr marL="53428" marR="53428" marT="0" marB="0" anchor="ctr"/>
+                </a:tc>
+                <a:extLst>
+                  <a:ext uri="{0D108BD9-81ED-4DB2-BD59-A6C34878D82A}">
+                    <a16:rowId xmlns:a16="http://schemas.microsoft.com/office/drawing/2014/main" val="288240525"/>
+                  </a:ext>
+                </a:extLst>
+              </a:tr>
+              <a:tr h="364294">
+                <a:tc>
+                  <a:txBody>
+                    <a:bodyPr/>
+                    <a:lstStyle/>
+                    <a:p>
+                      <a:pPr algn="ctr">
+                        <a:lnSpc>
+                          <a:spcPct val="115000"/>
+                        </a:lnSpc>
+                      </a:pPr>
+                      <a:r>
+                        <a:rPr lang="it-IT" sz="1200">
+                          <a:effectLst/>
+                        </a:rPr>
+                        <a:t>TC_16.16_05</a:t>
+                      </a:r>
+                      <a:endParaRPr lang="it-IT" sz="1200">
+                        <a:effectLst/>
+                        <a:latin typeface="Arial" panose="020B0604020202020204" pitchFamily="34" charset="0"/>
+                        <a:ea typeface="Arial" panose="020B0604020202020204" pitchFamily="34" charset="0"/>
+                      </a:endParaRPr>
+                    </a:p>
+                  </a:txBody>
+                  <a:tcPr marL="53428" marR="53428" marT="0" marB="0" anchor="ctr"/>
+                </a:tc>
+                <a:tc>
+                  <a:txBody>
+                    <a:bodyPr/>
+                    <a:lstStyle/>
+                    <a:p>
+                      <a:pPr algn="ctr">
+                        <a:lnSpc>
+                          <a:spcPct val="115000"/>
+                        </a:lnSpc>
+                      </a:pPr>
+                      <a:r>
+                        <a:rPr lang="it-IT" sz="1200" dirty="0">
+                          <a:effectLst/>
+                        </a:rPr>
+                        <a:t>is2 bn1 ib2 ti1</a:t>
+                      </a:r>
+                      <a:endParaRPr lang="it-IT" sz="1200" dirty="0">
+                        <a:effectLst/>
+                        <a:latin typeface="Arial" panose="020B0604020202020204" pitchFamily="34" charset="0"/>
+                        <a:ea typeface="Arial" panose="020B0604020202020204" pitchFamily="34" charset="0"/>
+                      </a:endParaRPr>
+                    </a:p>
+                  </a:txBody>
+                  <a:tcPr marL="53428" marR="53428" marT="0" marB="0" anchor="ctr"/>
+                </a:tc>
+                <a:tc>
+                  <a:txBody>
+                    <a:bodyPr/>
+                    <a:lstStyle/>
+                    <a:p>
+                      <a:pPr algn="ctr">
+                        <a:lnSpc>
+                          <a:spcPct val="115000"/>
+                        </a:lnSpc>
+                      </a:pPr>
+                      <a:r>
+                        <a:rPr lang="it-IT" sz="1200">
+                          <a:effectLst/>
+                        </a:rPr>
+                        <a:t>errore</a:t>
+                      </a:r>
+                      <a:endParaRPr lang="it-IT" sz="1200">
+                        <a:effectLst/>
+                        <a:latin typeface="Arial" panose="020B0604020202020204" pitchFamily="34" charset="0"/>
+                        <a:ea typeface="Arial" panose="020B0604020202020204" pitchFamily="34" charset="0"/>
+                      </a:endParaRPr>
+                    </a:p>
+                  </a:txBody>
+                  <a:tcPr marL="53428" marR="53428" marT="0" marB="0" anchor="ctr"/>
+                </a:tc>
+                <a:extLst>
+                  <a:ext uri="{0D108BD9-81ED-4DB2-BD59-A6C34878D82A}">
+                    <a16:rowId xmlns:a16="http://schemas.microsoft.com/office/drawing/2014/main" val="2760596412"/>
+                  </a:ext>
+                </a:extLst>
+              </a:tr>
+              <a:tr h="364294">
+                <a:tc>
+                  <a:txBody>
+                    <a:bodyPr/>
+                    <a:lstStyle/>
+                    <a:p>
+                      <a:pPr algn="ctr">
+                        <a:lnSpc>
+                          <a:spcPct val="115000"/>
+                        </a:lnSpc>
+                      </a:pPr>
+                      <a:r>
+                        <a:rPr lang="it-IT" sz="1200">
+                          <a:effectLst/>
+                        </a:rPr>
+                        <a:t>TC_16.16_06</a:t>
+                      </a:r>
+                      <a:endParaRPr lang="it-IT" sz="1200">
+                        <a:effectLst/>
+                        <a:latin typeface="Arial" panose="020B0604020202020204" pitchFamily="34" charset="0"/>
+                        <a:ea typeface="Arial" panose="020B0604020202020204" pitchFamily="34" charset="0"/>
+                      </a:endParaRPr>
+                    </a:p>
+                  </a:txBody>
+                  <a:tcPr marL="53428" marR="53428" marT="0" marB="0" anchor="ctr"/>
+                </a:tc>
+                <a:tc>
+                  <a:txBody>
+                    <a:bodyPr/>
+                    <a:lstStyle/>
+                    <a:p>
+                      <a:pPr algn="ctr">
+                        <a:lnSpc>
+                          <a:spcPct val="115000"/>
+                        </a:lnSpc>
+                      </a:pPr>
+                      <a:r>
+                        <a:rPr lang="en-US" sz="1200" dirty="0">
+                          <a:effectLst/>
+                        </a:rPr>
+                        <a:t>is2 bn1 ib2 ti2 to2</a:t>
+                      </a:r>
+                      <a:endParaRPr lang="it-IT" sz="1200" dirty="0">
+                        <a:effectLst/>
+                        <a:latin typeface="Arial" panose="020B0604020202020204" pitchFamily="34" charset="0"/>
+                        <a:ea typeface="Arial" panose="020B0604020202020204" pitchFamily="34" charset="0"/>
+                      </a:endParaRPr>
+                    </a:p>
+                  </a:txBody>
+                  <a:tcPr marL="53428" marR="53428" marT="0" marB="0" anchor="ctr"/>
+                </a:tc>
+                <a:tc>
+                  <a:txBody>
+                    <a:bodyPr/>
+                    <a:lstStyle/>
+                    <a:p>
+                      <a:pPr algn="ctr">
+                        <a:lnSpc>
+                          <a:spcPct val="115000"/>
+                        </a:lnSpc>
+                      </a:pPr>
+                      <a:r>
+                        <a:rPr lang="it-IT" sz="1200">
+                          <a:effectLst/>
+                        </a:rPr>
+                        <a:t>errore</a:t>
+                      </a:r>
+                      <a:endParaRPr lang="it-IT" sz="1200">
+                        <a:effectLst/>
+                        <a:latin typeface="Arial" panose="020B0604020202020204" pitchFamily="34" charset="0"/>
+                        <a:ea typeface="Arial" panose="020B0604020202020204" pitchFamily="34" charset="0"/>
+                      </a:endParaRPr>
+                    </a:p>
+                  </a:txBody>
+                  <a:tcPr marL="53428" marR="53428" marT="0" marB="0" anchor="ctr"/>
+                </a:tc>
+                <a:extLst>
+                  <a:ext uri="{0D108BD9-81ED-4DB2-BD59-A6C34878D82A}">
+                    <a16:rowId xmlns:a16="http://schemas.microsoft.com/office/drawing/2014/main" val="1144209458"/>
+                  </a:ext>
+                </a:extLst>
+              </a:tr>
+              <a:tr h="364294">
+                <a:tc>
+                  <a:txBody>
+                    <a:bodyPr/>
+                    <a:lstStyle/>
+                    <a:p>
+                      <a:pPr algn="ctr">
+                        <a:lnSpc>
+                          <a:spcPct val="115000"/>
+                        </a:lnSpc>
+                      </a:pPr>
+                      <a:r>
+                        <a:rPr lang="it-IT" sz="1200">
+                          <a:effectLst/>
+                        </a:rPr>
+                        <a:t>TC_16.16_07</a:t>
+                      </a:r>
+                      <a:endParaRPr lang="it-IT" sz="1200">
+                        <a:effectLst/>
+                        <a:latin typeface="Arial" panose="020B0604020202020204" pitchFamily="34" charset="0"/>
+                        <a:ea typeface="Arial" panose="020B0604020202020204" pitchFamily="34" charset="0"/>
+                      </a:endParaRPr>
+                    </a:p>
+                  </a:txBody>
+                  <a:tcPr marL="53428" marR="53428" marT="0" marB="0" anchor="ctr"/>
+                </a:tc>
+                <a:tc>
+                  <a:txBody>
+                    <a:bodyPr/>
+                    <a:lstStyle/>
+                    <a:p>
+                      <a:pPr algn="ctr">
+                        <a:lnSpc>
+                          <a:spcPct val="115000"/>
+                        </a:lnSpc>
+                      </a:pPr>
+                      <a:r>
+                        <a:rPr lang="en-US" sz="1200" dirty="0">
+                          <a:effectLst/>
+                        </a:rPr>
+                        <a:t>is2 bn1 ib2 ti2 to1 au1</a:t>
+                      </a:r>
+                      <a:endParaRPr lang="it-IT" sz="1200" dirty="0">
+                        <a:effectLst/>
+                        <a:latin typeface="Arial" panose="020B0604020202020204" pitchFamily="34" charset="0"/>
+                        <a:ea typeface="Arial" panose="020B0604020202020204" pitchFamily="34" charset="0"/>
+                      </a:endParaRPr>
+                    </a:p>
+                  </a:txBody>
+                  <a:tcPr marL="53428" marR="53428" marT="0" marB="0" anchor="ctr"/>
+                </a:tc>
+                <a:tc>
+                  <a:txBody>
+                    <a:bodyPr/>
+                    <a:lstStyle/>
+                    <a:p>
+                      <a:pPr algn="ctr">
+                        <a:lnSpc>
+                          <a:spcPct val="115000"/>
+                        </a:lnSpc>
+                      </a:pPr>
+                      <a:r>
+                        <a:rPr lang="it-IT" sz="1200">
+                          <a:effectLst/>
+                        </a:rPr>
+                        <a:t>errore</a:t>
+                      </a:r>
+                      <a:endParaRPr lang="it-IT" sz="1200">
+                        <a:effectLst/>
+                        <a:latin typeface="Arial" panose="020B0604020202020204" pitchFamily="34" charset="0"/>
+                        <a:ea typeface="Arial" panose="020B0604020202020204" pitchFamily="34" charset="0"/>
+                      </a:endParaRPr>
+                    </a:p>
+                  </a:txBody>
+                  <a:tcPr marL="53428" marR="53428" marT="0" marB="0" anchor="ctr"/>
+                </a:tc>
+                <a:extLst>
+                  <a:ext uri="{0D108BD9-81ED-4DB2-BD59-A6C34878D82A}">
+                    <a16:rowId xmlns:a16="http://schemas.microsoft.com/office/drawing/2014/main" val="850766270"/>
+                  </a:ext>
+                </a:extLst>
+              </a:tr>
+              <a:tr h="364294">
+                <a:tc>
+                  <a:txBody>
+                    <a:bodyPr/>
+                    <a:lstStyle/>
+                    <a:p>
+                      <a:pPr algn="ctr">
+                        <a:lnSpc>
+                          <a:spcPct val="115000"/>
+                        </a:lnSpc>
+                      </a:pPr>
+                      <a:r>
+                        <a:rPr lang="it-IT" sz="1200">
+                          <a:effectLst/>
+                        </a:rPr>
+                        <a:t>TC_16.16_08</a:t>
+                      </a:r>
+                      <a:endParaRPr lang="it-IT" sz="1200">
+                        <a:effectLst/>
+                        <a:latin typeface="Arial" panose="020B0604020202020204" pitchFamily="34" charset="0"/>
+                        <a:ea typeface="Arial" panose="020B0604020202020204" pitchFamily="34" charset="0"/>
+                      </a:endParaRPr>
+                    </a:p>
+                  </a:txBody>
+                  <a:tcPr marL="53428" marR="53428" marT="0" marB="0" anchor="ctr"/>
+                </a:tc>
+                <a:tc>
+                  <a:txBody>
+                    <a:bodyPr/>
+                    <a:lstStyle/>
+                    <a:p>
+                      <a:pPr algn="ctr">
+                        <a:lnSpc>
+                          <a:spcPct val="115000"/>
+                        </a:lnSpc>
+                      </a:pPr>
+                      <a:r>
+                        <a:rPr lang="en-US" sz="1200" dirty="0">
+                          <a:effectLst/>
+                        </a:rPr>
+                        <a:t>is2 bn1 ib2 ti2 to1 au2 re2</a:t>
+                      </a:r>
+                      <a:endParaRPr lang="it-IT" sz="1200" dirty="0">
+                        <a:effectLst/>
+                        <a:latin typeface="Arial" panose="020B0604020202020204" pitchFamily="34" charset="0"/>
+                        <a:ea typeface="Arial" panose="020B0604020202020204" pitchFamily="34" charset="0"/>
+                      </a:endParaRPr>
+                    </a:p>
+                  </a:txBody>
+                  <a:tcPr marL="53428" marR="53428" marT="0" marB="0" anchor="ctr"/>
+                </a:tc>
+                <a:tc>
+                  <a:txBody>
+                    <a:bodyPr/>
+                    <a:lstStyle/>
+                    <a:p>
+                      <a:pPr algn="ctr">
+                        <a:lnSpc>
+                          <a:spcPct val="115000"/>
+                        </a:lnSpc>
+                      </a:pPr>
+                      <a:r>
+                        <a:rPr lang="it-IT" sz="1200">
+                          <a:effectLst/>
+                        </a:rPr>
+                        <a:t>errore</a:t>
+                      </a:r>
+                      <a:endParaRPr lang="it-IT" sz="1200">
+                        <a:effectLst/>
+                        <a:latin typeface="Arial" panose="020B0604020202020204" pitchFamily="34" charset="0"/>
+                        <a:ea typeface="Arial" panose="020B0604020202020204" pitchFamily="34" charset="0"/>
+                      </a:endParaRPr>
+                    </a:p>
+                  </a:txBody>
+                  <a:tcPr marL="53428" marR="53428" marT="0" marB="0" anchor="ctr"/>
+                </a:tc>
+                <a:extLst>
+                  <a:ext uri="{0D108BD9-81ED-4DB2-BD59-A6C34878D82A}">
+                    <a16:rowId xmlns:a16="http://schemas.microsoft.com/office/drawing/2014/main" val="2285120475"/>
+                  </a:ext>
+                </a:extLst>
+              </a:tr>
+              <a:tr h="364294">
+                <a:tc>
+                  <a:txBody>
+                    <a:bodyPr/>
+                    <a:lstStyle/>
+                    <a:p>
+                      <a:pPr algn="ctr">
+                        <a:lnSpc>
+                          <a:spcPct val="115000"/>
+                        </a:lnSpc>
+                      </a:pPr>
+                      <a:r>
+                        <a:rPr lang="it-IT" sz="1200">
+                          <a:effectLst/>
+                        </a:rPr>
+                        <a:t>TC_16.16_09</a:t>
+                      </a:r>
+                      <a:endParaRPr lang="it-IT" sz="1200">
+                        <a:effectLst/>
+                        <a:latin typeface="Arial" panose="020B0604020202020204" pitchFamily="34" charset="0"/>
+                        <a:ea typeface="Arial" panose="020B0604020202020204" pitchFamily="34" charset="0"/>
+                      </a:endParaRPr>
+                    </a:p>
+                  </a:txBody>
+                  <a:tcPr marL="53428" marR="53428" marT="0" marB="0" anchor="ctr"/>
+                </a:tc>
+                <a:tc>
+                  <a:txBody>
+                    <a:bodyPr/>
+                    <a:lstStyle/>
+                    <a:p>
+                      <a:pPr algn="ctr">
+                        <a:lnSpc>
+                          <a:spcPct val="115000"/>
+                        </a:lnSpc>
+                      </a:pPr>
+                      <a:r>
+                        <a:rPr lang="en-US" sz="1200" dirty="0">
+                          <a:effectLst/>
+                        </a:rPr>
+                        <a:t>is2 bn1 ib2 ti2 to1 au2 re1 ge1</a:t>
+                      </a:r>
+                      <a:endParaRPr lang="it-IT" sz="1200" dirty="0">
+                        <a:effectLst/>
+                        <a:latin typeface="Arial" panose="020B0604020202020204" pitchFamily="34" charset="0"/>
+                        <a:ea typeface="Arial" panose="020B0604020202020204" pitchFamily="34" charset="0"/>
+                      </a:endParaRPr>
+                    </a:p>
+                  </a:txBody>
+                  <a:tcPr marL="53428" marR="53428" marT="0" marB="0" anchor="ctr"/>
+                </a:tc>
+                <a:tc>
+                  <a:txBody>
+                    <a:bodyPr/>
+                    <a:lstStyle/>
+                    <a:p>
+                      <a:pPr algn="ctr">
+                        <a:lnSpc>
+                          <a:spcPct val="115000"/>
+                        </a:lnSpc>
+                      </a:pPr>
+                      <a:r>
+                        <a:rPr lang="it-IT" sz="1200">
+                          <a:effectLst/>
+                        </a:rPr>
+                        <a:t>errore</a:t>
+                      </a:r>
+                      <a:endParaRPr lang="it-IT" sz="1200">
+                        <a:effectLst/>
+                        <a:latin typeface="Arial" panose="020B0604020202020204" pitchFamily="34" charset="0"/>
+                        <a:ea typeface="Arial" panose="020B0604020202020204" pitchFamily="34" charset="0"/>
+                      </a:endParaRPr>
+                    </a:p>
+                  </a:txBody>
+                  <a:tcPr marL="53428" marR="53428" marT="0" marB="0" anchor="ctr"/>
+                </a:tc>
+                <a:extLst>
+                  <a:ext uri="{0D108BD9-81ED-4DB2-BD59-A6C34878D82A}">
+                    <a16:rowId xmlns:a16="http://schemas.microsoft.com/office/drawing/2014/main" val="256523284"/>
+                  </a:ext>
+                </a:extLst>
+              </a:tr>
+              <a:tr h="364294">
+                <a:tc>
+                  <a:txBody>
+                    <a:bodyPr/>
+                    <a:lstStyle/>
+                    <a:p>
+                      <a:pPr algn="ctr">
+                        <a:lnSpc>
+                          <a:spcPct val="115000"/>
+                        </a:lnSpc>
+                      </a:pPr>
+                      <a:r>
+                        <a:rPr lang="it-IT" sz="1200">
+                          <a:effectLst/>
+                        </a:rPr>
+                        <a:t>TC_16.16_10</a:t>
+                      </a:r>
+                      <a:endParaRPr lang="it-IT" sz="1200">
+                        <a:effectLst/>
+                        <a:latin typeface="Arial" panose="020B0604020202020204" pitchFamily="34" charset="0"/>
+                        <a:ea typeface="Arial" panose="020B0604020202020204" pitchFamily="34" charset="0"/>
+                      </a:endParaRPr>
+                    </a:p>
+                  </a:txBody>
+                  <a:tcPr marL="53428" marR="53428" marT="0" marB="0" anchor="ctr"/>
+                </a:tc>
+                <a:tc>
+                  <a:txBody>
+                    <a:bodyPr/>
+                    <a:lstStyle/>
+                    <a:p>
+                      <a:pPr algn="ctr">
+                        <a:lnSpc>
+                          <a:spcPct val="115000"/>
+                        </a:lnSpc>
+                      </a:pPr>
+                      <a:r>
+                        <a:rPr lang="it-IT" sz="1200" dirty="0">
+                          <a:effectLst/>
+                        </a:rPr>
+                        <a:t>is2 bn1 ib2 ti2 to1 au2 re1 ge2 ne2</a:t>
+                      </a:r>
+                      <a:endParaRPr lang="it-IT" sz="1200" dirty="0">
+                        <a:effectLst/>
+                        <a:latin typeface="Arial" panose="020B0604020202020204" pitchFamily="34" charset="0"/>
+                        <a:ea typeface="Arial" panose="020B0604020202020204" pitchFamily="34" charset="0"/>
+                      </a:endParaRPr>
+                    </a:p>
+                  </a:txBody>
+                  <a:tcPr marL="53428" marR="53428" marT="0" marB="0" anchor="ctr"/>
+                </a:tc>
+                <a:tc>
+                  <a:txBody>
+                    <a:bodyPr/>
+                    <a:lstStyle/>
+                    <a:p>
+                      <a:pPr algn="ctr">
+                        <a:lnSpc>
+                          <a:spcPct val="115000"/>
+                        </a:lnSpc>
+                      </a:pPr>
+                      <a:r>
+                        <a:rPr lang="it-IT" sz="1200">
+                          <a:effectLst/>
+                        </a:rPr>
+                        <a:t>errore</a:t>
+                      </a:r>
+                      <a:endParaRPr lang="it-IT" sz="1200">
+                        <a:effectLst/>
+                        <a:latin typeface="Arial" panose="020B0604020202020204" pitchFamily="34" charset="0"/>
+                        <a:ea typeface="Arial" panose="020B0604020202020204" pitchFamily="34" charset="0"/>
+                      </a:endParaRPr>
+                    </a:p>
+                  </a:txBody>
+                  <a:tcPr marL="53428" marR="53428" marT="0" marB="0" anchor="ctr"/>
+                </a:tc>
+                <a:extLst>
+                  <a:ext uri="{0D108BD9-81ED-4DB2-BD59-A6C34878D82A}">
+                    <a16:rowId xmlns:a16="http://schemas.microsoft.com/office/drawing/2014/main" val="2633818794"/>
+                  </a:ext>
+                </a:extLst>
+              </a:tr>
+              <a:tr h="364294">
+                <a:tc>
+                  <a:txBody>
+                    <a:bodyPr/>
+                    <a:lstStyle/>
+                    <a:p>
+                      <a:pPr algn="ctr">
+                        <a:lnSpc>
+                          <a:spcPct val="115000"/>
+                        </a:lnSpc>
+                      </a:pPr>
+                      <a:r>
+                        <a:rPr lang="it-IT" sz="1200">
+                          <a:effectLst/>
+                        </a:rPr>
+                        <a:t>TC_16.16_11</a:t>
+                      </a:r>
+                      <a:endParaRPr lang="it-IT" sz="1200">
+                        <a:effectLst/>
+                        <a:latin typeface="Arial" panose="020B0604020202020204" pitchFamily="34" charset="0"/>
+                        <a:ea typeface="Arial" panose="020B0604020202020204" pitchFamily="34" charset="0"/>
+                      </a:endParaRPr>
+                    </a:p>
+                  </a:txBody>
+                  <a:tcPr marL="53428" marR="53428" marT="0" marB="0" anchor="ctr"/>
+                </a:tc>
+                <a:tc>
+                  <a:txBody>
+                    <a:bodyPr/>
+                    <a:lstStyle/>
+                    <a:p>
+                      <a:pPr algn="ctr">
+                        <a:lnSpc>
+                          <a:spcPct val="115000"/>
+                        </a:lnSpc>
+                      </a:pPr>
+                      <a:r>
+                        <a:rPr lang="it-IT" sz="1200" dirty="0">
+                          <a:effectLst/>
+                        </a:rPr>
+                        <a:t>is2 bn1 ib2 ti2 to1 au2 re1 ge2 ne1 de1</a:t>
+                      </a:r>
+                      <a:endParaRPr lang="it-IT" sz="1200" dirty="0">
+                        <a:effectLst/>
+                        <a:latin typeface="Arial" panose="020B0604020202020204" pitchFamily="34" charset="0"/>
+                        <a:ea typeface="Arial" panose="020B0604020202020204" pitchFamily="34" charset="0"/>
+                      </a:endParaRPr>
+                    </a:p>
+                  </a:txBody>
+                  <a:tcPr marL="53428" marR="53428" marT="0" marB="0" anchor="ctr"/>
+                </a:tc>
+                <a:tc>
+                  <a:txBody>
+                    <a:bodyPr/>
+                    <a:lstStyle/>
+                    <a:p>
+                      <a:pPr algn="ctr">
+                        <a:lnSpc>
+                          <a:spcPct val="115000"/>
+                        </a:lnSpc>
+                      </a:pPr>
+                      <a:r>
+                        <a:rPr lang="it-IT" sz="1200">
+                          <a:effectLst/>
+                        </a:rPr>
+                        <a:t>errore</a:t>
+                      </a:r>
+                      <a:endParaRPr lang="it-IT" sz="1200">
+                        <a:effectLst/>
+                        <a:latin typeface="Arial" panose="020B0604020202020204" pitchFamily="34" charset="0"/>
+                        <a:ea typeface="Arial" panose="020B0604020202020204" pitchFamily="34" charset="0"/>
+                      </a:endParaRPr>
+                    </a:p>
+                  </a:txBody>
+                  <a:tcPr marL="53428" marR="53428" marT="0" marB="0" anchor="ctr"/>
+                </a:tc>
+                <a:extLst>
+                  <a:ext uri="{0D108BD9-81ED-4DB2-BD59-A6C34878D82A}">
+                    <a16:rowId xmlns:a16="http://schemas.microsoft.com/office/drawing/2014/main" val="2336071126"/>
+                  </a:ext>
+                </a:extLst>
+              </a:tr>
+              <a:tr h="364294">
+                <a:tc>
+                  <a:txBody>
+                    <a:bodyPr/>
+                    <a:lstStyle/>
+                    <a:p>
+                      <a:pPr algn="ctr">
+                        <a:lnSpc>
+                          <a:spcPct val="115000"/>
+                        </a:lnSpc>
+                      </a:pPr>
+                      <a:r>
+                        <a:rPr lang="it-IT" sz="1200">
+                          <a:effectLst/>
+                        </a:rPr>
+                        <a:t>TC_16.16_12</a:t>
+                      </a:r>
+                      <a:endParaRPr lang="it-IT" sz="1200">
+                        <a:effectLst/>
+                        <a:latin typeface="Arial" panose="020B0604020202020204" pitchFamily="34" charset="0"/>
+                        <a:ea typeface="Arial" panose="020B0604020202020204" pitchFamily="34" charset="0"/>
+                      </a:endParaRPr>
+                    </a:p>
+                  </a:txBody>
+                  <a:tcPr marL="53428" marR="53428" marT="0" marB="0" anchor="ctr"/>
+                </a:tc>
+                <a:tc>
+                  <a:txBody>
+                    <a:bodyPr/>
+                    <a:lstStyle/>
+                    <a:p>
+                      <a:pPr algn="ctr">
+                        <a:lnSpc>
+                          <a:spcPct val="115000"/>
+                        </a:lnSpc>
+                      </a:pPr>
+                      <a:r>
+                        <a:rPr lang="it-IT" sz="1200">
+                          <a:effectLst/>
+                        </a:rPr>
+                        <a:t>is2 bn1 ib2 ti2 to1 au2 re1 ge2 ne1 de2 sc2</a:t>
+                      </a:r>
+                      <a:endParaRPr lang="it-IT" sz="1200">
+                        <a:effectLst/>
+                        <a:latin typeface="Arial" panose="020B0604020202020204" pitchFamily="34" charset="0"/>
+                        <a:ea typeface="Arial" panose="020B0604020202020204" pitchFamily="34" charset="0"/>
+                      </a:endParaRPr>
+                    </a:p>
+                  </a:txBody>
+                  <a:tcPr marL="53428" marR="53428" marT="0" marB="0" anchor="ctr"/>
+                </a:tc>
+                <a:tc>
+                  <a:txBody>
+                    <a:bodyPr/>
+                    <a:lstStyle/>
+                    <a:p>
+                      <a:pPr algn="ctr">
+                        <a:lnSpc>
+                          <a:spcPct val="115000"/>
+                        </a:lnSpc>
+                      </a:pPr>
+                      <a:r>
+                        <a:rPr lang="it-IT" sz="1200" dirty="0">
+                          <a:effectLst/>
+                        </a:rPr>
+                        <a:t>errore</a:t>
+                      </a:r>
+                      <a:endParaRPr lang="it-IT" sz="1200" dirty="0">
+                        <a:effectLst/>
+                        <a:latin typeface="Arial" panose="020B0604020202020204" pitchFamily="34" charset="0"/>
+                        <a:ea typeface="Arial" panose="020B0604020202020204" pitchFamily="34" charset="0"/>
+                      </a:endParaRPr>
+                    </a:p>
+                  </a:txBody>
+                  <a:tcPr marL="53428" marR="53428" marT="0" marB="0" anchor="ctr"/>
+                </a:tc>
+                <a:extLst>
+                  <a:ext uri="{0D108BD9-81ED-4DB2-BD59-A6C34878D82A}">
+                    <a16:rowId xmlns:a16="http://schemas.microsoft.com/office/drawing/2014/main" val="1704409339"/>
+                  </a:ext>
+                </a:extLst>
+              </a:tr>
+              <a:tr h="364294">
+                <a:tc>
+                  <a:txBody>
+                    <a:bodyPr/>
+                    <a:lstStyle/>
+                    <a:p>
+                      <a:pPr algn="ctr">
+                        <a:lnSpc>
+                          <a:spcPct val="115000"/>
+                        </a:lnSpc>
+                      </a:pPr>
+                      <a:r>
+                        <a:rPr lang="it-IT" sz="1200">
+                          <a:effectLst/>
+                        </a:rPr>
+                        <a:t>TC_16.16_13</a:t>
+                      </a:r>
+                      <a:endParaRPr lang="it-IT" sz="1200">
+                        <a:effectLst/>
+                        <a:latin typeface="Arial" panose="020B0604020202020204" pitchFamily="34" charset="0"/>
+                        <a:ea typeface="Arial" panose="020B0604020202020204" pitchFamily="34" charset="0"/>
+                      </a:endParaRPr>
+                    </a:p>
+                  </a:txBody>
+                  <a:tcPr marL="53428" marR="53428" marT="0" marB="0" anchor="ctr"/>
+                </a:tc>
+                <a:tc>
+                  <a:txBody>
+                    <a:bodyPr/>
+                    <a:lstStyle/>
+                    <a:p>
+                      <a:pPr algn="ctr">
+                        <a:lnSpc>
+                          <a:spcPct val="115000"/>
+                        </a:lnSpc>
+                      </a:pPr>
+                      <a:r>
+                        <a:rPr lang="it-IT" sz="1200">
+                          <a:effectLst/>
+                        </a:rPr>
+                        <a:t>is2 bn1 ib2 ti2 to1 au2 re1 ge2 ne1 de2 sc1 pr1</a:t>
+                      </a:r>
+                      <a:endParaRPr lang="it-IT" sz="1200">
+                        <a:effectLst/>
+                        <a:latin typeface="Arial" panose="020B0604020202020204" pitchFamily="34" charset="0"/>
+                        <a:ea typeface="Arial" panose="020B0604020202020204" pitchFamily="34" charset="0"/>
+                      </a:endParaRPr>
+                    </a:p>
+                  </a:txBody>
+                  <a:tcPr marL="53428" marR="53428" marT="0" marB="0" anchor="ctr"/>
+                </a:tc>
+                <a:tc>
+                  <a:txBody>
+                    <a:bodyPr/>
+                    <a:lstStyle/>
+                    <a:p>
+                      <a:pPr algn="ctr">
+                        <a:lnSpc>
+                          <a:spcPct val="115000"/>
+                        </a:lnSpc>
+                      </a:pPr>
+                      <a:r>
+                        <a:rPr lang="it-IT" sz="1200" dirty="0">
+                          <a:effectLst/>
+                        </a:rPr>
+                        <a:t>errore</a:t>
+                      </a:r>
+                      <a:endParaRPr lang="it-IT" sz="1200" dirty="0">
+                        <a:effectLst/>
+                        <a:latin typeface="Arial" panose="020B0604020202020204" pitchFamily="34" charset="0"/>
+                        <a:ea typeface="Arial" panose="020B0604020202020204" pitchFamily="34" charset="0"/>
+                      </a:endParaRPr>
+                    </a:p>
+                  </a:txBody>
+                  <a:tcPr marL="53428" marR="53428" marT="0" marB="0" anchor="ctr"/>
+                </a:tc>
+                <a:extLst>
+                  <a:ext uri="{0D108BD9-81ED-4DB2-BD59-A6C34878D82A}">
+                    <a16:rowId xmlns:a16="http://schemas.microsoft.com/office/drawing/2014/main" val="3231571244"/>
+                  </a:ext>
+                </a:extLst>
+              </a:tr>
+              <a:tr h="364294">
+                <a:tc>
+                  <a:txBody>
+                    <a:bodyPr/>
+                    <a:lstStyle/>
+                    <a:p>
+                      <a:pPr algn="ctr">
+                        <a:lnSpc>
+                          <a:spcPct val="115000"/>
+                        </a:lnSpc>
+                      </a:pPr>
+                      <a:r>
+                        <a:rPr lang="it-IT" sz="1200">
+                          <a:effectLst/>
+                        </a:rPr>
+                        <a:t>TC_16.16_14</a:t>
+                      </a:r>
+                      <a:endParaRPr lang="it-IT" sz="1200">
+                        <a:effectLst/>
+                        <a:latin typeface="Arial" panose="020B0604020202020204" pitchFamily="34" charset="0"/>
+                        <a:ea typeface="Arial" panose="020B0604020202020204" pitchFamily="34" charset="0"/>
+                      </a:endParaRPr>
+                    </a:p>
+                  </a:txBody>
+                  <a:tcPr marL="53428" marR="53428" marT="0" marB="0" anchor="ctr"/>
+                </a:tc>
+                <a:tc>
+                  <a:txBody>
+                    <a:bodyPr/>
+                    <a:lstStyle/>
+                    <a:p>
+                      <a:pPr algn="ctr">
+                        <a:lnSpc>
+                          <a:spcPct val="115000"/>
+                        </a:lnSpc>
+                      </a:pPr>
+                      <a:r>
+                        <a:rPr lang="it-IT" sz="1200" dirty="0">
+                          <a:effectLst/>
+                        </a:rPr>
+                        <a:t>is2 bn1 ib2 ti2 to1 au2 re1 ge2 ne1 de2 sc1 pr2 zo2</a:t>
+                      </a:r>
+                      <a:endParaRPr lang="it-IT" sz="1200" dirty="0">
+                        <a:effectLst/>
+                        <a:latin typeface="Arial" panose="020B0604020202020204" pitchFamily="34" charset="0"/>
+                        <a:ea typeface="Arial" panose="020B0604020202020204" pitchFamily="34" charset="0"/>
+                      </a:endParaRPr>
+                    </a:p>
+                  </a:txBody>
+                  <a:tcPr marL="53428" marR="53428" marT="0" marB="0" anchor="ctr"/>
+                </a:tc>
+                <a:tc>
+                  <a:txBody>
+                    <a:bodyPr/>
+                    <a:lstStyle/>
+                    <a:p>
+                      <a:pPr algn="ctr">
+                        <a:lnSpc>
+                          <a:spcPct val="115000"/>
+                        </a:lnSpc>
+                      </a:pPr>
+                      <a:r>
+                        <a:rPr lang="it-IT" sz="1200" dirty="0">
+                          <a:effectLst/>
+                        </a:rPr>
+                        <a:t>errore</a:t>
+                      </a:r>
+                      <a:endParaRPr lang="it-IT" sz="1200" dirty="0">
+                        <a:effectLst/>
+                        <a:latin typeface="Arial" panose="020B0604020202020204" pitchFamily="34" charset="0"/>
+                        <a:ea typeface="Arial" panose="020B0604020202020204" pitchFamily="34" charset="0"/>
+                      </a:endParaRPr>
+                    </a:p>
+                  </a:txBody>
+                  <a:tcPr marL="53428" marR="53428" marT="0" marB="0" anchor="ctr"/>
+                </a:tc>
+                <a:extLst>
+                  <a:ext uri="{0D108BD9-81ED-4DB2-BD59-A6C34878D82A}">
+                    <a16:rowId xmlns:a16="http://schemas.microsoft.com/office/drawing/2014/main" val="994186477"/>
+                  </a:ext>
+                </a:extLst>
+              </a:tr>
+              <a:tr h="364294">
+                <a:tc>
+                  <a:txBody>
+                    <a:bodyPr/>
+                    <a:lstStyle/>
+                    <a:p>
+                      <a:pPr algn="ctr">
+                        <a:lnSpc>
+                          <a:spcPct val="115000"/>
+                        </a:lnSpc>
+                      </a:pPr>
+                      <a:r>
+                        <a:rPr lang="it-IT" sz="1200">
+                          <a:effectLst/>
+                        </a:rPr>
+                        <a:t>TC_16.16_15</a:t>
+                      </a:r>
+                      <a:endParaRPr lang="it-IT" sz="1200">
+                        <a:effectLst/>
+                        <a:latin typeface="Arial" panose="020B0604020202020204" pitchFamily="34" charset="0"/>
+                        <a:ea typeface="Arial" panose="020B0604020202020204" pitchFamily="34" charset="0"/>
+                      </a:endParaRPr>
+                    </a:p>
+                  </a:txBody>
+                  <a:tcPr marL="53428" marR="53428" marT="0" marB="0" anchor="ctr"/>
+                </a:tc>
+                <a:tc>
+                  <a:txBody>
+                    <a:bodyPr/>
+                    <a:lstStyle/>
+                    <a:p>
+                      <a:pPr algn="ctr">
+                        <a:lnSpc>
+                          <a:spcPct val="115000"/>
+                        </a:lnSpc>
+                      </a:pPr>
+                      <a:r>
+                        <a:rPr lang="it-IT" sz="1200">
+                          <a:effectLst/>
+                        </a:rPr>
+                        <a:t>is2 bn1 ib2 ti2 to1 au2 re1 ge2 ne1 de2 sc1 pr2  zo1 pe2</a:t>
+                      </a:r>
+                      <a:endParaRPr lang="it-IT" sz="1200">
+                        <a:effectLst/>
+                        <a:latin typeface="Arial" panose="020B0604020202020204" pitchFamily="34" charset="0"/>
+                        <a:ea typeface="Arial" panose="020B0604020202020204" pitchFamily="34" charset="0"/>
+                      </a:endParaRPr>
+                    </a:p>
+                  </a:txBody>
+                  <a:tcPr marL="53428" marR="53428" marT="0" marB="0" anchor="ctr"/>
+                </a:tc>
+                <a:tc>
+                  <a:txBody>
+                    <a:bodyPr/>
+                    <a:lstStyle/>
+                    <a:p>
+                      <a:pPr algn="ctr">
+                        <a:lnSpc>
+                          <a:spcPct val="115000"/>
+                        </a:lnSpc>
+                      </a:pPr>
+                      <a:r>
+                        <a:rPr lang="it-IT" sz="1200" dirty="0">
+                          <a:effectLst/>
+                        </a:rPr>
+                        <a:t>errore</a:t>
+                      </a:r>
+                      <a:endParaRPr lang="it-IT" sz="1200" dirty="0">
+                        <a:effectLst/>
+                        <a:latin typeface="Arial" panose="020B0604020202020204" pitchFamily="34" charset="0"/>
+                        <a:ea typeface="Arial" panose="020B0604020202020204" pitchFamily="34" charset="0"/>
+                      </a:endParaRPr>
+                    </a:p>
+                  </a:txBody>
+                  <a:tcPr marL="53428" marR="53428" marT="0" marB="0" anchor="ctr"/>
+                </a:tc>
+                <a:extLst>
+                  <a:ext uri="{0D108BD9-81ED-4DB2-BD59-A6C34878D82A}">
+                    <a16:rowId xmlns:a16="http://schemas.microsoft.com/office/drawing/2014/main" val="1391218677"/>
+                  </a:ext>
+                </a:extLst>
+              </a:tr>
+              <a:tr h="364294">
+                <a:tc>
+                  <a:txBody>
+                    <a:bodyPr/>
+                    <a:lstStyle/>
+                    <a:p>
+                      <a:pPr algn="ctr">
+                        <a:lnSpc>
+                          <a:spcPct val="115000"/>
+                        </a:lnSpc>
+                      </a:pPr>
+                      <a:r>
+                        <a:rPr lang="it-IT" sz="1200">
+                          <a:effectLst/>
+                        </a:rPr>
+                        <a:t>TC_16.16_16</a:t>
+                      </a:r>
+                      <a:endParaRPr lang="it-IT" sz="1200">
+                        <a:effectLst/>
+                        <a:latin typeface="Arial" panose="020B0604020202020204" pitchFamily="34" charset="0"/>
+                        <a:ea typeface="Arial" panose="020B0604020202020204" pitchFamily="34" charset="0"/>
+                      </a:endParaRPr>
+                    </a:p>
+                  </a:txBody>
+                  <a:tcPr marL="53428" marR="53428" marT="0" marB="0" anchor="ctr"/>
+                </a:tc>
+                <a:tc>
+                  <a:txBody>
+                    <a:bodyPr/>
+                    <a:lstStyle/>
+                    <a:p>
+                      <a:pPr algn="ctr">
+                        <a:lnSpc>
+                          <a:spcPct val="115000"/>
+                        </a:lnSpc>
+                      </a:pPr>
+                      <a:r>
+                        <a:rPr lang="it-IT" sz="1200">
+                          <a:effectLst/>
+                        </a:rPr>
+                        <a:t>is2 bn1 ib2 ti2 to1 au2 re1 ge2 ne1 de2 sc1 pr2 zo1pe1 </a:t>
+                      </a:r>
+                      <a:endParaRPr lang="it-IT" sz="1200">
+                        <a:effectLst/>
+                        <a:latin typeface="Arial" panose="020B0604020202020204" pitchFamily="34" charset="0"/>
+                        <a:ea typeface="Arial" panose="020B0604020202020204" pitchFamily="34" charset="0"/>
+                      </a:endParaRPr>
+                    </a:p>
+                  </a:txBody>
+                  <a:tcPr marL="53428" marR="53428" marT="0" marB="0" anchor="ctr"/>
+                </a:tc>
+                <a:tc>
+                  <a:txBody>
+                    <a:bodyPr/>
+                    <a:lstStyle/>
+                    <a:p>
+                      <a:pPr algn="ctr">
+                        <a:lnSpc>
+                          <a:spcPct val="115000"/>
+                        </a:lnSpc>
+                      </a:pPr>
+                      <a:r>
+                        <a:rPr lang="it-IT" sz="1200" dirty="0">
+                          <a:effectLst/>
+                        </a:rPr>
+                        <a:t>aggiornato</a:t>
+                      </a:r>
+                      <a:endParaRPr lang="it-IT" sz="1200" dirty="0">
+                        <a:effectLst/>
+                        <a:latin typeface="Arial" panose="020B0604020202020204" pitchFamily="34" charset="0"/>
+                        <a:ea typeface="Arial" panose="020B0604020202020204" pitchFamily="34" charset="0"/>
+                      </a:endParaRPr>
+                    </a:p>
+                  </a:txBody>
+                  <a:tcPr marL="53428" marR="53428" marT="0" marB="0" anchor="ctr"/>
+                </a:tc>
+                <a:extLst>
+                  <a:ext uri="{0D108BD9-81ED-4DB2-BD59-A6C34878D82A}">
+                    <a16:rowId xmlns:a16="http://schemas.microsoft.com/office/drawing/2014/main" val="2444070923"/>
+                  </a:ext>
+                </a:extLst>
+              </a:tr>
+            </a:tbl>
+          </a:graphicData>
+        </a:graphic>
+      </p:graphicFrame>
+    </p:spTree>
+    <p:extLst>
+      <p:ext uri="{BB962C8B-B14F-4D97-AF65-F5344CB8AC3E}">
+        <p14:creationId xmlns:p14="http://schemas.microsoft.com/office/powerpoint/2010/main" val="190203738"/>
+      </p:ext>
+    </p:extLst>
+  </p:cSld>
+  <p:clrMapOvr>
+    <a:masterClrMapping/>
+  </p:clrMapOvr>
+</p:sld>
+</file>
+
+<file path=ppt/slides/slide17.xml><?xml version="1.0" encoding="utf-8"?>
 <p:sld xmlns:a="http://schemas.openxmlformats.org/drawingml/2006/main" xmlns:r="http://schemas.openxmlformats.org/officeDocument/2006/relationships" xmlns:p="http://schemas.openxmlformats.org/presentationml/2006/main">
   <p:cSld>
     <p:spTree>
@@ -10372,31 +15205,35 @@
           </a:p>
         </p:txBody>
       </p:sp>
-      <p:sp>
-        <p:nvSpPr>
-          <p:cNvPr id="3" name="Segnaposto contenuto 2">
+      <p:pic>
+        <p:nvPicPr>
+          <p:cNvPr id="5" name="Immagine 4">
             <a:extLst>
               <a:ext uri="{FF2B5EF4-FFF2-40B4-BE49-F238E27FC236}">
-                <a16:creationId xmlns:a16="http://schemas.microsoft.com/office/drawing/2014/main" id="{0D1F4823-2969-402A-86AF-FE8D80B3F521}"/>
+                <a16:creationId xmlns:a16="http://schemas.microsoft.com/office/drawing/2014/main" id="{A6535E7A-1478-4BC7-9D6D-A34FC9606CF6}"/>
               </a:ext>
             </a:extLst>
           </p:cNvPr>
-          <p:cNvSpPr>
-            <a:spLocks noGrp="1"/>
-          </p:cNvSpPr>
-          <p:nvPr>
-            <p:ph idx="1"/>
-          </p:nvPr>
-        </p:nvSpPr>
-        <p:spPr/>
-        <p:txBody>
-          <a:bodyPr/>
-          <a:lstStyle/>
-          <a:p>
-            <a:endParaRPr lang="it-IT" dirty="0"/>
-          </a:p>
-        </p:txBody>
-      </p:sp>
+          <p:cNvPicPr>
+            <a:picLocks noChangeAspect="1"/>
+          </p:cNvPicPr>
+          <p:nvPr/>
+        </p:nvPicPr>
+        <p:blipFill rotWithShape="1">
+          <a:blip r:embed="rId2"/>
+          <a:srcRect l="3359" t="20555" r="2266" b="45972"/>
+          <a:stretch/>
+        </p:blipFill>
+        <p:spPr>
+          <a:xfrm>
+            <a:off x="937942" y="1933574"/>
+            <a:ext cx="10882583" cy="2295525"/>
+          </a:xfrm>
+          <a:prstGeom prst="rect">
+            <a:avLst/>
+          </a:prstGeom>
+        </p:spPr>
+      </p:pic>
     </p:spTree>
     <p:extLst>
       <p:ext uri="{BB962C8B-B14F-4D97-AF65-F5344CB8AC3E}">
@@ -10410,7 +15247,7 @@
 </p:sld>
 </file>
 
-<file path=ppt/slides/slide17.xml><?xml version="1.0" encoding="utf-8"?>
+<file path=ppt/slides/slide18.xml><?xml version="1.0" encoding="utf-8"?>
 <p:sld xmlns:a="http://schemas.openxmlformats.org/drawingml/2006/main" xmlns:r="http://schemas.openxmlformats.org/officeDocument/2006/relationships" xmlns:p="http://schemas.openxmlformats.org/presentationml/2006/main">
   <p:cSld>
     <p:spTree>
@@ -10533,7 +15370,7 @@
 </p:sld>
 </file>
 
-<file path=ppt/slides/slide18.xml><?xml version="1.0" encoding="utf-8"?>
+<file path=ppt/slides/slide19.xml><?xml version="1.0" encoding="utf-8"?>
 <p:sld xmlns:a="http://schemas.openxmlformats.org/drawingml/2006/main" xmlns:r="http://schemas.openxmlformats.org/officeDocument/2006/relationships" xmlns:p="http://schemas.openxmlformats.org/presentationml/2006/main">
   <p:cSld>
     <p:spTree>
@@ -10745,7 +15582,260 @@
 </p:sld>
 </file>
 
-<file path=ppt/slides/slide19.xml><?xml version="1.0" encoding="utf-8"?>
+<file path=ppt/slides/slide2.xml><?xml version="1.0" encoding="utf-8"?>
+<p:sld xmlns:a="http://schemas.openxmlformats.org/drawingml/2006/main" xmlns:r="http://schemas.openxmlformats.org/officeDocument/2006/relationships" xmlns:p="http://schemas.openxmlformats.org/presentationml/2006/main">
+  <p:cSld>
+    <p:spTree>
+      <p:nvGrpSpPr>
+        <p:cNvPr id="1" name=""/>
+        <p:cNvGrpSpPr/>
+        <p:nvPr/>
+      </p:nvGrpSpPr>
+      <p:grpSpPr>
+        <a:xfrm>
+          <a:off x="0" y="0"/>
+          <a:ext cx="0" cy="0"/>
+          <a:chOff x="0" y="0"/>
+          <a:chExt cx="0" cy="0"/>
+        </a:xfrm>
+      </p:grpSpPr>
+      <p:sp>
+        <p:nvSpPr>
+          <p:cNvPr id="2" name="Titolo 1">
+            <a:extLst>
+              <a:ext uri="{FF2B5EF4-FFF2-40B4-BE49-F238E27FC236}">
+                <a16:creationId xmlns:a16="http://schemas.microsoft.com/office/drawing/2014/main" id="{B091881F-E104-4A2A-A90F-E9C96E8E73B4}"/>
+              </a:ext>
+            </a:extLst>
+          </p:cNvPr>
+          <p:cNvSpPr>
+            <a:spLocks noGrp="1"/>
+          </p:cNvSpPr>
+          <p:nvPr>
+            <p:ph type="title"/>
+          </p:nvPr>
+        </p:nvSpPr>
+        <p:spPr>
+          <a:xfrm rot="16200000">
+            <a:off x="-506130" y="197747"/>
+            <a:ext cx="1764084" cy="751823"/>
+          </a:xfrm>
+        </p:spPr>
+        <p:txBody>
+          <a:bodyPr>
+            <a:normAutofit fontScale="90000"/>
+          </a:bodyPr>
+          <a:lstStyle/>
+          <a:p>
+            <a:r>
+              <a:rPr lang="it-IT" dirty="0">
+                <a:solidFill>
+                  <a:srgbClr val="F8B323"/>
+                </a:solidFill>
+              </a:rPr>
+              <a:t>Team</a:t>
+            </a:r>
+          </a:p>
+        </p:txBody>
+      </p:sp>
+      <p:pic>
+        <p:nvPicPr>
+          <p:cNvPr id="5" name="Immagine 4">
+            <a:extLst>
+              <a:ext uri="{FF2B5EF4-FFF2-40B4-BE49-F238E27FC236}">
+                <a16:creationId xmlns:a16="http://schemas.microsoft.com/office/drawing/2014/main" id="{95D1CE17-6933-436C-90FD-FA90536CF3DD}"/>
+              </a:ext>
+            </a:extLst>
+          </p:cNvPr>
+          <p:cNvPicPr>
+            <a:picLocks noChangeAspect="1"/>
+          </p:cNvPicPr>
+          <p:nvPr/>
+        </p:nvPicPr>
+        <p:blipFill rotWithShape="1">
+          <a:blip r:embed="rId2">
+            <a:extLst>
+              <a:ext uri="{28A0092B-C50C-407E-A947-70E740481C1C}">
+                <a14:useLocalDpi xmlns:a14="http://schemas.microsoft.com/office/drawing/2010/main" val="0"/>
+              </a:ext>
+            </a:extLst>
+          </a:blip>
+          <a:srcRect l="26374" r="21226" b="14525"/>
+          <a:stretch/>
+        </p:blipFill>
+        <p:spPr>
+          <a:xfrm rot="16200000">
+            <a:off x="1676338" y="1743518"/>
+            <a:ext cx="3156087" cy="1973339"/>
+          </a:xfrm>
+          <a:prstGeom prst="rect">
+            <a:avLst/>
+          </a:prstGeom>
+        </p:spPr>
+      </p:pic>
+      <p:sp>
+        <p:nvSpPr>
+          <p:cNvPr id="6" name="CasellaDiTesto 5">
+            <a:extLst>
+              <a:ext uri="{FF2B5EF4-FFF2-40B4-BE49-F238E27FC236}">
+                <a16:creationId xmlns:a16="http://schemas.microsoft.com/office/drawing/2014/main" id="{91976363-663B-4BB9-9EFA-B8098E3A2718}"/>
+              </a:ext>
+            </a:extLst>
+          </p:cNvPr>
+          <p:cNvSpPr txBox="1"/>
+          <p:nvPr/>
+        </p:nvSpPr>
+        <p:spPr>
+          <a:xfrm>
+            <a:off x="1831843" y="4415568"/>
+            <a:ext cx="2776905" cy="707886"/>
+          </a:xfrm>
+          <a:prstGeom prst="rect">
+            <a:avLst/>
+          </a:prstGeom>
+          <a:noFill/>
+        </p:spPr>
+        <p:txBody>
+          <a:bodyPr wrap="square" rtlCol="0">
+            <a:spAutoFit/>
+          </a:bodyPr>
+          <a:lstStyle/>
+          <a:p>
+            <a:pPr algn="ctr"/>
+            <a:r>
+              <a:rPr lang="it-IT" sz="2000" dirty="0">
+                <a:solidFill>
+                  <a:schemeClr val="tx1">
+                    <a:lumMod val="65000"/>
+                    <a:lumOff val="35000"/>
+                  </a:schemeClr>
+                </a:solidFill>
+              </a:rPr>
+              <a:t>Farina Simone</a:t>
+            </a:r>
+          </a:p>
+          <a:p>
+            <a:pPr algn="ctr"/>
+            <a:r>
+              <a:rPr lang="it-IT" sz="2000" dirty="0">
+                <a:solidFill>
+                  <a:schemeClr val="tx1">
+                    <a:lumMod val="65000"/>
+                    <a:lumOff val="35000"/>
+                  </a:schemeClr>
+                </a:solidFill>
+              </a:rPr>
+              <a:t>Matricola: 0512106049</a:t>
+            </a:r>
+          </a:p>
+        </p:txBody>
+      </p:sp>
+      <p:sp>
+        <p:nvSpPr>
+          <p:cNvPr id="7" name="CasellaDiTesto 6">
+            <a:extLst>
+              <a:ext uri="{FF2B5EF4-FFF2-40B4-BE49-F238E27FC236}">
+                <a16:creationId xmlns:a16="http://schemas.microsoft.com/office/drawing/2014/main" id="{40CE78B6-2968-4BC4-A9A5-86BB21041EF9}"/>
+              </a:ext>
+            </a:extLst>
+          </p:cNvPr>
+          <p:cNvSpPr txBox="1"/>
+          <p:nvPr/>
+        </p:nvSpPr>
+        <p:spPr>
+          <a:xfrm>
+            <a:off x="7004651" y="4415568"/>
+            <a:ext cx="2776905" cy="707886"/>
+          </a:xfrm>
+          <a:prstGeom prst="rect">
+            <a:avLst/>
+          </a:prstGeom>
+          <a:noFill/>
+        </p:spPr>
+        <p:txBody>
+          <a:bodyPr wrap="square" rtlCol="0">
+            <a:spAutoFit/>
+          </a:bodyPr>
+          <a:lstStyle/>
+          <a:p>
+            <a:pPr algn="ctr"/>
+            <a:r>
+              <a:rPr lang="it-IT" sz="2000" dirty="0">
+                <a:solidFill>
+                  <a:schemeClr val="tx1">
+                    <a:lumMod val="65000"/>
+                    <a:lumOff val="35000"/>
+                  </a:schemeClr>
+                </a:solidFill>
+              </a:rPr>
+              <a:t>Cuomo Alfonso</a:t>
+            </a:r>
+          </a:p>
+          <a:p>
+            <a:pPr algn="ctr"/>
+            <a:r>
+              <a:rPr lang="it-IT" sz="2000" dirty="0">
+                <a:solidFill>
+                  <a:schemeClr val="tx1">
+                    <a:lumMod val="65000"/>
+                    <a:lumOff val="35000"/>
+                  </a:schemeClr>
+                </a:solidFill>
+              </a:rPr>
+              <a:t>Matricola: 0512105143</a:t>
+            </a:r>
+          </a:p>
+        </p:txBody>
+      </p:sp>
+      <p:pic>
+        <p:nvPicPr>
+          <p:cNvPr id="4" name="Immagine 3" descr="Immagine che contiene persona, uomo, finestra, interni&#10;&#10;Descrizione generata automaticamente">
+            <a:extLst>
+              <a:ext uri="{FF2B5EF4-FFF2-40B4-BE49-F238E27FC236}">
+                <a16:creationId xmlns:a16="http://schemas.microsoft.com/office/drawing/2014/main" id="{576627EC-0EB9-475F-BE18-19F304D4F7DE}"/>
+              </a:ext>
+            </a:extLst>
+          </p:cNvPr>
+          <p:cNvPicPr>
+            <a:picLocks noChangeAspect="1"/>
+          </p:cNvPicPr>
+          <p:nvPr/>
+        </p:nvPicPr>
+        <p:blipFill rotWithShape="1">
+          <a:blip r:embed="rId3">
+            <a:extLst>
+              <a:ext uri="{28A0092B-C50C-407E-A947-70E740481C1C}">
+                <a14:useLocalDpi xmlns:a14="http://schemas.microsoft.com/office/drawing/2010/main" val="0"/>
+              </a:ext>
+            </a:extLst>
+          </a:blip>
+          <a:srcRect t="3892" b="3892"/>
+          <a:stretch/>
+        </p:blipFill>
+        <p:spPr>
+          <a:xfrm>
+            <a:off x="7351776" y="1152144"/>
+            <a:ext cx="2181927" cy="3156087"/>
+          </a:xfrm>
+          <a:prstGeom prst="rect">
+            <a:avLst/>
+          </a:prstGeom>
+        </p:spPr>
+      </p:pic>
+    </p:spTree>
+    <p:extLst>
+      <p:ext uri="{BB962C8B-B14F-4D97-AF65-F5344CB8AC3E}">
+        <p14:creationId xmlns:p14="http://schemas.microsoft.com/office/powerpoint/2010/main" val="2358209768"/>
+      </p:ext>
+    </p:extLst>
+  </p:cSld>
+  <p:clrMapOvr>
+    <a:masterClrMapping/>
+  </p:clrMapOvr>
+</p:sld>
+</file>
+
+<file path=ppt/slides/slide20.xml><?xml version="1.0" encoding="utf-8"?>
 <p:sld xmlns:a="http://schemas.openxmlformats.org/drawingml/2006/main" xmlns:r="http://schemas.openxmlformats.org/officeDocument/2006/relationships" xmlns:p="http://schemas.openxmlformats.org/presentationml/2006/main">
   <p:cSld>
     <p:spTree>
@@ -10994,894 +16084,6 @@
     <p:extLst>
       <p:ext uri="{BB962C8B-B14F-4D97-AF65-F5344CB8AC3E}">
         <p14:creationId xmlns:p14="http://schemas.microsoft.com/office/powerpoint/2010/main" val="4025117805"/>
-      </p:ext>
-    </p:extLst>
-  </p:cSld>
-  <p:clrMapOvr>
-    <a:masterClrMapping/>
-  </p:clrMapOvr>
-</p:sld>
-</file>
-
-<file path=ppt/slides/slide2.xml><?xml version="1.0" encoding="utf-8"?>
-<p:sld xmlns:a="http://schemas.openxmlformats.org/drawingml/2006/main" xmlns:r="http://schemas.openxmlformats.org/officeDocument/2006/relationships" xmlns:p="http://schemas.openxmlformats.org/presentationml/2006/main">
-  <p:cSld>
-    <p:spTree>
-      <p:nvGrpSpPr>
-        <p:cNvPr id="1" name=""/>
-        <p:cNvGrpSpPr/>
-        <p:nvPr/>
-      </p:nvGrpSpPr>
-      <p:grpSpPr>
-        <a:xfrm>
-          <a:off x="0" y="0"/>
-          <a:ext cx="0" cy="0"/>
-          <a:chOff x="0" y="0"/>
-          <a:chExt cx="0" cy="0"/>
-        </a:xfrm>
-      </p:grpSpPr>
-      <p:sp>
-        <p:nvSpPr>
-          <p:cNvPr id="2" name="Titolo 1">
-            <a:extLst>
-              <a:ext uri="{FF2B5EF4-FFF2-40B4-BE49-F238E27FC236}">
-                <a16:creationId xmlns:a16="http://schemas.microsoft.com/office/drawing/2014/main" id="{B091881F-E104-4A2A-A90F-E9C96E8E73B4}"/>
-              </a:ext>
-            </a:extLst>
-          </p:cNvPr>
-          <p:cNvSpPr>
-            <a:spLocks noGrp="1"/>
-          </p:cNvSpPr>
-          <p:nvPr>
-            <p:ph type="title"/>
-          </p:nvPr>
-        </p:nvSpPr>
-        <p:spPr>
-          <a:xfrm rot="16200000">
-            <a:off x="-506130" y="197747"/>
-            <a:ext cx="1764084" cy="751823"/>
-          </a:xfrm>
-        </p:spPr>
-        <p:txBody>
-          <a:bodyPr>
-            <a:normAutofit fontScale="90000"/>
-          </a:bodyPr>
-          <a:lstStyle/>
-          <a:p>
-            <a:r>
-              <a:rPr lang="it-IT" dirty="0">
-                <a:solidFill>
-                  <a:srgbClr val="F8B323"/>
-                </a:solidFill>
-              </a:rPr>
-              <a:t>Team</a:t>
-            </a:r>
-          </a:p>
-        </p:txBody>
-      </p:sp>
-      <p:pic>
-        <p:nvPicPr>
-          <p:cNvPr id="5" name="Immagine 4">
-            <a:extLst>
-              <a:ext uri="{FF2B5EF4-FFF2-40B4-BE49-F238E27FC236}">
-                <a16:creationId xmlns:a16="http://schemas.microsoft.com/office/drawing/2014/main" id="{95D1CE17-6933-436C-90FD-FA90536CF3DD}"/>
-              </a:ext>
-            </a:extLst>
-          </p:cNvPr>
-          <p:cNvPicPr>
-            <a:picLocks noChangeAspect="1"/>
-          </p:cNvPicPr>
-          <p:nvPr/>
-        </p:nvPicPr>
-        <p:blipFill rotWithShape="1">
-          <a:blip r:embed="rId2">
-            <a:extLst>
-              <a:ext uri="{28A0092B-C50C-407E-A947-70E740481C1C}">
-                <a14:useLocalDpi xmlns:a14="http://schemas.microsoft.com/office/drawing/2010/main" val="0"/>
-              </a:ext>
-            </a:extLst>
-          </a:blip>
-          <a:srcRect l="26374" r="21226" b="14525"/>
-          <a:stretch/>
-        </p:blipFill>
-        <p:spPr>
-          <a:xfrm rot="16200000">
-            <a:off x="1895143" y="1962322"/>
-            <a:ext cx="2650308" cy="2041510"/>
-          </a:xfrm>
-          <a:prstGeom prst="rect">
-            <a:avLst/>
-          </a:prstGeom>
-        </p:spPr>
-      </p:pic>
-      <p:sp>
-        <p:nvSpPr>
-          <p:cNvPr id="6" name="CasellaDiTesto 5">
-            <a:extLst>
-              <a:ext uri="{FF2B5EF4-FFF2-40B4-BE49-F238E27FC236}">
-                <a16:creationId xmlns:a16="http://schemas.microsoft.com/office/drawing/2014/main" id="{91976363-663B-4BB9-9EFA-B8098E3A2718}"/>
-              </a:ext>
-            </a:extLst>
-          </p:cNvPr>
-          <p:cNvSpPr txBox="1"/>
-          <p:nvPr/>
-        </p:nvSpPr>
-        <p:spPr>
-          <a:xfrm>
-            <a:off x="1831843" y="4415568"/>
-            <a:ext cx="2776905" cy="707886"/>
-          </a:xfrm>
-          <a:prstGeom prst="rect">
-            <a:avLst/>
-          </a:prstGeom>
-          <a:noFill/>
-        </p:spPr>
-        <p:txBody>
-          <a:bodyPr wrap="square" rtlCol="0">
-            <a:spAutoFit/>
-          </a:bodyPr>
-          <a:lstStyle/>
-          <a:p>
-            <a:pPr algn="ctr"/>
-            <a:r>
-              <a:rPr lang="it-IT" sz="2000" dirty="0">
-                <a:solidFill>
-                  <a:schemeClr val="tx1">
-                    <a:lumMod val="65000"/>
-                    <a:lumOff val="35000"/>
-                  </a:schemeClr>
-                </a:solidFill>
-              </a:rPr>
-              <a:t>Farina Simone</a:t>
-            </a:r>
-          </a:p>
-          <a:p>
-            <a:pPr algn="ctr"/>
-            <a:r>
-              <a:rPr lang="it-IT" sz="2000" dirty="0">
-                <a:solidFill>
-                  <a:schemeClr val="tx1">
-                    <a:lumMod val="65000"/>
-                    <a:lumOff val="35000"/>
-                  </a:schemeClr>
-                </a:solidFill>
-              </a:rPr>
-              <a:t>Matricola: 0512106049</a:t>
-            </a:r>
-          </a:p>
-        </p:txBody>
-      </p:sp>
-      <p:sp>
-        <p:nvSpPr>
-          <p:cNvPr id="7" name="CasellaDiTesto 6">
-            <a:extLst>
-              <a:ext uri="{FF2B5EF4-FFF2-40B4-BE49-F238E27FC236}">
-                <a16:creationId xmlns:a16="http://schemas.microsoft.com/office/drawing/2014/main" id="{40CE78B6-2968-4BC4-A9A5-86BB21041EF9}"/>
-              </a:ext>
-            </a:extLst>
-          </p:cNvPr>
-          <p:cNvSpPr txBox="1"/>
-          <p:nvPr/>
-        </p:nvSpPr>
-        <p:spPr>
-          <a:xfrm>
-            <a:off x="7004651" y="4415568"/>
-            <a:ext cx="2776905" cy="707886"/>
-          </a:xfrm>
-          <a:prstGeom prst="rect">
-            <a:avLst/>
-          </a:prstGeom>
-          <a:noFill/>
-        </p:spPr>
-        <p:txBody>
-          <a:bodyPr wrap="square" rtlCol="0">
-            <a:spAutoFit/>
-          </a:bodyPr>
-          <a:lstStyle/>
-          <a:p>
-            <a:pPr algn="ctr"/>
-            <a:r>
-              <a:rPr lang="it-IT" sz="2000" dirty="0">
-                <a:solidFill>
-                  <a:schemeClr val="tx1">
-                    <a:lumMod val="65000"/>
-                    <a:lumOff val="35000"/>
-                  </a:schemeClr>
-                </a:solidFill>
-              </a:rPr>
-              <a:t>Cuomo Alfonso</a:t>
-            </a:r>
-          </a:p>
-          <a:p>
-            <a:pPr algn="ctr"/>
-            <a:r>
-              <a:rPr lang="it-IT" sz="2000" dirty="0">
-                <a:solidFill>
-                  <a:schemeClr val="tx1">
-                    <a:lumMod val="65000"/>
-                    <a:lumOff val="35000"/>
-                  </a:schemeClr>
-                </a:solidFill>
-              </a:rPr>
-              <a:t>Matricola: 0512105143</a:t>
-            </a:r>
-          </a:p>
-        </p:txBody>
-      </p:sp>
-    </p:spTree>
-    <p:extLst>
-      <p:ext uri="{BB962C8B-B14F-4D97-AF65-F5344CB8AC3E}">
-        <p14:creationId xmlns:p14="http://schemas.microsoft.com/office/powerpoint/2010/main" val="2358209768"/>
-      </p:ext>
-    </p:extLst>
-  </p:cSld>
-  <p:clrMapOvr>
-    <a:masterClrMapping/>
-  </p:clrMapOvr>
-</p:sld>
-</file>
-
-<file path=ppt/slides/slide20.xml><?xml version="1.0" encoding="utf-8"?>
-<p:sld xmlns:a="http://schemas.openxmlformats.org/drawingml/2006/main" xmlns:r="http://schemas.openxmlformats.org/officeDocument/2006/relationships" xmlns:p="http://schemas.openxmlformats.org/presentationml/2006/main">
-  <p:cSld>
-    <p:spTree>
-      <p:nvGrpSpPr>
-        <p:cNvPr id="1" name=""/>
-        <p:cNvGrpSpPr/>
-        <p:nvPr/>
-      </p:nvGrpSpPr>
-      <p:grpSpPr>
-        <a:xfrm>
-          <a:off x="0" y="0"/>
-          <a:ext cx="0" cy="0"/>
-          <a:chOff x="0" y="0"/>
-          <a:chExt cx="0" cy="0"/>
-        </a:xfrm>
-      </p:grpSpPr>
-      <p:sp>
-        <p:nvSpPr>
-          <p:cNvPr id="2" name="Titolo 1">
-            <a:extLst>
-              <a:ext uri="{FF2B5EF4-FFF2-40B4-BE49-F238E27FC236}">
-                <a16:creationId xmlns:a16="http://schemas.microsoft.com/office/drawing/2014/main" id="{EA196C42-C0F3-4132-947C-645A50802B93}"/>
-              </a:ext>
-            </a:extLst>
-          </p:cNvPr>
-          <p:cNvSpPr>
-            <a:spLocks noGrp="1"/>
-          </p:cNvSpPr>
-          <p:nvPr>
-            <p:ph type="title"/>
-          </p:nvPr>
-        </p:nvSpPr>
-        <p:spPr>
-          <a:xfrm rot="16200000">
-            <a:off x="-1438781" y="-332182"/>
-            <a:ext cx="4056963" cy="1179400"/>
-          </a:xfrm>
-        </p:spPr>
-        <p:txBody>
-          <a:bodyPr/>
-          <a:lstStyle/>
-          <a:p>
-            <a:r>
-              <a:rPr lang="it-IT" dirty="0">
-                <a:solidFill>
-                  <a:srgbClr val="F8B323"/>
-                </a:solidFill>
-              </a:rPr>
-              <a:t>Utenza</a:t>
-            </a:r>
-          </a:p>
-        </p:txBody>
-      </p:sp>
-      <p:pic>
-        <p:nvPicPr>
-          <p:cNvPr id="5" name="Segnaposto contenuto 4">
-            <a:extLst>
-              <a:ext uri="{FF2B5EF4-FFF2-40B4-BE49-F238E27FC236}">
-                <a16:creationId xmlns:a16="http://schemas.microsoft.com/office/drawing/2014/main" id="{CDEF22B7-830E-44AE-B90B-E323CAE53517}"/>
-              </a:ext>
-            </a:extLst>
-          </p:cNvPr>
-          <p:cNvPicPr>
-            <a:picLocks noGrp="1" noChangeAspect="1"/>
-          </p:cNvPicPr>
-          <p:nvPr>
-            <p:ph idx="1"/>
-          </p:nvPr>
-        </p:nvPicPr>
-        <p:blipFill>
-          <a:blip r:embed="rId2">
-            <a:extLst>
-              <a:ext uri="{28A0092B-C50C-407E-A947-70E740481C1C}">
-                <a14:useLocalDpi xmlns:a14="http://schemas.microsoft.com/office/drawing/2010/main" val="0"/>
-              </a:ext>
-            </a:extLst>
-          </a:blip>
-          <a:stretch>
-            <a:fillRect/>
-          </a:stretch>
-        </p:blipFill>
-        <p:spPr>
-          <a:xfrm>
-            <a:off x="1198924" y="1238748"/>
-            <a:ext cx="4957297" cy="2491042"/>
-          </a:xfrm>
-        </p:spPr>
-      </p:pic>
-      <p:sp>
-        <p:nvSpPr>
-          <p:cNvPr id="6" name="Segnaposto contenuto 2">
-            <a:extLst>
-              <a:ext uri="{FF2B5EF4-FFF2-40B4-BE49-F238E27FC236}">
-                <a16:creationId xmlns:a16="http://schemas.microsoft.com/office/drawing/2014/main" id="{AF4A5511-EBC1-4E0E-8365-9B269201E0DD}"/>
-              </a:ext>
-            </a:extLst>
-          </p:cNvPr>
-          <p:cNvSpPr txBox="1">
-            <a:spLocks/>
-          </p:cNvSpPr>
-          <p:nvPr/>
-        </p:nvSpPr>
-        <p:spPr>
-          <a:xfrm>
-            <a:off x="1179401" y="409074"/>
-            <a:ext cx="10197845" cy="5877426"/>
-          </a:xfrm>
-          <a:prstGeom prst="rect">
-            <a:avLst/>
-          </a:prstGeom>
-        </p:spPr>
-        <p:txBody>
-          <a:bodyPr vert="horz" lIns="91440" tIns="45720" rIns="91440" bIns="45720" rtlCol="0">
-            <a:normAutofit/>
-          </a:bodyPr>
-          <a:lstStyle>
-            <a:lvl1pPr marL="228600" indent="-228600" algn="l" defTabSz="914400" rtl="0" eaLnBrk="1" latinLnBrk="0" hangingPunct="1">
-              <a:lnSpc>
-                <a:spcPct val="110000"/>
-              </a:lnSpc>
-              <a:spcBef>
-                <a:spcPts val="700"/>
-              </a:spcBef>
-              <a:buClr>
-                <a:schemeClr val="tx2"/>
-              </a:buClr>
-              <a:buFont typeface="Arial" panose="020B0604020202020204" pitchFamily="34" charset="0"/>
-              <a:buChar char="•"/>
-              <a:defRPr sz="2000" kern="1200">
-                <a:solidFill>
-                  <a:schemeClr val="tx1">
-                    <a:lumMod val="65000"/>
-                    <a:lumOff val="35000"/>
-                  </a:schemeClr>
-                </a:solidFill>
-                <a:latin typeface="+mn-lt"/>
-                <a:ea typeface="+mn-ea"/>
-                <a:cs typeface="+mn-cs"/>
-              </a:defRPr>
-            </a:lvl1pPr>
-            <a:lvl2pPr marL="685800" indent="-228600" algn="l" defTabSz="914400" rtl="0" eaLnBrk="1" latinLnBrk="0" hangingPunct="1">
-              <a:lnSpc>
-                <a:spcPct val="110000"/>
-              </a:lnSpc>
-              <a:spcBef>
-                <a:spcPts val="700"/>
-              </a:spcBef>
-              <a:buClr>
-                <a:schemeClr val="tx2"/>
-              </a:buClr>
-              <a:buFont typeface="Gill Sans MT" panose="020B0502020104020203" pitchFamily="34" charset="0"/>
-              <a:buChar char="–"/>
-              <a:defRPr sz="1800" kern="1200">
-                <a:solidFill>
-                  <a:schemeClr val="tx1">
-                    <a:lumMod val="65000"/>
-                    <a:lumOff val="35000"/>
-                  </a:schemeClr>
-                </a:solidFill>
-                <a:latin typeface="+mn-lt"/>
-                <a:ea typeface="+mn-ea"/>
-                <a:cs typeface="+mn-cs"/>
-              </a:defRPr>
-            </a:lvl2pPr>
-            <a:lvl3pPr marL="1143000" indent="-228600" algn="l" defTabSz="914400" rtl="0" eaLnBrk="1" latinLnBrk="0" hangingPunct="1">
-              <a:lnSpc>
-                <a:spcPct val="110000"/>
-              </a:lnSpc>
-              <a:spcBef>
-                <a:spcPts val="700"/>
-              </a:spcBef>
-              <a:buClr>
-                <a:schemeClr val="tx2"/>
-              </a:buClr>
-              <a:buFont typeface="Arial" panose="020B0604020202020204" pitchFamily="34" charset="0"/>
-              <a:buChar char="•"/>
-              <a:defRPr sz="1600" kern="1200">
-                <a:solidFill>
-                  <a:schemeClr val="tx1">
-                    <a:lumMod val="65000"/>
-                    <a:lumOff val="35000"/>
-                  </a:schemeClr>
-                </a:solidFill>
-                <a:latin typeface="+mn-lt"/>
-                <a:ea typeface="+mn-ea"/>
-                <a:cs typeface="+mn-cs"/>
-              </a:defRPr>
-            </a:lvl3pPr>
-            <a:lvl4pPr marL="1600200" indent="-228600" algn="l" defTabSz="914400" rtl="0" eaLnBrk="1" latinLnBrk="0" hangingPunct="1">
-              <a:lnSpc>
-                <a:spcPct val="110000"/>
-              </a:lnSpc>
-              <a:spcBef>
-                <a:spcPts val="700"/>
-              </a:spcBef>
-              <a:buClr>
-                <a:schemeClr val="tx2"/>
-              </a:buClr>
-              <a:buFont typeface="Gill Sans MT" panose="020B0502020104020203" pitchFamily="34" charset="0"/>
-              <a:buChar char="–"/>
-              <a:defRPr sz="1400" kern="1200">
-                <a:solidFill>
-                  <a:schemeClr val="tx1">
-                    <a:lumMod val="65000"/>
-                    <a:lumOff val="35000"/>
-                  </a:schemeClr>
-                </a:solidFill>
-                <a:latin typeface="+mn-lt"/>
-                <a:ea typeface="+mn-ea"/>
-                <a:cs typeface="+mn-cs"/>
-              </a:defRPr>
-            </a:lvl4pPr>
-            <a:lvl5pPr marL="2057400" indent="-228600" algn="l" defTabSz="914400" rtl="0" eaLnBrk="1" latinLnBrk="0" hangingPunct="1">
-              <a:lnSpc>
-                <a:spcPct val="110000"/>
-              </a:lnSpc>
-              <a:spcBef>
-                <a:spcPts val="700"/>
-              </a:spcBef>
-              <a:buClr>
-                <a:schemeClr val="tx2"/>
-              </a:buClr>
-              <a:buFont typeface="Arial" panose="020B0604020202020204" pitchFamily="34" charset="0"/>
-              <a:buChar char="•"/>
-              <a:defRPr sz="1400" kern="1200">
-                <a:solidFill>
-                  <a:schemeClr val="tx1">
-                    <a:lumMod val="65000"/>
-                    <a:lumOff val="35000"/>
-                  </a:schemeClr>
-                </a:solidFill>
-                <a:latin typeface="+mn-lt"/>
-                <a:ea typeface="+mn-ea"/>
-                <a:cs typeface="+mn-cs"/>
-              </a:defRPr>
-            </a:lvl5pPr>
-            <a:lvl6pPr marL="2514600" indent="-228600" algn="l" defTabSz="914400" rtl="0" eaLnBrk="1" latinLnBrk="0" hangingPunct="1">
-              <a:lnSpc>
-                <a:spcPct val="110000"/>
-              </a:lnSpc>
-              <a:spcBef>
-                <a:spcPts val="700"/>
-              </a:spcBef>
-              <a:buClr>
-                <a:schemeClr val="tx2"/>
-              </a:buClr>
-              <a:buFont typeface="Gill Sans MT" panose="020B0502020104020203" pitchFamily="34" charset="0"/>
-              <a:buChar char="–"/>
-              <a:defRPr sz="1400" kern="1200">
-                <a:solidFill>
-                  <a:schemeClr val="tx1">
-                    <a:lumMod val="65000"/>
-                    <a:lumOff val="35000"/>
-                  </a:schemeClr>
-                </a:solidFill>
-                <a:latin typeface="+mn-lt"/>
-                <a:ea typeface="+mn-ea"/>
-                <a:cs typeface="+mn-cs"/>
-              </a:defRPr>
-            </a:lvl6pPr>
-            <a:lvl7pPr marL="2971800" indent="-228600" algn="l" defTabSz="914400" rtl="0" eaLnBrk="1" latinLnBrk="0" hangingPunct="1">
-              <a:lnSpc>
-                <a:spcPct val="110000"/>
-              </a:lnSpc>
-              <a:spcBef>
-                <a:spcPts val="700"/>
-              </a:spcBef>
-              <a:buClr>
-                <a:schemeClr val="tx2"/>
-              </a:buClr>
-              <a:buFont typeface="Arial" panose="020B0604020202020204" pitchFamily="34" charset="0"/>
-              <a:buChar char="•"/>
-              <a:defRPr sz="1400" kern="1200">
-                <a:solidFill>
-                  <a:schemeClr val="tx1">
-                    <a:lumMod val="65000"/>
-                    <a:lumOff val="35000"/>
-                  </a:schemeClr>
-                </a:solidFill>
-                <a:latin typeface="+mn-lt"/>
-                <a:ea typeface="+mn-ea"/>
-                <a:cs typeface="+mn-cs"/>
-              </a:defRPr>
-            </a:lvl7pPr>
-            <a:lvl8pPr marL="3429000" indent="-228600" algn="l" defTabSz="914400" rtl="0" eaLnBrk="1" latinLnBrk="0" hangingPunct="1">
-              <a:lnSpc>
-                <a:spcPct val="110000"/>
-              </a:lnSpc>
-              <a:spcBef>
-                <a:spcPts val="700"/>
-              </a:spcBef>
-              <a:buClr>
-                <a:schemeClr val="tx2"/>
-              </a:buClr>
-              <a:buFont typeface="Gill Sans MT" panose="020B0502020104020203" pitchFamily="34" charset="0"/>
-              <a:buChar char="–"/>
-              <a:defRPr sz="1400" kern="1200" baseline="0">
-                <a:solidFill>
-                  <a:schemeClr val="tx1">
-                    <a:lumMod val="65000"/>
-                    <a:lumOff val="35000"/>
-                  </a:schemeClr>
-                </a:solidFill>
-                <a:latin typeface="+mn-lt"/>
-                <a:ea typeface="+mn-ea"/>
-                <a:cs typeface="+mn-cs"/>
-              </a:defRPr>
-            </a:lvl8pPr>
-            <a:lvl9pPr marL="3886200" indent="-228600" algn="l" defTabSz="914400" rtl="0" eaLnBrk="1" latinLnBrk="0" hangingPunct="1">
-              <a:lnSpc>
-                <a:spcPct val="110000"/>
-              </a:lnSpc>
-              <a:spcBef>
-                <a:spcPts val="700"/>
-              </a:spcBef>
-              <a:buClr>
-                <a:schemeClr val="tx2"/>
-              </a:buClr>
-              <a:buFont typeface="Arial" panose="020B0604020202020204" pitchFamily="34" charset="0"/>
-              <a:buChar char="•"/>
-              <a:defRPr sz="1400" kern="1200" baseline="0">
-                <a:solidFill>
-                  <a:schemeClr val="tx1">
-                    <a:lumMod val="65000"/>
-                    <a:lumOff val="35000"/>
-                  </a:schemeClr>
-                </a:solidFill>
-                <a:latin typeface="+mn-lt"/>
-                <a:ea typeface="+mn-ea"/>
-                <a:cs typeface="+mn-cs"/>
-              </a:defRPr>
-            </a:lvl9pPr>
-          </a:lstStyle>
-          <a:p>
-            <a:pPr marL="0" indent="0">
-              <a:buFont typeface="Arial" panose="020B0604020202020204" pitchFamily="34" charset="0"/>
-              <a:buNone/>
-            </a:pPr>
-            <a:r>
-              <a:rPr lang="it-IT" dirty="0"/>
-              <a:t>Nella sezione «shop» del sistema, gli utenti possono sfogliare i libri presenti nell’inventario suddivisi per categoria.</a:t>
-            </a:r>
-          </a:p>
-          <a:p>
-            <a:pPr marL="0" indent="0">
-              <a:buFont typeface="Arial" panose="020B0604020202020204" pitchFamily="34" charset="0"/>
-              <a:buNone/>
-            </a:pPr>
-            <a:r>
-              <a:rPr lang="it-IT" dirty="0"/>
-              <a:t>					      Gli utenti non registrati saranno in grado 					      di poter visualizzare le informazioni 					  	      aggiuntive di ogni libro e inserirlo nel 		 				      carrello, ma non potranno acquistarli, 						</a:t>
-            </a:r>
-          </a:p>
-          <a:p>
-            <a:pPr marL="0" indent="0">
-              <a:buFont typeface="Arial" panose="020B0604020202020204" pitchFamily="34" charset="0"/>
-              <a:buNone/>
-            </a:pPr>
-            <a:endParaRPr lang="it-IT" dirty="0"/>
-          </a:p>
-          <a:p>
-            <a:pPr marL="0" indent="0">
-              <a:buFont typeface="Arial" panose="020B0604020202020204" pitchFamily="34" charset="0"/>
-              <a:buNone/>
-            </a:pPr>
-            <a:endParaRPr lang="it-IT" dirty="0"/>
-          </a:p>
-          <a:p>
-            <a:pPr marL="0" indent="0">
-              <a:buFont typeface="Arial" panose="020B0604020202020204" pitchFamily="34" charset="0"/>
-              <a:buNone/>
-            </a:pPr>
-            <a:endParaRPr lang="it-IT" dirty="0"/>
-          </a:p>
-          <a:p>
-            <a:pPr marL="0" indent="0">
-              <a:lnSpc>
-                <a:spcPct val="100000"/>
-              </a:lnSpc>
-              <a:buFont typeface="Arial" panose="020B0604020202020204" pitchFamily="34" charset="0"/>
-              <a:buNone/>
-            </a:pPr>
-            <a:r>
-              <a:rPr lang="it-IT" dirty="0"/>
-              <a:t>mentre quelli registrati potranno acquistarli, </a:t>
-            </a:r>
-          </a:p>
-          <a:p>
-            <a:pPr marL="0" indent="0">
-              <a:lnSpc>
-                <a:spcPct val="100000"/>
-              </a:lnSpc>
-              <a:buFont typeface="Arial" panose="020B0604020202020204" pitchFamily="34" charset="0"/>
-              <a:buNone/>
-            </a:pPr>
-            <a:r>
-              <a:rPr lang="it-IT" dirty="0"/>
-              <a:t>inserendo le informazioni di pagamento che </a:t>
-            </a:r>
-          </a:p>
-          <a:p>
-            <a:pPr marL="0" indent="0">
-              <a:lnSpc>
-                <a:spcPct val="100000"/>
-              </a:lnSpc>
-              <a:buFont typeface="Arial" panose="020B0604020202020204" pitchFamily="34" charset="0"/>
-              <a:buNone/>
-            </a:pPr>
-            <a:r>
-              <a:rPr lang="it-IT" dirty="0"/>
-              <a:t>possono essere «carta di credito» o </a:t>
-            </a:r>
-          </a:p>
-          <a:p>
-            <a:pPr marL="0" indent="0">
-              <a:lnSpc>
-                <a:spcPct val="100000"/>
-              </a:lnSpc>
-              <a:buFont typeface="Arial" panose="020B0604020202020204" pitchFamily="34" charset="0"/>
-              <a:buNone/>
-            </a:pPr>
-            <a:r>
-              <a:rPr lang="it-IT" dirty="0"/>
-              <a:t>«contrassegno»</a:t>
-            </a:r>
-          </a:p>
-        </p:txBody>
-      </p:sp>
-      <p:pic>
-        <p:nvPicPr>
-          <p:cNvPr id="8" name="Immagine 7" descr="Immagine che contiene tavolo&#10;&#10;Descrizione generata automaticamente">
-            <a:extLst>
-              <a:ext uri="{FF2B5EF4-FFF2-40B4-BE49-F238E27FC236}">
-                <a16:creationId xmlns:a16="http://schemas.microsoft.com/office/drawing/2014/main" id="{4DCDAEB7-1F86-4C0B-92DB-7110C7BF9BDE}"/>
-              </a:ext>
-            </a:extLst>
-          </p:cNvPr>
-          <p:cNvPicPr>
-            <a:picLocks noChangeAspect="1"/>
-          </p:cNvPicPr>
-          <p:nvPr/>
-        </p:nvPicPr>
-        <p:blipFill>
-          <a:blip r:embed="rId3">
-            <a:extLst>
-              <a:ext uri="{28A0092B-C50C-407E-A947-70E740481C1C}">
-                <a14:useLocalDpi xmlns:a14="http://schemas.microsoft.com/office/drawing/2010/main" val="0"/>
-              </a:ext>
-            </a:extLst>
-          </a:blip>
-          <a:stretch>
-            <a:fillRect/>
-          </a:stretch>
-        </p:blipFill>
-        <p:spPr>
-          <a:xfrm>
-            <a:off x="6096000" y="3852170"/>
-            <a:ext cx="5167673" cy="2596756"/>
-          </a:xfrm>
-          <a:prstGeom prst="rect">
-            <a:avLst/>
-          </a:prstGeom>
-        </p:spPr>
-      </p:pic>
-    </p:spTree>
-    <p:extLst>
-      <p:ext uri="{BB962C8B-B14F-4D97-AF65-F5344CB8AC3E}">
-        <p14:creationId xmlns:p14="http://schemas.microsoft.com/office/powerpoint/2010/main" val="383013912"/>
-      </p:ext>
-    </p:extLst>
-  </p:cSld>
-  <p:clrMapOvr>
-    <a:masterClrMapping/>
-  </p:clrMapOvr>
-</p:sld>
-</file>
-
-<file path=ppt/slides/slide21.xml><?xml version="1.0" encoding="utf-8"?>
-<p:sld xmlns:a="http://schemas.openxmlformats.org/drawingml/2006/main" xmlns:r="http://schemas.openxmlformats.org/officeDocument/2006/relationships" xmlns:p="http://schemas.openxmlformats.org/presentationml/2006/main">
-  <p:cSld>
-    <p:spTree>
-      <p:nvGrpSpPr>
-        <p:cNvPr id="1" name=""/>
-        <p:cNvGrpSpPr/>
-        <p:nvPr/>
-      </p:nvGrpSpPr>
-      <p:grpSpPr>
-        <a:xfrm>
-          <a:off x="0" y="0"/>
-          <a:ext cx="0" cy="0"/>
-          <a:chOff x="0" y="0"/>
-          <a:chExt cx="0" cy="0"/>
-        </a:xfrm>
-      </p:grpSpPr>
-      <p:sp>
-        <p:nvSpPr>
-          <p:cNvPr id="2" name="Titolo 1">
-            <a:extLst>
-              <a:ext uri="{FF2B5EF4-FFF2-40B4-BE49-F238E27FC236}">
-                <a16:creationId xmlns:a16="http://schemas.microsoft.com/office/drawing/2014/main" id="{136CFE12-7186-46F5-85B7-6D4EA41E2E7F}"/>
-              </a:ext>
-            </a:extLst>
-          </p:cNvPr>
-          <p:cNvSpPr>
-            <a:spLocks noGrp="1"/>
-          </p:cNvSpPr>
-          <p:nvPr>
-            <p:ph type="title"/>
-          </p:nvPr>
-        </p:nvSpPr>
-        <p:spPr>
-          <a:xfrm rot="16200000">
-            <a:off x="-2753193" y="2583636"/>
-            <a:ext cx="6375290" cy="868899"/>
-          </a:xfrm>
-        </p:spPr>
-        <p:txBody>
-          <a:bodyPr>
-            <a:noAutofit/>
-          </a:bodyPr>
-          <a:lstStyle/>
-          <a:p>
-            <a:r>
-              <a:rPr lang="it-IT" sz="4000" dirty="0">
-                <a:solidFill>
-                  <a:srgbClr val="F8B323"/>
-                </a:solidFill>
-              </a:rPr>
-              <a:t>DIAGRAMMA DELLE </a:t>
-            </a:r>
-            <a:r>
-              <a:rPr lang="it-IT" sz="4000" dirty="0" err="1">
-                <a:solidFill>
-                  <a:srgbClr val="F8B323"/>
-                </a:solidFill>
-              </a:rPr>
-              <a:t>ATTIVITà</a:t>
-            </a:r>
-            <a:endParaRPr lang="it-IT" sz="4000" dirty="0">
-              <a:solidFill>
-                <a:srgbClr val="F8B323"/>
-              </a:solidFill>
-            </a:endParaRPr>
-          </a:p>
-        </p:txBody>
-      </p:sp>
-      <p:sp>
-        <p:nvSpPr>
-          <p:cNvPr id="3" name="Segnaposto contenuto 2">
-            <a:extLst>
-              <a:ext uri="{FF2B5EF4-FFF2-40B4-BE49-F238E27FC236}">
-                <a16:creationId xmlns:a16="http://schemas.microsoft.com/office/drawing/2014/main" id="{279C50F3-33B0-46CA-9303-7EE18FE66D4C}"/>
-              </a:ext>
-            </a:extLst>
-          </p:cNvPr>
-          <p:cNvSpPr>
-            <a:spLocks noGrp="1"/>
-          </p:cNvSpPr>
-          <p:nvPr>
-            <p:ph idx="1"/>
-          </p:nvPr>
-        </p:nvSpPr>
-        <p:spPr>
-          <a:xfrm>
-            <a:off x="1276062" y="153043"/>
-            <a:ext cx="10178322" cy="1017389"/>
-          </a:xfrm>
-        </p:spPr>
-        <p:txBody>
-          <a:bodyPr>
-            <a:normAutofit/>
-          </a:bodyPr>
-          <a:lstStyle/>
-          <a:p>
-            <a:pPr marL="0" indent="0">
-              <a:buNone/>
-            </a:pPr>
-            <a:r>
-              <a:rPr lang="it-IT" sz="1800" dirty="0">
-                <a:effectLst/>
-                <a:latin typeface="Garamond" panose="02020404030301010803" pitchFamily="18" charset="0"/>
-                <a:ea typeface="Garamond" panose="02020404030301010803" pitchFamily="18" charset="0"/>
-                <a:cs typeface="Garamond" panose="02020404030301010803" pitchFamily="18" charset="0"/>
-              </a:rPr>
-              <a:t>Abbiamo ritenuto opportuno sviluppare un Activity </a:t>
-            </a:r>
-            <a:r>
-              <a:rPr lang="it-IT" sz="1800" dirty="0" err="1">
-                <a:effectLst/>
-                <a:latin typeface="Garamond" panose="02020404030301010803" pitchFamily="18" charset="0"/>
-                <a:ea typeface="Garamond" panose="02020404030301010803" pitchFamily="18" charset="0"/>
-                <a:cs typeface="Garamond" panose="02020404030301010803" pitchFamily="18" charset="0"/>
-              </a:rPr>
-              <a:t>Diagram</a:t>
-            </a:r>
-            <a:r>
-              <a:rPr lang="it-IT" sz="1800" dirty="0">
-                <a:effectLst/>
-                <a:latin typeface="Garamond" panose="02020404030301010803" pitchFamily="18" charset="0"/>
-                <a:ea typeface="Garamond" panose="02020404030301010803" pitchFamily="18" charset="0"/>
-                <a:cs typeface="Garamond" panose="02020404030301010803" pitchFamily="18" charset="0"/>
-              </a:rPr>
-              <a:t> relativo alle operazioni precedenti all’utilizzo di Dodo.net. </a:t>
-            </a:r>
-            <a:br>
-              <a:rPr lang="it-IT" sz="1800" dirty="0">
-                <a:effectLst/>
-                <a:latin typeface="Garamond" panose="02020404030301010803" pitchFamily="18" charset="0"/>
-                <a:ea typeface="Garamond" panose="02020404030301010803" pitchFamily="18" charset="0"/>
-                <a:cs typeface="Garamond" panose="02020404030301010803" pitchFamily="18" charset="0"/>
-              </a:rPr>
-            </a:br>
-            <a:endParaRPr lang="it-IT" sz="1800" dirty="0">
-              <a:effectLst/>
-              <a:latin typeface="Times New Roman" panose="02020603050405020304" pitchFamily="18" charset="0"/>
-              <a:ea typeface="Times New Roman" panose="02020603050405020304" pitchFamily="18" charset="0"/>
-            </a:endParaRPr>
-          </a:p>
-          <a:p>
-            <a:pPr marL="0" indent="0">
-              <a:buNone/>
-            </a:pPr>
-            <a:endParaRPr lang="it-IT" dirty="0"/>
-          </a:p>
-        </p:txBody>
-      </p:sp>
-      <p:pic>
-        <p:nvPicPr>
-          <p:cNvPr id="4" name="image33.jpg">
-            <a:extLst>
-              <a:ext uri="{FF2B5EF4-FFF2-40B4-BE49-F238E27FC236}">
-                <a16:creationId xmlns:a16="http://schemas.microsoft.com/office/drawing/2014/main" id="{CB11FA31-0243-4B16-8C8D-E4955BADA7D5}"/>
-              </a:ext>
-            </a:extLst>
-          </p:cNvPr>
-          <p:cNvPicPr/>
-          <p:nvPr/>
-        </p:nvPicPr>
-        <p:blipFill>
-          <a:blip r:embed="rId3"/>
-          <a:srcRect/>
-          <a:stretch>
-            <a:fillRect/>
-          </a:stretch>
-        </p:blipFill>
-        <p:spPr>
-          <a:xfrm>
-            <a:off x="3518104" y="649535"/>
-            <a:ext cx="5155791" cy="6208465"/>
-          </a:xfrm>
-          <a:prstGeom prst="rect">
-            <a:avLst/>
-          </a:prstGeom>
-          <a:ln/>
-        </p:spPr>
-      </p:pic>
-    </p:spTree>
-    <p:extLst>
-      <p:ext uri="{BB962C8B-B14F-4D97-AF65-F5344CB8AC3E}">
-        <p14:creationId xmlns:p14="http://schemas.microsoft.com/office/powerpoint/2010/main" val="2334956474"/>
       </p:ext>
     </p:extLst>
   </p:cSld>
@@ -12564,9 +16766,6 @@
           <a:bodyPr/>
           <a:lstStyle/>
           <a:p>
-            <a:pPr marL="0" indent="0">
-              <a:buNone/>
-            </a:pPr>
             <a:r>
               <a:rPr lang="it-IT" dirty="0"/>
               <a:t>Abbiamo ritenuto opportuno sviluppare un activity </a:t>
@@ -12667,18 +16866,67 @@
             <p:ph idx="1"/>
           </p:nvPr>
         </p:nvSpPr>
-        <p:spPr/>
+        <p:spPr>
+          <a:xfrm>
+            <a:off x="1251678" y="328473"/>
+            <a:ext cx="3258178" cy="5551119"/>
+          </a:xfrm>
+        </p:spPr>
         <p:txBody>
           <a:bodyPr/>
           <a:lstStyle/>
           <a:p>
             <a:r>
               <a:rPr lang="it-IT" dirty="0"/>
-              <a:t>Use case model a diversi livelli di astrazione</a:t>
+              <a:t>Un esempio di Use Case </a:t>
+            </a:r>
+            <a:r>
+              <a:rPr lang="it-IT" dirty="0" err="1"/>
+              <a:t>Diagram</a:t>
+            </a:r>
+            <a:r>
+              <a:rPr lang="it-IT" dirty="0"/>
+              <a:t> relativo alle funzioni dell’ admin.</a:t>
             </a:r>
           </a:p>
         </p:txBody>
       </p:sp>
+      <p:pic>
+        <p:nvPicPr>
+          <p:cNvPr id="5" name="Immagine 4">
+            <a:extLst>
+              <a:ext uri="{FF2B5EF4-FFF2-40B4-BE49-F238E27FC236}">
+                <a16:creationId xmlns:a16="http://schemas.microsoft.com/office/drawing/2014/main" id="{B0242D41-856A-4802-AD8A-95C2B7FEB2A3}"/>
+              </a:ext>
+            </a:extLst>
+          </p:cNvPr>
+          <p:cNvPicPr>
+            <a:picLocks noChangeAspect="1"/>
+          </p:cNvPicPr>
+          <p:nvPr/>
+        </p:nvPicPr>
+        <p:blipFill>
+          <a:blip r:embed="rId2">
+            <a:extLst>
+              <a:ext uri="{28A0092B-C50C-407E-A947-70E740481C1C}">
+                <a14:useLocalDpi xmlns:a14="http://schemas.microsoft.com/office/drawing/2010/main" val="0"/>
+              </a:ext>
+            </a:extLst>
+          </a:blip>
+          <a:stretch>
+            <a:fillRect/>
+          </a:stretch>
+        </p:blipFill>
+        <p:spPr>
+          <a:xfrm>
+            <a:off x="4753391" y="328473"/>
+            <a:ext cx="6676609" cy="4261282"/>
+          </a:xfrm>
+          <a:prstGeom prst="rect">
+            <a:avLst/>
+          </a:prstGeom>
+        </p:spPr>
+      </p:pic>
     </p:spTree>
     <p:extLst>
       <p:ext uri="{BB962C8B-B14F-4D97-AF65-F5344CB8AC3E}">

--- a/Presentazione_Prima consegna/presentazione PrimaConsegna.pptx
+++ b/Presentazione_Prima consegna/presentazione PrimaConsegna.pptx
@@ -13,19 +13,19 @@
     <p:sldId id="264" r:id="rId4"/>
     <p:sldId id="262" r:id="rId5"/>
     <p:sldId id="265" r:id="rId6"/>
-    <p:sldId id="266" r:id="rId7"/>
-    <p:sldId id="267" r:id="rId8"/>
-    <p:sldId id="277" r:id="rId9"/>
-    <p:sldId id="268" r:id="rId10"/>
-    <p:sldId id="269" r:id="rId11"/>
-    <p:sldId id="270" r:id="rId12"/>
-    <p:sldId id="271" r:id="rId13"/>
-    <p:sldId id="272" r:id="rId14"/>
-    <p:sldId id="274" r:id="rId15"/>
-    <p:sldId id="278" r:id="rId16"/>
-    <p:sldId id="279" r:id="rId17"/>
-    <p:sldId id="275" r:id="rId18"/>
-    <p:sldId id="276" r:id="rId19"/>
+    <p:sldId id="267" r:id="rId7"/>
+    <p:sldId id="277" r:id="rId8"/>
+    <p:sldId id="269" r:id="rId9"/>
+    <p:sldId id="271" r:id="rId10"/>
+    <p:sldId id="272" r:id="rId11"/>
+    <p:sldId id="274" r:id="rId12"/>
+    <p:sldId id="278" r:id="rId13"/>
+    <p:sldId id="279" r:id="rId14"/>
+    <p:sldId id="276" r:id="rId15"/>
+    <p:sldId id="268" r:id="rId16"/>
+    <p:sldId id="270" r:id="rId17"/>
+    <p:sldId id="266" r:id="rId18"/>
+    <p:sldId id="275" r:id="rId19"/>
     <p:sldId id="258" r:id="rId20"/>
     <p:sldId id="259" r:id="rId21"/>
   </p:sldIdLst>
@@ -216,7 +216,7 @@
           <a:p>
             <a:fld id="{94AE6AE3-6C4F-4985-8BF4-D339751B5499}" type="datetimeFigureOut">
               <a:rPr lang="it-IT" smtClean="0"/>
-              <a:t>13/12/2021</a:t>
+              <a:t>14/12/2021</a:t>
             </a:fld>
             <a:endParaRPr lang="it-IT"/>
           </a:p>
@@ -1694,7 +1694,7 @@
           <a:p>
             <a:fld id="{246CB39B-5F4C-4A7E-9BE3-AAFD45576D16}" type="datetime2">
               <a:rPr lang="en-US" smtClean="0"/>
-              <a:t>Monday, December 13, 2021</a:t>
+              <a:t>Tuesday, December 14, 2021</a:t>
             </a:fld>
             <a:endParaRPr lang="en-US" dirty="0"/>
           </a:p>
@@ -1938,7 +1938,7 @@
           <a:p>
             <a:fld id="{246CB39B-5F4C-4A7E-9BE3-AAFD45576D16}" type="datetime2">
               <a:rPr lang="en-US" smtClean="0"/>
-              <a:t>Monday, December 13, 2021</a:t>
+              <a:t>Tuesday, December 14, 2021</a:t>
             </a:fld>
             <a:endParaRPr lang="en-US" dirty="0"/>
           </a:p>
@@ -2124,7 +2124,7 @@
           <a:p>
             <a:fld id="{246CB39B-5F4C-4A7E-9BE3-AAFD45576D16}" type="datetime2">
               <a:rPr lang="en-US" smtClean="0"/>
-              <a:t>Monday, December 13, 2021</a:t>
+              <a:t>Tuesday, December 14, 2021</a:t>
             </a:fld>
             <a:endParaRPr lang="en-US" dirty="0"/>
           </a:p>
@@ -2300,7 +2300,7 @@
           <a:p>
             <a:fld id="{246CB39B-5F4C-4A7E-9BE3-AAFD45576D16}" type="datetime2">
               <a:rPr lang="en-US" smtClean="0"/>
-              <a:t>Monday, December 13, 2021</a:t>
+              <a:t>Tuesday, December 14, 2021</a:t>
             </a:fld>
             <a:endParaRPr lang="en-US" dirty="0"/>
           </a:p>
@@ -2582,7 +2582,7 @@
           <a:p>
             <a:fld id="{246CB39B-5F4C-4A7E-9BE3-AAFD45576D16}" type="datetime2">
               <a:rPr lang="en-US" smtClean="0"/>
-              <a:t>Monday, December 13, 2021</a:t>
+              <a:t>Tuesday, December 14, 2021</a:t>
             </a:fld>
             <a:endParaRPr lang="en-US" dirty="0"/>
           </a:p>
@@ -3789,7 +3789,7 @@
           <a:p>
             <a:fld id="{246CB39B-5F4C-4A7E-9BE3-AAFD45576D16}" type="datetime2">
               <a:rPr lang="en-US" smtClean="0"/>
-              <a:t>Monday, December 13, 2021</a:t>
+              <a:t>Tuesday, December 14, 2021</a:t>
             </a:fld>
             <a:endParaRPr lang="en-US" dirty="0"/>
           </a:p>
@@ -4185,7 +4185,7 @@
           <a:p>
             <a:fld id="{246CB39B-5F4C-4A7E-9BE3-AAFD45576D16}" type="datetime2">
               <a:rPr lang="en-US" smtClean="0"/>
-              <a:t>Monday, December 13, 2021</a:t>
+              <a:t>Tuesday, December 14, 2021</a:t>
             </a:fld>
             <a:endParaRPr lang="en-US" dirty="0"/>
           </a:p>
@@ -4314,7 +4314,7 @@
           <a:p>
             <a:fld id="{246CB39B-5F4C-4A7E-9BE3-AAFD45576D16}" type="datetime2">
               <a:rPr lang="en-US" smtClean="0"/>
-              <a:t>Monday, December 13, 2021</a:t>
+              <a:t>Tuesday, December 14, 2021</a:t>
             </a:fld>
             <a:endParaRPr lang="en-US" dirty="0"/>
           </a:p>
@@ -4415,7 +4415,7 @@
           <a:p>
             <a:fld id="{246CB39B-5F4C-4A7E-9BE3-AAFD45576D16}" type="datetime2">
               <a:rPr lang="en-US" smtClean="0"/>
-              <a:t>Monday, December 13, 2021</a:t>
+              <a:t>Tuesday, December 14, 2021</a:t>
             </a:fld>
             <a:endParaRPr lang="en-US" dirty="0"/>
           </a:p>
@@ -5184,7 +5184,7 @@
           <a:p>
             <a:fld id="{246CB39B-5F4C-4A7E-9BE3-AAFD45576D16}" type="datetime2">
               <a:rPr lang="en-US" smtClean="0"/>
-              <a:t>Monday, December 13, 2021</a:t>
+              <a:t>Tuesday, December 14, 2021</a:t>
             </a:fld>
             <a:endParaRPr lang="en-US" dirty="0"/>
           </a:p>
@@ -6030,7 +6030,7 @@
           <a:p>
             <a:fld id="{246CB39B-5F4C-4A7E-9BE3-AAFD45576D16}" type="datetime2">
               <a:rPr lang="en-US" smtClean="0"/>
-              <a:t>Monday, December 13, 2021</a:t>
+              <a:t>Tuesday, December 14, 2021</a:t>
             </a:fld>
             <a:endParaRPr lang="en-US" dirty="0"/>
           </a:p>
@@ -6263,7 +6263,7 @@
           <a:p>
             <a:fld id="{246CB39B-5F4C-4A7E-9BE3-AAFD45576D16}" type="datetime2">
               <a:rPr lang="en-US" smtClean="0"/>
-              <a:t>Monday, December 13, 2021</a:t>
+              <a:t>Tuesday, December 14, 2021</a:t>
             </a:fld>
             <a:endParaRPr lang="en-US" dirty="0"/>
           </a:p>
@@ -8848,1128 +8848,6 @@
         </p:nvSpPr>
         <p:spPr>
           <a:xfrm rot="16200000">
-            <a:off x="-2890757" y="2890759"/>
-            <a:ext cx="6533338" cy="751823"/>
-          </a:xfrm>
-        </p:spPr>
-        <p:txBody>
-          <a:bodyPr>
-            <a:normAutofit fontScale="90000"/>
-          </a:bodyPr>
-          <a:lstStyle/>
-          <a:p>
-            <a:pPr algn="r"/>
-            <a:r>
-              <a:rPr lang="it-IT" dirty="0" err="1">
-                <a:solidFill>
-                  <a:srgbClr val="F8B323"/>
-                </a:solidFill>
-              </a:rPr>
-              <a:t>Sequence</a:t>
-            </a:r>
-            <a:r>
-              <a:rPr lang="it-IT" dirty="0">
-                <a:solidFill>
-                  <a:srgbClr val="F8B323"/>
-                </a:solidFill>
-              </a:rPr>
-              <a:t> </a:t>
-            </a:r>
-            <a:r>
-              <a:rPr lang="it-IT" dirty="0" err="1">
-                <a:solidFill>
-                  <a:srgbClr val="F8B323"/>
-                </a:solidFill>
-              </a:rPr>
-              <a:t>diagram</a:t>
-            </a:r>
-            <a:endParaRPr lang="it-IT" dirty="0">
-              <a:solidFill>
-                <a:srgbClr val="F8B323"/>
-              </a:solidFill>
-            </a:endParaRPr>
-          </a:p>
-        </p:txBody>
-      </p:sp>
-      <p:pic>
-        <p:nvPicPr>
-          <p:cNvPr id="7" name="image14.png">
-            <a:extLst>
-              <a:ext uri="{FF2B5EF4-FFF2-40B4-BE49-F238E27FC236}">
-                <a16:creationId xmlns:a16="http://schemas.microsoft.com/office/drawing/2014/main" id="{704498A1-FB6E-4B3B-A9CD-3C9B6B58BC43}"/>
-              </a:ext>
-            </a:extLst>
-          </p:cNvPr>
-          <p:cNvPicPr/>
-          <p:nvPr/>
-        </p:nvPicPr>
-        <p:blipFill>
-          <a:blip r:embed="rId2"/>
-          <a:srcRect/>
-          <a:stretch>
-            <a:fillRect/>
-          </a:stretch>
-        </p:blipFill>
-        <p:spPr>
-          <a:xfrm>
-            <a:off x="996462" y="575568"/>
-            <a:ext cx="10395536" cy="5706863"/>
-          </a:xfrm>
-          <a:prstGeom prst="rect">
-            <a:avLst/>
-          </a:prstGeom>
-          <a:ln/>
-        </p:spPr>
-      </p:pic>
-    </p:spTree>
-    <p:extLst>
-      <p:ext uri="{BB962C8B-B14F-4D97-AF65-F5344CB8AC3E}">
-        <p14:creationId xmlns:p14="http://schemas.microsoft.com/office/powerpoint/2010/main" val="3285800659"/>
-      </p:ext>
-    </p:extLst>
-  </p:cSld>
-  <p:clrMapOvr>
-    <a:masterClrMapping/>
-  </p:clrMapOvr>
-</p:sld>
-</file>
-
-<file path=ppt/slides/slide11.xml><?xml version="1.0" encoding="utf-8"?>
-<p:sld xmlns:a="http://schemas.openxmlformats.org/drawingml/2006/main" xmlns:r="http://schemas.openxmlformats.org/officeDocument/2006/relationships" xmlns:p="http://schemas.openxmlformats.org/presentationml/2006/main">
-  <p:cSld>
-    <p:spTree>
-      <p:nvGrpSpPr>
-        <p:cNvPr id="1" name=""/>
-        <p:cNvGrpSpPr/>
-        <p:nvPr/>
-      </p:nvGrpSpPr>
-      <p:grpSpPr>
-        <a:xfrm>
-          <a:off x="0" y="0"/>
-          <a:ext cx="0" cy="0"/>
-          <a:chOff x="0" y="0"/>
-          <a:chExt cx="0" cy="0"/>
-        </a:xfrm>
-      </p:grpSpPr>
-      <p:sp>
-        <p:nvSpPr>
-          <p:cNvPr id="2" name="Titolo 1">
-            <a:extLst>
-              <a:ext uri="{FF2B5EF4-FFF2-40B4-BE49-F238E27FC236}">
-                <a16:creationId xmlns:a16="http://schemas.microsoft.com/office/drawing/2014/main" id="{B091881F-E104-4A2A-A90F-E9C96E8E73B4}"/>
-              </a:ext>
-            </a:extLst>
-          </p:cNvPr>
-          <p:cNvSpPr>
-            <a:spLocks noGrp="1"/>
-          </p:cNvSpPr>
-          <p:nvPr>
-            <p:ph type="title"/>
-          </p:nvPr>
-        </p:nvSpPr>
-        <p:spPr>
-          <a:xfrm rot="16200000">
-            <a:off x="-1325725" y="1219566"/>
-            <a:ext cx="3403280" cy="751823"/>
-          </a:xfrm>
-        </p:spPr>
-        <p:txBody>
-          <a:bodyPr>
-            <a:normAutofit fontScale="90000"/>
-          </a:bodyPr>
-          <a:lstStyle/>
-          <a:p>
-            <a:r>
-              <a:rPr lang="it-IT" dirty="0" err="1">
-                <a:solidFill>
-                  <a:srgbClr val="F8B323"/>
-                </a:solidFill>
-              </a:rPr>
-              <a:t>Statechart</a:t>
-            </a:r>
-            <a:endParaRPr lang="it-IT" dirty="0">
-              <a:solidFill>
-                <a:srgbClr val="F8B323"/>
-              </a:solidFill>
-            </a:endParaRPr>
-          </a:p>
-        </p:txBody>
-      </p:sp>
-      <p:pic>
-        <p:nvPicPr>
-          <p:cNvPr id="4" name="image10.png">
-            <a:extLst>
-              <a:ext uri="{FF2B5EF4-FFF2-40B4-BE49-F238E27FC236}">
-                <a16:creationId xmlns:a16="http://schemas.microsoft.com/office/drawing/2014/main" id="{DDE801A2-2456-4E8D-ACCA-E0A9550221E9}"/>
-              </a:ext>
-            </a:extLst>
-          </p:cNvPr>
-          <p:cNvPicPr/>
-          <p:nvPr/>
-        </p:nvPicPr>
-        <p:blipFill>
-          <a:blip r:embed="rId2"/>
-          <a:srcRect/>
-          <a:stretch>
-            <a:fillRect/>
-          </a:stretch>
-        </p:blipFill>
-        <p:spPr>
-          <a:xfrm>
-            <a:off x="3042139" y="371298"/>
-            <a:ext cx="5985462" cy="6221760"/>
-          </a:xfrm>
-          <a:prstGeom prst="rect">
-            <a:avLst/>
-          </a:prstGeom>
-          <a:ln/>
-        </p:spPr>
-      </p:pic>
-      <p:sp>
-        <p:nvSpPr>
-          <p:cNvPr id="7" name="Segnaposto contenuto 2">
-            <a:extLst>
-              <a:ext uri="{FF2B5EF4-FFF2-40B4-BE49-F238E27FC236}">
-                <a16:creationId xmlns:a16="http://schemas.microsoft.com/office/drawing/2014/main" id="{BA883A44-0EC7-48B0-8DB0-798A0A4C9474}"/>
-              </a:ext>
-            </a:extLst>
-          </p:cNvPr>
-          <p:cNvSpPr>
-            <a:spLocks noGrp="1"/>
-          </p:cNvSpPr>
-          <p:nvPr>
-            <p:ph idx="1"/>
-          </p:nvPr>
-        </p:nvSpPr>
-        <p:spPr>
-          <a:xfrm>
-            <a:off x="4777393" y="10814"/>
-            <a:ext cx="2775199" cy="720968"/>
-          </a:xfrm>
-        </p:spPr>
-        <p:txBody>
-          <a:bodyPr/>
-          <a:lstStyle/>
-          <a:p>
-            <a:pPr marL="0" indent="0">
-              <a:buNone/>
-            </a:pPr>
-            <a:r>
-              <a:rPr lang="it-IT" dirty="0" err="1"/>
-              <a:t>Statechart</a:t>
-            </a:r>
-            <a:r>
-              <a:rPr lang="it-IT" dirty="0"/>
-              <a:t>: Prodotto</a:t>
-            </a:r>
-          </a:p>
-        </p:txBody>
-      </p:sp>
-    </p:spTree>
-    <p:extLst>
-      <p:ext uri="{BB962C8B-B14F-4D97-AF65-F5344CB8AC3E}">
-        <p14:creationId xmlns:p14="http://schemas.microsoft.com/office/powerpoint/2010/main" val="1771275991"/>
-      </p:ext>
-    </p:extLst>
-  </p:cSld>
-  <p:clrMapOvr>
-    <a:masterClrMapping/>
-  </p:clrMapOvr>
-</p:sld>
-</file>
-
-<file path=ppt/slides/slide12.xml><?xml version="1.0" encoding="utf-8"?>
-<p:sld xmlns:a="http://schemas.openxmlformats.org/drawingml/2006/main" xmlns:r="http://schemas.openxmlformats.org/officeDocument/2006/relationships" xmlns:p="http://schemas.openxmlformats.org/presentationml/2006/main">
-  <p:cSld>
-    <p:spTree>
-      <p:nvGrpSpPr>
-        <p:cNvPr id="1" name=""/>
-        <p:cNvGrpSpPr/>
-        <p:nvPr/>
-      </p:nvGrpSpPr>
-      <p:grpSpPr>
-        <a:xfrm>
-          <a:off x="0" y="0"/>
-          <a:ext cx="0" cy="0"/>
-          <a:chOff x="0" y="0"/>
-          <a:chExt cx="0" cy="0"/>
-        </a:xfrm>
-      </p:grpSpPr>
-      <p:sp>
-        <p:nvSpPr>
-          <p:cNvPr id="2" name="Titolo 1">
-            <a:extLst>
-              <a:ext uri="{FF2B5EF4-FFF2-40B4-BE49-F238E27FC236}">
-                <a16:creationId xmlns:a16="http://schemas.microsoft.com/office/drawing/2014/main" id="{B091881F-E104-4A2A-A90F-E9C96E8E73B4}"/>
-              </a:ext>
-            </a:extLst>
-          </p:cNvPr>
-          <p:cNvSpPr>
-            <a:spLocks noGrp="1"/>
-          </p:cNvSpPr>
-          <p:nvPr>
-            <p:ph type="title"/>
-          </p:nvPr>
-        </p:nvSpPr>
-        <p:spPr>
-          <a:xfrm rot="16200000">
-            <a:off x="-1352101" y="1245943"/>
-            <a:ext cx="3456034" cy="751823"/>
-          </a:xfrm>
-        </p:spPr>
-        <p:txBody>
-          <a:bodyPr>
-            <a:normAutofit fontScale="90000"/>
-          </a:bodyPr>
-          <a:lstStyle/>
-          <a:p>
-            <a:r>
-              <a:rPr lang="it-IT" dirty="0">
-                <a:solidFill>
-                  <a:srgbClr val="F8B323"/>
-                </a:solidFill>
-              </a:rPr>
-              <a:t>Design goal</a:t>
-            </a:r>
-          </a:p>
-        </p:txBody>
-      </p:sp>
-      <p:graphicFrame>
-        <p:nvGraphicFramePr>
-          <p:cNvPr id="4" name="Tabella 4">
-            <a:extLst>
-              <a:ext uri="{FF2B5EF4-FFF2-40B4-BE49-F238E27FC236}">
-                <a16:creationId xmlns:a16="http://schemas.microsoft.com/office/drawing/2014/main" id="{A36F592A-8CEB-4120-A378-DDE43308102E}"/>
-              </a:ext>
-            </a:extLst>
-          </p:cNvPr>
-          <p:cNvGraphicFramePr>
-            <a:graphicFrameLocks noGrp="1"/>
-          </p:cNvGraphicFramePr>
-          <p:nvPr>
-            <p:extLst>
-              <p:ext uri="{D42A27DB-BD31-4B8C-83A1-F6EECF244321}">
-                <p14:modId xmlns:p14="http://schemas.microsoft.com/office/powerpoint/2010/main" val="2476777713"/>
-              </p:ext>
-            </p:extLst>
-          </p:nvPr>
-        </p:nvGraphicFramePr>
-        <p:xfrm>
-          <a:off x="3231147" y="80056"/>
-          <a:ext cx="6237705" cy="6697888"/>
-        </p:xfrm>
-        <a:graphic>
-          <a:graphicData uri="http://schemas.openxmlformats.org/drawingml/2006/table">
-            <a:tbl>
-              <a:tblPr firstRow="1" bandRow="1">
-                <a:tableStyleId>{5C22544A-7EE6-4342-B048-85BDC9FD1C3A}</a:tableStyleId>
-              </a:tblPr>
-              <a:tblGrid>
-                <a:gridCol w="1884649">
-                  <a:extLst>
-                    <a:ext uri="{9D8B030D-6E8A-4147-A177-3AD203B41FA5}">
-                      <a16:colId xmlns:a16="http://schemas.microsoft.com/office/drawing/2014/main" val="2778121603"/>
-                    </a:ext>
-                  </a:extLst>
-                </a:gridCol>
-                <a:gridCol w="4353056">
-                  <a:extLst>
-                    <a:ext uri="{9D8B030D-6E8A-4147-A177-3AD203B41FA5}">
-                      <a16:colId xmlns:a16="http://schemas.microsoft.com/office/drawing/2014/main" val="2964520572"/>
-                    </a:ext>
-                  </a:extLst>
-                </a:gridCol>
-              </a:tblGrid>
-              <a:tr h="246808">
-                <a:tc gridSpan="2">
-                  <a:txBody>
-                    <a:bodyPr/>
-                    <a:lstStyle/>
-                    <a:p>
-                      <a:r>
-                        <a:rPr lang="it-IT" sz="1200" dirty="0">
-                          <a:solidFill>
-                            <a:schemeClr val="bg1"/>
-                          </a:solidFill>
-                        </a:rPr>
-                        <a:t>Performance</a:t>
-                      </a:r>
-                    </a:p>
-                  </a:txBody>
-                  <a:tcPr marL="58639" marR="58639" marT="29320" marB="29320"/>
-                </a:tc>
-                <a:tc hMerge="1">
-                  <a:txBody>
-                    <a:bodyPr/>
-                    <a:lstStyle/>
-                    <a:p>
-                      <a:endParaRPr lang="it-IT"/>
-                    </a:p>
-                  </a:txBody>
-                  <a:tcPr/>
-                </a:tc>
-                <a:extLst>
-                  <a:ext uri="{0D108BD9-81ED-4DB2-BD59-A6C34878D82A}">
-                    <a16:rowId xmlns:a16="http://schemas.microsoft.com/office/drawing/2014/main" val="4123784146"/>
-                  </a:ext>
-                </a:extLst>
-              </a:tr>
-              <a:tr h="586392">
-                <a:tc>
-                  <a:txBody>
-                    <a:bodyPr/>
-                    <a:lstStyle/>
-                    <a:p>
-                      <a:pPr algn="l"/>
-                      <a:r>
-                        <a:rPr lang="it-IT" sz="1200" dirty="0"/>
-                        <a:t>Tempo di risposta</a:t>
-                      </a:r>
-                    </a:p>
-                  </a:txBody>
-                  <a:tcPr marL="58639" marR="58639" marT="29320" marB="29320" anchor="ctr"/>
-                </a:tc>
-                <a:tc>
-                  <a:txBody>
-                    <a:bodyPr/>
-                    <a:lstStyle/>
-                    <a:p>
-                      <a:pPr algn="l"/>
-                      <a:r>
-                        <a:rPr lang="it-IT" sz="1200" dirty="0"/>
-                        <a:t>Per il requisito non funzionale (RNF-P1) il sistema deve consentire una navigazione rapida agni utenti, per cui i tempi di risposta dovranno essere minimi.</a:t>
-                      </a:r>
-                    </a:p>
-                  </a:txBody>
-                  <a:tcPr marL="58639" marR="58639" marT="29320" marB="29320"/>
-                </a:tc>
-                <a:extLst>
-                  <a:ext uri="{0D108BD9-81ED-4DB2-BD59-A6C34878D82A}">
-                    <a16:rowId xmlns:a16="http://schemas.microsoft.com/office/drawing/2014/main" val="2814230783"/>
-                  </a:ext>
-                </a:extLst>
-              </a:tr>
-              <a:tr h="410475">
-                <a:tc>
-                  <a:txBody>
-                    <a:bodyPr/>
-                    <a:lstStyle/>
-                    <a:p>
-                      <a:r>
-                        <a:rPr lang="it-IT" sz="1200" dirty="0"/>
-                        <a:t>Throughput</a:t>
-                      </a:r>
-                    </a:p>
-                  </a:txBody>
-                  <a:tcPr marL="58639" marR="58639" marT="29320" marB="29320" anchor="ctr"/>
-                </a:tc>
-                <a:tc>
-                  <a:txBody>
-                    <a:bodyPr/>
-                    <a:lstStyle/>
-                    <a:p>
-                      <a:r>
-                        <a:rPr lang="it-IT" sz="1200" dirty="0"/>
-                        <a:t>Essendo la piattaforma basata su un e-commerce sarà necessario che più utenti possano connettersi contemporaneamente al sistema.</a:t>
-                      </a:r>
-                    </a:p>
-                  </a:txBody>
-                  <a:tcPr marL="58639" marR="58639" marT="29320" marB="29320"/>
-                </a:tc>
-                <a:extLst>
-                  <a:ext uri="{0D108BD9-81ED-4DB2-BD59-A6C34878D82A}">
-                    <a16:rowId xmlns:a16="http://schemas.microsoft.com/office/drawing/2014/main" val="1135556011"/>
-                  </a:ext>
-                </a:extLst>
-              </a:tr>
-              <a:tr h="246808">
-                <a:tc gridSpan="2">
-                  <a:txBody>
-                    <a:bodyPr/>
-                    <a:lstStyle/>
-                    <a:p>
-                      <a:r>
-                        <a:rPr lang="it-IT" sz="1200" b="1" kern="1200" dirty="0">
-                          <a:solidFill>
-                            <a:schemeClr val="lt1"/>
-                          </a:solidFill>
-                          <a:latin typeface="+mn-lt"/>
-                          <a:ea typeface="+mn-ea"/>
-                          <a:cs typeface="+mn-cs"/>
-                        </a:rPr>
-                        <a:t>Affidabilità</a:t>
-                      </a:r>
-                    </a:p>
-                  </a:txBody>
-                  <a:tcPr marL="58639" marR="58639" marT="29320" marB="29320">
-                    <a:solidFill>
-                      <a:srgbClr val="F8B323"/>
-                    </a:solidFill>
-                  </a:tcPr>
-                </a:tc>
-                <a:tc hMerge="1">
-                  <a:txBody>
-                    <a:bodyPr/>
-                    <a:lstStyle/>
-                    <a:p>
-                      <a:endParaRPr lang="it-IT"/>
-                    </a:p>
-                  </a:txBody>
-                  <a:tcPr/>
-                </a:tc>
-                <a:extLst>
-                  <a:ext uri="{0D108BD9-81ED-4DB2-BD59-A6C34878D82A}">
-                    <a16:rowId xmlns:a16="http://schemas.microsoft.com/office/drawing/2014/main" val="3266360589"/>
-                  </a:ext>
-                </a:extLst>
-              </a:tr>
-              <a:tr h="586392">
-                <a:tc>
-                  <a:txBody>
-                    <a:bodyPr/>
-                    <a:lstStyle/>
-                    <a:p>
-                      <a:r>
-                        <a:rPr lang="it-IT" sz="1200" i="0" kern="1200" dirty="0">
-                          <a:solidFill>
-                            <a:schemeClr val="dk1"/>
-                          </a:solidFill>
-                          <a:effectLst/>
-                          <a:latin typeface="+mn-lt"/>
-                          <a:ea typeface="+mn-ea"/>
-                          <a:cs typeface="+mn-cs"/>
-                        </a:rPr>
-                        <a:t>Robusto</a:t>
-                      </a:r>
-                      <a:endParaRPr lang="it-IT" sz="1200" i="0" dirty="0">
-                        <a:latin typeface="+mn-lt"/>
-                      </a:endParaRPr>
-                    </a:p>
-                  </a:txBody>
-                  <a:tcPr marL="58639" marR="58639" marT="29320" marB="29320" anchor="ctr"/>
-                </a:tc>
-                <a:tc>
-                  <a:txBody>
-                    <a:bodyPr/>
-                    <a:lstStyle/>
-                    <a:p>
-                      <a:r>
-                        <a:rPr lang="it-IT" sz="1200" i="0" dirty="0">
-                          <a:latin typeface="+mn-lt"/>
-                        </a:rPr>
-                        <a:t>Per facilitare gli acquisti sarà necessario guidare l’utente durante la fase di acquisto al fine di minimizzare eventuali errori involontari e stimolando l’utente a continuare ad acquistare sulla piattaforma.</a:t>
-                      </a:r>
-                    </a:p>
-                  </a:txBody>
-                  <a:tcPr marL="58639" marR="58639" marT="29320" marB="29320"/>
-                </a:tc>
-                <a:extLst>
-                  <a:ext uri="{0D108BD9-81ED-4DB2-BD59-A6C34878D82A}">
-                    <a16:rowId xmlns:a16="http://schemas.microsoft.com/office/drawing/2014/main" val="4192420811"/>
-                  </a:ext>
-                </a:extLst>
-              </a:tr>
-              <a:tr h="410475">
-                <a:tc>
-                  <a:txBody>
-                    <a:bodyPr/>
-                    <a:lstStyle/>
-                    <a:p>
-                      <a:r>
-                        <a:rPr lang="it-IT" sz="1200" i="0" kern="1200" dirty="0">
-                          <a:solidFill>
-                            <a:schemeClr val="dk1"/>
-                          </a:solidFill>
-                          <a:effectLst/>
-                          <a:latin typeface="+mn-lt"/>
-                          <a:ea typeface="+mn-ea"/>
-                          <a:cs typeface="+mn-cs"/>
-                        </a:rPr>
-                        <a:t>Disponibile</a:t>
-                      </a:r>
-                      <a:endParaRPr lang="it-IT" sz="1200" i="0" dirty="0">
-                        <a:latin typeface="+mn-lt"/>
-                      </a:endParaRPr>
-                    </a:p>
-                  </a:txBody>
-                  <a:tcPr marL="58639" marR="58639" marT="29320" marB="29320" anchor="ctr"/>
-                </a:tc>
-                <a:tc>
-                  <a:txBody>
-                    <a:bodyPr/>
-                    <a:lstStyle/>
-                    <a:p>
-                      <a:r>
-                        <a:rPr lang="it-IT" sz="1200" i="0" dirty="0">
-                          <a:latin typeface="+mn-lt"/>
-                        </a:rPr>
-                        <a:t>Essendo il sito installato su un server esterno sarà possibile mantenerlo operativo 24h su 24, ad eccezione per la manutenzione.</a:t>
-                      </a:r>
-                    </a:p>
-                  </a:txBody>
-                  <a:tcPr marL="58639" marR="58639" marT="29320" marB="29320"/>
-                </a:tc>
-                <a:extLst>
-                  <a:ext uri="{0D108BD9-81ED-4DB2-BD59-A6C34878D82A}">
-                    <a16:rowId xmlns:a16="http://schemas.microsoft.com/office/drawing/2014/main" val="3518037723"/>
-                  </a:ext>
-                </a:extLst>
-              </a:tr>
-              <a:tr h="410475">
-                <a:tc>
-                  <a:txBody>
-                    <a:bodyPr/>
-                    <a:lstStyle/>
-                    <a:p>
-                      <a:r>
-                        <a:rPr lang="it-IT" sz="1200" i="0" kern="1200" dirty="0">
-                          <a:solidFill>
-                            <a:schemeClr val="dk1"/>
-                          </a:solidFill>
-                          <a:effectLst/>
-                          <a:latin typeface="+mn-lt"/>
-                          <a:ea typeface="+mn-ea"/>
-                          <a:cs typeface="+mn-cs"/>
-                        </a:rPr>
-                        <a:t>Tolleranza ai guasti</a:t>
-                      </a:r>
-                      <a:endParaRPr lang="it-IT" sz="1200" i="0" dirty="0">
-                        <a:latin typeface="+mn-lt"/>
-                      </a:endParaRPr>
-                    </a:p>
-                  </a:txBody>
-                  <a:tcPr marL="58639" marR="58639" marT="29320" marB="29320" anchor="ctr"/>
-                </a:tc>
-                <a:tc>
-                  <a:txBody>
-                    <a:bodyPr/>
-                    <a:lstStyle/>
-                    <a:p>
-                      <a:r>
-                        <a:rPr lang="it-IT" sz="1200" i="0" dirty="0">
-                          <a:latin typeface="+mn-lt"/>
-                        </a:rPr>
-                        <a:t>Al fine di evitare un crash del sistema sarà necessario avere una cerca qualità nella tolleranza ai guasti.</a:t>
-                      </a:r>
-                    </a:p>
-                  </a:txBody>
-                  <a:tcPr marL="58639" marR="58639" marT="29320" marB="29320"/>
-                </a:tc>
-                <a:extLst>
-                  <a:ext uri="{0D108BD9-81ED-4DB2-BD59-A6C34878D82A}">
-                    <a16:rowId xmlns:a16="http://schemas.microsoft.com/office/drawing/2014/main" val="250494413"/>
-                  </a:ext>
-                </a:extLst>
-              </a:tr>
-              <a:tr h="410475">
-                <a:tc>
-                  <a:txBody>
-                    <a:bodyPr/>
-                    <a:lstStyle/>
-                    <a:p>
-                      <a:r>
-                        <a:rPr lang="it-IT" sz="1200" i="0" kern="1200" dirty="0">
-                          <a:solidFill>
-                            <a:schemeClr val="dk1"/>
-                          </a:solidFill>
-                          <a:effectLst/>
-                          <a:latin typeface="+mn-lt"/>
-                          <a:ea typeface="+mn-ea"/>
-                          <a:cs typeface="+mn-cs"/>
-                        </a:rPr>
-                        <a:t>Sicurezza</a:t>
-                      </a:r>
-                      <a:endParaRPr lang="it-IT" sz="1200" i="0" dirty="0">
-                        <a:latin typeface="+mn-lt"/>
-                      </a:endParaRPr>
-                    </a:p>
-                  </a:txBody>
-                  <a:tcPr marL="58639" marR="58639" marT="29320" marB="29320" anchor="ctr"/>
-                </a:tc>
-                <a:tc>
-                  <a:txBody>
-                    <a:bodyPr/>
-                    <a:lstStyle/>
-                    <a:p>
-                      <a:r>
-                        <a:rPr lang="it-IT" sz="1200" i="0" dirty="0">
-                          <a:latin typeface="+mn-lt"/>
-                        </a:rPr>
-                        <a:t>Al fine di evitare fuoriuscita di dati sensibili dei utenti registrati, sarà necessario utilizzare un sistema di login.</a:t>
-                      </a:r>
-                    </a:p>
-                  </a:txBody>
-                  <a:tcPr marL="58639" marR="58639" marT="29320" marB="29320"/>
-                </a:tc>
-                <a:extLst>
-                  <a:ext uri="{0D108BD9-81ED-4DB2-BD59-A6C34878D82A}">
-                    <a16:rowId xmlns:a16="http://schemas.microsoft.com/office/drawing/2014/main" val="230225625"/>
-                  </a:ext>
-                </a:extLst>
-              </a:tr>
-              <a:tr h="246808">
-                <a:tc gridSpan="2">
-                  <a:txBody>
-                    <a:bodyPr/>
-                    <a:lstStyle/>
-                    <a:p>
-                      <a:r>
-                        <a:rPr lang="it-IT" sz="1200" i="0" dirty="0">
-                          <a:solidFill>
-                            <a:schemeClr val="bg1"/>
-                          </a:solidFill>
-                          <a:latin typeface="+mn-lt"/>
-                        </a:rPr>
-                        <a:t>Costi</a:t>
-                      </a:r>
-                    </a:p>
-                  </a:txBody>
-                  <a:tcPr marL="58639" marR="58639" marT="29320" marB="29320">
-                    <a:solidFill>
-                      <a:srgbClr val="F8B323"/>
-                    </a:solidFill>
-                  </a:tcPr>
-                </a:tc>
-                <a:tc hMerge="1">
-                  <a:txBody>
-                    <a:bodyPr/>
-                    <a:lstStyle/>
-                    <a:p>
-                      <a:endParaRPr lang="it-IT"/>
-                    </a:p>
-                  </a:txBody>
-                  <a:tcPr/>
-                </a:tc>
-                <a:extLst>
-                  <a:ext uri="{0D108BD9-81ED-4DB2-BD59-A6C34878D82A}">
-                    <a16:rowId xmlns:a16="http://schemas.microsoft.com/office/drawing/2014/main" val="2273683557"/>
-                  </a:ext>
-                </a:extLst>
-              </a:tr>
-              <a:tr h="410475">
-                <a:tc>
-                  <a:txBody>
-                    <a:bodyPr/>
-                    <a:lstStyle/>
-                    <a:p>
-                      <a:r>
-                        <a:rPr lang="it-IT" sz="1200" i="0" kern="1200" dirty="0">
-                          <a:solidFill>
-                            <a:schemeClr val="dk1"/>
-                          </a:solidFill>
-                          <a:effectLst/>
-                          <a:latin typeface="+mn-lt"/>
-                          <a:ea typeface="+mn-ea"/>
-                          <a:cs typeface="+mn-cs"/>
-                        </a:rPr>
-                        <a:t>Sviluppo</a:t>
-                      </a:r>
-                      <a:endParaRPr lang="it-IT" sz="1200" i="0" dirty="0">
-                        <a:latin typeface="+mn-lt"/>
-                      </a:endParaRPr>
-                    </a:p>
-                  </a:txBody>
-                  <a:tcPr marL="58639" marR="58639" marT="29320" marB="29320" anchor="ctr"/>
-                </a:tc>
-                <a:tc>
-                  <a:txBody>
-                    <a:bodyPr/>
-                    <a:lstStyle/>
-                    <a:p>
-                      <a:r>
-                        <a:rPr lang="it-IT" sz="1200" i="0" dirty="0">
-                          <a:latin typeface="+mn-lt"/>
-                        </a:rPr>
-                        <a:t>Si è ritenuto opportuno sviluppare il sistema sulla base di un costo complessivo di 200 ore.</a:t>
-                      </a:r>
-                    </a:p>
-                  </a:txBody>
-                  <a:tcPr marL="58639" marR="58639" marT="29320" marB="29320"/>
-                </a:tc>
-                <a:extLst>
-                  <a:ext uri="{0D108BD9-81ED-4DB2-BD59-A6C34878D82A}">
-                    <a16:rowId xmlns:a16="http://schemas.microsoft.com/office/drawing/2014/main" val="3450989563"/>
-                  </a:ext>
-                </a:extLst>
-              </a:tr>
-              <a:tr h="246808">
-                <a:tc gridSpan="2">
-                  <a:txBody>
-                    <a:bodyPr/>
-                    <a:lstStyle/>
-                    <a:p>
-                      <a:r>
-                        <a:rPr lang="it-IT" sz="1200" i="0" dirty="0">
-                          <a:solidFill>
-                            <a:schemeClr val="bg1"/>
-                          </a:solidFill>
-                          <a:latin typeface="+mn-lt"/>
-                        </a:rPr>
-                        <a:t>Manutenzione</a:t>
-                      </a:r>
-                    </a:p>
-                  </a:txBody>
-                  <a:tcPr marL="58639" marR="58639" marT="29320" marB="29320">
-                    <a:solidFill>
-                      <a:srgbClr val="F8B323"/>
-                    </a:solidFill>
-                  </a:tcPr>
-                </a:tc>
-                <a:tc hMerge="1">
-                  <a:txBody>
-                    <a:bodyPr/>
-                    <a:lstStyle/>
-                    <a:p>
-                      <a:endParaRPr lang="it-IT"/>
-                    </a:p>
-                  </a:txBody>
-                  <a:tcPr/>
-                </a:tc>
-                <a:extLst>
-                  <a:ext uri="{0D108BD9-81ED-4DB2-BD59-A6C34878D82A}">
-                    <a16:rowId xmlns:a16="http://schemas.microsoft.com/office/drawing/2014/main" val="3045831426"/>
-                  </a:ext>
-                </a:extLst>
-              </a:tr>
-              <a:tr h="410475">
-                <a:tc>
-                  <a:txBody>
-                    <a:bodyPr/>
-                    <a:lstStyle/>
-                    <a:p>
-                      <a:r>
-                        <a:rPr lang="it-IT" sz="1200" i="0" kern="1200" dirty="0">
-                          <a:solidFill>
-                            <a:schemeClr val="dk1"/>
-                          </a:solidFill>
-                          <a:effectLst/>
-                          <a:latin typeface="+mn-lt"/>
-                          <a:ea typeface="+mn-ea"/>
-                          <a:cs typeface="+mn-cs"/>
-                        </a:rPr>
-                        <a:t>Portabile</a:t>
-                      </a:r>
-                      <a:endParaRPr lang="it-IT" sz="1200" i="0" dirty="0">
-                        <a:latin typeface="+mn-lt"/>
-                      </a:endParaRPr>
-                    </a:p>
-                  </a:txBody>
-                  <a:tcPr marL="58639" marR="58639" marT="29320" marB="29320" anchor="ctr"/>
-                </a:tc>
-                <a:tc>
-                  <a:txBody>
-                    <a:bodyPr/>
-                    <a:lstStyle/>
-                    <a:p>
-                      <a:r>
-                        <a:rPr lang="it-IT" sz="1200" i="0" dirty="0">
-                          <a:latin typeface="+mn-lt"/>
-                        </a:rPr>
-                        <a:t>Il sistema sarà facilmente reperibile su più browser possibili al fine di ampliare l’utenza.</a:t>
-                      </a:r>
-                    </a:p>
-                  </a:txBody>
-                  <a:tcPr marL="58639" marR="58639" marT="29320" marB="29320"/>
-                </a:tc>
-                <a:extLst>
-                  <a:ext uri="{0D108BD9-81ED-4DB2-BD59-A6C34878D82A}">
-                    <a16:rowId xmlns:a16="http://schemas.microsoft.com/office/drawing/2014/main" val="4197104734"/>
-                  </a:ext>
-                </a:extLst>
-              </a:tr>
-              <a:tr h="410475">
-                <a:tc>
-                  <a:txBody>
-                    <a:bodyPr/>
-                    <a:lstStyle/>
-                    <a:p>
-                      <a:r>
-                        <a:rPr lang="it-IT" sz="1200" i="0" kern="1200" dirty="0">
-                          <a:solidFill>
-                            <a:schemeClr val="dk1"/>
-                          </a:solidFill>
-                          <a:effectLst/>
-                          <a:latin typeface="+mn-lt"/>
-                          <a:ea typeface="+mn-ea"/>
-                          <a:cs typeface="+mn-cs"/>
-                        </a:rPr>
-                        <a:t>Leggibilità del codice</a:t>
-                      </a:r>
-                      <a:endParaRPr lang="it-IT" sz="1200" i="0" dirty="0">
-                        <a:latin typeface="+mn-lt"/>
-                      </a:endParaRPr>
-                    </a:p>
-                  </a:txBody>
-                  <a:tcPr marL="58639" marR="58639" marT="29320" marB="29320" anchor="ctr"/>
-                </a:tc>
-                <a:tc>
-                  <a:txBody>
-                    <a:bodyPr/>
-                    <a:lstStyle/>
-                    <a:p>
-                      <a:r>
-                        <a:rPr lang="it-IT" sz="1200" i="0" dirty="0">
-                          <a:latin typeface="+mn-lt"/>
-                        </a:rPr>
-                        <a:t>Il sistema adotterà uno standard per la scrittura del codice in modo da facilitare eventuali modifiche future.</a:t>
-                      </a:r>
-                    </a:p>
-                  </a:txBody>
-                  <a:tcPr marL="58639" marR="58639" marT="29320" marB="29320"/>
-                </a:tc>
-                <a:extLst>
-                  <a:ext uri="{0D108BD9-81ED-4DB2-BD59-A6C34878D82A}">
-                    <a16:rowId xmlns:a16="http://schemas.microsoft.com/office/drawing/2014/main" val="3668900437"/>
-                  </a:ext>
-                </a:extLst>
-              </a:tr>
-              <a:tr h="246808">
-                <a:tc>
-                  <a:txBody>
-                    <a:bodyPr/>
-                    <a:lstStyle/>
-                    <a:p>
-                      <a:r>
-                        <a:rPr lang="it-IT" sz="1200" i="0" kern="1200" dirty="0">
-                          <a:solidFill>
-                            <a:schemeClr val="dk1"/>
-                          </a:solidFill>
-                          <a:effectLst/>
-                          <a:latin typeface="+mn-lt"/>
-                          <a:ea typeface="+mn-ea"/>
-                          <a:cs typeface="+mn-cs"/>
-                        </a:rPr>
-                        <a:t>Tracciabilità dei requisiti</a:t>
-                      </a:r>
-                      <a:endParaRPr lang="it-IT" sz="1200" i="0" dirty="0">
-                        <a:latin typeface="+mn-lt"/>
-                      </a:endParaRPr>
-                    </a:p>
-                  </a:txBody>
-                  <a:tcPr marL="58639" marR="58639" marT="29320" marB="29320" anchor="ctr"/>
-                </a:tc>
-                <a:tc>
-                  <a:txBody>
-                    <a:bodyPr/>
-                    <a:lstStyle/>
-                    <a:p>
-                      <a:r>
-                        <a:rPr lang="it-IT" sz="1200" kern="1200" dirty="0">
-                          <a:solidFill>
-                            <a:schemeClr val="dk1"/>
-                          </a:solidFill>
-                          <a:effectLst/>
-                          <a:latin typeface="+mn-lt"/>
-                          <a:ea typeface="+mn-ea"/>
-                          <a:cs typeface="+mn-cs"/>
-                        </a:rPr>
-                        <a:t>I requisiti saranno tracciabili tramite una matrice di tracciabilità.</a:t>
-                      </a:r>
-                      <a:endParaRPr lang="it-IT" sz="1200" i="0" dirty="0">
-                        <a:latin typeface="+mn-lt"/>
-                      </a:endParaRPr>
-                    </a:p>
-                  </a:txBody>
-                  <a:tcPr marL="58639" marR="58639" marT="29320" marB="29320"/>
-                </a:tc>
-                <a:extLst>
-                  <a:ext uri="{0D108BD9-81ED-4DB2-BD59-A6C34878D82A}">
-                    <a16:rowId xmlns:a16="http://schemas.microsoft.com/office/drawing/2014/main" val="2150063128"/>
-                  </a:ext>
-                </a:extLst>
-              </a:tr>
-              <a:tr h="246808">
-                <a:tc gridSpan="2">
-                  <a:txBody>
-                    <a:bodyPr/>
-                    <a:lstStyle/>
-                    <a:p>
-                      <a:r>
-                        <a:rPr lang="it-IT" sz="1200" i="0" dirty="0">
-                          <a:solidFill>
-                            <a:schemeClr val="bg1"/>
-                          </a:solidFill>
-                          <a:latin typeface="+mn-lt"/>
-                        </a:rPr>
-                        <a:t>Usabilità</a:t>
-                      </a:r>
-                    </a:p>
-                  </a:txBody>
-                  <a:tcPr marL="58639" marR="58639" marT="29320" marB="29320">
-                    <a:solidFill>
-                      <a:srgbClr val="F8B323"/>
-                    </a:solidFill>
-                  </a:tcPr>
-                </a:tc>
-                <a:tc hMerge="1">
-                  <a:txBody>
-                    <a:bodyPr/>
-                    <a:lstStyle/>
-                    <a:p>
-                      <a:endParaRPr lang="it-IT" i="0" dirty="0">
-                        <a:solidFill>
-                          <a:schemeClr val="bg1"/>
-                        </a:solidFill>
-                        <a:latin typeface="+mn-lt"/>
-                      </a:endParaRPr>
-                    </a:p>
-                  </a:txBody>
-                  <a:tcPr>
-                    <a:solidFill>
-                      <a:srgbClr val="F8B323"/>
-                    </a:solidFill>
-                  </a:tcPr>
-                </a:tc>
-                <a:extLst>
-                  <a:ext uri="{0D108BD9-81ED-4DB2-BD59-A6C34878D82A}">
-                    <a16:rowId xmlns:a16="http://schemas.microsoft.com/office/drawing/2014/main" val="507175006"/>
-                  </a:ext>
-                </a:extLst>
-              </a:tr>
-              <a:tr h="410475">
-                <a:tc>
-                  <a:txBody>
-                    <a:bodyPr/>
-                    <a:lstStyle/>
-                    <a:p>
-                      <a:r>
-                        <a:rPr lang="it-IT" sz="1200" i="0" kern="1200" dirty="0">
-                          <a:solidFill>
-                            <a:schemeClr val="dk1"/>
-                          </a:solidFill>
-                          <a:effectLst/>
-                          <a:latin typeface="+mn-lt"/>
-                          <a:ea typeface="+mn-ea"/>
-                          <a:cs typeface="+mn-cs"/>
-                        </a:rPr>
-                        <a:t>Utile</a:t>
-                      </a:r>
-                      <a:endParaRPr lang="it-IT" sz="1200" i="0" dirty="0">
-                        <a:latin typeface="+mn-lt"/>
-                      </a:endParaRPr>
-                    </a:p>
-                  </a:txBody>
-                  <a:tcPr marL="58639" marR="58639" marT="29320" marB="29320" anchor="ctr"/>
-                </a:tc>
-                <a:tc>
-                  <a:txBody>
-                    <a:bodyPr/>
-                    <a:lstStyle/>
-                    <a:p>
-                      <a:r>
-                        <a:rPr lang="it-IT" sz="1200" i="0" dirty="0">
-                          <a:latin typeface="+mn-lt"/>
-                        </a:rPr>
-                        <a:t>Al fine di facilitare l’acquisto dei libri si è ritenuto opportuno digitalizzare il catalogo della libreria indipendente Dodo.</a:t>
-                      </a:r>
-                    </a:p>
-                  </a:txBody>
-                  <a:tcPr marL="58639" marR="58639" marT="29320" marB="29320"/>
-                </a:tc>
-                <a:extLst>
-                  <a:ext uri="{0D108BD9-81ED-4DB2-BD59-A6C34878D82A}">
-                    <a16:rowId xmlns:a16="http://schemas.microsoft.com/office/drawing/2014/main" val="2128239098"/>
-                  </a:ext>
-                </a:extLst>
-              </a:tr>
-              <a:tr h="586392">
-                <a:tc>
-                  <a:txBody>
-                    <a:bodyPr/>
-                    <a:lstStyle/>
-                    <a:p>
-                      <a:r>
-                        <a:rPr lang="it-IT" sz="1200" i="0" kern="1200" dirty="0">
-                          <a:solidFill>
-                            <a:schemeClr val="dk1"/>
-                          </a:solidFill>
-                          <a:effectLst/>
-                          <a:latin typeface="+mn-lt"/>
-                          <a:ea typeface="+mn-ea"/>
-                          <a:cs typeface="+mn-cs"/>
-                        </a:rPr>
-                        <a:t>Usabile</a:t>
-                      </a:r>
-                      <a:endParaRPr lang="it-IT" sz="1200" i="0" dirty="0">
-                        <a:latin typeface="+mn-lt"/>
-                      </a:endParaRPr>
-                    </a:p>
-                  </a:txBody>
-                  <a:tcPr marL="58639" marR="58639" marT="29320" marB="29320" anchor="ctr"/>
-                </a:tc>
-                <a:tc>
-                  <a:txBody>
-                    <a:bodyPr/>
-                    <a:lstStyle/>
-                    <a:p>
-                      <a:r>
-                        <a:rPr lang="it-IT" sz="1200" i="0" dirty="0">
-                          <a:latin typeface="+mn-lt"/>
-                        </a:rPr>
-                        <a:t>In base ai requisiti non funzionali (RNF-U1,RNF-U2, RNF-IN1) il sistema avrà un interfaccia ed un interazione facile da utilizzare per effettuare operazioni in modo semplice ed immediato.</a:t>
-                      </a:r>
-                    </a:p>
-                  </a:txBody>
-                  <a:tcPr marL="58639" marR="58639" marT="29320" marB="29320"/>
-                </a:tc>
-                <a:extLst>
-                  <a:ext uri="{0D108BD9-81ED-4DB2-BD59-A6C34878D82A}">
-                    <a16:rowId xmlns:a16="http://schemas.microsoft.com/office/drawing/2014/main" val="2975772692"/>
-                  </a:ext>
-                </a:extLst>
-              </a:tr>
-            </a:tbl>
-          </a:graphicData>
-        </a:graphic>
-      </p:graphicFrame>
-    </p:spTree>
-    <p:extLst>
-      <p:ext uri="{BB962C8B-B14F-4D97-AF65-F5344CB8AC3E}">
-        <p14:creationId xmlns:p14="http://schemas.microsoft.com/office/powerpoint/2010/main" val="184946498"/>
-      </p:ext>
-    </p:extLst>
-  </p:cSld>
-  <p:clrMapOvr>
-    <a:masterClrMapping/>
-  </p:clrMapOvr>
-</p:sld>
-</file>
-
-<file path=ppt/slides/slide13.xml><?xml version="1.0" encoding="utf-8"?>
-<p:sld xmlns:a="http://schemas.openxmlformats.org/drawingml/2006/main" xmlns:r="http://schemas.openxmlformats.org/officeDocument/2006/relationships" xmlns:p="http://schemas.openxmlformats.org/presentationml/2006/main">
-  <p:cSld>
-    <p:spTree>
-      <p:nvGrpSpPr>
-        <p:cNvPr id="1" name=""/>
-        <p:cNvGrpSpPr/>
-        <p:nvPr/>
-      </p:nvGrpSpPr>
-      <p:grpSpPr>
-        <a:xfrm>
-          <a:off x="0" y="0"/>
-          <a:ext cx="0" cy="0"/>
-          <a:chOff x="0" y="0"/>
-          <a:chExt cx="0" cy="0"/>
-        </a:xfrm>
-      </p:grpSpPr>
-      <p:sp>
-        <p:nvSpPr>
-          <p:cNvPr id="2" name="Titolo 1">
-            <a:extLst>
-              <a:ext uri="{FF2B5EF4-FFF2-40B4-BE49-F238E27FC236}">
-                <a16:creationId xmlns:a16="http://schemas.microsoft.com/office/drawing/2014/main" id="{B091881F-E104-4A2A-A90F-E9C96E8E73B4}"/>
-              </a:ext>
-            </a:extLst>
-          </p:cNvPr>
-          <p:cNvSpPr>
-            <a:spLocks noGrp="1"/>
-          </p:cNvSpPr>
-          <p:nvPr>
-            <p:ph type="title"/>
-          </p:nvPr>
-        </p:nvSpPr>
-        <p:spPr>
-          <a:xfrm rot="16200000">
             <a:off x="-1633454" y="1527297"/>
             <a:ext cx="4018742" cy="751823"/>
           </a:xfrm>
@@ -10019,6 +8897,9 @@
           </a:bodyPr>
           <a:lstStyle/>
           <a:p>
+            <a:pPr marL="0" indent="0">
+              <a:buNone/>
+            </a:pPr>
             <a:r>
               <a:rPr lang="it-IT" dirty="0"/>
               <a:t>Design Pattern MVC ( Model, Control, </a:t>
@@ -10267,8 +9148,8 @@
         </p:nvSpPr>
         <p:spPr>
           <a:xfrm>
-            <a:off x="8301243" y="1781127"/>
-            <a:ext cx="3302493" cy="923330"/>
+            <a:off x="6947556" y="1411069"/>
+            <a:ext cx="4571340" cy="646331"/>
           </a:xfrm>
           <a:prstGeom prst="rect">
             <a:avLst/>
@@ -10281,24 +9162,22 @@
           </a:bodyPr>
           <a:lstStyle/>
           <a:p>
+            <a:pPr algn="r"/>
             <a:r>
               <a:rPr lang="it-IT" dirty="0">
+                <a:solidFill>
+                  <a:schemeClr val="tx1">
+                    <a:lumMod val="65000"/>
+                    <a:lumOff val="35000"/>
+                  </a:schemeClr>
+                </a:solidFill>
                 <a:latin typeface="Garamond" panose="02020404030301010803" pitchFamily="18" charset="0"/>
               </a:rPr>
-              <a:t>Esso ci permette di dividere </a:t>
+              <a:t>Esso ci permette di dividere facilmente gli ambiti relativi alla grafica e sicurezza.</a:t>
             </a:r>
-            <a:r>
-              <a:rPr lang="it-IT" sz="1000" dirty="0">
-                <a:latin typeface="Garamond" panose="02020404030301010803" pitchFamily="18" charset="0"/>
-              </a:rPr>
-              <a:t>facilmente </a:t>
-            </a:r>
-            <a:r>
-              <a:rPr lang="it-IT" dirty="0">
-                <a:latin typeface="Garamond" panose="02020404030301010803" pitchFamily="18" charset="0"/>
-              </a:rPr>
-              <a:t>gli ambiti relativi alla grafica e sicurezza.</a:t>
-            </a:r>
+            <a:endParaRPr lang="it-IT" dirty="0">
+              <a:latin typeface="Garamond" panose="02020404030301010803" pitchFamily="18" charset="0"/>
+            </a:endParaRPr>
           </a:p>
         </p:txBody>
       </p:sp>
@@ -10315,7 +9194,7 @@
 </p:sld>
 </file>
 
-<file path=ppt/slides/slide14.xml><?xml version="1.0" encoding="utf-8"?>
+<file path=ppt/slides/slide11.xml><?xml version="1.0" encoding="utf-8"?>
 <p:sld xmlns:a="http://schemas.openxmlformats.org/drawingml/2006/main" xmlns:r="http://schemas.openxmlformats.org/officeDocument/2006/relationships" xmlns:p="http://schemas.openxmlformats.org/presentationml/2006/main">
   <p:cSld>
     <p:spTree>
@@ -10397,6 +9276,9 @@
           <a:bodyPr/>
           <a:lstStyle/>
           <a:p>
+            <a:pPr marL="0" indent="0">
+              <a:buNone/>
+            </a:pPr>
             <a:r>
               <a:rPr lang="it-IT" dirty="0"/>
               <a:t>Test Case ( TC_16_16) : Inserimento Prodotto Nel Sistema</a:t>
@@ -12334,7 +11216,7 @@
 </p:sld>
 </file>
 
-<file path=ppt/slides/slide15.xml><?xml version="1.0" encoding="utf-8"?>
+<file path=ppt/slides/slide12.xml><?xml version="1.0" encoding="utf-8"?>
 <p:sld xmlns:a="http://schemas.openxmlformats.org/drawingml/2006/main" xmlns:r="http://schemas.openxmlformats.org/officeDocument/2006/relationships" xmlns:p="http://schemas.openxmlformats.org/presentationml/2006/main">
   <p:cSld>
     <p:spTree>
@@ -12416,6 +11298,9 @@
           <a:bodyPr/>
           <a:lstStyle/>
           <a:p>
+            <a:pPr marL="0" indent="0">
+              <a:buNone/>
+            </a:pPr>
             <a:r>
               <a:rPr lang="it-IT" dirty="0"/>
               <a:t>Test Case ( TC_16_16) : Inserimento Prodotto Nel Sistema</a:t>
@@ -13596,7 +12481,7 @@
 </p:sld>
 </file>
 
-<file path=ppt/slides/slide16.xml><?xml version="1.0" encoding="utf-8"?>
+<file path=ppt/slides/slide13.xml><?xml version="1.0" encoding="utf-8"?>
 <p:sld xmlns:a="http://schemas.openxmlformats.org/drawingml/2006/main" xmlns:r="http://schemas.openxmlformats.org/officeDocument/2006/relationships" xmlns:p="http://schemas.openxmlformats.org/presentationml/2006/main">
   <p:cSld>
     <p:spTree>
@@ -13678,6 +12563,9 @@
           <a:bodyPr/>
           <a:lstStyle/>
           <a:p>
+            <a:pPr marL="0" indent="0">
+              <a:buNone/>
+            </a:pPr>
             <a:r>
               <a:rPr lang="it-IT" dirty="0"/>
               <a:t>Test Case ( TC_16_16) : Inserimento Prodotto Nel Sistema</a:t>
@@ -15149,7 +14037,3012 @@
 </p:sld>
 </file>
 
+<file path=ppt/slides/slide14.xml><?xml version="1.0" encoding="utf-8"?>
+<p:sld xmlns:a="http://schemas.openxmlformats.org/drawingml/2006/main" xmlns:r="http://schemas.openxmlformats.org/officeDocument/2006/relationships" xmlns:p="http://schemas.openxmlformats.org/presentationml/2006/main">
+  <p:cSld>
+    <p:spTree>
+      <p:nvGrpSpPr>
+        <p:cNvPr id="1" name=""/>
+        <p:cNvGrpSpPr/>
+        <p:nvPr/>
+      </p:nvGrpSpPr>
+      <p:grpSpPr>
+        <a:xfrm>
+          <a:off x="0" y="0"/>
+          <a:ext cx="0" cy="0"/>
+          <a:chOff x="0" y="0"/>
+          <a:chExt cx="0" cy="0"/>
+        </a:xfrm>
+      </p:grpSpPr>
+      <p:sp>
+        <p:nvSpPr>
+          <p:cNvPr id="2" name="Titolo 1">
+            <a:extLst>
+              <a:ext uri="{FF2B5EF4-FFF2-40B4-BE49-F238E27FC236}">
+                <a16:creationId xmlns:a16="http://schemas.microsoft.com/office/drawing/2014/main" id="{B091881F-E104-4A2A-A90F-E9C96E8E73B4}"/>
+              </a:ext>
+            </a:extLst>
+          </p:cNvPr>
+          <p:cNvSpPr>
+            <a:spLocks noGrp="1"/>
+          </p:cNvSpPr>
+          <p:nvPr>
+            <p:ph type="title"/>
+          </p:nvPr>
+        </p:nvSpPr>
+        <p:spPr>
+          <a:xfrm rot="16200000">
+            <a:off x="-3053082" y="3053088"/>
+            <a:ext cx="6858001" cy="751823"/>
+          </a:xfrm>
+        </p:spPr>
+        <p:txBody>
+          <a:bodyPr>
+            <a:normAutofit fontScale="90000"/>
+          </a:bodyPr>
+          <a:lstStyle/>
+          <a:p>
+            <a:pPr algn="r"/>
+            <a:r>
+              <a:rPr lang="it-IT" dirty="0" err="1">
+                <a:solidFill>
+                  <a:srgbClr val="F8B323"/>
+                </a:solidFill>
+              </a:rPr>
+              <a:t>retrospective</a:t>
+            </a:r>
+            <a:endParaRPr lang="it-IT" dirty="0">
+              <a:solidFill>
+                <a:srgbClr val="F8B323"/>
+              </a:solidFill>
+            </a:endParaRPr>
+          </a:p>
+        </p:txBody>
+      </p:sp>
+      <p:sp>
+        <p:nvSpPr>
+          <p:cNvPr id="4" name="Rettangolo con angoli arrotondati 3">
+            <a:extLst>
+              <a:ext uri="{FF2B5EF4-FFF2-40B4-BE49-F238E27FC236}">
+                <a16:creationId xmlns:a16="http://schemas.microsoft.com/office/drawing/2014/main" id="{2360F493-BC18-4B24-B636-337453F09B56}"/>
+              </a:ext>
+            </a:extLst>
+          </p:cNvPr>
+          <p:cNvSpPr/>
+          <p:nvPr/>
+        </p:nvSpPr>
+        <p:spPr>
+          <a:xfrm>
+            <a:off x="1176264" y="203333"/>
+            <a:ext cx="2092751" cy="518474"/>
+          </a:xfrm>
+          <a:prstGeom prst="roundRect">
+            <a:avLst/>
+          </a:prstGeom>
+        </p:spPr>
+        <p:style>
+          <a:lnRef idx="2">
+            <a:schemeClr val="accent1">
+              <a:shade val="50000"/>
+            </a:schemeClr>
+          </a:lnRef>
+          <a:fillRef idx="1">
+            <a:schemeClr val="accent1"/>
+          </a:fillRef>
+          <a:effectRef idx="0">
+            <a:schemeClr val="accent1"/>
+          </a:effectRef>
+          <a:fontRef idx="minor">
+            <a:schemeClr val="lt1"/>
+          </a:fontRef>
+        </p:style>
+        <p:txBody>
+          <a:bodyPr rtlCol="0" anchor="ctr"/>
+          <a:lstStyle/>
+          <a:p>
+            <a:pPr algn="ctr"/>
+            <a:r>
+              <a:rPr lang="it-IT" dirty="0"/>
+              <a:t>START DOING</a:t>
+            </a:r>
+          </a:p>
+        </p:txBody>
+      </p:sp>
+      <p:sp>
+        <p:nvSpPr>
+          <p:cNvPr id="5" name="Rettangolo con angoli arrotondati 4">
+            <a:extLst>
+              <a:ext uri="{FF2B5EF4-FFF2-40B4-BE49-F238E27FC236}">
+                <a16:creationId xmlns:a16="http://schemas.microsoft.com/office/drawing/2014/main" id="{38CD7DDD-842E-470C-A251-77C3D4259971}"/>
+              </a:ext>
+            </a:extLst>
+          </p:cNvPr>
+          <p:cNvSpPr/>
+          <p:nvPr/>
+        </p:nvSpPr>
+        <p:spPr>
+          <a:xfrm>
+            <a:off x="1176263" y="896202"/>
+            <a:ext cx="2092751" cy="518474"/>
+          </a:xfrm>
+          <a:prstGeom prst="roundRect">
+            <a:avLst/>
+          </a:prstGeom>
+        </p:spPr>
+        <p:style>
+          <a:lnRef idx="2">
+            <a:schemeClr val="accent1">
+              <a:shade val="50000"/>
+            </a:schemeClr>
+          </a:lnRef>
+          <a:fillRef idx="1">
+            <a:schemeClr val="accent1"/>
+          </a:fillRef>
+          <a:effectRef idx="0">
+            <a:schemeClr val="accent1"/>
+          </a:effectRef>
+          <a:fontRef idx="minor">
+            <a:schemeClr val="lt1"/>
+          </a:fontRef>
+        </p:style>
+        <p:txBody>
+          <a:bodyPr rtlCol="0" anchor="ctr"/>
+          <a:lstStyle/>
+          <a:p>
+            <a:pPr algn="ctr"/>
+            <a:r>
+              <a:rPr lang="it-IT" dirty="0"/>
+              <a:t>STOP DOING</a:t>
+            </a:r>
+          </a:p>
+        </p:txBody>
+      </p:sp>
+      <p:sp>
+        <p:nvSpPr>
+          <p:cNvPr id="6" name="Rettangolo con angoli arrotondati 5">
+            <a:extLst>
+              <a:ext uri="{FF2B5EF4-FFF2-40B4-BE49-F238E27FC236}">
+                <a16:creationId xmlns:a16="http://schemas.microsoft.com/office/drawing/2014/main" id="{F57BA1CC-7247-4870-A33B-FD478BF8D9D3}"/>
+              </a:ext>
+            </a:extLst>
+          </p:cNvPr>
+          <p:cNvSpPr/>
+          <p:nvPr/>
+        </p:nvSpPr>
+        <p:spPr>
+          <a:xfrm>
+            <a:off x="1176263" y="1589071"/>
+            <a:ext cx="2092751" cy="518474"/>
+          </a:xfrm>
+          <a:prstGeom prst="roundRect">
+            <a:avLst/>
+          </a:prstGeom>
+        </p:spPr>
+        <p:style>
+          <a:lnRef idx="2">
+            <a:schemeClr val="accent1">
+              <a:shade val="50000"/>
+            </a:schemeClr>
+          </a:lnRef>
+          <a:fillRef idx="1">
+            <a:schemeClr val="accent1"/>
+          </a:fillRef>
+          <a:effectRef idx="0">
+            <a:schemeClr val="accent1"/>
+          </a:effectRef>
+          <a:fontRef idx="minor">
+            <a:schemeClr val="lt1"/>
+          </a:fontRef>
+        </p:style>
+        <p:txBody>
+          <a:bodyPr rtlCol="0" anchor="ctr"/>
+          <a:lstStyle/>
+          <a:p>
+            <a:pPr algn="ctr"/>
+            <a:r>
+              <a:rPr lang="it-IT" dirty="0"/>
+              <a:t>CONTINUE DOING</a:t>
+            </a:r>
+          </a:p>
+        </p:txBody>
+      </p:sp>
+      <p:sp>
+        <p:nvSpPr>
+          <p:cNvPr id="7" name="Rettangolo con angoli arrotondati 6">
+            <a:extLst>
+              <a:ext uri="{FF2B5EF4-FFF2-40B4-BE49-F238E27FC236}">
+                <a16:creationId xmlns:a16="http://schemas.microsoft.com/office/drawing/2014/main" id="{BA55D6EC-A49C-4C20-8F18-860944DC0F97}"/>
+              </a:ext>
+            </a:extLst>
+          </p:cNvPr>
+          <p:cNvSpPr/>
+          <p:nvPr/>
+        </p:nvSpPr>
+        <p:spPr>
+          <a:xfrm>
+            <a:off x="3510968" y="203333"/>
+            <a:ext cx="8022726" cy="518474"/>
+          </a:xfrm>
+          <a:prstGeom prst="roundRect">
+            <a:avLst/>
+          </a:prstGeom>
+        </p:spPr>
+        <p:style>
+          <a:lnRef idx="2">
+            <a:schemeClr val="accent1">
+              <a:shade val="50000"/>
+            </a:schemeClr>
+          </a:lnRef>
+          <a:fillRef idx="1">
+            <a:schemeClr val="accent1"/>
+          </a:fillRef>
+          <a:effectRef idx="0">
+            <a:schemeClr val="accent1"/>
+          </a:effectRef>
+          <a:fontRef idx="minor">
+            <a:schemeClr val="lt1"/>
+          </a:fontRef>
+        </p:style>
+        <p:txBody>
+          <a:bodyPr rtlCol="0" anchor="ctr"/>
+          <a:lstStyle/>
+          <a:p>
+            <a:pPr algn="ctr"/>
+            <a:r>
+              <a:rPr lang="it-IT" dirty="0"/>
+              <a:t>Essere più puntuali nei meeting, specialmente la mattina.</a:t>
+            </a:r>
+          </a:p>
+        </p:txBody>
+      </p:sp>
+      <p:sp>
+        <p:nvSpPr>
+          <p:cNvPr id="8" name="Rettangolo con angoli arrotondati 7">
+            <a:extLst>
+              <a:ext uri="{FF2B5EF4-FFF2-40B4-BE49-F238E27FC236}">
+                <a16:creationId xmlns:a16="http://schemas.microsoft.com/office/drawing/2014/main" id="{E83BF7D5-3D8C-47A7-BD65-02169B7DC585}"/>
+              </a:ext>
+            </a:extLst>
+          </p:cNvPr>
+          <p:cNvSpPr/>
+          <p:nvPr/>
+        </p:nvSpPr>
+        <p:spPr>
+          <a:xfrm>
+            <a:off x="3510968" y="896202"/>
+            <a:ext cx="8022726" cy="518474"/>
+          </a:xfrm>
+          <a:prstGeom prst="roundRect">
+            <a:avLst/>
+          </a:prstGeom>
+        </p:spPr>
+        <p:style>
+          <a:lnRef idx="2">
+            <a:schemeClr val="accent1">
+              <a:shade val="50000"/>
+            </a:schemeClr>
+          </a:lnRef>
+          <a:fillRef idx="1">
+            <a:schemeClr val="accent1"/>
+          </a:fillRef>
+          <a:effectRef idx="0">
+            <a:schemeClr val="accent1"/>
+          </a:effectRef>
+          <a:fontRef idx="minor">
+            <a:schemeClr val="lt1"/>
+          </a:fontRef>
+        </p:style>
+        <p:txBody>
+          <a:bodyPr rtlCol="0" anchor="ctr"/>
+          <a:lstStyle/>
+          <a:p>
+            <a:pPr algn="ctr"/>
+            <a:r>
+              <a:rPr lang="it-IT" dirty="0"/>
+              <a:t>Soffermarsi troppo tempo su dettagli superflui o non necessari al completamento del progetto.</a:t>
+            </a:r>
+          </a:p>
+        </p:txBody>
+      </p:sp>
+      <p:sp>
+        <p:nvSpPr>
+          <p:cNvPr id="9" name="Rettangolo con angoli arrotondati 8">
+            <a:extLst>
+              <a:ext uri="{FF2B5EF4-FFF2-40B4-BE49-F238E27FC236}">
+                <a16:creationId xmlns:a16="http://schemas.microsoft.com/office/drawing/2014/main" id="{A4532E13-D493-46D7-AF4B-2DC2BDDC5AFA}"/>
+              </a:ext>
+            </a:extLst>
+          </p:cNvPr>
+          <p:cNvSpPr/>
+          <p:nvPr/>
+        </p:nvSpPr>
+        <p:spPr>
+          <a:xfrm>
+            <a:off x="3510968" y="1589071"/>
+            <a:ext cx="8022726" cy="518474"/>
+          </a:xfrm>
+          <a:prstGeom prst="roundRect">
+            <a:avLst/>
+          </a:prstGeom>
+        </p:spPr>
+        <p:style>
+          <a:lnRef idx="2">
+            <a:schemeClr val="accent1">
+              <a:shade val="50000"/>
+            </a:schemeClr>
+          </a:lnRef>
+          <a:fillRef idx="1">
+            <a:schemeClr val="accent1"/>
+          </a:fillRef>
+          <a:effectRef idx="0">
+            <a:schemeClr val="accent1"/>
+          </a:effectRef>
+          <a:fontRef idx="minor">
+            <a:schemeClr val="lt1"/>
+          </a:fontRef>
+        </p:style>
+        <p:txBody>
+          <a:bodyPr rtlCol="0" anchor="ctr"/>
+          <a:lstStyle/>
+          <a:p>
+            <a:pPr algn="ctr"/>
+            <a:r>
+              <a:rPr lang="it-IT" dirty="0"/>
+              <a:t>Continuare a mantenere un ritmo costante nello svolgimento dei task più importanti.</a:t>
+            </a:r>
+          </a:p>
+        </p:txBody>
+      </p:sp>
+      <p:pic>
+        <p:nvPicPr>
+          <p:cNvPr id="11" name="Immagine 10" descr="Immagine che contiene albero, pianta, giallo&#10;&#10;Descrizione generata automaticamente">
+            <a:extLst>
+              <a:ext uri="{FF2B5EF4-FFF2-40B4-BE49-F238E27FC236}">
+                <a16:creationId xmlns:a16="http://schemas.microsoft.com/office/drawing/2014/main" id="{C579EACA-3271-4C90-8E4D-95DB4B07CC55}"/>
+              </a:ext>
+            </a:extLst>
+          </p:cNvPr>
+          <p:cNvPicPr>
+            <a:picLocks noChangeAspect="1"/>
+          </p:cNvPicPr>
+          <p:nvPr/>
+        </p:nvPicPr>
+        <p:blipFill>
+          <a:blip r:embed="rId2">
+            <a:extLst>
+              <a:ext uri="{28A0092B-C50C-407E-A947-70E740481C1C}">
+                <a14:useLocalDpi xmlns:a14="http://schemas.microsoft.com/office/drawing/2010/main" val="0"/>
+              </a:ext>
+            </a:extLst>
+          </a:blip>
+          <a:stretch>
+            <a:fillRect/>
+          </a:stretch>
+        </p:blipFill>
+        <p:spPr>
+          <a:xfrm flipH="1">
+            <a:off x="9252358" y="4215156"/>
+            <a:ext cx="1580658" cy="2107545"/>
+          </a:xfrm>
+          <a:prstGeom prst="rect">
+            <a:avLst/>
+          </a:prstGeom>
+        </p:spPr>
+      </p:pic>
+      <p:sp>
+        <p:nvSpPr>
+          <p:cNvPr id="15" name="Fumetto: ovale 14">
+            <a:extLst>
+              <a:ext uri="{FF2B5EF4-FFF2-40B4-BE49-F238E27FC236}">
+                <a16:creationId xmlns:a16="http://schemas.microsoft.com/office/drawing/2014/main" id="{C6A1A388-242A-47A2-A05A-FECBA35FAF6B}"/>
+              </a:ext>
+            </a:extLst>
+          </p:cNvPr>
+          <p:cNvSpPr/>
+          <p:nvPr/>
+        </p:nvSpPr>
+        <p:spPr>
+          <a:xfrm flipH="1">
+            <a:off x="5938565" y="4408064"/>
+            <a:ext cx="2639505" cy="1423447"/>
+          </a:xfrm>
+          <a:prstGeom prst="wedgeEllipseCallout">
+            <a:avLst>
+              <a:gd name="adj1" fmla="val -69047"/>
+              <a:gd name="adj2" fmla="val 2897"/>
+            </a:avLst>
+          </a:prstGeom>
+        </p:spPr>
+        <p:style>
+          <a:lnRef idx="2">
+            <a:schemeClr val="accent1">
+              <a:shade val="50000"/>
+            </a:schemeClr>
+          </a:lnRef>
+          <a:fillRef idx="1">
+            <a:schemeClr val="accent1"/>
+          </a:fillRef>
+          <a:effectRef idx="0">
+            <a:schemeClr val="accent1"/>
+          </a:effectRef>
+          <a:fontRef idx="minor">
+            <a:schemeClr val="lt1"/>
+          </a:fontRef>
+        </p:style>
+        <p:txBody>
+          <a:bodyPr rtlCol="0" anchor="ctr"/>
+          <a:lstStyle/>
+          <a:p>
+            <a:pPr algn="ctr"/>
+            <a:endParaRPr lang="it-IT"/>
+          </a:p>
+        </p:txBody>
+      </p:sp>
+      <p:sp>
+        <p:nvSpPr>
+          <p:cNvPr id="14" name="CasellaDiTesto 13">
+            <a:extLst>
+              <a:ext uri="{FF2B5EF4-FFF2-40B4-BE49-F238E27FC236}">
+                <a16:creationId xmlns:a16="http://schemas.microsoft.com/office/drawing/2014/main" id="{B004A8EF-D103-4A70-BB4F-BBE300340A9E}"/>
+              </a:ext>
+            </a:extLst>
+          </p:cNvPr>
+          <p:cNvSpPr txBox="1"/>
+          <p:nvPr/>
+        </p:nvSpPr>
+        <p:spPr>
+          <a:xfrm>
+            <a:off x="6235428" y="4704288"/>
+            <a:ext cx="2342642" cy="830997"/>
+          </a:xfrm>
+          <a:prstGeom prst="rect">
+            <a:avLst/>
+          </a:prstGeom>
+          <a:noFill/>
+        </p:spPr>
+        <p:txBody>
+          <a:bodyPr wrap="square" rtlCol="0">
+            <a:spAutoFit/>
+          </a:bodyPr>
+          <a:lstStyle/>
+          <a:p>
+            <a:r>
+              <a:rPr lang="it-IT" sz="2400" dirty="0" err="1">
+                <a:solidFill>
+                  <a:schemeClr val="bg1"/>
+                </a:solidFill>
+              </a:rPr>
+              <a:t>Unterstandable</a:t>
+            </a:r>
+            <a:r>
+              <a:rPr lang="it-IT" sz="2400" dirty="0">
+                <a:solidFill>
+                  <a:schemeClr val="bg1"/>
+                </a:solidFill>
+              </a:rPr>
+              <a:t>, </a:t>
+            </a:r>
+            <a:r>
+              <a:rPr lang="it-IT" sz="2400" dirty="0" err="1">
+                <a:solidFill>
+                  <a:schemeClr val="bg1"/>
+                </a:solidFill>
+              </a:rPr>
+              <a:t>have</a:t>
+            </a:r>
+            <a:r>
+              <a:rPr lang="it-IT" sz="2400" dirty="0">
+                <a:solidFill>
+                  <a:schemeClr val="bg1"/>
+                </a:solidFill>
+              </a:rPr>
+              <a:t> a </a:t>
+            </a:r>
+            <a:r>
+              <a:rPr lang="it-IT" sz="2400" dirty="0" err="1">
+                <a:solidFill>
+                  <a:schemeClr val="bg1"/>
+                </a:solidFill>
+              </a:rPr>
+              <a:t>great</a:t>
+            </a:r>
+            <a:r>
+              <a:rPr lang="it-IT" sz="2400" dirty="0">
+                <a:solidFill>
+                  <a:schemeClr val="bg1"/>
+                </a:solidFill>
+              </a:rPr>
+              <a:t> day.</a:t>
+            </a:r>
+          </a:p>
+        </p:txBody>
+      </p:sp>
+      <p:sp>
+        <p:nvSpPr>
+          <p:cNvPr id="16" name="CasellaDiTesto 15">
+            <a:extLst>
+              <a:ext uri="{FF2B5EF4-FFF2-40B4-BE49-F238E27FC236}">
+                <a16:creationId xmlns:a16="http://schemas.microsoft.com/office/drawing/2014/main" id="{D3964645-01F3-4873-8542-7FAC3069E499}"/>
+              </a:ext>
+            </a:extLst>
+          </p:cNvPr>
+          <p:cNvSpPr txBox="1"/>
+          <p:nvPr/>
+        </p:nvSpPr>
+        <p:spPr>
+          <a:xfrm>
+            <a:off x="9338817" y="5737926"/>
+            <a:ext cx="1494199" cy="584775"/>
+          </a:xfrm>
+          <a:prstGeom prst="rect">
+            <a:avLst/>
+          </a:prstGeom>
+          <a:noFill/>
+        </p:spPr>
+        <p:txBody>
+          <a:bodyPr wrap="square" rtlCol="0">
+            <a:spAutoFit/>
+          </a:bodyPr>
+          <a:lstStyle/>
+          <a:p>
+            <a:r>
+              <a:rPr lang="it-IT" sz="1600" dirty="0">
+                <a:solidFill>
+                  <a:schemeClr val="bg1"/>
+                </a:solidFill>
+              </a:rPr>
+              <a:t>Il ragazzo che fa sempre tardi</a:t>
+            </a:r>
+          </a:p>
+        </p:txBody>
+      </p:sp>
+      <p:sp>
+        <p:nvSpPr>
+          <p:cNvPr id="17" name="CasellaDiTesto 16">
+            <a:extLst>
+              <a:ext uri="{FF2B5EF4-FFF2-40B4-BE49-F238E27FC236}">
+                <a16:creationId xmlns:a16="http://schemas.microsoft.com/office/drawing/2014/main" id="{6C27445A-41BB-4DE6-A7B9-29E6EBBA69F2}"/>
+              </a:ext>
+            </a:extLst>
+          </p:cNvPr>
+          <p:cNvSpPr txBox="1"/>
+          <p:nvPr/>
+        </p:nvSpPr>
+        <p:spPr>
+          <a:xfrm>
+            <a:off x="1176263" y="6037055"/>
+            <a:ext cx="1915729" cy="584775"/>
+          </a:xfrm>
+          <a:prstGeom prst="rect">
+            <a:avLst/>
+          </a:prstGeom>
+          <a:noFill/>
+        </p:spPr>
+        <p:txBody>
+          <a:bodyPr wrap="square" rtlCol="0">
+            <a:spAutoFit/>
+          </a:bodyPr>
+          <a:lstStyle/>
+          <a:p>
+            <a:r>
+              <a:rPr lang="it-IT" sz="3200" dirty="0"/>
+              <a:t>THE END</a:t>
+            </a:r>
+          </a:p>
+        </p:txBody>
+      </p:sp>
+      <p:sp>
+        <p:nvSpPr>
+          <p:cNvPr id="18" name="CasellaDiTesto 17">
+            <a:extLst>
+              <a:ext uri="{FF2B5EF4-FFF2-40B4-BE49-F238E27FC236}">
+                <a16:creationId xmlns:a16="http://schemas.microsoft.com/office/drawing/2014/main" id="{2EB197FA-5186-4CC2-91BE-1A53C0CB92CF}"/>
+              </a:ext>
+            </a:extLst>
+          </p:cNvPr>
+          <p:cNvSpPr txBox="1"/>
+          <p:nvPr/>
+        </p:nvSpPr>
+        <p:spPr>
+          <a:xfrm>
+            <a:off x="1282044" y="6491025"/>
+            <a:ext cx="2705493" cy="261610"/>
+          </a:xfrm>
+          <a:prstGeom prst="rect">
+            <a:avLst/>
+          </a:prstGeom>
+          <a:noFill/>
+        </p:spPr>
+        <p:txBody>
+          <a:bodyPr wrap="square" rtlCol="0">
+            <a:spAutoFit/>
+          </a:bodyPr>
+          <a:lstStyle/>
+          <a:p>
+            <a:r>
+              <a:rPr lang="it-IT" sz="1050" dirty="0"/>
+              <a:t>BACKUP SLIDES </a:t>
+            </a:r>
+            <a:r>
+              <a:rPr lang="it-IT" sz="1050" b="0" i="0" dirty="0">
+                <a:solidFill>
+                  <a:srgbClr val="000000"/>
+                </a:solidFill>
+                <a:effectLst/>
+                <a:latin typeface="Roboto" panose="020B0604020202020204" pitchFamily="2" charset="0"/>
+              </a:rPr>
+              <a:t>AHEAD</a:t>
+            </a:r>
+            <a:endParaRPr lang="it-IT" sz="1050" dirty="0"/>
+          </a:p>
+        </p:txBody>
+      </p:sp>
+    </p:spTree>
+    <p:extLst>
+      <p:ext uri="{BB962C8B-B14F-4D97-AF65-F5344CB8AC3E}">
+        <p14:creationId xmlns:p14="http://schemas.microsoft.com/office/powerpoint/2010/main" val="2188916216"/>
+      </p:ext>
+    </p:extLst>
+  </p:cSld>
+  <p:clrMapOvr>
+    <a:masterClrMapping/>
+  </p:clrMapOvr>
+</p:sld>
+</file>
+
+<file path=ppt/slides/slide15.xml><?xml version="1.0" encoding="utf-8"?>
+<p:sld xmlns:a="http://schemas.openxmlformats.org/drawingml/2006/main" xmlns:r="http://schemas.openxmlformats.org/officeDocument/2006/relationships" xmlns:p="http://schemas.openxmlformats.org/presentationml/2006/main">
+  <p:cSld>
+    <p:spTree>
+      <p:nvGrpSpPr>
+        <p:cNvPr id="1" name=""/>
+        <p:cNvGrpSpPr/>
+        <p:nvPr/>
+      </p:nvGrpSpPr>
+      <p:grpSpPr>
+        <a:xfrm>
+          <a:off x="0" y="0"/>
+          <a:ext cx="0" cy="0"/>
+          <a:chOff x="0" y="0"/>
+          <a:chExt cx="0" cy="0"/>
+        </a:xfrm>
+      </p:grpSpPr>
+      <p:sp>
+        <p:nvSpPr>
+          <p:cNvPr id="2" name="Titolo 1">
+            <a:extLst>
+              <a:ext uri="{FF2B5EF4-FFF2-40B4-BE49-F238E27FC236}">
+                <a16:creationId xmlns:a16="http://schemas.microsoft.com/office/drawing/2014/main" id="{B091881F-E104-4A2A-A90F-E9C96E8E73B4}"/>
+              </a:ext>
+            </a:extLst>
+          </p:cNvPr>
+          <p:cNvSpPr>
+            <a:spLocks noGrp="1"/>
+          </p:cNvSpPr>
+          <p:nvPr>
+            <p:ph type="title"/>
+          </p:nvPr>
+        </p:nvSpPr>
+        <p:spPr>
+          <a:xfrm rot="16200000">
+            <a:off x="-2520098" y="2530276"/>
+            <a:ext cx="5812372" cy="751823"/>
+          </a:xfrm>
+        </p:spPr>
+        <p:txBody>
+          <a:bodyPr>
+            <a:normAutofit fontScale="90000"/>
+          </a:bodyPr>
+          <a:lstStyle/>
+          <a:p>
+            <a:pPr algn="r"/>
+            <a:r>
+              <a:rPr lang="it-IT" dirty="0">
+                <a:solidFill>
+                  <a:srgbClr val="F8B323"/>
+                </a:solidFill>
+              </a:rPr>
+              <a:t>Modello ad oggetti</a:t>
+            </a:r>
+          </a:p>
+        </p:txBody>
+      </p:sp>
+      <p:graphicFrame>
+        <p:nvGraphicFramePr>
+          <p:cNvPr id="6" name="Tabella 5">
+            <a:extLst>
+              <a:ext uri="{FF2B5EF4-FFF2-40B4-BE49-F238E27FC236}">
+                <a16:creationId xmlns:a16="http://schemas.microsoft.com/office/drawing/2014/main" id="{3A821D78-CE08-4B14-9585-4DCF93A62E0D}"/>
+              </a:ext>
+            </a:extLst>
+          </p:cNvPr>
+          <p:cNvGraphicFramePr>
+            <a:graphicFrameLocks noGrp="1"/>
+          </p:cNvGraphicFramePr>
+          <p:nvPr>
+            <p:extLst>
+              <p:ext uri="{D42A27DB-BD31-4B8C-83A1-F6EECF244321}">
+                <p14:modId xmlns:p14="http://schemas.microsoft.com/office/powerpoint/2010/main" val="2211700742"/>
+              </p:ext>
+            </p:extLst>
+          </p:nvPr>
+        </p:nvGraphicFramePr>
+        <p:xfrm>
+          <a:off x="1375014" y="321249"/>
+          <a:ext cx="10112350" cy="5842159"/>
+        </p:xfrm>
+        <a:graphic>
+          <a:graphicData uri="http://schemas.openxmlformats.org/drawingml/2006/table">
+            <a:tbl>
+              <a:tblPr bandRow="1"/>
+              <a:tblGrid>
+                <a:gridCol w="2986705">
+                  <a:extLst>
+                    <a:ext uri="{9D8B030D-6E8A-4147-A177-3AD203B41FA5}">
+                      <a16:colId xmlns:a16="http://schemas.microsoft.com/office/drawing/2014/main" val="4142319615"/>
+                    </a:ext>
+                  </a:extLst>
+                </a:gridCol>
+                <a:gridCol w="1349325">
+                  <a:extLst>
+                    <a:ext uri="{9D8B030D-6E8A-4147-A177-3AD203B41FA5}">
+                      <a16:colId xmlns:a16="http://schemas.microsoft.com/office/drawing/2014/main" val="2493896501"/>
+                    </a:ext>
+                  </a:extLst>
+                </a:gridCol>
+                <a:gridCol w="5776320">
+                  <a:extLst>
+                    <a:ext uri="{9D8B030D-6E8A-4147-A177-3AD203B41FA5}">
+                      <a16:colId xmlns:a16="http://schemas.microsoft.com/office/drawing/2014/main" val="7314326"/>
+                    </a:ext>
+                  </a:extLst>
+                </a:gridCol>
+              </a:tblGrid>
+              <a:tr h="545791">
+                <a:tc>
+                  <a:txBody>
+                    <a:bodyPr/>
+                    <a:lstStyle/>
+                    <a:p>
+                      <a:pPr marL="0" marR="0">
+                        <a:spcBef>
+                          <a:spcPts val="0"/>
+                        </a:spcBef>
+                        <a:spcAft>
+                          <a:spcPts val="0"/>
+                        </a:spcAft>
+                      </a:pPr>
+                      <a:r>
+                        <a:rPr lang="it-IT" sz="2000" b="1">
+                          <a:solidFill>
+                            <a:srgbClr val="FFFFFF"/>
+                          </a:solidFill>
+                          <a:effectLst/>
+                          <a:latin typeface="Century Gothic" panose="020B0502020202020204" pitchFamily="34" charset="0"/>
+                          <a:ea typeface="Century Gothic" panose="020B0502020202020204" pitchFamily="34" charset="0"/>
+                          <a:cs typeface="Century Gothic" panose="020B0502020202020204" pitchFamily="34" charset="0"/>
+                        </a:rPr>
+                        <a:t>Nome Oggetto</a:t>
+                      </a:r>
+                      <a:endParaRPr lang="it-IT" sz="2000">
+                        <a:effectLst/>
+                        <a:latin typeface="Times New Roman" panose="02020603050405020304" pitchFamily="18" charset="0"/>
+                        <a:ea typeface="Times New Roman" panose="02020603050405020304" pitchFamily="18" charset="0"/>
+                      </a:endParaRPr>
+                    </a:p>
+                  </a:txBody>
+                  <a:tcPr marL="101072" marR="101072" marT="101072" marB="101072">
+                    <a:lnL w="12700" cap="flat" cmpd="sng" algn="ctr">
+                      <a:solidFill>
+                        <a:srgbClr val="000000"/>
+                      </a:solidFill>
+                      <a:prstDash val="solid"/>
+                      <a:round/>
+                      <a:headEnd type="none" w="med" len="med"/>
+                      <a:tailEnd type="none" w="med" len="med"/>
+                    </a:lnL>
+                    <a:lnR w="12700" cap="flat" cmpd="sng" algn="ctr">
+                      <a:solidFill>
+                        <a:srgbClr val="000000"/>
+                      </a:solidFill>
+                      <a:prstDash val="solid"/>
+                      <a:round/>
+                      <a:headEnd type="none" w="med" len="med"/>
+                      <a:tailEnd type="none" w="med" len="med"/>
+                    </a:lnR>
+                    <a:lnT w="12700" cap="flat" cmpd="sng" algn="ctr">
+                      <a:solidFill>
+                        <a:srgbClr val="000000"/>
+                      </a:solidFill>
+                      <a:prstDash val="solid"/>
+                      <a:round/>
+                      <a:headEnd type="none" w="med" len="med"/>
+                      <a:tailEnd type="none" w="med" len="med"/>
+                    </a:lnT>
+                    <a:lnB w="12700" cap="flat" cmpd="sng" algn="ctr">
+                      <a:solidFill>
+                        <a:srgbClr val="000000"/>
+                      </a:solidFill>
+                      <a:prstDash val="solid"/>
+                      <a:round/>
+                      <a:headEnd type="none" w="med" len="med"/>
+                      <a:tailEnd type="none" w="med" len="med"/>
+                    </a:lnB>
+                    <a:solidFill>
+                      <a:srgbClr val="F8B323"/>
+                    </a:solidFill>
+                  </a:tcPr>
+                </a:tc>
+                <a:tc>
+                  <a:txBody>
+                    <a:bodyPr/>
+                    <a:lstStyle/>
+                    <a:p>
+                      <a:pPr marL="0" marR="0">
+                        <a:spcBef>
+                          <a:spcPts val="0"/>
+                        </a:spcBef>
+                        <a:spcAft>
+                          <a:spcPts val="0"/>
+                        </a:spcAft>
+                      </a:pPr>
+                      <a:r>
+                        <a:rPr lang="it-IT" sz="2000" b="1">
+                          <a:solidFill>
+                            <a:srgbClr val="FFFFFF"/>
+                          </a:solidFill>
+                          <a:effectLst/>
+                          <a:latin typeface="Century Gothic" panose="020B0502020202020204" pitchFamily="34" charset="0"/>
+                          <a:ea typeface="Century Gothic" panose="020B0502020202020204" pitchFamily="34" charset="0"/>
+                          <a:cs typeface="Century Gothic" panose="020B0502020202020204" pitchFamily="34" charset="0"/>
+                        </a:rPr>
+                        <a:t>Tipologia</a:t>
+                      </a:r>
+                      <a:endParaRPr lang="it-IT" sz="2000">
+                        <a:effectLst/>
+                        <a:latin typeface="Times New Roman" panose="02020603050405020304" pitchFamily="18" charset="0"/>
+                        <a:ea typeface="Times New Roman" panose="02020603050405020304" pitchFamily="18" charset="0"/>
+                      </a:endParaRPr>
+                    </a:p>
+                  </a:txBody>
+                  <a:tcPr marL="101072" marR="101072" marT="101072" marB="101072">
+                    <a:lnL w="12700" cap="flat" cmpd="sng" algn="ctr">
+                      <a:solidFill>
+                        <a:srgbClr val="000000"/>
+                      </a:solidFill>
+                      <a:prstDash val="solid"/>
+                      <a:round/>
+                      <a:headEnd type="none" w="med" len="med"/>
+                      <a:tailEnd type="none" w="med" len="med"/>
+                    </a:lnL>
+                    <a:lnR w="12700" cap="flat" cmpd="sng" algn="ctr">
+                      <a:solidFill>
+                        <a:srgbClr val="000000"/>
+                      </a:solidFill>
+                      <a:prstDash val="solid"/>
+                      <a:round/>
+                      <a:headEnd type="none" w="med" len="med"/>
+                      <a:tailEnd type="none" w="med" len="med"/>
+                    </a:lnR>
+                    <a:lnT w="12700" cap="flat" cmpd="sng" algn="ctr">
+                      <a:solidFill>
+                        <a:srgbClr val="000000"/>
+                      </a:solidFill>
+                      <a:prstDash val="solid"/>
+                      <a:round/>
+                      <a:headEnd type="none" w="med" len="med"/>
+                      <a:tailEnd type="none" w="med" len="med"/>
+                    </a:lnT>
+                    <a:lnB w="12700" cap="flat" cmpd="sng" algn="ctr">
+                      <a:solidFill>
+                        <a:srgbClr val="000000"/>
+                      </a:solidFill>
+                      <a:prstDash val="solid"/>
+                      <a:round/>
+                      <a:headEnd type="none" w="med" len="med"/>
+                      <a:tailEnd type="none" w="med" len="med"/>
+                    </a:lnB>
+                    <a:solidFill>
+                      <a:srgbClr val="F8B323"/>
+                    </a:solidFill>
+                  </a:tcPr>
+                </a:tc>
+                <a:tc>
+                  <a:txBody>
+                    <a:bodyPr/>
+                    <a:lstStyle/>
+                    <a:p>
+                      <a:pPr marL="0" marR="0">
+                        <a:spcBef>
+                          <a:spcPts val="0"/>
+                        </a:spcBef>
+                        <a:spcAft>
+                          <a:spcPts val="0"/>
+                        </a:spcAft>
+                      </a:pPr>
+                      <a:r>
+                        <a:rPr lang="it-IT" sz="2000" b="1" dirty="0">
+                          <a:solidFill>
+                            <a:srgbClr val="FFFFFF"/>
+                          </a:solidFill>
+                          <a:effectLst/>
+                          <a:latin typeface="Century Gothic" panose="020B0502020202020204" pitchFamily="34" charset="0"/>
+                          <a:ea typeface="Century Gothic" panose="020B0502020202020204" pitchFamily="34" charset="0"/>
+                          <a:cs typeface="Century Gothic" panose="020B0502020202020204" pitchFamily="34" charset="0"/>
+                        </a:rPr>
+                        <a:t>Descrizione</a:t>
+                      </a:r>
+                      <a:endParaRPr lang="it-IT" sz="2000" dirty="0">
+                        <a:effectLst/>
+                        <a:latin typeface="Times New Roman" panose="02020603050405020304" pitchFamily="18" charset="0"/>
+                        <a:ea typeface="Times New Roman" panose="02020603050405020304" pitchFamily="18" charset="0"/>
+                      </a:endParaRPr>
+                    </a:p>
+                  </a:txBody>
+                  <a:tcPr marL="101072" marR="101072" marT="101072" marB="101072">
+                    <a:lnL w="12700" cap="flat" cmpd="sng" algn="ctr">
+                      <a:solidFill>
+                        <a:srgbClr val="000000"/>
+                      </a:solidFill>
+                      <a:prstDash val="solid"/>
+                      <a:round/>
+                      <a:headEnd type="none" w="med" len="med"/>
+                      <a:tailEnd type="none" w="med" len="med"/>
+                    </a:lnL>
+                    <a:lnR w="12700" cap="flat" cmpd="sng" algn="ctr">
+                      <a:solidFill>
+                        <a:srgbClr val="000000"/>
+                      </a:solidFill>
+                      <a:prstDash val="solid"/>
+                      <a:round/>
+                      <a:headEnd type="none" w="med" len="med"/>
+                      <a:tailEnd type="none" w="med" len="med"/>
+                    </a:lnR>
+                    <a:lnT w="12700" cap="flat" cmpd="sng" algn="ctr">
+                      <a:solidFill>
+                        <a:srgbClr val="000000"/>
+                      </a:solidFill>
+                      <a:prstDash val="solid"/>
+                      <a:round/>
+                      <a:headEnd type="none" w="med" len="med"/>
+                      <a:tailEnd type="none" w="med" len="med"/>
+                    </a:lnT>
+                    <a:lnB w="12700" cap="flat" cmpd="sng" algn="ctr">
+                      <a:solidFill>
+                        <a:srgbClr val="000000"/>
+                      </a:solidFill>
+                      <a:prstDash val="solid"/>
+                      <a:round/>
+                      <a:headEnd type="none" w="med" len="med"/>
+                      <a:tailEnd type="none" w="med" len="med"/>
+                    </a:lnB>
+                    <a:solidFill>
+                      <a:srgbClr val="F8B323"/>
+                    </a:solidFill>
+                  </a:tcPr>
+                </a:tc>
+                <a:extLst>
+                  <a:ext uri="{0D108BD9-81ED-4DB2-BD59-A6C34878D82A}">
+                    <a16:rowId xmlns:a16="http://schemas.microsoft.com/office/drawing/2014/main" val="2488159036"/>
+                  </a:ext>
+                </a:extLst>
+              </a:tr>
+              <a:tr h="500309">
+                <a:tc>
+                  <a:txBody>
+                    <a:bodyPr/>
+                    <a:lstStyle/>
+                    <a:p>
+                      <a:pPr marL="0" marR="0">
+                        <a:spcBef>
+                          <a:spcPts val="0"/>
+                        </a:spcBef>
+                        <a:spcAft>
+                          <a:spcPts val="0"/>
+                        </a:spcAft>
+                      </a:pPr>
+                      <a:r>
+                        <a:rPr lang="it-IT" sz="1500">
+                          <a:effectLst/>
+                          <a:latin typeface="Century Gothic" panose="020B0502020202020204" pitchFamily="34" charset="0"/>
+                          <a:ea typeface="Century Gothic" panose="020B0502020202020204" pitchFamily="34" charset="0"/>
+                          <a:cs typeface="Century Gothic" panose="020B0502020202020204" pitchFamily="34" charset="0"/>
+                        </a:rPr>
+                        <a:t>ShopPage</a:t>
+                      </a:r>
+                      <a:endParaRPr lang="it-IT" sz="2000">
+                        <a:effectLst/>
+                        <a:latin typeface="Times New Roman" panose="02020603050405020304" pitchFamily="18" charset="0"/>
+                        <a:ea typeface="Times New Roman" panose="02020603050405020304" pitchFamily="18" charset="0"/>
+                      </a:endParaRPr>
+                    </a:p>
+                  </a:txBody>
+                  <a:tcPr marL="101072" marR="101072" marT="101072" marB="101072">
+                    <a:lnL w="12700" cap="flat" cmpd="sng" algn="ctr">
+                      <a:solidFill>
+                        <a:srgbClr val="000000"/>
+                      </a:solidFill>
+                      <a:prstDash val="solid"/>
+                      <a:round/>
+                      <a:headEnd type="none" w="med" len="med"/>
+                      <a:tailEnd type="none" w="med" len="med"/>
+                    </a:lnL>
+                    <a:lnR w="12700" cap="flat" cmpd="sng" algn="ctr">
+                      <a:solidFill>
+                        <a:srgbClr val="000000"/>
+                      </a:solidFill>
+                      <a:prstDash val="solid"/>
+                      <a:round/>
+                      <a:headEnd type="none" w="med" len="med"/>
+                      <a:tailEnd type="none" w="med" len="med"/>
+                    </a:lnR>
+                    <a:lnT w="12700" cap="flat" cmpd="sng" algn="ctr">
+                      <a:solidFill>
+                        <a:srgbClr val="000000"/>
+                      </a:solidFill>
+                      <a:prstDash val="solid"/>
+                      <a:round/>
+                      <a:headEnd type="none" w="med" len="med"/>
+                      <a:tailEnd type="none" w="med" len="med"/>
+                    </a:lnT>
+                    <a:lnB w="12700" cap="flat" cmpd="sng" algn="ctr">
+                      <a:solidFill>
+                        <a:srgbClr val="000000"/>
+                      </a:solidFill>
+                      <a:prstDash val="solid"/>
+                      <a:round/>
+                      <a:headEnd type="none" w="med" len="med"/>
+                      <a:tailEnd type="none" w="med" len="med"/>
+                    </a:lnB>
+                  </a:tcPr>
+                </a:tc>
+                <a:tc>
+                  <a:txBody>
+                    <a:bodyPr/>
+                    <a:lstStyle/>
+                    <a:p>
+                      <a:pPr marL="0" marR="0">
+                        <a:spcBef>
+                          <a:spcPts val="0"/>
+                        </a:spcBef>
+                        <a:spcAft>
+                          <a:spcPts val="0"/>
+                        </a:spcAft>
+                      </a:pPr>
+                      <a:r>
+                        <a:rPr lang="it-IT" sz="1500">
+                          <a:effectLst/>
+                          <a:latin typeface="Century Gothic" panose="020B0502020202020204" pitchFamily="34" charset="0"/>
+                          <a:ea typeface="Century Gothic" panose="020B0502020202020204" pitchFamily="34" charset="0"/>
+                          <a:cs typeface="Century Gothic" panose="020B0502020202020204" pitchFamily="34" charset="0"/>
+                        </a:rPr>
+                        <a:t>Boundary</a:t>
+                      </a:r>
+                      <a:endParaRPr lang="it-IT" sz="2000">
+                        <a:effectLst/>
+                        <a:latin typeface="Times New Roman" panose="02020603050405020304" pitchFamily="18" charset="0"/>
+                        <a:ea typeface="Times New Roman" panose="02020603050405020304" pitchFamily="18" charset="0"/>
+                      </a:endParaRPr>
+                    </a:p>
+                  </a:txBody>
+                  <a:tcPr marL="101072" marR="101072" marT="101072" marB="101072">
+                    <a:lnL w="12700" cap="flat" cmpd="sng" algn="ctr">
+                      <a:solidFill>
+                        <a:srgbClr val="000000"/>
+                      </a:solidFill>
+                      <a:prstDash val="solid"/>
+                      <a:round/>
+                      <a:headEnd type="none" w="med" len="med"/>
+                      <a:tailEnd type="none" w="med" len="med"/>
+                    </a:lnL>
+                    <a:lnR w="12700" cap="flat" cmpd="sng" algn="ctr">
+                      <a:solidFill>
+                        <a:srgbClr val="000000"/>
+                      </a:solidFill>
+                      <a:prstDash val="solid"/>
+                      <a:round/>
+                      <a:headEnd type="none" w="med" len="med"/>
+                      <a:tailEnd type="none" w="med" len="med"/>
+                    </a:lnR>
+                    <a:lnT w="12700" cap="flat" cmpd="sng" algn="ctr">
+                      <a:solidFill>
+                        <a:srgbClr val="000000"/>
+                      </a:solidFill>
+                      <a:prstDash val="solid"/>
+                      <a:round/>
+                      <a:headEnd type="none" w="med" len="med"/>
+                      <a:tailEnd type="none" w="med" len="med"/>
+                    </a:lnT>
+                    <a:lnB w="12700" cap="flat" cmpd="sng" algn="ctr">
+                      <a:solidFill>
+                        <a:srgbClr val="000000"/>
+                      </a:solidFill>
+                      <a:prstDash val="solid"/>
+                      <a:round/>
+                      <a:headEnd type="none" w="med" len="med"/>
+                      <a:tailEnd type="none" w="med" len="med"/>
+                    </a:lnB>
+                  </a:tcPr>
+                </a:tc>
+                <a:tc>
+                  <a:txBody>
+                    <a:bodyPr/>
+                    <a:lstStyle/>
+                    <a:p>
+                      <a:pPr marL="0" marR="0">
+                        <a:spcBef>
+                          <a:spcPts val="0"/>
+                        </a:spcBef>
+                        <a:spcAft>
+                          <a:spcPts val="0"/>
+                        </a:spcAft>
+                      </a:pPr>
+                      <a:r>
+                        <a:rPr lang="it-IT" sz="1500" dirty="0">
+                          <a:effectLst/>
+                          <a:latin typeface="Century Gothic" panose="020B0502020202020204" pitchFamily="34" charset="0"/>
+                          <a:ea typeface="Century Gothic" panose="020B0502020202020204" pitchFamily="34" charset="0"/>
+                          <a:cs typeface="Century Gothic" panose="020B0502020202020204" pitchFamily="34" charset="0"/>
+                        </a:rPr>
+                        <a:t>Permette di visualizzare la pagina dello shop</a:t>
+                      </a:r>
+                      <a:endParaRPr lang="it-IT" sz="2000" dirty="0">
+                        <a:effectLst/>
+                        <a:latin typeface="Times New Roman" panose="02020603050405020304" pitchFamily="18" charset="0"/>
+                        <a:ea typeface="Times New Roman" panose="02020603050405020304" pitchFamily="18" charset="0"/>
+                      </a:endParaRPr>
+                    </a:p>
+                  </a:txBody>
+                  <a:tcPr marL="101072" marR="101072" marT="101072" marB="101072">
+                    <a:lnL w="12700" cap="flat" cmpd="sng" algn="ctr">
+                      <a:solidFill>
+                        <a:srgbClr val="000000"/>
+                      </a:solidFill>
+                      <a:prstDash val="solid"/>
+                      <a:round/>
+                      <a:headEnd type="none" w="med" len="med"/>
+                      <a:tailEnd type="none" w="med" len="med"/>
+                    </a:lnL>
+                    <a:lnR w="12700" cap="flat" cmpd="sng" algn="ctr">
+                      <a:solidFill>
+                        <a:srgbClr val="000000"/>
+                      </a:solidFill>
+                      <a:prstDash val="solid"/>
+                      <a:round/>
+                      <a:headEnd type="none" w="med" len="med"/>
+                      <a:tailEnd type="none" w="med" len="med"/>
+                    </a:lnR>
+                    <a:lnT w="12700" cap="flat" cmpd="sng" algn="ctr">
+                      <a:solidFill>
+                        <a:srgbClr val="000000"/>
+                      </a:solidFill>
+                      <a:prstDash val="solid"/>
+                      <a:round/>
+                      <a:headEnd type="none" w="med" len="med"/>
+                      <a:tailEnd type="none" w="med" len="med"/>
+                    </a:lnT>
+                    <a:lnB w="12700" cap="flat" cmpd="sng" algn="ctr">
+                      <a:solidFill>
+                        <a:srgbClr val="000000"/>
+                      </a:solidFill>
+                      <a:prstDash val="solid"/>
+                      <a:round/>
+                      <a:headEnd type="none" w="med" len="med"/>
+                      <a:tailEnd type="none" w="med" len="med"/>
+                    </a:lnB>
+                  </a:tcPr>
+                </a:tc>
+                <a:extLst>
+                  <a:ext uri="{0D108BD9-81ED-4DB2-BD59-A6C34878D82A}">
+                    <a16:rowId xmlns:a16="http://schemas.microsoft.com/office/drawing/2014/main" val="1243893351"/>
+                  </a:ext>
+                </a:extLst>
+              </a:tr>
+              <a:tr h="444720">
+                <a:tc>
+                  <a:txBody>
+                    <a:bodyPr/>
+                    <a:lstStyle/>
+                    <a:p>
+                      <a:pPr marL="0" marR="0">
+                        <a:spcBef>
+                          <a:spcPts val="0"/>
+                        </a:spcBef>
+                        <a:spcAft>
+                          <a:spcPts val="0"/>
+                        </a:spcAft>
+                      </a:pPr>
+                      <a:r>
+                        <a:rPr lang="it-IT" sz="1500">
+                          <a:effectLst/>
+                          <a:latin typeface="Century Gothic" panose="020B0502020202020204" pitchFamily="34" charset="0"/>
+                          <a:ea typeface="Century Gothic" panose="020B0502020202020204" pitchFamily="34" charset="0"/>
+                          <a:cs typeface="Century Gothic" panose="020B0502020202020204" pitchFamily="34" charset="0"/>
+                        </a:rPr>
+                        <a:t>AddProductButton</a:t>
+                      </a:r>
+                      <a:endParaRPr lang="it-IT" sz="2000">
+                        <a:effectLst/>
+                        <a:latin typeface="Times New Roman" panose="02020603050405020304" pitchFamily="18" charset="0"/>
+                        <a:ea typeface="Times New Roman" panose="02020603050405020304" pitchFamily="18" charset="0"/>
+                      </a:endParaRPr>
+                    </a:p>
+                  </a:txBody>
+                  <a:tcPr marL="101072" marR="101072" marT="101072" marB="101072">
+                    <a:lnL w="12700" cap="flat" cmpd="sng" algn="ctr">
+                      <a:solidFill>
+                        <a:srgbClr val="000000"/>
+                      </a:solidFill>
+                      <a:prstDash val="solid"/>
+                      <a:round/>
+                      <a:headEnd type="none" w="med" len="med"/>
+                      <a:tailEnd type="none" w="med" len="med"/>
+                    </a:lnL>
+                    <a:lnR w="12700" cap="flat" cmpd="sng" algn="ctr">
+                      <a:solidFill>
+                        <a:srgbClr val="000000"/>
+                      </a:solidFill>
+                      <a:prstDash val="solid"/>
+                      <a:round/>
+                      <a:headEnd type="none" w="med" len="med"/>
+                      <a:tailEnd type="none" w="med" len="med"/>
+                    </a:lnR>
+                    <a:lnT w="12700" cap="flat" cmpd="sng" algn="ctr">
+                      <a:solidFill>
+                        <a:srgbClr val="000000"/>
+                      </a:solidFill>
+                      <a:prstDash val="solid"/>
+                      <a:round/>
+                      <a:headEnd type="none" w="med" len="med"/>
+                      <a:tailEnd type="none" w="med" len="med"/>
+                    </a:lnT>
+                    <a:lnB w="12700" cap="flat" cmpd="sng" algn="ctr">
+                      <a:solidFill>
+                        <a:srgbClr val="000000"/>
+                      </a:solidFill>
+                      <a:prstDash val="solid"/>
+                      <a:round/>
+                      <a:headEnd type="none" w="med" len="med"/>
+                      <a:tailEnd type="none" w="med" len="med"/>
+                    </a:lnB>
+                  </a:tcPr>
+                </a:tc>
+                <a:tc>
+                  <a:txBody>
+                    <a:bodyPr/>
+                    <a:lstStyle/>
+                    <a:p>
+                      <a:pPr marL="0" marR="0">
+                        <a:spcBef>
+                          <a:spcPts val="0"/>
+                        </a:spcBef>
+                        <a:spcAft>
+                          <a:spcPts val="0"/>
+                        </a:spcAft>
+                      </a:pPr>
+                      <a:r>
+                        <a:rPr lang="it-IT" sz="1500">
+                          <a:effectLst/>
+                          <a:latin typeface="Century Gothic" panose="020B0502020202020204" pitchFamily="34" charset="0"/>
+                          <a:ea typeface="Century Gothic" panose="020B0502020202020204" pitchFamily="34" charset="0"/>
+                          <a:cs typeface="Century Gothic" panose="020B0502020202020204" pitchFamily="34" charset="0"/>
+                        </a:rPr>
+                        <a:t>Boundary</a:t>
+                      </a:r>
+                      <a:endParaRPr lang="it-IT" sz="2000">
+                        <a:effectLst/>
+                        <a:latin typeface="Times New Roman" panose="02020603050405020304" pitchFamily="18" charset="0"/>
+                        <a:ea typeface="Times New Roman" panose="02020603050405020304" pitchFamily="18" charset="0"/>
+                      </a:endParaRPr>
+                    </a:p>
+                  </a:txBody>
+                  <a:tcPr marL="101072" marR="101072" marT="101072" marB="101072">
+                    <a:lnL w="12700" cap="flat" cmpd="sng" algn="ctr">
+                      <a:solidFill>
+                        <a:srgbClr val="000000"/>
+                      </a:solidFill>
+                      <a:prstDash val="solid"/>
+                      <a:round/>
+                      <a:headEnd type="none" w="med" len="med"/>
+                      <a:tailEnd type="none" w="med" len="med"/>
+                    </a:lnL>
+                    <a:lnR w="12700" cap="flat" cmpd="sng" algn="ctr">
+                      <a:solidFill>
+                        <a:srgbClr val="000000"/>
+                      </a:solidFill>
+                      <a:prstDash val="solid"/>
+                      <a:round/>
+                      <a:headEnd type="none" w="med" len="med"/>
+                      <a:tailEnd type="none" w="med" len="med"/>
+                    </a:lnR>
+                    <a:lnT w="12700" cap="flat" cmpd="sng" algn="ctr">
+                      <a:solidFill>
+                        <a:srgbClr val="000000"/>
+                      </a:solidFill>
+                      <a:prstDash val="solid"/>
+                      <a:round/>
+                      <a:headEnd type="none" w="med" len="med"/>
+                      <a:tailEnd type="none" w="med" len="med"/>
+                    </a:lnT>
+                    <a:lnB w="12700" cap="flat" cmpd="sng" algn="ctr">
+                      <a:solidFill>
+                        <a:srgbClr val="000000"/>
+                      </a:solidFill>
+                      <a:prstDash val="solid"/>
+                      <a:round/>
+                      <a:headEnd type="none" w="med" len="med"/>
+                      <a:tailEnd type="none" w="med" len="med"/>
+                    </a:lnB>
+                  </a:tcPr>
+                </a:tc>
+                <a:tc>
+                  <a:txBody>
+                    <a:bodyPr/>
+                    <a:lstStyle/>
+                    <a:p>
+                      <a:pPr marL="0" marR="0">
+                        <a:spcBef>
+                          <a:spcPts val="0"/>
+                        </a:spcBef>
+                        <a:spcAft>
+                          <a:spcPts val="0"/>
+                        </a:spcAft>
+                      </a:pPr>
+                      <a:r>
+                        <a:rPr lang="it-IT" sz="1500" dirty="0">
+                          <a:effectLst/>
+                          <a:latin typeface="Century Gothic" panose="020B0502020202020204" pitchFamily="34" charset="0"/>
+                          <a:ea typeface="Century Gothic" panose="020B0502020202020204" pitchFamily="34" charset="0"/>
+                          <a:cs typeface="Century Gothic" panose="020B0502020202020204" pitchFamily="34" charset="0"/>
+                        </a:rPr>
+                        <a:t>Mostra il </a:t>
+                      </a:r>
+                      <a:r>
+                        <a:rPr lang="it-IT" sz="1500" dirty="0" err="1">
+                          <a:effectLst/>
+                          <a:latin typeface="Century Gothic" panose="020B0502020202020204" pitchFamily="34" charset="0"/>
+                          <a:ea typeface="Century Gothic" panose="020B0502020202020204" pitchFamily="34" charset="0"/>
+                          <a:cs typeface="Century Gothic" panose="020B0502020202020204" pitchFamily="34" charset="0"/>
+                        </a:rPr>
+                        <a:t>form</a:t>
+                      </a:r>
+                      <a:r>
+                        <a:rPr lang="it-IT" sz="1500" dirty="0">
+                          <a:effectLst/>
+                          <a:latin typeface="Century Gothic" panose="020B0502020202020204" pitchFamily="34" charset="0"/>
+                          <a:ea typeface="Century Gothic" panose="020B0502020202020204" pitchFamily="34" charset="0"/>
+                          <a:cs typeface="Century Gothic" panose="020B0502020202020204" pitchFamily="34" charset="0"/>
+                        </a:rPr>
+                        <a:t> per aggiungere un nuovo prodotto</a:t>
+                      </a:r>
+                      <a:endParaRPr lang="it-IT" sz="2000" dirty="0">
+                        <a:effectLst/>
+                        <a:latin typeface="Times New Roman" panose="02020603050405020304" pitchFamily="18" charset="0"/>
+                        <a:ea typeface="Times New Roman" panose="02020603050405020304" pitchFamily="18" charset="0"/>
+                      </a:endParaRPr>
+                    </a:p>
+                  </a:txBody>
+                  <a:tcPr marL="101072" marR="101072" marT="101072" marB="101072">
+                    <a:lnL w="12700" cap="flat" cmpd="sng" algn="ctr">
+                      <a:solidFill>
+                        <a:srgbClr val="000000"/>
+                      </a:solidFill>
+                      <a:prstDash val="solid"/>
+                      <a:round/>
+                      <a:headEnd type="none" w="med" len="med"/>
+                      <a:tailEnd type="none" w="med" len="med"/>
+                    </a:lnL>
+                    <a:lnR w="12700" cap="flat" cmpd="sng" algn="ctr">
+                      <a:solidFill>
+                        <a:srgbClr val="000000"/>
+                      </a:solidFill>
+                      <a:prstDash val="solid"/>
+                      <a:round/>
+                      <a:headEnd type="none" w="med" len="med"/>
+                      <a:tailEnd type="none" w="med" len="med"/>
+                    </a:lnR>
+                    <a:lnT w="12700" cap="flat" cmpd="sng" algn="ctr">
+                      <a:solidFill>
+                        <a:srgbClr val="000000"/>
+                      </a:solidFill>
+                      <a:prstDash val="solid"/>
+                      <a:round/>
+                      <a:headEnd type="none" w="med" len="med"/>
+                      <a:tailEnd type="none" w="med" len="med"/>
+                    </a:lnT>
+                    <a:lnB w="12700" cap="flat" cmpd="sng" algn="ctr">
+                      <a:solidFill>
+                        <a:srgbClr val="000000"/>
+                      </a:solidFill>
+                      <a:prstDash val="solid"/>
+                      <a:round/>
+                      <a:headEnd type="none" w="med" len="med"/>
+                      <a:tailEnd type="none" w="med" len="med"/>
+                    </a:lnB>
+                  </a:tcPr>
+                </a:tc>
+                <a:extLst>
+                  <a:ext uri="{0D108BD9-81ED-4DB2-BD59-A6C34878D82A}">
+                    <a16:rowId xmlns:a16="http://schemas.microsoft.com/office/drawing/2014/main" val="2390316705"/>
+                  </a:ext>
+                </a:extLst>
+              </a:tr>
+              <a:tr h="687297">
+                <a:tc>
+                  <a:txBody>
+                    <a:bodyPr/>
+                    <a:lstStyle/>
+                    <a:p>
+                      <a:pPr marL="0" marR="0">
+                        <a:spcBef>
+                          <a:spcPts val="0"/>
+                        </a:spcBef>
+                        <a:spcAft>
+                          <a:spcPts val="0"/>
+                        </a:spcAft>
+                      </a:pPr>
+                      <a:r>
+                        <a:rPr lang="it-IT" sz="1500">
+                          <a:effectLst/>
+                          <a:latin typeface="Century Gothic" panose="020B0502020202020204" pitchFamily="34" charset="0"/>
+                          <a:ea typeface="Century Gothic" panose="020B0502020202020204" pitchFamily="34" charset="0"/>
+                          <a:cs typeface="Century Gothic" panose="020B0502020202020204" pitchFamily="34" charset="0"/>
+                        </a:rPr>
+                        <a:t>AddProductForm</a:t>
+                      </a:r>
+                      <a:endParaRPr lang="it-IT" sz="2000">
+                        <a:effectLst/>
+                        <a:latin typeface="Times New Roman" panose="02020603050405020304" pitchFamily="18" charset="0"/>
+                        <a:ea typeface="Times New Roman" panose="02020603050405020304" pitchFamily="18" charset="0"/>
+                      </a:endParaRPr>
+                    </a:p>
+                  </a:txBody>
+                  <a:tcPr marL="101072" marR="101072" marT="101072" marB="101072">
+                    <a:lnL w="12700" cap="flat" cmpd="sng" algn="ctr">
+                      <a:solidFill>
+                        <a:srgbClr val="000000"/>
+                      </a:solidFill>
+                      <a:prstDash val="solid"/>
+                      <a:round/>
+                      <a:headEnd type="none" w="med" len="med"/>
+                      <a:tailEnd type="none" w="med" len="med"/>
+                    </a:lnL>
+                    <a:lnR w="12700" cap="flat" cmpd="sng" algn="ctr">
+                      <a:solidFill>
+                        <a:srgbClr val="000000"/>
+                      </a:solidFill>
+                      <a:prstDash val="solid"/>
+                      <a:round/>
+                      <a:headEnd type="none" w="med" len="med"/>
+                      <a:tailEnd type="none" w="med" len="med"/>
+                    </a:lnR>
+                    <a:lnT w="12700" cap="flat" cmpd="sng" algn="ctr">
+                      <a:solidFill>
+                        <a:srgbClr val="000000"/>
+                      </a:solidFill>
+                      <a:prstDash val="solid"/>
+                      <a:round/>
+                      <a:headEnd type="none" w="med" len="med"/>
+                      <a:tailEnd type="none" w="med" len="med"/>
+                    </a:lnT>
+                    <a:lnB w="12700" cap="flat" cmpd="sng" algn="ctr">
+                      <a:solidFill>
+                        <a:srgbClr val="000000"/>
+                      </a:solidFill>
+                      <a:prstDash val="solid"/>
+                      <a:round/>
+                      <a:headEnd type="none" w="med" len="med"/>
+                      <a:tailEnd type="none" w="med" len="med"/>
+                    </a:lnB>
+                  </a:tcPr>
+                </a:tc>
+                <a:tc>
+                  <a:txBody>
+                    <a:bodyPr/>
+                    <a:lstStyle/>
+                    <a:p>
+                      <a:pPr marL="0" marR="0">
+                        <a:spcBef>
+                          <a:spcPts val="0"/>
+                        </a:spcBef>
+                        <a:spcAft>
+                          <a:spcPts val="0"/>
+                        </a:spcAft>
+                      </a:pPr>
+                      <a:r>
+                        <a:rPr lang="it-IT" sz="1500">
+                          <a:effectLst/>
+                          <a:latin typeface="Century Gothic" panose="020B0502020202020204" pitchFamily="34" charset="0"/>
+                          <a:ea typeface="Century Gothic" panose="020B0502020202020204" pitchFamily="34" charset="0"/>
+                          <a:cs typeface="Century Gothic" panose="020B0502020202020204" pitchFamily="34" charset="0"/>
+                        </a:rPr>
+                        <a:t>Boundary</a:t>
+                      </a:r>
+                      <a:endParaRPr lang="it-IT" sz="2000">
+                        <a:effectLst/>
+                        <a:latin typeface="Times New Roman" panose="02020603050405020304" pitchFamily="18" charset="0"/>
+                        <a:ea typeface="Times New Roman" panose="02020603050405020304" pitchFamily="18" charset="0"/>
+                      </a:endParaRPr>
+                    </a:p>
+                  </a:txBody>
+                  <a:tcPr marL="101072" marR="101072" marT="101072" marB="101072">
+                    <a:lnL w="12700" cap="flat" cmpd="sng" algn="ctr">
+                      <a:solidFill>
+                        <a:srgbClr val="000000"/>
+                      </a:solidFill>
+                      <a:prstDash val="solid"/>
+                      <a:round/>
+                      <a:headEnd type="none" w="med" len="med"/>
+                      <a:tailEnd type="none" w="med" len="med"/>
+                    </a:lnL>
+                    <a:lnR w="12700" cap="flat" cmpd="sng" algn="ctr">
+                      <a:solidFill>
+                        <a:srgbClr val="000000"/>
+                      </a:solidFill>
+                      <a:prstDash val="solid"/>
+                      <a:round/>
+                      <a:headEnd type="none" w="med" len="med"/>
+                      <a:tailEnd type="none" w="med" len="med"/>
+                    </a:lnR>
+                    <a:lnT w="12700" cap="flat" cmpd="sng" algn="ctr">
+                      <a:solidFill>
+                        <a:srgbClr val="000000"/>
+                      </a:solidFill>
+                      <a:prstDash val="solid"/>
+                      <a:round/>
+                      <a:headEnd type="none" w="med" len="med"/>
+                      <a:tailEnd type="none" w="med" len="med"/>
+                    </a:lnT>
+                    <a:lnB w="12700" cap="flat" cmpd="sng" algn="ctr">
+                      <a:solidFill>
+                        <a:srgbClr val="000000"/>
+                      </a:solidFill>
+                      <a:prstDash val="solid"/>
+                      <a:round/>
+                      <a:headEnd type="none" w="med" len="med"/>
+                      <a:tailEnd type="none" w="med" len="med"/>
+                    </a:lnB>
+                  </a:tcPr>
+                </a:tc>
+                <a:tc>
+                  <a:txBody>
+                    <a:bodyPr/>
+                    <a:lstStyle/>
+                    <a:p>
+                      <a:pPr marL="0" marR="0">
+                        <a:spcBef>
+                          <a:spcPts val="0"/>
+                        </a:spcBef>
+                        <a:spcAft>
+                          <a:spcPts val="0"/>
+                        </a:spcAft>
+                      </a:pPr>
+                      <a:r>
+                        <a:rPr lang="it-IT" sz="1500" dirty="0">
+                          <a:effectLst/>
+                          <a:latin typeface="Century Gothic" panose="020B0502020202020204" pitchFamily="34" charset="0"/>
+                          <a:ea typeface="Century Gothic" panose="020B0502020202020204" pitchFamily="34" charset="0"/>
+                          <a:cs typeface="Century Gothic" panose="020B0502020202020204" pitchFamily="34" charset="0"/>
+                        </a:rPr>
+                        <a:t>Consente all’admin di inserire le informazioni di un nuovo prodotto</a:t>
+                      </a:r>
+                      <a:endParaRPr lang="it-IT" sz="2000" dirty="0">
+                        <a:effectLst/>
+                        <a:latin typeface="Times New Roman" panose="02020603050405020304" pitchFamily="18" charset="0"/>
+                        <a:ea typeface="Times New Roman" panose="02020603050405020304" pitchFamily="18" charset="0"/>
+                      </a:endParaRPr>
+                    </a:p>
+                  </a:txBody>
+                  <a:tcPr marL="101072" marR="101072" marT="101072" marB="101072">
+                    <a:lnL w="12700" cap="flat" cmpd="sng" algn="ctr">
+                      <a:solidFill>
+                        <a:srgbClr val="000000"/>
+                      </a:solidFill>
+                      <a:prstDash val="solid"/>
+                      <a:round/>
+                      <a:headEnd type="none" w="med" len="med"/>
+                      <a:tailEnd type="none" w="med" len="med"/>
+                    </a:lnL>
+                    <a:lnR w="12700" cap="flat" cmpd="sng" algn="ctr">
+                      <a:solidFill>
+                        <a:srgbClr val="000000"/>
+                      </a:solidFill>
+                      <a:prstDash val="solid"/>
+                      <a:round/>
+                      <a:headEnd type="none" w="med" len="med"/>
+                      <a:tailEnd type="none" w="med" len="med"/>
+                    </a:lnR>
+                    <a:lnT w="12700" cap="flat" cmpd="sng" algn="ctr">
+                      <a:solidFill>
+                        <a:srgbClr val="000000"/>
+                      </a:solidFill>
+                      <a:prstDash val="solid"/>
+                      <a:round/>
+                      <a:headEnd type="none" w="med" len="med"/>
+                      <a:tailEnd type="none" w="med" len="med"/>
+                    </a:lnT>
+                    <a:lnB w="12700" cap="flat" cmpd="sng" algn="ctr">
+                      <a:solidFill>
+                        <a:srgbClr val="000000"/>
+                      </a:solidFill>
+                      <a:prstDash val="solid"/>
+                      <a:round/>
+                      <a:headEnd type="none" w="med" len="med"/>
+                      <a:tailEnd type="none" w="med" len="med"/>
+                    </a:lnB>
+                  </a:tcPr>
+                </a:tc>
+                <a:extLst>
+                  <a:ext uri="{0D108BD9-81ED-4DB2-BD59-A6C34878D82A}">
+                    <a16:rowId xmlns:a16="http://schemas.microsoft.com/office/drawing/2014/main" val="1896443570"/>
+                  </a:ext>
+                </a:extLst>
+              </a:tr>
+              <a:tr h="687297">
+                <a:tc>
+                  <a:txBody>
+                    <a:bodyPr/>
+                    <a:lstStyle/>
+                    <a:p>
+                      <a:pPr marL="0" marR="0">
+                        <a:spcBef>
+                          <a:spcPts val="0"/>
+                        </a:spcBef>
+                        <a:spcAft>
+                          <a:spcPts val="0"/>
+                        </a:spcAft>
+                      </a:pPr>
+                      <a:r>
+                        <a:rPr lang="it-IT" sz="1500">
+                          <a:effectLst/>
+                          <a:latin typeface="Century Gothic" panose="020B0502020202020204" pitchFamily="34" charset="0"/>
+                          <a:ea typeface="Century Gothic" panose="020B0502020202020204" pitchFamily="34" charset="0"/>
+                          <a:cs typeface="Century Gothic" panose="020B0502020202020204" pitchFamily="34" charset="0"/>
+                        </a:rPr>
+                        <a:t>SendAddProductButton</a:t>
+                      </a:r>
+                      <a:endParaRPr lang="it-IT" sz="2000">
+                        <a:effectLst/>
+                        <a:latin typeface="Times New Roman" panose="02020603050405020304" pitchFamily="18" charset="0"/>
+                        <a:ea typeface="Times New Roman" panose="02020603050405020304" pitchFamily="18" charset="0"/>
+                      </a:endParaRPr>
+                    </a:p>
+                  </a:txBody>
+                  <a:tcPr marL="101072" marR="101072" marT="101072" marB="101072">
+                    <a:lnL w="12700" cap="flat" cmpd="sng" algn="ctr">
+                      <a:solidFill>
+                        <a:srgbClr val="000000"/>
+                      </a:solidFill>
+                      <a:prstDash val="solid"/>
+                      <a:round/>
+                      <a:headEnd type="none" w="med" len="med"/>
+                      <a:tailEnd type="none" w="med" len="med"/>
+                    </a:lnL>
+                    <a:lnR w="12700" cap="flat" cmpd="sng" algn="ctr">
+                      <a:solidFill>
+                        <a:srgbClr val="000000"/>
+                      </a:solidFill>
+                      <a:prstDash val="solid"/>
+                      <a:round/>
+                      <a:headEnd type="none" w="med" len="med"/>
+                      <a:tailEnd type="none" w="med" len="med"/>
+                    </a:lnR>
+                    <a:lnT w="12700" cap="flat" cmpd="sng" algn="ctr">
+                      <a:solidFill>
+                        <a:srgbClr val="000000"/>
+                      </a:solidFill>
+                      <a:prstDash val="solid"/>
+                      <a:round/>
+                      <a:headEnd type="none" w="med" len="med"/>
+                      <a:tailEnd type="none" w="med" len="med"/>
+                    </a:lnT>
+                    <a:lnB w="12700" cap="flat" cmpd="sng" algn="ctr">
+                      <a:solidFill>
+                        <a:srgbClr val="000000"/>
+                      </a:solidFill>
+                      <a:prstDash val="solid"/>
+                      <a:round/>
+                      <a:headEnd type="none" w="med" len="med"/>
+                      <a:tailEnd type="none" w="med" len="med"/>
+                    </a:lnB>
+                  </a:tcPr>
+                </a:tc>
+                <a:tc>
+                  <a:txBody>
+                    <a:bodyPr/>
+                    <a:lstStyle/>
+                    <a:p>
+                      <a:pPr marL="0" marR="0">
+                        <a:spcBef>
+                          <a:spcPts val="0"/>
+                        </a:spcBef>
+                        <a:spcAft>
+                          <a:spcPts val="0"/>
+                        </a:spcAft>
+                      </a:pPr>
+                      <a:r>
+                        <a:rPr lang="it-IT" sz="1500">
+                          <a:effectLst/>
+                          <a:latin typeface="Century Gothic" panose="020B0502020202020204" pitchFamily="34" charset="0"/>
+                          <a:ea typeface="Century Gothic" panose="020B0502020202020204" pitchFamily="34" charset="0"/>
+                          <a:cs typeface="Century Gothic" panose="020B0502020202020204" pitchFamily="34" charset="0"/>
+                        </a:rPr>
+                        <a:t>Boundary</a:t>
+                      </a:r>
+                      <a:endParaRPr lang="it-IT" sz="2000">
+                        <a:effectLst/>
+                        <a:latin typeface="Times New Roman" panose="02020603050405020304" pitchFamily="18" charset="0"/>
+                        <a:ea typeface="Times New Roman" panose="02020603050405020304" pitchFamily="18" charset="0"/>
+                      </a:endParaRPr>
+                    </a:p>
+                  </a:txBody>
+                  <a:tcPr marL="101072" marR="101072" marT="101072" marB="101072">
+                    <a:lnL w="12700" cap="flat" cmpd="sng" algn="ctr">
+                      <a:solidFill>
+                        <a:srgbClr val="000000"/>
+                      </a:solidFill>
+                      <a:prstDash val="solid"/>
+                      <a:round/>
+                      <a:headEnd type="none" w="med" len="med"/>
+                      <a:tailEnd type="none" w="med" len="med"/>
+                    </a:lnL>
+                    <a:lnR w="12700" cap="flat" cmpd="sng" algn="ctr">
+                      <a:solidFill>
+                        <a:srgbClr val="000000"/>
+                      </a:solidFill>
+                      <a:prstDash val="solid"/>
+                      <a:round/>
+                      <a:headEnd type="none" w="med" len="med"/>
+                      <a:tailEnd type="none" w="med" len="med"/>
+                    </a:lnR>
+                    <a:lnT w="12700" cap="flat" cmpd="sng" algn="ctr">
+                      <a:solidFill>
+                        <a:srgbClr val="000000"/>
+                      </a:solidFill>
+                      <a:prstDash val="solid"/>
+                      <a:round/>
+                      <a:headEnd type="none" w="med" len="med"/>
+                      <a:tailEnd type="none" w="med" len="med"/>
+                    </a:lnT>
+                    <a:lnB w="12700" cap="flat" cmpd="sng" algn="ctr">
+                      <a:solidFill>
+                        <a:srgbClr val="000000"/>
+                      </a:solidFill>
+                      <a:prstDash val="solid"/>
+                      <a:round/>
+                      <a:headEnd type="none" w="med" len="med"/>
+                      <a:tailEnd type="none" w="med" len="med"/>
+                    </a:lnB>
+                  </a:tcPr>
+                </a:tc>
+                <a:tc>
+                  <a:txBody>
+                    <a:bodyPr/>
+                    <a:lstStyle/>
+                    <a:p>
+                      <a:pPr marL="0" marR="0">
+                        <a:spcBef>
+                          <a:spcPts val="0"/>
+                        </a:spcBef>
+                        <a:spcAft>
+                          <a:spcPts val="0"/>
+                        </a:spcAft>
+                      </a:pPr>
+                      <a:r>
+                        <a:rPr lang="it-IT" sz="1500">
+                          <a:effectLst/>
+                          <a:latin typeface="Century Gothic" panose="020B0502020202020204" pitchFamily="34" charset="0"/>
+                          <a:ea typeface="Century Gothic" panose="020B0502020202020204" pitchFamily="34" charset="0"/>
+                          <a:cs typeface="Century Gothic" panose="020B0502020202020204" pitchFamily="34" charset="0"/>
+                        </a:rPr>
+                        <a:t>Sottomette il form delle informazioni di un nuovo prodotto</a:t>
+                      </a:r>
+                      <a:endParaRPr lang="it-IT" sz="2000">
+                        <a:effectLst/>
+                        <a:latin typeface="Times New Roman" panose="02020603050405020304" pitchFamily="18" charset="0"/>
+                        <a:ea typeface="Times New Roman" panose="02020603050405020304" pitchFamily="18" charset="0"/>
+                      </a:endParaRPr>
+                    </a:p>
+                  </a:txBody>
+                  <a:tcPr marL="101072" marR="101072" marT="101072" marB="101072">
+                    <a:lnL w="12700" cap="flat" cmpd="sng" algn="ctr">
+                      <a:solidFill>
+                        <a:srgbClr val="000000"/>
+                      </a:solidFill>
+                      <a:prstDash val="solid"/>
+                      <a:round/>
+                      <a:headEnd type="none" w="med" len="med"/>
+                      <a:tailEnd type="none" w="med" len="med"/>
+                    </a:lnL>
+                    <a:lnR w="12700" cap="flat" cmpd="sng" algn="ctr">
+                      <a:solidFill>
+                        <a:srgbClr val="000000"/>
+                      </a:solidFill>
+                      <a:prstDash val="solid"/>
+                      <a:round/>
+                      <a:headEnd type="none" w="med" len="med"/>
+                      <a:tailEnd type="none" w="med" len="med"/>
+                    </a:lnR>
+                    <a:lnT w="12700" cap="flat" cmpd="sng" algn="ctr">
+                      <a:solidFill>
+                        <a:srgbClr val="000000"/>
+                      </a:solidFill>
+                      <a:prstDash val="solid"/>
+                      <a:round/>
+                      <a:headEnd type="none" w="med" len="med"/>
+                      <a:tailEnd type="none" w="med" len="med"/>
+                    </a:lnT>
+                    <a:lnB w="12700" cap="flat" cmpd="sng" algn="ctr">
+                      <a:solidFill>
+                        <a:srgbClr val="000000"/>
+                      </a:solidFill>
+                      <a:prstDash val="solid"/>
+                      <a:round/>
+                      <a:headEnd type="none" w="med" len="med"/>
+                      <a:tailEnd type="none" w="med" len="med"/>
+                    </a:lnB>
+                  </a:tcPr>
+                </a:tc>
+                <a:extLst>
+                  <a:ext uri="{0D108BD9-81ED-4DB2-BD59-A6C34878D82A}">
+                    <a16:rowId xmlns:a16="http://schemas.microsoft.com/office/drawing/2014/main" val="3072479067"/>
+                  </a:ext>
+                </a:extLst>
+              </a:tr>
+              <a:tr h="444720">
+                <a:tc>
+                  <a:txBody>
+                    <a:bodyPr/>
+                    <a:lstStyle/>
+                    <a:p>
+                      <a:pPr marL="0" marR="0">
+                        <a:spcBef>
+                          <a:spcPts val="0"/>
+                        </a:spcBef>
+                        <a:spcAft>
+                          <a:spcPts val="0"/>
+                        </a:spcAft>
+                      </a:pPr>
+                      <a:r>
+                        <a:rPr lang="it-IT" sz="1500">
+                          <a:effectLst/>
+                          <a:latin typeface="Century Gothic" panose="020B0502020202020204" pitchFamily="34" charset="0"/>
+                          <a:ea typeface="Century Gothic" panose="020B0502020202020204" pitchFamily="34" charset="0"/>
+                          <a:cs typeface="Century Gothic" panose="020B0502020202020204" pitchFamily="34" charset="0"/>
+                        </a:rPr>
+                        <a:t>AdministationControl</a:t>
+                      </a:r>
+                      <a:endParaRPr lang="it-IT" sz="2000">
+                        <a:effectLst/>
+                        <a:latin typeface="Times New Roman" panose="02020603050405020304" pitchFamily="18" charset="0"/>
+                        <a:ea typeface="Times New Roman" panose="02020603050405020304" pitchFamily="18" charset="0"/>
+                      </a:endParaRPr>
+                    </a:p>
+                  </a:txBody>
+                  <a:tcPr marL="101072" marR="101072" marT="101072" marB="101072">
+                    <a:lnL w="12700" cap="flat" cmpd="sng" algn="ctr">
+                      <a:solidFill>
+                        <a:srgbClr val="000000"/>
+                      </a:solidFill>
+                      <a:prstDash val="solid"/>
+                      <a:round/>
+                      <a:headEnd type="none" w="med" len="med"/>
+                      <a:tailEnd type="none" w="med" len="med"/>
+                    </a:lnL>
+                    <a:lnR w="12700" cap="flat" cmpd="sng" algn="ctr">
+                      <a:solidFill>
+                        <a:srgbClr val="000000"/>
+                      </a:solidFill>
+                      <a:prstDash val="solid"/>
+                      <a:round/>
+                      <a:headEnd type="none" w="med" len="med"/>
+                      <a:tailEnd type="none" w="med" len="med"/>
+                    </a:lnR>
+                    <a:lnT w="12700" cap="flat" cmpd="sng" algn="ctr">
+                      <a:solidFill>
+                        <a:srgbClr val="000000"/>
+                      </a:solidFill>
+                      <a:prstDash val="solid"/>
+                      <a:round/>
+                      <a:headEnd type="none" w="med" len="med"/>
+                      <a:tailEnd type="none" w="med" len="med"/>
+                    </a:lnT>
+                    <a:lnB w="12700" cap="flat" cmpd="sng" algn="ctr">
+                      <a:solidFill>
+                        <a:srgbClr val="000000"/>
+                      </a:solidFill>
+                      <a:prstDash val="solid"/>
+                      <a:round/>
+                      <a:headEnd type="none" w="med" len="med"/>
+                      <a:tailEnd type="none" w="med" len="med"/>
+                    </a:lnB>
+                  </a:tcPr>
+                </a:tc>
+                <a:tc>
+                  <a:txBody>
+                    <a:bodyPr/>
+                    <a:lstStyle/>
+                    <a:p>
+                      <a:pPr marL="0" marR="0">
+                        <a:spcBef>
+                          <a:spcPts val="0"/>
+                        </a:spcBef>
+                        <a:spcAft>
+                          <a:spcPts val="0"/>
+                        </a:spcAft>
+                      </a:pPr>
+                      <a:r>
+                        <a:rPr lang="it-IT" sz="1500">
+                          <a:effectLst/>
+                          <a:latin typeface="Century Gothic" panose="020B0502020202020204" pitchFamily="34" charset="0"/>
+                          <a:ea typeface="Century Gothic" panose="020B0502020202020204" pitchFamily="34" charset="0"/>
+                          <a:cs typeface="Century Gothic" panose="020B0502020202020204" pitchFamily="34" charset="0"/>
+                        </a:rPr>
+                        <a:t>Control</a:t>
+                      </a:r>
+                      <a:endParaRPr lang="it-IT" sz="2000">
+                        <a:effectLst/>
+                        <a:latin typeface="Times New Roman" panose="02020603050405020304" pitchFamily="18" charset="0"/>
+                        <a:ea typeface="Times New Roman" panose="02020603050405020304" pitchFamily="18" charset="0"/>
+                      </a:endParaRPr>
+                    </a:p>
+                  </a:txBody>
+                  <a:tcPr marL="101072" marR="101072" marT="101072" marB="101072">
+                    <a:lnL w="12700" cap="flat" cmpd="sng" algn="ctr">
+                      <a:solidFill>
+                        <a:srgbClr val="000000"/>
+                      </a:solidFill>
+                      <a:prstDash val="solid"/>
+                      <a:round/>
+                      <a:headEnd type="none" w="med" len="med"/>
+                      <a:tailEnd type="none" w="med" len="med"/>
+                    </a:lnL>
+                    <a:lnR w="12700" cap="flat" cmpd="sng" algn="ctr">
+                      <a:solidFill>
+                        <a:srgbClr val="000000"/>
+                      </a:solidFill>
+                      <a:prstDash val="solid"/>
+                      <a:round/>
+                      <a:headEnd type="none" w="med" len="med"/>
+                      <a:tailEnd type="none" w="med" len="med"/>
+                    </a:lnR>
+                    <a:lnT w="12700" cap="flat" cmpd="sng" algn="ctr">
+                      <a:solidFill>
+                        <a:srgbClr val="000000"/>
+                      </a:solidFill>
+                      <a:prstDash val="solid"/>
+                      <a:round/>
+                      <a:headEnd type="none" w="med" len="med"/>
+                      <a:tailEnd type="none" w="med" len="med"/>
+                    </a:lnT>
+                    <a:lnB w="12700" cap="flat" cmpd="sng" algn="ctr">
+                      <a:solidFill>
+                        <a:srgbClr val="000000"/>
+                      </a:solidFill>
+                      <a:prstDash val="solid"/>
+                      <a:round/>
+                      <a:headEnd type="none" w="med" len="med"/>
+                      <a:tailEnd type="none" w="med" len="med"/>
+                    </a:lnB>
+                  </a:tcPr>
+                </a:tc>
+                <a:tc>
+                  <a:txBody>
+                    <a:bodyPr/>
+                    <a:lstStyle/>
+                    <a:p>
+                      <a:pPr marL="0" marR="0">
+                        <a:spcBef>
+                          <a:spcPts val="0"/>
+                        </a:spcBef>
+                        <a:spcAft>
+                          <a:spcPts val="0"/>
+                        </a:spcAft>
+                      </a:pPr>
+                      <a:r>
+                        <a:rPr lang="it-IT" sz="1500" dirty="0">
+                          <a:effectLst/>
+                          <a:latin typeface="Century Gothic" panose="020B0502020202020204" pitchFamily="34" charset="0"/>
+                          <a:ea typeface="Century Gothic" panose="020B0502020202020204" pitchFamily="34" charset="0"/>
+                          <a:cs typeface="Century Gothic" panose="020B0502020202020204" pitchFamily="34" charset="0"/>
+                        </a:rPr>
+                        <a:t>Gestisce le attività permesse all’admin</a:t>
+                      </a:r>
+                      <a:endParaRPr lang="it-IT" sz="2000" dirty="0">
+                        <a:effectLst/>
+                        <a:latin typeface="Times New Roman" panose="02020603050405020304" pitchFamily="18" charset="0"/>
+                        <a:ea typeface="Times New Roman" panose="02020603050405020304" pitchFamily="18" charset="0"/>
+                      </a:endParaRPr>
+                    </a:p>
+                  </a:txBody>
+                  <a:tcPr marL="101072" marR="101072" marT="101072" marB="101072">
+                    <a:lnL w="12700" cap="flat" cmpd="sng" algn="ctr">
+                      <a:solidFill>
+                        <a:srgbClr val="000000"/>
+                      </a:solidFill>
+                      <a:prstDash val="solid"/>
+                      <a:round/>
+                      <a:headEnd type="none" w="med" len="med"/>
+                      <a:tailEnd type="none" w="med" len="med"/>
+                    </a:lnL>
+                    <a:lnR w="12700" cap="flat" cmpd="sng" algn="ctr">
+                      <a:solidFill>
+                        <a:srgbClr val="000000"/>
+                      </a:solidFill>
+                      <a:prstDash val="solid"/>
+                      <a:round/>
+                      <a:headEnd type="none" w="med" len="med"/>
+                      <a:tailEnd type="none" w="med" len="med"/>
+                    </a:lnR>
+                    <a:lnT w="12700" cap="flat" cmpd="sng" algn="ctr">
+                      <a:solidFill>
+                        <a:srgbClr val="000000"/>
+                      </a:solidFill>
+                      <a:prstDash val="solid"/>
+                      <a:round/>
+                      <a:headEnd type="none" w="med" len="med"/>
+                      <a:tailEnd type="none" w="med" len="med"/>
+                    </a:lnT>
+                    <a:lnB w="12700" cap="flat" cmpd="sng" algn="ctr">
+                      <a:solidFill>
+                        <a:srgbClr val="000000"/>
+                      </a:solidFill>
+                      <a:prstDash val="solid"/>
+                      <a:round/>
+                      <a:headEnd type="none" w="med" len="med"/>
+                      <a:tailEnd type="none" w="med" len="med"/>
+                    </a:lnB>
+                  </a:tcPr>
+                </a:tc>
+                <a:extLst>
+                  <a:ext uri="{0D108BD9-81ED-4DB2-BD59-A6C34878D82A}">
+                    <a16:rowId xmlns:a16="http://schemas.microsoft.com/office/drawing/2014/main" val="379445133"/>
+                  </a:ext>
+                </a:extLst>
+              </a:tr>
+              <a:tr h="687297">
+                <a:tc>
+                  <a:txBody>
+                    <a:bodyPr/>
+                    <a:lstStyle/>
+                    <a:p>
+                      <a:pPr marL="0" marR="0">
+                        <a:spcBef>
+                          <a:spcPts val="0"/>
+                        </a:spcBef>
+                        <a:spcAft>
+                          <a:spcPts val="0"/>
+                        </a:spcAft>
+                      </a:pPr>
+                      <a:r>
+                        <a:rPr lang="it-IT" sz="1500">
+                          <a:effectLst/>
+                          <a:latin typeface="Century Gothic" panose="020B0502020202020204" pitchFamily="34" charset="0"/>
+                          <a:ea typeface="Century Gothic" panose="020B0502020202020204" pitchFamily="34" charset="0"/>
+                          <a:cs typeface="Century Gothic" panose="020B0502020202020204" pitchFamily="34" charset="0"/>
+                        </a:rPr>
+                        <a:t>ProductControl</a:t>
+                      </a:r>
+                      <a:endParaRPr lang="it-IT" sz="2000">
+                        <a:effectLst/>
+                        <a:latin typeface="Times New Roman" panose="02020603050405020304" pitchFamily="18" charset="0"/>
+                        <a:ea typeface="Times New Roman" panose="02020603050405020304" pitchFamily="18" charset="0"/>
+                      </a:endParaRPr>
+                    </a:p>
+                  </a:txBody>
+                  <a:tcPr marL="101072" marR="101072" marT="101072" marB="101072">
+                    <a:lnL w="12700" cap="flat" cmpd="sng" algn="ctr">
+                      <a:solidFill>
+                        <a:srgbClr val="000000"/>
+                      </a:solidFill>
+                      <a:prstDash val="solid"/>
+                      <a:round/>
+                      <a:headEnd type="none" w="med" len="med"/>
+                      <a:tailEnd type="none" w="med" len="med"/>
+                    </a:lnL>
+                    <a:lnR w="12700" cap="flat" cmpd="sng" algn="ctr">
+                      <a:solidFill>
+                        <a:srgbClr val="000000"/>
+                      </a:solidFill>
+                      <a:prstDash val="solid"/>
+                      <a:round/>
+                      <a:headEnd type="none" w="med" len="med"/>
+                      <a:tailEnd type="none" w="med" len="med"/>
+                    </a:lnR>
+                    <a:lnT w="12700" cap="flat" cmpd="sng" algn="ctr">
+                      <a:solidFill>
+                        <a:srgbClr val="000000"/>
+                      </a:solidFill>
+                      <a:prstDash val="solid"/>
+                      <a:round/>
+                      <a:headEnd type="none" w="med" len="med"/>
+                      <a:tailEnd type="none" w="med" len="med"/>
+                    </a:lnT>
+                    <a:lnB w="12700" cap="flat" cmpd="sng" algn="ctr">
+                      <a:solidFill>
+                        <a:srgbClr val="000000"/>
+                      </a:solidFill>
+                      <a:prstDash val="solid"/>
+                      <a:round/>
+                      <a:headEnd type="none" w="med" len="med"/>
+                      <a:tailEnd type="none" w="med" len="med"/>
+                    </a:lnB>
+                  </a:tcPr>
+                </a:tc>
+                <a:tc>
+                  <a:txBody>
+                    <a:bodyPr/>
+                    <a:lstStyle/>
+                    <a:p>
+                      <a:pPr marL="0" marR="0">
+                        <a:spcBef>
+                          <a:spcPts val="0"/>
+                        </a:spcBef>
+                        <a:spcAft>
+                          <a:spcPts val="0"/>
+                        </a:spcAft>
+                      </a:pPr>
+                      <a:r>
+                        <a:rPr lang="it-IT" sz="1500">
+                          <a:effectLst/>
+                          <a:latin typeface="Century Gothic" panose="020B0502020202020204" pitchFamily="34" charset="0"/>
+                          <a:ea typeface="Century Gothic" panose="020B0502020202020204" pitchFamily="34" charset="0"/>
+                          <a:cs typeface="Century Gothic" panose="020B0502020202020204" pitchFamily="34" charset="0"/>
+                        </a:rPr>
+                        <a:t>Control</a:t>
+                      </a:r>
+                      <a:endParaRPr lang="it-IT" sz="2000">
+                        <a:effectLst/>
+                        <a:latin typeface="Times New Roman" panose="02020603050405020304" pitchFamily="18" charset="0"/>
+                        <a:ea typeface="Times New Roman" panose="02020603050405020304" pitchFamily="18" charset="0"/>
+                      </a:endParaRPr>
+                    </a:p>
+                  </a:txBody>
+                  <a:tcPr marL="101072" marR="101072" marT="101072" marB="101072">
+                    <a:lnL w="12700" cap="flat" cmpd="sng" algn="ctr">
+                      <a:solidFill>
+                        <a:srgbClr val="000000"/>
+                      </a:solidFill>
+                      <a:prstDash val="solid"/>
+                      <a:round/>
+                      <a:headEnd type="none" w="med" len="med"/>
+                      <a:tailEnd type="none" w="med" len="med"/>
+                    </a:lnL>
+                    <a:lnR w="12700" cap="flat" cmpd="sng" algn="ctr">
+                      <a:solidFill>
+                        <a:srgbClr val="000000"/>
+                      </a:solidFill>
+                      <a:prstDash val="solid"/>
+                      <a:round/>
+                      <a:headEnd type="none" w="med" len="med"/>
+                      <a:tailEnd type="none" w="med" len="med"/>
+                    </a:lnR>
+                    <a:lnT w="12700" cap="flat" cmpd="sng" algn="ctr">
+                      <a:solidFill>
+                        <a:srgbClr val="000000"/>
+                      </a:solidFill>
+                      <a:prstDash val="solid"/>
+                      <a:round/>
+                      <a:headEnd type="none" w="med" len="med"/>
+                      <a:tailEnd type="none" w="med" len="med"/>
+                    </a:lnT>
+                    <a:lnB w="12700" cap="flat" cmpd="sng" algn="ctr">
+                      <a:solidFill>
+                        <a:srgbClr val="000000"/>
+                      </a:solidFill>
+                      <a:prstDash val="solid"/>
+                      <a:round/>
+                      <a:headEnd type="none" w="med" len="med"/>
+                      <a:tailEnd type="none" w="med" len="med"/>
+                    </a:lnB>
+                  </a:tcPr>
+                </a:tc>
+                <a:tc>
+                  <a:txBody>
+                    <a:bodyPr/>
+                    <a:lstStyle/>
+                    <a:p>
+                      <a:pPr marL="0" marR="0">
+                        <a:spcBef>
+                          <a:spcPts val="0"/>
+                        </a:spcBef>
+                        <a:spcAft>
+                          <a:spcPts val="0"/>
+                        </a:spcAft>
+                      </a:pPr>
+                      <a:r>
+                        <a:rPr lang="it-IT" sz="1500" dirty="0">
+                          <a:effectLst/>
+                          <a:latin typeface="Century Gothic" panose="020B0502020202020204" pitchFamily="34" charset="0"/>
+                          <a:ea typeface="Century Gothic" panose="020B0502020202020204" pitchFamily="34" charset="0"/>
+                          <a:cs typeface="Century Gothic" panose="020B0502020202020204" pitchFamily="34" charset="0"/>
+                        </a:rPr>
+                        <a:t>Permette di recuperare le informazioni relative a uno o più prodotti dal database</a:t>
+                      </a:r>
+                      <a:endParaRPr lang="it-IT" sz="2000" dirty="0">
+                        <a:effectLst/>
+                        <a:latin typeface="Times New Roman" panose="02020603050405020304" pitchFamily="18" charset="0"/>
+                        <a:ea typeface="Times New Roman" panose="02020603050405020304" pitchFamily="18" charset="0"/>
+                      </a:endParaRPr>
+                    </a:p>
+                  </a:txBody>
+                  <a:tcPr marL="101072" marR="101072" marT="101072" marB="101072">
+                    <a:lnL w="12700" cap="flat" cmpd="sng" algn="ctr">
+                      <a:solidFill>
+                        <a:srgbClr val="000000"/>
+                      </a:solidFill>
+                      <a:prstDash val="solid"/>
+                      <a:round/>
+                      <a:headEnd type="none" w="med" len="med"/>
+                      <a:tailEnd type="none" w="med" len="med"/>
+                    </a:lnL>
+                    <a:lnR w="12700" cap="flat" cmpd="sng" algn="ctr">
+                      <a:solidFill>
+                        <a:srgbClr val="000000"/>
+                      </a:solidFill>
+                      <a:prstDash val="solid"/>
+                      <a:round/>
+                      <a:headEnd type="none" w="med" len="med"/>
+                      <a:tailEnd type="none" w="med" len="med"/>
+                    </a:lnR>
+                    <a:lnT w="12700" cap="flat" cmpd="sng" algn="ctr">
+                      <a:solidFill>
+                        <a:srgbClr val="000000"/>
+                      </a:solidFill>
+                      <a:prstDash val="solid"/>
+                      <a:round/>
+                      <a:headEnd type="none" w="med" len="med"/>
+                      <a:tailEnd type="none" w="med" len="med"/>
+                    </a:lnT>
+                    <a:lnB w="12700" cap="flat" cmpd="sng" algn="ctr">
+                      <a:solidFill>
+                        <a:srgbClr val="000000"/>
+                      </a:solidFill>
+                      <a:prstDash val="solid"/>
+                      <a:round/>
+                      <a:headEnd type="none" w="med" len="med"/>
+                      <a:tailEnd type="none" w="med" len="med"/>
+                    </a:lnB>
+                  </a:tcPr>
+                </a:tc>
+                <a:extLst>
+                  <a:ext uri="{0D108BD9-81ED-4DB2-BD59-A6C34878D82A}">
+                    <a16:rowId xmlns:a16="http://schemas.microsoft.com/office/drawing/2014/main" val="1294914589"/>
+                  </a:ext>
+                </a:extLst>
+              </a:tr>
+              <a:tr h="1172445">
+                <a:tc>
+                  <a:txBody>
+                    <a:bodyPr/>
+                    <a:lstStyle/>
+                    <a:p>
+                      <a:pPr marL="0" marR="0">
+                        <a:spcBef>
+                          <a:spcPts val="0"/>
+                        </a:spcBef>
+                        <a:spcAft>
+                          <a:spcPts val="0"/>
+                        </a:spcAft>
+                      </a:pPr>
+                      <a:r>
+                        <a:rPr lang="it-IT" sz="1500" dirty="0" err="1">
+                          <a:effectLst/>
+                          <a:latin typeface="Century Gothic" panose="020B0502020202020204" pitchFamily="34" charset="0"/>
+                          <a:ea typeface="Century Gothic" panose="020B0502020202020204" pitchFamily="34" charset="0"/>
+                          <a:cs typeface="Century Gothic" panose="020B0502020202020204" pitchFamily="34" charset="0"/>
+                        </a:rPr>
+                        <a:t>DataBase</a:t>
+                      </a:r>
+                      <a:endParaRPr lang="it-IT" sz="2000" dirty="0">
+                        <a:effectLst/>
+                        <a:latin typeface="Times New Roman" panose="02020603050405020304" pitchFamily="18" charset="0"/>
+                        <a:ea typeface="Times New Roman" panose="02020603050405020304" pitchFamily="18" charset="0"/>
+                      </a:endParaRPr>
+                    </a:p>
+                  </a:txBody>
+                  <a:tcPr marL="101072" marR="101072" marT="101072" marB="101072">
+                    <a:lnL w="12700" cap="flat" cmpd="sng" algn="ctr">
+                      <a:solidFill>
+                        <a:srgbClr val="000000"/>
+                      </a:solidFill>
+                      <a:prstDash val="solid"/>
+                      <a:round/>
+                      <a:headEnd type="none" w="med" len="med"/>
+                      <a:tailEnd type="none" w="med" len="med"/>
+                    </a:lnL>
+                    <a:lnR w="12700" cap="flat" cmpd="sng" algn="ctr">
+                      <a:solidFill>
+                        <a:srgbClr val="000000"/>
+                      </a:solidFill>
+                      <a:prstDash val="solid"/>
+                      <a:round/>
+                      <a:headEnd type="none" w="med" len="med"/>
+                      <a:tailEnd type="none" w="med" len="med"/>
+                    </a:lnR>
+                    <a:lnT w="12700" cap="flat" cmpd="sng" algn="ctr">
+                      <a:solidFill>
+                        <a:srgbClr val="000000"/>
+                      </a:solidFill>
+                      <a:prstDash val="solid"/>
+                      <a:round/>
+                      <a:headEnd type="none" w="med" len="med"/>
+                      <a:tailEnd type="none" w="med" len="med"/>
+                    </a:lnT>
+                    <a:lnB w="12700" cap="flat" cmpd="sng" algn="ctr">
+                      <a:solidFill>
+                        <a:srgbClr val="000000"/>
+                      </a:solidFill>
+                      <a:prstDash val="solid"/>
+                      <a:round/>
+                      <a:headEnd type="none" w="med" len="med"/>
+                      <a:tailEnd type="none" w="med" len="med"/>
+                    </a:lnB>
+                  </a:tcPr>
+                </a:tc>
+                <a:tc>
+                  <a:txBody>
+                    <a:bodyPr/>
+                    <a:lstStyle/>
+                    <a:p>
+                      <a:pPr marL="0" marR="0">
+                        <a:spcBef>
+                          <a:spcPts val="0"/>
+                        </a:spcBef>
+                        <a:spcAft>
+                          <a:spcPts val="0"/>
+                        </a:spcAft>
+                      </a:pPr>
+                      <a:r>
+                        <a:rPr lang="it-IT" sz="1500" dirty="0" err="1">
+                          <a:effectLst/>
+                          <a:latin typeface="Century Gothic" panose="020B0502020202020204" pitchFamily="34" charset="0"/>
+                          <a:ea typeface="Century Gothic" panose="020B0502020202020204" pitchFamily="34" charset="0"/>
+                          <a:cs typeface="Century Gothic" panose="020B0502020202020204" pitchFamily="34" charset="0"/>
+                        </a:rPr>
+                        <a:t>Entity</a:t>
+                      </a:r>
+                      <a:endParaRPr lang="it-IT" sz="2000" dirty="0">
+                        <a:effectLst/>
+                        <a:latin typeface="Times New Roman" panose="02020603050405020304" pitchFamily="18" charset="0"/>
+                        <a:ea typeface="Times New Roman" panose="02020603050405020304" pitchFamily="18" charset="0"/>
+                      </a:endParaRPr>
+                    </a:p>
+                  </a:txBody>
+                  <a:tcPr marL="101072" marR="101072" marT="101072" marB="101072">
+                    <a:lnL w="12700" cap="flat" cmpd="sng" algn="ctr">
+                      <a:solidFill>
+                        <a:srgbClr val="000000"/>
+                      </a:solidFill>
+                      <a:prstDash val="solid"/>
+                      <a:round/>
+                      <a:headEnd type="none" w="med" len="med"/>
+                      <a:tailEnd type="none" w="med" len="med"/>
+                    </a:lnL>
+                    <a:lnR w="12700" cap="flat" cmpd="sng" algn="ctr">
+                      <a:solidFill>
+                        <a:srgbClr val="000000"/>
+                      </a:solidFill>
+                      <a:prstDash val="solid"/>
+                      <a:round/>
+                      <a:headEnd type="none" w="med" len="med"/>
+                      <a:tailEnd type="none" w="med" len="med"/>
+                    </a:lnR>
+                    <a:lnT w="12700" cap="flat" cmpd="sng" algn="ctr">
+                      <a:solidFill>
+                        <a:srgbClr val="000000"/>
+                      </a:solidFill>
+                      <a:prstDash val="solid"/>
+                      <a:round/>
+                      <a:headEnd type="none" w="med" len="med"/>
+                      <a:tailEnd type="none" w="med" len="med"/>
+                    </a:lnT>
+                    <a:lnB w="12700" cap="flat" cmpd="sng" algn="ctr">
+                      <a:solidFill>
+                        <a:srgbClr val="000000"/>
+                      </a:solidFill>
+                      <a:prstDash val="solid"/>
+                      <a:round/>
+                      <a:headEnd type="none" w="med" len="med"/>
+                      <a:tailEnd type="none" w="med" len="med"/>
+                    </a:lnB>
+                  </a:tcPr>
+                </a:tc>
+                <a:tc>
+                  <a:txBody>
+                    <a:bodyPr/>
+                    <a:lstStyle/>
+                    <a:p>
+                      <a:pPr marL="0" marR="0">
+                        <a:spcBef>
+                          <a:spcPts val="0"/>
+                        </a:spcBef>
+                        <a:spcAft>
+                          <a:spcPts val="0"/>
+                        </a:spcAft>
+                      </a:pPr>
+                      <a:r>
+                        <a:rPr lang="it-IT" sz="1500" dirty="0">
+                          <a:effectLst/>
+                          <a:latin typeface="Century Gothic" panose="020B0502020202020204" pitchFamily="34" charset="0"/>
+                          <a:ea typeface="Century Gothic" panose="020B0502020202020204" pitchFamily="34" charset="0"/>
+                          <a:cs typeface="Century Gothic" panose="020B0502020202020204" pitchFamily="34" charset="0"/>
+                        </a:rPr>
+                        <a:t>Consente al sistema di salvare i dati della registrazione dell’utente. Permette di utilizzare le informazioni persistenti per visualizzare ed effettuare controlli sui dati immessi nel sistema.</a:t>
+                      </a:r>
+                      <a:endParaRPr lang="it-IT" sz="2000" dirty="0">
+                        <a:effectLst/>
+                        <a:latin typeface="Times New Roman" panose="02020603050405020304" pitchFamily="18" charset="0"/>
+                        <a:ea typeface="Times New Roman" panose="02020603050405020304" pitchFamily="18" charset="0"/>
+                      </a:endParaRPr>
+                    </a:p>
+                  </a:txBody>
+                  <a:tcPr marL="101072" marR="101072" marT="101072" marB="101072">
+                    <a:lnL w="12700" cap="flat" cmpd="sng" algn="ctr">
+                      <a:solidFill>
+                        <a:srgbClr val="000000"/>
+                      </a:solidFill>
+                      <a:prstDash val="solid"/>
+                      <a:round/>
+                      <a:headEnd type="none" w="med" len="med"/>
+                      <a:tailEnd type="none" w="med" len="med"/>
+                    </a:lnL>
+                    <a:lnR w="12700" cap="flat" cmpd="sng" algn="ctr">
+                      <a:solidFill>
+                        <a:srgbClr val="000000"/>
+                      </a:solidFill>
+                      <a:prstDash val="solid"/>
+                      <a:round/>
+                      <a:headEnd type="none" w="med" len="med"/>
+                      <a:tailEnd type="none" w="med" len="med"/>
+                    </a:lnR>
+                    <a:lnT w="12700" cap="flat" cmpd="sng" algn="ctr">
+                      <a:solidFill>
+                        <a:srgbClr val="000000"/>
+                      </a:solidFill>
+                      <a:prstDash val="solid"/>
+                      <a:round/>
+                      <a:headEnd type="none" w="med" len="med"/>
+                      <a:tailEnd type="none" w="med" len="med"/>
+                    </a:lnT>
+                    <a:lnB w="12700" cap="flat" cmpd="sng" algn="ctr">
+                      <a:solidFill>
+                        <a:srgbClr val="000000"/>
+                      </a:solidFill>
+                      <a:prstDash val="solid"/>
+                      <a:round/>
+                      <a:headEnd type="none" w="med" len="med"/>
+                      <a:tailEnd type="none" w="med" len="med"/>
+                    </a:lnB>
+                  </a:tcPr>
+                </a:tc>
+                <a:extLst>
+                  <a:ext uri="{0D108BD9-81ED-4DB2-BD59-A6C34878D82A}">
+                    <a16:rowId xmlns:a16="http://schemas.microsoft.com/office/drawing/2014/main" val="87944656"/>
+                  </a:ext>
+                </a:extLst>
+              </a:tr>
+              <a:tr h="672283">
+                <a:tc>
+                  <a:txBody>
+                    <a:bodyPr/>
+                    <a:lstStyle/>
+                    <a:p>
+                      <a:pPr marL="0" marR="0" algn="l" defTabSz="914400" rtl="0" eaLnBrk="1" latinLnBrk="0" hangingPunct="1">
+                        <a:spcBef>
+                          <a:spcPts val="0"/>
+                        </a:spcBef>
+                        <a:spcAft>
+                          <a:spcPts val="0"/>
+                        </a:spcAft>
+                      </a:pPr>
+                      <a:r>
+                        <a:rPr lang="it-IT" sz="1500" kern="1200" dirty="0">
+                          <a:solidFill>
+                            <a:schemeClr val="tx1"/>
+                          </a:solidFill>
+                          <a:effectLst/>
+                          <a:latin typeface="Century Gothic" panose="020B0502020202020204" pitchFamily="34" charset="0"/>
+                          <a:ea typeface="Times New Roman" panose="02020603050405020304" pitchFamily="18" charset="0"/>
+                        </a:rPr>
+                        <a:t>Product</a:t>
+                      </a:r>
+                    </a:p>
+                  </a:txBody>
+                  <a:tcPr marL="101072" marR="101072" marT="101072" marB="101072">
+                    <a:lnL w="12700" cap="flat" cmpd="sng" algn="ctr">
+                      <a:solidFill>
+                        <a:srgbClr val="000000"/>
+                      </a:solidFill>
+                      <a:prstDash val="solid"/>
+                      <a:round/>
+                      <a:headEnd type="none" w="med" len="med"/>
+                      <a:tailEnd type="none" w="med" len="med"/>
+                    </a:lnL>
+                    <a:lnR w="12700" cap="flat" cmpd="sng" algn="ctr">
+                      <a:solidFill>
+                        <a:srgbClr val="000000"/>
+                      </a:solidFill>
+                      <a:prstDash val="solid"/>
+                      <a:round/>
+                      <a:headEnd type="none" w="med" len="med"/>
+                      <a:tailEnd type="none" w="med" len="med"/>
+                    </a:lnR>
+                    <a:lnT w="12700" cap="flat" cmpd="sng" algn="ctr">
+                      <a:solidFill>
+                        <a:srgbClr val="000000"/>
+                      </a:solidFill>
+                      <a:prstDash val="solid"/>
+                      <a:round/>
+                      <a:headEnd type="none" w="med" len="med"/>
+                      <a:tailEnd type="none" w="med" len="med"/>
+                    </a:lnT>
+                    <a:lnB w="12700" cap="flat" cmpd="sng" algn="ctr">
+                      <a:solidFill>
+                        <a:srgbClr val="000000"/>
+                      </a:solidFill>
+                      <a:prstDash val="solid"/>
+                      <a:round/>
+                      <a:headEnd type="none" w="med" len="med"/>
+                      <a:tailEnd type="none" w="med" len="med"/>
+                    </a:lnB>
+                  </a:tcPr>
+                </a:tc>
+                <a:tc>
+                  <a:txBody>
+                    <a:bodyPr/>
+                    <a:lstStyle/>
+                    <a:p>
+                      <a:pPr marL="0" marR="0">
+                        <a:spcBef>
+                          <a:spcPts val="0"/>
+                        </a:spcBef>
+                        <a:spcAft>
+                          <a:spcPts val="0"/>
+                        </a:spcAft>
+                      </a:pPr>
+                      <a:r>
+                        <a:rPr lang="it-IT" sz="1500" kern="1200" dirty="0" err="1">
+                          <a:solidFill>
+                            <a:schemeClr val="tx1"/>
+                          </a:solidFill>
+                          <a:effectLst/>
+                          <a:latin typeface="Century Gothic" panose="020B0502020202020204" pitchFamily="34" charset="0"/>
+                          <a:ea typeface="Times New Roman" panose="02020603050405020304" pitchFamily="18" charset="0"/>
+                        </a:rPr>
+                        <a:t>Entity</a:t>
+                      </a:r>
+                      <a:endParaRPr lang="it-IT" sz="1500" kern="1200" dirty="0">
+                        <a:solidFill>
+                          <a:schemeClr val="tx1"/>
+                        </a:solidFill>
+                        <a:effectLst/>
+                        <a:latin typeface="Century Gothic" panose="020B0502020202020204" pitchFamily="34" charset="0"/>
+                        <a:ea typeface="Times New Roman" panose="02020603050405020304" pitchFamily="18" charset="0"/>
+                      </a:endParaRPr>
+                    </a:p>
+                  </a:txBody>
+                  <a:tcPr marL="101072" marR="101072" marT="101072" marB="101072">
+                    <a:lnL w="12700" cap="flat" cmpd="sng" algn="ctr">
+                      <a:solidFill>
+                        <a:srgbClr val="000000"/>
+                      </a:solidFill>
+                      <a:prstDash val="solid"/>
+                      <a:round/>
+                      <a:headEnd type="none" w="med" len="med"/>
+                      <a:tailEnd type="none" w="med" len="med"/>
+                    </a:lnL>
+                    <a:lnR w="12700" cap="flat" cmpd="sng" algn="ctr">
+                      <a:solidFill>
+                        <a:srgbClr val="000000"/>
+                      </a:solidFill>
+                      <a:prstDash val="solid"/>
+                      <a:round/>
+                      <a:headEnd type="none" w="med" len="med"/>
+                      <a:tailEnd type="none" w="med" len="med"/>
+                    </a:lnR>
+                    <a:lnT w="12700" cap="flat" cmpd="sng" algn="ctr">
+                      <a:solidFill>
+                        <a:srgbClr val="000000"/>
+                      </a:solidFill>
+                      <a:prstDash val="solid"/>
+                      <a:round/>
+                      <a:headEnd type="none" w="med" len="med"/>
+                      <a:tailEnd type="none" w="med" len="med"/>
+                    </a:lnT>
+                    <a:lnB w="12700" cap="flat" cmpd="sng" algn="ctr">
+                      <a:solidFill>
+                        <a:srgbClr val="000000"/>
+                      </a:solidFill>
+                      <a:prstDash val="solid"/>
+                      <a:round/>
+                      <a:headEnd type="none" w="med" len="med"/>
+                      <a:tailEnd type="none" w="med" len="med"/>
+                    </a:lnB>
+                  </a:tcPr>
+                </a:tc>
+                <a:tc>
+                  <a:txBody>
+                    <a:bodyPr/>
+                    <a:lstStyle/>
+                    <a:p>
+                      <a:pPr marL="0" marR="0">
+                        <a:spcBef>
+                          <a:spcPts val="0"/>
+                        </a:spcBef>
+                        <a:spcAft>
+                          <a:spcPts val="0"/>
+                        </a:spcAft>
+                      </a:pPr>
+                      <a:r>
+                        <a:rPr lang="it-IT" sz="1500" kern="1200" dirty="0">
+                          <a:solidFill>
+                            <a:schemeClr val="tx1"/>
+                          </a:solidFill>
+                          <a:effectLst/>
+                          <a:latin typeface="Century Gothic" panose="020B0502020202020204" pitchFamily="34" charset="0"/>
+                          <a:ea typeface="Times New Roman" panose="02020603050405020304" pitchFamily="18" charset="0"/>
+                        </a:rPr>
+                        <a:t>Consente di memorizzare informazioni relative ad un particolare libro</a:t>
+                      </a:r>
+                    </a:p>
+                  </a:txBody>
+                  <a:tcPr marL="101072" marR="101072" marT="101072" marB="101072">
+                    <a:lnL w="12700" cap="flat" cmpd="sng" algn="ctr">
+                      <a:solidFill>
+                        <a:srgbClr val="000000"/>
+                      </a:solidFill>
+                      <a:prstDash val="solid"/>
+                      <a:round/>
+                      <a:headEnd type="none" w="med" len="med"/>
+                      <a:tailEnd type="none" w="med" len="med"/>
+                    </a:lnL>
+                    <a:lnR w="12700" cap="flat" cmpd="sng" algn="ctr">
+                      <a:solidFill>
+                        <a:srgbClr val="000000"/>
+                      </a:solidFill>
+                      <a:prstDash val="solid"/>
+                      <a:round/>
+                      <a:headEnd type="none" w="med" len="med"/>
+                      <a:tailEnd type="none" w="med" len="med"/>
+                    </a:lnR>
+                    <a:lnT w="12700" cap="flat" cmpd="sng" algn="ctr">
+                      <a:solidFill>
+                        <a:srgbClr val="000000"/>
+                      </a:solidFill>
+                      <a:prstDash val="solid"/>
+                      <a:round/>
+                      <a:headEnd type="none" w="med" len="med"/>
+                      <a:tailEnd type="none" w="med" len="med"/>
+                    </a:lnT>
+                    <a:lnB w="12700" cap="flat" cmpd="sng" algn="ctr">
+                      <a:solidFill>
+                        <a:srgbClr val="000000"/>
+                      </a:solidFill>
+                      <a:prstDash val="solid"/>
+                      <a:round/>
+                      <a:headEnd type="none" w="med" len="med"/>
+                      <a:tailEnd type="none" w="med" len="med"/>
+                    </a:lnB>
+                  </a:tcPr>
+                </a:tc>
+                <a:extLst>
+                  <a:ext uri="{0D108BD9-81ED-4DB2-BD59-A6C34878D82A}">
+                    <a16:rowId xmlns:a16="http://schemas.microsoft.com/office/drawing/2014/main" val="3483193385"/>
+                  </a:ext>
+                </a:extLst>
+              </a:tr>
+            </a:tbl>
+          </a:graphicData>
+        </a:graphic>
+      </p:graphicFrame>
+    </p:spTree>
+    <p:extLst>
+      <p:ext uri="{BB962C8B-B14F-4D97-AF65-F5344CB8AC3E}">
+        <p14:creationId xmlns:p14="http://schemas.microsoft.com/office/powerpoint/2010/main" val="2800877631"/>
+      </p:ext>
+    </p:extLst>
+  </p:cSld>
+  <p:clrMapOvr>
+    <a:masterClrMapping/>
+  </p:clrMapOvr>
+</p:sld>
+</file>
+
+<file path=ppt/slides/slide16.xml><?xml version="1.0" encoding="utf-8"?>
+<p:sld xmlns:a="http://schemas.openxmlformats.org/drawingml/2006/main" xmlns:r="http://schemas.openxmlformats.org/officeDocument/2006/relationships" xmlns:p="http://schemas.openxmlformats.org/presentationml/2006/main">
+  <p:cSld>
+    <p:spTree>
+      <p:nvGrpSpPr>
+        <p:cNvPr id="1" name=""/>
+        <p:cNvGrpSpPr/>
+        <p:nvPr/>
+      </p:nvGrpSpPr>
+      <p:grpSpPr>
+        <a:xfrm>
+          <a:off x="0" y="0"/>
+          <a:ext cx="0" cy="0"/>
+          <a:chOff x="0" y="0"/>
+          <a:chExt cx="0" cy="0"/>
+        </a:xfrm>
+      </p:grpSpPr>
+      <p:sp>
+        <p:nvSpPr>
+          <p:cNvPr id="2" name="Titolo 1">
+            <a:extLst>
+              <a:ext uri="{FF2B5EF4-FFF2-40B4-BE49-F238E27FC236}">
+                <a16:creationId xmlns:a16="http://schemas.microsoft.com/office/drawing/2014/main" id="{B091881F-E104-4A2A-A90F-E9C96E8E73B4}"/>
+              </a:ext>
+            </a:extLst>
+          </p:cNvPr>
+          <p:cNvSpPr>
+            <a:spLocks noGrp="1"/>
+          </p:cNvSpPr>
+          <p:nvPr>
+            <p:ph type="title"/>
+          </p:nvPr>
+        </p:nvSpPr>
+        <p:spPr>
+          <a:xfrm rot="16200000">
+            <a:off x="-1325725" y="1219566"/>
+            <a:ext cx="3403280" cy="751823"/>
+          </a:xfrm>
+        </p:spPr>
+        <p:txBody>
+          <a:bodyPr>
+            <a:normAutofit fontScale="90000"/>
+          </a:bodyPr>
+          <a:lstStyle/>
+          <a:p>
+            <a:r>
+              <a:rPr lang="it-IT" dirty="0" err="1">
+                <a:solidFill>
+                  <a:srgbClr val="F8B323"/>
+                </a:solidFill>
+              </a:rPr>
+              <a:t>Statechart</a:t>
+            </a:r>
+            <a:endParaRPr lang="it-IT" dirty="0">
+              <a:solidFill>
+                <a:srgbClr val="F8B323"/>
+              </a:solidFill>
+            </a:endParaRPr>
+          </a:p>
+        </p:txBody>
+      </p:sp>
+      <p:pic>
+        <p:nvPicPr>
+          <p:cNvPr id="4" name="image10.png">
+            <a:extLst>
+              <a:ext uri="{FF2B5EF4-FFF2-40B4-BE49-F238E27FC236}">
+                <a16:creationId xmlns:a16="http://schemas.microsoft.com/office/drawing/2014/main" id="{DDE801A2-2456-4E8D-ACCA-E0A9550221E9}"/>
+              </a:ext>
+            </a:extLst>
+          </p:cNvPr>
+          <p:cNvPicPr/>
+          <p:nvPr/>
+        </p:nvPicPr>
+        <p:blipFill>
+          <a:blip r:embed="rId2"/>
+          <a:srcRect/>
+          <a:stretch>
+            <a:fillRect/>
+          </a:stretch>
+        </p:blipFill>
+        <p:spPr>
+          <a:xfrm>
+            <a:off x="3042139" y="371298"/>
+            <a:ext cx="5985462" cy="6221760"/>
+          </a:xfrm>
+          <a:prstGeom prst="rect">
+            <a:avLst/>
+          </a:prstGeom>
+          <a:ln/>
+        </p:spPr>
+      </p:pic>
+      <p:sp>
+        <p:nvSpPr>
+          <p:cNvPr id="7" name="Segnaposto contenuto 2">
+            <a:extLst>
+              <a:ext uri="{FF2B5EF4-FFF2-40B4-BE49-F238E27FC236}">
+                <a16:creationId xmlns:a16="http://schemas.microsoft.com/office/drawing/2014/main" id="{BA883A44-0EC7-48B0-8DB0-798A0A4C9474}"/>
+              </a:ext>
+            </a:extLst>
+          </p:cNvPr>
+          <p:cNvSpPr>
+            <a:spLocks noGrp="1"/>
+          </p:cNvSpPr>
+          <p:nvPr>
+            <p:ph idx="1"/>
+          </p:nvPr>
+        </p:nvSpPr>
+        <p:spPr>
+          <a:xfrm>
+            <a:off x="4777393" y="10814"/>
+            <a:ext cx="2775199" cy="720968"/>
+          </a:xfrm>
+        </p:spPr>
+        <p:txBody>
+          <a:bodyPr/>
+          <a:lstStyle/>
+          <a:p>
+            <a:pPr marL="0" indent="0">
+              <a:buNone/>
+            </a:pPr>
+            <a:r>
+              <a:rPr lang="it-IT" dirty="0" err="1"/>
+              <a:t>Statechart</a:t>
+            </a:r>
+            <a:r>
+              <a:rPr lang="it-IT" dirty="0"/>
+              <a:t>: Prodotto</a:t>
+            </a:r>
+          </a:p>
+        </p:txBody>
+      </p:sp>
+    </p:spTree>
+    <p:extLst>
+      <p:ext uri="{BB962C8B-B14F-4D97-AF65-F5344CB8AC3E}">
+        <p14:creationId xmlns:p14="http://schemas.microsoft.com/office/powerpoint/2010/main" val="1771275991"/>
+      </p:ext>
+    </p:extLst>
+  </p:cSld>
+  <p:clrMapOvr>
+    <a:masterClrMapping/>
+  </p:clrMapOvr>
+</p:sld>
+</file>
+
 <file path=ppt/slides/slide17.xml><?xml version="1.0" encoding="utf-8"?>
+<p:sld xmlns:a="http://schemas.openxmlformats.org/drawingml/2006/main" xmlns:r="http://schemas.openxmlformats.org/officeDocument/2006/relationships" xmlns:p="http://schemas.openxmlformats.org/presentationml/2006/main">
+  <p:cSld>
+    <p:spTree>
+      <p:nvGrpSpPr>
+        <p:cNvPr id="1" name=""/>
+        <p:cNvGrpSpPr/>
+        <p:nvPr/>
+      </p:nvGrpSpPr>
+      <p:grpSpPr>
+        <a:xfrm>
+          <a:off x="0" y="0"/>
+          <a:ext cx="0" cy="0"/>
+          <a:chOff x="0" y="0"/>
+          <a:chExt cx="0" cy="0"/>
+        </a:xfrm>
+      </p:grpSpPr>
+      <p:sp>
+        <p:nvSpPr>
+          <p:cNvPr id="2" name="Titolo 1">
+            <a:extLst>
+              <a:ext uri="{FF2B5EF4-FFF2-40B4-BE49-F238E27FC236}">
+                <a16:creationId xmlns:a16="http://schemas.microsoft.com/office/drawing/2014/main" id="{B091881F-E104-4A2A-A90F-E9C96E8E73B4}"/>
+              </a:ext>
+            </a:extLst>
+          </p:cNvPr>
+          <p:cNvSpPr>
+            <a:spLocks noGrp="1"/>
+          </p:cNvSpPr>
+          <p:nvPr>
+            <p:ph type="title"/>
+          </p:nvPr>
+        </p:nvSpPr>
+        <p:spPr>
+          <a:xfrm rot="16200000">
+            <a:off x="-1831283" y="1725122"/>
+            <a:ext cx="4414392" cy="751823"/>
+          </a:xfrm>
+        </p:spPr>
+        <p:txBody>
+          <a:bodyPr>
+            <a:normAutofit fontScale="90000"/>
+          </a:bodyPr>
+          <a:lstStyle/>
+          <a:p>
+            <a:r>
+              <a:rPr lang="it-IT" dirty="0">
+                <a:solidFill>
+                  <a:srgbClr val="F8B323"/>
+                </a:solidFill>
+              </a:rPr>
+              <a:t>Use case model</a:t>
+            </a:r>
+          </a:p>
+        </p:txBody>
+      </p:sp>
+      <p:sp>
+        <p:nvSpPr>
+          <p:cNvPr id="3" name="Segnaposto contenuto 2">
+            <a:extLst>
+              <a:ext uri="{FF2B5EF4-FFF2-40B4-BE49-F238E27FC236}">
+                <a16:creationId xmlns:a16="http://schemas.microsoft.com/office/drawing/2014/main" id="{0D1F4823-2969-402A-86AF-FE8D80B3F521}"/>
+              </a:ext>
+            </a:extLst>
+          </p:cNvPr>
+          <p:cNvSpPr>
+            <a:spLocks noGrp="1"/>
+          </p:cNvSpPr>
+          <p:nvPr>
+            <p:ph idx="1"/>
+          </p:nvPr>
+        </p:nvSpPr>
+        <p:spPr>
+          <a:xfrm>
+            <a:off x="1251678" y="328473"/>
+            <a:ext cx="3258178" cy="5551119"/>
+          </a:xfrm>
+        </p:spPr>
+        <p:txBody>
+          <a:bodyPr/>
+          <a:lstStyle/>
+          <a:p>
+            <a:pPr marL="0" indent="0">
+              <a:buNone/>
+            </a:pPr>
+            <a:r>
+              <a:rPr lang="it-IT" dirty="0"/>
+              <a:t>Un esempio di Use Case </a:t>
+            </a:r>
+            <a:r>
+              <a:rPr lang="it-IT" dirty="0" err="1"/>
+              <a:t>Diagram</a:t>
+            </a:r>
+            <a:r>
+              <a:rPr lang="it-IT" dirty="0"/>
+              <a:t> relativo alle funzioni dell’ admin.</a:t>
+            </a:r>
+          </a:p>
+        </p:txBody>
+      </p:sp>
+      <p:pic>
+        <p:nvPicPr>
+          <p:cNvPr id="5" name="Immagine 4">
+            <a:extLst>
+              <a:ext uri="{FF2B5EF4-FFF2-40B4-BE49-F238E27FC236}">
+                <a16:creationId xmlns:a16="http://schemas.microsoft.com/office/drawing/2014/main" id="{B0242D41-856A-4802-AD8A-95C2B7FEB2A3}"/>
+              </a:ext>
+            </a:extLst>
+          </p:cNvPr>
+          <p:cNvPicPr>
+            <a:picLocks noChangeAspect="1"/>
+          </p:cNvPicPr>
+          <p:nvPr/>
+        </p:nvPicPr>
+        <p:blipFill>
+          <a:blip r:embed="rId2">
+            <a:extLst>
+              <a:ext uri="{28A0092B-C50C-407E-A947-70E740481C1C}">
+                <a14:useLocalDpi xmlns:a14="http://schemas.microsoft.com/office/drawing/2010/main" val="0"/>
+              </a:ext>
+            </a:extLst>
+          </a:blip>
+          <a:stretch>
+            <a:fillRect/>
+          </a:stretch>
+        </p:blipFill>
+        <p:spPr>
+          <a:xfrm>
+            <a:off x="4753391" y="328473"/>
+            <a:ext cx="6676609" cy="4261282"/>
+          </a:xfrm>
+          <a:prstGeom prst="rect">
+            <a:avLst/>
+          </a:prstGeom>
+        </p:spPr>
+      </p:pic>
+    </p:spTree>
+    <p:extLst>
+      <p:ext uri="{BB962C8B-B14F-4D97-AF65-F5344CB8AC3E}">
+        <p14:creationId xmlns:p14="http://schemas.microsoft.com/office/powerpoint/2010/main" val="117027741"/>
+      </p:ext>
+    </p:extLst>
+  </p:cSld>
+  <p:clrMapOvr>
+    <a:masterClrMapping/>
+  </p:clrMapOvr>
+</p:sld>
+</file>
+
+<file path=ppt/slides/slide18.xml><?xml version="1.0" encoding="utf-8"?>
 <p:sld xmlns:a="http://schemas.openxmlformats.org/drawingml/2006/main" xmlns:r="http://schemas.openxmlformats.org/officeDocument/2006/relationships" xmlns:p="http://schemas.openxmlformats.org/presentationml/2006/main">
   <p:cSld>
     <p:spTree>
@@ -15238,129 +17131,6 @@
     <p:extLst>
       <p:ext uri="{BB962C8B-B14F-4D97-AF65-F5344CB8AC3E}">
         <p14:creationId xmlns:p14="http://schemas.microsoft.com/office/powerpoint/2010/main" val="2029125885"/>
-      </p:ext>
-    </p:extLst>
-  </p:cSld>
-  <p:clrMapOvr>
-    <a:masterClrMapping/>
-  </p:clrMapOvr>
-</p:sld>
-</file>
-
-<file path=ppt/slides/slide18.xml><?xml version="1.0" encoding="utf-8"?>
-<p:sld xmlns:a="http://schemas.openxmlformats.org/drawingml/2006/main" xmlns:r="http://schemas.openxmlformats.org/officeDocument/2006/relationships" xmlns:p="http://schemas.openxmlformats.org/presentationml/2006/main">
-  <p:cSld>
-    <p:spTree>
-      <p:nvGrpSpPr>
-        <p:cNvPr id="1" name=""/>
-        <p:cNvGrpSpPr/>
-        <p:nvPr/>
-      </p:nvGrpSpPr>
-      <p:grpSpPr>
-        <a:xfrm>
-          <a:off x="0" y="0"/>
-          <a:ext cx="0" cy="0"/>
-          <a:chOff x="0" y="0"/>
-          <a:chExt cx="0" cy="0"/>
-        </a:xfrm>
-      </p:grpSpPr>
-      <p:sp>
-        <p:nvSpPr>
-          <p:cNvPr id="2" name="Titolo 1">
-            <a:extLst>
-              <a:ext uri="{FF2B5EF4-FFF2-40B4-BE49-F238E27FC236}">
-                <a16:creationId xmlns:a16="http://schemas.microsoft.com/office/drawing/2014/main" id="{B091881F-E104-4A2A-A90F-E9C96E8E73B4}"/>
-              </a:ext>
-            </a:extLst>
-          </p:cNvPr>
-          <p:cNvSpPr>
-            <a:spLocks noGrp="1"/>
-          </p:cNvSpPr>
-          <p:nvPr>
-            <p:ph type="title"/>
-          </p:nvPr>
-        </p:nvSpPr>
-        <p:spPr>
-          <a:xfrm rot="16200000">
-            <a:off x="-3053082" y="3053088"/>
-            <a:ext cx="6858001" cy="751823"/>
-          </a:xfrm>
-        </p:spPr>
-        <p:txBody>
-          <a:bodyPr>
-            <a:normAutofit fontScale="90000"/>
-          </a:bodyPr>
-          <a:lstStyle/>
-          <a:p>
-            <a:pPr algn="r"/>
-            <a:r>
-              <a:rPr lang="it-IT" dirty="0" err="1">
-                <a:solidFill>
-                  <a:srgbClr val="F8B323"/>
-                </a:solidFill>
-              </a:rPr>
-              <a:t>retrospective</a:t>
-            </a:r>
-            <a:endParaRPr lang="it-IT" dirty="0">
-              <a:solidFill>
-                <a:srgbClr val="F8B323"/>
-              </a:solidFill>
-            </a:endParaRPr>
-          </a:p>
-        </p:txBody>
-      </p:sp>
-      <p:sp>
-        <p:nvSpPr>
-          <p:cNvPr id="3" name="Segnaposto contenuto 2">
-            <a:extLst>
-              <a:ext uri="{FF2B5EF4-FFF2-40B4-BE49-F238E27FC236}">
-                <a16:creationId xmlns:a16="http://schemas.microsoft.com/office/drawing/2014/main" id="{0D1F4823-2969-402A-86AF-FE8D80B3F521}"/>
-              </a:ext>
-            </a:extLst>
-          </p:cNvPr>
-          <p:cNvSpPr>
-            <a:spLocks noGrp="1"/>
-          </p:cNvSpPr>
-          <p:nvPr>
-            <p:ph idx="1"/>
-          </p:nvPr>
-        </p:nvSpPr>
-        <p:spPr/>
-        <p:txBody>
-          <a:bodyPr/>
-          <a:lstStyle/>
-          <a:p>
-            <a:r>
-              <a:rPr lang="it-IT" dirty="0" err="1"/>
-              <a:t>Retrospective</a:t>
-            </a:r>
-            <a:r>
-              <a:rPr lang="it-IT" dirty="0"/>
-              <a:t> (sulla base della vostra analisi dei punti di forza e dei aspetti da migliorare, fornire una </a:t>
-            </a:r>
-            <a:r>
-              <a:rPr lang="it-IT" dirty="0" err="1"/>
-              <a:t>retrospective</a:t>
-            </a:r>
-            <a:r>
-              <a:rPr lang="it-IT" dirty="0"/>
-              <a:t> stile </a:t>
-            </a:r>
-            <a:r>
-              <a:rPr lang="it-IT" dirty="0" err="1"/>
-              <a:t>scrum</a:t>
-            </a:r>
-            <a:r>
-              <a:rPr lang="it-IT" dirty="0"/>
-              <a:t>)</a:t>
-            </a:r>
-          </a:p>
-        </p:txBody>
-      </p:sp>
-    </p:spTree>
-    <p:extLst>
-      <p:ext uri="{BB962C8B-B14F-4D97-AF65-F5344CB8AC3E}">
-        <p14:creationId xmlns:p14="http://schemas.microsoft.com/office/powerpoint/2010/main" val="2188916216"/>
       </p:ext>
     </p:extLst>
   </p:cSld>
@@ -15665,8 +17435,8 @@
         </p:blipFill>
         <p:spPr>
           <a:xfrm rot="16200000">
-            <a:off x="1676338" y="1743518"/>
-            <a:ext cx="3156087" cy="1973339"/>
+            <a:off x="1642252" y="1559669"/>
+            <a:ext cx="3156087" cy="2341036"/>
           </a:xfrm>
           <a:prstGeom prst="rect">
             <a:avLst/>
@@ -15814,8 +17584,8 @@
         </p:blipFill>
         <p:spPr>
           <a:xfrm>
-            <a:off x="7351776" y="1152144"/>
-            <a:ext cx="2181927" cy="3156087"/>
+            <a:off x="7439394" y="1152144"/>
+            <a:ext cx="1907418" cy="3156087"/>
           </a:xfrm>
           <a:prstGeom prst="rect">
             <a:avLst/>
@@ -16829,152 +18599,6 @@
         </p:nvSpPr>
         <p:spPr>
           <a:xfrm rot="16200000">
-            <a:off x="-1831283" y="1725122"/>
-            <a:ext cx="4414392" cy="751823"/>
-          </a:xfrm>
-        </p:spPr>
-        <p:txBody>
-          <a:bodyPr>
-            <a:normAutofit fontScale="90000"/>
-          </a:bodyPr>
-          <a:lstStyle/>
-          <a:p>
-            <a:r>
-              <a:rPr lang="it-IT" dirty="0">
-                <a:solidFill>
-                  <a:srgbClr val="F8B323"/>
-                </a:solidFill>
-              </a:rPr>
-              <a:t>Use case model</a:t>
-            </a:r>
-          </a:p>
-        </p:txBody>
-      </p:sp>
-      <p:sp>
-        <p:nvSpPr>
-          <p:cNvPr id="3" name="Segnaposto contenuto 2">
-            <a:extLst>
-              <a:ext uri="{FF2B5EF4-FFF2-40B4-BE49-F238E27FC236}">
-                <a16:creationId xmlns:a16="http://schemas.microsoft.com/office/drawing/2014/main" id="{0D1F4823-2969-402A-86AF-FE8D80B3F521}"/>
-              </a:ext>
-            </a:extLst>
-          </p:cNvPr>
-          <p:cNvSpPr>
-            <a:spLocks noGrp="1"/>
-          </p:cNvSpPr>
-          <p:nvPr>
-            <p:ph idx="1"/>
-          </p:nvPr>
-        </p:nvSpPr>
-        <p:spPr>
-          <a:xfrm>
-            <a:off x="1251678" y="328473"/>
-            <a:ext cx="3258178" cy="5551119"/>
-          </a:xfrm>
-        </p:spPr>
-        <p:txBody>
-          <a:bodyPr/>
-          <a:lstStyle/>
-          <a:p>
-            <a:r>
-              <a:rPr lang="it-IT" dirty="0"/>
-              <a:t>Un esempio di Use Case </a:t>
-            </a:r>
-            <a:r>
-              <a:rPr lang="it-IT" dirty="0" err="1"/>
-              <a:t>Diagram</a:t>
-            </a:r>
-            <a:r>
-              <a:rPr lang="it-IT" dirty="0"/>
-              <a:t> relativo alle funzioni dell’ admin.</a:t>
-            </a:r>
-          </a:p>
-        </p:txBody>
-      </p:sp>
-      <p:pic>
-        <p:nvPicPr>
-          <p:cNvPr id="5" name="Immagine 4">
-            <a:extLst>
-              <a:ext uri="{FF2B5EF4-FFF2-40B4-BE49-F238E27FC236}">
-                <a16:creationId xmlns:a16="http://schemas.microsoft.com/office/drawing/2014/main" id="{B0242D41-856A-4802-AD8A-95C2B7FEB2A3}"/>
-              </a:ext>
-            </a:extLst>
-          </p:cNvPr>
-          <p:cNvPicPr>
-            <a:picLocks noChangeAspect="1"/>
-          </p:cNvPicPr>
-          <p:nvPr/>
-        </p:nvPicPr>
-        <p:blipFill>
-          <a:blip r:embed="rId2">
-            <a:extLst>
-              <a:ext uri="{28A0092B-C50C-407E-A947-70E740481C1C}">
-                <a14:useLocalDpi xmlns:a14="http://schemas.microsoft.com/office/drawing/2010/main" val="0"/>
-              </a:ext>
-            </a:extLst>
-          </a:blip>
-          <a:stretch>
-            <a:fillRect/>
-          </a:stretch>
-        </p:blipFill>
-        <p:spPr>
-          <a:xfrm>
-            <a:off x="4753391" y="328473"/>
-            <a:ext cx="6676609" cy="4261282"/>
-          </a:xfrm>
-          <a:prstGeom prst="rect">
-            <a:avLst/>
-          </a:prstGeom>
-        </p:spPr>
-      </p:pic>
-    </p:spTree>
-    <p:extLst>
-      <p:ext uri="{BB962C8B-B14F-4D97-AF65-F5344CB8AC3E}">
-        <p14:creationId xmlns:p14="http://schemas.microsoft.com/office/powerpoint/2010/main" val="117027741"/>
-      </p:ext>
-    </p:extLst>
-  </p:cSld>
-  <p:clrMapOvr>
-    <a:masterClrMapping/>
-  </p:clrMapOvr>
-</p:sld>
-</file>
-
-<file path=ppt/slides/slide7.xml><?xml version="1.0" encoding="utf-8"?>
-<p:sld xmlns:a="http://schemas.openxmlformats.org/drawingml/2006/main" xmlns:r="http://schemas.openxmlformats.org/officeDocument/2006/relationships" xmlns:p="http://schemas.openxmlformats.org/presentationml/2006/main">
-  <p:cSld>
-    <p:spTree>
-      <p:nvGrpSpPr>
-        <p:cNvPr id="1" name=""/>
-        <p:cNvGrpSpPr/>
-        <p:nvPr/>
-      </p:nvGrpSpPr>
-      <p:grpSpPr>
-        <a:xfrm>
-          <a:off x="0" y="0"/>
-          <a:ext cx="0" cy="0"/>
-          <a:chOff x="0" y="0"/>
-          <a:chExt cx="0" cy="0"/>
-        </a:xfrm>
-      </p:grpSpPr>
-      <p:sp>
-        <p:nvSpPr>
-          <p:cNvPr id="2" name="Titolo 1">
-            <a:extLst>
-              <a:ext uri="{FF2B5EF4-FFF2-40B4-BE49-F238E27FC236}">
-                <a16:creationId xmlns:a16="http://schemas.microsoft.com/office/drawing/2014/main" id="{B091881F-E104-4A2A-A90F-E9C96E8E73B4}"/>
-              </a:ext>
-            </a:extLst>
-          </p:cNvPr>
-          <p:cNvSpPr>
-            <a:spLocks noGrp="1"/>
-          </p:cNvSpPr>
-          <p:nvPr>
-            <p:ph type="title"/>
-          </p:nvPr>
-        </p:nvSpPr>
-        <p:spPr>
-          <a:xfrm rot="16200000">
             <a:off x="-3009126" y="3009125"/>
             <a:ext cx="6770076" cy="751823"/>
           </a:xfrm>
@@ -17046,7 +18670,7 @@
 </p:sld>
 </file>
 
-<file path=ppt/slides/slide8.xml><?xml version="1.0" encoding="utf-8"?>
+<file path=ppt/slides/slide7.xml><?xml version="1.0" encoding="utf-8"?>
 <p:sld xmlns:a="http://schemas.openxmlformats.org/drawingml/2006/main" xmlns:r="http://schemas.openxmlformats.org/officeDocument/2006/relationships" xmlns:p="http://schemas.openxmlformats.org/presentationml/2006/main">
   <p:cSld>
     <p:spTree>
@@ -17152,6 +18776,127 @@
 </p:sld>
 </file>
 
+<file path=ppt/slides/slide8.xml><?xml version="1.0" encoding="utf-8"?>
+<p:sld xmlns:a="http://schemas.openxmlformats.org/drawingml/2006/main" xmlns:r="http://schemas.openxmlformats.org/officeDocument/2006/relationships" xmlns:p="http://schemas.openxmlformats.org/presentationml/2006/main">
+  <p:cSld>
+    <p:spTree>
+      <p:nvGrpSpPr>
+        <p:cNvPr id="1" name=""/>
+        <p:cNvGrpSpPr/>
+        <p:nvPr/>
+      </p:nvGrpSpPr>
+      <p:grpSpPr>
+        <a:xfrm>
+          <a:off x="0" y="0"/>
+          <a:ext cx="0" cy="0"/>
+          <a:chOff x="0" y="0"/>
+          <a:chExt cx="0" cy="0"/>
+        </a:xfrm>
+      </p:grpSpPr>
+      <p:sp>
+        <p:nvSpPr>
+          <p:cNvPr id="2" name="Titolo 1">
+            <a:extLst>
+              <a:ext uri="{FF2B5EF4-FFF2-40B4-BE49-F238E27FC236}">
+                <a16:creationId xmlns:a16="http://schemas.microsoft.com/office/drawing/2014/main" id="{B091881F-E104-4A2A-A90F-E9C96E8E73B4}"/>
+              </a:ext>
+            </a:extLst>
+          </p:cNvPr>
+          <p:cNvSpPr>
+            <a:spLocks noGrp="1"/>
+          </p:cNvSpPr>
+          <p:nvPr>
+            <p:ph type="title"/>
+          </p:nvPr>
+        </p:nvSpPr>
+        <p:spPr>
+          <a:xfrm rot="16200000">
+            <a:off x="-2890757" y="2890759"/>
+            <a:ext cx="6533338" cy="751823"/>
+          </a:xfrm>
+        </p:spPr>
+        <p:txBody>
+          <a:bodyPr>
+            <a:normAutofit fontScale="90000"/>
+          </a:bodyPr>
+          <a:lstStyle/>
+          <a:p>
+            <a:pPr algn="r"/>
+            <a:r>
+              <a:rPr lang="it-IT" dirty="0" err="1">
+                <a:solidFill>
+                  <a:srgbClr val="F8B323"/>
+                </a:solidFill>
+              </a:rPr>
+              <a:t>Sequence</a:t>
+            </a:r>
+            <a:r>
+              <a:rPr lang="it-IT" dirty="0">
+                <a:solidFill>
+                  <a:srgbClr val="F8B323"/>
+                </a:solidFill>
+              </a:rPr>
+              <a:t> </a:t>
+            </a:r>
+            <a:r>
+              <a:rPr lang="it-IT" dirty="0" err="1">
+                <a:solidFill>
+                  <a:srgbClr val="F8B323"/>
+                </a:solidFill>
+              </a:rPr>
+              <a:t>diagram</a:t>
+            </a:r>
+            <a:endParaRPr lang="it-IT" dirty="0">
+              <a:solidFill>
+                <a:srgbClr val="F8B323"/>
+              </a:solidFill>
+            </a:endParaRPr>
+          </a:p>
+        </p:txBody>
+      </p:sp>
+      <p:pic>
+        <p:nvPicPr>
+          <p:cNvPr id="7" name="image14.png">
+            <a:extLst>
+              <a:ext uri="{FF2B5EF4-FFF2-40B4-BE49-F238E27FC236}">
+                <a16:creationId xmlns:a16="http://schemas.microsoft.com/office/drawing/2014/main" id="{704498A1-FB6E-4B3B-A9CD-3C9B6B58BC43}"/>
+              </a:ext>
+            </a:extLst>
+          </p:cNvPr>
+          <p:cNvPicPr/>
+          <p:nvPr/>
+        </p:nvPicPr>
+        <p:blipFill>
+          <a:blip r:embed="rId2"/>
+          <a:srcRect/>
+          <a:stretch>
+            <a:fillRect/>
+          </a:stretch>
+        </p:blipFill>
+        <p:spPr>
+          <a:xfrm>
+            <a:off x="996462" y="575568"/>
+            <a:ext cx="10395536" cy="5706863"/>
+          </a:xfrm>
+          <a:prstGeom prst="rect">
+            <a:avLst/>
+          </a:prstGeom>
+          <a:ln/>
+        </p:spPr>
+      </p:pic>
+    </p:spTree>
+    <p:extLst>
+      <p:ext uri="{BB962C8B-B14F-4D97-AF65-F5344CB8AC3E}">
+        <p14:creationId xmlns:p14="http://schemas.microsoft.com/office/powerpoint/2010/main" val="3285800659"/>
+      </p:ext>
+    </p:extLst>
+  </p:cSld>
+  <p:clrMapOvr>
+    <a:masterClrMapping/>
+  </p:clrMapOvr>
+</p:sld>
+</file>
+
 <file path=ppt/slides/slide9.xml><?xml version="1.0" encoding="utf-8"?>
 <p:sld xmlns:a="http://schemas.openxmlformats.org/drawingml/2006/main" xmlns:r="http://schemas.openxmlformats.org/officeDocument/2006/relationships" xmlns:p="http://schemas.openxmlformats.org/presentationml/2006/main">
   <p:cSld>
@@ -17187,8 +18932,8 @@
         </p:nvSpPr>
         <p:spPr>
           <a:xfrm rot="16200000">
-            <a:off x="-2520098" y="2530276"/>
-            <a:ext cx="5812372" cy="751823"/>
+            <a:off x="-1352101" y="1245943"/>
+            <a:ext cx="3456034" cy="751823"/>
           </a:xfrm>
         </p:spPr>
         <p:txBody>
@@ -17197,24 +18942,23 @@
           </a:bodyPr>
           <a:lstStyle/>
           <a:p>
-            <a:pPr algn="r"/>
             <a:r>
               <a:rPr lang="it-IT" dirty="0">
                 <a:solidFill>
                   <a:srgbClr val="F8B323"/>
                 </a:solidFill>
               </a:rPr>
-              <a:t>Modello ad oggetti</a:t>
+              <a:t>Design goal</a:t>
             </a:r>
           </a:p>
         </p:txBody>
       </p:sp>
       <p:graphicFrame>
         <p:nvGraphicFramePr>
-          <p:cNvPr id="6" name="Tabella 5">
+          <p:cNvPr id="4" name="Tabella 4">
             <a:extLst>
               <a:ext uri="{FF2B5EF4-FFF2-40B4-BE49-F238E27FC236}">
-                <a16:creationId xmlns:a16="http://schemas.microsoft.com/office/drawing/2014/main" id="{3A821D78-CE08-4B14-9585-4DCF93A62E0D}"/>
+                <a16:creationId xmlns:a16="http://schemas.microsoft.com/office/drawing/2014/main" id="{A36F592A-8CEB-4120-A378-DDE43308102E}"/>
               </a:ext>
             </a:extLst>
           </p:cNvPr>
@@ -17224,1973 +18968,772 @@
           <p:nvPr>
             <p:extLst>
               <p:ext uri="{D42A27DB-BD31-4B8C-83A1-F6EECF244321}">
-                <p14:modId xmlns:p14="http://schemas.microsoft.com/office/powerpoint/2010/main" val="1108482462"/>
+                <p14:modId xmlns:p14="http://schemas.microsoft.com/office/powerpoint/2010/main" val="2476777713"/>
               </p:ext>
             </p:extLst>
           </p:nvPr>
         </p:nvGraphicFramePr>
         <p:xfrm>
-          <a:off x="1375014" y="321249"/>
-          <a:ext cx="10112350" cy="5842159"/>
+          <a:off x="3231147" y="80056"/>
+          <a:ext cx="6237705" cy="6697888"/>
         </p:xfrm>
         <a:graphic>
           <a:graphicData uri="http://schemas.openxmlformats.org/drawingml/2006/table">
             <a:tbl>
-              <a:tblPr bandRow="1"/>
+              <a:tblPr firstRow="1" bandRow="1">
+                <a:tableStyleId>{5C22544A-7EE6-4342-B048-85BDC9FD1C3A}</a:tableStyleId>
+              </a:tblPr>
               <a:tblGrid>
-                <a:gridCol w="2986705">
+                <a:gridCol w="1884649">
                   <a:extLst>
                     <a:ext uri="{9D8B030D-6E8A-4147-A177-3AD203B41FA5}">
-                      <a16:colId xmlns:a16="http://schemas.microsoft.com/office/drawing/2014/main" val="4142319615"/>
+                      <a16:colId xmlns:a16="http://schemas.microsoft.com/office/drawing/2014/main" val="2778121603"/>
                     </a:ext>
                   </a:extLst>
                 </a:gridCol>
-                <a:gridCol w="1349325">
+                <a:gridCol w="4353056">
                   <a:extLst>
                     <a:ext uri="{9D8B030D-6E8A-4147-A177-3AD203B41FA5}">
-                      <a16:colId xmlns:a16="http://schemas.microsoft.com/office/drawing/2014/main" val="2493896501"/>
-                    </a:ext>
-                  </a:extLst>
-                </a:gridCol>
-                <a:gridCol w="5776320">
-                  <a:extLst>
-                    <a:ext uri="{9D8B030D-6E8A-4147-A177-3AD203B41FA5}">
-                      <a16:colId xmlns:a16="http://schemas.microsoft.com/office/drawing/2014/main" val="7314326"/>
+                      <a16:colId xmlns:a16="http://schemas.microsoft.com/office/drawing/2014/main" val="2964520572"/>
                     </a:ext>
                   </a:extLst>
                 </a:gridCol>
               </a:tblGrid>
-              <a:tr h="545791">
+              <a:tr h="246808">
+                <a:tc gridSpan="2">
+                  <a:txBody>
+                    <a:bodyPr/>
+                    <a:lstStyle/>
+                    <a:p>
+                      <a:r>
+                        <a:rPr lang="it-IT" sz="1200" dirty="0">
+                          <a:solidFill>
+                            <a:schemeClr val="bg1"/>
+                          </a:solidFill>
+                        </a:rPr>
+                        <a:t>Performance</a:t>
+                      </a:r>
+                    </a:p>
+                  </a:txBody>
+                  <a:tcPr marL="58639" marR="58639" marT="29320" marB="29320"/>
+                </a:tc>
+                <a:tc hMerge="1">
+                  <a:txBody>
+                    <a:bodyPr/>
+                    <a:lstStyle/>
+                    <a:p>
+                      <a:endParaRPr lang="it-IT"/>
+                    </a:p>
+                  </a:txBody>
+                  <a:tcPr/>
+                </a:tc>
+                <a:extLst>
+                  <a:ext uri="{0D108BD9-81ED-4DB2-BD59-A6C34878D82A}">
+                    <a16:rowId xmlns:a16="http://schemas.microsoft.com/office/drawing/2014/main" val="4123784146"/>
+                  </a:ext>
+                </a:extLst>
+              </a:tr>
+              <a:tr h="586392">
                 <a:tc>
                   <a:txBody>
                     <a:bodyPr/>
                     <a:lstStyle/>
                     <a:p>
-                      <a:pPr marL="0" marR="0">
-                        <a:spcBef>
-                          <a:spcPts val="0"/>
-                        </a:spcBef>
-                        <a:spcAft>
-                          <a:spcPts val="0"/>
-                        </a:spcAft>
-                      </a:pPr>
-                      <a:r>
-                        <a:rPr lang="it-IT" sz="2000" b="1">
-                          <a:solidFill>
-                            <a:srgbClr val="FFFFFF"/>
-                          </a:solidFill>
-                          <a:effectLst/>
-                          <a:latin typeface="Century Gothic" panose="020B0502020202020204" pitchFamily="34" charset="0"/>
-                          <a:ea typeface="Century Gothic" panose="020B0502020202020204" pitchFamily="34" charset="0"/>
-                          <a:cs typeface="Century Gothic" panose="020B0502020202020204" pitchFamily="34" charset="0"/>
-                        </a:rPr>
-                        <a:t>Nome Oggetto</a:t>
-                      </a:r>
-                      <a:endParaRPr lang="it-IT" sz="2000">
-                        <a:effectLst/>
-                        <a:latin typeface="Times New Roman" panose="02020603050405020304" pitchFamily="18" charset="0"/>
-                        <a:ea typeface="Times New Roman" panose="02020603050405020304" pitchFamily="18" charset="0"/>
-                      </a:endParaRPr>
+                      <a:pPr algn="l"/>
+                      <a:r>
+                        <a:rPr lang="it-IT" sz="1200" dirty="0"/>
+                        <a:t>Tempo di risposta</a:t>
+                      </a:r>
                     </a:p>
                   </a:txBody>
-                  <a:tcPr marL="101072" marR="101072" marT="101072" marB="101072">
-                    <a:lnL w="12700" cap="flat" cmpd="sng" algn="ctr">
-                      <a:solidFill>
-                        <a:srgbClr val="000000"/>
-                      </a:solidFill>
-                      <a:prstDash val="solid"/>
-                      <a:round/>
-                      <a:headEnd type="none" w="med" len="med"/>
-                      <a:tailEnd type="none" w="med" len="med"/>
-                    </a:lnL>
-                    <a:lnR w="12700" cap="flat" cmpd="sng" algn="ctr">
-                      <a:solidFill>
-                        <a:srgbClr val="000000"/>
-                      </a:solidFill>
-                      <a:prstDash val="solid"/>
-                      <a:round/>
-                      <a:headEnd type="none" w="med" len="med"/>
-                      <a:tailEnd type="none" w="med" len="med"/>
-                    </a:lnR>
-                    <a:lnT w="12700" cap="flat" cmpd="sng" algn="ctr">
-                      <a:solidFill>
-                        <a:srgbClr val="000000"/>
-                      </a:solidFill>
-                      <a:prstDash val="solid"/>
-                      <a:round/>
-                      <a:headEnd type="none" w="med" len="med"/>
-                      <a:tailEnd type="none" w="med" len="med"/>
-                    </a:lnT>
-                    <a:lnB w="12700" cap="flat" cmpd="sng" algn="ctr">
-                      <a:solidFill>
-                        <a:srgbClr val="000000"/>
-                      </a:solidFill>
-                      <a:prstDash val="solid"/>
-                      <a:round/>
-                      <a:headEnd type="none" w="med" len="med"/>
-                      <a:tailEnd type="none" w="med" len="med"/>
-                    </a:lnB>
-                    <a:solidFill>
-                      <a:srgbClr val="0070C0"/>
-                    </a:solidFill>
-                  </a:tcPr>
+                  <a:tcPr marL="58639" marR="58639" marT="29320" marB="29320" anchor="ctr"/>
                 </a:tc>
                 <a:tc>
                   <a:txBody>
                     <a:bodyPr/>
                     <a:lstStyle/>
                     <a:p>
-                      <a:pPr marL="0" marR="0">
-                        <a:spcBef>
-                          <a:spcPts val="0"/>
-                        </a:spcBef>
-                        <a:spcAft>
-                          <a:spcPts val="0"/>
-                        </a:spcAft>
-                      </a:pPr>
-                      <a:r>
-                        <a:rPr lang="it-IT" sz="2000" b="1">
-                          <a:solidFill>
-                            <a:srgbClr val="FFFFFF"/>
-                          </a:solidFill>
-                          <a:effectLst/>
-                          <a:latin typeface="Century Gothic" panose="020B0502020202020204" pitchFamily="34" charset="0"/>
-                          <a:ea typeface="Century Gothic" panose="020B0502020202020204" pitchFamily="34" charset="0"/>
-                          <a:cs typeface="Century Gothic" panose="020B0502020202020204" pitchFamily="34" charset="0"/>
-                        </a:rPr>
-                        <a:t>Tipologia</a:t>
-                      </a:r>
-                      <a:endParaRPr lang="it-IT" sz="2000">
-                        <a:effectLst/>
-                        <a:latin typeface="Times New Roman" panose="02020603050405020304" pitchFamily="18" charset="0"/>
-                        <a:ea typeface="Times New Roman" panose="02020603050405020304" pitchFamily="18" charset="0"/>
-                      </a:endParaRPr>
+                      <a:pPr algn="l"/>
+                      <a:r>
+                        <a:rPr lang="it-IT" sz="1200" dirty="0"/>
+                        <a:t>Per il requisito non funzionale (RNF-P1) il sistema deve consentire una navigazione rapida agni utenti, per cui i tempi di risposta dovranno essere minimi.</a:t>
+                      </a:r>
                     </a:p>
                   </a:txBody>
-                  <a:tcPr marL="101072" marR="101072" marT="101072" marB="101072">
-                    <a:lnL w="12700" cap="flat" cmpd="sng" algn="ctr">
-                      <a:solidFill>
-                        <a:srgbClr val="000000"/>
-                      </a:solidFill>
-                      <a:prstDash val="solid"/>
-                      <a:round/>
-                      <a:headEnd type="none" w="med" len="med"/>
-                      <a:tailEnd type="none" w="med" len="med"/>
-                    </a:lnL>
-                    <a:lnR w="12700" cap="flat" cmpd="sng" algn="ctr">
-                      <a:solidFill>
-                        <a:srgbClr val="000000"/>
-                      </a:solidFill>
-                      <a:prstDash val="solid"/>
-                      <a:round/>
-                      <a:headEnd type="none" w="med" len="med"/>
-                      <a:tailEnd type="none" w="med" len="med"/>
-                    </a:lnR>
-                    <a:lnT w="12700" cap="flat" cmpd="sng" algn="ctr">
-                      <a:solidFill>
-                        <a:srgbClr val="000000"/>
-                      </a:solidFill>
-                      <a:prstDash val="solid"/>
-                      <a:round/>
-                      <a:headEnd type="none" w="med" len="med"/>
-                      <a:tailEnd type="none" w="med" len="med"/>
-                    </a:lnT>
-                    <a:lnB w="12700" cap="flat" cmpd="sng" algn="ctr">
-                      <a:solidFill>
-                        <a:srgbClr val="000000"/>
-                      </a:solidFill>
-                      <a:prstDash val="solid"/>
-                      <a:round/>
-                      <a:headEnd type="none" w="med" len="med"/>
-                      <a:tailEnd type="none" w="med" len="med"/>
-                    </a:lnB>
-                    <a:solidFill>
-                      <a:srgbClr val="0070C0"/>
-                    </a:solidFill>
-                  </a:tcPr>
+                  <a:tcPr marL="58639" marR="58639" marT="29320" marB="29320"/>
+                </a:tc>
+                <a:extLst>
+                  <a:ext uri="{0D108BD9-81ED-4DB2-BD59-A6C34878D82A}">
+                    <a16:rowId xmlns:a16="http://schemas.microsoft.com/office/drawing/2014/main" val="2814230783"/>
+                  </a:ext>
+                </a:extLst>
+              </a:tr>
+              <a:tr h="410475">
+                <a:tc>
+                  <a:txBody>
+                    <a:bodyPr/>
+                    <a:lstStyle/>
+                    <a:p>
+                      <a:r>
+                        <a:rPr lang="it-IT" sz="1200" dirty="0"/>
+                        <a:t>Throughput</a:t>
+                      </a:r>
+                    </a:p>
+                  </a:txBody>
+                  <a:tcPr marL="58639" marR="58639" marT="29320" marB="29320" anchor="ctr"/>
                 </a:tc>
                 <a:tc>
                   <a:txBody>
                     <a:bodyPr/>
                     <a:lstStyle/>
                     <a:p>
-                      <a:pPr marL="0" marR="0">
-                        <a:spcBef>
-                          <a:spcPts val="0"/>
-                        </a:spcBef>
-                        <a:spcAft>
-                          <a:spcPts val="0"/>
-                        </a:spcAft>
-                      </a:pPr>
-                      <a:r>
-                        <a:rPr lang="it-IT" sz="2000" b="1">
+                      <a:r>
+                        <a:rPr lang="it-IT" sz="1200" dirty="0"/>
+                        <a:t>Essendo la piattaforma basata su un e-commerce sarà necessario che più utenti possano connettersi contemporaneamente al sistema.</a:t>
+                      </a:r>
+                    </a:p>
+                  </a:txBody>
+                  <a:tcPr marL="58639" marR="58639" marT="29320" marB="29320"/>
+                </a:tc>
+                <a:extLst>
+                  <a:ext uri="{0D108BD9-81ED-4DB2-BD59-A6C34878D82A}">
+                    <a16:rowId xmlns:a16="http://schemas.microsoft.com/office/drawing/2014/main" val="1135556011"/>
+                  </a:ext>
+                </a:extLst>
+              </a:tr>
+              <a:tr h="246808">
+                <a:tc gridSpan="2">
+                  <a:txBody>
+                    <a:bodyPr/>
+                    <a:lstStyle/>
+                    <a:p>
+                      <a:r>
+                        <a:rPr lang="it-IT" sz="1200" b="1" kern="1200" dirty="0">
                           <a:solidFill>
-                            <a:srgbClr val="FFFFFF"/>
+                            <a:schemeClr val="lt1"/>
                           </a:solidFill>
-                          <a:effectLst/>
-                          <a:latin typeface="Century Gothic" panose="020B0502020202020204" pitchFamily="34" charset="0"/>
-                          <a:ea typeface="Century Gothic" panose="020B0502020202020204" pitchFamily="34" charset="0"/>
-                          <a:cs typeface="Century Gothic" panose="020B0502020202020204" pitchFamily="34" charset="0"/>
-                        </a:rPr>
-                        <a:t>Descrizione</a:t>
-                      </a:r>
-                      <a:endParaRPr lang="it-IT" sz="2000">
-                        <a:effectLst/>
-                        <a:latin typeface="Times New Roman" panose="02020603050405020304" pitchFamily="18" charset="0"/>
-                        <a:ea typeface="Times New Roman" panose="02020603050405020304" pitchFamily="18" charset="0"/>
+                          <a:latin typeface="+mn-lt"/>
+                          <a:ea typeface="+mn-ea"/>
+                          <a:cs typeface="+mn-cs"/>
+                        </a:rPr>
+                        <a:t>Affidabilità</a:t>
+                      </a:r>
+                    </a:p>
+                  </a:txBody>
+                  <a:tcPr marL="58639" marR="58639" marT="29320" marB="29320">
+                    <a:solidFill>
+                      <a:srgbClr val="F8B323"/>
+                    </a:solidFill>
+                  </a:tcPr>
+                </a:tc>
+                <a:tc hMerge="1">
+                  <a:txBody>
+                    <a:bodyPr/>
+                    <a:lstStyle/>
+                    <a:p>
+                      <a:endParaRPr lang="it-IT"/>
+                    </a:p>
+                  </a:txBody>
+                  <a:tcPr/>
+                </a:tc>
+                <a:extLst>
+                  <a:ext uri="{0D108BD9-81ED-4DB2-BD59-A6C34878D82A}">
+                    <a16:rowId xmlns:a16="http://schemas.microsoft.com/office/drawing/2014/main" val="3266360589"/>
+                  </a:ext>
+                </a:extLst>
+              </a:tr>
+              <a:tr h="586392">
+                <a:tc>
+                  <a:txBody>
+                    <a:bodyPr/>
+                    <a:lstStyle/>
+                    <a:p>
+                      <a:r>
+                        <a:rPr lang="it-IT" sz="1200" i="0" kern="1200" dirty="0">
+                          <a:solidFill>
+                            <a:schemeClr val="dk1"/>
+                          </a:solidFill>
+                          <a:effectLst/>
+                          <a:latin typeface="+mn-lt"/>
+                          <a:ea typeface="+mn-ea"/>
+                          <a:cs typeface="+mn-cs"/>
+                        </a:rPr>
+                        <a:t>Robusto</a:t>
+                      </a:r>
+                      <a:endParaRPr lang="it-IT" sz="1200" i="0" dirty="0">
+                        <a:latin typeface="+mn-lt"/>
                       </a:endParaRPr>
                     </a:p>
                   </a:txBody>
-                  <a:tcPr marL="101072" marR="101072" marT="101072" marB="101072">
-                    <a:lnL w="12700" cap="flat" cmpd="sng" algn="ctr">
-                      <a:solidFill>
-                        <a:srgbClr val="000000"/>
-                      </a:solidFill>
-                      <a:prstDash val="solid"/>
-                      <a:round/>
-                      <a:headEnd type="none" w="med" len="med"/>
-                      <a:tailEnd type="none" w="med" len="med"/>
-                    </a:lnL>
-                    <a:lnR w="12700" cap="flat" cmpd="sng" algn="ctr">
-                      <a:solidFill>
-                        <a:srgbClr val="000000"/>
-                      </a:solidFill>
-                      <a:prstDash val="solid"/>
-                      <a:round/>
-                      <a:headEnd type="none" w="med" len="med"/>
-                      <a:tailEnd type="none" w="med" len="med"/>
-                    </a:lnR>
-                    <a:lnT w="12700" cap="flat" cmpd="sng" algn="ctr">
-                      <a:solidFill>
-                        <a:srgbClr val="000000"/>
-                      </a:solidFill>
-                      <a:prstDash val="solid"/>
-                      <a:round/>
-                      <a:headEnd type="none" w="med" len="med"/>
-                      <a:tailEnd type="none" w="med" len="med"/>
-                    </a:lnT>
-                    <a:lnB w="12700" cap="flat" cmpd="sng" algn="ctr">
-                      <a:solidFill>
-                        <a:srgbClr val="000000"/>
-                      </a:solidFill>
-                      <a:prstDash val="solid"/>
-                      <a:round/>
-                      <a:headEnd type="none" w="med" len="med"/>
-                      <a:tailEnd type="none" w="med" len="med"/>
-                    </a:lnB>
+                  <a:tcPr marL="58639" marR="58639" marT="29320" marB="29320" anchor="ctr"/>
+                </a:tc>
+                <a:tc>
+                  <a:txBody>
+                    <a:bodyPr/>
+                    <a:lstStyle/>
+                    <a:p>
+                      <a:r>
+                        <a:rPr lang="it-IT" sz="1200" i="0" dirty="0">
+                          <a:latin typeface="+mn-lt"/>
+                        </a:rPr>
+                        <a:t>Per facilitare gli acquisti sarà necessario guidare l’utente durante la fase di acquisto al fine di minimizzare eventuali errori involontari e stimolando l’utente a continuare ad acquistare sulla piattaforma.</a:t>
+                      </a:r>
+                    </a:p>
+                  </a:txBody>
+                  <a:tcPr marL="58639" marR="58639" marT="29320" marB="29320"/>
+                </a:tc>
+                <a:extLst>
+                  <a:ext uri="{0D108BD9-81ED-4DB2-BD59-A6C34878D82A}">
+                    <a16:rowId xmlns:a16="http://schemas.microsoft.com/office/drawing/2014/main" val="4192420811"/>
+                  </a:ext>
+                </a:extLst>
+              </a:tr>
+              <a:tr h="410475">
+                <a:tc>
+                  <a:txBody>
+                    <a:bodyPr/>
+                    <a:lstStyle/>
+                    <a:p>
+                      <a:r>
+                        <a:rPr lang="it-IT" sz="1200" i="0" kern="1200" dirty="0">
+                          <a:solidFill>
+                            <a:schemeClr val="dk1"/>
+                          </a:solidFill>
+                          <a:effectLst/>
+                          <a:latin typeface="+mn-lt"/>
+                          <a:ea typeface="+mn-ea"/>
+                          <a:cs typeface="+mn-cs"/>
+                        </a:rPr>
+                        <a:t>Disponibile</a:t>
+                      </a:r>
+                      <a:endParaRPr lang="it-IT" sz="1200" i="0" dirty="0">
+                        <a:latin typeface="+mn-lt"/>
+                      </a:endParaRPr>
+                    </a:p>
+                  </a:txBody>
+                  <a:tcPr marL="58639" marR="58639" marT="29320" marB="29320" anchor="ctr"/>
+                </a:tc>
+                <a:tc>
+                  <a:txBody>
+                    <a:bodyPr/>
+                    <a:lstStyle/>
+                    <a:p>
+                      <a:r>
+                        <a:rPr lang="it-IT" sz="1200" i="0" dirty="0">
+                          <a:latin typeface="+mn-lt"/>
+                        </a:rPr>
+                        <a:t>Essendo il sito installato su un server esterno sarà possibile mantenerlo operativo 24h su 24, ad eccezione per la manutenzione.</a:t>
+                      </a:r>
+                    </a:p>
+                  </a:txBody>
+                  <a:tcPr marL="58639" marR="58639" marT="29320" marB="29320"/>
+                </a:tc>
+                <a:extLst>
+                  <a:ext uri="{0D108BD9-81ED-4DB2-BD59-A6C34878D82A}">
+                    <a16:rowId xmlns:a16="http://schemas.microsoft.com/office/drawing/2014/main" val="3518037723"/>
+                  </a:ext>
+                </a:extLst>
+              </a:tr>
+              <a:tr h="410475">
+                <a:tc>
+                  <a:txBody>
+                    <a:bodyPr/>
+                    <a:lstStyle/>
+                    <a:p>
+                      <a:r>
+                        <a:rPr lang="it-IT" sz="1200" i="0" kern="1200" dirty="0">
+                          <a:solidFill>
+                            <a:schemeClr val="dk1"/>
+                          </a:solidFill>
+                          <a:effectLst/>
+                          <a:latin typeface="+mn-lt"/>
+                          <a:ea typeface="+mn-ea"/>
+                          <a:cs typeface="+mn-cs"/>
+                        </a:rPr>
+                        <a:t>Tolleranza ai guasti</a:t>
+                      </a:r>
+                      <a:endParaRPr lang="it-IT" sz="1200" i="0" dirty="0">
+                        <a:latin typeface="+mn-lt"/>
+                      </a:endParaRPr>
+                    </a:p>
+                  </a:txBody>
+                  <a:tcPr marL="58639" marR="58639" marT="29320" marB="29320" anchor="ctr"/>
+                </a:tc>
+                <a:tc>
+                  <a:txBody>
+                    <a:bodyPr/>
+                    <a:lstStyle/>
+                    <a:p>
+                      <a:r>
+                        <a:rPr lang="it-IT" sz="1200" i="0" dirty="0">
+                          <a:latin typeface="+mn-lt"/>
+                        </a:rPr>
+                        <a:t>Al fine di evitare un crash del sistema sarà necessario avere una cerca qualità nella tolleranza ai guasti.</a:t>
+                      </a:r>
+                    </a:p>
+                  </a:txBody>
+                  <a:tcPr marL="58639" marR="58639" marT="29320" marB="29320"/>
+                </a:tc>
+                <a:extLst>
+                  <a:ext uri="{0D108BD9-81ED-4DB2-BD59-A6C34878D82A}">
+                    <a16:rowId xmlns:a16="http://schemas.microsoft.com/office/drawing/2014/main" val="250494413"/>
+                  </a:ext>
+                </a:extLst>
+              </a:tr>
+              <a:tr h="410475">
+                <a:tc>
+                  <a:txBody>
+                    <a:bodyPr/>
+                    <a:lstStyle/>
+                    <a:p>
+                      <a:r>
+                        <a:rPr lang="it-IT" sz="1200" i="0" kern="1200" dirty="0">
+                          <a:solidFill>
+                            <a:schemeClr val="dk1"/>
+                          </a:solidFill>
+                          <a:effectLst/>
+                          <a:latin typeface="+mn-lt"/>
+                          <a:ea typeface="+mn-ea"/>
+                          <a:cs typeface="+mn-cs"/>
+                        </a:rPr>
+                        <a:t>Sicurezza</a:t>
+                      </a:r>
+                      <a:endParaRPr lang="it-IT" sz="1200" i="0" dirty="0">
+                        <a:latin typeface="+mn-lt"/>
+                      </a:endParaRPr>
+                    </a:p>
+                  </a:txBody>
+                  <a:tcPr marL="58639" marR="58639" marT="29320" marB="29320" anchor="ctr"/>
+                </a:tc>
+                <a:tc>
+                  <a:txBody>
+                    <a:bodyPr/>
+                    <a:lstStyle/>
+                    <a:p>
+                      <a:r>
+                        <a:rPr lang="it-IT" sz="1200" i="0" dirty="0">
+                          <a:latin typeface="+mn-lt"/>
+                        </a:rPr>
+                        <a:t>Al fine di evitare fuoriuscita di dati sensibili dei utenti registrati, sarà necessario utilizzare un sistema di login.</a:t>
+                      </a:r>
+                    </a:p>
+                  </a:txBody>
+                  <a:tcPr marL="58639" marR="58639" marT="29320" marB="29320"/>
+                </a:tc>
+                <a:extLst>
+                  <a:ext uri="{0D108BD9-81ED-4DB2-BD59-A6C34878D82A}">
+                    <a16:rowId xmlns:a16="http://schemas.microsoft.com/office/drawing/2014/main" val="230225625"/>
+                  </a:ext>
+                </a:extLst>
+              </a:tr>
+              <a:tr h="246808">
+                <a:tc gridSpan="2">
+                  <a:txBody>
+                    <a:bodyPr/>
+                    <a:lstStyle/>
+                    <a:p>
+                      <a:r>
+                        <a:rPr lang="it-IT" sz="1200" i="0" dirty="0">
+                          <a:solidFill>
+                            <a:schemeClr val="bg1"/>
+                          </a:solidFill>
+                          <a:latin typeface="+mn-lt"/>
+                        </a:rPr>
+                        <a:t>Costi</a:t>
+                      </a:r>
+                    </a:p>
+                  </a:txBody>
+                  <a:tcPr marL="58639" marR="58639" marT="29320" marB="29320">
                     <a:solidFill>
-                      <a:srgbClr val="0070C0"/>
+                      <a:srgbClr val="F8B323"/>
+                    </a:solidFill>
+                  </a:tcPr>
+                </a:tc>
+                <a:tc hMerge="1">
+                  <a:txBody>
+                    <a:bodyPr/>
+                    <a:lstStyle/>
+                    <a:p>
+                      <a:endParaRPr lang="it-IT"/>
+                    </a:p>
+                  </a:txBody>
+                  <a:tcPr/>
+                </a:tc>
+                <a:extLst>
+                  <a:ext uri="{0D108BD9-81ED-4DB2-BD59-A6C34878D82A}">
+                    <a16:rowId xmlns:a16="http://schemas.microsoft.com/office/drawing/2014/main" val="2273683557"/>
+                  </a:ext>
+                </a:extLst>
+              </a:tr>
+              <a:tr h="410475">
+                <a:tc>
+                  <a:txBody>
+                    <a:bodyPr/>
+                    <a:lstStyle/>
+                    <a:p>
+                      <a:r>
+                        <a:rPr lang="it-IT" sz="1200" i="0" kern="1200" dirty="0">
+                          <a:solidFill>
+                            <a:schemeClr val="dk1"/>
+                          </a:solidFill>
+                          <a:effectLst/>
+                          <a:latin typeface="+mn-lt"/>
+                          <a:ea typeface="+mn-ea"/>
+                          <a:cs typeface="+mn-cs"/>
+                        </a:rPr>
+                        <a:t>Sviluppo</a:t>
+                      </a:r>
+                      <a:endParaRPr lang="it-IT" sz="1200" i="0" dirty="0">
+                        <a:latin typeface="+mn-lt"/>
+                      </a:endParaRPr>
+                    </a:p>
+                  </a:txBody>
+                  <a:tcPr marL="58639" marR="58639" marT="29320" marB="29320" anchor="ctr"/>
+                </a:tc>
+                <a:tc>
+                  <a:txBody>
+                    <a:bodyPr/>
+                    <a:lstStyle/>
+                    <a:p>
+                      <a:r>
+                        <a:rPr lang="it-IT" sz="1200" i="0" dirty="0">
+                          <a:latin typeface="+mn-lt"/>
+                        </a:rPr>
+                        <a:t>Si è ritenuto opportuno sviluppare il sistema sulla base di un costo complessivo di 200 ore.</a:t>
+                      </a:r>
+                    </a:p>
+                  </a:txBody>
+                  <a:tcPr marL="58639" marR="58639" marT="29320" marB="29320"/>
+                </a:tc>
+                <a:extLst>
+                  <a:ext uri="{0D108BD9-81ED-4DB2-BD59-A6C34878D82A}">
+                    <a16:rowId xmlns:a16="http://schemas.microsoft.com/office/drawing/2014/main" val="3450989563"/>
+                  </a:ext>
+                </a:extLst>
+              </a:tr>
+              <a:tr h="246808">
+                <a:tc gridSpan="2">
+                  <a:txBody>
+                    <a:bodyPr/>
+                    <a:lstStyle/>
+                    <a:p>
+                      <a:r>
+                        <a:rPr lang="it-IT" sz="1200" i="0" dirty="0">
+                          <a:solidFill>
+                            <a:schemeClr val="bg1"/>
+                          </a:solidFill>
+                          <a:latin typeface="+mn-lt"/>
+                        </a:rPr>
+                        <a:t>Manutenzione</a:t>
+                      </a:r>
+                    </a:p>
+                  </a:txBody>
+                  <a:tcPr marL="58639" marR="58639" marT="29320" marB="29320">
+                    <a:solidFill>
+                      <a:srgbClr val="F8B323"/>
+                    </a:solidFill>
+                  </a:tcPr>
+                </a:tc>
+                <a:tc hMerge="1">
+                  <a:txBody>
+                    <a:bodyPr/>
+                    <a:lstStyle/>
+                    <a:p>
+                      <a:endParaRPr lang="it-IT"/>
+                    </a:p>
+                  </a:txBody>
+                  <a:tcPr/>
+                </a:tc>
+                <a:extLst>
+                  <a:ext uri="{0D108BD9-81ED-4DB2-BD59-A6C34878D82A}">
+                    <a16:rowId xmlns:a16="http://schemas.microsoft.com/office/drawing/2014/main" val="3045831426"/>
+                  </a:ext>
+                </a:extLst>
+              </a:tr>
+              <a:tr h="410475">
+                <a:tc>
+                  <a:txBody>
+                    <a:bodyPr/>
+                    <a:lstStyle/>
+                    <a:p>
+                      <a:r>
+                        <a:rPr lang="it-IT" sz="1200" i="0" kern="1200" dirty="0">
+                          <a:solidFill>
+                            <a:schemeClr val="dk1"/>
+                          </a:solidFill>
+                          <a:effectLst/>
+                          <a:latin typeface="+mn-lt"/>
+                          <a:ea typeface="+mn-ea"/>
+                          <a:cs typeface="+mn-cs"/>
+                        </a:rPr>
+                        <a:t>Portabile</a:t>
+                      </a:r>
+                      <a:endParaRPr lang="it-IT" sz="1200" i="0" dirty="0">
+                        <a:latin typeface="+mn-lt"/>
+                      </a:endParaRPr>
+                    </a:p>
+                  </a:txBody>
+                  <a:tcPr marL="58639" marR="58639" marT="29320" marB="29320" anchor="ctr"/>
+                </a:tc>
+                <a:tc>
+                  <a:txBody>
+                    <a:bodyPr/>
+                    <a:lstStyle/>
+                    <a:p>
+                      <a:r>
+                        <a:rPr lang="it-IT" sz="1200" i="0" dirty="0">
+                          <a:latin typeface="+mn-lt"/>
+                        </a:rPr>
+                        <a:t>Il sistema sarà facilmente reperibile su più browser possibili al fine di ampliare l’utenza.</a:t>
+                      </a:r>
+                    </a:p>
+                  </a:txBody>
+                  <a:tcPr marL="58639" marR="58639" marT="29320" marB="29320"/>
+                </a:tc>
+                <a:extLst>
+                  <a:ext uri="{0D108BD9-81ED-4DB2-BD59-A6C34878D82A}">
+                    <a16:rowId xmlns:a16="http://schemas.microsoft.com/office/drawing/2014/main" val="4197104734"/>
+                  </a:ext>
+                </a:extLst>
+              </a:tr>
+              <a:tr h="410475">
+                <a:tc>
+                  <a:txBody>
+                    <a:bodyPr/>
+                    <a:lstStyle/>
+                    <a:p>
+                      <a:r>
+                        <a:rPr lang="it-IT" sz="1200" i="0" kern="1200" dirty="0">
+                          <a:solidFill>
+                            <a:schemeClr val="dk1"/>
+                          </a:solidFill>
+                          <a:effectLst/>
+                          <a:latin typeface="+mn-lt"/>
+                          <a:ea typeface="+mn-ea"/>
+                          <a:cs typeface="+mn-cs"/>
+                        </a:rPr>
+                        <a:t>Leggibilità del codice</a:t>
+                      </a:r>
+                      <a:endParaRPr lang="it-IT" sz="1200" i="0" dirty="0">
+                        <a:latin typeface="+mn-lt"/>
+                      </a:endParaRPr>
+                    </a:p>
+                  </a:txBody>
+                  <a:tcPr marL="58639" marR="58639" marT="29320" marB="29320" anchor="ctr"/>
+                </a:tc>
+                <a:tc>
+                  <a:txBody>
+                    <a:bodyPr/>
+                    <a:lstStyle/>
+                    <a:p>
+                      <a:r>
+                        <a:rPr lang="it-IT" sz="1200" i="0" dirty="0">
+                          <a:latin typeface="+mn-lt"/>
+                        </a:rPr>
+                        <a:t>Il sistema adotterà uno standard per la scrittura del codice in modo da facilitare eventuali modifiche future.</a:t>
+                      </a:r>
+                    </a:p>
+                  </a:txBody>
+                  <a:tcPr marL="58639" marR="58639" marT="29320" marB="29320"/>
+                </a:tc>
+                <a:extLst>
+                  <a:ext uri="{0D108BD9-81ED-4DB2-BD59-A6C34878D82A}">
+                    <a16:rowId xmlns:a16="http://schemas.microsoft.com/office/drawing/2014/main" val="3668900437"/>
+                  </a:ext>
+                </a:extLst>
+              </a:tr>
+              <a:tr h="246808">
+                <a:tc>
+                  <a:txBody>
+                    <a:bodyPr/>
+                    <a:lstStyle/>
+                    <a:p>
+                      <a:r>
+                        <a:rPr lang="it-IT" sz="1200" i="0" kern="1200" dirty="0">
+                          <a:solidFill>
+                            <a:schemeClr val="dk1"/>
+                          </a:solidFill>
+                          <a:effectLst/>
+                          <a:latin typeface="+mn-lt"/>
+                          <a:ea typeface="+mn-ea"/>
+                          <a:cs typeface="+mn-cs"/>
+                        </a:rPr>
+                        <a:t>Tracciabilità dei requisiti</a:t>
+                      </a:r>
+                      <a:endParaRPr lang="it-IT" sz="1200" i="0" dirty="0">
+                        <a:latin typeface="+mn-lt"/>
+                      </a:endParaRPr>
+                    </a:p>
+                  </a:txBody>
+                  <a:tcPr marL="58639" marR="58639" marT="29320" marB="29320" anchor="ctr"/>
+                </a:tc>
+                <a:tc>
+                  <a:txBody>
+                    <a:bodyPr/>
+                    <a:lstStyle/>
+                    <a:p>
+                      <a:r>
+                        <a:rPr lang="it-IT" sz="1200" kern="1200" dirty="0">
+                          <a:solidFill>
+                            <a:schemeClr val="dk1"/>
+                          </a:solidFill>
+                          <a:effectLst/>
+                          <a:latin typeface="+mn-lt"/>
+                          <a:ea typeface="+mn-ea"/>
+                          <a:cs typeface="+mn-cs"/>
+                        </a:rPr>
+                        <a:t>I requisiti saranno tracciabili tramite una matrice di tracciabilità.</a:t>
+                      </a:r>
+                      <a:endParaRPr lang="it-IT" sz="1200" i="0" dirty="0">
+                        <a:latin typeface="+mn-lt"/>
+                      </a:endParaRPr>
+                    </a:p>
+                  </a:txBody>
+                  <a:tcPr marL="58639" marR="58639" marT="29320" marB="29320"/>
+                </a:tc>
+                <a:extLst>
+                  <a:ext uri="{0D108BD9-81ED-4DB2-BD59-A6C34878D82A}">
+                    <a16:rowId xmlns:a16="http://schemas.microsoft.com/office/drawing/2014/main" val="2150063128"/>
+                  </a:ext>
+                </a:extLst>
+              </a:tr>
+              <a:tr h="246808">
+                <a:tc gridSpan="2">
+                  <a:txBody>
+                    <a:bodyPr/>
+                    <a:lstStyle/>
+                    <a:p>
+                      <a:r>
+                        <a:rPr lang="it-IT" sz="1200" i="0" dirty="0">
+                          <a:solidFill>
+                            <a:schemeClr val="bg1"/>
+                          </a:solidFill>
+                          <a:latin typeface="+mn-lt"/>
+                        </a:rPr>
+                        <a:t>Usabilità</a:t>
+                      </a:r>
+                    </a:p>
+                  </a:txBody>
+                  <a:tcPr marL="58639" marR="58639" marT="29320" marB="29320">
+                    <a:solidFill>
+                      <a:srgbClr val="F8B323"/>
+                    </a:solidFill>
+                  </a:tcPr>
+                </a:tc>
+                <a:tc hMerge="1">
+                  <a:txBody>
+                    <a:bodyPr/>
+                    <a:lstStyle/>
+                    <a:p>
+                      <a:endParaRPr lang="it-IT" i="0" dirty="0">
+                        <a:solidFill>
+                          <a:schemeClr val="bg1"/>
+                        </a:solidFill>
+                        <a:latin typeface="+mn-lt"/>
+                      </a:endParaRPr>
+                    </a:p>
+                  </a:txBody>
+                  <a:tcPr>
+                    <a:solidFill>
+                      <a:srgbClr val="F8B323"/>
                     </a:solidFill>
                   </a:tcPr>
                 </a:tc>
                 <a:extLst>
                   <a:ext uri="{0D108BD9-81ED-4DB2-BD59-A6C34878D82A}">
-                    <a16:rowId xmlns:a16="http://schemas.microsoft.com/office/drawing/2014/main" val="2488159036"/>
+                    <a16:rowId xmlns:a16="http://schemas.microsoft.com/office/drawing/2014/main" val="507175006"/>
                   </a:ext>
                 </a:extLst>
               </a:tr>
-              <a:tr h="500309">
+              <a:tr h="410475">
                 <a:tc>
                   <a:txBody>
                     <a:bodyPr/>
                     <a:lstStyle/>
                     <a:p>
-                      <a:pPr marL="0" marR="0">
-                        <a:spcBef>
-                          <a:spcPts val="0"/>
-                        </a:spcBef>
-                        <a:spcAft>
-                          <a:spcPts val="0"/>
-                        </a:spcAft>
-                      </a:pPr>
-                      <a:r>
-                        <a:rPr lang="it-IT" sz="1500">
-                          <a:effectLst/>
-                          <a:latin typeface="Century Gothic" panose="020B0502020202020204" pitchFamily="34" charset="0"/>
-                          <a:ea typeface="Century Gothic" panose="020B0502020202020204" pitchFamily="34" charset="0"/>
-                          <a:cs typeface="Century Gothic" panose="020B0502020202020204" pitchFamily="34" charset="0"/>
-                        </a:rPr>
-                        <a:t>ShopPage</a:t>
-                      </a:r>
-                      <a:endParaRPr lang="it-IT" sz="2000">
-                        <a:effectLst/>
-                        <a:latin typeface="Times New Roman" panose="02020603050405020304" pitchFamily="18" charset="0"/>
-                        <a:ea typeface="Times New Roman" panose="02020603050405020304" pitchFamily="18" charset="0"/>
+                      <a:r>
+                        <a:rPr lang="it-IT" sz="1200" i="0" kern="1200" dirty="0">
+                          <a:solidFill>
+                            <a:schemeClr val="dk1"/>
+                          </a:solidFill>
+                          <a:effectLst/>
+                          <a:latin typeface="+mn-lt"/>
+                          <a:ea typeface="+mn-ea"/>
+                          <a:cs typeface="+mn-cs"/>
+                        </a:rPr>
+                        <a:t>Utile</a:t>
+                      </a:r>
+                      <a:endParaRPr lang="it-IT" sz="1200" i="0" dirty="0">
+                        <a:latin typeface="+mn-lt"/>
                       </a:endParaRPr>
                     </a:p>
                   </a:txBody>
-                  <a:tcPr marL="101072" marR="101072" marT="101072" marB="101072">
-                    <a:lnL w="12700" cap="flat" cmpd="sng" algn="ctr">
-                      <a:solidFill>
-                        <a:srgbClr val="000000"/>
-                      </a:solidFill>
-                      <a:prstDash val="solid"/>
-                      <a:round/>
-                      <a:headEnd type="none" w="med" len="med"/>
-                      <a:tailEnd type="none" w="med" len="med"/>
-                    </a:lnL>
-                    <a:lnR w="12700" cap="flat" cmpd="sng" algn="ctr">
-                      <a:solidFill>
-                        <a:srgbClr val="000000"/>
-                      </a:solidFill>
-                      <a:prstDash val="solid"/>
-                      <a:round/>
-                      <a:headEnd type="none" w="med" len="med"/>
-                      <a:tailEnd type="none" w="med" len="med"/>
-                    </a:lnR>
-                    <a:lnT w="12700" cap="flat" cmpd="sng" algn="ctr">
-                      <a:solidFill>
-                        <a:srgbClr val="000000"/>
-                      </a:solidFill>
-                      <a:prstDash val="solid"/>
-                      <a:round/>
-                      <a:headEnd type="none" w="med" len="med"/>
-                      <a:tailEnd type="none" w="med" len="med"/>
-                    </a:lnT>
-                    <a:lnB w="12700" cap="flat" cmpd="sng" algn="ctr">
-                      <a:solidFill>
-                        <a:srgbClr val="000000"/>
-                      </a:solidFill>
-                      <a:prstDash val="solid"/>
-                      <a:round/>
-                      <a:headEnd type="none" w="med" len="med"/>
-                      <a:tailEnd type="none" w="med" len="med"/>
-                    </a:lnB>
-                  </a:tcPr>
+                  <a:tcPr marL="58639" marR="58639" marT="29320" marB="29320" anchor="ctr"/>
                 </a:tc>
                 <a:tc>
                   <a:txBody>
                     <a:bodyPr/>
                     <a:lstStyle/>
                     <a:p>
-                      <a:pPr marL="0" marR="0">
-                        <a:spcBef>
-                          <a:spcPts val="0"/>
-                        </a:spcBef>
-                        <a:spcAft>
-                          <a:spcPts val="0"/>
-                        </a:spcAft>
-                      </a:pPr>
-                      <a:r>
-                        <a:rPr lang="it-IT" sz="1500">
-                          <a:effectLst/>
-                          <a:latin typeface="Century Gothic" panose="020B0502020202020204" pitchFamily="34" charset="0"/>
-                          <a:ea typeface="Century Gothic" panose="020B0502020202020204" pitchFamily="34" charset="0"/>
-                          <a:cs typeface="Century Gothic" panose="020B0502020202020204" pitchFamily="34" charset="0"/>
-                        </a:rPr>
-                        <a:t>Boundary</a:t>
-                      </a:r>
-                      <a:endParaRPr lang="it-IT" sz="2000">
-                        <a:effectLst/>
-                        <a:latin typeface="Times New Roman" panose="02020603050405020304" pitchFamily="18" charset="0"/>
-                        <a:ea typeface="Times New Roman" panose="02020603050405020304" pitchFamily="18" charset="0"/>
+                      <a:r>
+                        <a:rPr lang="it-IT" sz="1200" i="0" dirty="0">
+                          <a:latin typeface="+mn-lt"/>
+                        </a:rPr>
+                        <a:t>Al fine di facilitare l’acquisto dei libri si è ritenuto opportuno digitalizzare il catalogo della libreria indipendente Dodo.</a:t>
+                      </a:r>
+                    </a:p>
+                  </a:txBody>
+                  <a:tcPr marL="58639" marR="58639" marT="29320" marB="29320"/>
+                </a:tc>
+                <a:extLst>
+                  <a:ext uri="{0D108BD9-81ED-4DB2-BD59-A6C34878D82A}">
+                    <a16:rowId xmlns:a16="http://schemas.microsoft.com/office/drawing/2014/main" val="2128239098"/>
+                  </a:ext>
+                </a:extLst>
+              </a:tr>
+              <a:tr h="586392">
+                <a:tc>
+                  <a:txBody>
+                    <a:bodyPr/>
+                    <a:lstStyle/>
+                    <a:p>
+                      <a:r>
+                        <a:rPr lang="it-IT" sz="1200" i="0" kern="1200" dirty="0">
+                          <a:solidFill>
+                            <a:schemeClr val="dk1"/>
+                          </a:solidFill>
+                          <a:effectLst/>
+                          <a:latin typeface="+mn-lt"/>
+                          <a:ea typeface="+mn-ea"/>
+                          <a:cs typeface="+mn-cs"/>
+                        </a:rPr>
+                        <a:t>Usabile</a:t>
+                      </a:r>
+                      <a:endParaRPr lang="it-IT" sz="1200" i="0" dirty="0">
+                        <a:latin typeface="+mn-lt"/>
                       </a:endParaRPr>
                     </a:p>
                   </a:txBody>
-                  <a:tcPr marL="101072" marR="101072" marT="101072" marB="101072">
-                    <a:lnL w="12700" cap="flat" cmpd="sng" algn="ctr">
-                      <a:solidFill>
-                        <a:srgbClr val="000000"/>
-                      </a:solidFill>
-                      <a:prstDash val="solid"/>
-                      <a:round/>
-                      <a:headEnd type="none" w="med" len="med"/>
-                      <a:tailEnd type="none" w="med" len="med"/>
-                    </a:lnL>
-                    <a:lnR w="12700" cap="flat" cmpd="sng" algn="ctr">
-                      <a:solidFill>
-                        <a:srgbClr val="000000"/>
-                      </a:solidFill>
-                      <a:prstDash val="solid"/>
-                      <a:round/>
-                      <a:headEnd type="none" w="med" len="med"/>
-                      <a:tailEnd type="none" w="med" len="med"/>
-                    </a:lnR>
-                    <a:lnT w="12700" cap="flat" cmpd="sng" algn="ctr">
-                      <a:solidFill>
-                        <a:srgbClr val="000000"/>
-                      </a:solidFill>
-                      <a:prstDash val="solid"/>
-                      <a:round/>
-                      <a:headEnd type="none" w="med" len="med"/>
-                      <a:tailEnd type="none" w="med" len="med"/>
-                    </a:lnT>
-                    <a:lnB w="12700" cap="flat" cmpd="sng" algn="ctr">
-                      <a:solidFill>
-                        <a:srgbClr val="000000"/>
-                      </a:solidFill>
-                      <a:prstDash val="solid"/>
-                      <a:round/>
-                      <a:headEnd type="none" w="med" len="med"/>
-                      <a:tailEnd type="none" w="med" len="med"/>
-                    </a:lnB>
-                  </a:tcPr>
+                  <a:tcPr marL="58639" marR="58639" marT="29320" marB="29320" anchor="ctr"/>
                 </a:tc>
                 <a:tc>
                   <a:txBody>
                     <a:bodyPr/>
                     <a:lstStyle/>
                     <a:p>
-                      <a:pPr marL="0" marR="0">
-                        <a:spcBef>
-                          <a:spcPts val="0"/>
-                        </a:spcBef>
-                        <a:spcAft>
-                          <a:spcPts val="0"/>
-                        </a:spcAft>
-                      </a:pPr>
-                      <a:r>
-                        <a:rPr lang="it-IT" sz="1500" dirty="0">
-                          <a:effectLst/>
-                          <a:latin typeface="Century Gothic" panose="020B0502020202020204" pitchFamily="34" charset="0"/>
-                          <a:ea typeface="Century Gothic" panose="020B0502020202020204" pitchFamily="34" charset="0"/>
-                          <a:cs typeface="Century Gothic" panose="020B0502020202020204" pitchFamily="34" charset="0"/>
-                        </a:rPr>
-                        <a:t>Permette di visualizzare la pagina dello shop</a:t>
-                      </a:r>
-                      <a:endParaRPr lang="it-IT" sz="2000" dirty="0">
-                        <a:effectLst/>
-                        <a:latin typeface="Times New Roman" panose="02020603050405020304" pitchFamily="18" charset="0"/>
-                        <a:ea typeface="Times New Roman" panose="02020603050405020304" pitchFamily="18" charset="0"/>
-                      </a:endParaRPr>
+                      <a:r>
+                        <a:rPr lang="it-IT" sz="1200" i="0" dirty="0">
+                          <a:latin typeface="+mn-lt"/>
+                        </a:rPr>
+                        <a:t>In base ai requisiti non funzionali (RNF-U1,RNF-U2, RNF-IN1) il sistema avrà un interfaccia ed un interazione facile da utilizzare per effettuare operazioni in modo semplice ed immediato.</a:t>
+                      </a:r>
                     </a:p>
                   </a:txBody>
-                  <a:tcPr marL="101072" marR="101072" marT="101072" marB="101072">
-                    <a:lnL w="12700" cap="flat" cmpd="sng" algn="ctr">
-                      <a:solidFill>
-                        <a:srgbClr val="000000"/>
-                      </a:solidFill>
-                      <a:prstDash val="solid"/>
-                      <a:round/>
-                      <a:headEnd type="none" w="med" len="med"/>
-                      <a:tailEnd type="none" w="med" len="med"/>
-                    </a:lnL>
-                    <a:lnR w="12700" cap="flat" cmpd="sng" algn="ctr">
-                      <a:solidFill>
-                        <a:srgbClr val="000000"/>
-                      </a:solidFill>
-                      <a:prstDash val="solid"/>
-                      <a:round/>
-                      <a:headEnd type="none" w="med" len="med"/>
-                      <a:tailEnd type="none" w="med" len="med"/>
-                    </a:lnR>
-                    <a:lnT w="12700" cap="flat" cmpd="sng" algn="ctr">
-                      <a:solidFill>
-                        <a:srgbClr val="000000"/>
-                      </a:solidFill>
-                      <a:prstDash val="solid"/>
-                      <a:round/>
-                      <a:headEnd type="none" w="med" len="med"/>
-                      <a:tailEnd type="none" w="med" len="med"/>
-                    </a:lnT>
-                    <a:lnB w="12700" cap="flat" cmpd="sng" algn="ctr">
-                      <a:solidFill>
-                        <a:srgbClr val="000000"/>
-                      </a:solidFill>
-                      <a:prstDash val="solid"/>
-                      <a:round/>
-                      <a:headEnd type="none" w="med" len="med"/>
-                      <a:tailEnd type="none" w="med" len="med"/>
-                    </a:lnB>
-                  </a:tcPr>
+                  <a:tcPr marL="58639" marR="58639" marT="29320" marB="29320"/>
                 </a:tc>
                 <a:extLst>
                   <a:ext uri="{0D108BD9-81ED-4DB2-BD59-A6C34878D82A}">
-                    <a16:rowId xmlns:a16="http://schemas.microsoft.com/office/drawing/2014/main" val="1243893351"/>
-                  </a:ext>
-                </a:extLst>
-              </a:tr>
-              <a:tr h="444720">
-                <a:tc>
-                  <a:txBody>
-                    <a:bodyPr/>
-                    <a:lstStyle/>
-                    <a:p>
-                      <a:pPr marL="0" marR="0">
-                        <a:spcBef>
-                          <a:spcPts val="0"/>
-                        </a:spcBef>
-                        <a:spcAft>
-                          <a:spcPts val="0"/>
-                        </a:spcAft>
-                      </a:pPr>
-                      <a:r>
-                        <a:rPr lang="it-IT" sz="1500">
-                          <a:effectLst/>
-                          <a:latin typeface="Century Gothic" panose="020B0502020202020204" pitchFamily="34" charset="0"/>
-                          <a:ea typeface="Century Gothic" panose="020B0502020202020204" pitchFamily="34" charset="0"/>
-                          <a:cs typeface="Century Gothic" panose="020B0502020202020204" pitchFamily="34" charset="0"/>
-                        </a:rPr>
-                        <a:t>AddProductButton</a:t>
-                      </a:r>
-                      <a:endParaRPr lang="it-IT" sz="2000">
-                        <a:effectLst/>
-                        <a:latin typeface="Times New Roman" panose="02020603050405020304" pitchFamily="18" charset="0"/>
-                        <a:ea typeface="Times New Roman" panose="02020603050405020304" pitchFamily="18" charset="0"/>
-                      </a:endParaRPr>
-                    </a:p>
-                  </a:txBody>
-                  <a:tcPr marL="101072" marR="101072" marT="101072" marB="101072">
-                    <a:lnL w="12700" cap="flat" cmpd="sng" algn="ctr">
-                      <a:solidFill>
-                        <a:srgbClr val="000000"/>
-                      </a:solidFill>
-                      <a:prstDash val="solid"/>
-                      <a:round/>
-                      <a:headEnd type="none" w="med" len="med"/>
-                      <a:tailEnd type="none" w="med" len="med"/>
-                    </a:lnL>
-                    <a:lnR w="12700" cap="flat" cmpd="sng" algn="ctr">
-                      <a:solidFill>
-                        <a:srgbClr val="000000"/>
-                      </a:solidFill>
-                      <a:prstDash val="solid"/>
-                      <a:round/>
-                      <a:headEnd type="none" w="med" len="med"/>
-                      <a:tailEnd type="none" w="med" len="med"/>
-                    </a:lnR>
-                    <a:lnT w="12700" cap="flat" cmpd="sng" algn="ctr">
-                      <a:solidFill>
-                        <a:srgbClr val="000000"/>
-                      </a:solidFill>
-                      <a:prstDash val="solid"/>
-                      <a:round/>
-                      <a:headEnd type="none" w="med" len="med"/>
-                      <a:tailEnd type="none" w="med" len="med"/>
-                    </a:lnT>
-                    <a:lnB w="12700" cap="flat" cmpd="sng" algn="ctr">
-                      <a:solidFill>
-                        <a:srgbClr val="000000"/>
-                      </a:solidFill>
-                      <a:prstDash val="solid"/>
-                      <a:round/>
-                      <a:headEnd type="none" w="med" len="med"/>
-                      <a:tailEnd type="none" w="med" len="med"/>
-                    </a:lnB>
-                  </a:tcPr>
-                </a:tc>
-                <a:tc>
-                  <a:txBody>
-                    <a:bodyPr/>
-                    <a:lstStyle/>
-                    <a:p>
-                      <a:pPr marL="0" marR="0">
-                        <a:spcBef>
-                          <a:spcPts val="0"/>
-                        </a:spcBef>
-                        <a:spcAft>
-                          <a:spcPts val="0"/>
-                        </a:spcAft>
-                      </a:pPr>
-                      <a:r>
-                        <a:rPr lang="it-IT" sz="1500">
-                          <a:effectLst/>
-                          <a:latin typeface="Century Gothic" panose="020B0502020202020204" pitchFamily="34" charset="0"/>
-                          <a:ea typeface="Century Gothic" panose="020B0502020202020204" pitchFamily="34" charset="0"/>
-                          <a:cs typeface="Century Gothic" panose="020B0502020202020204" pitchFamily="34" charset="0"/>
-                        </a:rPr>
-                        <a:t>Boundary</a:t>
-                      </a:r>
-                      <a:endParaRPr lang="it-IT" sz="2000">
-                        <a:effectLst/>
-                        <a:latin typeface="Times New Roman" panose="02020603050405020304" pitchFamily="18" charset="0"/>
-                        <a:ea typeface="Times New Roman" panose="02020603050405020304" pitchFamily="18" charset="0"/>
-                      </a:endParaRPr>
-                    </a:p>
-                  </a:txBody>
-                  <a:tcPr marL="101072" marR="101072" marT="101072" marB="101072">
-                    <a:lnL w="12700" cap="flat" cmpd="sng" algn="ctr">
-                      <a:solidFill>
-                        <a:srgbClr val="000000"/>
-                      </a:solidFill>
-                      <a:prstDash val="solid"/>
-                      <a:round/>
-                      <a:headEnd type="none" w="med" len="med"/>
-                      <a:tailEnd type="none" w="med" len="med"/>
-                    </a:lnL>
-                    <a:lnR w="12700" cap="flat" cmpd="sng" algn="ctr">
-                      <a:solidFill>
-                        <a:srgbClr val="000000"/>
-                      </a:solidFill>
-                      <a:prstDash val="solid"/>
-                      <a:round/>
-                      <a:headEnd type="none" w="med" len="med"/>
-                      <a:tailEnd type="none" w="med" len="med"/>
-                    </a:lnR>
-                    <a:lnT w="12700" cap="flat" cmpd="sng" algn="ctr">
-                      <a:solidFill>
-                        <a:srgbClr val="000000"/>
-                      </a:solidFill>
-                      <a:prstDash val="solid"/>
-                      <a:round/>
-                      <a:headEnd type="none" w="med" len="med"/>
-                      <a:tailEnd type="none" w="med" len="med"/>
-                    </a:lnT>
-                    <a:lnB w="12700" cap="flat" cmpd="sng" algn="ctr">
-                      <a:solidFill>
-                        <a:srgbClr val="000000"/>
-                      </a:solidFill>
-                      <a:prstDash val="solid"/>
-                      <a:round/>
-                      <a:headEnd type="none" w="med" len="med"/>
-                      <a:tailEnd type="none" w="med" len="med"/>
-                    </a:lnB>
-                  </a:tcPr>
-                </a:tc>
-                <a:tc>
-                  <a:txBody>
-                    <a:bodyPr/>
-                    <a:lstStyle/>
-                    <a:p>
-                      <a:pPr marL="0" marR="0">
-                        <a:spcBef>
-                          <a:spcPts val="0"/>
-                        </a:spcBef>
-                        <a:spcAft>
-                          <a:spcPts val="0"/>
-                        </a:spcAft>
-                      </a:pPr>
-                      <a:r>
-                        <a:rPr lang="it-IT" sz="1500" dirty="0">
-                          <a:effectLst/>
-                          <a:latin typeface="Century Gothic" panose="020B0502020202020204" pitchFamily="34" charset="0"/>
-                          <a:ea typeface="Century Gothic" panose="020B0502020202020204" pitchFamily="34" charset="0"/>
-                          <a:cs typeface="Century Gothic" panose="020B0502020202020204" pitchFamily="34" charset="0"/>
-                        </a:rPr>
-                        <a:t>Mostra il </a:t>
-                      </a:r>
-                      <a:r>
-                        <a:rPr lang="it-IT" sz="1500" dirty="0" err="1">
-                          <a:effectLst/>
-                          <a:latin typeface="Century Gothic" panose="020B0502020202020204" pitchFamily="34" charset="0"/>
-                          <a:ea typeface="Century Gothic" panose="020B0502020202020204" pitchFamily="34" charset="0"/>
-                          <a:cs typeface="Century Gothic" panose="020B0502020202020204" pitchFamily="34" charset="0"/>
-                        </a:rPr>
-                        <a:t>form</a:t>
-                      </a:r>
-                      <a:r>
-                        <a:rPr lang="it-IT" sz="1500" dirty="0">
-                          <a:effectLst/>
-                          <a:latin typeface="Century Gothic" panose="020B0502020202020204" pitchFamily="34" charset="0"/>
-                          <a:ea typeface="Century Gothic" panose="020B0502020202020204" pitchFamily="34" charset="0"/>
-                          <a:cs typeface="Century Gothic" panose="020B0502020202020204" pitchFamily="34" charset="0"/>
-                        </a:rPr>
-                        <a:t> per aggiungere un nuovo prodotto</a:t>
-                      </a:r>
-                      <a:endParaRPr lang="it-IT" sz="2000" dirty="0">
-                        <a:effectLst/>
-                        <a:latin typeface="Times New Roman" panose="02020603050405020304" pitchFamily="18" charset="0"/>
-                        <a:ea typeface="Times New Roman" panose="02020603050405020304" pitchFamily="18" charset="0"/>
-                      </a:endParaRPr>
-                    </a:p>
-                  </a:txBody>
-                  <a:tcPr marL="101072" marR="101072" marT="101072" marB="101072">
-                    <a:lnL w="12700" cap="flat" cmpd="sng" algn="ctr">
-                      <a:solidFill>
-                        <a:srgbClr val="000000"/>
-                      </a:solidFill>
-                      <a:prstDash val="solid"/>
-                      <a:round/>
-                      <a:headEnd type="none" w="med" len="med"/>
-                      <a:tailEnd type="none" w="med" len="med"/>
-                    </a:lnL>
-                    <a:lnR w="12700" cap="flat" cmpd="sng" algn="ctr">
-                      <a:solidFill>
-                        <a:srgbClr val="000000"/>
-                      </a:solidFill>
-                      <a:prstDash val="solid"/>
-                      <a:round/>
-                      <a:headEnd type="none" w="med" len="med"/>
-                      <a:tailEnd type="none" w="med" len="med"/>
-                    </a:lnR>
-                    <a:lnT w="12700" cap="flat" cmpd="sng" algn="ctr">
-                      <a:solidFill>
-                        <a:srgbClr val="000000"/>
-                      </a:solidFill>
-                      <a:prstDash val="solid"/>
-                      <a:round/>
-                      <a:headEnd type="none" w="med" len="med"/>
-                      <a:tailEnd type="none" w="med" len="med"/>
-                    </a:lnT>
-                    <a:lnB w="12700" cap="flat" cmpd="sng" algn="ctr">
-                      <a:solidFill>
-                        <a:srgbClr val="000000"/>
-                      </a:solidFill>
-                      <a:prstDash val="solid"/>
-                      <a:round/>
-                      <a:headEnd type="none" w="med" len="med"/>
-                      <a:tailEnd type="none" w="med" len="med"/>
-                    </a:lnB>
-                  </a:tcPr>
-                </a:tc>
-                <a:extLst>
-                  <a:ext uri="{0D108BD9-81ED-4DB2-BD59-A6C34878D82A}">
-                    <a16:rowId xmlns:a16="http://schemas.microsoft.com/office/drawing/2014/main" val="2390316705"/>
-                  </a:ext>
-                </a:extLst>
-              </a:tr>
-              <a:tr h="687297">
-                <a:tc>
-                  <a:txBody>
-                    <a:bodyPr/>
-                    <a:lstStyle/>
-                    <a:p>
-                      <a:pPr marL="0" marR="0">
-                        <a:spcBef>
-                          <a:spcPts val="0"/>
-                        </a:spcBef>
-                        <a:spcAft>
-                          <a:spcPts val="0"/>
-                        </a:spcAft>
-                      </a:pPr>
-                      <a:r>
-                        <a:rPr lang="it-IT" sz="1500">
-                          <a:effectLst/>
-                          <a:latin typeface="Century Gothic" panose="020B0502020202020204" pitchFamily="34" charset="0"/>
-                          <a:ea typeface="Century Gothic" panose="020B0502020202020204" pitchFamily="34" charset="0"/>
-                          <a:cs typeface="Century Gothic" panose="020B0502020202020204" pitchFamily="34" charset="0"/>
-                        </a:rPr>
-                        <a:t>AddProductForm</a:t>
-                      </a:r>
-                      <a:endParaRPr lang="it-IT" sz="2000">
-                        <a:effectLst/>
-                        <a:latin typeface="Times New Roman" panose="02020603050405020304" pitchFamily="18" charset="0"/>
-                        <a:ea typeface="Times New Roman" panose="02020603050405020304" pitchFamily="18" charset="0"/>
-                      </a:endParaRPr>
-                    </a:p>
-                  </a:txBody>
-                  <a:tcPr marL="101072" marR="101072" marT="101072" marB="101072">
-                    <a:lnL w="12700" cap="flat" cmpd="sng" algn="ctr">
-                      <a:solidFill>
-                        <a:srgbClr val="000000"/>
-                      </a:solidFill>
-                      <a:prstDash val="solid"/>
-                      <a:round/>
-                      <a:headEnd type="none" w="med" len="med"/>
-                      <a:tailEnd type="none" w="med" len="med"/>
-                    </a:lnL>
-                    <a:lnR w="12700" cap="flat" cmpd="sng" algn="ctr">
-                      <a:solidFill>
-                        <a:srgbClr val="000000"/>
-                      </a:solidFill>
-                      <a:prstDash val="solid"/>
-                      <a:round/>
-                      <a:headEnd type="none" w="med" len="med"/>
-                      <a:tailEnd type="none" w="med" len="med"/>
-                    </a:lnR>
-                    <a:lnT w="12700" cap="flat" cmpd="sng" algn="ctr">
-                      <a:solidFill>
-                        <a:srgbClr val="000000"/>
-                      </a:solidFill>
-                      <a:prstDash val="solid"/>
-                      <a:round/>
-                      <a:headEnd type="none" w="med" len="med"/>
-                      <a:tailEnd type="none" w="med" len="med"/>
-                    </a:lnT>
-                    <a:lnB w="12700" cap="flat" cmpd="sng" algn="ctr">
-                      <a:solidFill>
-                        <a:srgbClr val="000000"/>
-                      </a:solidFill>
-                      <a:prstDash val="solid"/>
-                      <a:round/>
-                      <a:headEnd type="none" w="med" len="med"/>
-                      <a:tailEnd type="none" w="med" len="med"/>
-                    </a:lnB>
-                  </a:tcPr>
-                </a:tc>
-                <a:tc>
-                  <a:txBody>
-                    <a:bodyPr/>
-                    <a:lstStyle/>
-                    <a:p>
-                      <a:pPr marL="0" marR="0">
-                        <a:spcBef>
-                          <a:spcPts val="0"/>
-                        </a:spcBef>
-                        <a:spcAft>
-                          <a:spcPts val="0"/>
-                        </a:spcAft>
-                      </a:pPr>
-                      <a:r>
-                        <a:rPr lang="it-IT" sz="1500">
-                          <a:effectLst/>
-                          <a:latin typeface="Century Gothic" panose="020B0502020202020204" pitchFamily="34" charset="0"/>
-                          <a:ea typeface="Century Gothic" panose="020B0502020202020204" pitchFamily="34" charset="0"/>
-                          <a:cs typeface="Century Gothic" panose="020B0502020202020204" pitchFamily="34" charset="0"/>
-                        </a:rPr>
-                        <a:t>Boundary</a:t>
-                      </a:r>
-                      <a:endParaRPr lang="it-IT" sz="2000">
-                        <a:effectLst/>
-                        <a:latin typeface="Times New Roman" panose="02020603050405020304" pitchFamily="18" charset="0"/>
-                        <a:ea typeface="Times New Roman" panose="02020603050405020304" pitchFamily="18" charset="0"/>
-                      </a:endParaRPr>
-                    </a:p>
-                  </a:txBody>
-                  <a:tcPr marL="101072" marR="101072" marT="101072" marB="101072">
-                    <a:lnL w="12700" cap="flat" cmpd="sng" algn="ctr">
-                      <a:solidFill>
-                        <a:srgbClr val="000000"/>
-                      </a:solidFill>
-                      <a:prstDash val="solid"/>
-                      <a:round/>
-                      <a:headEnd type="none" w="med" len="med"/>
-                      <a:tailEnd type="none" w="med" len="med"/>
-                    </a:lnL>
-                    <a:lnR w="12700" cap="flat" cmpd="sng" algn="ctr">
-                      <a:solidFill>
-                        <a:srgbClr val="000000"/>
-                      </a:solidFill>
-                      <a:prstDash val="solid"/>
-                      <a:round/>
-                      <a:headEnd type="none" w="med" len="med"/>
-                      <a:tailEnd type="none" w="med" len="med"/>
-                    </a:lnR>
-                    <a:lnT w="12700" cap="flat" cmpd="sng" algn="ctr">
-                      <a:solidFill>
-                        <a:srgbClr val="000000"/>
-                      </a:solidFill>
-                      <a:prstDash val="solid"/>
-                      <a:round/>
-                      <a:headEnd type="none" w="med" len="med"/>
-                      <a:tailEnd type="none" w="med" len="med"/>
-                    </a:lnT>
-                    <a:lnB w="12700" cap="flat" cmpd="sng" algn="ctr">
-                      <a:solidFill>
-                        <a:srgbClr val="000000"/>
-                      </a:solidFill>
-                      <a:prstDash val="solid"/>
-                      <a:round/>
-                      <a:headEnd type="none" w="med" len="med"/>
-                      <a:tailEnd type="none" w="med" len="med"/>
-                    </a:lnB>
-                  </a:tcPr>
-                </a:tc>
-                <a:tc>
-                  <a:txBody>
-                    <a:bodyPr/>
-                    <a:lstStyle/>
-                    <a:p>
-                      <a:pPr marL="0" marR="0">
-                        <a:spcBef>
-                          <a:spcPts val="0"/>
-                        </a:spcBef>
-                        <a:spcAft>
-                          <a:spcPts val="0"/>
-                        </a:spcAft>
-                      </a:pPr>
-                      <a:r>
-                        <a:rPr lang="it-IT" sz="1500" dirty="0">
-                          <a:effectLst/>
-                          <a:latin typeface="Century Gothic" panose="020B0502020202020204" pitchFamily="34" charset="0"/>
-                          <a:ea typeface="Century Gothic" panose="020B0502020202020204" pitchFamily="34" charset="0"/>
-                          <a:cs typeface="Century Gothic" panose="020B0502020202020204" pitchFamily="34" charset="0"/>
-                        </a:rPr>
-                        <a:t>Consente all’admin di inserire le informazioni di un nuovo prodotto</a:t>
-                      </a:r>
-                      <a:endParaRPr lang="it-IT" sz="2000" dirty="0">
-                        <a:effectLst/>
-                        <a:latin typeface="Times New Roman" panose="02020603050405020304" pitchFamily="18" charset="0"/>
-                        <a:ea typeface="Times New Roman" panose="02020603050405020304" pitchFamily="18" charset="0"/>
-                      </a:endParaRPr>
-                    </a:p>
-                  </a:txBody>
-                  <a:tcPr marL="101072" marR="101072" marT="101072" marB="101072">
-                    <a:lnL w="12700" cap="flat" cmpd="sng" algn="ctr">
-                      <a:solidFill>
-                        <a:srgbClr val="000000"/>
-                      </a:solidFill>
-                      <a:prstDash val="solid"/>
-                      <a:round/>
-                      <a:headEnd type="none" w="med" len="med"/>
-                      <a:tailEnd type="none" w="med" len="med"/>
-                    </a:lnL>
-                    <a:lnR w="12700" cap="flat" cmpd="sng" algn="ctr">
-                      <a:solidFill>
-                        <a:srgbClr val="000000"/>
-                      </a:solidFill>
-                      <a:prstDash val="solid"/>
-                      <a:round/>
-                      <a:headEnd type="none" w="med" len="med"/>
-                      <a:tailEnd type="none" w="med" len="med"/>
-                    </a:lnR>
-                    <a:lnT w="12700" cap="flat" cmpd="sng" algn="ctr">
-                      <a:solidFill>
-                        <a:srgbClr val="000000"/>
-                      </a:solidFill>
-                      <a:prstDash val="solid"/>
-                      <a:round/>
-                      <a:headEnd type="none" w="med" len="med"/>
-                      <a:tailEnd type="none" w="med" len="med"/>
-                    </a:lnT>
-                    <a:lnB w="12700" cap="flat" cmpd="sng" algn="ctr">
-                      <a:solidFill>
-                        <a:srgbClr val="000000"/>
-                      </a:solidFill>
-                      <a:prstDash val="solid"/>
-                      <a:round/>
-                      <a:headEnd type="none" w="med" len="med"/>
-                      <a:tailEnd type="none" w="med" len="med"/>
-                    </a:lnB>
-                  </a:tcPr>
-                </a:tc>
-                <a:extLst>
-                  <a:ext uri="{0D108BD9-81ED-4DB2-BD59-A6C34878D82A}">
-                    <a16:rowId xmlns:a16="http://schemas.microsoft.com/office/drawing/2014/main" val="1896443570"/>
-                  </a:ext>
-                </a:extLst>
-              </a:tr>
-              <a:tr h="687297">
-                <a:tc>
-                  <a:txBody>
-                    <a:bodyPr/>
-                    <a:lstStyle/>
-                    <a:p>
-                      <a:pPr marL="0" marR="0">
-                        <a:spcBef>
-                          <a:spcPts val="0"/>
-                        </a:spcBef>
-                        <a:spcAft>
-                          <a:spcPts val="0"/>
-                        </a:spcAft>
-                      </a:pPr>
-                      <a:r>
-                        <a:rPr lang="it-IT" sz="1500">
-                          <a:effectLst/>
-                          <a:latin typeface="Century Gothic" panose="020B0502020202020204" pitchFamily="34" charset="0"/>
-                          <a:ea typeface="Century Gothic" panose="020B0502020202020204" pitchFamily="34" charset="0"/>
-                          <a:cs typeface="Century Gothic" panose="020B0502020202020204" pitchFamily="34" charset="0"/>
-                        </a:rPr>
-                        <a:t>SendAddProductButton</a:t>
-                      </a:r>
-                      <a:endParaRPr lang="it-IT" sz="2000">
-                        <a:effectLst/>
-                        <a:latin typeface="Times New Roman" panose="02020603050405020304" pitchFamily="18" charset="0"/>
-                        <a:ea typeface="Times New Roman" panose="02020603050405020304" pitchFamily="18" charset="0"/>
-                      </a:endParaRPr>
-                    </a:p>
-                  </a:txBody>
-                  <a:tcPr marL="101072" marR="101072" marT="101072" marB="101072">
-                    <a:lnL w="12700" cap="flat" cmpd="sng" algn="ctr">
-                      <a:solidFill>
-                        <a:srgbClr val="000000"/>
-                      </a:solidFill>
-                      <a:prstDash val="solid"/>
-                      <a:round/>
-                      <a:headEnd type="none" w="med" len="med"/>
-                      <a:tailEnd type="none" w="med" len="med"/>
-                    </a:lnL>
-                    <a:lnR w="12700" cap="flat" cmpd="sng" algn="ctr">
-                      <a:solidFill>
-                        <a:srgbClr val="000000"/>
-                      </a:solidFill>
-                      <a:prstDash val="solid"/>
-                      <a:round/>
-                      <a:headEnd type="none" w="med" len="med"/>
-                      <a:tailEnd type="none" w="med" len="med"/>
-                    </a:lnR>
-                    <a:lnT w="12700" cap="flat" cmpd="sng" algn="ctr">
-                      <a:solidFill>
-                        <a:srgbClr val="000000"/>
-                      </a:solidFill>
-                      <a:prstDash val="solid"/>
-                      <a:round/>
-                      <a:headEnd type="none" w="med" len="med"/>
-                      <a:tailEnd type="none" w="med" len="med"/>
-                    </a:lnT>
-                    <a:lnB w="12700" cap="flat" cmpd="sng" algn="ctr">
-                      <a:solidFill>
-                        <a:srgbClr val="000000"/>
-                      </a:solidFill>
-                      <a:prstDash val="solid"/>
-                      <a:round/>
-                      <a:headEnd type="none" w="med" len="med"/>
-                      <a:tailEnd type="none" w="med" len="med"/>
-                    </a:lnB>
-                  </a:tcPr>
-                </a:tc>
-                <a:tc>
-                  <a:txBody>
-                    <a:bodyPr/>
-                    <a:lstStyle/>
-                    <a:p>
-                      <a:pPr marL="0" marR="0">
-                        <a:spcBef>
-                          <a:spcPts val="0"/>
-                        </a:spcBef>
-                        <a:spcAft>
-                          <a:spcPts val="0"/>
-                        </a:spcAft>
-                      </a:pPr>
-                      <a:r>
-                        <a:rPr lang="it-IT" sz="1500">
-                          <a:effectLst/>
-                          <a:latin typeface="Century Gothic" panose="020B0502020202020204" pitchFamily="34" charset="0"/>
-                          <a:ea typeface="Century Gothic" panose="020B0502020202020204" pitchFamily="34" charset="0"/>
-                          <a:cs typeface="Century Gothic" panose="020B0502020202020204" pitchFamily="34" charset="0"/>
-                        </a:rPr>
-                        <a:t>Boundary</a:t>
-                      </a:r>
-                      <a:endParaRPr lang="it-IT" sz="2000">
-                        <a:effectLst/>
-                        <a:latin typeface="Times New Roman" panose="02020603050405020304" pitchFamily="18" charset="0"/>
-                        <a:ea typeface="Times New Roman" panose="02020603050405020304" pitchFamily="18" charset="0"/>
-                      </a:endParaRPr>
-                    </a:p>
-                  </a:txBody>
-                  <a:tcPr marL="101072" marR="101072" marT="101072" marB="101072">
-                    <a:lnL w="12700" cap="flat" cmpd="sng" algn="ctr">
-                      <a:solidFill>
-                        <a:srgbClr val="000000"/>
-                      </a:solidFill>
-                      <a:prstDash val="solid"/>
-                      <a:round/>
-                      <a:headEnd type="none" w="med" len="med"/>
-                      <a:tailEnd type="none" w="med" len="med"/>
-                    </a:lnL>
-                    <a:lnR w="12700" cap="flat" cmpd="sng" algn="ctr">
-                      <a:solidFill>
-                        <a:srgbClr val="000000"/>
-                      </a:solidFill>
-                      <a:prstDash val="solid"/>
-                      <a:round/>
-                      <a:headEnd type="none" w="med" len="med"/>
-                      <a:tailEnd type="none" w="med" len="med"/>
-                    </a:lnR>
-                    <a:lnT w="12700" cap="flat" cmpd="sng" algn="ctr">
-                      <a:solidFill>
-                        <a:srgbClr val="000000"/>
-                      </a:solidFill>
-                      <a:prstDash val="solid"/>
-                      <a:round/>
-                      <a:headEnd type="none" w="med" len="med"/>
-                      <a:tailEnd type="none" w="med" len="med"/>
-                    </a:lnT>
-                    <a:lnB w="12700" cap="flat" cmpd="sng" algn="ctr">
-                      <a:solidFill>
-                        <a:srgbClr val="000000"/>
-                      </a:solidFill>
-                      <a:prstDash val="solid"/>
-                      <a:round/>
-                      <a:headEnd type="none" w="med" len="med"/>
-                      <a:tailEnd type="none" w="med" len="med"/>
-                    </a:lnB>
-                  </a:tcPr>
-                </a:tc>
-                <a:tc>
-                  <a:txBody>
-                    <a:bodyPr/>
-                    <a:lstStyle/>
-                    <a:p>
-                      <a:pPr marL="0" marR="0">
-                        <a:spcBef>
-                          <a:spcPts val="0"/>
-                        </a:spcBef>
-                        <a:spcAft>
-                          <a:spcPts val="0"/>
-                        </a:spcAft>
-                      </a:pPr>
-                      <a:r>
-                        <a:rPr lang="it-IT" sz="1500">
-                          <a:effectLst/>
-                          <a:latin typeface="Century Gothic" panose="020B0502020202020204" pitchFamily="34" charset="0"/>
-                          <a:ea typeface="Century Gothic" panose="020B0502020202020204" pitchFamily="34" charset="0"/>
-                          <a:cs typeface="Century Gothic" panose="020B0502020202020204" pitchFamily="34" charset="0"/>
-                        </a:rPr>
-                        <a:t>Sottomette il form delle informazioni di un nuovo prodotto</a:t>
-                      </a:r>
-                      <a:endParaRPr lang="it-IT" sz="2000">
-                        <a:effectLst/>
-                        <a:latin typeface="Times New Roman" panose="02020603050405020304" pitchFamily="18" charset="0"/>
-                        <a:ea typeface="Times New Roman" panose="02020603050405020304" pitchFamily="18" charset="0"/>
-                      </a:endParaRPr>
-                    </a:p>
-                  </a:txBody>
-                  <a:tcPr marL="101072" marR="101072" marT="101072" marB="101072">
-                    <a:lnL w="12700" cap="flat" cmpd="sng" algn="ctr">
-                      <a:solidFill>
-                        <a:srgbClr val="000000"/>
-                      </a:solidFill>
-                      <a:prstDash val="solid"/>
-                      <a:round/>
-                      <a:headEnd type="none" w="med" len="med"/>
-                      <a:tailEnd type="none" w="med" len="med"/>
-                    </a:lnL>
-                    <a:lnR w="12700" cap="flat" cmpd="sng" algn="ctr">
-                      <a:solidFill>
-                        <a:srgbClr val="000000"/>
-                      </a:solidFill>
-                      <a:prstDash val="solid"/>
-                      <a:round/>
-                      <a:headEnd type="none" w="med" len="med"/>
-                      <a:tailEnd type="none" w="med" len="med"/>
-                    </a:lnR>
-                    <a:lnT w="12700" cap="flat" cmpd="sng" algn="ctr">
-                      <a:solidFill>
-                        <a:srgbClr val="000000"/>
-                      </a:solidFill>
-                      <a:prstDash val="solid"/>
-                      <a:round/>
-                      <a:headEnd type="none" w="med" len="med"/>
-                      <a:tailEnd type="none" w="med" len="med"/>
-                    </a:lnT>
-                    <a:lnB w="12700" cap="flat" cmpd="sng" algn="ctr">
-                      <a:solidFill>
-                        <a:srgbClr val="000000"/>
-                      </a:solidFill>
-                      <a:prstDash val="solid"/>
-                      <a:round/>
-                      <a:headEnd type="none" w="med" len="med"/>
-                      <a:tailEnd type="none" w="med" len="med"/>
-                    </a:lnB>
-                  </a:tcPr>
-                </a:tc>
-                <a:extLst>
-                  <a:ext uri="{0D108BD9-81ED-4DB2-BD59-A6C34878D82A}">
-                    <a16:rowId xmlns:a16="http://schemas.microsoft.com/office/drawing/2014/main" val="3072479067"/>
-                  </a:ext>
-                </a:extLst>
-              </a:tr>
-              <a:tr h="444720">
-                <a:tc>
-                  <a:txBody>
-                    <a:bodyPr/>
-                    <a:lstStyle/>
-                    <a:p>
-                      <a:pPr marL="0" marR="0">
-                        <a:spcBef>
-                          <a:spcPts val="0"/>
-                        </a:spcBef>
-                        <a:spcAft>
-                          <a:spcPts val="0"/>
-                        </a:spcAft>
-                      </a:pPr>
-                      <a:r>
-                        <a:rPr lang="it-IT" sz="1500">
-                          <a:effectLst/>
-                          <a:latin typeface="Century Gothic" panose="020B0502020202020204" pitchFamily="34" charset="0"/>
-                          <a:ea typeface="Century Gothic" panose="020B0502020202020204" pitchFamily="34" charset="0"/>
-                          <a:cs typeface="Century Gothic" panose="020B0502020202020204" pitchFamily="34" charset="0"/>
-                        </a:rPr>
-                        <a:t>AdministationControl</a:t>
-                      </a:r>
-                      <a:endParaRPr lang="it-IT" sz="2000">
-                        <a:effectLst/>
-                        <a:latin typeface="Times New Roman" panose="02020603050405020304" pitchFamily="18" charset="0"/>
-                        <a:ea typeface="Times New Roman" panose="02020603050405020304" pitchFamily="18" charset="0"/>
-                      </a:endParaRPr>
-                    </a:p>
-                  </a:txBody>
-                  <a:tcPr marL="101072" marR="101072" marT="101072" marB="101072">
-                    <a:lnL w="12700" cap="flat" cmpd="sng" algn="ctr">
-                      <a:solidFill>
-                        <a:srgbClr val="000000"/>
-                      </a:solidFill>
-                      <a:prstDash val="solid"/>
-                      <a:round/>
-                      <a:headEnd type="none" w="med" len="med"/>
-                      <a:tailEnd type="none" w="med" len="med"/>
-                    </a:lnL>
-                    <a:lnR w="12700" cap="flat" cmpd="sng" algn="ctr">
-                      <a:solidFill>
-                        <a:srgbClr val="000000"/>
-                      </a:solidFill>
-                      <a:prstDash val="solid"/>
-                      <a:round/>
-                      <a:headEnd type="none" w="med" len="med"/>
-                      <a:tailEnd type="none" w="med" len="med"/>
-                    </a:lnR>
-                    <a:lnT w="12700" cap="flat" cmpd="sng" algn="ctr">
-                      <a:solidFill>
-                        <a:srgbClr val="000000"/>
-                      </a:solidFill>
-                      <a:prstDash val="solid"/>
-                      <a:round/>
-                      <a:headEnd type="none" w="med" len="med"/>
-                      <a:tailEnd type="none" w="med" len="med"/>
-                    </a:lnT>
-                    <a:lnB w="12700" cap="flat" cmpd="sng" algn="ctr">
-                      <a:solidFill>
-                        <a:srgbClr val="000000"/>
-                      </a:solidFill>
-                      <a:prstDash val="solid"/>
-                      <a:round/>
-                      <a:headEnd type="none" w="med" len="med"/>
-                      <a:tailEnd type="none" w="med" len="med"/>
-                    </a:lnB>
-                  </a:tcPr>
-                </a:tc>
-                <a:tc>
-                  <a:txBody>
-                    <a:bodyPr/>
-                    <a:lstStyle/>
-                    <a:p>
-                      <a:pPr marL="0" marR="0">
-                        <a:spcBef>
-                          <a:spcPts val="0"/>
-                        </a:spcBef>
-                        <a:spcAft>
-                          <a:spcPts val="0"/>
-                        </a:spcAft>
-                      </a:pPr>
-                      <a:r>
-                        <a:rPr lang="it-IT" sz="1500">
-                          <a:effectLst/>
-                          <a:latin typeface="Century Gothic" panose="020B0502020202020204" pitchFamily="34" charset="0"/>
-                          <a:ea typeface="Century Gothic" panose="020B0502020202020204" pitchFamily="34" charset="0"/>
-                          <a:cs typeface="Century Gothic" panose="020B0502020202020204" pitchFamily="34" charset="0"/>
-                        </a:rPr>
-                        <a:t>Control</a:t>
-                      </a:r>
-                      <a:endParaRPr lang="it-IT" sz="2000">
-                        <a:effectLst/>
-                        <a:latin typeface="Times New Roman" panose="02020603050405020304" pitchFamily="18" charset="0"/>
-                        <a:ea typeface="Times New Roman" panose="02020603050405020304" pitchFamily="18" charset="0"/>
-                      </a:endParaRPr>
-                    </a:p>
-                  </a:txBody>
-                  <a:tcPr marL="101072" marR="101072" marT="101072" marB="101072">
-                    <a:lnL w="12700" cap="flat" cmpd="sng" algn="ctr">
-                      <a:solidFill>
-                        <a:srgbClr val="000000"/>
-                      </a:solidFill>
-                      <a:prstDash val="solid"/>
-                      <a:round/>
-                      <a:headEnd type="none" w="med" len="med"/>
-                      <a:tailEnd type="none" w="med" len="med"/>
-                    </a:lnL>
-                    <a:lnR w="12700" cap="flat" cmpd="sng" algn="ctr">
-                      <a:solidFill>
-                        <a:srgbClr val="000000"/>
-                      </a:solidFill>
-                      <a:prstDash val="solid"/>
-                      <a:round/>
-                      <a:headEnd type="none" w="med" len="med"/>
-                      <a:tailEnd type="none" w="med" len="med"/>
-                    </a:lnR>
-                    <a:lnT w="12700" cap="flat" cmpd="sng" algn="ctr">
-                      <a:solidFill>
-                        <a:srgbClr val="000000"/>
-                      </a:solidFill>
-                      <a:prstDash val="solid"/>
-                      <a:round/>
-                      <a:headEnd type="none" w="med" len="med"/>
-                      <a:tailEnd type="none" w="med" len="med"/>
-                    </a:lnT>
-                    <a:lnB w="12700" cap="flat" cmpd="sng" algn="ctr">
-                      <a:solidFill>
-                        <a:srgbClr val="000000"/>
-                      </a:solidFill>
-                      <a:prstDash val="solid"/>
-                      <a:round/>
-                      <a:headEnd type="none" w="med" len="med"/>
-                      <a:tailEnd type="none" w="med" len="med"/>
-                    </a:lnB>
-                  </a:tcPr>
-                </a:tc>
-                <a:tc>
-                  <a:txBody>
-                    <a:bodyPr/>
-                    <a:lstStyle/>
-                    <a:p>
-                      <a:pPr marL="0" marR="0">
-                        <a:spcBef>
-                          <a:spcPts val="0"/>
-                        </a:spcBef>
-                        <a:spcAft>
-                          <a:spcPts val="0"/>
-                        </a:spcAft>
-                      </a:pPr>
-                      <a:r>
-                        <a:rPr lang="it-IT" sz="1500" dirty="0">
-                          <a:effectLst/>
-                          <a:latin typeface="Century Gothic" panose="020B0502020202020204" pitchFamily="34" charset="0"/>
-                          <a:ea typeface="Century Gothic" panose="020B0502020202020204" pitchFamily="34" charset="0"/>
-                          <a:cs typeface="Century Gothic" panose="020B0502020202020204" pitchFamily="34" charset="0"/>
-                        </a:rPr>
-                        <a:t>Gestisce le attività permesse all’admin</a:t>
-                      </a:r>
-                      <a:endParaRPr lang="it-IT" sz="2000" dirty="0">
-                        <a:effectLst/>
-                        <a:latin typeface="Times New Roman" panose="02020603050405020304" pitchFamily="18" charset="0"/>
-                        <a:ea typeface="Times New Roman" panose="02020603050405020304" pitchFamily="18" charset="0"/>
-                      </a:endParaRPr>
-                    </a:p>
-                  </a:txBody>
-                  <a:tcPr marL="101072" marR="101072" marT="101072" marB="101072">
-                    <a:lnL w="12700" cap="flat" cmpd="sng" algn="ctr">
-                      <a:solidFill>
-                        <a:srgbClr val="000000"/>
-                      </a:solidFill>
-                      <a:prstDash val="solid"/>
-                      <a:round/>
-                      <a:headEnd type="none" w="med" len="med"/>
-                      <a:tailEnd type="none" w="med" len="med"/>
-                    </a:lnL>
-                    <a:lnR w="12700" cap="flat" cmpd="sng" algn="ctr">
-                      <a:solidFill>
-                        <a:srgbClr val="000000"/>
-                      </a:solidFill>
-                      <a:prstDash val="solid"/>
-                      <a:round/>
-                      <a:headEnd type="none" w="med" len="med"/>
-                      <a:tailEnd type="none" w="med" len="med"/>
-                    </a:lnR>
-                    <a:lnT w="12700" cap="flat" cmpd="sng" algn="ctr">
-                      <a:solidFill>
-                        <a:srgbClr val="000000"/>
-                      </a:solidFill>
-                      <a:prstDash val="solid"/>
-                      <a:round/>
-                      <a:headEnd type="none" w="med" len="med"/>
-                      <a:tailEnd type="none" w="med" len="med"/>
-                    </a:lnT>
-                    <a:lnB w="12700" cap="flat" cmpd="sng" algn="ctr">
-                      <a:solidFill>
-                        <a:srgbClr val="000000"/>
-                      </a:solidFill>
-                      <a:prstDash val="solid"/>
-                      <a:round/>
-                      <a:headEnd type="none" w="med" len="med"/>
-                      <a:tailEnd type="none" w="med" len="med"/>
-                    </a:lnB>
-                  </a:tcPr>
-                </a:tc>
-                <a:extLst>
-                  <a:ext uri="{0D108BD9-81ED-4DB2-BD59-A6C34878D82A}">
-                    <a16:rowId xmlns:a16="http://schemas.microsoft.com/office/drawing/2014/main" val="379445133"/>
-                  </a:ext>
-                </a:extLst>
-              </a:tr>
-              <a:tr h="687297">
-                <a:tc>
-                  <a:txBody>
-                    <a:bodyPr/>
-                    <a:lstStyle/>
-                    <a:p>
-                      <a:pPr marL="0" marR="0">
-                        <a:spcBef>
-                          <a:spcPts val="0"/>
-                        </a:spcBef>
-                        <a:spcAft>
-                          <a:spcPts val="0"/>
-                        </a:spcAft>
-                      </a:pPr>
-                      <a:r>
-                        <a:rPr lang="it-IT" sz="1500">
-                          <a:effectLst/>
-                          <a:latin typeface="Century Gothic" panose="020B0502020202020204" pitchFamily="34" charset="0"/>
-                          <a:ea typeface="Century Gothic" panose="020B0502020202020204" pitchFamily="34" charset="0"/>
-                          <a:cs typeface="Century Gothic" panose="020B0502020202020204" pitchFamily="34" charset="0"/>
-                        </a:rPr>
-                        <a:t>ProductControl</a:t>
-                      </a:r>
-                      <a:endParaRPr lang="it-IT" sz="2000">
-                        <a:effectLst/>
-                        <a:latin typeface="Times New Roman" panose="02020603050405020304" pitchFamily="18" charset="0"/>
-                        <a:ea typeface="Times New Roman" panose="02020603050405020304" pitchFamily="18" charset="0"/>
-                      </a:endParaRPr>
-                    </a:p>
-                  </a:txBody>
-                  <a:tcPr marL="101072" marR="101072" marT="101072" marB="101072">
-                    <a:lnL w="12700" cap="flat" cmpd="sng" algn="ctr">
-                      <a:solidFill>
-                        <a:srgbClr val="000000"/>
-                      </a:solidFill>
-                      <a:prstDash val="solid"/>
-                      <a:round/>
-                      <a:headEnd type="none" w="med" len="med"/>
-                      <a:tailEnd type="none" w="med" len="med"/>
-                    </a:lnL>
-                    <a:lnR w="12700" cap="flat" cmpd="sng" algn="ctr">
-                      <a:solidFill>
-                        <a:srgbClr val="000000"/>
-                      </a:solidFill>
-                      <a:prstDash val="solid"/>
-                      <a:round/>
-                      <a:headEnd type="none" w="med" len="med"/>
-                      <a:tailEnd type="none" w="med" len="med"/>
-                    </a:lnR>
-                    <a:lnT w="12700" cap="flat" cmpd="sng" algn="ctr">
-                      <a:solidFill>
-                        <a:srgbClr val="000000"/>
-                      </a:solidFill>
-                      <a:prstDash val="solid"/>
-                      <a:round/>
-                      <a:headEnd type="none" w="med" len="med"/>
-                      <a:tailEnd type="none" w="med" len="med"/>
-                    </a:lnT>
-                    <a:lnB w="12700" cap="flat" cmpd="sng" algn="ctr">
-                      <a:solidFill>
-                        <a:srgbClr val="000000"/>
-                      </a:solidFill>
-                      <a:prstDash val="solid"/>
-                      <a:round/>
-                      <a:headEnd type="none" w="med" len="med"/>
-                      <a:tailEnd type="none" w="med" len="med"/>
-                    </a:lnB>
-                  </a:tcPr>
-                </a:tc>
-                <a:tc>
-                  <a:txBody>
-                    <a:bodyPr/>
-                    <a:lstStyle/>
-                    <a:p>
-                      <a:pPr marL="0" marR="0">
-                        <a:spcBef>
-                          <a:spcPts val="0"/>
-                        </a:spcBef>
-                        <a:spcAft>
-                          <a:spcPts val="0"/>
-                        </a:spcAft>
-                      </a:pPr>
-                      <a:r>
-                        <a:rPr lang="it-IT" sz="1500">
-                          <a:effectLst/>
-                          <a:latin typeface="Century Gothic" panose="020B0502020202020204" pitchFamily="34" charset="0"/>
-                          <a:ea typeface="Century Gothic" panose="020B0502020202020204" pitchFamily="34" charset="0"/>
-                          <a:cs typeface="Century Gothic" panose="020B0502020202020204" pitchFamily="34" charset="0"/>
-                        </a:rPr>
-                        <a:t>Control</a:t>
-                      </a:r>
-                      <a:endParaRPr lang="it-IT" sz="2000">
-                        <a:effectLst/>
-                        <a:latin typeface="Times New Roman" panose="02020603050405020304" pitchFamily="18" charset="0"/>
-                        <a:ea typeface="Times New Roman" panose="02020603050405020304" pitchFamily="18" charset="0"/>
-                      </a:endParaRPr>
-                    </a:p>
-                  </a:txBody>
-                  <a:tcPr marL="101072" marR="101072" marT="101072" marB="101072">
-                    <a:lnL w="12700" cap="flat" cmpd="sng" algn="ctr">
-                      <a:solidFill>
-                        <a:srgbClr val="000000"/>
-                      </a:solidFill>
-                      <a:prstDash val="solid"/>
-                      <a:round/>
-                      <a:headEnd type="none" w="med" len="med"/>
-                      <a:tailEnd type="none" w="med" len="med"/>
-                    </a:lnL>
-                    <a:lnR w="12700" cap="flat" cmpd="sng" algn="ctr">
-                      <a:solidFill>
-                        <a:srgbClr val="000000"/>
-                      </a:solidFill>
-                      <a:prstDash val="solid"/>
-                      <a:round/>
-                      <a:headEnd type="none" w="med" len="med"/>
-                      <a:tailEnd type="none" w="med" len="med"/>
-                    </a:lnR>
-                    <a:lnT w="12700" cap="flat" cmpd="sng" algn="ctr">
-                      <a:solidFill>
-                        <a:srgbClr val="000000"/>
-                      </a:solidFill>
-                      <a:prstDash val="solid"/>
-                      <a:round/>
-                      <a:headEnd type="none" w="med" len="med"/>
-                      <a:tailEnd type="none" w="med" len="med"/>
-                    </a:lnT>
-                    <a:lnB w="12700" cap="flat" cmpd="sng" algn="ctr">
-                      <a:solidFill>
-                        <a:srgbClr val="000000"/>
-                      </a:solidFill>
-                      <a:prstDash val="solid"/>
-                      <a:round/>
-                      <a:headEnd type="none" w="med" len="med"/>
-                      <a:tailEnd type="none" w="med" len="med"/>
-                    </a:lnB>
-                  </a:tcPr>
-                </a:tc>
-                <a:tc>
-                  <a:txBody>
-                    <a:bodyPr/>
-                    <a:lstStyle/>
-                    <a:p>
-                      <a:pPr marL="0" marR="0">
-                        <a:spcBef>
-                          <a:spcPts val="0"/>
-                        </a:spcBef>
-                        <a:spcAft>
-                          <a:spcPts val="0"/>
-                        </a:spcAft>
-                      </a:pPr>
-                      <a:r>
-                        <a:rPr lang="it-IT" sz="1500" dirty="0">
-                          <a:effectLst/>
-                          <a:latin typeface="Century Gothic" panose="020B0502020202020204" pitchFamily="34" charset="0"/>
-                          <a:ea typeface="Century Gothic" panose="020B0502020202020204" pitchFamily="34" charset="0"/>
-                          <a:cs typeface="Century Gothic" panose="020B0502020202020204" pitchFamily="34" charset="0"/>
-                        </a:rPr>
-                        <a:t>Permette di recuperare le informazioni relative a uno o più prodotti dal database</a:t>
-                      </a:r>
-                      <a:endParaRPr lang="it-IT" sz="2000" dirty="0">
-                        <a:effectLst/>
-                        <a:latin typeface="Times New Roman" panose="02020603050405020304" pitchFamily="18" charset="0"/>
-                        <a:ea typeface="Times New Roman" panose="02020603050405020304" pitchFamily="18" charset="0"/>
-                      </a:endParaRPr>
-                    </a:p>
-                  </a:txBody>
-                  <a:tcPr marL="101072" marR="101072" marT="101072" marB="101072">
-                    <a:lnL w="12700" cap="flat" cmpd="sng" algn="ctr">
-                      <a:solidFill>
-                        <a:srgbClr val="000000"/>
-                      </a:solidFill>
-                      <a:prstDash val="solid"/>
-                      <a:round/>
-                      <a:headEnd type="none" w="med" len="med"/>
-                      <a:tailEnd type="none" w="med" len="med"/>
-                    </a:lnL>
-                    <a:lnR w="12700" cap="flat" cmpd="sng" algn="ctr">
-                      <a:solidFill>
-                        <a:srgbClr val="000000"/>
-                      </a:solidFill>
-                      <a:prstDash val="solid"/>
-                      <a:round/>
-                      <a:headEnd type="none" w="med" len="med"/>
-                      <a:tailEnd type="none" w="med" len="med"/>
-                    </a:lnR>
-                    <a:lnT w="12700" cap="flat" cmpd="sng" algn="ctr">
-                      <a:solidFill>
-                        <a:srgbClr val="000000"/>
-                      </a:solidFill>
-                      <a:prstDash val="solid"/>
-                      <a:round/>
-                      <a:headEnd type="none" w="med" len="med"/>
-                      <a:tailEnd type="none" w="med" len="med"/>
-                    </a:lnT>
-                    <a:lnB w="12700" cap="flat" cmpd="sng" algn="ctr">
-                      <a:solidFill>
-                        <a:srgbClr val="000000"/>
-                      </a:solidFill>
-                      <a:prstDash val="solid"/>
-                      <a:round/>
-                      <a:headEnd type="none" w="med" len="med"/>
-                      <a:tailEnd type="none" w="med" len="med"/>
-                    </a:lnB>
-                  </a:tcPr>
-                </a:tc>
-                <a:extLst>
-                  <a:ext uri="{0D108BD9-81ED-4DB2-BD59-A6C34878D82A}">
-                    <a16:rowId xmlns:a16="http://schemas.microsoft.com/office/drawing/2014/main" val="1294914589"/>
-                  </a:ext>
-                </a:extLst>
-              </a:tr>
-              <a:tr h="1172445">
-                <a:tc>
-                  <a:txBody>
-                    <a:bodyPr/>
-                    <a:lstStyle/>
-                    <a:p>
-                      <a:pPr marL="0" marR="0">
-                        <a:spcBef>
-                          <a:spcPts val="0"/>
-                        </a:spcBef>
-                        <a:spcAft>
-                          <a:spcPts val="0"/>
-                        </a:spcAft>
-                      </a:pPr>
-                      <a:r>
-                        <a:rPr lang="it-IT" sz="1500" dirty="0" err="1">
-                          <a:effectLst/>
-                          <a:latin typeface="Century Gothic" panose="020B0502020202020204" pitchFamily="34" charset="0"/>
-                          <a:ea typeface="Century Gothic" panose="020B0502020202020204" pitchFamily="34" charset="0"/>
-                          <a:cs typeface="Century Gothic" panose="020B0502020202020204" pitchFamily="34" charset="0"/>
-                        </a:rPr>
-                        <a:t>DataBase</a:t>
-                      </a:r>
-                      <a:endParaRPr lang="it-IT" sz="2000" dirty="0">
-                        <a:effectLst/>
-                        <a:latin typeface="Times New Roman" panose="02020603050405020304" pitchFamily="18" charset="0"/>
-                        <a:ea typeface="Times New Roman" panose="02020603050405020304" pitchFamily="18" charset="0"/>
-                      </a:endParaRPr>
-                    </a:p>
-                  </a:txBody>
-                  <a:tcPr marL="101072" marR="101072" marT="101072" marB="101072">
-                    <a:lnL w="12700" cap="flat" cmpd="sng" algn="ctr">
-                      <a:solidFill>
-                        <a:srgbClr val="000000"/>
-                      </a:solidFill>
-                      <a:prstDash val="solid"/>
-                      <a:round/>
-                      <a:headEnd type="none" w="med" len="med"/>
-                      <a:tailEnd type="none" w="med" len="med"/>
-                    </a:lnL>
-                    <a:lnR w="12700" cap="flat" cmpd="sng" algn="ctr">
-                      <a:solidFill>
-                        <a:srgbClr val="000000"/>
-                      </a:solidFill>
-                      <a:prstDash val="solid"/>
-                      <a:round/>
-                      <a:headEnd type="none" w="med" len="med"/>
-                      <a:tailEnd type="none" w="med" len="med"/>
-                    </a:lnR>
-                    <a:lnT w="12700" cap="flat" cmpd="sng" algn="ctr">
-                      <a:solidFill>
-                        <a:srgbClr val="000000"/>
-                      </a:solidFill>
-                      <a:prstDash val="solid"/>
-                      <a:round/>
-                      <a:headEnd type="none" w="med" len="med"/>
-                      <a:tailEnd type="none" w="med" len="med"/>
-                    </a:lnT>
-                    <a:lnB w="12700" cap="flat" cmpd="sng" algn="ctr">
-                      <a:solidFill>
-                        <a:srgbClr val="000000"/>
-                      </a:solidFill>
-                      <a:prstDash val="solid"/>
-                      <a:round/>
-                      <a:headEnd type="none" w="med" len="med"/>
-                      <a:tailEnd type="none" w="med" len="med"/>
-                    </a:lnB>
-                  </a:tcPr>
-                </a:tc>
-                <a:tc>
-                  <a:txBody>
-                    <a:bodyPr/>
-                    <a:lstStyle/>
-                    <a:p>
-                      <a:pPr marL="0" marR="0">
-                        <a:spcBef>
-                          <a:spcPts val="0"/>
-                        </a:spcBef>
-                        <a:spcAft>
-                          <a:spcPts val="0"/>
-                        </a:spcAft>
-                      </a:pPr>
-                      <a:r>
-                        <a:rPr lang="it-IT" sz="1500" dirty="0" err="1">
-                          <a:effectLst/>
-                          <a:latin typeface="Century Gothic" panose="020B0502020202020204" pitchFamily="34" charset="0"/>
-                          <a:ea typeface="Century Gothic" panose="020B0502020202020204" pitchFamily="34" charset="0"/>
-                          <a:cs typeface="Century Gothic" panose="020B0502020202020204" pitchFamily="34" charset="0"/>
-                        </a:rPr>
-                        <a:t>Entity</a:t>
-                      </a:r>
-                      <a:endParaRPr lang="it-IT" sz="2000" dirty="0">
-                        <a:effectLst/>
-                        <a:latin typeface="Times New Roman" panose="02020603050405020304" pitchFamily="18" charset="0"/>
-                        <a:ea typeface="Times New Roman" panose="02020603050405020304" pitchFamily="18" charset="0"/>
-                      </a:endParaRPr>
-                    </a:p>
-                  </a:txBody>
-                  <a:tcPr marL="101072" marR="101072" marT="101072" marB="101072">
-                    <a:lnL w="12700" cap="flat" cmpd="sng" algn="ctr">
-                      <a:solidFill>
-                        <a:srgbClr val="000000"/>
-                      </a:solidFill>
-                      <a:prstDash val="solid"/>
-                      <a:round/>
-                      <a:headEnd type="none" w="med" len="med"/>
-                      <a:tailEnd type="none" w="med" len="med"/>
-                    </a:lnL>
-                    <a:lnR w="12700" cap="flat" cmpd="sng" algn="ctr">
-                      <a:solidFill>
-                        <a:srgbClr val="000000"/>
-                      </a:solidFill>
-                      <a:prstDash val="solid"/>
-                      <a:round/>
-                      <a:headEnd type="none" w="med" len="med"/>
-                      <a:tailEnd type="none" w="med" len="med"/>
-                    </a:lnR>
-                    <a:lnT w="12700" cap="flat" cmpd="sng" algn="ctr">
-                      <a:solidFill>
-                        <a:srgbClr val="000000"/>
-                      </a:solidFill>
-                      <a:prstDash val="solid"/>
-                      <a:round/>
-                      <a:headEnd type="none" w="med" len="med"/>
-                      <a:tailEnd type="none" w="med" len="med"/>
-                    </a:lnT>
-                    <a:lnB w="12700" cap="flat" cmpd="sng" algn="ctr">
-                      <a:solidFill>
-                        <a:srgbClr val="000000"/>
-                      </a:solidFill>
-                      <a:prstDash val="solid"/>
-                      <a:round/>
-                      <a:headEnd type="none" w="med" len="med"/>
-                      <a:tailEnd type="none" w="med" len="med"/>
-                    </a:lnB>
-                  </a:tcPr>
-                </a:tc>
-                <a:tc>
-                  <a:txBody>
-                    <a:bodyPr/>
-                    <a:lstStyle/>
-                    <a:p>
-                      <a:pPr marL="0" marR="0">
-                        <a:spcBef>
-                          <a:spcPts val="0"/>
-                        </a:spcBef>
-                        <a:spcAft>
-                          <a:spcPts val="0"/>
-                        </a:spcAft>
-                      </a:pPr>
-                      <a:r>
-                        <a:rPr lang="it-IT" sz="1500" dirty="0">
-                          <a:effectLst/>
-                          <a:latin typeface="Century Gothic" panose="020B0502020202020204" pitchFamily="34" charset="0"/>
-                          <a:ea typeface="Century Gothic" panose="020B0502020202020204" pitchFamily="34" charset="0"/>
-                          <a:cs typeface="Century Gothic" panose="020B0502020202020204" pitchFamily="34" charset="0"/>
-                        </a:rPr>
-                        <a:t>Consente al sistema di salvare i dati della registrazione dell’utente. Permette di utilizzare le informazioni persistenti per visualizzare ed effettuare controlli sui dati immessi nel sistema.</a:t>
-                      </a:r>
-                      <a:endParaRPr lang="it-IT" sz="2000" dirty="0">
-                        <a:effectLst/>
-                        <a:latin typeface="Times New Roman" panose="02020603050405020304" pitchFamily="18" charset="0"/>
-                        <a:ea typeface="Times New Roman" panose="02020603050405020304" pitchFamily="18" charset="0"/>
-                      </a:endParaRPr>
-                    </a:p>
-                  </a:txBody>
-                  <a:tcPr marL="101072" marR="101072" marT="101072" marB="101072">
-                    <a:lnL w="12700" cap="flat" cmpd="sng" algn="ctr">
-                      <a:solidFill>
-                        <a:srgbClr val="000000"/>
-                      </a:solidFill>
-                      <a:prstDash val="solid"/>
-                      <a:round/>
-                      <a:headEnd type="none" w="med" len="med"/>
-                      <a:tailEnd type="none" w="med" len="med"/>
-                    </a:lnL>
-                    <a:lnR w="12700" cap="flat" cmpd="sng" algn="ctr">
-                      <a:solidFill>
-                        <a:srgbClr val="000000"/>
-                      </a:solidFill>
-                      <a:prstDash val="solid"/>
-                      <a:round/>
-                      <a:headEnd type="none" w="med" len="med"/>
-                      <a:tailEnd type="none" w="med" len="med"/>
-                    </a:lnR>
-                    <a:lnT w="12700" cap="flat" cmpd="sng" algn="ctr">
-                      <a:solidFill>
-                        <a:srgbClr val="000000"/>
-                      </a:solidFill>
-                      <a:prstDash val="solid"/>
-                      <a:round/>
-                      <a:headEnd type="none" w="med" len="med"/>
-                      <a:tailEnd type="none" w="med" len="med"/>
-                    </a:lnT>
-                    <a:lnB w="12700" cap="flat" cmpd="sng" algn="ctr">
-                      <a:solidFill>
-                        <a:srgbClr val="000000"/>
-                      </a:solidFill>
-                      <a:prstDash val="solid"/>
-                      <a:round/>
-                      <a:headEnd type="none" w="med" len="med"/>
-                      <a:tailEnd type="none" w="med" len="med"/>
-                    </a:lnB>
-                  </a:tcPr>
-                </a:tc>
-                <a:extLst>
-                  <a:ext uri="{0D108BD9-81ED-4DB2-BD59-A6C34878D82A}">
-                    <a16:rowId xmlns:a16="http://schemas.microsoft.com/office/drawing/2014/main" val="87944656"/>
-                  </a:ext>
-                </a:extLst>
-              </a:tr>
-              <a:tr h="672283">
-                <a:tc>
-                  <a:txBody>
-                    <a:bodyPr/>
-                    <a:lstStyle/>
-                    <a:p>
-                      <a:pPr marL="0" marR="0" algn="l" defTabSz="914400" rtl="0" eaLnBrk="1" latinLnBrk="0" hangingPunct="1">
-                        <a:spcBef>
-                          <a:spcPts val="0"/>
-                        </a:spcBef>
-                        <a:spcAft>
-                          <a:spcPts val="0"/>
-                        </a:spcAft>
-                      </a:pPr>
-                      <a:r>
-                        <a:rPr lang="it-IT" sz="1500" kern="1200" dirty="0">
-                          <a:solidFill>
-                            <a:schemeClr val="tx1"/>
-                          </a:solidFill>
-                          <a:effectLst/>
-                          <a:latin typeface="Century Gothic" panose="020B0502020202020204" pitchFamily="34" charset="0"/>
-                          <a:ea typeface="Times New Roman" panose="02020603050405020304" pitchFamily="18" charset="0"/>
-                        </a:rPr>
-                        <a:t>Product</a:t>
-                      </a:r>
-                    </a:p>
-                  </a:txBody>
-                  <a:tcPr marL="101072" marR="101072" marT="101072" marB="101072">
-                    <a:lnL w="12700" cap="flat" cmpd="sng" algn="ctr">
-                      <a:solidFill>
-                        <a:srgbClr val="000000"/>
-                      </a:solidFill>
-                      <a:prstDash val="solid"/>
-                      <a:round/>
-                      <a:headEnd type="none" w="med" len="med"/>
-                      <a:tailEnd type="none" w="med" len="med"/>
-                    </a:lnL>
-                    <a:lnR w="12700" cap="flat" cmpd="sng" algn="ctr">
-                      <a:solidFill>
-                        <a:srgbClr val="000000"/>
-                      </a:solidFill>
-                      <a:prstDash val="solid"/>
-                      <a:round/>
-                      <a:headEnd type="none" w="med" len="med"/>
-                      <a:tailEnd type="none" w="med" len="med"/>
-                    </a:lnR>
-                    <a:lnT w="12700" cap="flat" cmpd="sng" algn="ctr">
-                      <a:solidFill>
-                        <a:srgbClr val="000000"/>
-                      </a:solidFill>
-                      <a:prstDash val="solid"/>
-                      <a:round/>
-                      <a:headEnd type="none" w="med" len="med"/>
-                      <a:tailEnd type="none" w="med" len="med"/>
-                    </a:lnT>
-                    <a:lnB w="12700" cap="flat" cmpd="sng" algn="ctr">
-                      <a:solidFill>
-                        <a:srgbClr val="000000"/>
-                      </a:solidFill>
-                      <a:prstDash val="solid"/>
-                      <a:round/>
-                      <a:headEnd type="none" w="med" len="med"/>
-                      <a:tailEnd type="none" w="med" len="med"/>
-                    </a:lnB>
-                  </a:tcPr>
-                </a:tc>
-                <a:tc>
-                  <a:txBody>
-                    <a:bodyPr/>
-                    <a:lstStyle/>
-                    <a:p>
-                      <a:pPr marL="0" marR="0">
-                        <a:spcBef>
-                          <a:spcPts val="0"/>
-                        </a:spcBef>
-                        <a:spcAft>
-                          <a:spcPts val="0"/>
-                        </a:spcAft>
-                      </a:pPr>
-                      <a:r>
-                        <a:rPr lang="it-IT" sz="1500" kern="1200" dirty="0" err="1">
-                          <a:solidFill>
-                            <a:schemeClr val="tx1"/>
-                          </a:solidFill>
-                          <a:effectLst/>
-                          <a:latin typeface="Century Gothic" panose="020B0502020202020204" pitchFamily="34" charset="0"/>
-                          <a:ea typeface="Times New Roman" panose="02020603050405020304" pitchFamily="18" charset="0"/>
-                        </a:rPr>
-                        <a:t>Entity</a:t>
-                      </a:r>
-                      <a:endParaRPr lang="it-IT" sz="1500" kern="1200" dirty="0">
-                        <a:solidFill>
-                          <a:schemeClr val="tx1"/>
-                        </a:solidFill>
-                        <a:effectLst/>
-                        <a:latin typeface="Century Gothic" panose="020B0502020202020204" pitchFamily="34" charset="0"/>
-                        <a:ea typeface="Times New Roman" panose="02020603050405020304" pitchFamily="18" charset="0"/>
-                      </a:endParaRPr>
-                    </a:p>
-                  </a:txBody>
-                  <a:tcPr marL="101072" marR="101072" marT="101072" marB="101072">
-                    <a:lnL w="12700" cap="flat" cmpd="sng" algn="ctr">
-                      <a:solidFill>
-                        <a:srgbClr val="000000"/>
-                      </a:solidFill>
-                      <a:prstDash val="solid"/>
-                      <a:round/>
-                      <a:headEnd type="none" w="med" len="med"/>
-                      <a:tailEnd type="none" w="med" len="med"/>
-                    </a:lnL>
-                    <a:lnR w="12700" cap="flat" cmpd="sng" algn="ctr">
-                      <a:solidFill>
-                        <a:srgbClr val="000000"/>
-                      </a:solidFill>
-                      <a:prstDash val="solid"/>
-                      <a:round/>
-                      <a:headEnd type="none" w="med" len="med"/>
-                      <a:tailEnd type="none" w="med" len="med"/>
-                    </a:lnR>
-                    <a:lnT w="12700" cap="flat" cmpd="sng" algn="ctr">
-                      <a:solidFill>
-                        <a:srgbClr val="000000"/>
-                      </a:solidFill>
-                      <a:prstDash val="solid"/>
-                      <a:round/>
-                      <a:headEnd type="none" w="med" len="med"/>
-                      <a:tailEnd type="none" w="med" len="med"/>
-                    </a:lnT>
-                    <a:lnB w="12700" cap="flat" cmpd="sng" algn="ctr">
-                      <a:solidFill>
-                        <a:srgbClr val="000000"/>
-                      </a:solidFill>
-                      <a:prstDash val="solid"/>
-                      <a:round/>
-                      <a:headEnd type="none" w="med" len="med"/>
-                      <a:tailEnd type="none" w="med" len="med"/>
-                    </a:lnB>
-                  </a:tcPr>
-                </a:tc>
-                <a:tc>
-                  <a:txBody>
-                    <a:bodyPr/>
-                    <a:lstStyle/>
-                    <a:p>
-                      <a:pPr marL="0" marR="0">
-                        <a:spcBef>
-                          <a:spcPts val="0"/>
-                        </a:spcBef>
-                        <a:spcAft>
-                          <a:spcPts val="0"/>
-                        </a:spcAft>
-                      </a:pPr>
-                      <a:r>
-                        <a:rPr lang="it-IT" sz="1500" kern="1200" dirty="0">
-                          <a:solidFill>
-                            <a:schemeClr val="tx1"/>
-                          </a:solidFill>
-                          <a:effectLst/>
-                          <a:latin typeface="Century Gothic" panose="020B0502020202020204" pitchFamily="34" charset="0"/>
-                          <a:ea typeface="Times New Roman" panose="02020603050405020304" pitchFamily="18" charset="0"/>
-                        </a:rPr>
-                        <a:t>Consente di memorizzare informazioni relative ad un particolare libro</a:t>
-                      </a:r>
-                    </a:p>
-                  </a:txBody>
-                  <a:tcPr marL="101072" marR="101072" marT="101072" marB="101072">
-                    <a:lnL w="12700" cap="flat" cmpd="sng" algn="ctr">
-                      <a:solidFill>
-                        <a:srgbClr val="000000"/>
-                      </a:solidFill>
-                      <a:prstDash val="solid"/>
-                      <a:round/>
-                      <a:headEnd type="none" w="med" len="med"/>
-                      <a:tailEnd type="none" w="med" len="med"/>
-                    </a:lnL>
-                    <a:lnR w="12700" cap="flat" cmpd="sng" algn="ctr">
-                      <a:solidFill>
-                        <a:srgbClr val="000000"/>
-                      </a:solidFill>
-                      <a:prstDash val="solid"/>
-                      <a:round/>
-                      <a:headEnd type="none" w="med" len="med"/>
-                      <a:tailEnd type="none" w="med" len="med"/>
-                    </a:lnR>
-                    <a:lnT w="12700" cap="flat" cmpd="sng" algn="ctr">
-                      <a:solidFill>
-                        <a:srgbClr val="000000"/>
-                      </a:solidFill>
-                      <a:prstDash val="solid"/>
-                      <a:round/>
-                      <a:headEnd type="none" w="med" len="med"/>
-                      <a:tailEnd type="none" w="med" len="med"/>
-                    </a:lnT>
-                    <a:lnB w="12700" cap="flat" cmpd="sng" algn="ctr">
-                      <a:solidFill>
-                        <a:srgbClr val="000000"/>
-                      </a:solidFill>
-                      <a:prstDash val="solid"/>
-                      <a:round/>
-                      <a:headEnd type="none" w="med" len="med"/>
-                      <a:tailEnd type="none" w="med" len="med"/>
-                    </a:lnB>
-                  </a:tcPr>
-                </a:tc>
-                <a:extLst>
-                  <a:ext uri="{0D108BD9-81ED-4DB2-BD59-A6C34878D82A}">
-                    <a16:rowId xmlns:a16="http://schemas.microsoft.com/office/drawing/2014/main" val="3483193385"/>
+                    <a16:rowId xmlns:a16="http://schemas.microsoft.com/office/drawing/2014/main" val="2975772692"/>
                   </a:ext>
                 </a:extLst>
               </a:tr>
@@ -19201,7 +19744,7 @@
     </p:spTree>
     <p:extLst>
       <p:ext uri="{BB962C8B-B14F-4D97-AF65-F5344CB8AC3E}">
-        <p14:creationId xmlns:p14="http://schemas.microsoft.com/office/powerpoint/2010/main" val="2800877631"/>
+        <p14:creationId xmlns:p14="http://schemas.microsoft.com/office/powerpoint/2010/main" val="184946498"/>
       </p:ext>
     </p:extLst>
   </p:cSld>

--- a/Presentazione_Prima consegna/presentazione PrimaConsegna.pptx
+++ b/Presentazione_Prima consegna/presentazione PrimaConsegna.pptx
@@ -11,23 +11,23 @@
     <p:sldId id="257" r:id="rId2"/>
     <p:sldId id="263" r:id="rId3"/>
     <p:sldId id="264" r:id="rId4"/>
-    <p:sldId id="262" r:id="rId5"/>
-    <p:sldId id="265" r:id="rId6"/>
-    <p:sldId id="267" r:id="rId7"/>
-    <p:sldId id="277" r:id="rId8"/>
-    <p:sldId id="269" r:id="rId9"/>
-    <p:sldId id="271" r:id="rId10"/>
-    <p:sldId id="272" r:id="rId11"/>
-    <p:sldId id="274" r:id="rId12"/>
-    <p:sldId id="278" r:id="rId13"/>
-    <p:sldId id="279" r:id="rId14"/>
-    <p:sldId id="276" r:id="rId15"/>
+    <p:sldId id="265" r:id="rId5"/>
+    <p:sldId id="262" r:id="rId6"/>
+    <p:sldId id="266" r:id="rId7"/>
+    <p:sldId id="271" r:id="rId8"/>
+    <p:sldId id="272" r:id="rId9"/>
+    <p:sldId id="274" r:id="rId10"/>
+    <p:sldId id="278" r:id="rId11"/>
+    <p:sldId id="279" r:id="rId12"/>
+    <p:sldId id="276" r:id="rId13"/>
+    <p:sldId id="267" r:id="rId14"/>
+    <p:sldId id="277" r:id="rId15"/>
     <p:sldId id="268" r:id="rId16"/>
     <p:sldId id="270" r:id="rId17"/>
-    <p:sldId id="266" r:id="rId18"/>
+    <p:sldId id="269" r:id="rId18"/>
     <p:sldId id="275" r:id="rId19"/>
-    <p:sldId id="258" r:id="rId20"/>
-    <p:sldId id="259" r:id="rId21"/>
+    <p:sldId id="259" r:id="rId20"/>
+    <p:sldId id="258" r:id="rId21"/>
   </p:sldIdLst>
   <p:sldSz cx="12192000" cy="6858000"/>
   <p:notesSz cx="6858000" cy="9144000"/>
@@ -183,7 +183,7 @@
             </a:lvl1pPr>
           </a:lstStyle>
           <a:p>
-            <a:endParaRPr lang="it-IT"/>
+            <a:endParaRPr lang="it-IT" dirty="0"/>
           </a:p>
         </p:txBody>
       </p:sp>
@@ -216,9 +216,9 @@
           <a:p>
             <a:fld id="{94AE6AE3-6C4F-4985-8BF4-D339751B5499}" type="datetimeFigureOut">
               <a:rPr lang="it-IT" smtClean="0"/>
-              <a:t>14/12/2021</a:t>
+              <a:t>15/12/2021</a:t>
             </a:fld>
-            <a:endParaRPr lang="it-IT"/>
+            <a:endParaRPr lang="it-IT" dirty="0"/>
           </a:p>
         </p:txBody>
       </p:sp>
@@ -251,7 +251,7 @@
           <a:bodyPr vert="horz" lIns="91440" tIns="45720" rIns="91440" bIns="45720" rtlCol="0" anchor="ctr"/>
           <a:lstStyle/>
           <a:p>
-            <a:endParaRPr lang="it-IT"/>
+            <a:endParaRPr lang="it-IT" dirty="0"/>
           </a:p>
         </p:txBody>
       </p:sp>
@@ -341,7 +341,7 @@
             </a:lvl1pPr>
           </a:lstStyle>
           <a:p>
-            <a:endParaRPr lang="it-IT"/>
+            <a:endParaRPr lang="it-IT" dirty="0"/>
           </a:p>
         </p:txBody>
       </p:sp>
@@ -376,7 +376,7 @@
               <a:rPr lang="it-IT" smtClean="0"/>
               <a:t>‹N›</a:t>
             </a:fld>
-            <a:endParaRPr lang="it-IT"/>
+            <a:endParaRPr lang="it-IT" dirty="0"/>
           </a:p>
         </p:txBody>
       </p:sp>
@@ -1694,7 +1694,7 @@
           <a:p>
             <a:fld id="{246CB39B-5F4C-4A7E-9BE3-AAFD45576D16}" type="datetime2">
               <a:rPr lang="en-US" smtClean="0"/>
-              <a:t>Tuesday, December 14, 2021</a:t>
+              <a:t>Wednesday, December 15, 2021</a:t>
             </a:fld>
             <a:endParaRPr lang="en-US" dirty="0"/>
           </a:p>
@@ -1731,10 +1731,9 @@
           </a:lstStyle>
           <a:p>
             <a:r>
-              <a:rPr lang="en-US"/>
+              <a:rPr lang="en-US" dirty="0"/>
               <a:t>Sample Footer</a:t>
             </a:r>
-            <a:endParaRPr lang="en-US" dirty="0"/>
           </a:p>
         </p:txBody>
       </p:sp>
@@ -1773,7 +1772,7 @@
               <a:pPr/>
               <a:t>‹N›</a:t>
             </a:fld>
-            <a:endParaRPr lang="en-US"/>
+            <a:endParaRPr lang="en-US" dirty="0"/>
           </a:p>
         </p:txBody>
       </p:sp>
@@ -1938,7 +1937,7 @@
           <a:p>
             <a:fld id="{246CB39B-5F4C-4A7E-9BE3-AAFD45576D16}" type="datetime2">
               <a:rPr lang="en-US" smtClean="0"/>
-              <a:t>Tuesday, December 14, 2021</a:t>
+              <a:t>Wednesday, December 15, 2021</a:t>
             </a:fld>
             <a:endParaRPr lang="en-US" dirty="0"/>
           </a:p>
@@ -1960,10 +1959,9 @@
           <a:lstStyle/>
           <a:p>
             <a:r>
-              <a:rPr lang="en-US"/>
+              <a:rPr lang="en-US" dirty="0"/>
               <a:t>Sample Footer</a:t>
             </a:r>
-            <a:endParaRPr lang="en-US" dirty="0"/>
           </a:p>
         </p:txBody>
       </p:sp>
@@ -1987,7 +1985,7 @@
               <a:pPr/>
               <a:t>‹N›</a:t>
             </a:fld>
-            <a:endParaRPr lang="en-US"/>
+            <a:endParaRPr lang="en-US" dirty="0"/>
           </a:p>
         </p:txBody>
       </p:sp>
@@ -2124,7 +2122,7 @@
           <a:p>
             <a:fld id="{246CB39B-5F4C-4A7E-9BE3-AAFD45576D16}" type="datetime2">
               <a:rPr lang="en-US" smtClean="0"/>
-              <a:t>Tuesday, December 14, 2021</a:t>
+              <a:t>Wednesday, December 15, 2021</a:t>
             </a:fld>
             <a:endParaRPr lang="en-US" dirty="0"/>
           </a:p>
@@ -2146,10 +2144,9 @@
           <a:lstStyle/>
           <a:p>
             <a:r>
-              <a:rPr lang="en-US"/>
+              <a:rPr lang="en-US" dirty="0"/>
               <a:t>Sample Footer</a:t>
             </a:r>
-            <a:endParaRPr lang="en-US" dirty="0"/>
           </a:p>
         </p:txBody>
       </p:sp>
@@ -2173,7 +2170,7 @@
               <a:pPr/>
               <a:t>‹N›</a:t>
             </a:fld>
-            <a:endParaRPr lang="en-US"/>
+            <a:endParaRPr lang="en-US" dirty="0"/>
           </a:p>
         </p:txBody>
       </p:sp>
@@ -2300,7 +2297,7 @@
           <a:p>
             <a:fld id="{246CB39B-5F4C-4A7E-9BE3-AAFD45576D16}" type="datetime2">
               <a:rPr lang="en-US" smtClean="0"/>
-              <a:t>Tuesday, December 14, 2021</a:t>
+              <a:t>Wednesday, December 15, 2021</a:t>
             </a:fld>
             <a:endParaRPr lang="en-US" dirty="0"/>
           </a:p>
@@ -2322,10 +2319,9 @@
           <a:lstStyle/>
           <a:p>
             <a:r>
-              <a:rPr lang="en-US"/>
+              <a:rPr lang="en-US" dirty="0"/>
               <a:t>Sample Footer</a:t>
             </a:r>
-            <a:endParaRPr lang="en-US" dirty="0"/>
           </a:p>
         </p:txBody>
       </p:sp>
@@ -2349,7 +2345,7 @@
               <a:pPr/>
               <a:t>‹N›</a:t>
             </a:fld>
-            <a:endParaRPr lang="en-US"/>
+            <a:endParaRPr lang="en-US" dirty="0"/>
           </a:p>
         </p:txBody>
       </p:sp>
@@ -2582,7 +2578,7 @@
           <a:p>
             <a:fld id="{246CB39B-5F4C-4A7E-9BE3-AAFD45576D16}" type="datetime2">
               <a:rPr lang="en-US" smtClean="0"/>
-              <a:t>Tuesday, December 14, 2021</a:t>
+              <a:t>Wednesday, December 15, 2021</a:t>
             </a:fld>
             <a:endParaRPr lang="en-US" dirty="0"/>
           </a:p>
@@ -2617,10 +2613,9 @@
           </a:lstStyle>
           <a:p>
             <a:r>
-              <a:rPr lang="en-US"/>
+              <a:rPr lang="en-US" dirty="0"/>
               <a:t>Sample Footer</a:t>
             </a:r>
-            <a:endParaRPr lang="en-US" dirty="0"/>
           </a:p>
         </p:txBody>
       </p:sp>
@@ -2657,7 +2652,7 @@
               <a:pPr/>
               <a:t>‹N›</a:t>
             </a:fld>
-            <a:endParaRPr lang="en-US"/>
+            <a:endParaRPr lang="en-US" dirty="0"/>
           </a:p>
         </p:txBody>
       </p:sp>
@@ -3789,7 +3784,7 @@
           <a:p>
             <a:fld id="{246CB39B-5F4C-4A7E-9BE3-AAFD45576D16}" type="datetime2">
               <a:rPr lang="en-US" smtClean="0"/>
-              <a:t>Tuesday, December 14, 2021</a:t>
+              <a:t>Wednesday, December 15, 2021</a:t>
             </a:fld>
             <a:endParaRPr lang="en-US" dirty="0"/>
           </a:p>
@@ -3811,10 +3806,9 @@
           <a:lstStyle/>
           <a:p>
             <a:r>
-              <a:rPr lang="en-US"/>
+              <a:rPr lang="en-US" dirty="0"/>
               <a:t>Sample Footer</a:t>
             </a:r>
-            <a:endParaRPr lang="en-US" dirty="0"/>
           </a:p>
         </p:txBody>
       </p:sp>
@@ -3838,7 +3832,7 @@
               <a:pPr/>
               <a:t>‹N›</a:t>
             </a:fld>
-            <a:endParaRPr lang="en-US"/>
+            <a:endParaRPr lang="en-US" dirty="0"/>
           </a:p>
         </p:txBody>
       </p:sp>
@@ -4185,7 +4179,7 @@
           <a:p>
             <a:fld id="{246CB39B-5F4C-4A7E-9BE3-AAFD45576D16}" type="datetime2">
               <a:rPr lang="en-US" smtClean="0"/>
-              <a:t>Tuesday, December 14, 2021</a:t>
+              <a:t>Wednesday, December 15, 2021</a:t>
             </a:fld>
             <a:endParaRPr lang="en-US" dirty="0"/>
           </a:p>
@@ -4207,10 +4201,9 @@
           <a:lstStyle/>
           <a:p>
             <a:r>
-              <a:rPr lang="en-US"/>
+              <a:rPr lang="en-US" dirty="0"/>
               <a:t>Sample Footer</a:t>
             </a:r>
-            <a:endParaRPr lang="en-US" dirty="0"/>
           </a:p>
         </p:txBody>
       </p:sp>
@@ -4234,7 +4227,7 @@
               <a:pPr/>
               <a:t>‹N›</a:t>
             </a:fld>
-            <a:endParaRPr lang="en-US"/>
+            <a:endParaRPr lang="en-US" dirty="0"/>
           </a:p>
         </p:txBody>
       </p:sp>
@@ -4314,7 +4307,7 @@
           <a:p>
             <a:fld id="{246CB39B-5F4C-4A7E-9BE3-AAFD45576D16}" type="datetime2">
               <a:rPr lang="en-US" smtClean="0"/>
-              <a:t>Tuesday, December 14, 2021</a:t>
+              <a:t>Wednesday, December 15, 2021</a:t>
             </a:fld>
             <a:endParaRPr lang="en-US" dirty="0"/>
           </a:p>
@@ -4336,10 +4329,9 @@
           <a:lstStyle/>
           <a:p>
             <a:r>
-              <a:rPr lang="en-US"/>
+              <a:rPr lang="en-US" dirty="0"/>
               <a:t>Sample Footer</a:t>
             </a:r>
-            <a:endParaRPr lang="en-US" dirty="0"/>
           </a:p>
         </p:txBody>
       </p:sp>
@@ -4363,7 +4355,7 @@
               <a:pPr/>
               <a:t>‹N›</a:t>
             </a:fld>
-            <a:endParaRPr lang="en-US"/>
+            <a:endParaRPr lang="en-US" dirty="0"/>
           </a:p>
         </p:txBody>
       </p:sp>
@@ -4415,7 +4407,7 @@
           <a:p>
             <a:fld id="{246CB39B-5F4C-4A7E-9BE3-AAFD45576D16}" type="datetime2">
               <a:rPr lang="en-US" smtClean="0"/>
-              <a:t>Tuesday, December 14, 2021</a:t>
+              <a:t>Wednesday, December 15, 2021</a:t>
             </a:fld>
             <a:endParaRPr lang="en-US" dirty="0"/>
           </a:p>
@@ -4437,10 +4429,9 @@
           <a:lstStyle/>
           <a:p>
             <a:r>
-              <a:rPr lang="en-US"/>
+              <a:rPr lang="en-US" dirty="0"/>
               <a:t>Sample Footer</a:t>
             </a:r>
-            <a:endParaRPr lang="en-US" dirty="0"/>
           </a:p>
         </p:txBody>
       </p:sp>
@@ -4464,7 +4455,7 @@
               <a:pPr/>
               <a:t>‹N›</a:t>
             </a:fld>
-            <a:endParaRPr lang="en-US"/>
+            <a:endParaRPr lang="en-US" dirty="0"/>
           </a:p>
         </p:txBody>
       </p:sp>
@@ -5184,7 +5175,7 @@
           <a:p>
             <a:fld id="{246CB39B-5F4C-4A7E-9BE3-AAFD45576D16}" type="datetime2">
               <a:rPr lang="en-US" smtClean="0"/>
-              <a:t>Tuesday, December 14, 2021</a:t>
+              <a:t>Wednesday, December 15, 2021</a:t>
             </a:fld>
             <a:endParaRPr lang="en-US" dirty="0"/>
           </a:p>
@@ -5211,10 +5202,9 @@
           <a:lstStyle/>
           <a:p>
             <a:r>
-              <a:rPr lang="en-US"/>
+              <a:rPr lang="en-US" dirty="0"/>
               <a:t>Sample Footer</a:t>
             </a:r>
-            <a:endParaRPr lang="en-US" dirty="0"/>
           </a:p>
         </p:txBody>
       </p:sp>
@@ -5243,7 +5233,7 @@
               <a:pPr/>
               <a:t>‹N›</a:t>
             </a:fld>
-            <a:endParaRPr lang="en-US"/>
+            <a:endParaRPr lang="en-US" dirty="0"/>
           </a:p>
         </p:txBody>
       </p:sp>
@@ -5385,7 +5375,7 @@
           </a:lstStyle>
           <a:p>
             <a:r>
-              <a:rPr lang="it-IT"/>
+              <a:rPr lang="it-IT" dirty="0"/>
               <a:t>Fare clic sull'icona per inserire un'immagine</a:t>
             </a:r>
             <a:endParaRPr lang="en-US" dirty="0"/>
@@ -6030,7 +6020,7 @@
           <a:p>
             <a:fld id="{246CB39B-5F4C-4A7E-9BE3-AAFD45576D16}" type="datetime2">
               <a:rPr lang="en-US" smtClean="0"/>
-              <a:t>Tuesday, December 14, 2021</a:t>
+              <a:t>Wednesday, December 15, 2021</a:t>
             </a:fld>
             <a:endParaRPr lang="en-US" dirty="0"/>
           </a:p>
@@ -6057,10 +6047,9 @@
           <a:lstStyle/>
           <a:p>
             <a:r>
-              <a:rPr lang="en-US"/>
+              <a:rPr lang="en-US" dirty="0"/>
               <a:t>Sample Footer</a:t>
             </a:r>
-            <a:endParaRPr lang="en-US" dirty="0"/>
           </a:p>
         </p:txBody>
       </p:sp>
@@ -6089,7 +6078,7 @@
               <a:pPr/>
               <a:t>‹N›</a:t>
             </a:fld>
-            <a:endParaRPr lang="en-US"/>
+            <a:endParaRPr lang="en-US" dirty="0"/>
           </a:p>
         </p:txBody>
       </p:sp>
@@ -6263,7 +6252,7 @@
           <a:p>
             <a:fld id="{246CB39B-5F4C-4A7E-9BE3-AAFD45576D16}" type="datetime2">
               <a:rPr lang="en-US" smtClean="0"/>
-              <a:t>Tuesday, December 14, 2021</a:t>
+              <a:t>Wednesday, December 15, 2021</a:t>
             </a:fld>
             <a:endParaRPr lang="en-US" dirty="0"/>
           </a:p>
@@ -6304,10 +6293,9 @@
           </a:lstStyle>
           <a:p>
             <a:r>
-              <a:rPr lang="en-US"/>
+              <a:rPr lang="en-US" dirty="0"/>
               <a:t>Sample Footer</a:t>
             </a:r>
-            <a:endParaRPr lang="en-US" dirty="0"/>
           </a:p>
         </p:txBody>
       </p:sp>
@@ -6350,7 +6338,7 @@
               <a:pPr/>
               <a:t>‹N›</a:t>
             </a:fld>
-            <a:endParaRPr lang="en-US"/>
+            <a:endParaRPr lang="en-US" dirty="0"/>
           </a:p>
         </p:txBody>
       </p:sp>
@@ -7335,7 +7323,7 @@
           <a:lstStyle/>
           <a:p>
             <a:pPr algn="ctr"/>
-            <a:endParaRPr lang="en-US"/>
+            <a:endParaRPr lang="en-US" dirty="0"/>
           </a:p>
         </p:txBody>
       </p:sp>
@@ -8848,2409 +8836,6 @@
         </p:nvSpPr>
         <p:spPr>
           <a:xfrm rot="16200000">
-            <a:off x="-1633454" y="1527297"/>
-            <a:ext cx="4018742" cy="751823"/>
-          </a:xfrm>
-        </p:spPr>
-        <p:txBody>
-          <a:bodyPr>
-            <a:normAutofit fontScale="90000"/>
-          </a:bodyPr>
-          <a:lstStyle/>
-          <a:p>
-            <a:r>
-              <a:rPr lang="it-IT" dirty="0">
-                <a:solidFill>
-                  <a:srgbClr val="F8B323"/>
-                </a:solidFill>
-              </a:rPr>
-              <a:t>Architettura</a:t>
-            </a:r>
-          </a:p>
-        </p:txBody>
-      </p:sp>
-      <p:sp>
-        <p:nvSpPr>
-          <p:cNvPr id="3" name="Segnaposto contenuto 2">
-            <a:extLst>
-              <a:ext uri="{FF2B5EF4-FFF2-40B4-BE49-F238E27FC236}">
-                <a16:creationId xmlns:a16="http://schemas.microsoft.com/office/drawing/2014/main" id="{0D1F4823-2969-402A-86AF-FE8D80B3F521}"/>
-              </a:ext>
-            </a:extLst>
-          </p:cNvPr>
-          <p:cNvSpPr>
-            <a:spLocks noGrp="1"/>
-          </p:cNvSpPr>
-          <p:nvPr>
-            <p:ph idx="1"/>
-          </p:nvPr>
-        </p:nvSpPr>
-        <p:spPr>
-          <a:xfrm>
-            <a:off x="960120" y="173737"/>
-            <a:ext cx="10643616" cy="1883663"/>
-          </a:xfrm>
-        </p:spPr>
-        <p:txBody>
-          <a:bodyPr>
-            <a:normAutofit/>
-          </a:bodyPr>
-          <a:lstStyle/>
-          <a:p>
-            <a:pPr marL="0" indent="0">
-              <a:buNone/>
-            </a:pPr>
-            <a:r>
-              <a:rPr lang="it-IT" dirty="0"/>
-              <a:t>Design Pattern MVC ( Model, Control, </a:t>
-            </a:r>
-            <a:r>
-              <a:rPr lang="it-IT" dirty="0" err="1"/>
-              <a:t>View</a:t>
-            </a:r>
-            <a:r>
-              <a:rPr lang="it-IT" dirty="0"/>
-              <a:t>) :</a:t>
-            </a:r>
-          </a:p>
-          <a:p>
-            <a:pPr marL="0" lvl="0" indent="0">
-              <a:buNone/>
-            </a:pPr>
-            <a:r>
-              <a:rPr lang="it-IT" dirty="0"/>
-              <a:t>    - </a:t>
-            </a:r>
-            <a:r>
-              <a:rPr lang="it-IT" sz="1800" i="1" u="none" strike="noStrike" dirty="0">
-                <a:effectLst/>
-                <a:latin typeface="Garamond" panose="02020404030301010803" pitchFamily="18" charset="0"/>
-                <a:ea typeface="Garamond" panose="02020404030301010803" pitchFamily="18" charset="0"/>
-                <a:cs typeface="Garamond" panose="02020404030301010803" pitchFamily="18" charset="0"/>
-              </a:rPr>
-              <a:t>Model</a:t>
-            </a:r>
-            <a:r>
-              <a:rPr lang="it-IT" sz="1800" u="none" strike="noStrike" dirty="0">
-                <a:effectLst/>
-                <a:latin typeface="Garamond" panose="02020404030301010803" pitchFamily="18" charset="0"/>
-                <a:ea typeface="Garamond" panose="02020404030301010803" pitchFamily="18" charset="0"/>
-                <a:cs typeface="Garamond" panose="02020404030301010803" pitchFamily="18" charset="0"/>
-              </a:rPr>
-              <a:t>: è il </a:t>
-            </a:r>
-            <a:r>
-              <a:rPr lang="it-IT" sz="1800" u="none" strike="noStrike" dirty="0" err="1">
-                <a:effectLst/>
-                <a:latin typeface="Garamond" panose="02020404030301010803" pitchFamily="18" charset="0"/>
-                <a:ea typeface="Garamond" panose="02020404030301010803" pitchFamily="18" charset="0"/>
-                <a:cs typeface="Garamond" panose="02020404030301010803" pitchFamily="18" charset="0"/>
-              </a:rPr>
-              <a:t>layer</a:t>
-            </a:r>
-            <a:r>
-              <a:rPr lang="it-IT" sz="1800" u="none" strike="noStrike" dirty="0">
-                <a:effectLst/>
-                <a:latin typeface="Garamond" panose="02020404030301010803" pitchFamily="18" charset="0"/>
-                <a:ea typeface="Garamond" panose="02020404030301010803" pitchFamily="18" charset="0"/>
-                <a:cs typeface="Garamond" panose="02020404030301010803" pitchFamily="18" charset="0"/>
-              </a:rPr>
-              <a:t> che si occupa di comunicare col database;</a:t>
-            </a:r>
-            <a:endParaRPr lang="it-IT" sz="1800" u="none" strike="noStrike" dirty="0">
-              <a:effectLst/>
-              <a:latin typeface="Times New Roman" panose="02020603050405020304" pitchFamily="18" charset="0"/>
-              <a:ea typeface="Times New Roman" panose="02020603050405020304" pitchFamily="18" charset="0"/>
-            </a:endParaRPr>
-          </a:p>
-          <a:p>
-            <a:pPr marL="0" lvl="0" indent="0">
-              <a:buNone/>
-            </a:pPr>
-            <a:r>
-              <a:rPr lang="it-IT" sz="1800" i="1" u="none" strike="noStrike" dirty="0">
-                <a:effectLst/>
-                <a:latin typeface="Garamond" panose="02020404030301010803" pitchFamily="18" charset="0"/>
-                <a:ea typeface="Garamond" panose="02020404030301010803" pitchFamily="18" charset="0"/>
-                <a:cs typeface="Garamond" panose="02020404030301010803" pitchFamily="18" charset="0"/>
-              </a:rPr>
-              <a:t>     </a:t>
-            </a:r>
-            <a:r>
-              <a:rPr lang="it-IT" sz="1800" dirty="0"/>
-              <a:t>-</a:t>
-            </a:r>
-            <a:r>
-              <a:rPr lang="it-IT" sz="1800" i="1" u="none" strike="noStrike" dirty="0">
-                <a:effectLst/>
-                <a:latin typeface="Garamond" panose="02020404030301010803" pitchFamily="18" charset="0"/>
-                <a:ea typeface="Garamond" panose="02020404030301010803" pitchFamily="18" charset="0"/>
-                <a:cs typeface="Garamond" panose="02020404030301010803" pitchFamily="18" charset="0"/>
-              </a:rPr>
-              <a:t> </a:t>
-            </a:r>
-            <a:r>
-              <a:rPr lang="it-IT" sz="1800" i="1" u="none" strike="noStrike" dirty="0" err="1">
-                <a:effectLst/>
-                <a:latin typeface="Garamond" panose="02020404030301010803" pitchFamily="18" charset="0"/>
-                <a:ea typeface="Garamond" panose="02020404030301010803" pitchFamily="18" charset="0"/>
-                <a:cs typeface="Garamond" panose="02020404030301010803" pitchFamily="18" charset="0"/>
-              </a:rPr>
-              <a:t>View</a:t>
-            </a:r>
-            <a:r>
-              <a:rPr lang="it-IT" sz="1800" u="none" strike="noStrike" dirty="0">
-                <a:effectLst/>
-                <a:latin typeface="Garamond" panose="02020404030301010803" pitchFamily="18" charset="0"/>
-                <a:ea typeface="Garamond" panose="02020404030301010803" pitchFamily="18" charset="0"/>
-                <a:cs typeface="Garamond" panose="02020404030301010803" pitchFamily="18" charset="0"/>
-              </a:rPr>
-              <a:t>: è il </a:t>
-            </a:r>
-            <a:r>
-              <a:rPr lang="it-IT" sz="1800" u="none" strike="noStrike" dirty="0" err="1">
-                <a:effectLst/>
-                <a:latin typeface="Garamond" panose="02020404030301010803" pitchFamily="18" charset="0"/>
-                <a:ea typeface="Garamond" panose="02020404030301010803" pitchFamily="18" charset="0"/>
-                <a:cs typeface="Garamond" panose="02020404030301010803" pitchFamily="18" charset="0"/>
-              </a:rPr>
-              <a:t>layer</a:t>
-            </a:r>
-            <a:r>
-              <a:rPr lang="it-IT" sz="1800" u="none" strike="noStrike" dirty="0">
-                <a:effectLst/>
-                <a:latin typeface="Garamond" panose="02020404030301010803" pitchFamily="18" charset="0"/>
-                <a:ea typeface="Garamond" panose="02020404030301010803" pitchFamily="18" charset="0"/>
-                <a:cs typeface="Garamond" panose="02020404030301010803" pitchFamily="18" charset="0"/>
-              </a:rPr>
-              <a:t> che si occupa di gestire la parte visiva del sistema che permette agli utenti di interagire con esso;</a:t>
-            </a:r>
-            <a:endParaRPr lang="it-IT" sz="1800" u="none" strike="noStrike" dirty="0">
-              <a:effectLst/>
-              <a:latin typeface="Times New Roman" panose="02020603050405020304" pitchFamily="18" charset="0"/>
-              <a:ea typeface="Times New Roman" panose="02020603050405020304" pitchFamily="18" charset="0"/>
-            </a:endParaRPr>
-          </a:p>
-          <a:p>
-            <a:pPr marL="0" lvl="0" indent="0">
-              <a:buNone/>
-            </a:pPr>
-            <a:r>
-              <a:rPr lang="it-IT" sz="1800" i="1" u="none" strike="noStrike" dirty="0">
-                <a:effectLst/>
-                <a:latin typeface="Garamond" panose="02020404030301010803" pitchFamily="18" charset="0"/>
-                <a:ea typeface="Garamond" panose="02020404030301010803" pitchFamily="18" charset="0"/>
-                <a:cs typeface="Garamond" panose="02020404030301010803" pitchFamily="18" charset="0"/>
-              </a:rPr>
-              <a:t>     </a:t>
-            </a:r>
-            <a:r>
-              <a:rPr lang="it-IT" sz="1800" dirty="0"/>
-              <a:t>- </a:t>
-            </a:r>
-            <a:r>
-              <a:rPr lang="it-IT" sz="1800" i="1" u="none" strike="noStrike" dirty="0">
-                <a:effectLst/>
-                <a:latin typeface="Garamond" panose="02020404030301010803" pitchFamily="18" charset="0"/>
-                <a:ea typeface="Garamond" panose="02020404030301010803" pitchFamily="18" charset="0"/>
-                <a:cs typeface="Garamond" panose="02020404030301010803" pitchFamily="18" charset="0"/>
-              </a:rPr>
-              <a:t>Controller</a:t>
-            </a:r>
-            <a:r>
-              <a:rPr lang="it-IT" sz="1800" u="none" strike="noStrike" dirty="0">
-                <a:effectLst/>
-                <a:latin typeface="Garamond" panose="02020404030301010803" pitchFamily="18" charset="0"/>
-                <a:ea typeface="Garamond" panose="02020404030301010803" pitchFamily="18" charset="0"/>
-                <a:cs typeface="Garamond" panose="02020404030301010803" pitchFamily="18" charset="0"/>
-              </a:rPr>
-              <a:t>: è il </a:t>
-            </a:r>
-            <a:r>
-              <a:rPr lang="it-IT" sz="1800" u="none" strike="noStrike" dirty="0" err="1">
-                <a:effectLst/>
-                <a:latin typeface="Garamond" panose="02020404030301010803" pitchFamily="18" charset="0"/>
-                <a:ea typeface="Garamond" panose="02020404030301010803" pitchFamily="18" charset="0"/>
-                <a:cs typeface="Garamond" panose="02020404030301010803" pitchFamily="18" charset="0"/>
-              </a:rPr>
-              <a:t>layer</a:t>
-            </a:r>
-            <a:r>
-              <a:rPr lang="it-IT" sz="1800" u="none" strike="noStrike" dirty="0">
-                <a:effectLst/>
-                <a:latin typeface="Garamond" panose="02020404030301010803" pitchFamily="18" charset="0"/>
-                <a:ea typeface="Garamond" panose="02020404030301010803" pitchFamily="18" charset="0"/>
-                <a:cs typeface="Garamond" panose="02020404030301010803" pitchFamily="18" charset="0"/>
-              </a:rPr>
-              <a:t> che gestisce la logica di business del sistema. </a:t>
-            </a:r>
-            <a:endParaRPr lang="it-IT" sz="1800" u="none" strike="noStrike" dirty="0">
-              <a:effectLst/>
-              <a:latin typeface="Times New Roman" panose="02020603050405020304" pitchFamily="18" charset="0"/>
-              <a:ea typeface="Times New Roman" panose="02020603050405020304" pitchFamily="18" charset="0"/>
-            </a:endParaRPr>
-          </a:p>
-          <a:p>
-            <a:pPr marL="0" indent="0">
-              <a:buNone/>
-            </a:pPr>
-            <a:endParaRPr lang="it-IT" dirty="0"/>
-          </a:p>
-        </p:txBody>
-      </p:sp>
-      <p:pic>
-        <p:nvPicPr>
-          <p:cNvPr id="5" name="Immagine 4">
-            <a:extLst>
-              <a:ext uri="{FF2B5EF4-FFF2-40B4-BE49-F238E27FC236}">
-                <a16:creationId xmlns:a16="http://schemas.microsoft.com/office/drawing/2014/main" id="{617E46A3-F3D9-4697-B67B-CD1284566BDF}"/>
-              </a:ext>
-            </a:extLst>
-          </p:cNvPr>
-          <p:cNvPicPr>
-            <a:picLocks noChangeAspect="1"/>
-          </p:cNvPicPr>
-          <p:nvPr/>
-        </p:nvPicPr>
-        <p:blipFill>
-          <a:blip r:embed="rId2">
-            <a:extLst>
-              <a:ext uri="{28A0092B-C50C-407E-A947-70E740481C1C}">
-                <a14:useLocalDpi xmlns:a14="http://schemas.microsoft.com/office/drawing/2010/main" val="0"/>
-              </a:ext>
-            </a:extLst>
-          </a:blip>
-          <a:stretch>
-            <a:fillRect/>
-          </a:stretch>
-        </p:blipFill>
-        <p:spPr>
-          <a:xfrm>
-            <a:off x="960120" y="1792224"/>
-            <a:ext cx="7168896" cy="4956048"/>
-          </a:xfrm>
-          <a:prstGeom prst="rect">
-            <a:avLst/>
-          </a:prstGeom>
-        </p:spPr>
-      </p:pic>
-      <p:sp>
-        <p:nvSpPr>
-          <p:cNvPr id="7" name="CasellaDiTesto 6">
-            <a:extLst>
-              <a:ext uri="{FF2B5EF4-FFF2-40B4-BE49-F238E27FC236}">
-                <a16:creationId xmlns:a16="http://schemas.microsoft.com/office/drawing/2014/main" id="{73FD5FCA-E123-4C30-A4D1-C838377DCEAC}"/>
-              </a:ext>
-            </a:extLst>
-          </p:cNvPr>
-          <p:cNvSpPr txBox="1"/>
-          <p:nvPr/>
-        </p:nvSpPr>
-        <p:spPr>
-          <a:xfrm>
-            <a:off x="6947556" y="1411069"/>
-            <a:ext cx="4571340" cy="646331"/>
-          </a:xfrm>
-          <a:prstGeom prst="rect">
-            <a:avLst/>
-          </a:prstGeom>
-          <a:noFill/>
-        </p:spPr>
-        <p:txBody>
-          <a:bodyPr wrap="square" rtlCol="0">
-            <a:spAutoFit/>
-          </a:bodyPr>
-          <a:lstStyle/>
-          <a:p>
-            <a:pPr algn="r"/>
-            <a:r>
-              <a:rPr lang="it-IT" dirty="0">
-                <a:solidFill>
-                  <a:schemeClr val="tx1">
-                    <a:lumMod val="65000"/>
-                    <a:lumOff val="35000"/>
-                  </a:schemeClr>
-                </a:solidFill>
-                <a:latin typeface="Garamond" panose="02020404030301010803" pitchFamily="18" charset="0"/>
-              </a:rPr>
-              <a:t>Esso ci permette di dividere facilmente gli ambiti relativi alla grafica e sicurezza.</a:t>
-            </a:r>
-            <a:endParaRPr lang="it-IT" dirty="0">
-              <a:latin typeface="Garamond" panose="02020404030301010803" pitchFamily="18" charset="0"/>
-            </a:endParaRPr>
-          </a:p>
-        </p:txBody>
-      </p:sp>
-    </p:spTree>
-    <p:extLst>
-      <p:ext uri="{BB962C8B-B14F-4D97-AF65-F5344CB8AC3E}">
-        <p14:creationId xmlns:p14="http://schemas.microsoft.com/office/powerpoint/2010/main" val="2388531818"/>
-      </p:ext>
-    </p:extLst>
-  </p:cSld>
-  <p:clrMapOvr>
-    <a:masterClrMapping/>
-  </p:clrMapOvr>
-</p:sld>
-</file>
-
-<file path=ppt/slides/slide11.xml><?xml version="1.0" encoding="utf-8"?>
-<p:sld xmlns:a="http://schemas.openxmlformats.org/drawingml/2006/main" xmlns:r="http://schemas.openxmlformats.org/officeDocument/2006/relationships" xmlns:p="http://schemas.openxmlformats.org/presentationml/2006/main">
-  <p:cSld>
-    <p:spTree>
-      <p:nvGrpSpPr>
-        <p:cNvPr id="1" name=""/>
-        <p:cNvGrpSpPr/>
-        <p:nvPr/>
-      </p:nvGrpSpPr>
-      <p:grpSpPr>
-        <a:xfrm>
-          <a:off x="0" y="0"/>
-          <a:ext cx="0" cy="0"/>
-          <a:chOff x="0" y="0"/>
-          <a:chExt cx="0" cy="0"/>
-        </a:xfrm>
-      </p:grpSpPr>
-      <p:sp>
-        <p:nvSpPr>
-          <p:cNvPr id="2" name="Titolo 1">
-            <a:extLst>
-              <a:ext uri="{FF2B5EF4-FFF2-40B4-BE49-F238E27FC236}">
-                <a16:creationId xmlns:a16="http://schemas.microsoft.com/office/drawing/2014/main" id="{B091881F-E104-4A2A-A90F-E9C96E8E73B4}"/>
-              </a:ext>
-            </a:extLst>
-          </p:cNvPr>
-          <p:cNvSpPr>
-            <a:spLocks noGrp="1"/>
-          </p:cNvSpPr>
-          <p:nvPr>
-            <p:ph type="title"/>
-          </p:nvPr>
-        </p:nvSpPr>
-        <p:spPr>
-          <a:xfrm rot="16200000">
-            <a:off x="-1798927" y="1692771"/>
-            <a:ext cx="4349692" cy="751823"/>
-          </a:xfrm>
-        </p:spPr>
-        <p:txBody>
-          <a:bodyPr>
-            <a:normAutofit fontScale="90000"/>
-          </a:bodyPr>
-          <a:lstStyle/>
-          <a:p>
-            <a:r>
-              <a:rPr lang="it-IT" dirty="0">
-                <a:solidFill>
-                  <a:srgbClr val="F8B323"/>
-                </a:solidFill>
-              </a:rPr>
-              <a:t>Test case  pt.1</a:t>
-            </a:r>
-          </a:p>
-        </p:txBody>
-      </p:sp>
-      <p:sp>
-        <p:nvSpPr>
-          <p:cNvPr id="3" name="Segnaposto contenuto 2">
-            <a:extLst>
-              <a:ext uri="{FF2B5EF4-FFF2-40B4-BE49-F238E27FC236}">
-                <a16:creationId xmlns:a16="http://schemas.microsoft.com/office/drawing/2014/main" id="{0D1F4823-2969-402A-86AF-FE8D80B3F521}"/>
-              </a:ext>
-            </a:extLst>
-          </p:cNvPr>
-          <p:cNvSpPr>
-            <a:spLocks noGrp="1"/>
-          </p:cNvSpPr>
-          <p:nvPr>
-            <p:ph idx="1"/>
-          </p:nvPr>
-        </p:nvSpPr>
-        <p:spPr>
-          <a:xfrm>
-            <a:off x="1006839" y="208626"/>
-            <a:ext cx="10178322" cy="892205"/>
-          </a:xfrm>
-        </p:spPr>
-        <p:txBody>
-          <a:bodyPr/>
-          <a:lstStyle/>
-          <a:p>
-            <a:pPr marL="0" indent="0">
-              <a:buNone/>
-            </a:pPr>
-            <a:r>
-              <a:rPr lang="it-IT" dirty="0"/>
-              <a:t>Test Case ( TC_16_16) : Inserimento Prodotto Nel Sistema</a:t>
-            </a:r>
-          </a:p>
-        </p:txBody>
-      </p:sp>
-      <p:graphicFrame>
-        <p:nvGraphicFramePr>
-          <p:cNvPr id="4" name="Tabella 3">
-            <a:extLst>
-              <a:ext uri="{FF2B5EF4-FFF2-40B4-BE49-F238E27FC236}">
-                <a16:creationId xmlns:a16="http://schemas.microsoft.com/office/drawing/2014/main" id="{39577F16-43B4-41BB-82BF-250B18DC9B63}"/>
-              </a:ext>
-            </a:extLst>
-          </p:cNvPr>
-          <p:cNvGraphicFramePr>
-            <a:graphicFrameLocks noGrp="1"/>
-          </p:cNvGraphicFramePr>
-          <p:nvPr>
-            <p:extLst>
-              <p:ext uri="{D42A27DB-BD31-4B8C-83A1-F6EECF244321}">
-                <p14:modId xmlns:p14="http://schemas.microsoft.com/office/powerpoint/2010/main" val="3229405809"/>
-              </p:ext>
-            </p:extLst>
-          </p:nvPr>
-        </p:nvGraphicFramePr>
-        <p:xfrm>
-          <a:off x="1165825" y="754600"/>
-          <a:ext cx="4209086" cy="3394726"/>
-        </p:xfrm>
-        <a:graphic>
-          <a:graphicData uri="http://schemas.openxmlformats.org/drawingml/2006/table">
-            <a:tbl>
-              <a:tblPr>
-                <a:tableStyleId>{5C22544A-7EE6-4342-B048-85BDC9FD1C3A}</a:tableStyleId>
-              </a:tblPr>
-              <a:tblGrid>
-                <a:gridCol w="2076942">
-                  <a:extLst>
-                    <a:ext uri="{9D8B030D-6E8A-4147-A177-3AD203B41FA5}">
-                      <a16:colId xmlns:a16="http://schemas.microsoft.com/office/drawing/2014/main" val="234931255"/>
-                    </a:ext>
-                  </a:extLst>
-                </a:gridCol>
-                <a:gridCol w="2132144">
-                  <a:extLst>
-                    <a:ext uri="{9D8B030D-6E8A-4147-A177-3AD203B41FA5}">
-                      <a16:colId xmlns:a16="http://schemas.microsoft.com/office/drawing/2014/main" val="2258523980"/>
-                    </a:ext>
-                  </a:extLst>
-                </a:gridCol>
-              </a:tblGrid>
-              <a:tr h="311283">
-                <a:tc gridSpan="2">
-                  <a:txBody>
-                    <a:bodyPr/>
-                    <a:lstStyle/>
-                    <a:p>
-                      <a:pPr>
-                        <a:lnSpc>
-                          <a:spcPct val="115000"/>
-                        </a:lnSpc>
-                      </a:pPr>
-                      <a:r>
-                        <a:rPr lang="it-IT" sz="900" dirty="0">
-                          <a:effectLst/>
-                        </a:rPr>
-                        <a:t>                                         Parametro: ISBN</a:t>
-                      </a:r>
-                      <a:endParaRPr lang="it-IT" sz="800" dirty="0">
-                        <a:effectLst/>
-                      </a:endParaRPr>
-                    </a:p>
-                    <a:p>
-                      <a:pPr>
-                        <a:lnSpc>
-                          <a:spcPct val="115000"/>
-                        </a:lnSpc>
-                      </a:pPr>
-                      <a:r>
-                        <a:rPr lang="it-IT" sz="900" dirty="0">
-                          <a:effectLst/>
-                        </a:rPr>
-                        <a:t>                                         Formato: [ 0-9 ] {13}</a:t>
-                      </a:r>
-                      <a:endParaRPr lang="it-IT" sz="800" dirty="0">
-                        <a:effectLst/>
-                        <a:latin typeface="Arial" panose="020B0604020202020204" pitchFamily="34" charset="0"/>
-                        <a:ea typeface="Arial" panose="020B0604020202020204" pitchFamily="34" charset="0"/>
-                      </a:endParaRPr>
-                    </a:p>
-                  </a:txBody>
-                  <a:tcPr marL="46001" marR="46001" marT="46001" marB="46001"/>
-                </a:tc>
-                <a:tc hMerge="1">
-                  <a:txBody>
-                    <a:bodyPr/>
-                    <a:lstStyle/>
-                    <a:p>
-                      <a:endParaRPr lang="it-IT"/>
-                    </a:p>
-                  </a:txBody>
-                  <a:tcPr/>
-                </a:tc>
-                <a:extLst>
-                  <a:ext uri="{0D108BD9-81ED-4DB2-BD59-A6C34878D82A}">
-                    <a16:rowId xmlns:a16="http://schemas.microsoft.com/office/drawing/2014/main" val="2106306300"/>
-                  </a:ext>
-                </a:extLst>
-              </a:tr>
-              <a:tr h="186987">
-                <a:tc>
-                  <a:txBody>
-                    <a:bodyPr/>
-                    <a:lstStyle/>
-                    <a:p>
-                      <a:pPr algn="ctr">
-                        <a:lnSpc>
-                          <a:spcPct val="115000"/>
-                        </a:lnSpc>
-                      </a:pPr>
-                      <a:r>
-                        <a:rPr lang="it-IT" sz="900" dirty="0">
-                          <a:effectLst/>
-                        </a:rPr>
-                        <a:t>categorie                                                     </a:t>
-                      </a:r>
-                      <a:endParaRPr lang="it-IT" sz="800" dirty="0">
-                        <a:effectLst/>
-                        <a:latin typeface="Arial" panose="020B0604020202020204" pitchFamily="34" charset="0"/>
-                        <a:ea typeface="Arial" panose="020B0604020202020204" pitchFamily="34" charset="0"/>
-                      </a:endParaRPr>
-                    </a:p>
-                  </a:txBody>
-                  <a:tcPr marL="46001" marR="46001" marT="46001" marB="46001"/>
-                </a:tc>
-                <a:tc>
-                  <a:txBody>
-                    <a:bodyPr/>
-                    <a:lstStyle/>
-                    <a:p>
-                      <a:pPr algn="ctr">
-                        <a:lnSpc>
-                          <a:spcPct val="115000"/>
-                        </a:lnSpc>
-                      </a:pPr>
-                      <a:r>
-                        <a:rPr lang="it-IT" sz="900">
-                          <a:effectLst/>
-                        </a:rPr>
-                        <a:t>scelte</a:t>
-                      </a:r>
-                      <a:endParaRPr lang="it-IT" sz="800">
-                        <a:effectLst/>
-                        <a:latin typeface="Arial" panose="020B0604020202020204" pitchFamily="34" charset="0"/>
-                        <a:ea typeface="Arial" panose="020B0604020202020204" pitchFamily="34" charset="0"/>
-                      </a:endParaRPr>
-                    </a:p>
-                  </a:txBody>
-                  <a:tcPr marL="46001" marR="46001" marT="46001" marB="46001"/>
-                </a:tc>
-                <a:extLst>
-                  <a:ext uri="{0D108BD9-81ED-4DB2-BD59-A6C34878D82A}">
-                    <a16:rowId xmlns:a16="http://schemas.microsoft.com/office/drawing/2014/main" val="2901793774"/>
-                  </a:ext>
-                </a:extLst>
-              </a:tr>
-              <a:tr h="808467">
-                <a:tc>
-                  <a:txBody>
-                    <a:bodyPr/>
-                    <a:lstStyle/>
-                    <a:p>
-                      <a:pPr algn="ctr">
-                        <a:lnSpc>
-                          <a:spcPct val="115000"/>
-                        </a:lnSpc>
-                      </a:pPr>
-                      <a:r>
-                        <a:rPr lang="it-IT" sz="900">
-                          <a:effectLst/>
-                        </a:rPr>
-                        <a:t>Lunghezza (is)                              </a:t>
-                      </a:r>
-                      <a:endParaRPr lang="it-IT" sz="800">
-                        <a:effectLst/>
-                        <a:latin typeface="Arial" panose="020B0604020202020204" pitchFamily="34" charset="0"/>
-                        <a:ea typeface="Arial" panose="020B0604020202020204" pitchFamily="34" charset="0"/>
-                      </a:endParaRPr>
-                    </a:p>
-                  </a:txBody>
-                  <a:tcPr marL="46001" marR="46001" marT="46001" marB="46001"/>
-                </a:tc>
-                <a:tc>
-                  <a:txBody>
-                    <a:bodyPr/>
-                    <a:lstStyle/>
-                    <a:p>
-                      <a:pPr>
-                        <a:lnSpc>
-                          <a:spcPct val="115000"/>
-                        </a:lnSpc>
-                      </a:pPr>
-                      <a:r>
-                        <a:rPr lang="it-IT" sz="900" dirty="0">
-                          <a:effectLst/>
-                        </a:rPr>
-                        <a:t>1: lunghezza == 0 [ errore ]</a:t>
-                      </a:r>
-                      <a:endParaRPr lang="it-IT" sz="800" dirty="0">
-                        <a:effectLst/>
-                      </a:endParaRPr>
-                    </a:p>
-                    <a:p>
-                      <a:pPr>
-                        <a:lnSpc>
-                          <a:spcPct val="115000"/>
-                        </a:lnSpc>
-                      </a:pPr>
-                      <a:r>
-                        <a:rPr lang="it-IT" sz="900" dirty="0">
-                          <a:effectLst/>
-                        </a:rPr>
-                        <a:t> </a:t>
-                      </a:r>
-                      <a:endParaRPr lang="it-IT" sz="800" dirty="0">
-                        <a:effectLst/>
-                      </a:endParaRPr>
-                    </a:p>
-                    <a:p>
-                      <a:pPr>
-                        <a:lnSpc>
-                          <a:spcPct val="115000"/>
-                        </a:lnSpc>
-                      </a:pPr>
-                      <a:r>
-                        <a:rPr lang="it-IT" sz="900" dirty="0">
-                          <a:effectLst/>
-                        </a:rPr>
-                        <a:t>2: lunghezza == 13                                                                 [</a:t>
-                      </a:r>
-                      <a:r>
-                        <a:rPr lang="it-IT" sz="900" dirty="0" err="1">
-                          <a:effectLst/>
-                        </a:rPr>
-                        <a:t>property</a:t>
-                      </a:r>
-                      <a:r>
-                        <a:rPr lang="it-IT" sz="900" dirty="0">
-                          <a:effectLst/>
-                        </a:rPr>
-                        <a:t>  </a:t>
-                      </a:r>
-                      <a:r>
-                        <a:rPr lang="it-IT" sz="900" dirty="0" err="1">
-                          <a:effectLst/>
-                        </a:rPr>
-                        <a:t>lunghezzaISok</a:t>
-                      </a:r>
-                      <a:r>
-                        <a:rPr lang="it-IT" sz="900" dirty="0">
-                          <a:effectLst/>
-                        </a:rPr>
-                        <a:t>]</a:t>
-                      </a:r>
-                      <a:endParaRPr lang="it-IT" sz="800" dirty="0">
-                        <a:effectLst/>
-                      </a:endParaRPr>
-                    </a:p>
-                    <a:p>
-                      <a:pPr>
-                        <a:lnSpc>
-                          <a:spcPct val="115000"/>
-                        </a:lnSpc>
-                      </a:pPr>
-                      <a:r>
-                        <a:rPr lang="it-IT" sz="900" dirty="0">
-                          <a:effectLst/>
-                        </a:rPr>
-                        <a:t> </a:t>
-                      </a:r>
-                      <a:endParaRPr lang="it-IT" sz="800" dirty="0">
-                        <a:effectLst/>
-                      </a:endParaRPr>
-                    </a:p>
-                    <a:p>
-                      <a:pPr>
-                        <a:lnSpc>
-                          <a:spcPct val="115000"/>
-                        </a:lnSpc>
-                      </a:pPr>
-                      <a:r>
-                        <a:rPr lang="it-IT" sz="900" dirty="0">
-                          <a:effectLst/>
-                        </a:rPr>
-                        <a:t> 3: lunghezza &gt; 13 [errore]</a:t>
-                      </a:r>
-                      <a:endParaRPr lang="it-IT" sz="800" dirty="0">
-                        <a:effectLst/>
-                        <a:latin typeface="Arial" panose="020B0604020202020204" pitchFamily="34" charset="0"/>
-                        <a:ea typeface="Arial" panose="020B0604020202020204" pitchFamily="34" charset="0"/>
-                      </a:endParaRPr>
-                    </a:p>
-                  </a:txBody>
-                  <a:tcPr marL="46001" marR="46001" marT="46001" marB="46001"/>
-                </a:tc>
-                <a:extLst>
-                  <a:ext uri="{0D108BD9-81ED-4DB2-BD59-A6C34878D82A}">
-                    <a16:rowId xmlns:a16="http://schemas.microsoft.com/office/drawing/2014/main" val="334956960"/>
-                  </a:ext>
-                </a:extLst>
-              </a:tr>
-              <a:tr h="782548">
-                <a:tc>
-                  <a:txBody>
-                    <a:bodyPr/>
-                    <a:lstStyle/>
-                    <a:p>
-                      <a:pPr algn="ctr">
-                        <a:lnSpc>
-                          <a:spcPct val="115000"/>
-                        </a:lnSpc>
-                      </a:pPr>
-                      <a:r>
-                        <a:rPr lang="it-IT" sz="900">
-                          <a:effectLst/>
-                        </a:rPr>
-                        <a:t>Formato (bn)                                                                                                                       </a:t>
-                      </a:r>
-                      <a:endParaRPr lang="it-IT" sz="800">
-                        <a:effectLst/>
-                        <a:latin typeface="Arial" panose="020B0604020202020204" pitchFamily="34" charset="0"/>
-                        <a:ea typeface="Arial" panose="020B0604020202020204" pitchFamily="34" charset="0"/>
-                      </a:endParaRPr>
-                    </a:p>
-                  </a:txBody>
-                  <a:tcPr marL="46001" marR="46001" marT="46001" marB="46001"/>
-                </a:tc>
-                <a:tc>
-                  <a:txBody>
-                    <a:bodyPr/>
-                    <a:lstStyle/>
-                    <a:p>
-                      <a:pPr>
-                        <a:lnSpc>
-                          <a:spcPct val="115000"/>
-                        </a:lnSpc>
-                      </a:pPr>
-                      <a:r>
-                        <a:rPr lang="it-IT" sz="900">
-                          <a:effectLst/>
-                        </a:rPr>
-                        <a:t> 1: rispetta il formato [ if lunghezzaISok]                                                               [property formatoBNok ]</a:t>
-                      </a:r>
-                      <a:endParaRPr lang="it-IT" sz="800">
-                        <a:effectLst/>
-                      </a:endParaRPr>
-                    </a:p>
-                    <a:p>
-                      <a:pPr>
-                        <a:lnSpc>
-                          <a:spcPct val="115000"/>
-                        </a:lnSpc>
-                      </a:pPr>
-                      <a:r>
-                        <a:rPr lang="it-IT" sz="900">
-                          <a:effectLst/>
-                        </a:rPr>
-                        <a:t>                                                             </a:t>
-                      </a:r>
-                      <a:endParaRPr lang="it-IT" sz="800">
-                        <a:effectLst/>
-                      </a:endParaRPr>
-                    </a:p>
-                    <a:p>
-                      <a:pPr>
-                        <a:lnSpc>
-                          <a:spcPct val="115000"/>
-                        </a:lnSpc>
-                      </a:pPr>
-                      <a:r>
-                        <a:rPr lang="it-IT" sz="900">
-                          <a:effectLst/>
-                        </a:rPr>
-                        <a:t>2: non rispetta il formato [ if                                                                               lunghezzaISok] [ errore ]  </a:t>
-                      </a:r>
-                      <a:endParaRPr lang="it-IT" sz="800">
-                        <a:effectLst/>
-                        <a:latin typeface="Arial" panose="020B0604020202020204" pitchFamily="34" charset="0"/>
-                        <a:ea typeface="Arial" panose="020B0604020202020204" pitchFamily="34" charset="0"/>
-                      </a:endParaRPr>
-                    </a:p>
-                  </a:txBody>
-                  <a:tcPr marL="46001" marR="46001" marT="46001" marB="46001"/>
-                </a:tc>
-                <a:extLst>
-                  <a:ext uri="{0D108BD9-81ED-4DB2-BD59-A6C34878D82A}">
-                    <a16:rowId xmlns:a16="http://schemas.microsoft.com/office/drawing/2014/main" val="1706146953"/>
-                  </a:ext>
-                </a:extLst>
-              </a:tr>
-              <a:tr h="782548">
-                <a:tc>
-                  <a:txBody>
-                    <a:bodyPr/>
-                    <a:lstStyle/>
-                    <a:p>
-                      <a:pPr algn="ctr">
-                        <a:lnSpc>
-                          <a:spcPct val="115000"/>
-                        </a:lnSpc>
-                      </a:pPr>
-                      <a:r>
-                        <a:rPr lang="it-IT" sz="900" dirty="0">
-                          <a:effectLst/>
-                        </a:rPr>
-                        <a:t>Esiste (IB)</a:t>
-                      </a:r>
-                      <a:endParaRPr lang="it-IT" sz="800" dirty="0">
-                        <a:effectLst/>
-                        <a:latin typeface="Arial" panose="020B0604020202020204" pitchFamily="34" charset="0"/>
-                        <a:ea typeface="Arial" panose="020B0604020202020204" pitchFamily="34" charset="0"/>
-                      </a:endParaRPr>
-                    </a:p>
-                  </a:txBody>
-                  <a:tcPr marL="46001" marR="46001" marT="46001" marB="46001"/>
-                </a:tc>
-                <a:tc>
-                  <a:txBody>
-                    <a:bodyPr/>
-                    <a:lstStyle/>
-                    <a:p>
-                      <a:pPr>
-                        <a:lnSpc>
-                          <a:spcPct val="115000"/>
-                        </a:lnSpc>
-                      </a:pPr>
-                      <a:r>
-                        <a:rPr lang="it-IT" sz="900" dirty="0">
-                          <a:effectLst/>
-                        </a:rPr>
-                        <a:t>1.esiste nel </a:t>
-                      </a:r>
-                      <a:r>
-                        <a:rPr lang="it-IT" sz="900" dirty="0" err="1">
-                          <a:effectLst/>
-                        </a:rPr>
-                        <a:t>db</a:t>
-                      </a:r>
-                      <a:r>
-                        <a:rPr lang="it-IT" sz="900" dirty="0">
-                          <a:effectLst/>
-                        </a:rPr>
-                        <a:t> [</a:t>
-                      </a:r>
-                      <a:r>
-                        <a:rPr lang="it-IT" sz="900" dirty="0" err="1">
-                          <a:effectLst/>
-                        </a:rPr>
-                        <a:t>if</a:t>
-                      </a:r>
-                      <a:r>
-                        <a:rPr lang="it-IT" sz="900" dirty="0">
-                          <a:effectLst/>
-                        </a:rPr>
-                        <a:t> </a:t>
-                      </a:r>
-                      <a:r>
-                        <a:rPr lang="it-IT" sz="900" dirty="0" err="1">
-                          <a:effectLst/>
-                        </a:rPr>
-                        <a:t>lunghezzaISok</a:t>
-                      </a:r>
-                      <a:r>
-                        <a:rPr lang="it-IT" sz="900" dirty="0">
-                          <a:effectLst/>
-                        </a:rPr>
-                        <a:t> and                                                         </a:t>
-                      </a:r>
-                      <a:r>
-                        <a:rPr lang="it-IT" sz="900" dirty="0" err="1">
-                          <a:effectLst/>
-                        </a:rPr>
-                        <a:t>formatoBNok</a:t>
-                      </a:r>
-                      <a:r>
-                        <a:rPr lang="it-IT" sz="900" dirty="0">
-                          <a:effectLst/>
-                        </a:rPr>
-                        <a:t>] [errore] </a:t>
-                      </a:r>
-                      <a:endParaRPr lang="it-IT" sz="800" dirty="0">
-                        <a:effectLst/>
-                      </a:endParaRPr>
-                    </a:p>
-                    <a:p>
-                      <a:pPr>
-                        <a:lnSpc>
-                          <a:spcPct val="115000"/>
-                        </a:lnSpc>
-                      </a:pPr>
-                      <a:r>
-                        <a:rPr lang="it-IT" sz="900" dirty="0">
-                          <a:effectLst/>
-                        </a:rPr>
-                        <a:t> </a:t>
-                      </a:r>
-                      <a:endParaRPr lang="it-IT" sz="800" dirty="0">
-                        <a:effectLst/>
-                      </a:endParaRPr>
-                    </a:p>
-                    <a:p>
-                      <a:pPr>
-                        <a:lnSpc>
-                          <a:spcPct val="115000"/>
-                        </a:lnSpc>
-                      </a:pPr>
-                      <a:r>
-                        <a:rPr lang="it-IT" sz="900" dirty="0">
-                          <a:effectLst/>
-                        </a:rPr>
-                        <a:t> 2.non esiste nel </a:t>
-                      </a:r>
-                      <a:r>
-                        <a:rPr lang="it-IT" sz="900" dirty="0" err="1">
-                          <a:effectLst/>
-                        </a:rPr>
-                        <a:t>db</a:t>
-                      </a:r>
-                      <a:r>
-                        <a:rPr lang="it-IT" sz="900" dirty="0">
-                          <a:effectLst/>
-                        </a:rPr>
-                        <a:t> [</a:t>
-                      </a:r>
-                      <a:r>
-                        <a:rPr lang="it-IT" sz="900" dirty="0" err="1">
-                          <a:effectLst/>
-                        </a:rPr>
-                        <a:t>if</a:t>
-                      </a:r>
-                      <a:r>
-                        <a:rPr lang="it-IT" sz="900" dirty="0">
-                          <a:effectLst/>
-                        </a:rPr>
-                        <a:t> </a:t>
-                      </a:r>
-                      <a:r>
-                        <a:rPr lang="it-IT" sz="900" dirty="0" err="1">
-                          <a:effectLst/>
-                        </a:rPr>
-                        <a:t>lunghezzaISok</a:t>
-                      </a:r>
-                      <a:r>
-                        <a:rPr lang="it-IT" sz="900" dirty="0">
-                          <a:effectLst/>
-                        </a:rPr>
-                        <a:t> and </a:t>
-                      </a:r>
-                      <a:r>
-                        <a:rPr lang="it-IT" sz="900" dirty="0" err="1">
-                          <a:effectLst/>
-                        </a:rPr>
-                        <a:t>formatoBNok</a:t>
-                      </a:r>
-                      <a:r>
-                        <a:rPr lang="it-IT" sz="900" dirty="0">
-                          <a:effectLst/>
-                        </a:rPr>
-                        <a:t>] [</a:t>
-                      </a:r>
-                      <a:r>
-                        <a:rPr lang="it-IT" sz="900" dirty="0" err="1">
-                          <a:effectLst/>
-                        </a:rPr>
-                        <a:t>property</a:t>
-                      </a:r>
-                      <a:r>
-                        <a:rPr lang="it-IT" sz="900" dirty="0">
-                          <a:effectLst/>
-                        </a:rPr>
-                        <a:t> </a:t>
-                      </a:r>
-                      <a:r>
-                        <a:rPr lang="it-IT" sz="900" dirty="0" err="1">
-                          <a:effectLst/>
-                        </a:rPr>
-                        <a:t>esisteIBok</a:t>
-                      </a:r>
-                      <a:r>
-                        <a:rPr lang="it-IT" sz="900" dirty="0">
-                          <a:effectLst/>
-                        </a:rPr>
-                        <a:t>]</a:t>
-                      </a:r>
-                      <a:endParaRPr lang="it-IT" sz="800" dirty="0">
-                        <a:effectLst/>
-                        <a:latin typeface="Arial" panose="020B0604020202020204" pitchFamily="34" charset="0"/>
-                        <a:ea typeface="Arial" panose="020B0604020202020204" pitchFamily="34" charset="0"/>
-                      </a:endParaRPr>
-                    </a:p>
-                  </a:txBody>
-                  <a:tcPr marL="46001" marR="46001" marT="46001" marB="46001"/>
-                </a:tc>
-                <a:extLst>
-                  <a:ext uri="{0D108BD9-81ED-4DB2-BD59-A6C34878D82A}">
-                    <a16:rowId xmlns:a16="http://schemas.microsoft.com/office/drawing/2014/main" val="1682164001"/>
-                  </a:ext>
-                </a:extLst>
-              </a:tr>
-            </a:tbl>
-          </a:graphicData>
-        </a:graphic>
-      </p:graphicFrame>
-      <p:graphicFrame>
-        <p:nvGraphicFramePr>
-          <p:cNvPr id="5" name="Tabella 4">
-            <a:extLst>
-              <a:ext uri="{FF2B5EF4-FFF2-40B4-BE49-F238E27FC236}">
-                <a16:creationId xmlns:a16="http://schemas.microsoft.com/office/drawing/2014/main" id="{C699CF57-A946-4F2C-9651-760EC774CA72}"/>
-              </a:ext>
-            </a:extLst>
-          </p:cNvPr>
-          <p:cNvGraphicFramePr>
-            <a:graphicFrameLocks noGrp="1"/>
-          </p:cNvGraphicFramePr>
-          <p:nvPr>
-            <p:extLst>
-              <p:ext uri="{D42A27DB-BD31-4B8C-83A1-F6EECF244321}">
-                <p14:modId xmlns:p14="http://schemas.microsoft.com/office/powerpoint/2010/main" val="543351525"/>
-              </p:ext>
-            </p:extLst>
-          </p:nvPr>
-        </p:nvGraphicFramePr>
-        <p:xfrm>
-          <a:off x="5533897" y="754600"/>
-          <a:ext cx="5810250" cy="2871832"/>
-        </p:xfrm>
-        <a:graphic>
-          <a:graphicData uri="http://schemas.openxmlformats.org/drawingml/2006/table">
-            <a:tbl>
-              <a:tblPr>
-                <a:tableStyleId>{5C22544A-7EE6-4342-B048-85BDC9FD1C3A}</a:tableStyleId>
-              </a:tblPr>
-              <a:tblGrid>
-                <a:gridCol w="2969838">
-                  <a:extLst>
-                    <a:ext uri="{9D8B030D-6E8A-4147-A177-3AD203B41FA5}">
-                      <a16:colId xmlns:a16="http://schemas.microsoft.com/office/drawing/2014/main" val="1580887199"/>
-                    </a:ext>
-                  </a:extLst>
-                </a:gridCol>
-                <a:gridCol w="2840412">
-                  <a:extLst>
-                    <a:ext uri="{9D8B030D-6E8A-4147-A177-3AD203B41FA5}">
-                      <a16:colId xmlns:a16="http://schemas.microsoft.com/office/drawing/2014/main" val="437266222"/>
-                    </a:ext>
-                  </a:extLst>
-                </a:gridCol>
-              </a:tblGrid>
-              <a:tr h="425938">
-                <a:tc gridSpan="2">
-                  <a:txBody>
-                    <a:bodyPr/>
-                    <a:lstStyle/>
-                    <a:p>
-                      <a:pPr>
-                        <a:lnSpc>
-                          <a:spcPct val="115000"/>
-                        </a:lnSpc>
-                      </a:pPr>
-                      <a:r>
-                        <a:rPr lang="it-IT" sz="1100" dirty="0">
-                          <a:effectLst/>
-                        </a:rPr>
-                        <a:t>                                         Parametro: Titolo</a:t>
-                      </a:r>
-                      <a:endParaRPr lang="it-IT" sz="1000" dirty="0">
-                        <a:effectLst/>
-                      </a:endParaRPr>
-                    </a:p>
-                    <a:p>
-                      <a:pPr>
-                        <a:lnSpc>
-                          <a:spcPct val="115000"/>
-                        </a:lnSpc>
-                      </a:pPr>
-                      <a:r>
-                        <a:rPr lang="it-IT" sz="1100" dirty="0">
-                          <a:effectLst/>
-                        </a:rPr>
-                        <a:t>                                         Formato: [ 0-9 A-Z </a:t>
-                      </a:r>
-                      <a:r>
-                        <a:rPr lang="it-IT" sz="1100" dirty="0" err="1">
-                          <a:effectLst/>
-                        </a:rPr>
-                        <a:t>a-z</a:t>
-                      </a:r>
-                      <a:r>
-                        <a:rPr lang="it-IT" sz="1100" dirty="0">
-                          <a:effectLst/>
-                        </a:rPr>
-                        <a:t> ]</a:t>
-                      </a:r>
-                      <a:endParaRPr lang="it-IT" sz="1000" dirty="0">
-                        <a:effectLst/>
-                        <a:latin typeface="Arial" panose="020B0604020202020204" pitchFamily="34" charset="0"/>
-                        <a:ea typeface="Arial" panose="020B0604020202020204" pitchFamily="34" charset="0"/>
-                      </a:endParaRPr>
-                    </a:p>
-                  </a:txBody>
-                  <a:tcPr marL="82513" marR="82513" marT="41256" marB="41256"/>
-                </a:tc>
-                <a:tc hMerge="1">
-                  <a:txBody>
-                    <a:bodyPr/>
-                    <a:lstStyle/>
-                    <a:p>
-                      <a:endParaRPr lang="it-IT"/>
-                    </a:p>
-                  </a:txBody>
-                  <a:tcPr/>
-                </a:tc>
-                <a:extLst>
-                  <a:ext uri="{0D108BD9-81ED-4DB2-BD59-A6C34878D82A}">
-                    <a16:rowId xmlns:a16="http://schemas.microsoft.com/office/drawing/2014/main" val="564407058"/>
-                  </a:ext>
-                </a:extLst>
-              </a:tr>
-              <a:tr h="289426">
-                <a:tc>
-                  <a:txBody>
-                    <a:bodyPr/>
-                    <a:lstStyle/>
-                    <a:p>
-                      <a:pPr algn="ctr">
-                        <a:lnSpc>
-                          <a:spcPct val="115000"/>
-                        </a:lnSpc>
-                      </a:pPr>
-                      <a:r>
-                        <a:rPr lang="it-IT" sz="1100">
-                          <a:effectLst/>
-                        </a:rPr>
-                        <a:t>categorie                                                     </a:t>
-                      </a:r>
-                      <a:endParaRPr lang="it-IT" sz="1000">
-                        <a:effectLst/>
-                        <a:latin typeface="Arial" panose="020B0604020202020204" pitchFamily="34" charset="0"/>
-                        <a:ea typeface="Arial" panose="020B0604020202020204" pitchFamily="34" charset="0"/>
-                      </a:endParaRPr>
-                    </a:p>
-                  </a:txBody>
-                  <a:tcPr marL="57301" marR="57301" marT="57301" marB="57301"/>
-                </a:tc>
-                <a:tc>
-                  <a:txBody>
-                    <a:bodyPr/>
-                    <a:lstStyle/>
-                    <a:p>
-                      <a:pPr algn="ctr">
-                        <a:lnSpc>
-                          <a:spcPct val="115000"/>
-                        </a:lnSpc>
-                      </a:pPr>
-                      <a:r>
-                        <a:rPr lang="it-IT" sz="1100">
-                          <a:effectLst/>
-                        </a:rPr>
-                        <a:t>scelte</a:t>
-                      </a:r>
-                      <a:endParaRPr lang="it-IT" sz="1000">
-                        <a:effectLst/>
-                        <a:latin typeface="Arial" panose="020B0604020202020204" pitchFamily="34" charset="0"/>
-                        <a:ea typeface="Arial" panose="020B0604020202020204" pitchFamily="34" charset="0"/>
-                      </a:endParaRPr>
-                    </a:p>
-                  </a:txBody>
-                  <a:tcPr marL="57301" marR="57301" marT="57301" marB="57301"/>
-                </a:tc>
-                <a:extLst>
-                  <a:ext uri="{0D108BD9-81ED-4DB2-BD59-A6C34878D82A}">
-                    <a16:rowId xmlns:a16="http://schemas.microsoft.com/office/drawing/2014/main" val="1868542221"/>
-                  </a:ext>
-                </a:extLst>
-              </a:tr>
-              <a:tr h="1048545">
-                <a:tc>
-                  <a:txBody>
-                    <a:bodyPr/>
-                    <a:lstStyle/>
-                    <a:p>
-                      <a:pPr algn="ctr">
-                        <a:lnSpc>
-                          <a:spcPct val="115000"/>
-                        </a:lnSpc>
-                      </a:pPr>
-                      <a:r>
-                        <a:rPr lang="it-IT" sz="1100">
-                          <a:effectLst/>
-                        </a:rPr>
-                        <a:t>Lunghezza (ti)                                                     </a:t>
-                      </a:r>
-                      <a:endParaRPr lang="it-IT" sz="1000">
-                        <a:effectLst/>
-                        <a:latin typeface="Arial" panose="020B0604020202020204" pitchFamily="34" charset="0"/>
-                        <a:ea typeface="Arial" panose="020B0604020202020204" pitchFamily="34" charset="0"/>
-                      </a:endParaRPr>
-                    </a:p>
-                  </a:txBody>
-                  <a:tcPr marL="57301" marR="57301" marT="57301" marB="57301"/>
-                </a:tc>
-                <a:tc>
-                  <a:txBody>
-                    <a:bodyPr/>
-                    <a:lstStyle/>
-                    <a:p>
-                      <a:pPr>
-                        <a:lnSpc>
-                          <a:spcPct val="115000"/>
-                        </a:lnSpc>
-                      </a:pPr>
-                      <a:r>
-                        <a:rPr lang="it-IT" sz="1100" dirty="0">
-                          <a:effectLst/>
-                        </a:rPr>
-                        <a:t>1: lunghezza == 0 [ errore]</a:t>
-                      </a:r>
-                      <a:endParaRPr lang="it-IT" sz="1000" dirty="0">
-                        <a:effectLst/>
-                      </a:endParaRPr>
-                    </a:p>
-                    <a:p>
-                      <a:pPr>
-                        <a:lnSpc>
-                          <a:spcPct val="115000"/>
-                        </a:lnSpc>
-                      </a:pPr>
-                      <a:r>
-                        <a:rPr lang="it-IT" sz="1100" dirty="0">
-                          <a:effectLst/>
-                        </a:rPr>
-                        <a:t> </a:t>
-                      </a:r>
-                      <a:endParaRPr lang="it-IT" sz="1000" dirty="0">
-                        <a:effectLst/>
-                      </a:endParaRPr>
-                    </a:p>
-                    <a:p>
-                      <a:pPr>
-                        <a:lnSpc>
-                          <a:spcPct val="115000"/>
-                        </a:lnSpc>
-                      </a:pPr>
-                      <a:r>
-                        <a:rPr lang="it-IT" sz="1100" dirty="0">
-                          <a:effectLst/>
-                        </a:rPr>
-                        <a:t>2: lunghezza &gt;= 1                                                                   [</a:t>
-                      </a:r>
-                      <a:r>
-                        <a:rPr lang="it-IT" sz="1100" dirty="0" err="1">
-                          <a:effectLst/>
-                        </a:rPr>
-                        <a:t>property</a:t>
-                      </a:r>
-                      <a:r>
-                        <a:rPr lang="it-IT" sz="1100" dirty="0">
-                          <a:effectLst/>
-                        </a:rPr>
-                        <a:t>  </a:t>
-                      </a:r>
-                      <a:r>
-                        <a:rPr lang="it-IT" sz="1100" dirty="0" err="1">
-                          <a:effectLst/>
-                        </a:rPr>
-                        <a:t>lunghezzaTIok</a:t>
-                      </a:r>
-                      <a:r>
-                        <a:rPr lang="it-IT" sz="1100" dirty="0">
-                          <a:effectLst/>
-                        </a:rPr>
-                        <a:t>]</a:t>
-                      </a:r>
-                      <a:endParaRPr lang="it-IT" sz="1000" dirty="0">
-                        <a:effectLst/>
-                      </a:endParaRPr>
-                    </a:p>
-                    <a:p>
-                      <a:pPr>
-                        <a:lnSpc>
-                          <a:spcPct val="115000"/>
-                        </a:lnSpc>
-                      </a:pPr>
-                      <a:r>
-                        <a:rPr lang="it-IT" sz="1100" dirty="0">
-                          <a:effectLst/>
-                        </a:rPr>
-                        <a:t> </a:t>
-                      </a:r>
-                      <a:endParaRPr lang="it-IT" sz="1000" dirty="0">
-                        <a:effectLst/>
-                        <a:latin typeface="Arial" panose="020B0604020202020204" pitchFamily="34" charset="0"/>
-                        <a:ea typeface="Arial" panose="020B0604020202020204" pitchFamily="34" charset="0"/>
-                      </a:endParaRPr>
-                    </a:p>
-                  </a:txBody>
-                  <a:tcPr marL="57301" marR="57301" marT="57301" marB="57301"/>
-                </a:tc>
-                <a:extLst>
-                  <a:ext uri="{0D108BD9-81ED-4DB2-BD59-A6C34878D82A}">
-                    <a16:rowId xmlns:a16="http://schemas.microsoft.com/office/drawing/2014/main" val="2993809815"/>
-                  </a:ext>
-                </a:extLst>
-              </a:tr>
-              <a:tr h="1048545">
-                <a:tc>
-                  <a:txBody>
-                    <a:bodyPr/>
-                    <a:lstStyle/>
-                    <a:p>
-                      <a:pPr algn="ctr">
-                        <a:lnSpc>
-                          <a:spcPct val="115000"/>
-                        </a:lnSpc>
-                      </a:pPr>
-                      <a:r>
-                        <a:rPr lang="it-IT" sz="1100">
-                          <a:effectLst/>
-                        </a:rPr>
-                        <a:t>Formato (to)</a:t>
-                      </a:r>
-                      <a:endParaRPr lang="it-IT" sz="1000">
-                        <a:effectLst/>
-                        <a:latin typeface="Arial" panose="020B0604020202020204" pitchFamily="34" charset="0"/>
-                        <a:ea typeface="Arial" panose="020B0604020202020204" pitchFamily="34" charset="0"/>
-                      </a:endParaRPr>
-                    </a:p>
-                  </a:txBody>
-                  <a:tcPr marL="57301" marR="57301" marT="57301" marB="57301"/>
-                </a:tc>
-                <a:tc>
-                  <a:txBody>
-                    <a:bodyPr/>
-                    <a:lstStyle/>
-                    <a:p>
-                      <a:pPr>
-                        <a:lnSpc>
-                          <a:spcPct val="115000"/>
-                        </a:lnSpc>
-                      </a:pPr>
-                      <a:r>
-                        <a:rPr lang="it-IT" sz="1100" dirty="0">
-                          <a:effectLst/>
-                        </a:rPr>
-                        <a:t> 1: rispetta il formato [ </a:t>
-                      </a:r>
-                      <a:r>
-                        <a:rPr lang="it-IT" sz="1100" dirty="0" err="1">
-                          <a:effectLst/>
-                        </a:rPr>
-                        <a:t>if</a:t>
-                      </a:r>
-                      <a:r>
-                        <a:rPr lang="it-IT" sz="1100" dirty="0">
-                          <a:effectLst/>
-                        </a:rPr>
-                        <a:t> </a:t>
-                      </a:r>
-                      <a:r>
-                        <a:rPr lang="it-IT" sz="1100" dirty="0" err="1">
-                          <a:effectLst/>
-                        </a:rPr>
-                        <a:t>lunghezzaTIok</a:t>
-                      </a:r>
-                      <a:r>
-                        <a:rPr lang="it-IT" sz="1100" dirty="0">
-                          <a:effectLst/>
-                        </a:rPr>
-                        <a:t>]                                                               [</a:t>
-                      </a:r>
-                      <a:r>
-                        <a:rPr lang="it-IT" sz="1100" dirty="0" err="1">
-                          <a:effectLst/>
-                        </a:rPr>
-                        <a:t>property</a:t>
-                      </a:r>
-                      <a:r>
-                        <a:rPr lang="it-IT" sz="1100" dirty="0">
-                          <a:effectLst/>
-                        </a:rPr>
-                        <a:t> </a:t>
-                      </a:r>
-                      <a:r>
-                        <a:rPr lang="it-IT" sz="1100" dirty="0" err="1">
-                          <a:effectLst/>
-                        </a:rPr>
-                        <a:t>formatoTOok</a:t>
-                      </a:r>
-                      <a:r>
-                        <a:rPr lang="it-IT" sz="1100" dirty="0">
-                          <a:effectLst/>
-                        </a:rPr>
-                        <a:t> ]</a:t>
-                      </a:r>
-                      <a:endParaRPr lang="it-IT" sz="1000" dirty="0">
-                        <a:effectLst/>
-                      </a:endParaRPr>
-                    </a:p>
-                    <a:p>
-                      <a:pPr>
-                        <a:lnSpc>
-                          <a:spcPct val="115000"/>
-                        </a:lnSpc>
-                      </a:pPr>
-                      <a:r>
-                        <a:rPr lang="it-IT" sz="1100" dirty="0">
-                          <a:effectLst/>
-                        </a:rPr>
-                        <a:t>                                                             </a:t>
-                      </a:r>
-                      <a:endParaRPr lang="it-IT" sz="1000" dirty="0">
-                        <a:effectLst/>
-                      </a:endParaRPr>
-                    </a:p>
-                    <a:p>
-                      <a:pPr>
-                        <a:lnSpc>
-                          <a:spcPct val="115000"/>
-                        </a:lnSpc>
-                      </a:pPr>
-                      <a:r>
-                        <a:rPr lang="it-IT" sz="1100" dirty="0">
-                          <a:effectLst/>
-                        </a:rPr>
-                        <a:t>2: non rispetta il formato [ </a:t>
-                      </a:r>
-                      <a:r>
-                        <a:rPr lang="it-IT" sz="1100" dirty="0" err="1">
-                          <a:effectLst/>
-                        </a:rPr>
-                        <a:t>if</a:t>
-                      </a:r>
-                      <a:r>
-                        <a:rPr lang="it-IT" sz="1100" dirty="0">
-                          <a:effectLst/>
-                        </a:rPr>
-                        <a:t>                                                                               </a:t>
-                      </a:r>
-                      <a:r>
-                        <a:rPr lang="it-IT" sz="1100" dirty="0" err="1">
-                          <a:effectLst/>
-                        </a:rPr>
-                        <a:t>lunghezzaTIok</a:t>
-                      </a:r>
-                      <a:r>
-                        <a:rPr lang="it-IT" sz="1100" dirty="0">
-                          <a:effectLst/>
-                        </a:rPr>
-                        <a:t>] [ errore ]  </a:t>
-                      </a:r>
-                      <a:endParaRPr lang="it-IT" sz="1000" dirty="0">
-                        <a:effectLst/>
-                        <a:latin typeface="Arial" panose="020B0604020202020204" pitchFamily="34" charset="0"/>
-                        <a:ea typeface="Arial" panose="020B0604020202020204" pitchFamily="34" charset="0"/>
-                      </a:endParaRPr>
-                    </a:p>
-                  </a:txBody>
-                  <a:tcPr marL="57301" marR="57301" marT="57301" marB="57301"/>
-                </a:tc>
-                <a:extLst>
-                  <a:ext uri="{0D108BD9-81ED-4DB2-BD59-A6C34878D82A}">
-                    <a16:rowId xmlns:a16="http://schemas.microsoft.com/office/drawing/2014/main" val="3371494339"/>
-                  </a:ext>
-                </a:extLst>
-              </a:tr>
-            </a:tbl>
-          </a:graphicData>
-        </a:graphic>
-      </p:graphicFrame>
-      <p:graphicFrame>
-        <p:nvGraphicFramePr>
-          <p:cNvPr id="6" name="Tabella 5">
-            <a:extLst>
-              <a:ext uri="{FF2B5EF4-FFF2-40B4-BE49-F238E27FC236}">
-                <a16:creationId xmlns:a16="http://schemas.microsoft.com/office/drawing/2014/main" id="{C8FCACC0-F0F5-4C3B-B2B7-3CD10FE817C4}"/>
-              </a:ext>
-            </a:extLst>
-          </p:cNvPr>
-          <p:cNvGraphicFramePr>
-            <a:graphicFrameLocks noGrp="1"/>
-          </p:cNvGraphicFramePr>
-          <p:nvPr>
-            <p:extLst>
-              <p:ext uri="{D42A27DB-BD31-4B8C-83A1-F6EECF244321}">
-                <p14:modId xmlns:p14="http://schemas.microsoft.com/office/powerpoint/2010/main" val="1293175772"/>
-              </p:ext>
-            </p:extLst>
-          </p:nvPr>
-        </p:nvGraphicFramePr>
-        <p:xfrm>
-          <a:off x="1165826" y="4341182"/>
-          <a:ext cx="4209085" cy="2400776"/>
-        </p:xfrm>
-        <a:graphic>
-          <a:graphicData uri="http://schemas.openxmlformats.org/drawingml/2006/table">
-            <a:tbl>
-              <a:tblPr>
-                <a:tableStyleId>{5C22544A-7EE6-4342-B048-85BDC9FD1C3A}</a:tableStyleId>
-              </a:tblPr>
-              <a:tblGrid>
-                <a:gridCol w="2076942">
-                  <a:extLst>
-                    <a:ext uri="{9D8B030D-6E8A-4147-A177-3AD203B41FA5}">
-                      <a16:colId xmlns:a16="http://schemas.microsoft.com/office/drawing/2014/main" val="1554976484"/>
-                    </a:ext>
-                  </a:extLst>
-                </a:gridCol>
-                <a:gridCol w="2132143">
-                  <a:extLst>
-                    <a:ext uri="{9D8B030D-6E8A-4147-A177-3AD203B41FA5}">
-                      <a16:colId xmlns:a16="http://schemas.microsoft.com/office/drawing/2014/main" val="881798473"/>
-                    </a:ext>
-                  </a:extLst>
-                </a:gridCol>
-              </a:tblGrid>
-              <a:tr h="405680">
-                <a:tc gridSpan="2">
-                  <a:txBody>
-                    <a:bodyPr/>
-                    <a:lstStyle/>
-                    <a:p>
-                      <a:pPr>
-                        <a:lnSpc>
-                          <a:spcPct val="115000"/>
-                        </a:lnSpc>
-                      </a:pPr>
-                      <a:r>
-                        <a:rPr lang="it-IT" sz="900" dirty="0">
-                          <a:effectLst/>
-                        </a:rPr>
-                        <a:t>                                         Parametro: Autore</a:t>
-                      </a:r>
-                      <a:endParaRPr lang="it-IT" sz="800" dirty="0">
-                        <a:effectLst/>
-                      </a:endParaRPr>
-                    </a:p>
-                    <a:p>
-                      <a:pPr>
-                        <a:lnSpc>
-                          <a:spcPct val="115000"/>
-                        </a:lnSpc>
-                      </a:pPr>
-                      <a:r>
-                        <a:rPr lang="it-IT" sz="900" dirty="0">
-                          <a:effectLst/>
-                        </a:rPr>
-                        <a:t>                                         Formato: [ A-Z </a:t>
-                      </a:r>
-                      <a:r>
-                        <a:rPr lang="it-IT" sz="900" dirty="0" err="1">
-                          <a:effectLst/>
-                        </a:rPr>
-                        <a:t>a-z</a:t>
-                      </a:r>
-                      <a:r>
-                        <a:rPr lang="it-IT" sz="900" dirty="0">
-                          <a:effectLst/>
-                        </a:rPr>
-                        <a:t> ]</a:t>
-                      </a:r>
-                      <a:endParaRPr lang="it-IT" sz="800" dirty="0">
-                        <a:effectLst/>
-                        <a:latin typeface="Arial" panose="020B0604020202020204" pitchFamily="34" charset="0"/>
-                        <a:ea typeface="Arial" panose="020B0604020202020204" pitchFamily="34" charset="0"/>
-                      </a:endParaRPr>
-                    </a:p>
-                  </a:txBody>
-                  <a:tcPr marL="66241" marR="66241" marT="33121" marB="33121"/>
-                </a:tc>
-                <a:tc hMerge="1">
-                  <a:txBody>
-                    <a:bodyPr/>
-                    <a:lstStyle/>
-                    <a:p>
-                      <a:endParaRPr lang="it-IT"/>
-                    </a:p>
-                  </a:txBody>
-                  <a:tcPr/>
-                </a:tc>
-                <a:extLst>
-                  <a:ext uri="{0D108BD9-81ED-4DB2-BD59-A6C34878D82A}">
-                    <a16:rowId xmlns:a16="http://schemas.microsoft.com/office/drawing/2014/main" val="1310699991"/>
-                  </a:ext>
-                </a:extLst>
-              </a:tr>
-              <a:tr h="260691">
-                <a:tc>
-                  <a:txBody>
-                    <a:bodyPr/>
-                    <a:lstStyle/>
-                    <a:p>
-                      <a:pPr algn="ctr">
-                        <a:lnSpc>
-                          <a:spcPct val="115000"/>
-                        </a:lnSpc>
-                      </a:pPr>
-                      <a:r>
-                        <a:rPr lang="it-IT" sz="900">
-                          <a:effectLst/>
-                        </a:rPr>
-                        <a:t>categorie                                                     </a:t>
-                      </a:r>
-                      <a:endParaRPr lang="it-IT" sz="800">
-                        <a:effectLst/>
-                        <a:latin typeface="Arial" panose="020B0604020202020204" pitchFamily="34" charset="0"/>
-                        <a:ea typeface="Arial" panose="020B0604020202020204" pitchFamily="34" charset="0"/>
-                      </a:endParaRPr>
-                    </a:p>
-                  </a:txBody>
-                  <a:tcPr marL="46001" marR="46001" marT="46001" marB="46001"/>
-                </a:tc>
-                <a:tc>
-                  <a:txBody>
-                    <a:bodyPr/>
-                    <a:lstStyle/>
-                    <a:p>
-                      <a:pPr algn="ctr">
-                        <a:lnSpc>
-                          <a:spcPct val="115000"/>
-                        </a:lnSpc>
-                      </a:pPr>
-                      <a:r>
-                        <a:rPr lang="it-IT" sz="900">
-                          <a:effectLst/>
-                        </a:rPr>
-                        <a:t>scelte</a:t>
-                      </a:r>
-                      <a:endParaRPr lang="it-IT" sz="800">
-                        <a:effectLst/>
-                        <a:latin typeface="Arial" panose="020B0604020202020204" pitchFamily="34" charset="0"/>
-                        <a:ea typeface="Arial" panose="020B0604020202020204" pitchFamily="34" charset="0"/>
-                      </a:endParaRPr>
-                    </a:p>
-                  </a:txBody>
-                  <a:tcPr marL="46001" marR="46001" marT="46001" marB="46001"/>
-                </a:tc>
-                <a:extLst>
-                  <a:ext uri="{0D108BD9-81ED-4DB2-BD59-A6C34878D82A}">
-                    <a16:rowId xmlns:a16="http://schemas.microsoft.com/office/drawing/2014/main" val="3415217713"/>
-                  </a:ext>
-                </a:extLst>
-              </a:tr>
-              <a:tr h="780558">
-                <a:tc>
-                  <a:txBody>
-                    <a:bodyPr/>
-                    <a:lstStyle/>
-                    <a:p>
-                      <a:pPr algn="ctr">
-                        <a:lnSpc>
-                          <a:spcPct val="115000"/>
-                        </a:lnSpc>
-                      </a:pPr>
-                      <a:r>
-                        <a:rPr lang="it-IT" sz="900">
-                          <a:effectLst/>
-                        </a:rPr>
-                        <a:t>Lunghezza (au) </a:t>
-                      </a:r>
-                      <a:endParaRPr lang="it-IT" sz="800">
-                        <a:effectLst/>
-                        <a:latin typeface="Arial" panose="020B0604020202020204" pitchFamily="34" charset="0"/>
-                        <a:ea typeface="Arial" panose="020B0604020202020204" pitchFamily="34" charset="0"/>
-                      </a:endParaRPr>
-                    </a:p>
-                  </a:txBody>
-                  <a:tcPr marL="46001" marR="46001" marT="46001" marB="46001"/>
-                </a:tc>
-                <a:tc>
-                  <a:txBody>
-                    <a:bodyPr/>
-                    <a:lstStyle/>
-                    <a:p>
-                      <a:pPr>
-                        <a:lnSpc>
-                          <a:spcPct val="115000"/>
-                        </a:lnSpc>
-                      </a:pPr>
-                      <a:r>
-                        <a:rPr lang="it-IT" sz="900">
-                          <a:effectLst/>
-                        </a:rPr>
-                        <a:t>1: lunghezza == 0 [ errore]</a:t>
-                      </a:r>
-                      <a:endParaRPr lang="it-IT" sz="800">
-                        <a:effectLst/>
-                      </a:endParaRPr>
-                    </a:p>
-                    <a:p>
-                      <a:pPr>
-                        <a:lnSpc>
-                          <a:spcPct val="115000"/>
-                        </a:lnSpc>
-                      </a:pPr>
-                      <a:r>
-                        <a:rPr lang="it-IT" sz="900">
-                          <a:effectLst/>
-                        </a:rPr>
-                        <a:t> </a:t>
-                      </a:r>
-                      <a:endParaRPr lang="it-IT" sz="800">
-                        <a:effectLst/>
-                      </a:endParaRPr>
-                    </a:p>
-                    <a:p>
-                      <a:pPr>
-                        <a:lnSpc>
-                          <a:spcPct val="115000"/>
-                        </a:lnSpc>
-                      </a:pPr>
-                      <a:r>
-                        <a:rPr lang="it-IT" sz="900">
-                          <a:effectLst/>
-                        </a:rPr>
-                        <a:t>2: lunghezza &gt;= 1                                                                   [property  lunghezzaAUok]</a:t>
-                      </a:r>
-                      <a:endParaRPr lang="it-IT" sz="800">
-                        <a:effectLst/>
-                        <a:latin typeface="Arial" panose="020B0604020202020204" pitchFamily="34" charset="0"/>
-                        <a:ea typeface="Arial" panose="020B0604020202020204" pitchFamily="34" charset="0"/>
-                      </a:endParaRPr>
-                    </a:p>
-                  </a:txBody>
-                  <a:tcPr marL="46001" marR="46001" marT="46001" marB="46001"/>
-                </a:tc>
-                <a:extLst>
-                  <a:ext uri="{0D108BD9-81ED-4DB2-BD59-A6C34878D82A}">
-                    <a16:rowId xmlns:a16="http://schemas.microsoft.com/office/drawing/2014/main" val="1522970184"/>
-                  </a:ext>
-                </a:extLst>
-              </a:tr>
-              <a:tr h="953847">
-                <a:tc>
-                  <a:txBody>
-                    <a:bodyPr/>
-                    <a:lstStyle/>
-                    <a:p>
-                      <a:pPr algn="ctr">
-                        <a:lnSpc>
-                          <a:spcPct val="115000"/>
-                        </a:lnSpc>
-                      </a:pPr>
-                      <a:r>
-                        <a:rPr lang="it-IT" sz="900">
-                          <a:effectLst/>
-                        </a:rPr>
-                        <a:t>Formato (re)                                                                                                                       </a:t>
-                      </a:r>
-                      <a:endParaRPr lang="it-IT" sz="800">
-                        <a:effectLst/>
-                        <a:latin typeface="Arial" panose="020B0604020202020204" pitchFamily="34" charset="0"/>
-                        <a:ea typeface="Arial" panose="020B0604020202020204" pitchFamily="34" charset="0"/>
-                      </a:endParaRPr>
-                    </a:p>
-                  </a:txBody>
-                  <a:tcPr marL="46001" marR="46001" marT="46001" marB="46001"/>
-                </a:tc>
-                <a:tc>
-                  <a:txBody>
-                    <a:bodyPr/>
-                    <a:lstStyle/>
-                    <a:p>
-                      <a:pPr>
-                        <a:lnSpc>
-                          <a:spcPct val="115000"/>
-                        </a:lnSpc>
-                      </a:pPr>
-                      <a:r>
-                        <a:rPr lang="it-IT" sz="900" dirty="0">
-                          <a:effectLst/>
-                        </a:rPr>
-                        <a:t> 1: rispetta il formato [ </a:t>
-                      </a:r>
-                      <a:r>
-                        <a:rPr lang="it-IT" sz="900" dirty="0" err="1">
-                          <a:effectLst/>
-                        </a:rPr>
-                        <a:t>if</a:t>
-                      </a:r>
-                      <a:r>
-                        <a:rPr lang="it-IT" sz="900" dirty="0">
-                          <a:effectLst/>
-                        </a:rPr>
-                        <a:t> </a:t>
-                      </a:r>
-                      <a:r>
-                        <a:rPr lang="it-IT" sz="900" dirty="0" err="1">
-                          <a:effectLst/>
-                        </a:rPr>
-                        <a:t>lunghezzaAUok</a:t>
-                      </a:r>
-                      <a:r>
-                        <a:rPr lang="it-IT" sz="900" dirty="0">
-                          <a:effectLst/>
-                        </a:rPr>
-                        <a:t>]                                                               [</a:t>
-                      </a:r>
-                      <a:r>
-                        <a:rPr lang="it-IT" sz="900" dirty="0" err="1">
-                          <a:effectLst/>
-                        </a:rPr>
-                        <a:t>property</a:t>
-                      </a:r>
-                      <a:r>
-                        <a:rPr lang="it-IT" sz="900" dirty="0">
-                          <a:effectLst/>
-                        </a:rPr>
-                        <a:t> </a:t>
-                      </a:r>
-                      <a:r>
-                        <a:rPr lang="it-IT" sz="900" dirty="0" err="1">
-                          <a:effectLst/>
-                        </a:rPr>
-                        <a:t>formatoREok</a:t>
-                      </a:r>
-                      <a:r>
-                        <a:rPr lang="it-IT" sz="900" dirty="0">
-                          <a:effectLst/>
-                        </a:rPr>
-                        <a:t> ]</a:t>
-                      </a:r>
-                      <a:endParaRPr lang="it-IT" sz="800" dirty="0">
-                        <a:effectLst/>
-                      </a:endParaRPr>
-                    </a:p>
-                    <a:p>
-                      <a:pPr>
-                        <a:lnSpc>
-                          <a:spcPct val="115000"/>
-                        </a:lnSpc>
-                      </a:pPr>
-                      <a:r>
-                        <a:rPr lang="it-IT" sz="900" dirty="0">
-                          <a:effectLst/>
-                        </a:rPr>
-                        <a:t>                                                             </a:t>
-                      </a:r>
-                      <a:endParaRPr lang="it-IT" sz="800" dirty="0">
-                        <a:effectLst/>
-                      </a:endParaRPr>
-                    </a:p>
-                    <a:p>
-                      <a:pPr>
-                        <a:lnSpc>
-                          <a:spcPct val="115000"/>
-                        </a:lnSpc>
-                      </a:pPr>
-                      <a:r>
-                        <a:rPr lang="it-IT" sz="900" dirty="0">
-                          <a:effectLst/>
-                        </a:rPr>
-                        <a:t>2: non rispetta il formato [ </a:t>
-                      </a:r>
-                      <a:r>
-                        <a:rPr lang="it-IT" sz="900" dirty="0" err="1">
-                          <a:effectLst/>
-                        </a:rPr>
-                        <a:t>if</a:t>
-                      </a:r>
-                      <a:r>
-                        <a:rPr lang="it-IT" sz="900" dirty="0">
-                          <a:effectLst/>
-                        </a:rPr>
-                        <a:t>                                                                               </a:t>
-                      </a:r>
-                      <a:r>
-                        <a:rPr lang="it-IT" sz="900" dirty="0" err="1">
-                          <a:effectLst/>
-                        </a:rPr>
-                        <a:t>lunghezzaAUok</a:t>
-                      </a:r>
-                      <a:r>
-                        <a:rPr lang="it-IT" sz="900" dirty="0">
-                          <a:effectLst/>
-                        </a:rPr>
-                        <a:t>] [ errore ]  </a:t>
-                      </a:r>
-                      <a:endParaRPr lang="it-IT" sz="800" dirty="0">
-                        <a:effectLst/>
-                        <a:latin typeface="Arial" panose="020B0604020202020204" pitchFamily="34" charset="0"/>
-                        <a:ea typeface="Arial" panose="020B0604020202020204" pitchFamily="34" charset="0"/>
-                      </a:endParaRPr>
-                    </a:p>
-                  </a:txBody>
-                  <a:tcPr marL="46001" marR="46001" marT="46001" marB="46001"/>
-                </a:tc>
-                <a:extLst>
-                  <a:ext uri="{0D108BD9-81ED-4DB2-BD59-A6C34878D82A}">
-                    <a16:rowId xmlns:a16="http://schemas.microsoft.com/office/drawing/2014/main" val="2898216379"/>
-                  </a:ext>
-                </a:extLst>
-              </a:tr>
-            </a:tbl>
-          </a:graphicData>
-        </a:graphic>
-      </p:graphicFrame>
-      <p:graphicFrame>
-        <p:nvGraphicFramePr>
-          <p:cNvPr id="7" name="Tabella 6">
-            <a:extLst>
-              <a:ext uri="{FF2B5EF4-FFF2-40B4-BE49-F238E27FC236}">
-                <a16:creationId xmlns:a16="http://schemas.microsoft.com/office/drawing/2014/main" id="{535A5977-FE06-4836-BF2F-3130537EB41B}"/>
-              </a:ext>
-            </a:extLst>
-          </p:cNvPr>
-          <p:cNvGraphicFramePr>
-            <a:graphicFrameLocks noGrp="1"/>
-          </p:cNvGraphicFramePr>
-          <p:nvPr>
-            <p:extLst>
-              <p:ext uri="{D42A27DB-BD31-4B8C-83A1-F6EECF244321}">
-                <p14:modId xmlns:p14="http://schemas.microsoft.com/office/powerpoint/2010/main" val="1607857063"/>
-              </p:ext>
-            </p:extLst>
-          </p:nvPr>
-        </p:nvGraphicFramePr>
-        <p:xfrm>
-          <a:off x="5533897" y="3776506"/>
-          <a:ext cx="5810250" cy="2965452"/>
-        </p:xfrm>
-        <a:graphic>
-          <a:graphicData uri="http://schemas.openxmlformats.org/drawingml/2006/table">
-            <a:tbl>
-              <a:tblPr>
-                <a:tableStyleId>{5C22544A-7EE6-4342-B048-85BDC9FD1C3A}</a:tableStyleId>
-              </a:tblPr>
-              <a:tblGrid>
-                <a:gridCol w="2867025">
-                  <a:extLst>
-                    <a:ext uri="{9D8B030D-6E8A-4147-A177-3AD203B41FA5}">
-                      <a16:colId xmlns:a16="http://schemas.microsoft.com/office/drawing/2014/main" val="2850961397"/>
-                    </a:ext>
-                  </a:extLst>
-                </a:gridCol>
-                <a:gridCol w="2943225">
-                  <a:extLst>
-                    <a:ext uri="{9D8B030D-6E8A-4147-A177-3AD203B41FA5}">
-                      <a16:colId xmlns:a16="http://schemas.microsoft.com/office/drawing/2014/main" val="2097266817"/>
-                    </a:ext>
-                  </a:extLst>
-                </a:gridCol>
-              </a:tblGrid>
-              <a:tr h="415290">
-                <a:tc gridSpan="2">
-                  <a:txBody>
-                    <a:bodyPr/>
-                    <a:lstStyle/>
-                    <a:p>
-                      <a:pPr>
-                        <a:lnSpc>
-                          <a:spcPct val="115000"/>
-                        </a:lnSpc>
-                      </a:pPr>
-                      <a:r>
-                        <a:rPr lang="it-IT" sz="1200">
-                          <a:effectLst/>
-                        </a:rPr>
-                        <a:t>                                         Parametro: Genere</a:t>
-                      </a:r>
-                      <a:endParaRPr lang="it-IT" sz="1100">
-                        <a:effectLst/>
-                      </a:endParaRPr>
-                    </a:p>
-                    <a:p>
-                      <a:pPr>
-                        <a:lnSpc>
-                          <a:spcPct val="115000"/>
-                        </a:lnSpc>
-                      </a:pPr>
-                      <a:r>
-                        <a:rPr lang="it-IT" sz="1200">
-                          <a:effectLst/>
-                        </a:rPr>
-                        <a:t>                                         Formato: [ A-Z a-z ]</a:t>
-                      </a:r>
-                      <a:endParaRPr lang="it-IT" sz="1100">
-                        <a:effectLst/>
-                        <a:latin typeface="Arial" panose="020B0604020202020204" pitchFamily="34" charset="0"/>
-                        <a:ea typeface="Arial" panose="020B0604020202020204" pitchFamily="34" charset="0"/>
-                      </a:endParaRPr>
-                    </a:p>
-                  </a:txBody>
-                  <a:tcPr marL="63500" marR="63500" marT="63500" marB="63500"/>
-                </a:tc>
-                <a:tc hMerge="1">
-                  <a:txBody>
-                    <a:bodyPr/>
-                    <a:lstStyle/>
-                    <a:p>
-                      <a:endParaRPr lang="it-IT"/>
-                    </a:p>
-                  </a:txBody>
-                  <a:tcPr/>
-                </a:tc>
-                <a:extLst>
-                  <a:ext uri="{0D108BD9-81ED-4DB2-BD59-A6C34878D82A}">
-                    <a16:rowId xmlns:a16="http://schemas.microsoft.com/office/drawing/2014/main" val="3366330046"/>
-                  </a:ext>
-                </a:extLst>
-              </a:tr>
-              <a:tr h="0">
-                <a:tc>
-                  <a:txBody>
-                    <a:bodyPr/>
-                    <a:lstStyle/>
-                    <a:p>
-                      <a:pPr algn="ctr">
-                        <a:lnSpc>
-                          <a:spcPct val="115000"/>
-                        </a:lnSpc>
-                      </a:pPr>
-                      <a:r>
-                        <a:rPr lang="it-IT" sz="1200">
-                          <a:effectLst/>
-                        </a:rPr>
-                        <a:t>categorie                                 </a:t>
-                      </a:r>
-                      <a:endParaRPr lang="it-IT" sz="1100">
-                        <a:effectLst/>
-                        <a:latin typeface="Arial" panose="020B0604020202020204" pitchFamily="34" charset="0"/>
-                        <a:ea typeface="Arial" panose="020B0604020202020204" pitchFamily="34" charset="0"/>
-                      </a:endParaRPr>
-                    </a:p>
-                  </a:txBody>
-                  <a:tcPr marL="63500" marR="63500" marT="63500" marB="63500"/>
-                </a:tc>
-                <a:tc>
-                  <a:txBody>
-                    <a:bodyPr/>
-                    <a:lstStyle/>
-                    <a:p>
-                      <a:pPr algn="ctr">
-                        <a:lnSpc>
-                          <a:spcPct val="115000"/>
-                        </a:lnSpc>
-                      </a:pPr>
-                      <a:r>
-                        <a:rPr lang="it-IT" sz="1200">
-                          <a:effectLst/>
-                        </a:rPr>
-                        <a:t>scelte</a:t>
-                      </a:r>
-                      <a:endParaRPr lang="it-IT" sz="1100">
-                        <a:effectLst/>
-                        <a:latin typeface="Arial" panose="020B0604020202020204" pitchFamily="34" charset="0"/>
-                        <a:ea typeface="Arial" panose="020B0604020202020204" pitchFamily="34" charset="0"/>
-                      </a:endParaRPr>
-                    </a:p>
-                  </a:txBody>
-                  <a:tcPr marL="63500" marR="63500" marT="63500" marB="63500"/>
-                </a:tc>
-                <a:extLst>
-                  <a:ext uri="{0D108BD9-81ED-4DB2-BD59-A6C34878D82A}">
-                    <a16:rowId xmlns:a16="http://schemas.microsoft.com/office/drawing/2014/main" val="3416367961"/>
-                  </a:ext>
-                </a:extLst>
-              </a:tr>
-              <a:tr h="594360">
-                <a:tc>
-                  <a:txBody>
-                    <a:bodyPr/>
-                    <a:lstStyle/>
-                    <a:p>
-                      <a:pPr algn="ctr">
-                        <a:lnSpc>
-                          <a:spcPct val="115000"/>
-                        </a:lnSpc>
-                      </a:pPr>
-                      <a:r>
-                        <a:rPr lang="it-IT" sz="1200">
-                          <a:effectLst/>
-                        </a:rPr>
-                        <a:t>Lunghezza (ge)                                                   </a:t>
-                      </a:r>
-                      <a:endParaRPr lang="it-IT" sz="1100">
-                        <a:effectLst/>
-                        <a:latin typeface="Arial" panose="020B0604020202020204" pitchFamily="34" charset="0"/>
-                        <a:ea typeface="Arial" panose="020B0604020202020204" pitchFamily="34" charset="0"/>
-                      </a:endParaRPr>
-                    </a:p>
-                  </a:txBody>
-                  <a:tcPr marL="63500" marR="63500" marT="63500" marB="63500"/>
-                </a:tc>
-                <a:tc>
-                  <a:txBody>
-                    <a:bodyPr/>
-                    <a:lstStyle/>
-                    <a:p>
-                      <a:pPr>
-                        <a:lnSpc>
-                          <a:spcPct val="115000"/>
-                        </a:lnSpc>
-                      </a:pPr>
-                      <a:r>
-                        <a:rPr lang="it-IT" sz="1200">
-                          <a:effectLst/>
-                        </a:rPr>
-                        <a:t>1: lunghezza == 0 [ errore]</a:t>
-                      </a:r>
-                      <a:endParaRPr lang="it-IT" sz="1100">
-                        <a:effectLst/>
-                      </a:endParaRPr>
-                    </a:p>
-                    <a:p>
-                      <a:pPr>
-                        <a:lnSpc>
-                          <a:spcPct val="115000"/>
-                        </a:lnSpc>
-                      </a:pPr>
-                      <a:r>
-                        <a:rPr lang="it-IT" sz="1200">
-                          <a:effectLst/>
-                        </a:rPr>
-                        <a:t> </a:t>
-                      </a:r>
-                      <a:endParaRPr lang="it-IT" sz="1100">
-                        <a:effectLst/>
-                      </a:endParaRPr>
-                    </a:p>
-                    <a:p>
-                      <a:pPr>
-                        <a:lnSpc>
-                          <a:spcPct val="115000"/>
-                        </a:lnSpc>
-                      </a:pPr>
-                      <a:r>
-                        <a:rPr lang="it-IT" sz="1200">
-                          <a:effectLst/>
-                        </a:rPr>
-                        <a:t>2: lunghezza &gt;= 1                                                                   [property  lunghezzaGEok]</a:t>
-                      </a:r>
-                      <a:endParaRPr lang="it-IT" sz="1100">
-                        <a:effectLst/>
-                        <a:latin typeface="Arial" panose="020B0604020202020204" pitchFamily="34" charset="0"/>
-                        <a:ea typeface="Arial" panose="020B0604020202020204" pitchFamily="34" charset="0"/>
-                      </a:endParaRPr>
-                    </a:p>
-                  </a:txBody>
-                  <a:tcPr marL="63500" marR="63500" marT="63500" marB="63500"/>
-                </a:tc>
-                <a:extLst>
-                  <a:ext uri="{0D108BD9-81ED-4DB2-BD59-A6C34878D82A}">
-                    <a16:rowId xmlns:a16="http://schemas.microsoft.com/office/drawing/2014/main" val="993653727"/>
-                  </a:ext>
-                </a:extLst>
-              </a:tr>
-              <a:tr h="1009650">
-                <a:tc>
-                  <a:txBody>
-                    <a:bodyPr/>
-                    <a:lstStyle/>
-                    <a:p>
-                      <a:pPr algn="ctr">
-                        <a:lnSpc>
-                          <a:spcPct val="115000"/>
-                        </a:lnSpc>
-                      </a:pPr>
-                      <a:r>
-                        <a:rPr lang="it-IT" sz="1200">
-                          <a:effectLst/>
-                        </a:rPr>
-                        <a:t>Formato (ne)                                                                                                                       </a:t>
-                      </a:r>
-                      <a:endParaRPr lang="it-IT" sz="1100">
-                        <a:effectLst/>
-                        <a:latin typeface="Arial" panose="020B0604020202020204" pitchFamily="34" charset="0"/>
-                        <a:ea typeface="Arial" panose="020B0604020202020204" pitchFamily="34" charset="0"/>
-                      </a:endParaRPr>
-                    </a:p>
-                  </a:txBody>
-                  <a:tcPr marL="63500" marR="63500" marT="63500" marB="63500"/>
-                </a:tc>
-                <a:tc>
-                  <a:txBody>
-                    <a:bodyPr/>
-                    <a:lstStyle/>
-                    <a:p>
-                      <a:pPr>
-                        <a:lnSpc>
-                          <a:spcPct val="115000"/>
-                        </a:lnSpc>
-                      </a:pPr>
-                      <a:r>
-                        <a:rPr lang="it-IT" sz="1200" dirty="0">
-                          <a:effectLst/>
-                        </a:rPr>
-                        <a:t> 1: rispetta il formato [ </a:t>
-                      </a:r>
-                      <a:r>
-                        <a:rPr lang="it-IT" sz="1200" dirty="0" err="1">
-                          <a:effectLst/>
-                        </a:rPr>
-                        <a:t>if</a:t>
-                      </a:r>
-                      <a:r>
-                        <a:rPr lang="it-IT" sz="1200" dirty="0">
-                          <a:effectLst/>
-                        </a:rPr>
-                        <a:t> </a:t>
-                      </a:r>
-                      <a:r>
-                        <a:rPr lang="it-IT" sz="1200" dirty="0" err="1">
-                          <a:effectLst/>
-                        </a:rPr>
-                        <a:t>lunghezzaGEok</a:t>
-                      </a:r>
-                      <a:r>
-                        <a:rPr lang="it-IT" sz="1200" dirty="0">
-                          <a:effectLst/>
-                        </a:rPr>
-                        <a:t>]                                                               [</a:t>
-                      </a:r>
-                      <a:r>
-                        <a:rPr lang="it-IT" sz="1200" dirty="0" err="1">
-                          <a:effectLst/>
-                        </a:rPr>
-                        <a:t>property</a:t>
-                      </a:r>
-                      <a:r>
-                        <a:rPr lang="it-IT" sz="1200" dirty="0">
-                          <a:effectLst/>
-                        </a:rPr>
-                        <a:t> </a:t>
-                      </a:r>
-                      <a:r>
-                        <a:rPr lang="it-IT" sz="1200" dirty="0" err="1">
-                          <a:effectLst/>
-                        </a:rPr>
-                        <a:t>formatoNEok</a:t>
-                      </a:r>
-                      <a:r>
-                        <a:rPr lang="it-IT" sz="1200" dirty="0">
-                          <a:effectLst/>
-                        </a:rPr>
-                        <a:t> ]</a:t>
-                      </a:r>
-                      <a:endParaRPr lang="it-IT" sz="1100" dirty="0">
-                        <a:effectLst/>
-                      </a:endParaRPr>
-                    </a:p>
-                    <a:p>
-                      <a:pPr>
-                        <a:lnSpc>
-                          <a:spcPct val="115000"/>
-                        </a:lnSpc>
-                      </a:pPr>
-                      <a:r>
-                        <a:rPr lang="it-IT" sz="1200" dirty="0">
-                          <a:effectLst/>
-                        </a:rPr>
-                        <a:t>                                                             </a:t>
-                      </a:r>
-                      <a:endParaRPr lang="it-IT" sz="1100" dirty="0">
-                        <a:effectLst/>
-                      </a:endParaRPr>
-                    </a:p>
-                    <a:p>
-                      <a:pPr>
-                        <a:lnSpc>
-                          <a:spcPct val="115000"/>
-                        </a:lnSpc>
-                      </a:pPr>
-                      <a:r>
-                        <a:rPr lang="it-IT" sz="1200" dirty="0">
-                          <a:effectLst/>
-                        </a:rPr>
-                        <a:t>2: non rispetta il formato [ </a:t>
-                      </a:r>
-                      <a:r>
-                        <a:rPr lang="it-IT" sz="1200" dirty="0" err="1">
-                          <a:effectLst/>
-                        </a:rPr>
-                        <a:t>if</a:t>
-                      </a:r>
-                      <a:r>
-                        <a:rPr lang="it-IT" sz="1200" dirty="0">
-                          <a:effectLst/>
-                        </a:rPr>
-                        <a:t>                                                                               </a:t>
-                      </a:r>
-                      <a:r>
-                        <a:rPr lang="it-IT" sz="1200" dirty="0" err="1">
-                          <a:effectLst/>
-                        </a:rPr>
-                        <a:t>lunghezzaGEok</a:t>
-                      </a:r>
-                      <a:r>
-                        <a:rPr lang="it-IT" sz="1200" dirty="0">
-                          <a:effectLst/>
-                        </a:rPr>
-                        <a:t>] [ errore ]  </a:t>
-                      </a:r>
-                      <a:endParaRPr lang="it-IT" sz="1100" dirty="0">
-                        <a:effectLst/>
-                        <a:latin typeface="Arial" panose="020B0604020202020204" pitchFamily="34" charset="0"/>
-                        <a:ea typeface="Arial" panose="020B0604020202020204" pitchFamily="34" charset="0"/>
-                      </a:endParaRPr>
-                    </a:p>
-                  </a:txBody>
-                  <a:tcPr marL="63500" marR="63500" marT="63500" marB="63500"/>
-                </a:tc>
-                <a:extLst>
-                  <a:ext uri="{0D108BD9-81ED-4DB2-BD59-A6C34878D82A}">
-                    <a16:rowId xmlns:a16="http://schemas.microsoft.com/office/drawing/2014/main" val="2145135749"/>
-                  </a:ext>
-                </a:extLst>
-              </a:tr>
-            </a:tbl>
-          </a:graphicData>
-        </a:graphic>
-      </p:graphicFrame>
-    </p:spTree>
-    <p:extLst>
-      <p:ext uri="{BB962C8B-B14F-4D97-AF65-F5344CB8AC3E}">
-        <p14:creationId xmlns:p14="http://schemas.microsoft.com/office/powerpoint/2010/main" val="2730955762"/>
-      </p:ext>
-    </p:extLst>
-  </p:cSld>
-  <p:clrMapOvr>
-    <a:masterClrMapping/>
-  </p:clrMapOvr>
-</p:sld>
-</file>
-
-<file path=ppt/slides/slide12.xml><?xml version="1.0" encoding="utf-8"?>
-<p:sld xmlns:a="http://schemas.openxmlformats.org/drawingml/2006/main" xmlns:r="http://schemas.openxmlformats.org/officeDocument/2006/relationships" xmlns:p="http://schemas.openxmlformats.org/presentationml/2006/main">
-  <p:cSld>
-    <p:spTree>
-      <p:nvGrpSpPr>
-        <p:cNvPr id="1" name=""/>
-        <p:cNvGrpSpPr/>
-        <p:nvPr/>
-      </p:nvGrpSpPr>
-      <p:grpSpPr>
-        <a:xfrm>
-          <a:off x="0" y="0"/>
-          <a:ext cx="0" cy="0"/>
-          <a:chOff x="0" y="0"/>
-          <a:chExt cx="0" cy="0"/>
-        </a:xfrm>
-      </p:grpSpPr>
-      <p:sp>
-        <p:nvSpPr>
-          <p:cNvPr id="2" name="Titolo 1">
-            <a:extLst>
-              <a:ext uri="{FF2B5EF4-FFF2-40B4-BE49-F238E27FC236}">
-                <a16:creationId xmlns:a16="http://schemas.microsoft.com/office/drawing/2014/main" id="{B091881F-E104-4A2A-A90F-E9C96E8E73B4}"/>
-              </a:ext>
-            </a:extLst>
-          </p:cNvPr>
-          <p:cNvSpPr>
-            <a:spLocks noGrp="1"/>
-          </p:cNvSpPr>
-          <p:nvPr>
-            <p:ph type="title"/>
-          </p:nvPr>
-        </p:nvSpPr>
-        <p:spPr>
-          <a:xfrm rot="16200000">
             <a:off x="-1798927" y="1692771"/>
             <a:ext cx="4349692" cy="751823"/>
           </a:xfrm>
@@ -12468,6 +10053,64 @@
           </a:graphicData>
         </a:graphic>
       </p:graphicFrame>
+      <p:sp>
+        <p:nvSpPr>
+          <p:cNvPr id="7" name="Titolo 1">
+            <a:extLst>
+              <a:ext uri="{FF2B5EF4-FFF2-40B4-BE49-F238E27FC236}">
+                <a16:creationId xmlns:a16="http://schemas.microsoft.com/office/drawing/2014/main" id="{E7F86071-9196-4CD1-B82F-68516B94ABF5}"/>
+              </a:ext>
+            </a:extLst>
+          </p:cNvPr>
+          <p:cNvSpPr txBox="1">
+            <a:spLocks/>
+          </p:cNvSpPr>
+          <p:nvPr/>
+        </p:nvSpPr>
+        <p:spPr>
+          <a:xfrm rot="16200000">
+            <a:off x="11043378" y="5804759"/>
+            <a:ext cx="1578634" cy="527848"/>
+          </a:xfrm>
+          <a:prstGeom prst="rect">
+            <a:avLst/>
+          </a:prstGeom>
+        </p:spPr>
+        <p:txBody>
+          <a:bodyPr vert="horz" lIns="91440" tIns="45720" rIns="91440" bIns="45720" rtlCol="0" anchor="t">
+            <a:normAutofit fontScale="97500" lnSpcReduction="10000"/>
+          </a:bodyPr>
+          <a:lstStyle>
+            <a:lvl1pPr algn="l" defTabSz="914400" rtl="0" eaLnBrk="1" latinLnBrk="0" hangingPunct="1">
+              <a:lnSpc>
+                <a:spcPct val="90000"/>
+              </a:lnSpc>
+              <a:spcBef>
+                <a:spcPct val="0"/>
+              </a:spcBef>
+              <a:buNone/>
+              <a:defRPr sz="5100" kern="1200" cap="all" spc="200" baseline="0">
+                <a:solidFill>
+                  <a:schemeClr val="tx2"/>
+                </a:solidFill>
+                <a:latin typeface="+mj-lt"/>
+                <a:ea typeface="+mj-ea"/>
+                <a:cs typeface="+mj-cs"/>
+              </a:defRPr>
+            </a:lvl1pPr>
+          </a:lstStyle>
+          <a:p>
+            <a:r>
+              <a:rPr lang="it-IT" sz="3600" dirty="0">
+                <a:solidFill>
+                  <a:srgbClr val="F8B323"/>
+                </a:solidFill>
+              </a:rPr>
+              <a:t>TP-TCS</a:t>
+            </a:r>
+          </a:p>
+        </p:txBody>
+      </p:sp>
     </p:spTree>
     <p:extLst>
       <p:ext uri="{BB962C8B-B14F-4D97-AF65-F5344CB8AC3E}">
@@ -12481,7 +10124,7 @@
 </p:sld>
 </file>
 
-<file path=ppt/slides/slide13.xml><?xml version="1.0" encoding="utf-8"?>
+<file path=ppt/slides/slide11.xml><?xml version="1.0" encoding="utf-8"?>
 <p:sld xmlns:a="http://schemas.openxmlformats.org/drawingml/2006/main" xmlns:r="http://schemas.openxmlformats.org/officeDocument/2006/relationships" xmlns:p="http://schemas.openxmlformats.org/presentationml/2006/main">
   <p:cSld>
     <p:spTree>
@@ -14024,6 +11667,64 @@
           </a:graphicData>
         </a:graphic>
       </p:graphicFrame>
+      <p:sp>
+        <p:nvSpPr>
+          <p:cNvPr id="5" name="Titolo 1">
+            <a:extLst>
+              <a:ext uri="{FF2B5EF4-FFF2-40B4-BE49-F238E27FC236}">
+                <a16:creationId xmlns:a16="http://schemas.microsoft.com/office/drawing/2014/main" id="{3D143636-345E-49CC-B372-E86A0C8E28D3}"/>
+              </a:ext>
+            </a:extLst>
+          </p:cNvPr>
+          <p:cNvSpPr txBox="1">
+            <a:spLocks/>
+          </p:cNvSpPr>
+          <p:nvPr/>
+        </p:nvSpPr>
+        <p:spPr>
+          <a:xfrm rot="16200000">
+            <a:off x="11043378" y="5804759"/>
+            <a:ext cx="1578634" cy="527848"/>
+          </a:xfrm>
+          <a:prstGeom prst="rect">
+            <a:avLst/>
+          </a:prstGeom>
+        </p:spPr>
+        <p:txBody>
+          <a:bodyPr vert="horz" lIns="91440" tIns="45720" rIns="91440" bIns="45720" rtlCol="0" anchor="t">
+            <a:normAutofit fontScale="97500" lnSpcReduction="10000"/>
+          </a:bodyPr>
+          <a:lstStyle>
+            <a:lvl1pPr algn="l" defTabSz="914400" rtl="0" eaLnBrk="1" latinLnBrk="0" hangingPunct="1">
+              <a:lnSpc>
+                <a:spcPct val="90000"/>
+              </a:lnSpc>
+              <a:spcBef>
+                <a:spcPct val="0"/>
+              </a:spcBef>
+              <a:buNone/>
+              <a:defRPr sz="5100" kern="1200" cap="all" spc="200" baseline="0">
+                <a:solidFill>
+                  <a:schemeClr val="tx2"/>
+                </a:solidFill>
+                <a:latin typeface="+mj-lt"/>
+                <a:ea typeface="+mj-ea"/>
+                <a:cs typeface="+mj-cs"/>
+              </a:defRPr>
+            </a:lvl1pPr>
+          </a:lstStyle>
+          <a:p>
+            <a:r>
+              <a:rPr lang="it-IT" sz="3600" dirty="0">
+                <a:solidFill>
+                  <a:srgbClr val="F8B323"/>
+                </a:solidFill>
+              </a:rPr>
+              <a:t>TP-TCS</a:t>
+            </a:r>
+          </a:p>
+        </p:txBody>
+      </p:sp>
     </p:spTree>
     <p:extLst>
       <p:ext uri="{BB962C8B-B14F-4D97-AF65-F5344CB8AC3E}">
@@ -14037,7 +11738,7 @@
 </p:sld>
 </file>
 
-<file path=ppt/slides/slide14.xml><?xml version="1.0" encoding="utf-8"?>
+<file path=ppt/slides/slide12.xml><?xml version="1.0" encoding="utf-8"?>
 <p:sld xmlns:a="http://schemas.openxmlformats.org/drawingml/2006/main" xmlns:r="http://schemas.openxmlformats.org/officeDocument/2006/relationships" xmlns:p="http://schemas.openxmlformats.org/presentationml/2006/main">
   <p:cSld>
     <p:spTree>
@@ -14119,6 +11820,9 @@
           <a:prstGeom prst="roundRect">
             <a:avLst/>
           </a:prstGeom>
+          <a:ln>
+            <a:noFill/>
+          </a:ln>
         </p:spPr>
         <p:style>
           <a:lnRef idx="2">
@@ -14168,6 +11872,9 @@
           <a:prstGeom prst="roundRect">
             <a:avLst/>
           </a:prstGeom>
+          <a:ln>
+            <a:noFill/>
+          </a:ln>
         </p:spPr>
         <p:style>
           <a:lnRef idx="2">
@@ -14217,6 +11924,9 @@
           <a:prstGeom prst="roundRect">
             <a:avLst/>
           </a:prstGeom>
+          <a:ln>
+            <a:noFill/>
+          </a:ln>
         </p:spPr>
         <p:style>
           <a:lnRef idx="2">
@@ -14266,6 +11976,9 @@
           <a:prstGeom prst="roundRect">
             <a:avLst/>
           </a:prstGeom>
+          <a:ln>
+            <a:noFill/>
+          </a:ln>
         </p:spPr>
         <p:style>
           <a:lnRef idx="2">
@@ -14315,6 +12028,9 @@
           <a:prstGeom prst="roundRect">
             <a:avLst/>
           </a:prstGeom>
+          <a:ln>
+            <a:noFill/>
+          </a:ln>
         </p:spPr>
         <p:style>
           <a:lnRef idx="2">
@@ -14364,6 +12080,9 @@
           <a:prstGeom prst="roundRect">
             <a:avLst/>
           </a:prstGeom>
+          <a:ln>
+            <a:noFill/>
+          </a:ln>
         </p:spPr>
         <p:style>
           <a:lnRef idx="2">
@@ -14452,6 +12171,11 @@
               <a:gd name="adj2" fmla="val 2897"/>
             </a:avLst>
           </a:prstGeom>
+          <a:ln>
+            <a:solidFill>
+              <a:srgbClr val="F8B323"/>
+            </a:solidFill>
+          </a:ln>
         </p:spPr>
         <p:style>
           <a:lnRef idx="2">
@@ -14492,8 +12216,8 @@
         </p:nvSpPr>
         <p:spPr>
           <a:xfrm>
-            <a:off x="6235428" y="4704288"/>
-            <a:ext cx="2342642" cy="830997"/>
+            <a:off x="6167887" y="4692770"/>
+            <a:ext cx="2410183" cy="842515"/>
           </a:xfrm>
           <a:prstGeom prst="rect">
             <a:avLst/>
@@ -14507,52 +12231,12 @@
           <a:lstStyle/>
           <a:p>
             <a:r>
-              <a:rPr lang="it-IT" sz="2400" dirty="0" err="1">
-                <a:solidFill>
-                  <a:schemeClr val="bg1"/>
-                </a:solidFill>
-              </a:rPr>
-              <a:t>Unterstandable</a:t>
-            </a:r>
-            <a:r>
               <a:rPr lang="it-IT" sz="2400" dirty="0">
                 <a:solidFill>
                   <a:schemeClr val="bg1"/>
                 </a:solidFill>
               </a:rPr>
-              <a:t>, </a:t>
-            </a:r>
-            <a:r>
-              <a:rPr lang="it-IT" sz="2400" dirty="0" err="1">
-                <a:solidFill>
-                  <a:schemeClr val="bg1"/>
-                </a:solidFill>
-              </a:rPr>
-              <a:t>have</a:t>
-            </a:r>
-            <a:r>
-              <a:rPr lang="it-IT" sz="2400" dirty="0">
-                <a:solidFill>
-                  <a:schemeClr val="bg1"/>
-                </a:solidFill>
-              </a:rPr>
-              <a:t> a </a:t>
-            </a:r>
-            <a:r>
-              <a:rPr lang="it-IT" sz="2400" dirty="0" err="1">
-                <a:solidFill>
-                  <a:schemeClr val="bg1"/>
-                </a:solidFill>
-              </a:rPr>
-              <a:t>great</a:t>
-            </a:r>
-            <a:r>
-              <a:rPr lang="it-IT" sz="2400" dirty="0">
-                <a:solidFill>
-                  <a:schemeClr val="bg1"/>
-                </a:solidFill>
-              </a:rPr>
-              <a:t> day.</a:t>
+              <a:t>Unterstandable, have a great day.</a:t>
             </a:r>
           </a:p>
         </p:txBody>
@@ -14690,6 +12374,334 @@
 </p:sld>
 </file>
 
+<file path=ppt/slides/slide13.xml><?xml version="1.0" encoding="utf-8"?>
+<p:sld xmlns:a="http://schemas.openxmlformats.org/drawingml/2006/main" xmlns:r="http://schemas.openxmlformats.org/officeDocument/2006/relationships" xmlns:p="http://schemas.openxmlformats.org/presentationml/2006/main">
+  <p:cSld>
+    <p:spTree>
+      <p:nvGrpSpPr>
+        <p:cNvPr id="1" name=""/>
+        <p:cNvGrpSpPr/>
+        <p:nvPr/>
+      </p:nvGrpSpPr>
+      <p:grpSpPr>
+        <a:xfrm>
+          <a:off x="0" y="0"/>
+          <a:ext cx="0" cy="0"/>
+          <a:chOff x="0" y="0"/>
+          <a:chExt cx="0" cy="0"/>
+        </a:xfrm>
+      </p:grpSpPr>
+      <p:sp>
+        <p:nvSpPr>
+          <p:cNvPr id="2" name="Titolo 1">
+            <a:extLst>
+              <a:ext uri="{FF2B5EF4-FFF2-40B4-BE49-F238E27FC236}">
+                <a16:creationId xmlns:a16="http://schemas.microsoft.com/office/drawing/2014/main" id="{B091881F-E104-4A2A-A90F-E9C96E8E73B4}"/>
+              </a:ext>
+            </a:extLst>
+          </p:cNvPr>
+          <p:cNvSpPr>
+            <a:spLocks noGrp="1"/>
+          </p:cNvSpPr>
+          <p:nvPr>
+            <p:ph type="title"/>
+          </p:nvPr>
+        </p:nvSpPr>
+        <p:spPr>
+          <a:xfrm rot="16200000">
+            <a:off x="-3009126" y="3009125"/>
+            <a:ext cx="6770076" cy="751823"/>
+          </a:xfrm>
+        </p:spPr>
+        <p:txBody>
+          <a:bodyPr>
+            <a:normAutofit fontScale="90000"/>
+          </a:bodyPr>
+          <a:lstStyle/>
+          <a:p>
+            <a:pPr algn="r"/>
+            <a:r>
+              <a:rPr lang="it-IT" dirty="0">
+                <a:solidFill>
+                  <a:srgbClr val="F8B323"/>
+                </a:solidFill>
+              </a:rPr>
+              <a:t>use case pt1</a:t>
+            </a:r>
+          </a:p>
+        </p:txBody>
+      </p:sp>
+      <p:pic>
+        <p:nvPicPr>
+          <p:cNvPr id="5" name="Immagine 4" descr="Immagine che contiene tavolo&#10;&#10;Descrizione generata automaticamente">
+            <a:extLst>
+              <a:ext uri="{FF2B5EF4-FFF2-40B4-BE49-F238E27FC236}">
+                <a16:creationId xmlns:a16="http://schemas.microsoft.com/office/drawing/2014/main" id="{11A01F2B-2A05-4D59-9201-13140C3E8AED}"/>
+              </a:ext>
+            </a:extLst>
+          </p:cNvPr>
+          <p:cNvPicPr>
+            <a:picLocks noChangeAspect="1"/>
+          </p:cNvPicPr>
+          <p:nvPr/>
+        </p:nvPicPr>
+        <p:blipFill>
+          <a:blip r:embed="rId2">
+            <a:extLst>
+              <a:ext uri="{28A0092B-C50C-407E-A947-70E740481C1C}">
+                <a14:useLocalDpi xmlns:a14="http://schemas.microsoft.com/office/drawing/2010/main" val="0"/>
+              </a:ext>
+            </a:extLst>
+          </a:blip>
+          <a:stretch>
+            <a:fillRect/>
+          </a:stretch>
+        </p:blipFill>
+        <p:spPr>
+          <a:xfrm>
+            <a:off x="2254015" y="131194"/>
+            <a:ext cx="7683969" cy="6638881"/>
+          </a:xfrm>
+          <a:prstGeom prst="rect">
+            <a:avLst/>
+          </a:prstGeom>
+        </p:spPr>
+      </p:pic>
+      <p:sp>
+        <p:nvSpPr>
+          <p:cNvPr id="4" name="Titolo 1">
+            <a:extLst>
+              <a:ext uri="{FF2B5EF4-FFF2-40B4-BE49-F238E27FC236}">
+                <a16:creationId xmlns:a16="http://schemas.microsoft.com/office/drawing/2014/main" id="{77C6FAE9-E454-4E14-B912-392FACD497F3}"/>
+              </a:ext>
+            </a:extLst>
+          </p:cNvPr>
+          <p:cNvSpPr txBox="1">
+            <a:spLocks/>
+          </p:cNvSpPr>
+          <p:nvPr/>
+        </p:nvSpPr>
+        <p:spPr>
+          <a:xfrm rot="16200000">
+            <a:off x="11032244" y="5804759"/>
+            <a:ext cx="1578634" cy="527848"/>
+          </a:xfrm>
+          <a:prstGeom prst="rect">
+            <a:avLst/>
+          </a:prstGeom>
+        </p:spPr>
+        <p:txBody>
+          <a:bodyPr vert="horz" lIns="91440" tIns="45720" rIns="91440" bIns="45720" rtlCol="0" anchor="t">
+            <a:normAutofit fontScale="97500" lnSpcReduction="10000"/>
+          </a:bodyPr>
+          <a:lstStyle>
+            <a:lvl1pPr algn="l" defTabSz="914400" rtl="0" eaLnBrk="1" latinLnBrk="0" hangingPunct="1">
+              <a:lnSpc>
+                <a:spcPct val="90000"/>
+              </a:lnSpc>
+              <a:spcBef>
+                <a:spcPct val="0"/>
+              </a:spcBef>
+              <a:buNone/>
+              <a:defRPr sz="5100" kern="1200" cap="all" spc="200" baseline="0">
+                <a:solidFill>
+                  <a:schemeClr val="tx2"/>
+                </a:solidFill>
+                <a:latin typeface="+mj-lt"/>
+                <a:ea typeface="+mj-ea"/>
+                <a:cs typeface="+mj-cs"/>
+              </a:defRPr>
+            </a:lvl1pPr>
+          </a:lstStyle>
+          <a:p>
+            <a:r>
+              <a:rPr lang="it-IT" sz="3600" dirty="0">
+                <a:solidFill>
+                  <a:srgbClr val="F8B323"/>
+                </a:solidFill>
+              </a:rPr>
+              <a:t>RAD</a:t>
+            </a:r>
+          </a:p>
+        </p:txBody>
+      </p:sp>
+    </p:spTree>
+    <p:extLst>
+      <p:ext uri="{BB962C8B-B14F-4D97-AF65-F5344CB8AC3E}">
+        <p14:creationId xmlns:p14="http://schemas.microsoft.com/office/powerpoint/2010/main" val="1118310397"/>
+      </p:ext>
+    </p:extLst>
+  </p:cSld>
+  <p:clrMapOvr>
+    <a:masterClrMapping/>
+  </p:clrMapOvr>
+</p:sld>
+</file>
+
+<file path=ppt/slides/slide14.xml><?xml version="1.0" encoding="utf-8"?>
+<p:sld xmlns:a="http://schemas.openxmlformats.org/drawingml/2006/main" xmlns:r="http://schemas.openxmlformats.org/officeDocument/2006/relationships" xmlns:p="http://schemas.openxmlformats.org/presentationml/2006/main">
+  <p:cSld>
+    <p:spTree>
+      <p:nvGrpSpPr>
+        <p:cNvPr id="1" name=""/>
+        <p:cNvGrpSpPr/>
+        <p:nvPr/>
+      </p:nvGrpSpPr>
+      <p:grpSpPr>
+        <a:xfrm>
+          <a:off x="0" y="0"/>
+          <a:ext cx="0" cy="0"/>
+          <a:chOff x="0" y="0"/>
+          <a:chExt cx="0" cy="0"/>
+        </a:xfrm>
+      </p:grpSpPr>
+      <p:sp>
+        <p:nvSpPr>
+          <p:cNvPr id="2" name="Titolo 1">
+            <a:extLst>
+              <a:ext uri="{FF2B5EF4-FFF2-40B4-BE49-F238E27FC236}">
+                <a16:creationId xmlns:a16="http://schemas.microsoft.com/office/drawing/2014/main" id="{B091881F-E104-4A2A-A90F-E9C96E8E73B4}"/>
+              </a:ext>
+            </a:extLst>
+          </p:cNvPr>
+          <p:cNvSpPr>
+            <a:spLocks noGrp="1"/>
+          </p:cNvSpPr>
+          <p:nvPr>
+            <p:ph type="title"/>
+          </p:nvPr>
+        </p:nvSpPr>
+        <p:spPr>
+          <a:xfrm rot="16200000">
+            <a:off x="-3009126" y="3009125"/>
+            <a:ext cx="6770076" cy="751823"/>
+          </a:xfrm>
+        </p:spPr>
+        <p:txBody>
+          <a:bodyPr>
+            <a:normAutofit fontScale="90000"/>
+          </a:bodyPr>
+          <a:lstStyle/>
+          <a:p>
+            <a:pPr algn="r"/>
+            <a:r>
+              <a:rPr lang="it-IT" dirty="0">
+                <a:solidFill>
+                  <a:srgbClr val="F8B323"/>
+                </a:solidFill>
+              </a:rPr>
+              <a:t>use case pt2</a:t>
+            </a:r>
+          </a:p>
+        </p:txBody>
+      </p:sp>
+      <p:pic>
+        <p:nvPicPr>
+          <p:cNvPr id="7" name="Immagine 6" descr="Immagine che contiene tavolo&#10;&#10;Descrizione generata automaticamente">
+            <a:extLst>
+              <a:ext uri="{FF2B5EF4-FFF2-40B4-BE49-F238E27FC236}">
+                <a16:creationId xmlns:a16="http://schemas.microsoft.com/office/drawing/2014/main" id="{128A15AE-B5DA-4944-B501-9C8D6743BA90}"/>
+              </a:ext>
+            </a:extLst>
+          </p:cNvPr>
+          <p:cNvPicPr>
+            <a:picLocks noChangeAspect="1"/>
+          </p:cNvPicPr>
+          <p:nvPr/>
+        </p:nvPicPr>
+        <p:blipFill>
+          <a:blip r:embed="rId2">
+            <a:extLst>
+              <a:ext uri="{28A0092B-C50C-407E-A947-70E740481C1C}">
+                <a14:useLocalDpi xmlns:a14="http://schemas.microsoft.com/office/drawing/2010/main" val="0"/>
+              </a:ext>
+            </a:extLst>
+          </a:blip>
+          <a:stretch>
+            <a:fillRect/>
+          </a:stretch>
+        </p:blipFill>
+        <p:spPr>
+          <a:xfrm>
+            <a:off x="2462178" y="72762"/>
+            <a:ext cx="7267644" cy="6697313"/>
+          </a:xfrm>
+          <a:prstGeom prst="rect">
+            <a:avLst/>
+          </a:prstGeom>
+        </p:spPr>
+      </p:pic>
+      <p:sp>
+        <p:nvSpPr>
+          <p:cNvPr id="4" name="Titolo 1">
+            <a:extLst>
+              <a:ext uri="{FF2B5EF4-FFF2-40B4-BE49-F238E27FC236}">
+                <a16:creationId xmlns:a16="http://schemas.microsoft.com/office/drawing/2014/main" id="{7FEF753D-D0E7-4E13-9548-63BF015345E0}"/>
+              </a:ext>
+            </a:extLst>
+          </p:cNvPr>
+          <p:cNvSpPr txBox="1">
+            <a:spLocks/>
+          </p:cNvSpPr>
+          <p:nvPr/>
+        </p:nvSpPr>
+        <p:spPr>
+          <a:xfrm rot="16200000">
+            <a:off x="11032244" y="5804759"/>
+            <a:ext cx="1578634" cy="527848"/>
+          </a:xfrm>
+          <a:prstGeom prst="rect">
+            <a:avLst/>
+          </a:prstGeom>
+        </p:spPr>
+        <p:txBody>
+          <a:bodyPr vert="horz" lIns="91440" tIns="45720" rIns="91440" bIns="45720" rtlCol="0" anchor="t">
+            <a:normAutofit fontScale="97500" lnSpcReduction="10000"/>
+          </a:bodyPr>
+          <a:lstStyle>
+            <a:lvl1pPr algn="l" defTabSz="914400" rtl="0" eaLnBrk="1" latinLnBrk="0" hangingPunct="1">
+              <a:lnSpc>
+                <a:spcPct val="90000"/>
+              </a:lnSpc>
+              <a:spcBef>
+                <a:spcPct val="0"/>
+              </a:spcBef>
+              <a:buNone/>
+              <a:defRPr sz="5100" kern="1200" cap="all" spc="200" baseline="0">
+                <a:solidFill>
+                  <a:schemeClr val="tx2"/>
+                </a:solidFill>
+                <a:latin typeface="+mj-lt"/>
+                <a:ea typeface="+mj-ea"/>
+                <a:cs typeface="+mj-cs"/>
+              </a:defRPr>
+            </a:lvl1pPr>
+          </a:lstStyle>
+          <a:p>
+            <a:r>
+              <a:rPr lang="it-IT" sz="3600" dirty="0">
+                <a:solidFill>
+                  <a:srgbClr val="F8B323"/>
+                </a:solidFill>
+              </a:rPr>
+              <a:t>RAD</a:t>
+            </a:r>
+          </a:p>
+        </p:txBody>
+      </p:sp>
+    </p:spTree>
+    <p:extLst>
+      <p:ext uri="{BB962C8B-B14F-4D97-AF65-F5344CB8AC3E}">
+        <p14:creationId xmlns:p14="http://schemas.microsoft.com/office/powerpoint/2010/main" val="2647889036"/>
+      </p:ext>
+    </p:extLst>
+  </p:cSld>
+  <p:clrMapOvr>
+    <a:masterClrMapping/>
+  </p:clrMapOvr>
+</p:sld>
+</file>
+
 <file path=ppt/slides/slide15.xml><?xml version="1.0" encoding="utf-8"?>
 <p:sld xmlns:a="http://schemas.openxmlformats.org/drawingml/2006/main" xmlns:r="http://schemas.openxmlformats.org/officeDocument/2006/relationships" xmlns:p="http://schemas.openxmlformats.org/presentationml/2006/main">
   <p:cSld>
@@ -14813,7 +12825,7 @@
                         </a:spcAft>
                       </a:pPr>
                       <a:r>
-                        <a:rPr lang="it-IT" sz="2000" b="1">
+                        <a:rPr lang="it-IT" sz="2000" b="1" dirty="0">
                           <a:solidFill>
                             <a:srgbClr val="FFFFFF"/>
                           </a:solidFill>
@@ -14824,7 +12836,7 @@
                         </a:rPr>
                         <a:t>Nome Oggetto</a:t>
                       </a:r>
-                      <a:endParaRPr lang="it-IT" sz="2000">
+                      <a:endParaRPr lang="it-IT" sz="2000" dirty="0">
                         <a:effectLst/>
                         <a:latin typeface="Times New Roman" panose="02020603050405020304" pitchFamily="18" charset="0"/>
                         <a:ea typeface="Times New Roman" panose="02020603050405020304" pitchFamily="18" charset="0"/>
@@ -14887,7 +12899,7 @@
                         </a:spcAft>
                       </a:pPr>
                       <a:r>
-                        <a:rPr lang="it-IT" sz="2000" b="1">
+                        <a:rPr lang="it-IT" sz="2000" b="1" dirty="0">
                           <a:solidFill>
                             <a:srgbClr val="FFFFFF"/>
                           </a:solidFill>
@@ -14898,7 +12910,7 @@
                         </a:rPr>
                         <a:t>Tipologia</a:t>
                       </a:r>
-                      <a:endParaRPr lang="it-IT" sz="2000">
+                      <a:endParaRPr lang="it-IT" sz="2000" dirty="0">
                         <a:effectLst/>
                         <a:latin typeface="Times New Roman" panose="02020603050405020304" pitchFamily="18" charset="0"/>
                         <a:ea typeface="Times New Roman" panose="02020603050405020304" pitchFamily="18" charset="0"/>
@@ -15042,7 +13054,7 @@
                         </a:spcAft>
                       </a:pPr>
                       <a:r>
-                        <a:rPr lang="it-IT" sz="1500">
+                        <a:rPr lang="it-IT" sz="1500" dirty="0" err="1">
                           <a:effectLst/>
                           <a:latin typeface="Century Gothic" panose="020B0502020202020204" pitchFamily="34" charset="0"/>
                           <a:ea typeface="Century Gothic" panose="020B0502020202020204" pitchFamily="34" charset="0"/>
@@ -15050,7 +13062,7 @@
                         </a:rPr>
                         <a:t>ShopPage</a:t>
                       </a:r>
-                      <a:endParaRPr lang="it-IT" sz="2000">
+                      <a:endParaRPr lang="it-IT" sz="2000" dirty="0">
                         <a:effectLst/>
                         <a:latin typeface="Times New Roman" panose="02020603050405020304" pitchFamily="18" charset="0"/>
                         <a:ea typeface="Times New Roman" panose="02020603050405020304" pitchFamily="18" charset="0"/>
@@ -16736,6 +14748,64 @@
           </a:graphicData>
         </a:graphic>
       </p:graphicFrame>
+      <p:sp>
+        <p:nvSpPr>
+          <p:cNvPr id="4" name="Titolo 1">
+            <a:extLst>
+              <a:ext uri="{FF2B5EF4-FFF2-40B4-BE49-F238E27FC236}">
+                <a16:creationId xmlns:a16="http://schemas.microsoft.com/office/drawing/2014/main" id="{5D7B2E24-40A5-4AE4-A480-79CBE0388744}"/>
+              </a:ext>
+            </a:extLst>
+          </p:cNvPr>
+          <p:cNvSpPr txBox="1">
+            <a:spLocks/>
+          </p:cNvSpPr>
+          <p:nvPr/>
+        </p:nvSpPr>
+        <p:spPr>
+          <a:xfrm rot="16200000">
+            <a:off x="11032244" y="5804759"/>
+            <a:ext cx="1578634" cy="527848"/>
+          </a:xfrm>
+          <a:prstGeom prst="rect">
+            <a:avLst/>
+          </a:prstGeom>
+        </p:spPr>
+        <p:txBody>
+          <a:bodyPr vert="horz" lIns="91440" tIns="45720" rIns="91440" bIns="45720" rtlCol="0" anchor="t">
+            <a:normAutofit fontScale="97500" lnSpcReduction="10000"/>
+          </a:bodyPr>
+          <a:lstStyle>
+            <a:lvl1pPr algn="l" defTabSz="914400" rtl="0" eaLnBrk="1" latinLnBrk="0" hangingPunct="1">
+              <a:lnSpc>
+                <a:spcPct val="90000"/>
+              </a:lnSpc>
+              <a:spcBef>
+                <a:spcPct val="0"/>
+              </a:spcBef>
+              <a:buNone/>
+              <a:defRPr sz="5100" kern="1200" cap="all" spc="200" baseline="0">
+                <a:solidFill>
+                  <a:schemeClr val="tx2"/>
+                </a:solidFill>
+                <a:latin typeface="+mj-lt"/>
+                <a:ea typeface="+mj-ea"/>
+                <a:cs typeface="+mj-cs"/>
+              </a:defRPr>
+            </a:lvl1pPr>
+          </a:lstStyle>
+          <a:p>
+            <a:r>
+              <a:rPr lang="it-IT" sz="3600" dirty="0">
+                <a:solidFill>
+                  <a:srgbClr val="F8B323"/>
+                </a:solidFill>
+              </a:rPr>
+              <a:t>RAD</a:t>
+            </a:r>
+          </a:p>
+        </p:txBody>
+      </p:sp>
     </p:spTree>
     <p:extLst>
       <p:ext uri="{BB962C8B-B14F-4D97-AF65-F5344CB8AC3E}">
@@ -16880,6 +14950,64 @@
           </a:p>
         </p:txBody>
       </p:sp>
+      <p:sp>
+        <p:nvSpPr>
+          <p:cNvPr id="5" name="Titolo 1">
+            <a:extLst>
+              <a:ext uri="{FF2B5EF4-FFF2-40B4-BE49-F238E27FC236}">
+                <a16:creationId xmlns:a16="http://schemas.microsoft.com/office/drawing/2014/main" id="{9E11DBEE-8CFA-45C2-A23E-89558C8DA1D2}"/>
+              </a:ext>
+            </a:extLst>
+          </p:cNvPr>
+          <p:cNvSpPr txBox="1">
+            <a:spLocks/>
+          </p:cNvSpPr>
+          <p:nvPr/>
+        </p:nvSpPr>
+        <p:spPr>
+          <a:xfrm rot="16200000">
+            <a:off x="11032244" y="5804759"/>
+            <a:ext cx="1578634" cy="527848"/>
+          </a:xfrm>
+          <a:prstGeom prst="rect">
+            <a:avLst/>
+          </a:prstGeom>
+        </p:spPr>
+        <p:txBody>
+          <a:bodyPr vert="horz" lIns="91440" tIns="45720" rIns="91440" bIns="45720" rtlCol="0" anchor="t">
+            <a:normAutofit fontScale="97500" lnSpcReduction="10000"/>
+          </a:bodyPr>
+          <a:lstStyle>
+            <a:lvl1pPr algn="l" defTabSz="914400" rtl="0" eaLnBrk="1" latinLnBrk="0" hangingPunct="1">
+              <a:lnSpc>
+                <a:spcPct val="90000"/>
+              </a:lnSpc>
+              <a:spcBef>
+                <a:spcPct val="0"/>
+              </a:spcBef>
+              <a:buNone/>
+              <a:defRPr sz="5100" kern="1200" cap="all" spc="200" baseline="0">
+                <a:solidFill>
+                  <a:schemeClr val="tx2"/>
+                </a:solidFill>
+                <a:latin typeface="+mj-lt"/>
+                <a:ea typeface="+mj-ea"/>
+                <a:cs typeface="+mj-cs"/>
+              </a:defRPr>
+            </a:lvl1pPr>
+          </a:lstStyle>
+          <a:p>
+            <a:r>
+              <a:rPr lang="it-IT" sz="3600" dirty="0">
+                <a:solidFill>
+                  <a:srgbClr val="F8B323"/>
+                </a:solidFill>
+              </a:rPr>
+              <a:t>RAD</a:t>
+            </a:r>
+          </a:p>
+        </p:txBody>
+      </p:sp>
     </p:spTree>
     <p:extLst>
       <p:ext uri="{BB962C8B-B14F-4D97-AF65-F5344CB8AC3E}">
@@ -16928,8 +15056,8 @@
         </p:nvSpPr>
         <p:spPr>
           <a:xfrm rot="16200000">
-            <a:off x="-1831283" y="1725122"/>
-            <a:ext cx="4414392" cy="751823"/>
+            <a:off x="-2890757" y="2890759"/>
+            <a:ext cx="6533338" cy="751823"/>
           </a:xfrm>
         </p:spPr>
         <p:txBody>
@@ -16938,101 +15066,131 @@
           </a:bodyPr>
           <a:lstStyle/>
           <a:p>
+            <a:pPr algn="r"/>
+            <a:r>
+              <a:rPr lang="it-IT" dirty="0" err="1">
+                <a:solidFill>
+                  <a:srgbClr val="F8B323"/>
+                </a:solidFill>
+              </a:rPr>
+              <a:t>Sequence</a:t>
+            </a:r>
             <a:r>
               <a:rPr lang="it-IT" dirty="0">
                 <a:solidFill>
                   <a:srgbClr val="F8B323"/>
                 </a:solidFill>
               </a:rPr>
-              <a:t>Use case model</a:t>
-            </a:r>
-          </a:p>
-        </p:txBody>
-      </p:sp>
-      <p:sp>
-        <p:nvSpPr>
-          <p:cNvPr id="3" name="Segnaposto contenuto 2">
-            <a:extLst>
-              <a:ext uri="{FF2B5EF4-FFF2-40B4-BE49-F238E27FC236}">
-                <a16:creationId xmlns:a16="http://schemas.microsoft.com/office/drawing/2014/main" id="{0D1F4823-2969-402A-86AF-FE8D80B3F521}"/>
-              </a:ext>
-            </a:extLst>
-          </p:cNvPr>
-          <p:cNvSpPr>
-            <a:spLocks noGrp="1"/>
-          </p:cNvSpPr>
-          <p:nvPr>
-            <p:ph idx="1"/>
-          </p:nvPr>
-        </p:nvSpPr>
-        <p:spPr>
-          <a:xfrm>
-            <a:off x="1251678" y="328473"/>
-            <a:ext cx="3258178" cy="5551119"/>
-          </a:xfrm>
-        </p:spPr>
-        <p:txBody>
-          <a:bodyPr/>
-          <a:lstStyle/>
-          <a:p>
-            <a:pPr marL="0" indent="0">
-              <a:buNone/>
-            </a:pPr>
-            <a:r>
-              <a:rPr lang="it-IT" dirty="0"/>
-              <a:t>Un esempio di Use Case </a:t>
+              <a:t> </a:t>
             </a:r>
             <a:r>
-              <a:rPr lang="it-IT" dirty="0" err="1"/>
-              <a:t>Diagram</a:t>
+              <a:rPr lang="it-IT" dirty="0" err="1">
+                <a:solidFill>
+                  <a:srgbClr val="F8B323"/>
+                </a:solidFill>
+              </a:rPr>
+              <a:t>diagram</a:t>
             </a:r>
-            <a:r>
-              <a:rPr lang="it-IT" dirty="0"/>
-              <a:t> relativo alle funzioni dell’ admin.</a:t>
-            </a:r>
+            <a:endParaRPr lang="it-IT" dirty="0">
+              <a:solidFill>
+                <a:srgbClr val="F8B323"/>
+              </a:solidFill>
+            </a:endParaRPr>
           </a:p>
         </p:txBody>
       </p:sp>
       <p:pic>
         <p:nvPicPr>
-          <p:cNvPr id="5" name="Immagine 4">
+          <p:cNvPr id="7" name="image14.png">
             <a:extLst>
               <a:ext uri="{FF2B5EF4-FFF2-40B4-BE49-F238E27FC236}">
-                <a16:creationId xmlns:a16="http://schemas.microsoft.com/office/drawing/2014/main" id="{B0242D41-856A-4802-AD8A-95C2B7FEB2A3}"/>
+                <a16:creationId xmlns:a16="http://schemas.microsoft.com/office/drawing/2014/main" id="{704498A1-FB6E-4B3B-A9CD-3C9B6B58BC43}"/>
               </a:ext>
             </a:extLst>
           </p:cNvPr>
-          <p:cNvPicPr>
-            <a:picLocks noChangeAspect="1"/>
-          </p:cNvPicPr>
+          <p:cNvPicPr/>
           <p:nvPr/>
         </p:nvPicPr>
         <p:blipFill>
-          <a:blip r:embed="rId2">
-            <a:extLst>
-              <a:ext uri="{28A0092B-C50C-407E-A947-70E740481C1C}">
-                <a14:useLocalDpi xmlns:a14="http://schemas.microsoft.com/office/drawing/2010/main" val="0"/>
-              </a:ext>
-            </a:extLst>
-          </a:blip>
+          <a:blip r:embed="rId2"/>
+          <a:srcRect/>
           <a:stretch>
             <a:fillRect/>
           </a:stretch>
         </p:blipFill>
         <p:spPr>
           <a:xfrm>
-            <a:off x="4753391" y="328473"/>
-            <a:ext cx="6676609" cy="4261282"/>
+            <a:off x="996462" y="575568"/>
+            <a:ext cx="10395536" cy="5706863"/>
+          </a:xfrm>
+          <a:prstGeom prst="rect">
+            <a:avLst/>
+          </a:prstGeom>
+          <a:ln/>
+        </p:spPr>
+      </p:pic>
+      <p:sp>
+        <p:nvSpPr>
+          <p:cNvPr id="4" name="Titolo 1">
+            <a:extLst>
+              <a:ext uri="{FF2B5EF4-FFF2-40B4-BE49-F238E27FC236}">
+                <a16:creationId xmlns:a16="http://schemas.microsoft.com/office/drawing/2014/main" id="{DB7DD44E-7106-48B5-B702-2156D02D7E7D}"/>
+              </a:ext>
+            </a:extLst>
+          </p:cNvPr>
+          <p:cNvSpPr txBox="1">
+            <a:spLocks/>
+          </p:cNvSpPr>
+          <p:nvPr/>
+        </p:nvSpPr>
+        <p:spPr>
+          <a:xfrm rot="16200000">
+            <a:off x="11032244" y="5804759"/>
+            <a:ext cx="1578634" cy="527848"/>
           </a:xfrm>
           <a:prstGeom prst="rect">
             <a:avLst/>
           </a:prstGeom>
         </p:spPr>
-      </p:pic>
+        <p:txBody>
+          <a:bodyPr vert="horz" lIns="91440" tIns="45720" rIns="91440" bIns="45720" rtlCol="0" anchor="t">
+            <a:normAutofit fontScale="97500" lnSpcReduction="10000"/>
+          </a:bodyPr>
+          <a:lstStyle>
+            <a:lvl1pPr algn="l" defTabSz="914400" rtl="0" eaLnBrk="1" latinLnBrk="0" hangingPunct="1">
+              <a:lnSpc>
+                <a:spcPct val="90000"/>
+              </a:lnSpc>
+              <a:spcBef>
+                <a:spcPct val="0"/>
+              </a:spcBef>
+              <a:buNone/>
+              <a:defRPr sz="5100" kern="1200" cap="all" spc="200" baseline="0">
+                <a:solidFill>
+                  <a:schemeClr val="tx2"/>
+                </a:solidFill>
+                <a:latin typeface="+mj-lt"/>
+                <a:ea typeface="+mj-ea"/>
+                <a:cs typeface="+mj-cs"/>
+              </a:defRPr>
+            </a:lvl1pPr>
+          </a:lstStyle>
+          <a:p>
+            <a:r>
+              <a:rPr lang="it-IT" sz="3600" dirty="0">
+                <a:solidFill>
+                  <a:srgbClr val="F8B323"/>
+                </a:solidFill>
+              </a:rPr>
+              <a:t>RAD</a:t>
+            </a:r>
+          </a:p>
+        </p:txBody>
+      </p:sp>
     </p:spTree>
     <p:extLst>
       <p:ext uri="{BB962C8B-B14F-4D97-AF65-F5344CB8AC3E}">
-        <p14:creationId xmlns:p14="http://schemas.microsoft.com/office/powerpoint/2010/main" val="117027741"/>
+        <p14:creationId xmlns:p14="http://schemas.microsoft.com/office/powerpoint/2010/main" val="3285800659"/>
       </p:ext>
     </p:extLst>
   </p:cSld>
@@ -17119,7 +15277,7 @@
         </p:blipFill>
         <p:spPr>
           <a:xfrm>
-            <a:off x="937942" y="1933574"/>
+            <a:off x="937942" y="2281237"/>
             <a:ext cx="10882583" cy="2295525"/>
           </a:xfrm>
           <a:prstGeom prst="rect">
@@ -17159,10 +15317,10 @@
       </p:grpSpPr>
       <p:sp>
         <p:nvSpPr>
-          <p:cNvPr id="2" name="Titolo 1">
+          <p:cNvPr id="3" name="Segnaposto contenuto 2">
             <a:extLst>
               <a:ext uri="{FF2B5EF4-FFF2-40B4-BE49-F238E27FC236}">
-                <a16:creationId xmlns:a16="http://schemas.microsoft.com/office/drawing/2014/main" id="{496AD424-704B-4D60-AB3C-BF9AAF16936C}"/>
+                <a16:creationId xmlns:a16="http://schemas.microsoft.com/office/drawing/2014/main" id="{741A505D-1B64-4C79-9191-F829D68A3F39}"/>
               </a:ext>
             </a:extLst>
           </p:cNvPr>
@@ -17170,38 +15328,119 @@
             <a:spLocks noGrp="1"/>
           </p:cNvSpPr>
           <p:nvPr>
-            <p:ph type="title"/>
+            <p:ph idx="1"/>
           </p:nvPr>
         </p:nvSpPr>
         <p:spPr>
-          <a:xfrm rot="16200000">
-            <a:off x="-1629681" y="1112595"/>
-            <a:ext cx="4170067" cy="892233"/>
+          <a:xfrm>
+            <a:off x="1198924" y="448409"/>
+            <a:ext cx="10178322" cy="5838091"/>
           </a:xfrm>
         </p:spPr>
         <p:txBody>
-          <a:bodyPr>
-            <a:normAutofit/>
-          </a:bodyPr>
+          <a:bodyPr/>
           <a:lstStyle/>
           <a:p>
+            <a:pPr marL="0" indent="0">
+              <a:buNone/>
+            </a:pPr>
             <a:r>
-              <a:rPr lang="it-IT" dirty="0">
-                <a:solidFill>
-                  <a:srgbClr val="F8B323"/>
-                </a:solidFill>
-              </a:rPr>
-              <a:t>Powered by</a:t>
+              <a:rPr lang="it-IT" dirty="0"/>
+              <a:t>Dodo.net è una piattaforma web in cui viene digitalizzato l’inventario della libraria Dodo per fornirli ai suoi clienti. </a:t>
             </a:r>
+          </a:p>
+          <a:p>
+            <a:pPr marL="0" indent="0">
+              <a:buNone/>
+            </a:pPr>
+            <a:r>
+              <a:rPr lang="it-IT" dirty="0"/>
+              <a:t>Dodo.net nasce quindi con lo scopo di poter offrire ausilio a coloro che sono coinvolti nell’acquisto di libri.</a:t>
+            </a:r>
+          </a:p>
+          <a:p>
+            <a:pPr marL="0" indent="0">
+              <a:buNone/>
+            </a:pPr>
+            <a:r>
+              <a:rPr lang="it-IT" dirty="0"/>
+              <a:t>				  Il libraio più accedere all’inventario digitale tramite un 			    	  sistema di login inserendo i propri dati.</a:t>
+            </a:r>
+          </a:p>
+          <a:p>
+            <a:pPr marL="0" indent="0">
+              <a:buNone/>
+            </a:pPr>
+            <a:r>
+              <a:rPr lang="it-IT" dirty="0"/>
+              <a:t>				</a:t>
+            </a:r>
+          </a:p>
+          <a:p>
+            <a:pPr marL="0" indent="0">
+              <a:buNone/>
+            </a:pPr>
+            <a:endParaRPr lang="it-IT" dirty="0"/>
+          </a:p>
+          <a:p>
+            <a:pPr marL="0" indent="0">
+              <a:buNone/>
+            </a:pPr>
+            <a:endParaRPr lang="it-IT" dirty="0"/>
+          </a:p>
+          <a:p>
+            <a:pPr marL="0" indent="0">
+              <a:buNone/>
+            </a:pPr>
+            <a:endParaRPr lang="it-IT" dirty="0"/>
+          </a:p>
+          <a:p>
+            <a:pPr marL="0" indent="0">
+              <a:buNone/>
+            </a:pPr>
+            <a:endParaRPr lang="it-IT" sz="1000" dirty="0"/>
+          </a:p>
+          <a:p>
+            <a:pPr marL="0" indent="0">
+              <a:buNone/>
+            </a:pPr>
+            <a:r>
+              <a:rPr lang="it-IT" dirty="0"/>
+              <a:t>Una volta autenticato, il libraio più accedere alla sezione</a:t>
+            </a:r>
+          </a:p>
+          <a:p>
+            <a:pPr marL="0" indent="0">
+              <a:buNone/>
+            </a:pPr>
+            <a:r>
+              <a:rPr lang="it-IT" dirty="0"/>
+              <a:t>«Aggiungi libro» per poter aggiungere un nuovo libro nel</a:t>
+            </a:r>
+          </a:p>
+          <a:p>
+            <a:pPr marL="0" indent="0">
+              <a:buNone/>
+            </a:pPr>
+            <a:r>
+              <a:rPr lang="it-IT" dirty="0"/>
+              <a:t>Sistema.</a:t>
+            </a:r>
+          </a:p>
+          <a:p>
+            <a:pPr marL="0" indent="0">
+              <a:buNone/>
+            </a:pPr>
+            <a:endParaRPr lang="it-IT" dirty="0"/>
           </a:p>
         </p:txBody>
       </p:sp>
       <p:pic>
         <p:nvPicPr>
-          <p:cNvPr id="4" name="Immagine 3">
+          <p:cNvPr id="4" name="Segnaposto contenuto 4">
             <a:extLst>
               <a:ext uri="{FF2B5EF4-FFF2-40B4-BE49-F238E27FC236}">
-                <a16:creationId xmlns:a16="http://schemas.microsoft.com/office/drawing/2014/main" id="{4A3BF721-FC1C-4653-961D-66D4BD499E1E}"/>
+                <a16:creationId xmlns:a16="http://schemas.microsoft.com/office/drawing/2014/main" id="{68A55D09-408B-4772-85DE-3C8A95B6E414}"/>
               </a:ext>
             </a:extLst>
           </p:cNvPr>
@@ -17224,8 +15463,8 @@
         </p:blipFill>
         <p:spPr>
           <a:xfrm>
-            <a:off x="1367646" y="4816369"/>
-            <a:ext cx="2806526" cy="1452597"/>
+            <a:off x="0" y="291753"/>
+            <a:ext cx="745829" cy="789701"/>
           </a:xfrm>
           <a:prstGeom prst="rect">
             <a:avLst/>
@@ -17234,10 +15473,10 @@
       </p:pic>
       <p:pic>
         <p:nvPicPr>
-          <p:cNvPr id="6" name="Immagine 5">
+          <p:cNvPr id="8" name="Immagine 7">
             <a:extLst>
               <a:ext uri="{FF2B5EF4-FFF2-40B4-BE49-F238E27FC236}">
-                <a16:creationId xmlns:a16="http://schemas.microsoft.com/office/drawing/2014/main" id="{BE7A82BD-13B9-4967-B25A-10BD88C5DBD6}"/>
+                <a16:creationId xmlns:a16="http://schemas.microsoft.com/office/drawing/2014/main" id="{144F644F-342B-4E7E-AAF0-3264DF16D5A7}"/>
               </a:ext>
             </a:extLst>
           </p:cNvPr>
@@ -17254,13 +15493,14 @@
               </a:ext>
             </a:extLst>
           </a:blip>
-          <a:srcRect l="1138" r="1138"/>
-          <a:stretch/>
+          <a:stretch>
+            <a:fillRect/>
+          </a:stretch>
         </p:blipFill>
         <p:spPr>
           <a:xfrm>
-            <a:off x="7658100" y="347233"/>
-            <a:ext cx="3692769" cy="1358526"/>
+            <a:off x="7146506" y="4523413"/>
+            <a:ext cx="4083274" cy="2051845"/>
           </a:xfrm>
           <a:prstGeom prst="rect">
             <a:avLst/>
@@ -17269,10 +15509,10 @@
       </p:pic>
       <p:pic>
         <p:nvPicPr>
-          <p:cNvPr id="10" name="Immagine 9">
+          <p:cNvPr id="10" name="Immagine 9" descr="Immagine che contiene testo&#10;&#10;Descrizione generata automaticamente">
             <a:extLst>
               <a:ext uri="{FF2B5EF4-FFF2-40B4-BE49-F238E27FC236}">
-                <a16:creationId xmlns:a16="http://schemas.microsoft.com/office/drawing/2014/main" id="{206DD087-4BC5-42F6-A70E-16FFEE7198C4}"/>
+                <a16:creationId xmlns:a16="http://schemas.microsoft.com/office/drawing/2014/main" id="{B0DED3B4-2675-4F81-ABEA-6A0C13DF2330}"/>
               </a:ext>
             </a:extLst>
           </p:cNvPr>
@@ -17295,44 +15535,8 @@
         </p:blipFill>
         <p:spPr>
           <a:xfrm>
-            <a:off x="6875585" y="2465576"/>
-            <a:ext cx="2180492" cy="2180492"/>
-          </a:xfrm>
-          <a:prstGeom prst="rect">
-            <a:avLst/>
-          </a:prstGeom>
-        </p:spPr>
-      </p:pic>
-      <p:pic>
-        <p:nvPicPr>
-          <p:cNvPr id="12" name="Immagine 11">
-            <a:extLst>
-              <a:ext uri="{FF2B5EF4-FFF2-40B4-BE49-F238E27FC236}">
-                <a16:creationId xmlns:a16="http://schemas.microsoft.com/office/drawing/2014/main" id="{1714BE03-4749-4B46-BF0B-1DD7EF6B57EE}"/>
-              </a:ext>
-            </a:extLst>
-          </p:cNvPr>
-          <p:cNvPicPr>
-            <a:picLocks noChangeAspect="1"/>
-          </p:cNvPicPr>
-          <p:nvPr/>
-        </p:nvPicPr>
-        <p:blipFill>
-          <a:blip r:embed="rId5">
-            <a:extLst>
-              <a:ext uri="{28A0092B-C50C-407E-A947-70E740481C1C}">
-                <a14:useLocalDpi xmlns:a14="http://schemas.microsoft.com/office/drawing/2010/main" val="0"/>
-              </a:ext>
-            </a:extLst>
-          </a:blip>
-          <a:stretch>
-            <a:fillRect/>
-          </a:stretch>
-        </p:blipFill>
-        <p:spPr>
-          <a:xfrm>
-            <a:off x="2001717" y="1099039"/>
-            <a:ext cx="2532184" cy="1582615"/>
+            <a:off x="1137703" y="2075944"/>
+            <a:ext cx="3811540" cy="1915299"/>
           </a:xfrm>
           <a:prstGeom prst="rect">
             <a:avLst/>
@@ -17342,7 +15546,7 @@
     </p:spTree>
     <p:extLst>
       <p:ext uri="{BB962C8B-B14F-4D97-AF65-F5344CB8AC3E}">
-        <p14:creationId xmlns:p14="http://schemas.microsoft.com/office/powerpoint/2010/main" val="2990821075"/>
+        <p14:creationId xmlns:p14="http://schemas.microsoft.com/office/powerpoint/2010/main" val="4025117805"/>
       </p:ext>
     </p:extLst>
   </p:cSld>
@@ -17624,10 +15828,10 @@
       </p:grpSpPr>
       <p:sp>
         <p:nvSpPr>
-          <p:cNvPr id="3" name="Segnaposto contenuto 2">
+          <p:cNvPr id="2" name="Titolo 1">
             <a:extLst>
               <a:ext uri="{FF2B5EF4-FFF2-40B4-BE49-F238E27FC236}">
-                <a16:creationId xmlns:a16="http://schemas.microsoft.com/office/drawing/2014/main" id="{741A505D-1B64-4C79-9191-F829D68A3F39}"/>
+                <a16:creationId xmlns:a16="http://schemas.microsoft.com/office/drawing/2014/main" id="{496AD424-704B-4D60-AB3C-BF9AAF16936C}"/>
               </a:ext>
             </a:extLst>
           </p:cNvPr>
@@ -17635,119 +15839,38 @@
             <a:spLocks noGrp="1"/>
           </p:cNvSpPr>
           <p:nvPr>
-            <p:ph idx="1"/>
+            <p:ph type="title"/>
           </p:nvPr>
         </p:nvSpPr>
         <p:spPr>
-          <a:xfrm>
-            <a:off x="1198924" y="448409"/>
-            <a:ext cx="10178322" cy="5838091"/>
+          <a:xfrm rot="16200000">
+            <a:off x="-1629681" y="1112595"/>
+            <a:ext cx="4170067" cy="892233"/>
           </a:xfrm>
         </p:spPr>
         <p:txBody>
-          <a:bodyPr/>
+          <a:bodyPr>
+            <a:normAutofit/>
+          </a:bodyPr>
           <a:lstStyle/>
           <a:p>
-            <a:pPr marL="0" indent="0">
-              <a:buNone/>
-            </a:pPr>
             <a:r>
-              <a:rPr lang="it-IT" dirty="0"/>
-              <a:t>Dodo.net è una piattaforma web in cui viene digitalizzato l’inventario della libraria Dodo per fornirli ai suoi clienti. </a:t>
+              <a:rPr lang="it-IT" dirty="0">
+                <a:solidFill>
+                  <a:srgbClr val="F8B323"/>
+                </a:solidFill>
+              </a:rPr>
+              <a:t>Powered by</a:t>
             </a:r>
-          </a:p>
-          <a:p>
-            <a:pPr marL="0" indent="0">
-              <a:buNone/>
-            </a:pPr>
-            <a:r>
-              <a:rPr lang="it-IT" dirty="0"/>
-              <a:t>Dodo.net nasce quindi con lo scopo di poter offrire ausilio a coloro che sono coinvolti nell’acquisto di libri.</a:t>
-            </a:r>
-          </a:p>
-          <a:p>
-            <a:pPr marL="0" indent="0">
-              <a:buNone/>
-            </a:pPr>
-            <a:r>
-              <a:rPr lang="it-IT" dirty="0"/>
-              <a:t>				  Il libraio più accedere all’inventario digitale tramite un 			    	  sistema di login inserendo i propri dati.</a:t>
-            </a:r>
-          </a:p>
-          <a:p>
-            <a:pPr marL="0" indent="0">
-              <a:buNone/>
-            </a:pPr>
-            <a:r>
-              <a:rPr lang="it-IT" dirty="0"/>
-              <a:t>				</a:t>
-            </a:r>
-          </a:p>
-          <a:p>
-            <a:pPr marL="0" indent="0">
-              <a:buNone/>
-            </a:pPr>
-            <a:endParaRPr lang="it-IT" dirty="0"/>
-          </a:p>
-          <a:p>
-            <a:pPr marL="0" indent="0">
-              <a:buNone/>
-            </a:pPr>
-            <a:endParaRPr lang="it-IT" dirty="0"/>
-          </a:p>
-          <a:p>
-            <a:pPr marL="0" indent="0">
-              <a:buNone/>
-            </a:pPr>
-            <a:endParaRPr lang="it-IT" dirty="0"/>
-          </a:p>
-          <a:p>
-            <a:pPr marL="0" indent="0">
-              <a:buNone/>
-            </a:pPr>
-            <a:endParaRPr lang="it-IT" sz="1000" dirty="0"/>
-          </a:p>
-          <a:p>
-            <a:pPr marL="0" indent="0">
-              <a:buNone/>
-            </a:pPr>
-            <a:r>
-              <a:rPr lang="it-IT" dirty="0"/>
-              <a:t>Una volta autenticato, il libraio più accedere alla sezione</a:t>
-            </a:r>
-          </a:p>
-          <a:p>
-            <a:pPr marL="0" indent="0">
-              <a:buNone/>
-            </a:pPr>
-            <a:r>
-              <a:rPr lang="it-IT" dirty="0"/>
-              <a:t>«Aggiungi libro» per poter aggiungere un nuovo libro nel</a:t>
-            </a:r>
-          </a:p>
-          <a:p>
-            <a:pPr marL="0" indent="0">
-              <a:buNone/>
-            </a:pPr>
-            <a:r>
-              <a:rPr lang="it-IT" dirty="0"/>
-              <a:t>Sistema.</a:t>
-            </a:r>
-          </a:p>
-          <a:p>
-            <a:pPr marL="0" indent="0">
-              <a:buNone/>
-            </a:pPr>
-            <a:endParaRPr lang="it-IT" dirty="0"/>
           </a:p>
         </p:txBody>
       </p:sp>
       <p:pic>
         <p:nvPicPr>
-          <p:cNvPr id="4" name="Segnaposto contenuto 4">
+          <p:cNvPr id="4" name="Immagine 3">
             <a:extLst>
               <a:ext uri="{FF2B5EF4-FFF2-40B4-BE49-F238E27FC236}">
-                <a16:creationId xmlns:a16="http://schemas.microsoft.com/office/drawing/2014/main" id="{68A55D09-408B-4772-85DE-3C8A95B6E414}"/>
+                <a16:creationId xmlns:a16="http://schemas.microsoft.com/office/drawing/2014/main" id="{4A3BF721-FC1C-4653-961D-66D4BD499E1E}"/>
               </a:ext>
             </a:extLst>
           </p:cNvPr>
@@ -17770,8 +15893,8 @@
         </p:blipFill>
         <p:spPr>
           <a:xfrm>
-            <a:off x="0" y="291753"/>
-            <a:ext cx="745829" cy="789701"/>
+            <a:off x="1367646" y="4816369"/>
+            <a:ext cx="2806526" cy="1452597"/>
           </a:xfrm>
           <a:prstGeom prst="rect">
             <a:avLst/>
@@ -17780,10 +15903,10 @@
       </p:pic>
       <p:pic>
         <p:nvPicPr>
-          <p:cNvPr id="8" name="Immagine 7">
+          <p:cNvPr id="6" name="Immagine 5">
             <a:extLst>
               <a:ext uri="{FF2B5EF4-FFF2-40B4-BE49-F238E27FC236}">
-                <a16:creationId xmlns:a16="http://schemas.microsoft.com/office/drawing/2014/main" id="{144F644F-342B-4E7E-AAF0-3264DF16D5A7}"/>
+                <a16:creationId xmlns:a16="http://schemas.microsoft.com/office/drawing/2014/main" id="{BE7A82BD-13B9-4967-B25A-10BD88C5DBD6}"/>
               </a:ext>
             </a:extLst>
           </p:cNvPr>
@@ -17800,14 +15923,13 @@
               </a:ext>
             </a:extLst>
           </a:blip>
-          <a:stretch>
-            <a:fillRect/>
-          </a:stretch>
+          <a:srcRect l="1138" r="1138"/>
+          <a:stretch/>
         </p:blipFill>
         <p:spPr>
           <a:xfrm>
-            <a:off x="7146506" y="4523413"/>
-            <a:ext cx="4083274" cy="2051845"/>
+            <a:off x="7658100" y="347233"/>
+            <a:ext cx="3692769" cy="1358526"/>
           </a:xfrm>
           <a:prstGeom prst="rect">
             <a:avLst/>
@@ -17816,10 +15938,10 @@
       </p:pic>
       <p:pic>
         <p:nvPicPr>
-          <p:cNvPr id="10" name="Immagine 9" descr="Immagine che contiene testo&#10;&#10;Descrizione generata automaticamente">
+          <p:cNvPr id="10" name="Immagine 9">
             <a:extLst>
               <a:ext uri="{FF2B5EF4-FFF2-40B4-BE49-F238E27FC236}">
-                <a16:creationId xmlns:a16="http://schemas.microsoft.com/office/drawing/2014/main" id="{B0DED3B4-2675-4F81-ABEA-6A0C13DF2330}"/>
+                <a16:creationId xmlns:a16="http://schemas.microsoft.com/office/drawing/2014/main" id="{206DD087-4BC5-42F6-A70E-16FFEE7198C4}"/>
               </a:ext>
             </a:extLst>
           </p:cNvPr>
@@ -17842,8 +15964,44 @@
         </p:blipFill>
         <p:spPr>
           <a:xfrm>
-            <a:off x="1137703" y="2075944"/>
-            <a:ext cx="3811540" cy="1915299"/>
+            <a:off x="6875585" y="2465576"/>
+            <a:ext cx="2180492" cy="2180492"/>
+          </a:xfrm>
+          <a:prstGeom prst="rect">
+            <a:avLst/>
+          </a:prstGeom>
+        </p:spPr>
+      </p:pic>
+      <p:pic>
+        <p:nvPicPr>
+          <p:cNvPr id="12" name="Immagine 11">
+            <a:extLst>
+              <a:ext uri="{FF2B5EF4-FFF2-40B4-BE49-F238E27FC236}">
+                <a16:creationId xmlns:a16="http://schemas.microsoft.com/office/drawing/2014/main" id="{1714BE03-4749-4B46-BF0B-1DD7EF6B57EE}"/>
+              </a:ext>
+            </a:extLst>
+          </p:cNvPr>
+          <p:cNvPicPr>
+            <a:picLocks noChangeAspect="1"/>
+          </p:cNvPicPr>
+          <p:nvPr/>
+        </p:nvPicPr>
+        <p:blipFill>
+          <a:blip r:embed="rId5">
+            <a:extLst>
+              <a:ext uri="{28A0092B-C50C-407E-A947-70E740481C1C}">
+                <a14:useLocalDpi xmlns:a14="http://schemas.microsoft.com/office/drawing/2010/main" val="0"/>
+              </a:ext>
+            </a:extLst>
+          </a:blip>
+          <a:stretch>
+            <a:fillRect/>
+          </a:stretch>
+        </p:blipFill>
+        <p:spPr>
+          <a:xfrm>
+            <a:off x="2001717" y="1099039"/>
+            <a:ext cx="2532184" cy="1582615"/>
           </a:xfrm>
           <a:prstGeom prst="rect">
             <a:avLst/>
@@ -17853,7 +16011,7 @@
     </p:spTree>
     <p:extLst>
       <p:ext uri="{BB962C8B-B14F-4D97-AF65-F5344CB8AC3E}">
-        <p14:creationId xmlns:p14="http://schemas.microsoft.com/office/powerpoint/2010/main" val="4025117805"/>
+        <p14:creationId xmlns:p14="http://schemas.microsoft.com/office/powerpoint/2010/main" val="2990821075"/>
       </p:ext>
     </p:extLst>
   </p:cSld>
@@ -17978,6 +16136,217 @@
 </file>
 
 <file path=ppt/slides/slide4.xml><?xml version="1.0" encoding="utf-8"?>
+<p:sld xmlns:a="http://schemas.openxmlformats.org/drawingml/2006/main" xmlns:r="http://schemas.openxmlformats.org/officeDocument/2006/relationships" xmlns:p="http://schemas.openxmlformats.org/presentationml/2006/main">
+  <p:cSld>
+    <p:spTree>
+      <p:nvGrpSpPr>
+        <p:cNvPr id="1" name=""/>
+        <p:cNvGrpSpPr/>
+        <p:nvPr/>
+      </p:nvGrpSpPr>
+      <p:grpSpPr>
+        <a:xfrm>
+          <a:off x="0" y="0"/>
+          <a:ext cx="0" cy="0"/>
+          <a:chOff x="0" y="0"/>
+          <a:chExt cx="0" cy="0"/>
+        </a:xfrm>
+      </p:grpSpPr>
+      <p:sp>
+        <p:nvSpPr>
+          <p:cNvPr id="2" name="Titolo 1">
+            <a:extLst>
+              <a:ext uri="{FF2B5EF4-FFF2-40B4-BE49-F238E27FC236}">
+                <a16:creationId xmlns:a16="http://schemas.microsoft.com/office/drawing/2014/main" id="{B091881F-E104-4A2A-A90F-E9C96E8E73B4}"/>
+              </a:ext>
+            </a:extLst>
+          </p:cNvPr>
+          <p:cNvSpPr>
+            <a:spLocks noGrp="1"/>
+          </p:cNvSpPr>
+          <p:nvPr>
+            <p:ph type="title"/>
+          </p:nvPr>
+        </p:nvSpPr>
+        <p:spPr>
+          <a:xfrm rot="16200000">
+            <a:off x="-2134617" y="2028458"/>
+            <a:ext cx="5021059" cy="751823"/>
+          </a:xfrm>
+        </p:spPr>
+        <p:txBody>
+          <a:bodyPr>
+            <a:normAutofit fontScale="90000"/>
+          </a:bodyPr>
+          <a:lstStyle/>
+          <a:p>
+            <a:r>
+              <a:rPr lang="it-IT" dirty="0">
+                <a:solidFill>
+                  <a:srgbClr val="F8B323"/>
+                </a:solidFill>
+              </a:rPr>
+              <a:t>Activity </a:t>
+            </a:r>
+            <a:r>
+              <a:rPr lang="it-IT" dirty="0" err="1">
+                <a:solidFill>
+                  <a:srgbClr val="F8B323"/>
+                </a:solidFill>
+              </a:rPr>
+              <a:t>diagram</a:t>
+            </a:r>
+            <a:endParaRPr lang="it-IT" dirty="0">
+              <a:solidFill>
+                <a:srgbClr val="F8B323"/>
+              </a:solidFill>
+            </a:endParaRPr>
+          </a:p>
+        </p:txBody>
+      </p:sp>
+      <p:pic>
+        <p:nvPicPr>
+          <p:cNvPr id="4" name="image33.jpg">
+            <a:extLst>
+              <a:ext uri="{FF2B5EF4-FFF2-40B4-BE49-F238E27FC236}">
+                <a16:creationId xmlns:a16="http://schemas.microsoft.com/office/drawing/2014/main" id="{72971214-EF60-4F8C-9920-3BFE5D1F1152}"/>
+              </a:ext>
+            </a:extLst>
+          </p:cNvPr>
+          <p:cNvPicPr/>
+          <p:nvPr/>
+        </p:nvPicPr>
+        <p:blipFill>
+          <a:blip r:embed="rId2"/>
+          <a:srcRect/>
+          <a:stretch>
+            <a:fillRect/>
+          </a:stretch>
+        </p:blipFill>
+        <p:spPr>
+          <a:xfrm>
+            <a:off x="3492392" y="60896"/>
+            <a:ext cx="5644085" cy="6796454"/>
+          </a:xfrm>
+          <a:prstGeom prst="rect">
+            <a:avLst/>
+          </a:prstGeom>
+          <a:ln/>
+        </p:spPr>
+      </p:pic>
+      <p:sp>
+        <p:nvSpPr>
+          <p:cNvPr id="7" name="Segnaposto contenuto 2">
+            <a:extLst>
+              <a:ext uri="{FF2B5EF4-FFF2-40B4-BE49-F238E27FC236}">
+                <a16:creationId xmlns:a16="http://schemas.microsoft.com/office/drawing/2014/main" id="{43D8302A-2AC6-4BB4-A736-2AABE9134A45}"/>
+              </a:ext>
+            </a:extLst>
+          </p:cNvPr>
+          <p:cNvSpPr>
+            <a:spLocks noGrp="1"/>
+          </p:cNvSpPr>
+          <p:nvPr>
+            <p:ph idx="1"/>
+          </p:nvPr>
+        </p:nvSpPr>
+        <p:spPr>
+          <a:xfrm>
+            <a:off x="961531" y="60896"/>
+            <a:ext cx="2530861" cy="3593591"/>
+          </a:xfrm>
+        </p:spPr>
+        <p:txBody>
+          <a:bodyPr/>
+          <a:lstStyle/>
+          <a:p>
+            <a:r>
+              <a:rPr lang="it-IT" dirty="0"/>
+              <a:t>Abbiamo ritenuto opportuno sviluppare un activity </a:t>
+            </a:r>
+            <a:r>
+              <a:rPr lang="it-IT" dirty="0" err="1"/>
+              <a:t>diagram</a:t>
+            </a:r>
+            <a:r>
+              <a:rPr lang="it-IT" dirty="0"/>
+              <a:t> relativo all’operazione più importante del sistema, ovvero l’acquisto</a:t>
+            </a:r>
+          </a:p>
+        </p:txBody>
+      </p:sp>
+      <p:sp>
+        <p:nvSpPr>
+          <p:cNvPr id="5" name="Titolo 1">
+            <a:extLst>
+              <a:ext uri="{FF2B5EF4-FFF2-40B4-BE49-F238E27FC236}">
+                <a16:creationId xmlns:a16="http://schemas.microsoft.com/office/drawing/2014/main" id="{52BD1A9B-5370-4E04-99FE-01BF400C010B}"/>
+              </a:ext>
+            </a:extLst>
+          </p:cNvPr>
+          <p:cNvSpPr txBox="1">
+            <a:spLocks/>
+          </p:cNvSpPr>
+          <p:nvPr/>
+        </p:nvSpPr>
+        <p:spPr>
+          <a:xfrm rot="16200000">
+            <a:off x="11032244" y="5804759"/>
+            <a:ext cx="1578634" cy="527848"/>
+          </a:xfrm>
+          <a:prstGeom prst="rect">
+            <a:avLst/>
+          </a:prstGeom>
+        </p:spPr>
+        <p:txBody>
+          <a:bodyPr vert="horz" lIns="91440" tIns="45720" rIns="91440" bIns="45720" rtlCol="0" anchor="t">
+            <a:normAutofit fontScale="97500" lnSpcReduction="10000"/>
+          </a:bodyPr>
+          <a:lstStyle>
+            <a:lvl1pPr algn="l" defTabSz="914400" rtl="0" eaLnBrk="1" latinLnBrk="0" hangingPunct="1">
+              <a:lnSpc>
+                <a:spcPct val="90000"/>
+              </a:lnSpc>
+              <a:spcBef>
+                <a:spcPct val="0"/>
+              </a:spcBef>
+              <a:buNone/>
+              <a:defRPr sz="5100" kern="1200" cap="all" spc="200" baseline="0">
+                <a:solidFill>
+                  <a:schemeClr val="tx2"/>
+                </a:solidFill>
+                <a:latin typeface="+mj-lt"/>
+                <a:ea typeface="+mj-ea"/>
+                <a:cs typeface="+mj-cs"/>
+              </a:defRPr>
+            </a:lvl1pPr>
+          </a:lstStyle>
+          <a:p>
+            <a:r>
+              <a:rPr lang="it-IT" sz="3600" dirty="0">
+                <a:solidFill>
+                  <a:srgbClr val="F8B323"/>
+                </a:solidFill>
+              </a:rPr>
+              <a:t>RAD</a:t>
+            </a:r>
+          </a:p>
+        </p:txBody>
+      </p:sp>
+    </p:spTree>
+    <p:extLst>
+      <p:ext uri="{BB962C8B-B14F-4D97-AF65-F5344CB8AC3E}">
+        <p14:creationId xmlns:p14="http://schemas.microsoft.com/office/powerpoint/2010/main" val="2236897962"/>
+      </p:ext>
+    </p:extLst>
+  </p:cSld>
+  <p:clrMapOvr>
+    <a:masterClrMapping/>
+  </p:clrMapOvr>
+</p:sld>
+</file>
+
+<file path=ppt/slides/slide5.xml><?xml version="1.0" encoding="utf-8"?>
 <p:sld xmlns:a="http://schemas.openxmlformats.org/drawingml/2006/main" xmlns:r="http://schemas.openxmlformats.org/officeDocument/2006/relationships" xmlns:p="http://schemas.openxmlformats.org/presentationml/2006/main">
   <p:cSld>
     <p:spTree>
@@ -18398,155 +16767,60 @@
           </a:p>
         </p:txBody>
       </p:sp>
-    </p:spTree>
-    <p:extLst>
-      <p:ext uri="{BB962C8B-B14F-4D97-AF65-F5344CB8AC3E}">
-        <p14:creationId xmlns:p14="http://schemas.microsoft.com/office/powerpoint/2010/main" val="787625787"/>
-      </p:ext>
-    </p:extLst>
-  </p:cSld>
-  <p:clrMapOvr>
-    <a:masterClrMapping/>
-  </p:clrMapOvr>
-</p:sld>
-</file>
-
-<file path=ppt/slides/slide5.xml><?xml version="1.0" encoding="utf-8"?>
-<p:sld xmlns:a="http://schemas.openxmlformats.org/drawingml/2006/main" xmlns:r="http://schemas.openxmlformats.org/officeDocument/2006/relationships" xmlns:p="http://schemas.openxmlformats.org/presentationml/2006/main">
-  <p:cSld>
-    <p:spTree>
-      <p:nvGrpSpPr>
-        <p:cNvPr id="1" name=""/>
-        <p:cNvGrpSpPr/>
-        <p:nvPr/>
-      </p:nvGrpSpPr>
-      <p:grpSpPr>
-        <a:xfrm>
-          <a:off x="0" y="0"/>
-          <a:ext cx="0" cy="0"/>
-          <a:chOff x="0" y="0"/>
-          <a:chExt cx="0" cy="0"/>
-        </a:xfrm>
-      </p:grpSpPr>
       <p:sp>
         <p:nvSpPr>
-          <p:cNvPr id="2" name="Titolo 1">
+          <p:cNvPr id="9" name="Titolo 1">
             <a:extLst>
               <a:ext uri="{FF2B5EF4-FFF2-40B4-BE49-F238E27FC236}">
-                <a16:creationId xmlns:a16="http://schemas.microsoft.com/office/drawing/2014/main" id="{B091881F-E104-4A2A-A90F-E9C96E8E73B4}"/>
+                <a16:creationId xmlns:a16="http://schemas.microsoft.com/office/drawing/2014/main" id="{EB44BDCD-1FCD-448C-B9C9-9FCD3EB5ED96}"/>
               </a:ext>
             </a:extLst>
           </p:cNvPr>
-          <p:cNvSpPr>
-            <a:spLocks noGrp="1"/>
+          <p:cNvSpPr txBox="1">
+            <a:spLocks/>
           </p:cNvSpPr>
-          <p:nvPr>
-            <p:ph type="title"/>
-          </p:nvPr>
+          <p:nvPr/>
         </p:nvSpPr>
         <p:spPr>
           <a:xfrm rot="16200000">
-            <a:off x="-2134617" y="2028458"/>
-            <a:ext cx="5021059" cy="751823"/>
+            <a:off x="11032244" y="5804759"/>
+            <a:ext cx="1578634" cy="527848"/>
           </a:xfrm>
+          <a:prstGeom prst="rect">
+            <a:avLst/>
+          </a:prstGeom>
         </p:spPr>
         <p:txBody>
-          <a:bodyPr>
-            <a:normAutofit fontScale="90000"/>
+          <a:bodyPr vert="horz" lIns="91440" tIns="45720" rIns="91440" bIns="45720" rtlCol="0" anchor="t">
+            <a:normAutofit fontScale="97500" lnSpcReduction="10000"/>
           </a:bodyPr>
-          <a:lstStyle/>
+          <a:lstStyle>
+            <a:lvl1pPr algn="l" defTabSz="914400" rtl="0" eaLnBrk="1" latinLnBrk="0" hangingPunct="1">
+              <a:lnSpc>
+                <a:spcPct val="90000"/>
+              </a:lnSpc>
+              <a:spcBef>
+                <a:spcPct val="0"/>
+              </a:spcBef>
+              <a:buNone/>
+              <a:defRPr sz="5100" kern="1200" cap="all" spc="200" baseline="0">
+                <a:solidFill>
+                  <a:schemeClr val="tx2"/>
+                </a:solidFill>
+                <a:latin typeface="+mj-lt"/>
+                <a:ea typeface="+mj-ea"/>
+                <a:cs typeface="+mj-cs"/>
+              </a:defRPr>
+            </a:lvl1pPr>
+          </a:lstStyle>
           <a:p>
             <a:r>
-              <a:rPr lang="it-IT" dirty="0">
+              <a:rPr lang="it-IT" sz="3600" dirty="0">
                 <a:solidFill>
                   <a:srgbClr val="F8B323"/>
                 </a:solidFill>
               </a:rPr>
-              <a:t>Activity </a:t>
-            </a:r>
-            <a:r>
-              <a:rPr lang="it-IT" dirty="0" err="1">
-                <a:solidFill>
-                  <a:srgbClr val="F8B323"/>
-                </a:solidFill>
-              </a:rPr>
-              <a:t>diagram</a:t>
-            </a:r>
-            <a:endParaRPr lang="it-IT" dirty="0">
-              <a:solidFill>
-                <a:srgbClr val="F8B323"/>
-              </a:solidFill>
-            </a:endParaRPr>
-          </a:p>
-        </p:txBody>
-      </p:sp>
-      <p:pic>
-        <p:nvPicPr>
-          <p:cNvPr id="4" name="image33.jpg">
-            <a:extLst>
-              <a:ext uri="{FF2B5EF4-FFF2-40B4-BE49-F238E27FC236}">
-                <a16:creationId xmlns:a16="http://schemas.microsoft.com/office/drawing/2014/main" id="{72971214-EF60-4F8C-9920-3BFE5D1F1152}"/>
-              </a:ext>
-            </a:extLst>
-          </p:cNvPr>
-          <p:cNvPicPr/>
-          <p:nvPr/>
-        </p:nvPicPr>
-        <p:blipFill>
-          <a:blip r:embed="rId2"/>
-          <a:srcRect/>
-          <a:stretch>
-            <a:fillRect/>
-          </a:stretch>
-        </p:blipFill>
-        <p:spPr>
-          <a:xfrm>
-            <a:off x="3492392" y="60896"/>
-            <a:ext cx="5644085" cy="6796454"/>
-          </a:xfrm>
-          <a:prstGeom prst="rect">
-            <a:avLst/>
-          </a:prstGeom>
-          <a:ln/>
-        </p:spPr>
-      </p:pic>
-      <p:sp>
-        <p:nvSpPr>
-          <p:cNvPr id="7" name="Segnaposto contenuto 2">
-            <a:extLst>
-              <a:ext uri="{FF2B5EF4-FFF2-40B4-BE49-F238E27FC236}">
-                <a16:creationId xmlns:a16="http://schemas.microsoft.com/office/drawing/2014/main" id="{43D8302A-2AC6-4BB4-A736-2AABE9134A45}"/>
-              </a:ext>
-            </a:extLst>
-          </p:cNvPr>
-          <p:cNvSpPr>
-            <a:spLocks noGrp="1"/>
-          </p:cNvSpPr>
-          <p:nvPr>
-            <p:ph idx="1"/>
-          </p:nvPr>
-        </p:nvSpPr>
-        <p:spPr>
-          <a:xfrm>
-            <a:off x="961531" y="60896"/>
-            <a:ext cx="2530861" cy="3593591"/>
-          </a:xfrm>
-        </p:spPr>
-        <p:txBody>
-          <a:bodyPr/>
-          <a:lstStyle/>
-          <a:p>
-            <a:r>
-              <a:rPr lang="it-IT" dirty="0"/>
-              <a:t>Abbiamo ritenuto opportuno sviluppare un activity </a:t>
-            </a:r>
-            <a:r>
-              <a:rPr lang="it-IT" dirty="0" err="1"/>
-              <a:t>diagram</a:t>
-            </a:r>
-            <a:r>
-              <a:rPr lang="it-IT" dirty="0"/>
-              <a:t> relativo all’operazione più importante del sistema, ovvero l’acquisto</a:t>
+              <a:t>RAD</a:t>
             </a:r>
           </a:p>
         </p:txBody>
@@ -18554,7 +16828,7 @@
     </p:spTree>
     <p:extLst>
       <p:ext uri="{BB962C8B-B14F-4D97-AF65-F5344CB8AC3E}">
-        <p14:creationId xmlns:p14="http://schemas.microsoft.com/office/powerpoint/2010/main" val="2236897962"/>
+        <p14:creationId xmlns:p14="http://schemas.microsoft.com/office/powerpoint/2010/main" val="787625787"/>
       </p:ext>
     </p:extLst>
   </p:cSld>
@@ -18599,8 +16873,8 @@
         </p:nvSpPr>
         <p:spPr>
           <a:xfrm rot="16200000">
-            <a:off x="-3009126" y="3009125"/>
-            <a:ext cx="6770076" cy="751823"/>
+            <a:off x="-1831283" y="1725122"/>
+            <a:ext cx="4414392" cy="751823"/>
           </a:xfrm>
         </p:spPr>
         <p:txBody>
@@ -18609,24 +16883,75 @@
           </a:bodyPr>
           <a:lstStyle/>
           <a:p>
-            <a:pPr algn="r"/>
             <a:r>
               <a:rPr lang="it-IT" dirty="0">
                 <a:solidFill>
                   <a:srgbClr val="F8B323"/>
                 </a:solidFill>
               </a:rPr>
-              <a:t>use case pt1</a:t>
+              <a:t>Use case model</a:t>
+            </a:r>
+          </a:p>
+        </p:txBody>
+      </p:sp>
+      <p:sp>
+        <p:nvSpPr>
+          <p:cNvPr id="3" name="Segnaposto contenuto 2">
+            <a:extLst>
+              <a:ext uri="{FF2B5EF4-FFF2-40B4-BE49-F238E27FC236}">
+                <a16:creationId xmlns:a16="http://schemas.microsoft.com/office/drawing/2014/main" id="{0D1F4823-2969-402A-86AF-FE8D80B3F521}"/>
+              </a:ext>
+            </a:extLst>
+          </p:cNvPr>
+          <p:cNvSpPr>
+            <a:spLocks noGrp="1"/>
+          </p:cNvSpPr>
+          <p:nvPr>
+            <p:ph idx="1"/>
+          </p:nvPr>
+        </p:nvSpPr>
+        <p:spPr>
+          <a:xfrm>
+            <a:off x="7349706" y="154817"/>
+            <a:ext cx="4207931" cy="1165025"/>
+          </a:xfrm>
+        </p:spPr>
+        <p:txBody>
+          <a:bodyPr/>
+          <a:lstStyle/>
+          <a:p>
+            <a:pPr marL="0" indent="0">
+              <a:buNone/>
+            </a:pPr>
+            <a:r>
+              <a:rPr lang="it-IT" dirty="0"/>
+              <a:t>Un esempio di </a:t>
+            </a:r>
+            <a:r>
+              <a:rPr lang="it-IT" b="1" dirty="0"/>
+              <a:t>Use Case </a:t>
+            </a:r>
+            <a:r>
+              <a:rPr lang="it-IT" b="1" dirty="0" err="1"/>
+              <a:t>Diagram</a:t>
+            </a:r>
+            <a:r>
+              <a:rPr lang="it-IT" b="1" dirty="0"/>
+              <a:t> </a:t>
+            </a:r>
+            <a:r>
+              <a:rPr lang="it-IT" dirty="0"/>
+              <a:t>relativo alle funzioni dell’ admin.</a:t>
             </a:r>
           </a:p>
         </p:txBody>
       </p:sp>
       <p:pic>
         <p:nvPicPr>
-          <p:cNvPr id="5" name="Immagine 4" descr="Immagine che contiene tavolo&#10;&#10;Descrizione generata automaticamente">
+          <p:cNvPr id="5" name="Immagine 4">
             <a:extLst>
               <a:ext uri="{FF2B5EF4-FFF2-40B4-BE49-F238E27FC236}">
-                <a16:creationId xmlns:a16="http://schemas.microsoft.com/office/drawing/2014/main" id="{11A01F2B-2A05-4D59-9201-13140C3E8AED}"/>
+                <a16:creationId xmlns:a16="http://schemas.microsoft.com/office/drawing/2014/main" id="{B0242D41-856A-4802-AD8A-95C2B7FEB2A3}"/>
               </a:ext>
             </a:extLst>
           </p:cNvPr>
@@ -18649,18 +16974,106 @@
         </p:blipFill>
         <p:spPr>
           <a:xfrm>
-            <a:off x="2254015" y="131194"/>
-            <a:ext cx="7683969" cy="6638881"/>
+            <a:off x="7436486" y="3125367"/>
+            <a:ext cx="4430302" cy="2827598"/>
           </a:xfrm>
           <a:prstGeom prst="rect">
             <a:avLst/>
           </a:prstGeom>
         </p:spPr>
       </p:pic>
+      <p:pic>
+        <p:nvPicPr>
+          <p:cNvPr id="4" name="Immagine 3">
+            <a:extLst>
+              <a:ext uri="{FF2B5EF4-FFF2-40B4-BE49-F238E27FC236}">
+                <a16:creationId xmlns:a16="http://schemas.microsoft.com/office/drawing/2014/main" id="{2BA60B04-DF35-4E22-88D6-D7C9504C5AE6}"/>
+              </a:ext>
+            </a:extLst>
+          </p:cNvPr>
+          <p:cNvPicPr>
+            <a:picLocks noChangeAspect="1"/>
+          </p:cNvPicPr>
+          <p:nvPr/>
+        </p:nvPicPr>
+        <p:blipFill>
+          <a:blip r:embed="rId3"/>
+          <a:stretch>
+            <a:fillRect/>
+          </a:stretch>
+        </p:blipFill>
+        <p:spPr>
+          <a:xfrm>
+            <a:off x="1225798" y="666121"/>
+            <a:ext cx="5973182" cy="5286844"/>
+          </a:xfrm>
+          <a:prstGeom prst="rect">
+            <a:avLst/>
+          </a:prstGeom>
+        </p:spPr>
+      </p:pic>
+      <p:sp>
+        <p:nvSpPr>
+          <p:cNvPr id="6" name="Titolo 1">
+            <a:extLst>
+              <a:ext uri="{FF2B5EF4-FFF2-40B4-BE49-F238E27FC236}">
+                <a16:creationId xmlns:a16="http://schemas.microsoft.com/office/drawing/2014/main" id="{87A67513-D84A-4429-8C54-6F30FC5DECAA}"/>
+              </a:ext>
+            </a:extLst>
+          </p:cNvPr>
+          <p:cNvSpPr txBox="1">
+            <a:spLocks/>
+          </p:cNvSpPr>
+          <p:nvPr/>
+        </p:nvSpPr>
+        <p:spPr>
+          <a:xfrm rot="16200000">
+            <a:off x="11032244" y="5804759"/>
+            <a:ext cx="1578634" cy="527848"/>
+          </a:xfrm>
+          <a:prstGeom prst="rect">
+            <a:avLst/>
+          </a:prstGeom>
+        </p:spPr>
+        <p:txBody>
+          <a:bodyPr vert="horz" lIns="91440" tIns="45720" rIns="91440" bIns="45720" rtlCol="0" anchor="t">
+            <a:normAutofit fontScale="97500" lnSpcReduction="10000"/>
+          </a:bodyPr>
+          <a:lstStyle>
+            <a:lvl1pPr algn="l" defTabSz="914400" rtl="0" eaLnBrk="1" latinLnBrk="0" hangingPunct="1">
+              <a:lnSpc>
+                <a:spcPct val="90000"/>
+              </a:lnSpc>
+              <a:spcBef>
+                <a:spcPct val="0"/>
+              </a:spcBef>
+              <a:buNone/>
+              <a:defRPr sz="5100" kern="1200" cap="all" spc="200" baseline="0">
+                <a:solidFill>
+                  <a:schemeClr val="tx2"/>
+                </a:solidFill>
+                <a:latin typeface="+mj-lt"/>
+                <a:ea typeface="+mj-ea"/>
+                <a:cs typeface="+mj-cs"/>
+              </a:defRPr>
+            </a:lvl1pPr>
+          </a:lstStyle>
+          <a:p>
+            <a:r>
+              <a:rPr lang="it-IT" sz="3600" dirty="0">
+                <a:solidFill>
+                  <a:srgbClr val="F8B323"/>
+                </a:solidFill>
+              </a:rPr>
+              <a:t>RAD</a:t>
+            </a:r>
+          </a:p>
+        </p:txBody>
+      </p:sp>
     </p:spTree>
     <p:extLst>
       <p:ext uri="{BB962C8B-B14F-4D97-AF65-F5344CB8AC3E}">
-        <p14:creationId xmlns:p14="http://schemas.microsoft.com/office/powerpoint/2010/main" val="1118310397"/>
+        <p14:creationId xmlns:p14="http://schemas.microsoft.com/office/powerpoint/2010/main" val="117027741"/>
       </p:ext>
     </p:extLst>
   </p:cSld>
@@ -18671,233 +17084,6 @@
 </file>
 
 <file path=ppt/slides/slide7.xml><?xml version="1.0" encoding="utf-8"?>
-<p:sld xmlns:a="http://schemas.openxmlformats.org/drawingml/2006/main" xmlns:r="http://schemas.openxmlformats.org/officeDocument/2006/relationships" xmlns:p="http://schemas.openxmlformats.org/presentationml/2006/main">
-  <p:cSld>
-    <p:spTree>
-      <p:nvGrpSpPr>
-        <p:cNvPr id="1" name=""/>
-        <p:cNvGrpSpPr/>
-        <p:nvPr/>
-      </p:nvGrpSpPr>
-      <p:grpSpPr>
-        <a:xfrm>
-          <a:off x="0" y="0"/>
-          <a:ext cx="0" cy="0"/>
-          <a:chOff x="0" y="0"/>
-          <a:chExt cx="0" cy="0"/>
-        </a:xfrm>
-      </p:grpSpPr>
-      <p:sp>
-        <p:nvSpPr>
-          <p:cNvPr id="2" name="Titolo 1">
-            <a:extLst>
-              <a:ext uri="{FF2B5EF4-FFF2-40B4-BE49-F238E27FC236}">
-                <a16:creationId xmlns:a16="http://schemas.microsoft.com/office/drawing/2014/main" id="{B091881F-E104-4A2A-A90F-E9C96E8E73B4}"/>
-              </a:ext>
-            </a:extLst>
-          </p:cNvPr>
-          <p:cNvSpPr>
-            <a:spLocks noGrp="1"/>
-          </p:cNvSpPr>
-          <p:nvPr>
-            <p:ph type="title"/>
-          </p:nvPr>
-        </p:nvSpPr>
-        <p:spPr>
-          <a:xfrm rot="16200000">
-            <a:off x="-3009126" y="3009125"/>
-            <a:ext cx="6770076" cy="751823"/>
-          </a:xfrm>
-        </p:spPr>
-        <p:txBody>
-          <a:bodyPr>
-            <a:normAutofit fontScale="90000"/>
-          </a:bodyPr>
-          <a:lstStyle/>
-          <a:p>
-            <a:pPr algn="r"/>
-            <a:r>
-              <a:rPr lang="it-IT" dirty="0">
-                <a:solidFill>
-                  <a:srgbClr val="F8B323"/>
-                </a:solidFill>
-              </a:rPr>
-              <a:t>use case pt2</a:t>
-            </a:r>
-          </a:p>
-        </p:txBody>
-      </p:sp>
-      <p:pic>
-        <p:nvPicPr>
-          <p:cNvPr id="7" name="Immagine 6" descr="Immagine che contiene tavolo&#10;&#10;Descrizione generata automaticamente">
-            <a:extLst>
-              <a:ext uri="{FF2B5EF4-FFF2-40B4-BE49-F238E27FC236}">
-                <a16:creationId xmlns:a16="http://schemas.microsoft.com/office/drawing/2014/main" id="{128A15AE-B5DA-4944-B501-9C8D6743BA90}"/>
-              </a:ext>
-            </a:extLst>
-          </p:cNvPr>
-          <p:cNvPicPr>
-            <a:picLocks noChangeAspect="1"/>
-          </p:cNvPicPr>
-          <p:nvPr/>
-        </p:nvPicPr>
-        <p:blipFill>
-          <a:blip r:embed="rId2">
-            <a:extLst>
-              <a:ext uri="{28A0092B-C50C-407E-A947-70E740481C1C}">
-                <a14:useLocalDpi xmlns:a14="http://schemas.microsoft.com/office/drawing/2010/main" val="0"/>
-              </a:ext>
-            </a:extLst>
-          </a:blip>
-          <a:stretch>
-            <a:fillRect/>
-          </a:stretch>
-        </p:blipFill>
-        <p:spPr>
-          <a:xfrm>
-            <a:off x="2462178" y="72762"/>
-            <a:ext cx="7267644" cy="6697313"/>
-          </a:xfrm>
-          <a:prstGeom prst="rect">
-            <a:avLst/>
-          </a:prstGeom>
-        </p:spPr>
-      </p:pic>
-    </p:spTree>
-    <p:extLst>
-      <p:ext uri="{BB962C8B-B14F-4D97-AF65-F5344CB8AC3E}">
-        <p14:creationId xmlns:p14="http://schemas.microsoft.com/office/powerpoint/2010/main" val="2647889036"/>
-      </p:ext>
-    </p:extLst>
-  </p:cSld>
-  <p:clrMapOvr>
-    <a:masterClrMapping/>
-  </p:clrMapOvr>
-</p:sld>
-</file>
-
-<file path=ppt/slides/slide8.xml><?xml version="1.0" encoding="utf-8"?>
-<p:sld xmlns:a="http://schemas.openxmlformats.org/drawingml/2006/main" xmlns:r="http://schemas.openxmlformats.org/officeDocument/2006/relationships" xmlns:p="http://schemas.openxmlformats.org/presentationml/2006/main">
-  <p:cSld>
-    <p:spTree>
-      <p:nvGrpSpPr>
-        <p:cNvPr id="1" name=""/>
-        <p:cNvGrpSpPr/>
-        <p:nvPr/>
-      </p:nvGrpSpPr>
-      <p:grpSpPr>
-        <a:xfrm>
-          <a:off x="0" y="0"/>
-          <a:ext cx="0" cy="0"/>
-          <a:chOff x="0" y="0"/>
-          <a:chExt cx="0" cy="0"/>
-        </a:xfrm>
-      </p:grpSpPr>
-      <p:sp>
-        <p:nvSpPr>
-          <p:cNvPr id="2" name="Titolo 1">
-            <a:extLst>
-              <a:ext uri="{FF2B5EF4-FFF2-40B4-BE49-F238E27FC236}">
-                <a16:creationId xmlns:a16="http://schemas.microsoft.com/office/drawing/2014/main" id="{B091881F-E104-4A2A-A90F-E9C96E8E73B4}"/>
-              </a:ext>
-            </a:extLst>
-          </p:cNvPr>
-          <p:cNvSpPr>
-            <a:spLocks noGrp="1"/>
-          </p:cNvSpPr>
-          <p:nvPr>
-            <p:ph type="title"/>
-          </p:nvPr>
-        </p:nvSpPr>
-        <p:spPr>
-          <a:xfrm rot="16200000">
-            <a:off x="-2890757" y="2890759"/>
-            <a:ext cx="6533338" cy="751823"/>
-          </a:xfrm>
-        </p:spPr>
-        <p:txBody>
-          <a:bodyPr>
-            <a:normAutofit fontScale="90000"/>
-          </a:bodyPr>
-          <a:lstStyle/>
-          <a:p>
-            <a:pPr algn="r"/>
-            <a:r>
-              <a:rPr lang="it-IT" dirty="0" err="1">
-                <a:solidFill>
-                  <a:srgbClr val="F8B323"/>
-                </a:solidFill>
-              </a:rPr>
-              <a:t>Sequence</a:t>
-            </a:r>
-            <a:r>
-              <a:rPr lang="it-IT" dirty="0">
-                <a:solidFill>
-                  <a:srgbClr val="F8B323"/>
-                </a:solidFill>
-              </a:rPr>
-              <a:t> </a:t>
-            </a:r>
-            <a:r>
-              <a:rPr lang="it-IT" dirty="0" err="1">
-                <a:solidFill>
-                  <a:srgbClr val="F8B323"/>
-                </a:solidFill>
-              </a:rPr>
-              <a:t>diagram</a:t>
-            </a:r>
-            <a:endParaRPr lang="it-IT" dirty="0">
-              <a:solidFill>
-                <a:srgbClr val="F8B323"/>
-              </a:solidFill>
-            </a:endParaRPr>
-          </a:p>
-        </p:txBody>
-      </p:sp>
-      <p:pic>
-        <p:nvPicPr>
-          <p:cNvPr id="7" name="image14.png">
-            <a:extLst>
-              <a:ext uri="{FF2B5EF4-FFF2-40B4-BE49-F238E27FC236}">
-                <a16:creationId xmlns:a16="http://schemas.microsoft.com/office/drawing/2014/main" id="{704498A1-FB6E-4B3B-A9CD-3C9B6B58BC43}"/>
-              </a:ext>
-            </a:extLst>
-          </p:cNvPr>
-          <p:cNvPicPr/>
-          <p:nvPr/>
-        </p:nvPicPr>
-        <p:blipFill>
-          <a:blip r:embed="rId2"/>
-          <a:srcRect/>
-          <a:stretch>
-            <a:fillRect/>
-          </a:stretch>
-        </p:blipFill>
-        <p:spPr>
-          <a:xfrm>
-            <a:off x="996462" y="575568"/>
-            <a:ext cx="10395536" cy="5706863"/>
-          </a:xfrm>
-          <a:prstGeom prst="rect">
-            <a:avLst/>
-          </a:prstGeom>
-          <a:ln/>
-        </p:spPr>
-      </p:pic>
-    </p:spTree>
-    <p:extLst>
-      <p:ext uri="{BB962C8B-B14F-4D97-AF65-F5344CB8AC3E}">
-        <p14:creationId xmlns:p14="http://schemas.microsoft.com/office/powerpoint/2010/main" val="3285800659"/>
-      </p:ext>
-    </p:extLst>
-  </p:cSld>
-  <p:clrMapOvr>
-    <a:masterClrMapping/>
-  </p:clrMapOvr>
-</p:sld>
-</file>
-
-<file path=ppt/slides/slide9.xml><?xml version="1.0" encoding="utf-8"?>
 <p:sld xmlns:a="http://schemas.openxmlformats.org/drawingml/2006/main" xmlns:r="http://schemas.openxmlformats.org/officeDocument/2006/relationships" xmlns:p="http://schemas.openxmlformats.org/presentationml/2006/main">
   <p:cSld>
     <p:spTree>
@@ -19741,10 +17927,2587 @@
           </a:graphicData>
         </a:graphic>
       </p:graphicFrame>
+      <p:sp>
+        <p:nvSpPr>
+          <p:cNvPr id="5" name="Titolo 1">
+            <a:extLst>
+              <a:ext uri="{FF2B5EF4-FFF2-40B4-BE49-F238E27FC236}">
+                <a16:creationId xmlns:a16="http://schemas.microsoft.com/office/drawing/2014/main" id="{1C6893B1-1593-4845-97BE-587AC4AA12C3}"/>
+              </a:ext>
+            </a:extLst>
+          </p:cNvPr>
+          <p:cNvSpPr txBox="1">
+            <a:spLocks/>
+          </p:cNvSpPr>
+          <p:nvPr/>
+        </p:nvSpPr>
+        <p:spPr>
+          <a:xfrm rot="16200000">
+            <a:off x="11043378" y="5804759"/>
+            <a:ext cx="1578634" cy="527848"/>
+          </a:xfrm>
+          <a:prstGeom prst="rect">
+            <a:avLst/>
+          </a:prstGeom>
+        </p:spPr>
+        <p:txBody>
+          <a:bodyPr vert="horz" lIns="91440" tIns="45720" rIns="91440" bIns="45720" rtlCol="0" anchor="t">
+            <a:normAutofit fontScale="97500" lnSpcReduction="10000"/>
+          </a:bodyPr>
+          <a:lstStyle>
+            <a:lvl1pPr algn="l" defTabSz="914400" rtl="0" eaLnBrk="1" latinLnBrk="0" hangingPunct="1">
+              <a:lnSpc>
+                <a:spcPct val="90000"/>
+              </a:lnSpc>
+              <a:spcBef>
+                <a:spcPct val="0"/>
+              </a:spcBef>
+              <a:buNone/>
+              <a:defRPr sz="5100" kern="1200" cap="all" spc="200" baseline="0">
+                <a:solidFill>
+                  <a:schemeClr val="tx2"/>
+                </a:solidFill>
+                <a:latin typeface="+mj-lt"/>
+                <a:ea typeface="+mj-ea"/>
+                <a:cs typeface="+mj-cs"/>
+              </a:defRPr>
+            </a:lvl1pPr>
+          </a:lstStyle>
+          <a:p>
+            <a:r>
+              <a:rPr lang="it-IT" sz="3600" dirty="0">
+                <a:solidFill>
+                  <a:srgbClr val="F8B323"/>
+                </a:solidFill>
+              </a:rPr>
+              <a:t>SDD</a:t>
+            </a:r>
+          </a:p>
+        </p:txBody>
+      </p:sp>
     </p:spTree>
     <p:extLst>
       <p:ext uri="{BB962C8B-B14F-4D97-AF65-F5344CB8AC3E}">
         <p14:creationId xmlns:p14="http://schemas.microsoft.com/office/powerpoint/2010/main" val="184946498"/>
+      </p:ext>
+    </p:extLst>
+  </p:cSld>
+  <p:clrMapOvr>
+    <a:masterClrMapping/>
+  </p:clrMapOvr>
+</p:sld>
+</file>
+
+<file path=ppt/slides/slide8.xml><?xml version="1.0" encoding="utf-8"?>
+<p:sld xmlns:a="http://schemas.openxmlformats.org/drawingml/2006/main" xmlns:r="http://schemas.openxmlformats.org/officeDocument/2006/relationships" xmlns:p="http://schemas.openxmlformats.org/presentationml/2006/main">
+  <p:cSld>
+    <p:spTree>
+      <p:nvGrpSpPr>
+        <p:cNvPr id="1" name=""/>
+        <p:cNvGrpSpPr/>
+        <p:nvPr/>
+      </p:nvGrpSpPr>
+      <p:grpSpPr>
+        <a:xfrm>
+          <a:off x="0" y="0"/>
+          <a:ext cx="0" cy="0"/>
+          <a:chOff x="0" y="0"/>
+          <a:chExt cx="0" cy="0"/>
+        </a:xfrm>
+      </p:grpSpPr>
+      <p:sp>
+        <p:nvSpPr>
+          <p:cNvPr id="2" name="Titolo 1">
+            <a:extLst>
+              <a:ext uri="{FF2B5EF4-FFF2-40B4-BE49-F238E27FC236}">
+                <a16:creationId xmlns:a16="http://schemas.microsoft.com/office/drawing/2014/main" id="{B091881F-E104-4A2A-A90F-E9C96E8E73B4}"/>
+              </a:ext>
+            </a:extLst>
+          </p:cNvPr>
+          <p:cNvSpPr>
+            <a:spLocks noGrp="1"/>
+          </p:cNvSpPr>
+          <p:nvPr>
+            <p:ph type="title"/>
+          </p:nvPr>
+        </p:nvSpPr>
+        <p:spPr>
+          <a:xfrm rot="16200000">
+            <a:off x="-1633454" y="1527297"/>
+            <a:ext cx="4018742" cy="751823"/>
+          </a:xfrm>
+        </p:spPr>
+        <p:txBody>
+          <a:bodyPr>
+            <a:normAutofit fontScale="90000"/>
+          </a:bodyPr>
+          <a:lstStyle/>
+          <a:p>
+            <a:r>
+              <a:rPr lang="it-IT" dirty="0">
+                <a:solidFill>
+                  <a:srgbClr val="F8B323"/>
+                </a:solidFill>
+              </a:rPr>
+              <a:t>Architettura</a:t>
+            </a:r>
+          </a:p>
+        </p:txBody>
+      </p:sp>
+      <p:sp>
+        <p:nvSpPr>
+          <p:cNvPr id="3" name="Segnaposto contenuto 2">
+            <a:extLst>
+              <a:ext uri="{FF2B5EF4-FFF2-40B4-BE49-F238E27FC236}">
+                <a16:creationId xmlns:a16="http://schemas.microsoft.com/office/drawing/2014/main" id="{0D1F4823-2969-402A-86AF-FE8D80B3F521}"/>
+              </a:ext>
+            </a:extLst>
+          </p:cNvPr>
+          <p:cNvSpPr>
+            <a:spLocks noGrp="1"/>
+          </p:cNvSpPr>
+          <p:nvPr>
+            <p:ph idx="1"/>
+          </p:nvPr>
+        </p:nvSpPr>
+        <p:spPr>
+          <a:xfrm>
+            <a:off x="960120" y="173737"/>
+            <a:ext cx="10643616" cy="1883663"/>
+          </a:xfrm>
+        </p:spPr>
+        <p:txBody>
+          <a:bodyPr>
+            <a:normAutofit/>
+          </a:bodyPr>
+          <a:lstStyle/>
+          <a:p>
+            <a:pPr marL="0" indent="0">
+              <a:buNone/>
+            </a:pPr>
+            <a:r>
+              <a:rPr lang="it-IT" dirty="0"/>
+              <a:t>Design Pattern MVC ( Model, Control, </a:t>
+            </a:r>
+            <a:r>
+              <a:rPr lang="it-IT" dirty="0" err="1"/>
+              <a:t>View</a:t>
+            </a:r>
+            <a:r>
+              <a:rPr lang="it-IT" dirty="0"/>
+              <a:t>) :</a:t>
+            </a:r>
+          </a:p>
+          <a:p>
+            <a:pPr marL="0" lvl="0" indent="0">
+              <a:buNone/>
+            </a:pPr>
+            <a:r>
+              <a:rPr lang="it-IT" dirty="0"/>
+              <a:t>    - </a:t>
+            </a:r>
+            <a:r>
+              <a:rPr lang="it-IT" sz="1800" i="1" u="none" strike="noStrike" dirty="0">
+                <a:effectLst/>
+                <a:latin typeface="Garamond" panose="02020404030301010803" pitchFamily="18" charset="0"/>
+                <a:ea typeface="Garamond" panose="02020404030301010803" pitchFamily="18" charset="0"/>
+                <a:cs typeface="Garamond" panose="02020404030301010803" pitchFamily="18" charset="0"/>
+              </a:rPr>
+              <a:t>Model</a:t>
+            </a:r>
+            <a:r>
+              <a:rPr lang="it-IT" sz="1800" u="none" strike="noStrike" dirty="0">
+                <a:effectLst/>
+                <a:latin typeface="Garamond" panose="02020404030301010803" pitchFamily="18" charset="0"/>
+                <a:ea typeface="Garamond" panose="02020404030301010803" pitchFamily="18" charset="0"/>
+                <a:cs typeface="Garamond" panose="02020404030301010803" pitchFamily="18" charset="0"/>
+              </a:rPr>
+              <a:t>: è il </a:t>
+            </a:r>
+            <a:r>
+              <a:rPr lang="it-IT" sz="1800" u="none" strike="noStrike" dirty="0" err="1">
+                <a:effectLst/>
+                <a:latin typeface="Garamond" panose="02020404030301010803" pitchFamily="18" charset="0"/>
+                <a:ea typeface="Garamond" panose="02020404030301010803" pitchFamily="18" charset="0"/>
+                <a:cs typeface="Garamond" panose="02020404030301010803" pitchFamily="18" charset="0"/>
+              </a:rPr>
+              <a:t>layer</a:t>
+            </a:r>
+            <a:r>
+              <a:rPr lang="it-IT" sz="1800" u="none" strike="noStrike" dirty="0">
+                <a:effectLst/>
+                <a:latin typeface="Garamond" panose="02020404030301010803" pitchFamily="18" charset="0"/>
+                <a:ea typeface="Garamond" panose="02020404030301010803" pitchFamily="18" charset="0"/>
+                <a:cs typeface="Garamond" panose="02020404030301010803" pitchFamily="18" charset="0"/>
+              </a:rPr>
+              <a:t> che si occupa di comunicare col database;</a:t>
+            </a:r>
+            <a:endParaRPr lang="it-IT" sz="1800" u="none" strike="noStrike" dirty="0">
+              <a:effectLst/>
+              <a:latin typeface="Times New Roman" panose="02020603050405020304" pitchFamily="18" charset="0"/>
+              <a:ea typeface="Times New Roman" panose="02020603050405020304" pitchFamily="18" charset="0"/>
+            </a:endParaRPr>
+          </a:p>
+          <a:p>
+            <a:pPr marL="0" lvl="0" indent="0">
+              <a:buNone/>
+            </a:pPr>
+            <a:r>
+              <a:rPr lang="it-IT" sz="1800" i="1" u="none" strike="noStrike" dirty="0">
+                <a:effectLst/>
+                <a:latin typeface="Garamond" panose="02020404030301010803" pitchFamily="18" charset="0"/>
+                <a:ea typeface="Garamond" panose="02020404030301010803" pitchFamily="18" charset="0"/>
+                <a:cs typeface="Garamond" panose="02020404030301010803" pitchFamily="18" charset="0"/>
+              </a:rPr>
+              <a:t>     </a:t>
+            </a:r>
+            <a:r>
+              <a:rPr lang="it-IT" sz="1800" dirty="0"/>
+              <a:t>-</a:t>
+            </a:r>
+            <a:r>
+              <a:rPr lang="it-IT" sz="1800" i="1" u="none" strike="noStrike" dirty="0">
+                <a:effectLst/>
+                <a:latin typeface="Garamond" panose="02020404030301010803" pitchFamily="18" charset="0"/>
+                <a:ea typeface="Garamond" panose="02020404030301010803" pitchFamily="18" charset="0"/>
+                <a:cs typeface="Garamond" panose="02020404030301010803" pitchFamily="18" charset="0"/>
+              </a:rPr>
+              <a:t> </a:t>
+            </a:r>
+            <a:r>
+              <a:rPr lang="it-IT" sz="1800" i="1" u="none" strike="noStrike" dirty="0" err="1">
+                <a:effectLst/>
+                <a:latin typeface="Garamond" panose="02020404030301010803" pitchFamily="18" charset="0"/>
+                <a:ea typeface="Garamond" panose="02020404030301010803" pitchFamily="18" charset="0"/>
+                <a:cs typeface="Garamond" panose="02020404030301010803" pitchFamily="18" charset="0"/>
+              </a:rPr>
+              <a:t>View</a:t>
+            </a:r>
+            <a:r>
+              <a:rPr lang="it-IT" sz="1800" u="none" strike="noStrike" dirty="0">
+                <a:effectLst/>
+                <a:latin typeface="Garamond" panose="02020404030301010803" pitchFamily="18" charset="0"/>
+                <a:ea typeface="Garamond" panose="02020404030301010803" pitchFamily="18" charset="0"/>
+                <a:cs typeface="Garamond" panose="02020404030301010803" pitchFamily="18" charset="0"/>
+              </a:rPr>
+              <a:t>: è il </a:t>
+            </a:r>
+            <a:r>
+              <a:rPr lang="it-IT" sz="1800" u="none" strike="noStrike" dirty="0" err="1">
+                <a:effectLst/>
+                <a:latin typeface="Garamond" panose="02020404030301010803" pitchFamily="18" charset="0"/>
+                <a:ea typeface="Garamond" panose="02020404030301010803" pitchFamily="18" charset="0"/>
+                <a:cs typeface="Garamond" panose="02020404030301010803" pitchFamily="18" charset="0"/>
+              </a:rPr>
+              <a:t>layer</a:t>
+            </a:r>
+            <a:r>
+              <a:rPr lang="it-IT" sz="1800" u="none" strike="noStrike" dirty="0">
+                <a:effectLst/>
+                <a:latin typeface="Garamond" panose="02020404030301010803" pitchFamily="18" charset="0"/>
+                <a:ea typeface="Garamond" panose="02020404030301010803" pitchFamily="18" charset="0"/>
+                <a:cs typeface="Garamond" panose="02020404030301010803" pitchFamily="18" charset="0"/>
+              </a:rPr>
+              <a:t> che si occupa di gestire la parte visiva del sistema che permette agli utenti di interagire con esso;</a:t>
+            </a:r>
+            <a:endParaRPr lang="it-IT" sz="1800" u="none" strike="noStrike" dirty="0">
+              <a:effectLst/>
+              <a:latin typeface="Times New Roman" panose="02020603050405020304" pitchFamily="18" charset="0"/>
+              <a:ea typeface="Times New Roman" panose="02020603050405020304" pitchFamily="18" charset="0"/>
+            </a:endParaRPr>
+          </a:p>
+          <a:p>
+            <a:pPr marL="0" lvl="0" indent="0">
+              <a:buNone/>
+            </a:pPr>
+            <a:r>
+              <a:rPr lang="it-IT" sz="1800" i="1" u="none" strike="noStrike" dirty="0">
+                <a:effectLst/>
+                <a:latin typeface="Garamond" panose="02020404030301010803" pitchFamily="18" charset="0"/>
+                <a:ea typeface="Garamond" panose="02020404030301010803" pitchFamily="18" charset="0"/>
+                <a:cs typeface="Garamond" panose="02020404030301010803" pitchFamily="18" charset="0"/>
+              </a:rPr>
+              <a:t>     </a:t>
+            </a:r>
+            <a:r>
+              <a:rPr lang="it-IT" sz="1800" dirty="0"/>
+              <a:t>- </a:t>
+            </a:r>
+            <a:r>
+              <a:rPr lang="it-IT" sz="1800" i="1" u="none" strike="noStrike" dirty="0">
+                <a:effectLst/>
+                <a:latin typeface="Garamond" panose="02020404030301010803" pitchFamily="18" charset="0"/>
+                <a:ea typeface="Garamond" panose="02020404030301010803" pitchFamily="18" charset="0"/>
+                <a:cs typeface="Garamond" panose="02020404030301010803" pitchFamily="18" charset="0"/>
+              </a:rPr>
+              <a:t>Control</a:t>
+            </a:r>
+            <a:r>
+              <a:rPr lang="it-IT" sz="1800" u="none" strike="noStrike" dirty="0">
+                <a:effectLst/>
+                <a:latin typeface="Garamond" panose="02020404030301010803" pitchFamily="18" charset="0"/>
+                <a:ea typeface="Garamond" panose="02020404030301010803" pitchFamily="18" charset="0"/>
+                <a:cs typeface="Garamond" panose="02020404030301010803" pitchFamily="18" charset="0"/>
+              </a:rPr>
+              <a:t>: è il </a:t>
+            </a:r>
+            <a:r>
+              <a:rPr lang="it-IT" sz="1800" u="none" strike="noStrike" dirty="0" err="1">
+                <a:effectLst/>
+                <a:latin typeface="Garamond" panose="02020404030301010803" pitchFamily="18" charset="0"/>
+                <a:ea typeface="Garamond" panose="02020404030301010803" pitchFamily="18" charset="0"/>
+                <a:cs typeface="Garamond" panose="02020404030301010803" pitchFamily="18" charset="0"/>
+              </a:rPr>
+              <a:t>layer</a:t>
+            </a:r>
+            <a:r>
+              <a:rPr lang="it-IT" sz="1800" u="none" strike="noStrike" dirty="0">
+                <a:effectLst/>
+                <a:latin typeface="Garamond" panose="02020404030301010803" pitchFamily="18" charset="0"/>
+                <a:ea typeface="Garamond" panose="02020404030301010803" pitchFamily="18" charset="0"/>
+                <a:cs typeface="Garamond" panose="02020404030301010803" pitchFamily="18" charset="0"/>
+              </a:rPr>
+              <a:t> che gestisce la logica di business del sistema. </a:t>
+            </a:r>
+            <a:endParaRPr lang="it-IT" sz="1800" u="none" strike="noStrike" dirty="0">
+              <a:effectLst/>
+              <a:latin typeface="Times New Roman" panose="02020603050405020304" pitchFamily="18" charset="0"/>
+              <a:ea typeface="Times New Roman" panose="02020603050405020304" pitchFamily="18" charset="0"/>
+            </a:endParaRPr>
+          </a:p>
+          <a:p>
+            <a:pPr marL="0" indent="0">
+              <a:buNone/>
+            </a:pPr>
+            <a:endParaRPr lang="it-IT" dirty="0"/>
+          </a:p>
+        </p:txBody>
+      </p:sp>
+      <p:pic>
+        <p:nvPicPr>
+          <p:cNvPr id="5" name="Immagine 4">
+            <a:extLst>
+              <a:ext uri="{FF2B5EF4-FFF2-40B4-BE49-F238E27FC236}">
+                <a16:creationId xmlns:a16="http://schemas.microsoft.com/office/drawing/2014/main" id="{617E46A3-F3D9-4697-B67B-CD1284566BDF}"/>
+              </a:ext>
+            </a:extLst>
+          </p:cNvPr>
+          <p:cNvPicPr>
+            <a:picLocks noChangeAspect="1"/>
+          </p:cNvPicPr>
+          <p:nvPr/>
+        </p:nvPicPr>
+        <p:blipFill>
+          <a:blip r:embed="rId2">
+            <a:extLst>
+              <a:ext uri="{28A0092B-C50C-407E-A947-70E740481C1C}">
+                <a14:useLocalDpi xmlns:a14="http://schemas.microsoft.com/office/drawing/2010/main" val="0"/>
+              </a:ext>
+            </a:extLst>
+          </a:blip>
+          <a:stretch>
+            <a:fillRect/>
+          </a:stretch>
+        </p:blipFill>
+        <p:spPr>
+          <a:xfrm>
+            <a:off x="960120" y="1792224"/>
+            <a:ext cx="7168896" cy="4956048"/>
+          </a:xfrm>
+          <a:prstGeom prst="rect">
+            <a:avLst/>
+          </a:prstGeom>
+        </p:spPr>
+      </p:pic>
+      <p:sp>
+        <p:nvSpPr>
+          <p:cNvPr id="7" name="CasellaDiTesto 6">
+            <a:extLst>
+              <a:ext uri="{FF2B5EF4-FFF2-40B4-BE49-F238E27FC236}">
+                <a16:creationId xmlns:a16="http://schemas.microsoft.com/office/drawing/2014/main" id="{73FD5FCA-E123-4C30-A4D1-C838377DCEAC}"/>
+              </a:ext>
+            </a:extLst>
+          </p:cNvPr>
+          <p:cNvSpPr txBox="1"/>
+          <p:nvPr/>
+        </p:nvSpPr>
+        <p:spPr>
+          <a:xfrm>
+            <a:off x="6357668" y="1411069"/>
+            <a:ext cx="5014579" cy="646331"/>
+          </a:xfrm>
+          <a:prstGeom prst="rect">
+            <a:avLst/>
+          </a:prstGeom>
+          <a:noFill/>
+        </p:spPr>
+        <p:txBody>
+          <a:bodyPr wrap="square" rtlCol="0">
+            <a:spAutoFit/>
+          </a:bodyPr>
+          <a:lstStyle/>
+          <a:p>
+            <a:pPr algn="r"/>
+            <a:r>
+              <a:rPr lang="it-IT" dirty="0">
+                <a:solidFill>
+                  <a:schemeClr val="tx1">
+                    <a:lumMod val="65000"/>
+                    <a:lumOff val="35000"/>
+                  </a:schemeClr>
+                </a:solidFill>
+                <a:latin typeface="Garamond" panose="02020404030301010803" pitchFamily="18" charset="0"/>
+              </a:rPr>
+              <a:t>Esso ci permette di dividere facilmente gli ambiti relativi alla grafica e sicurezza.</a:t>
+            </a:r>
+            <a:endParaRPr lang="it-IT" dirty="0">
+              <a:latin typeface="Garamond" panose="02020404030301010803" pitchFamily="18" charset="0"/>
+            </a:endParaRPr>
+          </a:p>
+        </p:txBody>
+      </p:sp>
+      <p:sp>
+        <p:nvSpPr>
+          <p:cNvPr id="6" name="Titolo 1">
+            <a:extLst>
+              <a:ext uri="{FF2B5EF4-FFF2-40B4-BE49-F238E27FC236}">
+                <a16:creationId xmlns:a16="http://schemas.microsoft.com/office/drawing/2014/main" id="{545A94B1-8BED-4A22-A20D-8707B02448F2}"/>
+              </a:ext>
+            </a:extLst>
+          </p:cNvPr>
+          <p:cNvSpPr txBox="1">
+            <a:spLocks/>
+          </p:cNvSpPr>
+          <p:nvPr/>
+        </p:nvSpPr>
+        <p:spPr>
+          <a:xfrm rot="16200000">
+            <a:off x="11043378" y="5804759"/>
+            <a:ext cx="1578634" cy="527848"/>
+          </a:xfrm>
+          <a:prstGeom prst="rect">
+            <a:avLst/>
+          </a:prstGeom>
+        </p:spPr>
+        <p:txBody>
+          <a:bodyPr vert="horz" lIns="91440" tIns="45720" rIns="91440" bIns="45720" rtlCol="0" anchor="t">
+            <a:normAutofit fontScale="97500" lnSpcReduction="10000"/>
+          </a:bodyPr>
+          <a:lstStyle>
+            <a:lvl1pPr algn="l" defTabSz="914400" rtl="0" eaLnBrk="1" latinLnBrk="0" hangingPunct="1">
+              <a:lnSpc>
+                <a:spcPct val="90000"/>
+              </a:lnSpc>
+              <a:spcBef>
+                <a:spcPct val="0"/>
+              </a:spcBef>
+              <a:buNone/>
+              <a:defRPr sz="5100" kern="1200" cap="all" spc="200" baseline="0">
+                <a:solidFill>
+                  <a:schemeClr val="tx2"/>
+                </a:solidFill>
+                <a:latin typeface="+mj-lt"/>
+                <a:ea typeface="+mj-ea"/>
+                <a:cs typeface="+mj-cs"/>
+              </a:defRPr>
+            </a:lvl1pPr>
+          </a:lstStyle>
+          <a:p>
+            <a:r>
+              <a:rPr lang="it-IT" sz="3600" dirty="0">
+                <a:solidFill>
+                  <a:srgbClr val="F8B323"/>
+                </a:solidFill>
+              </a:rPr>
+              <a:t>SDD</a:t>
+            </a:r>
+          </a:p>
+        </p:txBody>
+      </p:sp>
+    </p:spTree>
+    <p:extLst>
+      <p:ext uri="{BB962C8B-B14F-4D97-AF65-F5344CB8AC3E}">
+        <p14:creationId xmlns:p14="http://schemas.microsoft.com/office/powerpoint/2010/main" val="2388531818"/>
+      </p:ext>
+    </p:extLst>
+  </p:cSld>
+  <p:clrMapOvr>
+    <a:masterClrMapping/>
+  </p:clrMapOvr>
+</p:sld>
+</file>
+
+<file path=ppt/slides/slide9.xml><?xml version="1.0" encoding="utf-8"?>
+<p:sld xmlns:a="http://schemas.openxmlformats.org/drawingml/2006/main" xmlns:r="http://schemas.openxmlformats.org/officeDocument/2006/relationships" xmlns:p="http://schemas.openxmlformats.org/presentationml/2006/main">
+  <p:cSld>
+    <p:spTree>
+      <p:nvGrpSpPr>
+        <p:cNvPr id="1" name=""/>
+        <p:cNvGrpSpPr/>
+        <p:nvPr/>
+      </p:nvGrpSpPr>
+      <p:grpSpPr>
+        <a:xfrm>
+          <a:off x="0" y="0"/>
+          <a:ext cx="0" cy="0"/>
+          <a:chOff x="0" y="0"/>
+          <a:chExt cx="0" cy="0"/>
+        </a:xfrm>
+      </p:grpSpPr>
+      <p:sp>
+        <p:nvSpPr>
+          <p:cNvPr id="2" name="Titolo 1">
+            <a:extLst>
+              <a:ext uri="{FF2B5EF4-FFF2-40B4-BE49-F238E27FC236}">
+                <a16:creationId xmlns:a16="http://schemas.microsoft.com/office/drawing/2014/main" id="{B091881F-E104-4A2A-A90F-E9C96E8E73B4}"/>
+              </a:ext>
+            </a:extLst>
+          </p:cNvPr>
+          <p:cNvSpPr>
+            <a:spLocks noGrp="1"/>
+          </p:cNvSpPr>
+          <p:nvPr>
+            <p:ph type="title"/>
+          </p:nvPr>
+        </p:nvSpPr>
+        <p:spPr>
+          <a:xfrm rot="16200000">
+            <a:off x="-1798927" y="1692771"/>
+            <a:ext cx="4349692" cy="751823"/>
+          </a:xfrm>
+        </p:spPr>
+        <p:txBody>
+          <a:bodyPr>
+            <a:normAutofit fontScale="90000"/>
+          </a:bodyPr>
+          <a:lstStyle/>
+          <a:p>
+            <a:r>
+              <a:rPr lang="it-IT" dirty="0">
+                <a:solidFill>
+                  <a:srgbClr val="F8B323"/>
+                </a:solidFill>
+              </a:rPr>
+              <a:t>Test case  pt.1</a:t>
+            </a:r>
+          </a:p>
+        </p:txBody>
+      </p:sp>
+      <p:sp>
+        <p:nvSpPr>
+          <p:cNvPr id="3" name="Segnaposto contenuto 2">
+            <a:extLst>
+              <a:ext uri="{FF2B5EF4-FFF2-40B4-BE49-F238E27FC236}">
+                <a16:creationId xmlns:a16="http://schemas.microsoft.com/office/drawing/2014/main" id="{0D1F4823-2969-402A-86AF-FE8D80B3F521}"/>
+              </a:ext>
+            </a:extLst>
+          </p:cNvPr>
+          <p:cNvSpPr>
+            <a:spLocks noGrp="1"/>
+          </p:cNvSpPr>
+          <p:nvPr>
+            <p:ph idx="1"/>
+          </p:nvPr>
+        </p:nvSpPr>
+        <p:spPr>
+          <a:xfrm>
+            <a:off x="1006839" y="208626"/>
+            <a:ext cx="10178322" cy="892205"/>
+          </a:xfrm>
+        </p:spPr>
+        <p:txBody>
+          <a:bodyPr/>
+          <a:lstStyle/>
+          <a:p>
+            <a:pPr marL="0" indent="0">
+              <a:buNone/>
+            </a:pPr>
+            <a:r>
+              <a:rPr lang="it-IT" dirty="0"/>
+              <a:t>Test Case ( TC_16_16) : Inserimento Prodotto Nel Sistema</a:t>
+            </a:r>
+          </a:p>
+        </p:txBody>
+      </p:sp>
+      <p:graphicFrame>
+        <p:nvGraphicFramePr>
+          <p:cNvPr id="4" name="Tabella 3">
+            <a:extLst>
+              <a:ext uri="{FF2B5EF4-FFF2-40B4-BE49-F238E27FC236}">
+                <a16:creationId xmlns:a16="http://schemas.microsoft.com/office/drawing/2014/main" id="{39577F16-43B4-41BB-82BF-250B18DC9B63}"/>
+              </a:ext>
+            </a:extLst>
+          </p:cNvPr>
+          <p:cNvGraphicFramePr>
+            <a:graphicFrameLocks noGrp="1"/>
+          </p:cNvGraphicFramePr>
+          <p:nvPr>
+            <p:extLst>
+              <p:ext uri="{D42A27DB-BD31-4B8C-83A1-F6EECF244321}">
+                <p14:modId xmlns:p14="http://schemas.microsoft.com/office/powerpoint/2010/main" val="3229405809"/>
+              </p:ext>
+            </p:extLst>
+          </p:nvPr>
+        </p:nvGraphicFramePr>
+        <p:xfrm>
+          <a:off x="1165825" y="754600"/>
+          <a:ext cx="4209086" cy="3394726"/>
+        </p:xfrm>
+        <a:graphic>
+          <a:graphicData uri="http://schemas.openxmlformats.org/drawingml/2006/table">
+            <a:tbl>
+              <a:tblPr>
+                <a:tableStyleId>{5C22544A-7EE6-4342-B048-85BDC9FD1C3A}</a:tableStyleId>
+              </a:tblPr>
+              <a:tblGrid>
+                <a:gridCol w="2076942">
+                  <a:extLst>
+                    <a:ext uri="{9D8B030D-6E8A-4147-A177-3AD203B41FA5}">
+                      <a16:colId xmlns:a16="http://schemas.microsoft.com/office/drawing/2014/main" val="234931255"/>
+                    </a:ext>
+                  </a:extLst>
+                </a:gridCol>
+                <a:gridCol w="2132144">
+                  <a:extLst>
+                    <a:ext uri="{9D8B030D-6E8A-4147-A177-3AD203B41FA5}">
+                      <a16:colId xmlns:a16="http://schemas.microsoft.com/office/drawing/2014/main" val="2258523980"/>
+                    </a:ext>
+                  </a:extLst>
+                </a:gridCol>
+              </a:tblGrid>
+              <a:tr h="311283">
+                <a:tc gridSpan="2">
+                  <a:txBody>
+                    <a:bodyPr/>
+                    <a:lstStyle/>
+                    <a:p>
+                      <a:pPr>
+                        <a:lnSpc>
+                          <a:spcPct val="115000"/>
+                        </a:lnSpc>
+                      </a:pPr>
+                      <a:r>
+                        <a:rPr lang="it-IT" sz="900" dirty="0">
+                          <a:effectLst/>
+                        </a:rPr>
+                        <a:t>                                         Parametro: ISBN</a:t>
+                      </a:r>
+                      <a:endParaRPr lang="it-IT" sz="800" dirty="0">
+                        <a:effectLst/>
+                      </a:endParaRPr>
+                    </a:p>
+                    <a:p>
+                      <a:pPr>
+                        <a:lnSpc>
+                          <a:spcPct val="115000"/>
+                        </a:lnSpc>
+                      </a:pPr>
+                      <a:r>
+                        <a:rPr lang="it-IT" sz="900" dirty="0">
+                          <a:effectLst/>
+                        </a:rPr>
+                        <a:t>                                         Formato: [ 0-9 ] {13}</a:t>
+                      </a:r>
+                      <a:endParaRPr lang="it-IT" sz="800" dirty="0">
+                        <a:effectLst/>
+                        <a:latin typeface="Arial" panose="020B0604020202020204" pitchFamily="34" charset="0"/>
+                        <a:ea typeface="Arial" panose="020B0604020202020204" pitchFamily="34" charset="0"/>
+                      </a:endParaRPr>
+                    </a:p>
+                  </a:txBody>
+                  <a:tcPr marL="46001" marR="46001" marT="46001" marB="46001"/>
+                </a:tc>
+                <a:tc hMerge="1">
+                  <a:txBody>
+                    <a:bodyPr/>
+                    <a:lstStyle/>
+                    <a:p>
+                      <a:endParaRPr lang="it-IT"/>
+                    </a:p>
+                  </a:txBody>
+                  <a:tcPr/>
+                </a:tc>
+                <a:extLst>
+                  <a:ext uri="{0D108BD9-81ED-4DB2-BD59-A6C34878D82A}">
+                    <a16:rowId xmlns:a16="http://schemas.microsoft.com/office/drawing/2014/main" val="2106306300"/>
+                  </a:ext>
+                </a:extLst>
+              </a:tr>
+              <a:tr h="186987">
+                <a:tc>
+                  <a:txBody>
+                    <a:bodyPr/>
+                    <a:lstStyle/>
+                    <a:p>
+                      <a:pPr algn="ctr">
+                        <a:lnSpc>
+                          <a:spcPct val="115000"/>
+                        </a:lnSpc>
+                      </a:pPr>
+                      <a:r>
+                        <a:rPr lang="it-IT" sz="900" dirty="0">
+                          <a:effectLst/>
+                        </a:rPr>
+                        <a:t>categorie                                                     </a:t>
+                      </a:r>
+                      <a:endParaRPr lang="it-IT" sz="800" dirty="0">
+                        <a:effectLst/>
+                        <a:latin typeface="Arial" panose="020B0604020202020204" pitchFamily="34" charset="0"/>
+                        <a:ea typeface="Arial" panose="020B0604020202020204" pitchFamily="34" charset="0"/>
+                      </a:endParaRPr>
+                    </a:p>
+                  </a:txBody>
+                  <a:tcPr marL="46001" marR="46001" marT="46001" marB="46001"/>
+                </a:tc>
+                <a:tc>
+                  <a:txBody>
+                    <a:bodyPr/>
+                    <a:lstStyle/>
+                    <a:p>
+                      <a:pPr algn="ctr">
+                        <a:lnSpc>
+                          <a:spcPct val="115000"/>
+                        </a:lnSpc>
+                      </a:pPr>
+                      <a:r>
+                        <a:rPr lang="it-IT" sz="900">
+                          <a:effectLst/>
+                        </a:rPr>
+                        <a:t>scelte</a:t>
+                      </a:r>
+                      <a:endParaRPr lang="it-IT" sz="800">
+                        <a:effectLst/>
+                        <a:latin typeface="Arial" panose="020B0604020202020204" pitchFamily="34" charset="0"/>
+                        <a:ea typeface="Arial" panose="020B0604020202020204" pitchFamily="34" charset="0"/>
+                      </a:endParaRPr>
+                    </a:p>
+                  </a:txBody>
+                  <a:tcPr marL="46001" marR="46001" marT="46001" marB="46001"/>
+                </a:tc>
+                <a:extLst>
+                  <a:ext uri="{0D108BD9-81ED-4DB2-BD59-A6C34878D82A}">
+                    <a16:rowId xmlns:a16="http://schemas.microsoft.com/office/drawing/2014/main" val="2901793774"/>
+                  </a:ext>
+                </a:extLst>
+              </a:tr>
+              <a:tr h="808467">
+                <a:tc>
+                  <a:txBody>
+                    <a:bodyPr/>
+                    <a:lstStyle/>
+                    <a:p>
+                      <a:pPr algn="ctr">
+                        <a:lnSpc>
+                          <a:spcPct val="115000"/>
+                        </a:lnSpc>
+                      </a:pPr>
+                      <a:r>
+                        <a:rPr lang="it-IT" sz="900">
+                          <a:effectLst/>
+                        </a:rPr>
+                        <a:t>Lunghezza (is)                              </a:t>
+                      </a:r>
+                      <a:endParaRPr lang="it-IT" sz="800">
+                        <a:effectLst/>
+                        <a:latin typeface="Arial" panose="020B0604020202020204" pitchFamily="34" charset="0"/>
+                        <a:ea typeface="Arial" panose="020B0604020202020204" pitchFamily="34" charset="0"/>
+                      </a:endParaRPr>
+                    </a:p>
+                  </a:txBody>
+                  <a:tcPr marL="46001" marR="46001" marT="46001" marB="46001"/>
+                </a:tc>
+                <a:tc>
+                  <a:txBody>
+                    <a:bodyPr/>
+                    <a:lstStyle/>
+                    <a:p>
+                      <a:pPr>
+                        <a:lnSpc>
+                          <a:spcPct val="115000"/>
+                        </a:lnSpc>
+                      </a:pPr>
+                      <a:r>
+                        <a:rPr lang="it-IT" sz="900" dirty="0">
+                          <a:effectLst/>
+                        </a:rPr>
+                        <a:t>1: lunghezza == 0 [ errore ]</a:t>
+                      </a:r>
+                      <a:endParaRPr lang="it-IT" sz="800" dirty="0">
+                        <a:effectLst/>
+                      </a:endParaRPr>
+                    </a:p>
+                    <a:p>
+                      <a:pPr>
+                        <a:lnSpc>
+                          <a:spcPct val="115000"/>
+                        </a:lnSpc>
+                      </a:pPr>
+                      <a:r>
+                        <a:rPr lang="it-IT" sz="900" dirty="0">
+                          <a:effectLst/>
+                        </a:rPr>
+                        <a:t> </a:t>
+                      </a:r>
+                      <a:endParaRPr lang="it-IT" sz="800" dirty="0">
+                        <a:effectLst/>
+                      </a:endParaRPr>
+                    </a:p>
+                    <a:p>
+                      <a:pPr>
+                        <a:lnSpc>
+                          <a:spcPct val="115000"/>
+                        </a:lnSpc>
+                      </a:pPr>
+                      <a:r>
+                        <a:rPr lang="it-IT" sz="900" dirty="0">
+                          <a:effectLst/>
+                        </a:rPr>
+                        <a:t>2: lunghezza == 13                                                                 [</a:t>
+                      </a:r>
+                      <a:r>
+                        <a:rPr lang="it-IT" sz="900" dirty="0" err="1">
+                          <a:effectLst/>
+                        </a:rPr>
+                        <a:t>property</a:t>
+                      </a:r>
+                      <a:r>
+                        <a:rPr lang="it-IT" sz="900" dirty="0">
+                          <a:effectLst/>
+                        </a:rPr>
+                        <a:t>  </a:t>
+                      </a:r>
+                      <a:r>
+                        <a:rPr lang="it-IT" sz="900" dirty="0" err="1">
+                          <a:effectLst/>
+                        </a:rPr>
+                        <a:t>lunghezzaISok</a:t>
+                      </a:r>
+                      <a:r>
+                        <a:rPr lang="it-IT" sz="900" dirty="0">
+                          <a:effectLst/>
+                        </a:rPr>
+                        <a:t>]</a:t>
+                      </a:r>
+                      <a:endParaRPr lang="it-IT" sz="800" dirty="0">
+                        <a:effectLst/>
+                      </a:endParaRPr>
+                    </a:p>
+                    <a:p>
+                      <a:pPr>
+                        <a:lnSpc>
+                          <a:spcPct val="115000"/>
+                        </a:lnSpc>
+                      </a:pPr>
+                      <a:r>
+                        <a:rPr lang="it-IT" sz="900" dirty="0">
+                          <a:effectLst/>
+                        </a:rPr>
+                        <a:t> </a:t>
+                      </a:r>
+                      <a:endParaRPr lang="it-IT" sz="800" dirty="0">
+                        <a:effectLst/>
+                      </a:endParaRPr>
+                    </a:p>
+                    <a:p>
+                      <a:pPr>
+                        <a:lnSpc>
+                          <a:spcPct val="115000"/>
+                        </a:lnSpc>
+                      </a:pPr>
+                      <a:r>
+                        <a:rPr lang="it-IT" sz="900" dirty="0">
+                          <a:effectLst/>
+                        </a:rPr>
+                        <a:t> 3: lunghezza &gt; 13 [errore]</a:t>
+                      </a:r>
+                      <a:endParaRPr lang="it-IT" sz="800" dirty="0">
+                        <a:effectLst/>
+                        <a:latin typeface="Arial" panose="020B0604020202020204" pitchFamily="34" charset="0"/>
+                        <a:ea typeface="Arial" panose="020B0604020202020204" pitchFamily="34" charset="0"/>
+                      </a:endParaRPr>
+                    </a:p>
+                  </a:txBody>
+                  <a:tcPr marL="46001" marR="46001" marT="46001" marB="46001"/>
+                </a:tc>
+                <a:extLst>
+                  <a:ext uri="{0D108BD9-81ED-4DB2-BD59-A6C34878D82A}">
+                    <a16:rowId xmlns:a16="http://schemas.microsoft.com/office/drawing/2014/main" val="334956960"/>
+                  </a:ext>
+                </a:extLst>
+              </a:tr>
+              <a:tr h="782548">
+                <a:tc>
+                  <a:txBody>
+                    <a:bodyPr/>
+                    <a:lstStyle/>
+                    <a:p>
+                      <a:pPr algn="ctr">
+                        <a:lnSpc>
+                          <a:spcPct val="115000"/>
+                        </a:lnSpc>
+                      </a:pPr>
+                      <a:r>
+                        <a:rPr lang="it-IT" sz="900">
+                          <a:effectLst/>
+                        </a:rPr>
+                        <a:t>Formato (bn)                                                                                                                       </a:t>
+                      </a:r>
+                      <a:endParaRPr lang="it-IT" sz="800">
+                        <a:effectLst/>
+                        <a:latin typeface="Arial" panose="020B0604020202020204" pitchFamily="34" charset="0"/>
+                        <a:ea typeface="Arial" panose="020B0604020202020204" pitchFamily="34" charset="0"/>
+                      </a:endParaRPr>
+                    </a:p>
+                  </a:txBody>
+                  <a:tcPr marL="46001" marR="46001" marT="46001" marB="46001"/>
+                </a:tc>
+                <a:tc>
+                  <a:txBody>
+                    <a:bodyPr/>
+                    <a:lstStyle/>
+                    <a:p>
+                      <a:pPr>
+                        <a:lnSpc>
+                          <a:spcPct val="115000"/>
+                        </a:lnSpc>
+                      </a:pPr>
+                      <a:r>
+                        <a:rPr lang="it-IT" sz="900">
+                          <a:effectLst/>
+                        </a:rPr>
+                        <a:t> 1: rispetta il formato [ if lunghezzaISok]                                                               [property formatoBNok ]</a:t>
+                      </a:r>
+                      <a:endParaRPr lang="it-IT" sz="800">
+                        <a:effectLst/>
+                      </a:endParaRPr>
+                    </a:p>
+                    <a:p>
+                      <a:pPr>
+                        <a:lnSpc>
+                          <a:spcPct val="115000"/>
+                        </a:lnSpc>
+                      </a:pPr>
+                      <a:r>
+                        <a:rPr lang="it-IT" sz="900">
+                          <a:effectLst/>
+                        </a:rPr>
+                        <a:t>                                                             </a:t>
+                      </a:r>
+                      <a:endParaRPr lang="it-IT" sz="800">
+                        <a:effectLst/>
+                      </a:endParaRPr>
+                    </a:p>
+                    <a:p>
+                      <a:pPr>
+                        <a:lnSpc>
+                          <a:spcPct val="115000"/>
+                        </a:lnSpc>
+                      </a:pPr>
+                      <a:r>
+                        <a:rPr lang="it-IT" sz="900">
+                          <a:effectLst/>
+                        </a:rPr>
+                        <a:t>2: non rispetta il formato [ if                                                                               lunghezzaISok] [ errore ]  </a:t>
+                      </a:r>
+                      <a:endParaRPr lang="it-IT" sz="800">
+                        <a:effectLst/>
+                        <a:latin typeface="Arial" panose="020B0604020202020204" pitchFamily="34" charset="0"/>
+                        <a:ea typeface="Arial" panose="020B0604020202020204" pitchFamily="34" charset="0"/>
+                      </a:endParaRPr>
+                    </a:p>
+                  </a:txBody>
+                  <a:tcPr marL="46001" marR="46001" marT="46001" marB="46001"/>
+                </a:tc>
+                <a:extLst>
+                  <a:ext uri="{0D108BD9-81ED-4DB2-BD59-A6C34878D82A}">
+                    <a16:rowId xmlns:a16="http://schemas.microsoft.com/office/drawing/2014/main" val="1706146953"/>
+                  </a:ext>
+                </a:extLst>
+              </a:tr>
+              <a:tr h="782548">
+                <a:tc>
+                  <a:txBody>
+                    <a:bodyPr/>
+                    <a:lstStyle/>
+                    <a:p>
+                      <a:pPr algn="ctr">
+                        <a:lnSpc>
+                          <a:spcPct val="115000"/>
+                        </a:lnSpc>
+                      </a:pPr>
+                      <a:r>
+                        <a:rPr lang="it-IT" sz="900" dirty="0">
+                          <a:effectLst/>
+                        </a:rPr>
+                        <a:t>Esiste (IB)</a:t>
+                      </a:r>
+                      <a:endParaRPr lang="it-IT" sz="800" dirty="0">
+                        <a:effectLst/>
+                        <a:latin typeface="Arial" panose="020B0604020202020204" pitchFamily="34" charset="0"/>
+                        <a:ea typeface="Arial" panose="020B0604020202020204" pitchFamily="34" charset="0"/>
+                      </a:endParaRPr>
+                    </a:p>
+                  </a:txBody>
+                  <a:tcPr marL="46001" marR="46001" marT="46001" marB="46001"/>
+                </a:tc>
+                <a:tc>
+                  <a:txBody>
+                    <a:bodyPr/>
+                    <a:lstStyle/>
+                    <a:p>
+                      <a:pPr>
+                        <a:lnSpc>
+                          <a:spcPct val="115000"/>
+                        </a:lnSpc>
+                      </a:pPr>
+                      <a:r>
+                        <a:rPr lang="it-IT" sz="900" dirty="0">
+                          <a:effectLst/>
+                        </a:rPr>
+                        <a:t>1.esiste nel </a:t>
+                      </a:r>
+                      <a:r>
+                        <a:rPr lang="it-IT" sz="900" dirty="0" err="1">
+                          <a:effectLst/>
+                        </a:rPr>
+                        <a:t>db</a:t>
+                      </a:r>
+                      <a:r>
+                        <a:rPr lang="it-IT" sz="900" dirty="0">
+                          <a:effectLst/>
+                        </a:rPr>
+                        <a:t> [</a:t>
+                      </a:r>
+                      <a:r>
+                        <a:rPr lang="it-IT" sz="900" dirty="0" err="1">
+                          <a:effectLst/>
+                        </a:rPr>
+                        <a:t>if</a:t>
+                      </a:r>
+                      <a:r>
+                        <a:rPr lang="it-IT" sz="900" dirty="0">
+                          <a:effectLst/>
+                        </a:rPr>
+                        <a:t> </a:t>
+                      </a:r>
+                      <a:r>
+                        <a:rPr lang="it-IT" sz="900" dirty="0" err="1">
+                          <a:effectLst/>
+                        </a:rPr>
+                        <a:t>lunghezzaISok</a:t>
+                      </a:r>
+                      <a:r>
+                        <a:rPr lang="it-IT" sz="900" dirty="0">
+                          <a:effectLst/>
+                        </a:rPr>
+                        <a:t> and                                                         </a:t>
+                      </a:r>
+                      <a:r>
+                        <a:rPr lang="it-IT" sz="900" dirty="0" err="1">
+                          <a:effectLst/>
+                        </a:rPr>
+                        <a:t>formatoBNok</a:t>
+                      </a:r>
+                      <a:r>
+                        <a:rPr lang="it-IT" sz="900" dirty="0">
+                          <a:effectLst/>
+                        </a:rPr>
+                        <a:t>] [errore] </a:t>
+                      </a:r>
+                      <a:endParaRPr lang="it-IT" sz="800" dirty="0">
+                        <a:effectLst/>
+                      </a:endParaRPr>
+                    </a:p>
+                    <a:p>
+                      <a:pPr>
+                        <a:lnSpc>
+                          <a:spcPct val="115000"/>
+                        </a:lnSpc>
+                      </a:pPr>
+                      <a:r>
+                        <a:rPr lang="it-IT" sz="900" dirty="0">
+                          <a:effectLst/>
+                        </a:rPr>
+                        <a:t> </a:t>
+                      </a:r>
+                      <a:endParaRPr lang="it-IT" sz="800" dirty="0">
+                        <a:effectLst/>
+                      </a:endParaRPr>
+                    </a:p>
+                    <a:p>
+                      <a:pPr>
+                        <a:lnSpc>
+                          <a:spcPct val="115000"/>
+                        </a:lnSpc>
+                      </a:pPr>
+                      <a:r>
+                        <a:rPr lang="it-IT" sz="900" dirty="0">
+                          <a:effectLst/>
+                        </a:rPr>
+                        <a:t> 2.non esiste nel </a:t>
+                      </a:r>
+                      <a:r>
+                        <a:rPr lang="it-IT" sz="900" dirty="0" err="1">
+                          <a:effectLst/>
+                        </a:rPr>
+                        <a:t>db</a:t>
+                      </a:r>
+                      <a:r>
+                        <a:rPr lang="it-IT" sz="900" dirty="0">
+                          <a:effectLst/>
+                        </a:rPr>
+                        <a:t> [</a:t>
+                      </a:r>
+                      <a:r>
+                        <a:rPr lang="it-IT" sz="900" dirty="0" err="1">
+                          <a:effectLst/>
+                        </a:rPr>
+                        <a:t>if</a:t>
+                      </a:r>
+                      <a:r>
+                        <a:rPr lang="it-IT" sz="900" dirty="0">
+                          <a:effectLst/>
+                        </a:rPr>
+                        <a:t> </a:t>
+                      </a:r>
+                      <a:r>
+                        <a:rPr lang="it-IT" sz="900" dirty="0" err="1">
+                          <a:effectLst/>
+                        </a:rPr>
+                        <a:t>lunghezzaISok</a:t>
+                      </a:r>
+                      <a:r>
+                        <a:rPr lang="it-IT" sz="900" dirty="0">
+                          <a:effectLst/>
+                        </a:rPr>
+                        <a:t> and </a:t>
+                      </a:r>
+                      <a:r>
+                        <a:rPr lang="it-IT" sz="900" dirty="0" err="1">
+                          <a:effectLst/>
+                        </a:rPr>
+                        <a:t>formatoBNok</a:t>
+                      </a:r>
+                      <a:r>
+                        <a:rPr lang="it-IT" sz="900" dirty="0">
+                          <a:effectLst/>
+                        </a:rPr>
+                        <a:t>] [</a:t>
+                      </a:r>
+                      <a:r>
+                        <a:rPr lang="it-IT" sz="900" dirty="0" err="1">
+                          <a:effectLst/>
+                        </a:rPr>
+                        <a:t>property</a:t>
+                      </a:r>
+                      <a:r>
+                        <a:rPr lang="it-IT" sz="900" dirty="0">
+                          <a:effectLst/>
+                        </a:rPr>
+                        <a:t> </a:t>
+                      </a:r>
+                      <a:r>
+                        <a:rPr lang="it-IT" sz="900" dirty="0" err="1">
+                          <a:effectLst/>
+                        </a:rPr>
+                        <a:t>esisteIBok</a:t>
+                      </a:r>
+                      <a:r>
+                        <a:rPr lang="it-IT" sz="900" dirty="0">
+                          <a:effectLst/>
+                        </a:rPr>
+                        <a:t>]</a:t>
+                      </a:r>
+                      <a:endParaRPr lang="it-IT" sz="800" dirty="0">
+                        <a:effectLst/>
+                        <a:latin typeface="Arial" panose="020B0604020202020204" pitchFamily="34" charset="0"/>
+                        <a:ea typeface="Arial" panose="020B0604020202020204" pitchFamily="34" charset="0"/>
+                      </a:endParaRPr>
+                    </a:p>
+                  </a:txBody>
+                  <a:tcPr marL="46001" marR="46001" marT="46001" marB="46001"/>
+                </a:tc>
+                <a:extLst>
+                  <a:ext uri="{0D108BD9-81ED-4DB2-BD59-A6C34878D82A}">
+                    <a16:rowId xmlns:a16="http://schemas.microsoft.com/office/drawing/2014/main" val="1682164001"/>
+                  </a:ext>
+                </a:extLst>
+              </a:tr>
+            </a:tbl>
+          </a:graphicData>
+        </a:graphic>
+      </p:graphicFrame>
+      <p:graphicFrame>
+        <p:nvGraphicFramePr>
+          <p:cNvPr id="5" name="Tabella 4">
+            <a:extLst>
+              <a:ext uri="{FF2B5EF4-FFF2-40B4-BE49-F238E27FC236}">
+                <a16:creationId xmlns:a16="http://schemas.microsoft.com/office/drawing/2014/main" id="{C699CF57-A946-4F2C-9651-760EC774CA72}"/>
+              </a:ext>
+            </a:extLst>
+          </p:cNvPr>
+          <p:cNvGraphicFramePr>
+            <a:graphicFrameLocks noGrp="1"/>
+          </p:cNvGraphicFramePr>
+          <p:nvPr>
+            <p:extLst>
+              <p:ext uri="{D42A27DB-BD31-4B8C-83A1-F6EECF244321}">
+                <p14:modId xmlns:p14="http://schemas.microsoft.com/office/powerpoint/2010/main" val="543351525"/>
+              </p:ext>
+            </p:extLst>
+          </p:nvPr>
+        </p:nvGraphicFramePr>
+        <p:xfrm>
+          <a:off x="5533897" y="754600"/>
+          <a:ext cx="5810250" cy="2871832"/>
+        </p:xfrm>
+        <a:graphic>
+          <a:graphicData uri="http://schemas.openxmlformats.org/drawingml/2006/table">
+            <a:tbl>
+              <a:tblPr>
+                <a:tableStyleId>{5C22544A-7EE6-4342-B048-85BDC9FD1C3A}</a:tableStyleId>
+              </a:tblPr>
+              <a:tblGrid>
+                <a:gridCol w="2969838">
+                  <a:extLst>
+                    <a:ext uri="{9D8B030D-6E8A-4147-A177-3AD203B41FA5}">
+                      <a16:colId xmlns:a16="http://schemas.microsoft.com/office/drawing/2014/main" val="1580887199"/>
+                    </a:ext>
+                  </a:extLst>
+                </a:gridCol>
+                <a:gridCol w="2840412">
+                  <a:extLst>
+                    <a:ext uri="{9D8B030D-6E8A-4147-A177-3AD203B41FA5}">
+                      <a16:colId xmlns:a16="http://schemas.microsoft.com/office/drawing/2014/main" val="437266222"/>
+                    </a:ext>
+                  </a:extLst>
+                </a:gridCol>
+              </a:tblGrid>
+              <a:tr h="425938">
+                <a:tc gridSpan="2">
+                  <a:txBody>
+                    <a:bodyPr/>
+                    <a:lstStyle/>
+                    <a:p>
+                      <a:pPr>
+                        <a:lnSpc>
+                          <a:spcPct val="115000"/>
+                        </a:lnSpc>
+                      </a:pPr>
+                      <a:r>
+                        <a:rPr lang="it-IT" sz="1100" dirty="0">
+                          <a:effectLst/>
+                        </a:rPr>
+                        <a:t>                                         Parametro: Titolo</a:t>
+                      </a:r>
+                      <a:endParaRPr lang="it-IT" sz="1000" dirty="0">
+                        <a:effectLst/>
+                      </a:endParaRPr>
+                    </a:p>
+                    <a:p>
+                      <a:pPr>
+                        <a:lnSpc>
+                          <a:spcPct val="115000"/>
+                        </a:lnSpc>
+                      </a:pPr>
+                      <a:r>
+                        <a:rPr lang="it-IT" sz="1100" dirty="0">
+                          <a:effectLst/>
+                        </a:rPr>
+                        <a:t>                                         Formato: [ 0-9 A-Z </a:t>
+                      </a:r>
+                      <a:r>
+                        <a:rPr lang="it-IT" sz="1100" dirty="0" err="1">
+                          <a:effectLst/>
+                        </a:rPr>
+                        <a:t>a-z</a:t>
+                      </a:r>
+                      <a:r>
+                        <a:rPr lang="it-IT" sz="1100" dirty="0">
+                          <a:effectLst/>
+                        </a:rPr>
+                        <a:t> ]</a:t>
+                      </a:r>
+                      <a:endParaRPr lang="it-IT" sz="1000" dirty="0">
+                        <a:effectLst/>
+                        <a:latin typeface="Arial" panose="020B0604020202020204" pitchFamily="34" charset="0"/>
+                        <a:ea typeface="Arial" panose="020B0604020202020204" pitchFamily="34" charset="0"/>
+                      </a:endParaRPr>
+                    </a:p>
+                  </a:txBody>
+                  <a:tcPr marL="82513" marR="82513" marT="41256" marB="41256"/>
+                </a:tc>
+                <a:tc hMerge="1">
+                  <a:txBody>
+                    <a:bodyPr/>
+                    <a:lstStyle/>
+                    <a:p>
+                      <a:endParaRPr lang="it-IT"/>
+                    </a:p>
+                  </a:txBody>
+                  <a:tcPr/>
+                </a:tc>
+                <a:extLst>
+                  <a:ext uri="{0D108BD9-81ED-4DB2-BD59-A6C34878D82A}">
+                    <a16:rowId xmlns:a16="http://schemas.microsoft.com/office/drawing/2014/main" val="564407058"/>
+                  </a:ext>
+                </a:extLst>
+              </a:tr>
+              <a:tr h="289426">
+                <a:tc>
+                  <a:txBody>
+                    <a:bodyPr/>
+                    <a:lstStyle/>
+                    <a:p>
+                      <a:pPr algn="ctr">
+                        <a:lnSpc>
+                          <a:spcPct val="115000"/>
+                        </a:lnSpc>
+                      </a:pPr>
+                      <a:r>
+                        <a:rPr lang="it-IT" sz="1100">
+                          <a:effectLst/>
+                        </a:rPr>
+                        <a:t>categorie                                                     </a:t>
+                      </a:r>
+                      <a:endParaRPr lang="it-IT" sz="1000">
+                        <a:effectLst/>
+                        <a:latin typeface="Arial" panose="020B0604020202020204" pitchFamily="34" charset="0"/>
+                        <a:ea typeface="Arial" panose="020B0604020202020204" pitchFamily="34" charset="0"/>
+                      </a:endParaRPr>
+                    </a:p>
+                  </a:txBody>
+                  <a:tcPr marL="57301" marR="57301" marT="57301" marB="57301"/>
+                </a:tc>
+                <a:tc>
+                  <a:txBody>
+                    <a:bodyPr/>
+                    <a:lstStyle/>
+                    <a:p>
+                      <a:pPr algn="ctr">
+                        <a:lnSpc>
+                          <a:spcPct val="115000"/>
+                        </a:lnSpc>
+                      </a:pPr>
+                      <a:r>
+                        <a:rPr lang="it-IT" sz="1100">
+                          <a:effectLst/>
+                        </a:rPr>
+                        <a:t>scelte</a:t>
+                      </a:r>
+                      <a:endParaRPr lang="it-IT" sz="1000">
+                        <a:effectLst/>
+                        <a:latin typeface="Arial" panose="020B0604020202020204" pitchFamily="34" charset="0"/>
+                        <a:ea typeface="Arial" panose="020B0604020202020204" pitchFamily="34" charset="0"/>
+                      </a:endParaRPr>
+                    </a:p>
+                  </a:txBody>
+                  <a:tcPr marL="57301" marR="57301" marT="57301" marB="57301"/>
+                </a:tc>
+                <a:extLst>
+                  <a:ext uri="{0D108BD9-81ED-4DB2-BD59-A6C34878D82A}">
+                    <a16:rowId xmlns:a16="http://schemas.microsoft.com/office/drawing/2014/main" val="1868542221"/>
+                  </a:ext>
+                </a:extLst>
+              </a:tr>
+              <a:tr h="1048545">
+                <a:tc>
+                  <a:txBody>
+                    <a:bodyPr/>
+                    <a:lstStyle/>
+                    <a:p>
+                      <a:pPr algn="ctr">
+                        <a:lnSpc>
+                          <a:spcPct val="115000"/>
+                        </a:lnSpc>
+                      </a:pPr>
+                      <a:r>
+                        <a:rPr lang="it-IT" sz="1100">
+                          <a:effectLst/>
+                        </a:rPr>
+                        <a:t>Lunghezza (ti)                                                     </a:t>
+                      </a:r>
+                      <a:endParaRPr lang="it-IT" sz="1000">
+                        <a:effectLst/>
+                        <a:latin typeface="Arial" panose="020B0604020202020204" pitchFamily="34" charset="0"/>
+                        <a:ea typeface="Arial" panose="020B0604020202020204" pitchFamily="34" charset="0"/>
+                      </a:endParaRPr>
+                    </a:p>
+                  </a:txBody>
+                  <a:tcPr marL="57301" marR="57301" marT="57301" marB="57301"/>
+                </a:tc>
+                <a:tc>
+                  <a:txBody>
+                    <a:bodyPr/>
+                    <a:lstStyle/>
+                    <a:p>
+                      <a:pPr>
+                        <a:lnSpc>
+                          <a:spcPct val="115000"/>
+                        </a:lnSpc>
+                      </a:pPr>
+                      <a:r>
+                        <a:rPr lang="it-IT" sz="1100" dirty="0">
+                          <a:effectLst/>
+                        </a:rPr>
+                        <a:t>1: lunghezza == 0 [ errore]</a:t>
+                      </a:r>
+                      <a:endParaRPr lang="it-IT" sz="1000" dirty="0">
+                        <a:effectLst/>
+                      </a:endParaRPr>
+                    </a:p>
+                    <a:p>
+                      <a:pPr>
+                        <a:lnSpc>
+                          <a:spcPct val="115000"/>
+                        </a:lnSpc>
+                      </a:pPr>
+                      <a:r>
+                        <a:rPr lang="it-IT" sz="1100" dirty="0">
+                          <a:effectLst/>
+                        </a:rPr>
+                        <a:t> </a:t>
+                      </a:r>
+                      <a:endParaRPr lang="it-IT" sz="1000" dirty="0">
+                        <a:effectLst/>
+                      </a:endParaRPr>
+                    </a:p>
+                    <a:p>
+                      <a:pPr>
+                        <a:lnSpc>
+                          <a:spcPct val="115000"/>
+                        </a:lnSpc>
+                      </a:pPr>
+                      <a:r>
+                        <a:rPr lang="it-IT" sz="1100" dirty="0">
+                          <a:effectLst/>
+                        </a:rPr>
+                        <a:t>2: lunghezza &gt;= 1                                                                   [</a:t>
+                      </a:r>
+                      <a:r>
+                        <a:rPr lang="it-IT" sz="1100" dirty="0" err="1">
+                          <a:effectLst/>
+                        </a:rPr>
+                        <a:t>property</a:t>
+                      </a:r>
+                      <a:r>
+                        <a:rPr lang="it-IT" sz="1100" dirty="0">
+                          <a:effectLst/>
+                        </a:rPr>
+                        <a:t>  </a:t>
+                      </a:r>
+                      <a:r>
+                        <a:rPr lang="it-IT" sz="1100" dirty="0" err="1">
+                          <a:effectLst/>
+                        </a:rPr>
+                        <a:t>lunghezzaTIok</a:t>
+                      </a:r>
+                      <a:r>
+                        <a:rPr lang="it-IT" sz="1100" dirty="0">
+                          <a:effectLst/>
+                        </a:rPr>
+                        <a:t>]</a:t>
+                      </a:r>
+                      <a:endParaRPr lang="it-IT" sz="1000" dirty="0">
+                        <a:effectLst/>
+                      </a:endParaRPr>
+                    </a:p>
+                    <a:p>
+                      <a:pPr>
+                        <a:lnSpc>
+                          <a:spcPct val="115000"/>
+                        </a:lnSpc>
+                      </a:pPr>
+                      <a:r>
+                        <a:rPr lang="it-IT" sz="1100" dirty="0">
+                          <a:effectLst/>
+                        </a:rPr>
+                        <a:t> </a:t>
+                      </a:r>
+                      <a:endParaRPr lang="it-IT" sz="1000" dirty="0">
+                        <a:effectLst/>
+                        <a:latin typeface="Arial" panose="020B0604020202020204" pitchFamily="34" charset="0"/>
+                        <a:ea typeface="Arial" panose="020B0604020202020204" pitchFamily="34" charset="0"/>
+                      </a:endParaRPr>
+                    </a:p>
+                  </a:txBody>
+                  <a:tcPr marL="57301" marR="57301" marT="57301" marB="57301"/>
+                </a:tc>
+                <a:extLst>
+                  <a:ext uri="{0D108BD9-81ED-4DB2-BD59-A6C34878D82A}">
+                    <a16:rowId xmlns:a16="http://schemas.microsoft.com/office/drawing/2014/main" val="2993809815"/>
+                  </a:ext>
+                </a:extLst>
+              </a:tr>
+              <a:tr h="1048545">
+                <a:tc>
+                  <a:txBody>
+                    <a:bodyPr/>
+                    <a:lstStyle/>
+                    <a:p>
+                      <a:pPr algn="ctr">
+                        <a:lnSpc>
+                          <a:spcPct val="115000"/>
+                        </a:lnSpc>
+                      </a:pPr>
+                      <a:r>
+                        <a:rPr lang="it-IT" sz="1100">
+                          <a:effectLst/>
+                        </a:rPr>
+                        <a:t>Formato (to)</a:t>
+                      </a:r>
+                      <a:endParaRPr lang="it-IT" sz="1000">
+                        <a:effectLst/>
+                        <a:latin typeface="Arial" panose="020B0604020202020204" pitchFamily="34" charset="0"/>
+                        <a:ea typeface="Arial" panose="020B0604020202020204" pitchFamily="34" charset="0"/>
+                      </a:endParaRPr>
+                    </a:p>
+                  </a:txBody>
+                  <a:tcPr marL="57301" marR="57301" marT="57301" marB="57301"/>
+                </a:tc>
+                <a:tc>
+                  <a:txBody>
+                    <a:bodyPr/>
+                    <a:lstStyle/>
+                    <a:p>
+                      <a:pPr>
+                        <a:lnSpc>
+                          <a:spcPct val="115000"/>
+                        </a:lnSpc>
+                      </a:pPr>
+                      <a:r>
+                        <a:rPr lang="it-IT" sz="1100" dirty="0">
+                          <a:effectLst/>
+                        </a:rPr>
+                        <a:t> 1: rispetta il formato [ </a:t>
+                      </a:r>
+                      <a:r>
+                        <a:rPr lang="it-IT" sz="1100" dirty="0" err="1">
+                          <a:effectLst/>
+                        </a:rPr>
+                        <a:t>if</a:t>
+                      </a:r>
+                      <a:r>
+                        <a:rPr lang="it-IT" sz="1100" dirty="0">
+                          <a:effectLst/>
+                        </a:rPr>
+                        <a:t> </a:t>
+                      </a:r>
+                      <a:r>
+                        <a:rPr lang="it-IT" sz="1100" dirty="0" err="1">
+                          <a:effectLst/>
+                        </a:rPr>
+                        <a:t>lunghezzaTIok</a:t>
+                      </a:r>
+                      <a:r>
+                        <a:rPr lang="it-IT" sz="1100" dirty="0">
+                          <a:effectLst/>
+                        </a:rPr>
+                        <a:t>]                                                               [</a:t>
+                      </a:r>
+                      <a:r>
+                        <a:rPr lang="it-IT" sz="1100" dirty="0" err="1">
+                          <a:effectLst/>
+                        </a:rPr>
+                        <a:t>property</a:t>
+                      </a:r>
+                      <a:r>
+                        <a:rPr lang="it-IT" sz="1100" dirty="0">
+                          <a:effectLst/>
+                        </a:rPr>
+                        <a:t> </a:t>
+                      </a:r>
+                      <a:r>
+                        <a:rPr lang="it-IT" sz="1100" dirty="0" err="1">
+                          <a:effectLst/>
+                        </a:rPr>
+                        <a:t>formatoTOok</a:t>
+                      </a:r>
+                      <a:r>
+                        <a:rPr lang="it-IT" sz="1100" dirty="0">
+                          <a:effectLst/>
+                        </a:rPr>
+                        <a:t> ]</a:t>
+                      </a:r>
+                      <a:endParaRPr lang="it-IT" sz="1000" dirty="0">
+                        <a:effectLst/>
+                      </a:endParaRPr>
+                    </a:p>
+                    <a:p>
+                      <a:pPr>
+                        <a:lnSpc>
+                          <a:spcPct val="115000"/>
+                        </a:lnSpc>
+                      </a:pPr>
+                      <a:r>
+                        <a:rPr lang="it-IT" sz="1100" dirty="0">
+                          <a:effectLst/>
+                        </a:rPr>
+                        <a:t>                                                             </a:t>
+                      </a:r>
+                      <a:endParaRPr lang="it-IT" sz="1000" dirty="0">
+                        <a:effectLst/>
+                      </a:endParaRPr>
+                    </a:p>
+                    <a:p>
+                      <a:pPr>
+                        <a:lnSpc>
+                          <a:spcPct val="115000"/>
+                        </a:lnSpc>
+                      </a:pPr>
+                      <a:r>
+                        <a:rPr lang="it-IT" sz="1100" dirty="0">
+                          <a:effectLst/>
+                        </a:rPr>
+                        <a:t>2: non rispetta il formato [ </a:t>
+                      </a:r>
+                      <a:r>
+                        <a:rPr lang="it-IT" sz="1100" dirty="0" err="1">
+                          <a:effectLst/>
+                        </a:rPr>
+                        <a:t>if</a:t>
+                      </a:r>
+                      <a:r>
+                        <a:rPr lang="it-IT" sz="1100" dirty="0">
+                          <a:effectLst/>
+                        </a:rPr>
+                        <a:t>                                                                               </a:t>
+                      </a:r>
+                      <a:r>
+                        <a:rPr lang="it-IT" sz="1100" dirty="0" err="1">
+                          <a:effectLst/>
+                        </a:rPr>
+                        <a:t>lunghezzaTIok</a:t>
+                      </a:r>
+                      <a:r>
+                        <a:rPr lang="it-IT" sz="1100" dirty="0">
+                          <a:effectLst/>
+                        </a:rPr>
+                        <a:t>] [ errore ]  </a:t>
+                      </a:r>
+                      <a:endParaRPr lang="it-IT" sz="1000" dirty="0">
+                        <a:effectLst/>
+                        <a:latin typeface="Arial" panose="020B0604020202020204" pitchFamily="34" charset="0"/>
+                        <a:ea typeface="Arial" panose="020B0604020202020204" pitchFamily="34" charset="0"/>
+                      </a:endParaRPr>
+                    </a:p>
+                  </a:txBody>
+                  <a:tcPr marL="57301" marR="57301" marT="57301" marB="57301"/>
+                </a:tc>
+                <a:extLst>
+                  <a:ext uri="{0D108BD9-81ED-4DB2-BD59-A6C34878D82A}">
+                    <a16:rowId xmlns:a16="http://schemas.microsoft.com/office/drawing/2014/main" val="3371494339"/>
+                  </a:ext>
+                </a:extLst>
+              </a:tr>
+            </a:tbl>
+          </a:graphicData>
+        </a:graphic>
+      </p:graphicFrame>
+      <p:graphicFrame>
+        <p:nvGraphicFramePr>
+          <p:cNvPr id="6" name="Tabella 5">
+            <a:extLst>
+              <a:ext uri="{FF2B5EF4-FFF2-40B4-BE49-F238E27FC236}">
+                <a16:creationId xmlns:a16="http://schemas.microsoft.com/office/drawing/2014/main" id="{C8FCACC0-F0F5-4C3B-B2B7-3CD10FE817C4}"/>
+              </a:ext>
+            </a:extLst>
+          </p:cNvPr>
+          <p:cNvGraphicFramePr>
+            <a:graphicFrameLocks noGrp="1"/>
+          </p:cNvGraphicFramePr>
+          <p:nvPr>
+            <p:extLst>
+              <p:ext uri="{D42A27DB-BD31-4B8C-83A1-F6EECF244321}">
+                <p14:modId xmlns:p14="http://schemas.microsoft.com/office/powerpoint/2010/main" val="1293175772"/>
+              </p:ext>
+            </p:extLst>
+          </p:nvPr>
+        </p:nvGraphicFramePr>
+        <p:xfrm>
+          <a:off x="1165826" y="4341182"/>
+          <a:ext cx="4209085" cy="2400776"/>
+        </p:xfrm>
+        <a:graphic>
+          <a:graphicData uri="http://schemas.openxmlformats.org/drawingml/2006/table">
+            <a:tbl>
+              <a:tblPr>
+                <a:tableStyleId>{5C22544A-7EE6-4342-B048-85BDC9FD1C3A}</a:tableStyleId>
+              </a:tblPr>
+              <a:tblGrid>
+                <a:gridCol w="2076942">
+                  <a:extLst>
+                    <a:ext uri="{9D8B030D-6E8A-4147-A177-3AD203B41FA5}">
+                      <a16:colId xmlns:a16="http://schemas.microsoft.com/office/drawing/2014/main" val="1554976484"/>
+                    </a:ext>
+                  </a:extLst>
+                </a:gridCol>
+                <a:gridCol w="2132143">
+                  <a:extLst>
+                    <a:ext uri="{9D8B030D-6E8A-4147-A177-3AD203B41FA5}">
+                      <a16:colId xmlns:a16="http://schemas.microsoft.com/office/drawing/2014/main" val="881798473"/>
+                    </a:ext>
+                  </a:extLst>
+                </a:gridCol>
+              </a:tblGrid>
+              <a:tr h="405680">
+                <a:tc gridSpan="2">
+                  <a:txBody>
+                    <a:bodyPr/>
+                    <a:lstStyle/>
+                    <a:p>
+                      <a:pPr>
+                        <a:lnSpc>
+                          <a:spcPct val="115000"/>
+                        </a:lnSpc>
+                      </a:pPr>
+                      <a:r>
+                        <a:rPr lang="it-IT" sz="900" dirty="0">
+                          <a:effectLst/>
+                        </a:rPr>
+                        <a:t>                                         Parametro: Autore</a:t>
+                      </a:r>
+                      <a:endParaRPr lang="it-IT" sz="800" dirty="0">
+                        <a:effectLst/>
+                      </a:endParaRPr>
+                    </a:p>
+                    <a:p>
+                      <a:pPr>
+                        <a:lnSpc>
+                          <a:spcPct val="115000"/>
+                        </a:lnSpc>
+                      </a:pPr>
+                      <a:r>
+                        <a:rPr lang="it-IT" sz="900" dirty="0">
+                          <a:effectLst/>
+                        </a:rPr>
+                        <a:t>                                         Formato: [ A-Z </a:t>
+                      </a:r>
+                      <a:r>
+                        <a:rPr lang="it-IT" sz="900" dirty="0" err="1">
+                          <a:effectLst/>
+                        </a:rPr>
+                        <a:t>a-z</a:t>
+                      </a:r>
+                      <a:r>
+                        <a:rPr lang="it-IT" sz="900" dirty="0">
+                          <a:effectLst/>
+                        </a:rPr>
+                        <a:t> ]</a:t>
+                      </a:r>
+                      <a:endParaRPr lang="it-IT" sz="800" dirty="0">
+                        <a:effectLst/>
+                        <a:latin typeface="Arial" panose="020B0604020202020204" pitchFamily="34" charset="0"/>
+                        <a:ea typeface="Arial" panose="020B0604020202020204" pitchFamily="34" charset="0"/>
+                      </a:endParaRPr>
+                    </a:p>
+                  </a:txBody>
+                  <a:tcPr marL="66241" marR="66241" marT="33121" marB="33121"/>
+                </a:tc>
+                <a:tc hMerge="1">
+                  <a:txBody>
+                    <a:bodyPr/>
+                    <a:lstStyle/>
+                    <a:p>
+                      <a:endParaRPr lang="it-IT"/>
+                    </a:p>
+                  </a:txBody>
+                  <a:tcPr/>
+                </a:tc>
+                <a:extLst>
+                  <a:ext uri="{0D108BD9-81ED-4DB2-BD59-A6C34878D82A}">
+                    <a16:rowId xmlns:a16="http://schemas.microsoft.com/office/drawing/2014/main" val="1310699991"/>
+                  </a:ext>
+                </a:extLst>
+              </a:tr>
+              <a:tr h="260691">
+                <a:tc>
+                  <a:txBody>
+                    <a:bodyPr/>
+                    <a:lstStyle/>
+                    <a:p>
+                      <a:pPr algn="ctr">
+                        <a:lnSpc>
+                          <a:spcPct val="115000"/>
+                        </a:lnSpc>
+                      </a:pPr>
+                      <a:r>
+                        <a:rPr lang="it-IT" sz="900">
+                          <a:effectLst/>
+                        </a:rPr>
+                        <a:t>categorie                                                     </a:t>
+                      </a:r>
+                      <a:endParaRPr lang="it-IT" sz="800">
+                        <a:effectLst/>
+                        <a:latin typeface="Arial" panose="020B0604020202020204" pitchFamily="34" charset="0"/>
+                        <a:ea typeface="Arial" panose="020B0604020202020204" pitchFamily="34" charset="0"/>
+                      </a:endParaRPr>
+                    </a:p>
+                  </a:txBody>
+                  <a:tcPr marL="46001" marR="46001" marT="46001" marB="46001"/>
+                </a:tc>
+                <a:tc>
+                  <a:txBody>
+                    <a:bodyPr/>
+                    <a:lstStyle/>
+                    <a:p>
+                      <a:pPr algn="ctr">
+                        <a:lnSpc>
+                          <a:spcPct val="115000"/>
+                        </a:lnSpc>
+                      </a:pPr>
+                      <a:r>
+                        <a:rPr lang="it-IT" sz="900">
+                          <a:effectLst/>
+                        </a:rPr>
+                        <a:t>scelte</a:t>
+                      </a:r>
+                      <a:endParaRPr lang="it-IT" sz="800">
+                        <a:effectLst/>
+                        <a:latin typeface="Arial" panose="020B0604020202020204" pitchFamily="34" charset="0"/>
+                        <a:ea typeface="Arial" panose="020B0604020202020204" pitchFamily="34" charset="0"/>
+                      </a:endParaRPr>
+                    </a:p>
+                  </a:txBody>
+                  <a:tcPr marL="46001" marR="46001" marT="46001" marB="46001"/>
+                </a:tc>
+                <a:extLst>
+                  <a:ext uri="{0D108BD9-81ED-4DB2-BD59-A6C34878D82A}">
+                    <a16:rowId xmlns:a16="http://schemas.microsoft.com/office/drawing/2014/main" val="3415217713"/>
+                  </a:ext>
+                </a:extLst>
+              </a:tr>
+              <a:tr h="780558">
+                <a:tc>
+                  <a:txBody>
+                    <a:bodyPr/>
+                    <a:lstStyle/>
+                    <a:p>
+                      <a:pPr algn="ctr">
+                        <a:lnSpc>
+                          <a:spcPct val="115000"/>
+                        </a:lnSpc>
+                      </a:pPr>
+                      <a:r>
+                        <a:rPr lang="it-IT" sz="900">
+                          <a:effectLst/>
+                        </a:rPr>
+                        <a:t>Lunghezza (au) </a:t>
+                      </a:r>
+                      <a:endParaRPr lang="it-IT" sz="800">
+                        <a:effectLst/>
+                        <a:latin typeface="Arial" panose="020B0604020202020204" pitchFamily="34" charset="0"/>
+                        <a:ea typeface="Arial" panose="020B0604020202020204" pitchFamily="34" charset="0"/>
+                      </a:endParaRPr>
+                    </a:p>
+                  </a:txBody>
+                  <a:tcPr marL="46001" marR="46001" marT="46001" marB="46001"/>
+                </a:tc>
+                <a:tc>
+                  <a:txBody>
+                    <a:bodyPr/>
+                    <a:lstStyle/>
+                    <a:p>
+                      <a:pPr>
+                        <a:lnSpc>
+                          <a:spcPct val="115000"/>
+                        </a:lnSpc>
+                      </a:pPr>
+                      <a:r>
+                        <a:rPr lang="it-IT" sz="900">
+                          <a:effectLst/>
+                        </a:rPr>
+                        <a:t>1: lunghezza == 0 [ errore]</a:t>
+                      </a:r>
+                      <a:endParaRPr lang="it-IT" sz="800">
+                        <a:effectLst/>
+                      </a:endParaRPr>
+                    </a:p>
+                    <a:p>
+                      <a:pPr>
+                        <a:lnSpc>
+                          <a:spcPct val="115000"/>
+                        </a:lnSpc>
+                      </a:pPr>
+                      <a:r>
+                        <a:rPr lang="it-IT" sz="900">
+                          <a:effectLst/>
+                        </a:rPr>
+                        <a:t> </a:t>
+                      </a:r>
+                      <a:endParaRPr lang="it-IT" sz="800">
+                        <a:effectLst/>
+                      </a:endParaRPr>
+                    </a:p>
+                    <a:p>
+                      <a:pPr>
+                        <a:lnSpc>
+                          <a:spcPct val="115000"/>
+                        </a:lnSpc>
+                      </a:pPr>
+                      <a:r>
+                        <a:rPr lang="it-IT" sz="900">
+                          <a:effectLst/>
+                        </a:rPr>
+                        <a:t>2: lunghezza &gt;= 1                                                                   [property  lunghezzaAUok]</a:t>
+                      </a:r>
+                      <a:endParaRPr lang="it-IT" sz="800">
+                        <a:effectLst/>
+                        <a:latin typeface="Arial" panose="020B0604020202020204" pitchFamily="34" charset="0"/>
+                        <a:ea typeface="Arial" panose="020B0604020202020204" pitchFamily="34" charset="0"/>
+                      </a:endParaRPr>
+                    </a:p>
+                  </a:txBody>
+                  <a:tcPr marL="46001" marR="46001" marT="46001" marB="46001"/>
+                </a:tc>
+                <a:extLst>
+                  <a:ext uri="{0D108BD9-81ED-4DB2-BD59-A6C34878D82A}">
+                    <a16:rowId xmlns:a16="http://schemas.microsoft.com/office/drawing/2014/main" val="1522970184"/>
+                  </a:ext>
+                </a:extLst>
+              </a:tr>
+              <a:tr h="953847">
+                <a:tc>
+                  <a:txBody>
+                    <a:bodyPr/>
+                    <a:lstStyle/>
+                    <a:p>
+                      <a:pPr algn="ctr">
+                        <a:lnSpc>
+                          <a:spcPct val="115000"/>
+                        </a:lnSpc>
+                      </a:pPr>
+                      <a:r>
+                        <a:rPr lang="it-IT" sz="900">
+                          <a:effectLst/>
+                        </a:rPr>
+                        <a:t>Formato (re)                                                                                                                       </a:t>
+                      </a:r>
+                      <a:endParaRPr lang="it-IT" sz="800">
+                        <a:effectLst/>
+                        <a:latin typeface="Arial" panose="020B0604020202020204" pitchFamily="34" charset="0"/>
+                        <a:ea typeface="Arial" panose="020B0604020202020204" pitchFamily="34" charset="0"/>
+                      </a:endParaRPr>
+                    </a:p>
+                  </a:txBody>
+                  <a:tcPr marL="46001" marR="46001" marT="46001" marB="46001"/>
+                </a:tc>
+                <a:tc>
+                  <a:txBody>
+                    <a:bodyPr/>
+                    <a:lstStyle/>
+                    <a:p>
+                      <a:pPr>
+                        <a:lnSpc>
+                          <a:spcPct val="115000"/>
+                        </a:lnSpc>
+                      </a:pPr>
+                      <a:r>
+                        <a:rPr lang="it-IT" sz="900" dirty="0">
+                          <a:effectLst/>
+                        </a:rPr>
+                        <a:t> 1: rispetta il formato [ </a:t>
+                      </a:r>
+                      <a:r>
+                        <a:rPr lang="it-IT" sz="900" dirty="0" err="1">
+                          <a:effectLst/>
+                        </a:rPr>
+                        <a:t>if</a:t>
+                      </a:r>
+                      <a:r>
+                        <a:rPr lang="it-IT" sz="900" dirty="0">
+                          <a:effectLst/>
+                        </a:rPr>
+                        <a:t> </a:t>
+                      </a:r>
+                      <a:r>
+                        <a:rPr lang="it-IT" sz="900" dirty="0" err="1">
+                          <a:effectLst/>
+                        </a:rPr>
+                        <a:t>lunghezzaAUok</a:t>
+                      </a:r>
+                      <a:r>
+                        <a:rPr lang="it-IT" sz="900" dirty="0">
+                          <a:effectLst/>
+                        </a:rPr>
+                        <a:t>]                                                               [</a:t>
+                      </a:r>
+                      <a:r>
+                        <a:rPr lang="it-IT" sz="900" dirty="0" err="1">
+                          <a:effectLst/>
+                        </a:rPr>
+                        <a:t>property</a:t>
+                      </a:r>
+                      <a:r>
+                        <a:rPr lang="it-IT" sz="900" dirty="0">
+                          <a:effectLst/>
+                        </a:rPr>
+                        <a:t> </a:t>
+                      </a:r>
+                      <a:r>
+                        <a:rPr lang="it-IT" sz="900" dirty="0" err="1">
+                          <a:effectLst/>
+                        </a:rPr>
+                        <a:t>formatoREok</a:t>
+                      </a:r>
+                      <a:r>
+                        <a:rPr lang="it-IT" sz="900" dirty="0">
+                          <a:effectLst/>
+                        </a:rPr>
+                        <a:t> ]</a:t>
+                      </a:r>
+                      <a:endParaRPr lang="it-IT" sz="800" dirty="0">
+                        <a:effectLst/>
+                      </a:endParaRPr>
+                    </a:p>
+                    <a:p>
+                      <a:pPr>
+                        <a:lnSpc>
+                          <a:spcPct val="115000"/>
+                        </a:lnSpc>
+                      </a:pPr>
+                      <a:r>
+                        <a:rPr lang="it-IT" sz="900" dirty="0">
+                          <a:effectLst/>
+                        </a:rPr>
+                        <a:t>                                                             </a:t>
+                      </a:r>
+                      <a:endParaRPr lang="it-IT" sz="800" dirty="0">
+                        <a:effectLst/>
+                      </a:endParaRPr>
+                    </a:p>
+                    <a:p>
+                      <a:pPr>
+                        <a:lnSpc>
+                          <a:spcPct val="115000"/>
+                        </a:lnSpc>
+                      </a:pPr>
+                      <a:r>
+                        <a:rPr lang="it-IT" sz="900" dirty="0">
+                          <a:effectLst/>
+                        </a:rPr>
+                        <a:t>2: non rispetta il formato [ </a:t>
+                      </a:r>
+                      <a:r>
+                        <a:rPr lang="it-IT" sz="900" dirty="0" err="1">
+                          <a:effectLst/>
+                        </a:rPr>
+                        <a:t>if</a:t>
+                      </a:r>
+                      <a:r>
+                        <a:rPr lang="it-IT" sz="900" dirty="0">
+                          <a:effectLst/>
+                        </a:rPr>
+                        <a:t>                                                                               </a:t>
+                      </a:r>
+                      <a:r>
+                        <a:rPr lang="it-IT" sz="900" dirty="0" err="1">
+                          <a:effectLst/>
+                        </a:rPr>
+                        <a:t>lunghezzaAUok</a:t>
+                      </a:r>
+                      <a:r>
+                        <a:rPr lang="it-IT" sz="900" dirty="0">
+                          <a:effectLst/>
+                        </a:rPr>
+                        <a:t>] [ errore ]  </a:t>
+                      </a:r>
+                      <a:endParaRPr lang="it-IT" sz="800" dirty="0">
+                        <a:effectLst/>
+                        <a:latin typeface="Arial" panose="020B0604020202020204" pitchFamily="34" charset="0"/>
+                        <a:ea typeface="Arial" panose="020B0604020202020204" pitchFamily="34" charset="0"/>
+                      </a:endParaRPr>
+                    </a:p>
+                  </a:txBody>
+                  <a:tcPr marL="46001" marR="46001" marT="46001" marB="46001"/>
+                </a:tc>
+                <a:extLst>
+                  <a:ext uri="{0D108BD9-81ED-4DB2-BD59-A6C34878D82A}">
+                    <a16:rowId xmlns:a16="http://schemas.microsoft.com/office/drawing/2014/main" val="2898216379"/>
+                  </a:ext>
+                </a:extLst>
+              </a:tr>
+            </a:tbl>
+          </a:graphicData>
+        </a:graphic>
+      </p:graphicFrame>
+      <p:graphicFrame>
+        <p:nvGraphicFramePr>
+          <p:cNvPr id="7" name="Tabella 6">
+            <a:extLst>
+              <a:ext uri="{FF2B5EF4-FFF2-40B4-BE49-F238E27FC236}">
+                <a16:creationId xmlns:a16="http://schemas.microsoft.com/office/drawing/2014/main" id="{535A5977-FE06-4836-BF2F-3130537EB41B}"/>
+              </a:ext>
+            </a:extLst>
+          </p:cNvPr>
+          <p:cNvGraphicFramePr>
+            <a:graphicFrameLocks noGrp="1"/>
+          </p:cNvGraphicFramePr>
+          <p:nvPr>
+            <p:extLst>
+              <p:ext uri="{D42A27DB-BD31-4B8C-83A1-F6EECF244321}">
+                <p14:modId xmlns:p14="http://schemas.microsoft.com/office/powerpoint/2010/main" val="1607857063"/>
+              </p:ext>
+            </p:extLst>
+          </p:nvPr>
+        </p:nvGraphicFramePr>
+        <p:xfrm>
+          <a:off x="5533897" y="3776506"/>
+          <a:ext cx="5810250" cy="2965452"/>
+        </p:xfrm>
+        <a:graphic>
+          <a:graphicData uri="http://schemas.openxmlformats.org/drawingml/2006/table">
+            <a:tbl>
+              <a:tblPr>
+                <a:tableStyleId>{5C22544A-7EE6-4342-B048-85BDC9FD1C3A}</a:tableStyleId>
+              </a:tblPr>
+              <a:tblGrid>
+                <a:gridCol w="2867025">
+                  <a:extLst>
+                    <a:ext uri="{9D8B030D-6E8A-4147-A177-3AD203B41FA5}">
+                      <a16:colId xmlns:a16="http://schemas.microsoft.com/office/drawing/2014/main" val="2850961397"/>
+                    </a:ext>
+                  </a:extLst>
+                </a:gridCol>
+                <a:gridCol w="2943225">
+                  <a:extLst>
+                    <a:ext uri="{9D8B030D-6E8A-4147-A177-3AD203B41FA5}">
+                      <a16:colId xmlns:a16="http://schemas.microsoft.com/office/drawing/2014/main" val="2097266817"/>
+                    </a:ext>
+                  </a:extLst>
+                </a:gridCol>
+              </a:tblGrid>
+              <a:tr h="415290">
+                <a:tc gridSpan="2">
+                  <a:txBody>
+                    <a:bodyPr/>
+                    <a:lstStyle/>
+                    <a:p>
+                      <a:pPr>
+                        <a:lnSpc>
+                          <a:spcPct val="115000"/>
+                        </a:lnSpc>
+                      </a:pPr>
+                      <a:r>
+                        <a:rPr lang="it-IT" sz="1200">
+                          <a:effectLst/>
+                        </a:rPr>
+                        <a:t>                                         Parametro: Genere</a:t>
+                      </a:r>
+                      <a:endParaRPr lang="it-IT" sz="1100">
+                        <a:effectLst/>
+                      </a:endParaRPr>
+                    </a:p>
+                    <a:p>
+                      <a:pPr>
+                        <a:lnSpc>
+                          <a:spcPct val="115000"/>
+                        </a:lnSpc>
+                      </a:pPr>
+                      <a:r>
+                        <a:rPr lang="it-IT" sz="1200">
+                          <a:effectLst/>
+                        </a:rPr>
+                        <a:t>                                         Formato: [ A-Z a-z ]</a:t>
+                      </a:r>
+                      <a:endParaRPr lang="it-IT" sz="1100">
+                        <a:effectLst/>
+                        <a:latin typeface="Arial" panose="020B0604020202020204" pitchFamily="34" charset="0"/>
+                        <a:ea typeface="Arial" panose="020B0604020202020204" pitchFamily="34" charset="0"/>
+                      </a:endParaRPr>
+                    </a:p>
+                  </a:txBody>
+                  <a:tcPr marL="63500" marR="63500" marT="63500" marB="63500"/>
+                </a:tc>
+                <a:tc hMerge="1">
+                  <a:txBody>
+                    <a:bodyPr/>
+                    <a:lstStyle/>
+                    <a:p>
+                      <a:endParaRPr lang="it-IT"/>
+                    </a:p>
+                  </a:txBody>
+                  <a:tcPr/>
+                </a:tc>
+                <a:extLst>
+                  <a:ext uri="{0D108BD9-81ED-4DB2-BD59-A6C34878D82A}">
+                    <a16:rowId xmlns:a16="http://schemas.microsoft.com/office/drawing/2014/main" val="3366330046"/>
+                  </a:ext>
+                </a:extLst>
+              </a:tr>
+              <a:tr h="0">
+                <a:tc>
+                  <a:txBody>
+                    <a:bodyPr/>
+                    <a:lstStyle/>
+                    <a:p>
+                      <a:pPr algn="ctr">
+                        <a:lnSpc>
+                          <a:spcPct val="115000"/>
+                        </a:lnSpc>
+                      </a:pPr>
+                      <a:r>
+                        <a:rPr lang="it-IT" sz="1200">
+                          <a:effectLst/>
+                        </a:rPr>
+                        <a:t>categorie                                 </a:t>
+                      </a:r>
+                      <a:endParaRPr lang="it-IT" sz="1100">
+                        <a:effectLst/>
+                        <a:latin typeface="Arial" panose="020B0604020202020204" pitchFamily="34" charset="0"/>
+                        <a:ea typeface="Arial" panose="020B0604020202020204" pitchFamily="34" charset="0"/>
+                      </a:endParaRPr>
+                    </a:p>
+                  </a:txBody>
+                  <a:tcPr marL="63500" marR="63500" marT="63500" marB="63500"/>
+                </a:tc>
+                <a:tc>
+                  <a:txBody>
+                    <a:bodyPr/>
+                    <a:lstStyle/>
+                    <a:p>
+                      <a:pPr algn="ctr">
+                        <a:lnSpc>
+                          <a:spcPct val="115000"/>
+                        </a:lnSpc>
+                      </a:pPr>
+                      <a:r>
+                        <a:rPr lang="it-IT" sz="1200">
+                          <a:effectLst/>
+                        </a:rPr>
+                        <a:t>scelte</a:t>
+                      </a:r>
+                      <a:endParaRPr lang="it-IT" sz="1100">
+                        <a:effectLst/>
+                        <a:latin typeface="Arial" panose="020B0604020202020204" pitchFamily="34" charset="0"/>
+                        <a:ea typeface="Arial" panose="020B0604020202020204" pitchFamily="34" charset="0"/>
+                      </a:endParaRPr>
+                    </a:p>
+                  </a:txBody>
+                  <a:tcPr marL="63500" marR="63500" marT="63500" marB="63500"/>
+                </a:tc>
+                <a:extLst>
+                  <a:ext uri="{0D108BD9-81ED-4DB2-BD59-A6C34878D82A}">
+                    <a16:rowId xmlns:a16="http://schemas.microsoft.com/office/drawing/2014/main" val="3416367961"/>
+                  </a:ext>
+                </a:extLst>
+              </a:tr>
+              <a:tr h="594360">
+                <a:tc>
+                  <a:txBody>
+                    <a:bodyPr/>
+                    <a:lstStyle/>
+                    <a:p>
+                      <a:pPr algn="ctr">
+                        <a:lnSpc>
+                          <a:spcPct val="115000"/>
+                        </a:lnSpc>
+                      </a:pPr>
+                      <a:r>
+                        <a:rPr lang="it-IT" sz="1200">
+                          <a:effectLst/>
+                        </a:rPr>
+                        <a:t>Lunghezza (ge)                                                   </a:t>
+                      </a:r>
+                      <a:endParaRPr lang="it-IT" sz="1100">
+                        <a:effectLst/>
+                        <a:latin typeface="Arial" panose="020B0604020202020204" pitchFamily="34" charset="0"/>
+                        <a:ea typeface="Arial" panose="020B0604020202020204" pitchFamily="34" charset="0"/>
+                      </a:endParaRPr>
+                    </a:p>
+                  </a:txBody>
+                  <a:tcPr marL="63500" marR="63500" marT="63500" marB="63500"/>
+                </a:tc>
+                <a:tc>
+                  <a:txBody>
+                    <a:bodyPr/>
+                    <a:lstStyle/>
+                    <a:p>
+                      <a:pPr>
+                        <a:lnSpc>
+                          <a:spcPct val="115000"/>
+                        </a:lnSpc>
+                      </a:pPr>
+                      <a:r>
+                        <a:rPr lang="it-IT" sz="1200">
+                          <a:effectLst/>
+                        </a:rPr>
+                        <a:t>1: lunghezza == 0 [ errore]</a:t>
+                      </a:r>
+                      <a:endParaRPr lang="it-IT" sz="1100">
+                        <a:effectLst/>
+                      </a:endParaRPr>
+                    </a:p>
+                    <a:p>
+                      <a:pPr>
+                        <a:lnSpc>
+                          <a:spcPct val="115000"/>
+                        </a:lnSpc>
+                      </a:pPr>
+                      <a:r>
+                        <a:rPr lang="it-IT" sz="1200">
+                          <a:effectLst/>
+                        </a:rPr>
+                        <a:t> </a:t>
+                      </a:r>
+                      <a:endParaRPr lang="it-IT" sz="1100">
+                        <a:effectLst/>
+                      </a:endParaRPr>
+                    </a:p>
+                    <a:p>
+                      <a:pPr>
+                        <a:lnSpc>
+                          <a:spcPct val="115000"/>
+                        </a:lnSpc>
+                      </a:pPr>
+                      <a:r>
+                        <a:rPr lang="it-IT" sz="1200">
+                          <a:effectLst/>
+                        </a:rPr>
+                        <a:t>2: lunghezza &gt;= 1                                                                   [property  lunghezzaGEok]</a:t>
+                      </a:r>
+                      <a:endParaRPr lang="it-IT" sz="1100">
+                        <a:effectLst/>
+                        <a:latin typeface="Arial" panose="020B0604020202020204" pitchFamily="34" charset="0"/>
+                        <a:ea typeface="Arial" panose="020B0604020202020204" pitchFamily="34" charset="0"/>
+                      </a:endParaRPr>
+                    </a:p>
+                  </a:txBody>
+                  <a:tcPr marL="63500" marR="63500" marT="63500" marB="63500"/>
+                </a:tc>
+                <a:extLst>
+                  <a:ext uri="{0D108BD9-81ED-4DB2-BD59-A6C34878D82A}">
+                    <a16:rowId xmlns:a16="http://schemas.microsoft.com/office/drawing/2014/main" val="993653727"/>
+                  </a:ext>
+                </a:extLst>
+              </a:tr>
+              <a:tr h="1009650">
+                <a:tc>
+                  <a:txBody>
+                    <a:bodyPr/>
+                    <a:lstStyle/>
+                    <a:p>
+                      <a:pPr algn="ctr">
+                        <a:lnSpc>
+                          <a:spcPct val="115000"/>
+                        </a:lnSpc>
+                      </a:pPr>
+                      <a:r>
+                        <a:rPr lang="it-IT" sz="1200">
+                          <a:effectLst/>
+                        </a:rPr>
+                        <a:t>Formato (ne)                                                                                                                       </a:t>
+                      </a:r>
+                      <a:endParaRPr lang="it-IT" sz="1100">
+                        <a:effectLst/>
+                        <a:latin typeface="Arial" panose="020B0604020202020204" pitchFamily="34" charset="0"/>
+                        <a:ea typeface="Arial" panose="020B0604020202020204" pitchFamily="34" charset="0"/>
+                      </a:endParaRPr>
+                    </a:p>
+                  </a:txBody>
+                  <a:tcPr marL="63500" marR="63500" marT="63500" marB="63500"/>
+                </a:tc>
+                <a:tc>
+                  <a:txBody>
+                    <a:bodyPr/>
+                    <a:lstStyle/>
+                    <a:p>
+                      <a:pPr>
+                        <a:lnSpc>
+                          <a:spcPct val="115000"/>
+                        </a:lnSpc>
+                      </a:pPr>
+                      <a:r>
+                        <a:rPr lang="it-IT" sz="1200" dirty="0">
+                          <a:effectLst/>
+                        </a:rPr>
+                        <a:t> 1: rispetta il formato [ </a:t>
+                      </a:r>
+                      <a:r>
+                        <a:rPr lang="it-IT" sz="1200" dirty="0" err="1">
+                          <a:effectLst/>
+                        </a:rPr>
+                        <a:t>if</a:t>
+                      </a:r>
+                      <a:r>
+                        <a:rPr lang="it-IT" sz="1200" dirty="0">
+                          <a:effectLst/>
+                        </a:rPr>
+                        <a:t> </a:t>
+                      </a:r>
+                      <a:r>
+                        <a:rPr lang="it-IT" sz="1200" dirty="0" err="1">
+                          <a:effectLst/>
+                        </a:rPr>
+                        <a:t>lunghezzaGEok</a:t>
+                      </a:r>
+                      <a:r>
+                        <a:rPr lang="it-IT" sz="1200" dirty="0">
+                          <a:effectLst/>
+                        </a:rPr>
+                        <a:t>]                                                               [</a:t>
+                      </a:r>
+                      <a:r>
+                        <a:rPr lang="it-IT" sz="1200" dirty="0" err="1">
+                          <a:effectLst/>
+                        </a:rPr>
+                        <a:t>property</a:t>
+                      </a:r>
+                      <a:r>
+                        <a:rPr lang="it-IT" sz="1200" dirty="0">
+                          <a:effectLst/>
+                        </a:rPr>
+                        <a:t> </a:t>
+                      </a:r>
+                      <a:r>
+                        <a:rPr lang="it-IT" sz="1200" dirty="0" err="1">
+                          <a:effectLst/>
+                        </a:rPr>
+                        <a:t>formatoNEok</a:t>
+                      </a:r>
+                      <a:r>
+                        <a:rPr lang="it-IT" sz="1200" dirty="0">
+                          <a:effectLst/>
+                        </a:rPr>
+                        <a:t> ]</a:t>
+                      </a:r>
+                      <a:endParaRPr lang="it-IT" sz="1100" dirty="0">
+                        <a:effectLst/>
+                      </a:endParaRPr>
+                    </a:p>
+                    <a:p>
+                      <a:pPr>
+                        <a:lnSpc>
+                          <a:spcPct val="115000"/>
+                        </a:lnSpc>
+                      </a:pPr>
+                      <a:r>
+                        <a:rPr lang="it-IT" sz="1200" dirty="0">
+                          <a:effectLst/>
+                        </a:rPr>
+                        <a:t>                                                             </a:t>
+                      </a:r>
+                      <a:endParaRPr lang="it-IT" sz="1100" dirty="0">
+                        <a:effectLst/>
+                      </a:endParaRPr>
+                    </a:p>
+                    <a:p>
+                      <a:pPr>
+                        <a:lnSpc>
+                          <a:spcPct val="115000"/>
+                        </a:lnSpc>
+                      </a:pPr>
+                      <a:r>
+                        <a:rPr lang="it-IT" sz="1200" dirty="0">
+                          <a:effectLst/>
+                        </a:rPr>
+                        <a:t>2: non rispetta il formato [ </a:t>
+                      </a:r>
+                      <a:r>
+                        <a:rPr lang="it-IT" sz="1200" dirty="0" err="1">
+                          <a:effectLst/>
+                        </a:rPr>
+                        <a:t>if</a:t>
+                      </a:r>
+                      <a:r>
+                        <a:rPr lang="it-IT" sz="1200" dirty="0">
+                          <a:effectLst/>
+                        </a:rPr>
+                        <a:t>                                                                               </a:t>
+                      </a:r>
+                      <a:r>
+                        <a:rPr lang="it-IT" sz="1200" dirty="0" err="1">
+                          <a:effectLst/>
+                        </a:rPr>
+                        <a:t>lunghezzaGEok</a:t>
+                      </a:r>
+                      <a:r>
+                        <a:rPr lang="it-IT" sz="1200" dirty="0">
+                          <a:effectLst/>
+                        </a:rPr>
+                        <a:t>] [ errore ]  </a:t>
+                      </a:r>
+                      <a:endParaRPr lang="it-IT" sz="1100" dirty="0">
+                        <a:effectLst/>
+                        <a:latin typeface="Arial" panose="020B0604020202020204" pitchFamily="34" charset="0"/>
+                        <a:ea typeface="Arial" panose="020B0604020202020204" pitchFamily="34" charset="0"/>
+                      </a:endParaRPr>
+                    </a:p>
+                  </a:txBody>
+                  <a:tcPr marL="63500" marR="63500" marT="63500" marB="63500"/>
+                </a:tc>
+                <a:extLst>
+                  <a:ext uri="{0D108BD9-81ED-4DB2-BD59-A6C34878D82A}">
+                    <a16:rowId xmlns:a16="http://schemas.microsoft.com/office/drawing/2014/main" val="2145135749"/>
+                  </a:ext>
+                </a:extLst>
+              </a:tr>
+            </a:tbl>
+          </a:graphicData>
+        </a:graphic>
+      </p:graphicFrame>
+      <p:sp>
+        <p:nvSpPr>
+          <p:cNvPr id="8" name="Titolo 1">
+            <a:extLst>
+              <a:ext uri="{FF2B5EF4-FFF2-40B4-BE49-F238E27FC236}">
+                <a16:creationId xmlns:a16="http://schemas.microsoft.com/office/drawing/2014/main" id="{427349A2-0469-4A2B-9CD4-AA01885D7937}"/>
+              </a:ext>
+            </a:extLst>
+          </p:cNvPr>
+          <p:cNvSpPr txBox="1">
+            <a:spLocks/>
+          </p:cNvSpPr>
+          <p:nvPr/>
+        </p:nvSpPr>
+        <p:spPr>
+          <a:xfrm rot="16200000">
+            <a:off x="11043378" y="5804759"/>
+            <a:ext cx="1578634" cy="527848"/>
+          </a:xfrm>
+          <a:prstGeom prst="rect">
+            <a:avLst/>
+          </a:prstGeom>
+        </p:spPr>
+        <p:txBody>
+          <a:bodyPr vert="horz" lIns="91440" tIns="45720" rIns="91440" bIns="45720" rtlCol="0" anchor="t">
+            <a:normAutofit fontScale="97500" lnSpcReduction="10000"/>
+          </a:bodyPr>
+          <a:lstStyle>
+            <a:lvl1pPr algn="l" defTabSz="914400" rtl="0" eaLnBrk="1" latinLnBrk="0" hangingPunct="1">
+              <a:lnSpc>
+                <a:spcPct val="90000"/>
+              </a:lnSpc>
+              <a:spcBef>
+                <a:spcPct val="0"/>
+              </a:spcBef>
+              <a:buNone/>
+              <a:defRPr sz="5100" kern="1200" cap="all" spc="200" baseline="0">
+                <a:solidFill>
+                  <a:schemeClr val="tx2"/>
+                </a:solidFill>
+                <a:latin typeface="+mj-lt"/>
+                <a:ea typeface="+mj-ea"/>
+                <a:cs typeface="+mj-cs"/>
+              </a:defRPr>
+            </a:lvl1pPr>
+          </a:lstStyle>
+          <a:p>
+            <a:r>
+              <a:rPr lang="it-IT" sz="3600" dirty="0">
+                <a:solidFill>
+                  <a:srgbClr val="F8B323"/>
+                </a:solidFill>
+              </a:rPr>
+              <a:t>TP-TCS</a:t>
+            </a:r>
+          </a:p>
+        </p:txBody>
+      </p:sp>
+    </p:spTree>
+    <p:extLst>
+      <p:ext uri="{BB962C8B-B14F-4D97-AF65-F5344CB8AC3E}">
+        <p14:creationId xmlns:p14="http://schemas.microsoft.com/office/powerpoint/2010/main" val="2730955762"/>
       </p:ext>
     </p:extLst>
   </p:cSld>
